--- a/PubSubGcpPresentation.pptx
+++ b/PubSubGcpPresentation.pptx
@@ -122,6 +122,14 @@
       </a:defRPr>
     </a:lvl9pPr>
   </p:defaultTextStyle>
+  <p:extLst>
+    <p:ext uri="{EFAFB233-063F-42B5-8137-9DF3F51BA10A}">
+      <p15:sldGuideLst xmlns:p15="http://schemas.microsoft.com/office/powerpoint/2012/main"/>
+    </p:ext>
+    <p:ext uri="{2D200454-40CA-4A62-9FC3-DE9A4176ACB9}">
+      <p15:notesGuideLst xmlns:p15="http://schemas.microsoft.com/office/powerpoint/2012/main"/>
+    </p:ext>
+  </p:extLst>
 </p:presentation>
 </file>
 
@@ -27687,7 +27695,7 @@
           <a:p>
             <a:fld id="{C09159B0-9D12-434B-AAE2-3439AFEEBA13}" type="datetimeFigureOut">
               <a:rPr lang="en-US" smtClean="0"/>
-              <a:t>11/27/20</a:t>
+              <a:t>11/30/20</a:t>
             </a:fld>
             <a:endParaRPr lang="en-US"/>
           </a:p>
@@ -28209,9 +28217,9 @@
             </a:lvl1pPr>
           </a:lstStyle>
           <a:p>
-            <a:fld id="{90965559-F9FA-914C-80B5-C97744B9C0EA}" type="datetime1">
+            <a:fld id="{A3359F5C-6C31-3446-B4EA-5F776CCFE926}" type="datetime1">
               <a:rPr lang="en-US" smtClean="0"/>
-              <a:t>11/27/20</a:t>
+              <a:t>11/30/20</a:t>
             </a:fld>
             <a:endParaRPr lang="en-US" dirty="0"/>
           </a:p>
@@ -28247,7 +28255,7 @@
           <a:p>
             <a:r>
               <a:rPr lang="en-US"/>
-              <a:t>@quiltndogs</a:t>
+              <a:t>https://kmr0018.github.io/ConnectForward-PubSubOnGCP/  @quiltndogs karen_m_reeves@homedepot.com</a:t>
             </a:r>
             <a:endParaRPr lang="en-US" dirty="0"/>
           </a:p>
@@ -28543,9 +28551,9 @@
           <a:bodyPr/>
           <a:lstStyle/>
           <a:p>
-            <a:fld id="{0526DA36-1202-774B-89FB-4546375A2EA1}" type="datetime1">
+            <a:fld id="{B0A8279B-0FFD-934E-B31D-1E9959DFEC1B}" type="datetime1">
               <a:rPr lang="en-US" smtClean="0"/>
-              <a:t>11/27/20</a:t>
+              <a:t>11/30/20</a:t>
             </a:fld>
             <a:endParaRPr lang="en-US" dirty="0"/>
           </a:p>
@@ -28568,7 +28576,7 @@
           <a:p>
             <a:r>
               <a:rPr lang="en-US"/>
-              <a:t>@quiltndogs</a:t>
+              <a:t>https://kmr0018.github.io/ConnectForward-PubSubOnGCP/  @quiltndogs karen_m_reeves@homedepot.com</a:t>
             </a:r>
             <a:endParaRPr lang="en-US" dirty="0"/>
           </a:p>
@@ -28727,9 +28735,9 @@
           <a:bodyPr/>
           <a:lstStyle/>
           <a:p>
-            <a:fld id="{75B2A9E0-C314-0640-B85C-3718640032F5}" type="datetime1">
+            <a:fld id="{96A304FF-D428-7B47-91A5-F6789F865EFD}" type="datetime1">
               <a:rPr lang="en-US" smtClean="0"/>
-              <a:t>11/27/20</a:t>
+              <a:t>11/30/20</a:t>
             </a:fld>
             <a:endParaRPr lang="en-US" dirty="0"/>
           </a:p>
@@ -28752,7 +28760,7 @@
           <a:p>
             <a:r>
               <a:rPr lang="en-US"/>
-              <a:t>@quiltndogs</a:t>
+              <a:t>https://kmr0018.github.io/ConnectForward-PubSubOnGCP/  @quiltndogs karen_m_reeves@homedepot.com</a:t>
             </a:r>
             <a:endParaRPr lang="en-US" dirty="0"/>
           </a:p>
@@ -28901,9 +28909,9 @@
           <a:bodyPr/>
           <a:lstStyle/>
           <a:p>
-            <a:fld id="{8987A1CC-DD7A-E545-AB8E-6E2D7D4BC0E3}" type="datetime1">
+            <a:fld id="{8B987ED7-D956-5C47-A12D-B99DDA3F9F63}" type="datetime1">
               <a:rPr lang="en-US" smtClean="0"/>
-              <a:t>11/27/20</a:t>
+              <a:t>11/30/20</a:t>
             </a:fld>
             <a:endParaRPr lang="en-US" dirty="0"/>
           </a:p>
@@ -28926,7 +28934,7 @@
           <a:p>
             <a:r>
               <a:rPr lang="en-US"/>
-              <a:t>@quiltndogs</a:t>
+              <a:t>https://kmr0018.github.io/ConnectForward-PubSubOnGCP/  @quiltndogs karen_m_reeves@homedepot.com</a:t>
             </a:r>
             <a:endParaRPr lang="en-US" dirty="0"/>
           </a:p>
@@ -29182,9 +29190,9 @@
             </a:lvl1pPr>
           </a:lstStyle>
           <a:p>
-            <a:fld id="{760688F6-9458-F54D-AAE4-9E16AF90D4CC}" type="datetime1">
+            <a:fld id="{02B09E7D-F5FC-A844-BFF6-2D67A928610E}" type="datetime1">
               <a:rPr lang="en-US" smtClean="0"/>
-              <a:t>11/27/20</a:t>
+              <a:t>11/30/20</a:t>
             </a:fld>
             <a:endParaRPr lang="en-US" dirty="0"/>
           </a:p>
@@ -29220,7 +29228,7 @@
           <a:p>
             <a:r>
               <a:rPr lang="en-US"/>
-              <a:t>@quiltndogs</a:t>
+              <a:t>https://kmr0018.github.io/ConnectForward-PubSubOnGCP/  @quiltndogs karen_m_reeves@homedepot.com</a:t>
             </a:r>
             <a:endParaRPr lang="en-US" dirty="0"/>
           </a:p>
@@ -29580,9 +29588,9 @@
           <a:bodyPr/>
           <a:lstStyle/>
           <a:p>
-            <a:fld id="{1EDD670B-C6AB-B343-8ECF-FEEF9CF5CA87}" type="datetime1">
+            <a:fld id="{2411B83D-4E3A-5049-BF3D-964C889B6821}" type="datetime1">
               <a:rPr lang="en-US" smtClean="0"/>
-              <a:t>11/27/20</a:t>
+              <a:t>11/30/20</a:t>
             </a:fld>
             <a:endParaRPr lang="en-US" dirty="0"/>
           </a:p>
@@ -29605,7 +29613,7 @@
           <a:p>
             <a:r>
               <a:rPr lang="en-US"/>
-              <a:t>@quiltndogs</a:t>
+              <a:t>https://kmr0018.github.io/ConnectForward-PubSubOnGCP/  @quiltndogs karen_m_reeves@homedepot.com</a:t>
             </a:r>
             <a:endParaRPr lang="en-US" dirty="0"/>
           </a:p>
@@ -30061,9 +30069,9 @@
           <a:bodyPr/>
           <a:lstStyle/>
           <a:p>
-            <a:fld id="{CA3FA247-AB02-4D4D-8E39-71701D97F51B}" type="datetime1">
+            <a:fld id="{5D7BBA3D-20EE-EC48-AD67-29A543C96F8D}" type="datetime1">
               <a:rPr lang="en-US" smtClean="0"/>
-              <a:t>11/27/20</a:t>
+              <a:t>11/30/20</a:t>
             </a:fld>
             <a:endParaRPr lang="en-US" dirty="0"/>
           </a:p>
@@ -30086,7 +30094,7 @@
           <a:p>
             <a:r>
               <a:rPr lang="en-US"/>
-              <a:t>@quiltndogs</a:t>
+              <a:t>https://kmr0018.github.io/ConnectForward-PubSubOnGCP/  @quiltndogs karen_m_reeves@homedepot.com</a:t>
             </a:r>
             <a:endParaRPr lang="en-US" dirty="0"/>
           </a:p>
@@ -30184,9 +30192,9 @@
           <a:bodyPr/>
           <a:lstStyle/>
           <a:p>
-            <a:fld id="{9847BCF0-226F-E04D-B290-3176AA06D781}" type="datetime1">
+            <a:fld id="{484F1B8C-104E-2F45-8EE5-8EE3CF97C84A}" type="datetime1">
               <a:rPr lang="en-US" smtClean="0"/>
-              <a:t>11/27/20</a:t>
+              <a:t>11/30/20</a:t>
             </a:fld>
             <a:endParaRPr lang="en-US" dirty="0"/>
           </a:p>
@@ -30209,7 +30217,7 @@
           <a:p>
             <a:r>
               <a:rPr lang="en-US"/>
-              <a:t>@quiltndogs</a:t>
+              <a:t>https://kmr0018.github.io/ConnectForward-PubSubOnGCP/  @quiltndogs karen_m_reeves@homedepot.com</a:t>
             </a:r>
             <a:endParaRPr lang="en-US" dirty="0"/>
           </a:p>
@@ -30283,9 +30291,9 @@
           <a:bodyPr/>
           <a:lstStyle/>
           <a:p>
-            <a:fld id="{119DDA4B-CF16-504A-AB8B-F1D01386E98A}" type="datetime1">
+            <a:fld id="{AD27424A-9175-E04A-B5AE-1D136F9B981D}" type="datetime1">
               <a:rPr lang="en-US" smtClean="0"/>
-              <a:t>11/27/20</a:t>
+              <a:t>11/30/20</a:t>
             </a:fld>
             <a:endParaRPr lang="en-US" dirty="0"/>
           </a:p>
@@ -30308,7 +30316,7 @@
           <a:p>
             <a:r>
               <a:rPr lang="en-US"/>
-              <a:t>@quiltndogs</a:t>
+              <a:t>https://kmr0018.github.io/ConnectForward-PubSubOnGCP/  @quiltndogs karen_m_reeves@homedepot.com</a:t>
             </a:r>
             <a:endParaRPr lang="en-US" dirty="0"/>
           </a:p>
@@ -30633,9 +30641,9 @@
             </a:lvl1pPr>
           </a:lstStyle>
           <a:p>
-            <a:fld id="{58156767-109D-3840-AE2F-DE4A8611E483}" type="datetime1">
+            <a:fld id="{20E7EA72-0893-4A43-B8EA-D0B49CB6E95A}" type="datetime1">
               <a:rPr lang="en-US" smtClean="0"/>
-              <a:t>11/27/20</a:t>
+              <a:t>11/30/20</a:t>
             </a:fld>
             <a:endParaRPr lang="en-US" dirty="0"/>
           </a:p>
@@ -30671,7 +30679,7 @@
           <a:p>
             <a:r>
               <a:rPr lang="en-US"/>
-              <a:t>@quiltndogs</a:t>
+              <a:t>https://kmr0018.github.io/ConnectForward-PubSubOnGCP/  @quiltndogs karen_m_reeves@homedepot.com</a:t>
             </a:r>
             <a:endParaRPr lang="en-US" dirty="0"/>
           </a:p>
@@ -31025,9 +31033,9 @@
             </a:lvl1pPr>
           </a:lstStyle>
           <a:p>
-            <a:fld id="{3EEB6FC2-5C28-E947-AFD3-E6C5CFBE74B1}" type="datetime1">
+            <a:fld id="{1F9C1A6B-81A2-AD41-BC13-957C5641E2DA}" type="datetime1">
               <a:rPr lang="en-US" smtClean="0"/>
-              <a:t>11/27/20</a:t>
+              <a:t>11/30/20</a:t>
             </a:fld>
             <a:endParaRPr lang="en-US" dirty="0"/>
           </a:p>
@@ -31063,7 +31071,7 @@
           <a:p>
             <a:r>
               <a:rPr lang="en-US"/>
-              <a:t>@quiltndogs</a:t>
+              <a:t>https://kmr0018.github.io/ConnectForward-PubSubOnGCP/  @quiltndogs karen_m_reeves@homedepot.com</a:t>
             </a:r>
             <a:endParaRPr lang="en-US" dirty="0"/>
           </a:p>
@@ -31308,9 +31316,9 @@
             </a:lvl1pPr>
           </a:lstStyle>
           <a:p>
-            <a:fld id="{6FE61181-A94B-244D-8F5D-D21D9ABBFFEA}" type="datetime1">
+            <a:fld id="{BFCD0B0C-029D-034B-9AD3-27BFB42C65FE}" type="datetime1">
               <a:rPr lang="en-US" smtClean="0"/>
-              <a:t>11/27/20</a:t>
+              <a:t>11/30/20</a:t>
             </a:fld>
             <a:endParaRPr lang="en-US" dirty="0"/>
           </a:p>
@@ -31349,7 +31357,7 @@
           <a:p>
             <a:r>
               <a:rPr lang="en-US"/>
-              <a:t>@quiltndogs</a:t>
+              <a:t>https://kmr0018.github.io/ConnectForward-PubSubOnGCP/  @quiltndogs karen_m_reeves@homedepot.com</a:t>
             </a:r>
             <a:endParaRPr lang="en-US" dirty="0"/>
           </a:p>
@@ -31993,7 +32001,7 @@
             </a:pPr>
             <a:r>
               <a:rPr lang="en-US" dirty="0"/>
-              <a:t>December 2010</a:t>
+              <a:t>December 2020</a:t>
             </a:r>
           </a:p>
         </p:txBody>
@@ -32690,7 +32698,7 @@
         </p:spPr>
         <p:txBody>
           <a:bodyPr vert="horz" lIns="91440" tIns="45720" rIns="91440" bIns="45720" rtlCol="0" anchor="ctr">
-            <a:normAutofit/>
+            <a:normAutofit fontScale="92500"/>
           </a:bodyPr>
           <a:lstStyle/>
           <a:p>
@@ -32708,7 +32716,7 @@
                 <a:ea typeface="+mn-ea"/>
                 <a:cs typeface="+mn-cs"/>
               </a:rPr>
-              <a:t>@quiltndogs</a:t>
+              <a:t>https://kmr0018.github.io/ConnectForward-PubSubOnGCP/  @quiltndogs karen_m_reeves@homedepot.com</a:t>
             </a:r>
           </a:p>
         </p:txBody>
@@ -32840,13 +32848,13 @@
         </p:nvSpPr>
         <p:spPr>
           <a:xfrm>
-            <a:off x="2893564" y="6453386"/>
-            <a:ext cx="6280830" cy="404614"/>
+            <a:off x="1995055" y="6453386"/>
+            <a:ext cx="7179339" cy="404614"/>
           </a:xfrm>
         </p:spPr>
         <p:txBody>
           <a:bodyPr>
-            <a:normAutofit/>
+            <a:normAutofit fontScale="92500"/>
           </a:bodyPr>
           <a:lstStyle/>
           <a:p>
@@ -32856,9 +32864,30 @@
               </a:spcAft>
             </a:pPr>
             <a:r>
-              <a:rPr lang="en-US"/>
-              <a:t>@quiltndogs</a:t>
+              <a:rPr lang="en-US" dirty="0"/>
+              <a:t>https://kmr0018.github.io/</a:t>
             </a:r>
+            <a:r>
+              <a:rPr lang="en-US" dirty="0" err="1"/>
+              <a:t>ConnectForward-PubSubOnGCP</a:t>
+            </a:r>
+            <a:r>
+              <a:rPr lang="en-US" dirty="0"/>
+              <a:t>/  @</a:t>
+            </a:r>
+            <a:r>
+              <a:rPr lang="en-US" dirty="0" err="1"/>
+              <a:t>quiltndogs</a:t>
+            </a:r>
+            <a:r>
+              <a:rPr lang="en-US" dirty="0"/>
+              <a:t> </a:t>
+            </a:r>
+            <a:r>
+              <a:rPr lang="en-US" dirty="0" err="1"/>
+              <a:t>karen_m_reeves@homedepot.com</a:t>
+            </a:r>
+            <a:endParaRPr lang="en-US" dirty="0"/>
           </a:p>
         </p:txBody>
       </p:sp>
@@ -32985,8 +33014,8 @@
         </p:nvSpPr>
         <p:spPr>
           <a:xfrm>
-            <a:off x="2893564" y="6453386"/>
-            <a:ext cx="6280830" cy="404614"/>
+            <a:off x="1773382" y="6453386"/>
+            <a:ext cx="7401012" cy="404614"/>
           </a:xfrm>
         </p:spPr>
         <p:txBody>
@@ -33001,9 +33030,30 @@
               </a:spcAft>
             </a:pPr>
             <a:r>
-              <a:rPr lang="en-US"/>
-              <a:t>@quiltndogs</a:t>
+              <a:rPr lang="en-US" dirty="0"/>
+              <a:t>https://kmr0018.github.io/</a:t>
             </a:r>
+            <a:r>
+              <a:rPr lang="en-US" dirty="0" err="1"/>
+              <a:t>ConnectForward-PubSubOnGCP</a:t>
+            </a:r>
+            <a:r>
+              <a:rPr lang="en-US" dirty="0"/>
+              <a:t>/  @</a:t>
+            </a:r>
+            <a:r>
+              <a:rPr lang="en-US" dirty="0" err="1"/>
+              <a:t>quiltndogs</a:t>
+            </a:r>
+            <a:r>
+              <a:rPr lang="en-US" dirty="0"/>
+              <a:t> </a:t>
+            </a:r>
+            <a:r>
+              <a:rPr lang="en-US" dirty="0" err="1"/>
+              <a:t>karen_m_reeves@homedepot.com</a:t>
+            </a:r>
+            <a:endParaRPr lang="en-US" dirty="0"/>
           </a:p>
         </p:txBody>
       </p:sp>
@@ -33400,13 +33450,13 @@
         </p:nvSpPr>
         <p:spPr>
           <a:xfrm>
-            <a:off x="5100824" y="6453386"/>
-            <a:ext cx="4500376" cy="404614"/>
+            <a:off x="3519055" y="6453386"/>
+            <a:ext cx="6733309" cy="404614"/>
           </a:xfrm>
         </p:spPr>
         <p:txBody>
           <a:bodyPr>
-            <a:normAutofit/>
+            <a:normAutofit fontScale="92500"/>
           </a:bodyPr>
           <a:lstStyle/>
           <a:p>
@@ -33416,9 +33466,30 @@
               </a:spcAft>
             </a:pPr>
             <a:r>
-              <a:rPr lang="en-US"/>
-              <a:t>@quiltndogs</a:t>
+              <a:rPr lang="en-US" dirty="0"/>
+              <a:t>https://kmr0018.github.io/</a:t>
             </a:r>
+            <a:r>
+              <a:rPr lang="en-US" dirty="0" err="1"/>
+              <a:t>ConnectForward-PubSubOnGCP</a:t>
+            </a:r>
+            <a:r>
+              <a:rPr lang="en-US" dirty="0"/>
+              <a:t>/  @</a:t>
+            </a:r>
+            <a:r>
+              <a:rPr lang="en-US" dirty="0" err="1"/>
+              <a:t>quiltndogs</a:t>
+            </a:r>
+            <a:r>
+              <a:rPr lang="en-US" dirty="0"/>
+              <a:t> </a:t>
+            </a:r>
+            <a:r>
+              <a:rPr lang="en-US" dirty="0" err="1"/>
+              <a:t>karen_m_reeves@homedepot.com</a:t>
+            </a:r>
+            <a:endParaRPr lang="en-US" dirty="0"/>
           </a:p>
         </p:txBody>
       </p:sp>
@@ -33781,8 +33852,8 @@
         </p:nvSpPr>
         <p:spPr>
           <a:xfrm>
-            <a:off x="2893564" y="6453386"/>
-            <a:ext cx="6280830" cy="404614"/>
+            <a:off x="4876799" y="6507621"/>
+            <a:ext cx="8395855" cy="404614"/>
           </a:xfrm>
         </p:spPr>
         <p:txBody>
@@ -33797,7 +33868,7 @@
               </a:spcAft>
             </a:pPr>
             <a:r>
-              <a:rPr lang="en-US" kern="1200" baseline="0">
+              <a:rPr lang="en-US" kern="1200" baseline="0" dirty="0">
                 <a:solidFill>
                   <a:schemeClr val="tx2"/>
                 </a:solidFill>
@@ -33805,8 +33876,71 @@
                 <a:ea typeface="+mn-ea"/>
                 <a:cs typeface="+mn-cs"/>
               </a:rPr>
-              <a:t>@quiltndogs</a:t>
+              <a:t>https://kmr0018.github.io/</a:t>
             </a:r>
+            <a:r>
+              <a:rPr lang="en-US" kern="1200" baseline="0" dirty="0" err="1">
+                <a:solidFill>
+                  <a:schemeClr val="tx2"/>
+                </a:solidFill>
+                <a:latin typeface="+mn-lt"/>
+                <a:ea typeface="+mn-ea"/>
+                <a:cs typeface="+mn-cs"/>
+              </a:rPr>
+              <a:t>ConnectForward-PubSubOnGCP</a:t>
+            </a:r>
+            <a:r>
+              <a:rPr lang="en-US" kern="1200" baseline="0" dirty="0">
+                <a:solidFill>
+                  <a:schemeClr val="tx2"/>
+                </a:solidFill>
+                <a:latin typeface="+mn-lt"/>
+                <a:ea typeface="+mn-ea"/>
+                <a:cs typeface="+mn-cs"/>
+              </a:rPr>
+              <a:t>/  @</a:t>
+            </a:r>
+            <a:r>
+              <a:rPr lang="en-US" kern="1200" baseline="0" dirty="0" err="1">
+                <a:solidFill>
+                  <a:schemeClr val="tx2"/>
+                </a:solidFill>
+                <a:latin typeface="+mn-lt"/>
+                <a:ea typeface="+mn-ea"/>
+                <a:cs typeface="+mn-cs"/>
+              </a:rPr>
+              <a:t>quiltndogs</a:t>
+            </a:r>
+            <a:r>
+              <a:rPr lang="en-US" kern="1200" baseline="0" dirty="0">
+                <a:solidFill>
+                  <a:schemeClr val="tx2"/>
+                </a:solidFill>
+                <a:latin typeface="+mn-lt"/>
+                <a:ea typeface="+mn-ea"/>
+                <a:cs typeface="+mn-cs"/>
+              </a:rPr>
+              <a:t> </a:t>
+            </a:r>
+            <a:r>
+              <a:rPr lang="en-US" kern="1200" baseline="0" dirty="0" err="1">
+                <a:solidFill>
+                  <a:schemeClr val="tx2"/>
+                </a:solidFill>
+                <a:latin typeface="+mn-lt"/>
+                <a:ea typeface="+mn-ea"/>
+                <a:cs typeface="+mn-cs"/>
+              </a:rPr>
+              <a:t>karen_m_reeves@homedepot.com</a:t>
+            </a:r>
+            <a:endParaRPr lang="en-US" kern="1200" baseline="0" dirty="0">
+              <a:solidFill>
+                <a:schemeClr val="tx2"/>
+              </a:solidFill>
+              <a:latin typeface="+mn-lt"/>
+              <a:ea typeface="+mn-ea"/>
+              <a:cs typeface="+mn-cs"/>
+            </a:endParaRPr>
           </a:p>
         </p:txBody>
       </p:sp>
@@ -34058,7 +34192,7 @@
         </p:spPr>
         <p:txBody>
           <a:bodyPr vert="horz" lIns="91440" tIns="45720" rIns="91440" bIns="45720" rtlCol="0">
-            <a:normAutofit/>
+            <a:normAutofit fontScale="92500" lnSpcReduction="20000"/>
           </a:bodyPr>
           <a:lstStyle/>
           <a:p>
@@ -34122,12 +34256,77 @@
               <a:spcAft>
                 <a:spcPts val="200"/>
               </a:spcAft>
+              <a:buFont typeface="Arial" panose="020B0604020202020204" pitchFamily="34" charset="0"/>
+              <a:buChar char="•"/>
             </a:pPr>
             <a:r>
               <a:rPr lang="en-US" sz="2000" dirty="0">
                 <a:hlinkClick r:id="rId2"/>
               </a:rPr>
-              <a:t>karen_m_reeves@homedepot.com</a:t>
+              <a:t>Email: karen_m_reeves@homedepot.com</a:t>
+            </a:r>
+            <a:endParaRPr lang="en-US" sz="2000" dirty="0"/>
+          </a:p>
+          <a:p>
+            <a:pPr marL="384048" indent="-384048">
+              <a:lnSpc>
+                <a:spcPct val="94000"/>
+              </a:lnSpc>
+              <a:spcAft>
+                <a:spcPts val="200"/>
+              </a:spcAft>
+              <a:buFont typeface="Arial" panose="020B0604020202020204" pitchFamily="34" charset="0"/>
+              <a:buChar char="•"/>
+            </a:pPr>
+            <a:r>
+              <a:rPr lang="en-US" sz="2000" dirty="0">
+                <a:hlinkClick r:id="rId3"/>
+              </a:rPr>
+              <a:t>LinkedIn: karenmreeves</a:t>
+            </a:r>
+            <a:endParaRPr lang="en-US" sz="2000" dirty="0"/>
+          </a:p>
+          <a:p>
+            <a:pPr marL="384048" indent="-384048">
+              <a:lnSpc>
+                <a:spcPct val="94000"/>
+              </a:lnSpc>
+              <a:spcAft>
+                <a:spcPts val="200"/>
+              </a:spcAft>
+              <a:buFont typeface="Arial" panose="020B0604020202020204" pitchFamily="34" charset="0"/>
+              <a:buChar char="•"/>
+            </a:pPr>
+            <a:r>
+              <a:rPr lang="en-US" sz="2000" dirty="0"/>
+              <a:t>Twitter: @</a:t>
+            </a:r>
+            <a:r>
+              <a:rPr lang="en-US" sz="2000" dirty="0" err="1"/>
+              <a:t>quiltndogs</a:t>
+            </a:r>
+            <a:endParaRPr lang="en-US" sz="2000" dirty="0"/>
+          </a:p>
+          <a:p>
+            <a:pPr marL="384048" indent="-384048">
+              <a:lnSpc>
+                <a:spcPct val="94000"/>
+              </a:lnSpc>
+              <a:spcAft>
+                <a:spcPts val="200"/>
+              </a:spcAft>
+              <a:buFont typeface="Arial" panose="020B0604020202020204" pitchFamily="34" charset="0"/>
+              <a:buChar char="•"/>
+            </a:pPr>
+            <a:r>
+              <a:rPr lang="en-US" sz="2000" dirty="0"/>
+              <a:t>Slide Deck: </a:t>
+            </a:r>
+            <a:r>
+              <a:rPr lang="en-US" sz="2000" dirty="0">
+                <a:hlinkClick r:id="rId4"/>
+              </a:rPr>
+              <a:t>https://kmr0018.github.io/ConnectForward-PubSubOnGCP/</a:t>
             </a:r>
             <a:endParaRPr lang="en-US" sz="2000" dirty="0"/>
           </a:p>
@@ -34140,12 +34339,17 @@
                 <a:spcPts val="200"/>
               </a:spcAft>
             </a:pPr>
-            <a:r>
-              <a:rPr lang="en-US" sz="2000" dirty="0">
-                <a:hlinkClick r:id="rId3"/>
-              </a:rPr>
-              <a:t>https://www.linkedin.com/in/karenmreeves/</a:t>
-            </a:r>
+            <a:endParaRPr lang="en-US" sz="2000" dirty="0"/>
+          </a:p>
+          <a:p>
+            <a:pPr marL="384048" indent="-384048">
+              <a:lnSpc>
+                <a:spcPct val="94000"/>
+              </a:lnSpc>
+              <a:spcAft>
+                <a:spcPts val="200"/>
+              </a:spcAft>
+            </a:pPr>
             <a:endParaRPr lang="en-US" sz="2000" dirty="0"/>
           </a:p>
           <a:p>
@@ -34170,38 +34374,8 @@
             </a:pPr>
             <a:r>
               <a:rPr lang="en-US" dirty="0"/>
-              <a:t>Karen is a software engineer at Home Depot working on GCP, Java Microservices and React.  She has 22 years experience in Java and Web Development.  In her spare time she plays dog sports with her dogs and quilts, which explains her twitter handle.</a:t>
+              <a:t>Karen is a software engineer at Home Depot working on GCP, Java Microservices and React.  She has 22 years experience in Java and Web Development.  In her spare time she plays dog sports with her dogs and quilts, which explains her twitter and IG handle.</a:t>
             </a:r>
-          </a:p>
-          <a:p>
-            <a:pPr algn="ctr">
-              <a:lnSpc>
-                <a:spcPct val="94000"/>
-              </a:lnSpc>
-              <a:spcAft>
-                <a:spcPts val="200"/>
-              </a:spcAft>
-            </a:pPr>
-            <a:endParaRPr lang="en-US" dirty="0"/>
-          </a:p>
-          <a:p>
-            <a:pPr algn="ctr">
-              <a:lnSpc>
-                <a:spcPct val="94000"/>
-              </a:lnSpc>
-              <a:spcAft>
-                <a:spcPts val="200"/>
-              </a:spcAft>
-            </a:pPr>
-            <a:r>
-              <a:rPr lang="en-US" dirty="0"/>
-              <a:t>@</a:t>
-            </a:r>
-            <a:r>
-              <a:rPr lang="en-US" dirty="0" err="1"/>
-              <a:t>quiltndogs</a:t>
-            </a:r>
-            <a:endParaRPr lang="en-US" dirty="0"/>
           </a:p>
           <a:p>
             <a:pPr marL="384048" indent="-384048">
@@ -34232,14 +34406,39 @@
             <p:ph type="ftr" sz="quarter" idx="11"/>
           </p:nvPr>
         </p:nvSpPr>
-        <p:spPr/>
+        <p:spPr>
+          <a:xfrm>
+            <a:off x="775274" y="6453386"/>
+            <a:ext cx="8645817" cy="404614"/>
+          </a:xfrm>
+        </p:spPr>
         <p:txBody>
           <a:bodyPr/>
           <a:lstStyle/>
           <a:p>
             <a:r>
-              <a:rPr lang="en-US"/>
-              <a:t>@quiltndogs</a:t>
+              <a:rPr lang="en-US" dirty="0"/>
+              <a:t>https://kmr0018.github.io/</a:t>
+            </a:r>
+            <a:r>
+              <a:rPr lang="en-US" dirty="0" err="1"/>
+              <a:t>ConnectForward-PubSubOnGCP</a:t>
+            </a:r>
+            <a:r>
+              <a:rPr lang="en-US" dirty="0"/>
+              <a:t>/  @</a:t>
+            </a:r>
+            <a:r>
+              <a:rPr lang="en-US" dirty="0" err="1"/>
+              <a:t>quiltndogs</a:t>
+            </a:r>
+            <a:r>
+              <a:rPr lang="en-US" dirty="0"/>
+              <a:t> </a:t>
+            </a:r>
+            <a:r>
+              <a:rPr lang="en-US" dirty="0" err="1"/>
+              <a:t>karen_m_reeves@homedepot.com</a:t>
             </a:r>
             <a:endParaRPr lang="en-US" dirty="0"/>
           </a:p>
@@ -34260,10 +34459,10 @@
           <p:nvPr/>
         </p:nvPicPr>
         <p:blipFill>
-          <a:blip r:embed="rId4">
+          <a:blip r:embed="rId5">
             <a:extLst>
               <a:ext uri="{96DAC541-7B7A-43D3-8B79-37D633B846F1}">
-                <asvg:svgBlip xmlns:asvg="http://schemas.microsoft.com/office/drawing/2016/SVG/main" r:embed="rId5"/>
+                <asvg:svgBlip xmlns:asvg="http://schemas.microsoft.com/office/drawing/2016/SVG/main" r:embed="rId6"/>
               </a:ext>
             </a:extLst>
           </a:blip>
@@ -34298,7 +34497,7 @@
           </p:nvPr>
         </p:nvPicPr>
         <p:blipFill rotWithShape="1">
-          <a:blip r:embed="rId6"/>
+          <a:blip r:embed="rId7"/>
           <a:srcRect r="-2" b="902"/>
           <a:stretch/>
         </p:blipFill>
@@ -34327,7 +34526,7 @@
           <p:nvPr/>
         </p:nvPicPr>
         <p:blipFill>
-          <a:blip r:embed="rId7"/>
+          <a:blip r:embed="rId8"/>
           <a:stretch>
             <a:fillRect/>
           </a:stretch>
@@ -34357,7 +34556,7 @@
           <p:nvPr/>
         </p:nvPicPr>
         <p:blipFill>
-          <a:blip r:embed="rId8"/>
+          <a:blip r:embed="rId9"/>
           <a:stretch>
             <a:fillRect/>
           </a:stretch>
@@ -34387,7 +34586,7 @@
           <p:nvPr/>
         </p:nvPicPr>
         <p:blipFill>
-          <a:blip r:embed="rId9"/>
+          <a:blip r:embed="rId10"/>
           <a:stretch>
             <a:fillRect/>
           </a:stretch>
@@ -34793,8 +34992,8 @@
         </p:nvSpPr>
         <p:spPr>
           <a:xfrm>
-            <a:off x="5100824" y="6453386"/>
-            <a:ext cx="4500376" cy="404614"/>
+            <a:off x="1593273" y="6453386"/>
+            <a:ext cx="8007927" cy="404614"/>
           </a:xfrm>
         </p:spPr>
         <p:txBody>
@@ -34809,9 +35008,30 @@
               </a:spcAft>
             </a:pPr>
             <a:r>
-              <a:rPr lang="en-US"/>
-              <a:t>@quiltndogs</a:t>
+              <a:rPr lang="en-US" dirty="0"/>
+              <a:t>https://kmr0018.github.io/</a:t>
             </a:r>
+            <a:r>
+              <a:rPr lang="en-US" dirty="0" err="1"/>
+              <a:t>ConnectForward-PubSubOnGCP</a:t>
+            </a:r>
+            <a:r>
+              <a:rPr lang="en-US" dirty="0"/>
+              <a:t>/  @</a:t>
+            </a:r>
+            <a:r>
+              <a:rPr lang="en-US" dirty="0" err="1"/>
+              <a:t>quiltndogs</a:t>
+            </a:r>
+            <a:r>
+              <a:rPr lang="en-US" dirty="0"/>
+              <a:t> </a:t>
+            </a:r>
+            <a:r>
+              <a:rPr lang="en-US" dirty="0" err="1"/>
+              <a:t>karen_m_reeves@homedepot.com</a:t>
+            </a:r>
+            <a:endParaRPr lang="en-US" dirty="0"/>
           </a:p>
         </p:txBody>
       </p:sp>
@@ -34931,12 +35151,8 @@
           <a:lstStyle/>
           <a:p>
             <a:r>
-              <a:rPr lang="en-US" dirty="0"/>
-              <a:t>@</a:t>
-            </a:r>
-            <a:r>
-              <a:rPr lang="en-US" dirty="0" err="1"/>
-              <a:t>quiltndogs</a:t>
+              <a:rPr lang="en-US"/>
+              <a:t>https://kmr0018.github.io/ConnectForward-PubSubOnGCP/  @quiltndogs karen_m_reeves@homedepot.com</a:t>
             </a:r>
             <a:endParaRPr lang="en-US" dirty="0"/>
           </a:p>
@@ -35131,18 +35347,39 @@
             <p:ph type="ftr" sz="quarter" idx="11"/>
           </p:nvPr>
         </p:nvSpPr>
-        <p:spPr/>
+        <p:spPr>
+          <a:xfrm>
+            <a:off x="152401" y="6453386"/>
+            <a:ext cx="4427220" cy="404614"/>
+          </a:xfrm>
+        </p:spPr>
         <p:txBody>
           <a:bodyPr/>
           <a:lstStyle/>
           <a:p>
             <a:r>
               <a:rPr lang="en-US" dirty="0"/>
-              <a:t>@</a:t>
+              <a:t>https://kmr0018.github.io/</a:t>
+            </a:r>
+            <a:r>
+              <a:rPr lang="en-US" dirty="0" err="1"/>
+              <a:t>ConnectForward-PubSubOnGCP</a:t>
+            </a:r>
+            <a:r>
+              <a:rPr lang="en-US" dirty="0"/>
+              <a:t>/  @</a:t>
             </a:r>
             <a:r>
               <a:rPr lang="en-US" dirty="0" err="1"/>
               <a:t>quiltndogs</a:t>
+            </a:r>
+            <a:r>
+              <a:rPr lang="en-US" dirty="0"/>
+              <a:t> </a:t>
+            </a:r>
+            <a:r>
+              <a:rPr lang="en-US" dirty="0" err="1"/>
+              <a:t>karen_m_reeves@homedepot.com</a:t>
             </a:r>
             <a:endParaRPr lang="en-US" dirty="0"/>
           </a:p>
@@ -35277,8 +35514,8 @@
         </p:nvSpPr>
         <p:spPr>
           <a:xfrm>
-            <a:off x="2893564" y="6453386"/>
-            <a:ext cx="6280830" cy="404614"/>
+            <a:off x="983673" y="6453386"/>
+            <a:ext cx="8190721" cy="404614"/>
           </a:xfrm>
         </p:spPr>
         <p:txBody>
@@ -35293,9 +35530,30 @@
               </a:spcAft>
             </a:pPr>
             <a:r>
-              <a:rPr lang="en-US"/>
-              <a:t>@quiltndogs</a:t>
+              <a:rPr lang="en-US" dirty="0"/>
+              <a:t>https://kmr0018.github.io/</a:t>
             </a:r>
+            <a:r>
+              <a:rPr lang="en-US" dirty="0" err="1"/>
+              <a:t>ConnectForward-PubSubOnGCP</a:t>
+            </a:r>
+            <a:r>
+              <a:rPr lang="en-US" dirty="0"/>
+              <a:t>/  @</a:t>
+            </a:r>
+            <a:r>
+              <a:rPr lang="en-US" dirty="0" err="1"/>
+              <a:t>quiltndogs</a:t>
+            </a:r>
+            <a:r>
+              <a:rPr lang="en-US" dirty="0"/>
+              <a:t> </a:t>
+            </a:r>
+            <a:r>
+              <a:rPr lang="en-US" dirty="0" err="1"/>
+              <a:t>karen_m_reeves@homedepot.com</a:t>
+            </a:r>
+            <a:endParaRPr lang="en-US" dirty="0"/>
           </a:p>
         </p:txBody>
       </p:sp>
@@ -35447,14 +35705,39 @@
             <p:ph type="ftr" sz="quarter" idx="11"/>
           </p:nvPr>
         </p:nvSpPr>
-        <p:spPr/>
+        <p:spPr>
+          <a:xfrm>
+            <a:off x="1330036" y="6453386"/>
+            <a:ext cx="7844358" cy="404614"/>
+          </a:xfrm>
+        </p:spPr>
         <p:txBody>
           <a:bodyPr/>
           <a:lstStyle/>
           <a:p>
             <a:r>
-              <a:rPr lang="en-US"/>
-              <a:t>@quiltndogs    https://cloud.google.com/pubsub/images/many-to-many.svg</a:t>
+              <a:rPr lang="en-US" dirty="0"/>
+              <a:t>https://kmr0018.github.io/</a:t>
+            </a:r>
+            <a:r>
+              <a:rPr lang="en-US" dirty="0" err="1"/>
+              <a:t>ConnectForward-PubSubOnGCP</a:t>
+            </a:r>
+            <a:r>
+              <a:rPr lang="en-US" dirty="0"/>
+              <a:t>/  @</a:t>
+            </a:r>
+            <a:r>
+              <a:rPr lang="en-US" dirty="0" err="1"/>
+              <a:t>quiltndogs</a:t>
+            </a:r>
+            <a:r>
+              <a:rPr lang="en-US" dirty="0"/>
+              <a:t> </a:t>
+            </a:r>
+            <a:r>
+              <a:rPr lang="en-US" dirty="0" err="1"/>
+              <a:t>karen_m_reeves@homedepot.com</a:t>
             </a:r>
             <a:endParaRPr lang="en-US" dirty="0"/>
           </a:p>
@@ -35677,13 +35960,13 @@
         </p:nvSpPr>
         <p:spPr>
           <a:xfrm>
-            <a:off x="848420" y="6453386"/>
-            <a:ext cx="6280830" cy="404614"/>
+            <a:off x="180109" y="6453386"/>
+            <a:ext cx="6949141" cy="404614"/>
           </a:xfrm>
         </p:spPr>
         <p:txBody>
           <a:bodyPr>
-            <a:normAutofit/>
+            <a:normAutofit fontScale="92500"/>
           </a:bodyPr>
           <a:lstStyle/>
           <a:p>
@@ -35693,9 +35976,30 @@
               </a:spcAft>
             </a:pPr>
             <a:r>
-              <a:rPr lang="en-US"/>
-              <a:t>@quiltndogs</a:t>
+              <a:rPr lang="en-US" dirty="0"/>
+              <a:t>https://kmr0018.github.io/</a:t>
             </a:r>
+            <a:r>
+              <a:rPr lang="en-US" dirty="0" err="1"/>
+              <a:t>ConnectForward-PubSubOnGCP</a:t>
+            </a:r>
+            <a:r>
+              <a:rPr lang="en-US" dirty="0"/>
+              <a:t>/  @</a:t>
+            </a:r>
+            <a:r>
+              <a:rPr lang="en-US" dirty="0" err="1"/>
+              <a:t>quiltndogs</a:t>
+            </a:r>
+            <a:r>
+              <a:rPr lang="en-US" dirty="0"/>
+              <a:t> </a:t>
+            </a:r>
+            <a:r>
+              <a:rPr lang="en-US" dirty="0" err="1"/>
+              <a:t>karen_m_reeves@homedepot.com</a:t>
+            </a:r>
+            <a:endParaRPr lang="en-US" dirty="0"/>
           </a:p>
         </p:txBody>
       </p:sp>
@@ -35893,14 +36197,39 @@
             <p:ph type="ftr" sz="quarter" idx="11"/>
           </p:nvPr>
         </p:nvSpPr>
-        <p:spPr/>
+        <p:spPr>
+          <a:xfrm>
+            <a:off x="1421026" y="6453386"/>
+            <a:ext cx="7753368" cy="404614"/>
+          </a:xfrm>
+        </p:spPr>
         <p:txBody>
           <a:bodyPr/>
           <a:lstStyle/>
           <a:p>
             <a:r>
-              <a:rPr lang="en-US"/>
-              <a:t>@quiltndogs</a:t>
+              <a:rPr lang="en-US" dirty="0"/>
+              <a:t>https://kmr0018.github.io/</a:t>
+            </a:r>
+            <a:r>
+              <a:rPr lang="en-US" dirty="0" err="1"/>
+              <a:t>ConnectForward-PubSubOnGCP</a:t>
+            </a:r>
+            <a:r>
+              <a:rPr lang="en-US" dirty="0"/>
+              <a:t>/  @</a:t>
+            </a:r>
+            <a:r>
+              <a:rPr lang="en-US" dirty="0" err="1"/>
+              <a:t>quiltndogs</a:t>
+            </a:r>
+            <a:r>
+              <a:rPr lang="en-US" dirty="0"/>
+              <a:t> </a:t>
+            </a:r>
+            <a:r>
+              <a:rPr lang="en-US" dirty="0" err="1"/>
+              <a:t>karen_m_reeves@homedepot.com</a:t>
             </a:r>
             <a:endParaRPr lang="en-US" dirty="0"/>
           </a:p>
@@ -36093,13 +36422,13 @@
         </p:nvSpPr>
         <p:spPr>
           <a:xfrm>
-            <a:off x="848420" y="6453386"/>
-            <a:ext cx="6280830" cy="404614"/>
+            <a:off x="207818" y="6453386"/>
+            <a:ext cx="6921432" cy="404614"/>
           </a:xfrm>
         </p:spPr>
         <p:txBody>
           <a:bodyPr>
-            <a:normAutofit/>
+            <a:normAutofit fontScale="92500"/>
           </a:bodyPr>
           <a:lstStyle/>
           <a:p>
@@ -36109,9 +36438,30 @@
               </a:spcAft>
             </a:pPr>
             <a:r>
-              <a:rPr lang="en-US"/>
-              <a:t>@quiltndogs</a:t>
+              <a:rPr lang="en-US" dirty="0"/>
+              <a:t>https://kmr0018.github.io/</a:t>
             </a:r>
+            <a:r>
+              <a:rPr lang="en-US" dirty="0" err="1"/>
+              <a:t>ConnectForward-PubSubOnGCP</a:t>
+            </a:r>
+            <a:r>
+              <a:rPr lang="en-US" dirty="0"/>
+              <a:t>/  @</a:t>
+            </a:r>
+            <a:r>
+              <a:rPr lang="en-US" dirty="0" err="1"/>
+              <a:t>quiltndogs</a:t>
+            </a:r>
+            <a:r>
+              <a:rPr lang="en-US" dirty="0"/>
+              <a:t> </a:t>
+            </a:r>
+            <a:r>
+              <a:rPr lang="en-US" dirty="0" err="1"/>
+              <a:t>karen_m_reeves@homedepot.com</a:t>
+            </a:r>
+            <a:endParaRPr lang="en-US" dirty="0"/>
           </a:p>
         </p:txBody>
       </p:sp>
@@ -36460,7 +36810,7 @@
         </p:spPr>
         <p:txBody>
           <a:bodyPr>
-            <a:normAutofit/>
+            <a:normAutofit fontScale="92500" lnSpcReduction="10000"/>
           </a:bodyPr>
           <a:lstStyle/>
           <a:p>
@@ -36471,7 +36821,7 @@
             </a:pPr>
             <a:r>
               <a:rPr lang="en-US"/>
-              <a:t>@quiltndogs</a:t>
+              <a:t>https://kmr0018.github.io/ConnectForward-PubSubOnGCP/  @quiltndogs karen_m_reeves@homedepot.com</a:t>
             </a:r>
           </a:p>
         </p:txBody>

--- a/PubSubGcpPresentation.pptx
+++ b/PubSubGcpPresentation.pptx
@@ -5,7 +5,7 @@
     <p:sldMasterId id="2147483864" r:id="rId1"/>
   </p:sldMasterIdLst>
   <p:notesMasterIdLst>
-    <p:notesMasterId r:id="rId18"/>
+    <p:notesMasterId r:id="rId19"/>
   </p:notesMasterIdLst>
   <p:sldIdLst>
     <p:sldId id="256" r:id="rId2"/>
@@ -19,11 +19,12 @@
     <p:sldId id="264" r:id="rId10"/>
     <p:sldId id="265" r:id="rId11"/>
     <p:sldId id="268" r:id="rId12"/>
-    <p:sldId id="266" r:id="rId13"/>
-    <p:sldId id="267" r:id="rId14"/>
-    <p:sldId id="272" r:id="rId15"/>
-    <p:sldId id="258" r:id="rId16"/>
-    <p:sldId id="270" r:id="rId17"/>
+    <p:sldId id="273" r:id="rId13"/>
+    <p:sldId id="266" r:id="rId14"/>
+    <p:sldId id="267" r:id="rId15"/>
+    <p:sldId id="272" r:id="rId16"/>
+    <p:sldId id="258" r:id="rId17"/>
+    <p:sldId id="270" r:id="rId18"/>
   </p:sldIdLst>
   <p:sldSz cx="12192000" cy="6858000"/>
   <p:notesSz cx="6858000" cy="9144000"/>
@@ -122,6 +123,14 @@
       </a:defRPr>
     </a:lvl9pPr>
   </p:defaultTextStyle>
+  <p:extLst>
+    <p:ext uri="{EFAFB233-063F-42B5-8137-9DF3F51BA10A}">
+      <p15:sldGuideLst xmlns:p15="http://schemas.microsoft.com/office/powerpoint/2012/main"/>
+    </p:ext>
+    <p:ext uri="{2D200454-40CA-4A62-9FC3-DE9A4176ACB9}">
+      <p15:notesGuideLst xmlns:p15="http://schemas.microsoft.com/office/powerpoint/2012/main"/>
+    </p:ext>
+  </p:extLst>
 </p:presentation>
 </file>
 
@@ -5777,6 +5786,927 @@
 </file>
 
 <file path=ppt/diagrams/colors8.xml><?xml version="1.0" encoding="utf-8"?>
+<dgm:colorsDef xmlns:dgm="http://schemas.openxmlformats.org/drawingml/2006/diagram" xmlns:a="http://schemas.openxmlformats.org/drawingml/2006/main" uniqueId="urn:microsoft.com/office/officeart/2018/5/colors/Iconchunking_neutralbg_colorful1">
+  <dgm:title val=""/>
+  <dgm:desc val=""/>
+  <dgm:catLst>
+    <dgm:cat type="colorful" pri="10100"/>
+  </dgm:catLst>
+  <dgm:styleLbl name="node0">
+    <dgm:fillClrLst meth="repeat">
+      <a:schemeClr val="accent1"/>
+    </dgm:fillClrLst>
+    <dgm:linClrLst meth="repeat">
+      <a:schemeClr val="lt1"/>
+    </dgm:linClrLst>
+    <dgm:effectClrLst/>
+    <dgm:txLinClrLst/>
+    <dgm:txFillClrLst/>
+    <dgm:txEffectClrLst/>
+  </dgm:styleLbl>
+  <dgm:styleLbl name="node1">
+    <dgm:fillClrLst meth="repeat">
+      <a:schemeClr val="accent2"/>
+      <a:schemeClr val="accent3"/>
+      <a:schemeClr val="accent4"/>
+      <a:schemeClr val="accent5"/>
+      <a:schemeClr val="accent6"/>
+    </dgm:fillClrLst>
+    <dgm:linClrLst meth="repeat">
+      <a:schemeClr val="lt1">
+        <a:alpha val="0"/>
+      </a:schemeClr>
+    </dgm:linClrLst>
+    <dgm:effectClrLst/>
+    <dgm:txLinClrLst/>
+    <dgm:txFillClrLst/>
+    <dgm:txEffectClrLst/>
+  </dgm:styleLbl>
+  <dgm:styleLbl name="alignNode1">
+    <dgm:fillClrLst meth="repeat">
+      <a:schemeClr val="accent2"/>
+      <a:schemeClr val="accent3"/>
+      <a:schemeClr val="accent4"/>
+      <a:schemeClr val="accent5"/>
+      <a:schemeClr val="accent6"/>
+    </dgm:fillClrLst>
+    <dgm:linClrLst meth="repeat">
+      <a:schemeClr val="accent2"/>
+      <a:schemeClr val="accent3"/>
+      <a:schemeClr val="accent4"/>
+      <a:schemeClr val="accent5"/>
+      <a:schemeClr val="accent6"/>
+    </dgm:linClrLst>
+    <dgm:effectClrLst/>
+    <dgm:txLinClrLst/>
+    <dgm:txFillClrLst/>
+    <dgm:txEffectClrLst/>
+  </dgm:styleLbl>
+  <dgm:styleLbl name="lnNode1">
+    <dgm:fillClrLst meth="repeat">
+      <a:schemeClr val="accent2"/>
+      <a:schemeClr val="accent3"/>
+      <a:schemeClr val="accent4"/>
+      <a:schemeClr val="accent5"/>
+      <a:schemeClr val="accent6"/>
+    </dgm:fillClrLst>
+    <dgm:linClrLst meth="repeat">
+      <a:schemeClr val="lt1"/>
+    </dgm:linClrLst>
+    <dgm:effectClrLst/>
+    <dgm:txLinClrLst/>
+    <dgm:txFillClrLst/>
+    <dgm:txEffectClrLst/>
+  </dgm:styleLbl>
+  <dgm:styleLbl name="vennNode1">
+    <dgm:fillClrLst meth="repeat">
+      <a:schemeClr val="accent2">
+        <a:alpha val="50000"/>
+      </a:schemeClr>
+      <a:schemeClr val="accent3">
+        <a:alpha val="50000"/>
+      </a:schemeClr>
+      <a:schemeClr val="accent4">
+        <a:alpha val="50000"/>
+      </a:schemeClr>
+      <a:schemeClr val="accent5">
+        <a:alpha val="50000"/>
+      </a:schemeClr>
+      <a:schemeClr val="accent6">
+        <a:alpha val="50000"/>
+      </a:schemeClr>
+    </dgm:fillClrLst>
+    <dgm:linClrLst meth="repeat">
+      <a:schemeClr val="lt1"/>
+    </dgm:linClrLst>
+    <dgm:effectClrLst/>
+    <dgm:txLinClrLst/>
+    <dgm:txFillClrLst/>
+    <dgm:txEffectClrLst/>
+  </dgm:styleLbl>
+  <dgm:styleLbl name="node2">
+    <dgm:fillClrLst>
+      <a:schemeClr val="accent2"/>
+    </dgm:fillClrLst>
+    <dgm:linClrLst meth="repeat">
+      <a:schemeClr val="lt1"/>
+    </dgm:linClrLst>
+    <dgm:effectClrLst/>
+    <dgm:txLinClrLst/>
+    <dgm:txFillClrLst/>
+    <dgm:txEffectClrLst/>
+  </dgm:styleLbl>
+  <dgm:styleLbl name="node3">
+    <dgm:fillClrLst>
+      <a:schemeClr val="accent3"/>
+    </dgm:fillClrLst>
+    <dgm:linClrLst meth="repeat">
+      <a:schemeClr val="lt1"/>
+    </dgm:linClrLst>
+    <dgm:effectClrLst/>
+    <dgm:txLinClrLst/>
+    <dgm:txFillClrLst/>
+    <dgm:txEffectClrLst/>
+  </dgm:styleLbl>
+  <dgm:styleLbl name="node4">
+    <dgm:fillClrLst>
+      <a:schemeClr val="accent4"/>
+    </dgm:fillClrLst>
+    <dgm:linClrLst meth="repeat">
+      <a:schemeClr val="lt1"/>
+    </dgm:linClrLst>
+    <dgm:effectClrLst/>
+    <dgm:txLinClrLst/>
+    <dgm:txFillClrLst/>
+    <dgm:txEffectClrLst/>
+  </dgm:styleLbl>
+  <dgm:styleLbl name="fgImgPlace1">
+    <dgm:fillClrLst meth="repeat">
+      <a:schemeClr val="accent2">
+        <a:tint val="50000"/>
+      </a:schemeClr>
+      <a:schemeClr val="accent3">
+        <a:tint val="50000"/>
+      </a:schemeClr>
+      <a:schemeClr val="accent4">
+        <a:tint val="50000"/>
+      </a:schemeClr>
+      <a:schemeClr val="accent5">
+        <a:tint val="50000"/>
+      </a:schemeClr>
+      <a:schemeClr val="accent6">
+        <a:tint val="50000"/>
+      </a:schemeClr>
+    </dgm:fillClrLst>
+    <dgm:linClrLst meth="repeat">
+      <a:schemeClr val="lt1"/>
+    </dgm:linClrLst>
+    <dgm:effectClrLst/>
+    <dgm:txLinClrLst/>
+    <dgm:txFillClrLst meth="repeat">
+      <a:schemeClr val="lt1"/>
+    </dgm:txFillClrLst>
+    <dgm:txEffectClrLst/>
+  </dgm:styleLbl>
+  <dgm:styleLbl name="alignImgPlace1">
+    <dgm:fillClrLst>
+      <a:schemeClr val="accent1">
+        <a:tint val="50000"/>
+      </a:schemeClr>
+      <a:schemeClr val="accent2">
+        <a:tint val="20000"/>
+      </a:schemeClr>
+    </dgm:fillClrLst>
+    <dgm:linClrLst meth="repeat">
+      <a:schemeClr val="lt1"/>
+    </dgm:linClrLst>
+    <dgm:effectClrLst/>
+    <dgm:txLinClrLst/>
+    <dgm:txFillClrLst meth="repeat">
+      <a:schemeClr val="lt1"/>
+    </dgm:txFillClrLst>
+    <dgm:txEffectClrLst/>
+  </dgm:styleLbl>
+  <dgm:styleLbl name="bgImgPlace1">
+    <dgm:fillClrLst>
+      <a:schemeClr val="accent1">
+        <a:tint val="50000"/>
+      </a:schemeClr>
+      <a:schemeClr val="accent2">
+        <a:tint val="20000"/>
+      </a:schemeClr>
+    </dgm:fillClrLst>
+    <dgm:linClrLst meth="repeat">
+      <a:schemeClr val="lt1"/>
+    </dgm:linClrLst>
+    <dgm:effectClrLst/>
+    <dgm:txLinClrLst/>
+    <dgm:txFillClrLst meth="repeat">
+      <a:schemeClr val="lt1"/>
+    </dgm:txFillClrLst>
+    <dgm:txEffectClrLst/>
+  </dgm:styleLbl>
+  <dgm:styleLbl name="sibTrans2D1">
+    <dgm:fillClrLst meth="repeat">
+      <a:schemeClr val="accent2"/>
+      <a:schemeClr val="accent3"/>
+      <a:schemeClr val="accent4"/>
+      <a:schemeClr val="accent5"/>
+      <a:schemeClr val="accent6"/>
+    </dgm:fillClrLst>
+    <dgm:linClrLst meth="cycle">
+      <a:schemeClr val="lt1"/>
+    </dgm:linClrLst>
+    <dgm:effectClrLst/>
+    <dgm:txLinClrLst/>
+    <dgm:txFillClrLst/>
+    <dgm:txEffectClrLst/>
+  </dgm:styleLbl>
+  <dgm:styleLbl name="fgSibTrans2D1">
+    <dgm:fillClrLst meth="repeat">
+      <a:schemeClr val="accent2"/>
+      <a:schemeClr val="accent3"/>
+      <a:schemeClr val="accent4"/>
+      <a:schemeClr val="accent5"/>
+      <a:schemeClr val="accent6"/>
+    </dgm:fillClrLst>
+    <dgm:linClrLst meth="cycle">
+      <a:schemeClr val="lt1"/>
+    </dgm:linClrLst>
+    <dgm:effectClrLst/>
+    <dgm:txLinClrLst/>
+    <dgm:txFillClrLst meth="repeat">
+      <a:schemeClr val="lt1"/>
+    </dgm:txFillClrLst>
+    <dgm:txEffectClrLst/>
+  </dgm:styleLbl>
+  <dgm:styleLbl name="bgSibTrans2D1">
+    <dgm:fillClrLst meth="repeat">
+      <a:schemeClr val="accent2"/>
+      <a:schemeClr val="accent3"/>
+      <a:schemeClr val="accent4"/>
+      <a:schemeClr val="accent5"/>
+      <a:schemeClr val="accent6"/>
+    </dgm:fillClrLst>
+    <dgm:linClrLst meth="cycle">
+      <a:schemeClr val="lt1"/>
+    </dgm:linClrLst>
+    <dgm:effectClrLst/>
+    <dgm:txLinClrLst/>
+    <dgm:txFillClrLst meth="repeat">
+      <a:schemeClr val="lt1"/>
+    </dgm:txFillClrLst>
+    <dgm:txEffectClrLst/>
+  </dgm:styleLbl>
+  <dgm:styleLbl name="sibTrans1D1">
+    <dgm:fillClrLst meth="repeat">
+      <a:schemeClr val="accent2"/>
+      <a:schemeClr val="accent3"/>
+      <a:schemeClr val="accent4"/>
+      <a:schemeClr val="accent5"/>
+      <a:schemeClr val="accent6"/>
+    </dgm:fillClrLst>
+    <dgm:linClrLst meth="repeat">
+      <a:schemeClr val="accent2"/>
+      <a:schemeClr val="accent3"/>
+      <a:schemeClr val="accent4"/>
+      <a:schemeClr val="accent5"/>
+      <a:schemeClr val="accent6"/>
+    </dgm:linClrLst>
+    <dgm:effectClrLst/>
+    <dgm:txLinClrLst/>
+    <dgm:txFillClrLst meth="repeat">
+      <a:schemeClr val="tx1"/>
+    </dgm:txFillClrLst>
+    <dgm:txEffectClrLst/>
+  </dgm:styleLbl>
+  <dgm:styleLbl name="callout">
+    <dgm:fillClrLst meth="repeat">
+      <a:schemeClr val="accent2"/>
+    </dgm:fillClrLst>
+    <dgm:linClrLst meth="repeat">
+      <a:schemeClr val="accent2">
+        <a:tint val="50000"/>
+      </a:schemeClr>
+    </dgm:linClrLst>
+    <dgm:effectClrLst/>
+    <dgm:txLinClrLst/>
+    <dgm:txFillClrLst meth="repeat">
+      <a:schemeClr val="tx1"/>
+    </dgm:txFillClrLst>
+    <dgm:txEffectClrLst/>
+  </dgm:styleLbl>
+  <dgm:styleLbl name="asst0">
+    <dgm:fillClrLst meth="repeat">
+      <a:schemeClr val="accent1"/>
+    </dgm:fillClrLst>
+    <dgm:linClrLst meth="repeat">
+      <a:schemeClr val="lt1"/>
+    </dgm:linClrLst>
+    <dgm:effectClrLst/>
+    <dgm:txLinClrLst/>
+    <dgm:txFillClrLst/>
+    <dgm:txEffectClrLst/>
+  </dgm:styleLbl>
+  <dgm:styleLbl name="asst1">
+    <dgm:fillClrLst meth="repeat">
+      <a:schemeClr val="accent2"/>
+    </dgm:fillClrLst>
+    <dgm:linClrLst meth="repeat">
+      <a:schemeClr val="lt1"/>
+    </dgm:linClrLst>
+    <dgm:effectClrLst/>
+    <dgm:txLinClrLst/>
+    <dgm:txFillClrLst/>
+    <dgm:txEffectClrLst/>
+  </dgm:styleLbl>
+  <dgm:styleLbl name="asst2">
+    <dgm:fillClrLst>
+      <a:schemeClr val="accent3"/>
+    </dgm:fillClrLst>
+    <dgm:linClrLst meth="repeat">
+      <a:schemeClr val="lt1"/>
+    </dgm:linClrLst>
+    <dgm:effectClrLst/>
+    <dgm:txLinClrLst/>
+    <dgm:txFillClrLst/>
+    <dgm:txEffectClrLst/>
+  </dgm:styleLbl>
+  <dgm:styleLbl name="asst3">
+    <dgm:fillClrLst>
+      <a:schemeClr val="accent4"/>
+    </dgm:fillClrLst>
+    <dgm:linClrLst meth="repeat">
+      <a:schemeClr val="lt1"/>
+    </dgm:linClrLst>
+    <dgm:effectClrLst/>
+    <dgm:txLinClrLst/>
+    <dgm:txFillClrLst/>
+    <dgm:txEffectClrLst/>
+  </dgm:styleLbl>
+  <dgm:styleLbl name="asst4">
+    <dgm:fillClrLst>
+      <a:schemeClr val="accent5"/>
+    </dgm:fillClrLst>
+    <dgm:linClrLst meth="repeat">
+      <a:schemeClr val="lt1"/>
+    </dgm:linClrLst>
+    <dgm:effectClrLst/>
+    <dgm:txLinClrLst/>
+    <dgm:txFillClrLst/>
+    <dgm:txEffectClrLst/>
+  </dgm:styleLbl>
+  <dgm:styleLbl name="parChTrans2D1">
+    <dgm:fillClrLst meth="repeat">
+      <a:schemeClr val="accent2"/>
+    </dgm:fillClrLst>
+    <dgm:linClrLst meth="repeat">
+      <a:schemeClr val="lt1"/>
+    </dgm:linClrLst>
+    <dgm:effectClrLst/>
+    <dgm:txLinClrLst/>
+    <dgm:txFillClrLst meth="repeat">
+      <a:schemeClr val="lt1"/>
+    </dgm:txFillClrLst>
+    <dgm:txEffectClrLst/>
+  </dgm:styleLbl>
+  <dgm:styleLbl name="parChTrans2D2">
+    <dgm:fillClrLst meth="repeat">
+      <a:schemeClr val="accent3"/>
+    </dgm:fillClrLst>
+    <dgm:linClrLst meth="repeat">
+      <a:schemeClr val="lt1"/>
+    </dgm:linClrLst>
+    <dgm:effectClrLst/>
+    <dgm:txLinClrLst/>
+    <dgm:txFillClrLst/>
+    <dgm:txEffectClrLst/>
+  </dgm:styleLbl>
+  <dgm:styleLbl name="parChTrans2D3">
+    <dgm:fillClrLst meth="repeat">
+      <a:schemeClr val="accent4"/>
+    </dgm:fillClrLst>
+    <dgm:linClrLst meth="repeat">
+      <a:schemeClr val="lt1"/>
+    </dgm:linClrLst>
+    <dgm:effectClrLst/>
+    <dgm:txLinClrLst/>
+    <dgm:txFillClrLst/>
+    <dgm:txEffectClrLst/>
+  </dgm:styleLbl>
+  <dgm:styleLbl name="parChTrans2D4">
+    <dgm:fillClrLst meth="repeat">
+      <a:schemeClr val="accent5"/>
+    </dgm:fillClrLst>
+    <dgm:linClrLst meth="repeat">
+      <a:schemeClr val="lt1"/>
+    </dgm:linClrLst>
+    <dgm:effectClrLst/>
+    <dgm:txLinClrLst/>
+    <dgm:txFillClrLst meth="repeat">
+      <a:schemeClr val="lt1"/>
+    </dgm:txFillClrLst>
+    <dgm:txEffectClrLst/>
+  </dgm:styleLbl>
+  <dgm:styleLbl name="parChTrans1D1">
+    <dgm:fillClrLst meth="repeat">
+      <a:schemeClr val="accent2"/>
+    </dgm:fillClrLst>
+    <dgm:linClrLst meth="repeat">
+      <a:schemeClr val="accent1"/>
+    </dgm:linClrLst>
+    <dgm:effectClrLst/>
+    <dgm:txLinClrLst/>
+    <dgm:txFillClrLst meth="repeat">
+      <a:schemeClr val="tx1"/>
+    </dgm:txFillClrLst>
+    <dgm:txEffectClrLst/>
+  </dgm:styleLbl>
+  <dgm:styleLbl name="parChTrans1D2">
+    <dgm:fillClrLst meth="repeat">
+      <a:schemeClr val="accent3">
+        <a:tint val="90000"/>
+      </a:schemeClr>
+    </dgm:fillClrLst>
+    <dgm:linClrLst meth="repeat">
+      <a:schemeClr val="accent2"/>
+    </dgm:linClrLst>
+    <dgm:effectClrLst/>
+    <dgm:txLinClrLst/>
+    <dgm:txFillClrLst meth="repeat">
+      <a:schemeClr val="tx1"/>
+    </dgm:txFillClrLst>
+    <dgm:txEffectClrLst/>
+  </dgm:styleLbl>
+  <dgm:styleLbl name="parChTrans1D3">
+    <dgm:fillClrLst meth="repeat">
+      <a:schemeClr val="accent4">
+        <a:tint val="70000"/>
+      </a:schemeClr>
+    </dgm:fillClrLst>
+    <dgm:linClrLst meth="repeat">
+      <a:schemeClr val="accent3"/>
+    </dgm:linClrLst>
+    <dgm:effectClrLst/>
+    <dgm:txLinClrLst/>
+    <dgm:txFillClrLst meth="repeat">
+      <a:schemeClr val="tx1"/>
+    </dgm:txFillClrLst>
+    <dgm:txEffectClrLst/>
+  </dgm:styleLbl>
+  <dgm:styleLbl name="parChTrans1D4">
+    <dgm:fillClrLst meth="repeat">
+      <a:schemeClr val="accent5">
+        <a:tint val="50000"/>
+      </a:schemeClr>
+    </dgm:fillClrLst>
+    <dgm:linClrLst meth="repeat">
+      <a:schemeClr val="accent4"/>
+    </dgm:linClrLst>
+    <dgm:effectClrLst/>
+    <dgm:txLinClrLst/>
+    <dgm:txFillClrLst meth="repeat">
+      <a:schemeClr val="tx1"/>
+    </dgm:txFillClrLst>
+    <dgm:txEffectClrLst/>
+  </dgm:styleLbl>
+  <dgm:styleLbl name="fgAcc1">
+    <dgm:fillClrLst meth="repeat">
+      <a:schemeClr val="lt1">
+        <a:alpha val="90000"/>
+      </a:schemeClr>
+    </dgm:fillClrLst>
+    <dgm:linClrLst meth="repeat">
+      <a:schemeClr val="accent2"/>
+      <a:schemeClr val="accent3"/>
+      <a:schemeClr val="accent4"/>
+      <a:schemeClr val="accent5"/>
+      <a:schemeClr val="accent6"/>
+    </dgm:linClrLst>
+    <dgm:effectClrLst/>
+    <dgm:txLinClrLst/>
+    <dgm:txFillClrLst meth="repeat">
+      <a:schemeClr val="dk1"/>
+    </dgm:txFillClrLst>
+    <dgm:txEffectClrLst/>
+  </dgm:styleLbl>
+  <dgm:styleLbl name="conFgAcc1">
+    <dgm:fillClrLst meth="repeat">
+      <a:schemeClr val="lt1">
+        <a:alpha val="90000"/>
+      </a:schemeClr>
+    </dgm:fillClrLst>
+    <dgm:linClrLst meth="repeat">
+      <a:schemeClr val="accent2"/>
+      <a:schemeClr val="accent3"/>
+      <a:schemeClr val="accent4"/>
+      <a:schemeClr val="accent5"/>
+      <a:schemeClr val="accent6"/>
+    </dgm:linClrLst>
+    <dgm:effectClrLst/>
+    <dgm:txLinClrLst/>
+    <dgm:txFillClrLst meth="repeat">
+      <a:schemeClr val="dk1"/>
+    </dgm:txFillClrLst>
+    <dgm:txEffectClrLst/>
+  </dgm:styleLbl>
+  <dgm:styleLbl name="alignAcc1">
+    <dgm:fillClrLst meth="repeat">
+      <a:schemeClr val="lt1">
+        <a:alpha val="90000"/>
+      </a:schemeClr>
+    </dgm:fillClrLst>
+    <dgm:linClrLst meth="repeat">
+      <a:schemeClr val="accent2"/>
+      <a:schemeClr val="accent3"/>
+      <a:schemeClr val="accent4"/>
+      <a:schemeClr val="accent5"/>
+      <a:schemeClr val="accent6"/>
+    </dgm:linClrLst>
+    <dgm:effectClrLst/>
+    <dgm:txLinClrLst/>
+    <dgm:txFillClrLst meth="repeat">
+      <a:schemeClr val="dk1"/>
+    </dgm:txFillClrLst>
+    <dgm:txEffectClrLst/>
+  </dgm:styleLbl>
+  <dgm:styleLbl name="trAlignAcc1">
+    <dgm:fillClrLst meth="repeat">
+      <a:schemeClr val="lt1">
+        <a:alpha val="40000"/>
+      </a:schemeClr>
+    </dgm:fillClrLst>
+    <dgm:linClrLst meth="repeat">
+      <a:schemeClr val="accent1"/>
+    </dgm:linClrLst>
+    <dgm:effectClrLst/>
+    <dgm:txLinClrLst/>
+    <dgm:txFillClrLst meth="repeat">
+      <a:schemeClr val="dk1"/>
+    </dgm:txFillClrLst>
+    <dgm:txEffectClrLst/>
+  </dgm:styleLbl>
+  <dgm:styleLbl name="bgAcc1">
+    <dgm:fillClrLst meth="repeat">
+      <a:schemeClr val="lt1">
+        <a:alpha val="90000"/>
+      </a:schemeClr>
+    </dgm:fillClrLst>
+    <dgm:linClrLst meth="repeat">
+      <a:schemeClr val="accent2"/>
+      <a:schemeClr val="accent3"/>
+      <a:schemeClr val="accent4"/>
+      <a:schemeClr val="accent5"/>
+      <a:schemeClr val="accent6"/>
+    </dgm:linClrLst>
+    <dgm:effectClrLst/>
+    <dgm:txLinClrLst/>
+    <dgm:txFillClrLst meth="repeat">
+      <a:schemeClr val="dk1"/>
+    </dgm:txFillClrLst>
+    <dgm:txEffectClrLst/>
+  </dgm:styleLbl>
+  <dgm:styleLbl name="solidFgAcc1">
+    <dgm:fillClrLst meth="repeat">
+      <a:schemeClr val="lt1"/>
+    </dgm:fillClrLst>
+    <dgm:linClrLst meth="repeat">
+      <a:schemeClr val="accent2"/>
+      <a:schemeClr val="accent3"/>
+      <a:schemeClr val="accent4"/>
+      <a:schemeClr val="accent5"/>
+      <a:schemeClr val="accent6"/>
+    </dgm:linClrLst>
+    <dgm:effectClrLst/>
+    <dgm:txLinClrLst/>
+    <dgm:txFillClrLst meth="repeat">
+      <a:schemeClr val="dk1"/>
+    </dgm:txFillClrLst>
+    <dgm:txEffectClrLst/>
+  </dgm:styleLbl>
+  <dgm:styleLbl name="solidAlignAcc1">
+    <dgm:fillClrLst meth="repeat">
+      <a:schemeClr val="lt1"/>
+    </dgm:fillClrLst>
+    <dgm:linClrLst meth="repeat">
+      <a:schemeClr val="accent2"/>
+      <a:schemeClr val="accent3"/>
+      <a:schemeClr val="accent4"/>
+      <a:schemeClr val="accent5"/>
+      <a:schemeClr val="accent6"/>
+    </dgm:linClrLst>
+    <dgm:effectClrLst/>
+    <dgm:txLinClrLst/>
+    <dgm:txFillClrLst meth="repeat">
+      <a:schemeClr val="dk1"/>
+    </dgm:txFillClrLst>
+    <dgm:txEffectClrLst/>
+  </dgm:styleLbl>
+  <dgm:styleLbl name="solidBgAcc1">
+    <dgm:fillClrLst meth="repeat">
+      <a:schemeClr val="lt1"/>
+    </dgm:fillClrLst>
+    <dgm:linClrLst meth="repeat">
+      <a:schemeClr val="accent2"/>
+      <a:schemeClr val="accent3"/>
+      <a:schemeClr val="accent4"/>
+      <a:schemeClr val="accent5"/>
+      <a:schemeClr val="accent6"/>
+    </dgm:linClrLst>
+    <dgm:effectClrLst/>
+    <dgm:txLinClrLst/>
+    <dgm:txFillClrLst meth="repeat">
+      <a:schemeClr val="dk1"/>
+    </dgm:txFillClrLst>
+    <dgm:txEffectClrLst/>
+  </dgm:styleLbl>
+  <dgm:styleLbl name="fgAccFollowNode1">
+    <dgm:fillClrLst meth="repeat">
+      <a:schemeClr val="accent2">
+        <a:tint val="40000"/>
+        <a:alpha val="90000"/>
+      </a:schemeClr>
+      <a:schemeClr val="accent3">
+        <a:tint val="40000"/>
+        <a:alpha val="90000"/>
+      </a:schemeClr>
+      <a:schemeClr val="accent4">
+        <a:tint val="40000"/>
+        <a:alpha val="90000"/>
+      </a:schemeClr>
+      <a:schemeClr val="accent5">
+        <a:tint val="40000"/>
+        <a:alpha val="90000"/>
+      </a:schemeClr>
+      <a:schemeClr val="accent6">
+        <a:tint val="40000"/>
+        <a:alpha val="90000"/>
+      </a:schemeClr>
+    </dgm:fillClrLst>
+    <dgm:linClrLst meth="repeat">
+      <a:schemeClr val="accent2">
+        <a:tint val="40000"/>
+        <a:alpha val="90000"/>
+      </a:schemeClr>
+      <a:schemeClr val="accent3">
+        <a:tint val="40000"/>
+        <a:alpha val="90000"/>
+      </a:schemeClr>
+      <a:schemeClr val="accent4">
+        <a:tint val="40000"/>
+        <a:alpha val="90000"/>
+      </a:schemeClr>
+      <a:schemeClr val="accent5">
+        <a:tint val="40000"/>
+        <a:alpha val="90000"/>
+      </a:schemeClr>
+      <a:schemeClr val="accent6">
+        <a:tint val="40000"/>
+        <a:alpha val="90000"/>
+      </a:schemeClr>
+    </dgm:linClrLst>
+    <dgm:effectClrLst/>
+    <dgm:txLinClrLst/>
+    <dgm:txFillClrLst meth="repeat">
+      <a:schemeClr val="dk1"/>
+    </dgm:txFillClrLst>
+    <dgm:txEffectClrLst/>
+  </dgm:styleLbl>
+  <dgm:styleLbl name="alignAccFollowNode1">
+    <dgm:fillClrLst meth="repeat">
+      <a:schemeClr val="accent2">
+        <a:tint val="40000"/>
+        <a:alpha val="90000"/>
+      </a:schemeClr>
+      <a:schemeClr val="accent3">
+        <a:tint val="40000"/>
+        <a:alpha val="90000"/>
+      </a:schemeClr>
+      <a:schemeClr val="accent4">
+        <a:tint val="40000"/>
+        <a:alpha val="90000"/>
+      </a:schemeClr>
+      <a:schemeClr val="accent5">
+        <a:tint val="40000"/>
+        <a:alpha val="90000"/>
+      </a:schemeClr>
+      <a:schemeClr val="accent6">
+        <a:tint val="40000"/>
+        <a:alpha val="90000"/>
+      </a:schemeClr>
+    </dgm:fillClrLst>
+    <dgm:linClrLst meth="repeat">
+      <a:schemeClr val="accent2">
+        <a:tint val="40000"/>
+        <a:alpha val="90000"/>
+      </a:schemeClr>
+      <a:schemeClr val="accent3">
+        <a:tint val="40000"/>
+        <a:alpha val="90000"/>
+      </a:schemeClr>
+      <a:schemeClr val="accent4">
+        <a:tint val="40000"/>
+        <a:alpha val="90000"/>
+      </a:schemeClr>
+      <a:schemeClr val="accent5">
+        <a:tint val="40000"/>
+        <a:alpha val="90000"/>
+      </a:schemeClr>
+      <a:schemeClr val="accent6">
+        <a:tint val="40000"/>
+        <a:alpha val="90000"/>
+      </a:schemeClr>
+    </dgm:linClrLst>
+    <dgm:effectClrLst/>
+    <dgm:txLinClrLst/>
+    <dgm:txFillClrLst meth="repeat">
+      <a:schemeClr val="dk1"/>
+    </dgm:txFillClrLst>
+    <dgm:txEffectClrLst/>
+  </dgm:styleLbl>
+  <dgm:styleLbl name="bgAccFollowNode1">
+    <dgm:fillClrLst meth="repeat">
+      <a:schemeClr val="accent2">
+        <a:tint val="40000"/>
+        <a:alpha val="90000"/>
+      </a:schemeClr>
+      <a:schemeClr val="accent3">
+        <a:tint val="40000"/>
+        <a:alpha val="90000"/>
+      </a:schemeClr>
+      <a:schemeClr val="accent4">
+        <a:tint val="40000"/>
+        <a:alpha val="90000"/>
+      </a:schemeClr>
+      <a:schemeClr val="accent5">
+        <a:tint val="40000"/>
+        <a:alpha val="90000"/>
+      </a:schemeClr>
+      <a:schemeClr val="accent6">
+        <a:tint val="40000"/>
+        <a:alpha val="90000"/>
+      </a:schemeClr>
+    </dgm:fillClrLst>
+    <dgm:linClrLst meth="repeat">
+      <a:schemeClr val="accent2">
+        <a:tint val="40000"/>
+        <a:alpha val="90000"/>
+      </a:schemeClr>
+      <a:schemeClr val="accent3">
+        <a:tint val="40000"/>
+        <a:alpha val="90000"/>
+      </a:schemeClr>
+      <a:schemeClr val="accent4">
+        <a:tint val="40000"/>
+        <a:alpha val="90000"/>
+      </a:schemeClr>
+      <a:schemeClr val="accent5">
+        <a:tint val="40000"/>
+        <a:alpha val="90000"/>
+      </a:schemeClr>
+      <a:schemeClr val="accent6">
+        <a:tint val="40000"/>
+        <a:alpha val="90000"/>
+      </a:schemeClr>
+    </dgm:linClrLst>
+    <dgm:effectClrLst/>
+    <dgm:txLinClrLst/>
+    <dgm:txFillClrLst meth="repeat">
+      <a:schemeClr val="dk1"/>
+    </dgm:txFillClrLst>
+    <dgm:txEffectClrLst/>
+  </dgm:styleLbl>
+  <dgm:styleLbl name="fgAcc0">
+    <dgm:fillClrLst meth="repeat">
+      <a:schemeClr val="lt1">
+        <a:alpha val="90000"/>
+      </a:schemeClr>
+    </dgm:fillClrLst>
+    <dgm:linClrLst>
+      <a:schemeClr val="accent1"/>
+    </dgm:linClrLst>
+    <dgm:effectClrLst/>
+    <dgm:txLinClrLst/>
+    <dgm:txFillClrLst meth="repeat">
+      <a:schemeClr val="dk1"/>
+    </dgm:txFillClrLst>
+    <dgm:txEffectClrLst/>
+  </dgm:styleLbl>
+  <dgm:styleLbl name="fgAcc2">
+    <dgm:fillClrLst meth="repeat">
+      <a:schemeClr val="lt1">
+        <a:alpha val="90000"/>
+      </a:schemeClr>
+    </dgm:fillClrLst>
+    <dgm:linClrLst>
+      <a:schemeClr val="accent2"/>
+    </dgm:linClrLst>
+    <dgm:effectClrLst/>
+    <dgm:txLinClrLst/>
+    <dgm:txFillClrLst meth="repeat">
+      <a:schemeClr val="dk1"/>
+    </dgm:txFillClrLst>
+    <dgm:txEffectClrLst/>
+  </dgm:styleLbl>
+  <dgm:styleLbl name="fgAcc3">
+    <dgm:fillClrLst meth="repeat">
+      <a:schemeClr val="lt1">
+        <a:alpha val="90000"/>
+      </a:schemeClr>
+    </dgm:fillClrLst>
+    <dgm:linClrLst>
+      <a:schemeClr val="accent3"/>
+    </dgm:linClrLst>
+    <dgm:effectClrLst/>
+    <dgm:txLinClrLst/>
+    <dgm:txFillClrLst meth="repeat">
+      <a:schemeClr val="dk1"/>
+    </dgm:txFillClrLst>
+    <dgm:txEffectClrLst/>
+  </dgm:styleLbl>
+  <dgm:styleLbl name="fgAcc4">
+    <dgm:fillClrLst meth="repeat">
+      <a:schemeClr val="lt1">
+        <a:alpha val="90000"/>
+      </a:schemeClr>
+    </dgm:fillClrLst>
+    <dgm:linClrLst>
+      <a:schemeClr val="accent4"/>
+    </dgm:linClrLst>
+    <dgm:effectClrLst/>
+    <dgm:txLinClrLst/>
+    <dgm:txFillClrLst meth="repeat">
+      <a:schemeClr val="dk1"/>
+    </dgm:txFillClrLst>
+    <dgm:txEffectClrLst/>
+  </dgm:styleLbl>
+  <dgm:styleLbl name="bgShp">
+    <dgm:fillClrLst meth="repeat">
+      <a:schemeClr val="bg1">
+        <a:lumMod val="95000"/>
+      </a:schemeClr>
+    </dgm:fillClrLst>
+    <dgm:linClrLst meth="repeat">
+      <a:schemeClr val="dk1"/>
+    </dgm:linClrLst>
+    <dgm:effectClrLst/>
+    <dgm:txLinClrLst/>
+    <dgm:txFillClrLst meth="repeat">
+      <a:schemeClr val="dk1"/>
+    </dgm:txFillClrLst>
+    <dgm:txEffectClrLst/>
+  </dgm:styleLbl>
+  <dgm:styleLbl name="dkBgShp">
+    <dgm:fillClrLst meth="repeat">
+      <a:schemeClr val="accent2">
+        <a:shade val="90000"/>
+      </a:schemeClr>
+    </dgm:fillClrLst>
+    <dgm:linClrLst meth="repeat">
+      <a:schemeClr val="dk1"/>
+    </dgm:linClrLst>
+    <dgm:effectClrLst/>
+    <dgm:txLinClrLst/>
+    <dgm:txFillClrLst meth="repeat">
+      <a:schemeClr val="lt1"/>
+    </dgm:txFillClrLst>
+    <dgm:txEffectClrLst/>
+  </dgm:styleLbl>
+  <dgm:styleLbl name="trBgShp">
+    <dgm:fillClrLst meth="repeat">
+      <a:schemeClr val="accent1">
+        <a:tint val="50000"/>
+        <a:alpha val="40000"/>
+      </a:schemeClr>
+    </dgm:fillClrLst>
+    <dgm:linClrLst meth="repeat">
+      <a:schemeClr val="accent2"/>
+    </dgm:linClrLst>
+    <dgm:effectClrLst/>
+    <dgm:txLinClrLst/>
+    <dgm:txFillClrLst meth="repeat">
+      <a:schemeClr val="lt1"/>
+    </dgm:txFillClrLst>
+    <dgm:txEffectClrLst/>
+  </dgm:styleLbl>
+  <dgm:styleLbl name="fgShp">
+    <dgm:fillClrLst meth="repeat">
+      <a:schemeClr val="accent2">
+        <a:tint val="40000"/>
+      </a:schemeClr>
+    </dgm:fillClrLst>
+    <dgm:linClrLst meth="repeat">
+      <a:schemeClr val="lt1"/>
+    </dgm:linClrLst>
+    <dgm:effectClrLst/>
+    <dgm:txLinClrLst/>
+    <dgm:txFillClrLst meth="repeat">
+      <a:schemeClr val="dk1"/>
+    </dgm:txFillClrLst>
+    <dgm:txEffectClrLst/>
+  </dgm:styleLbl>
+  <dgm:styleLbl name="revTx">
+    <dgm:fillClrLst meth="repeat">
+      <a:schemeClr val="lt1">
+        <a:alpha val="0"/>
+      </a:schemeClr>
+    </dgm:fillClrLst>
+    <dgm:linClrLst meth="repeat">
+      <a:schemeClr val="dk1">
+        <a:alpha val="0"/>
+      </a:schemeClr>
+    </dgm:linClrLst>
+    <dgm:effectClrLst/>
+    <dgm:txLinClrLst/>
+    <dgm:txFillClrLst meth="repeat">
+      <a:schemeClr val="tx1"/>
+    </dgm:txFillClrLst>
+    <dgm:txEffectClrLst/>
+  </dgm:styleLbl>
+</dgm:colorsDef>
+</file>
+
+<file path=ppt/diagrams/colors9.xml><?xml version="1.0" encoding="utf-8"?>
 <dgm:colorsDef xmlns:dgm="http://schemas.openxmlformats.org/drawingml/2006/diagram" xmlns:a="http://schemas.openxmlformats.org/drawingml/2006/main" uniqueId="urn:microsoft.com/office/officeart/2018/5/colors/Iconchunking_neutralbg_colorful1">
   <dgm:title val=""/>
   <dgm:desc val=""/>
@@ -8657,7 +9587,7 @@
 <dgm:dataModel xmlns:dgm="http://schemas.openxmlformats.org/drawingml/2006/diagram" xmlns:a="http://schemas.openxmlformats.org/drawingml/2006/main">
   <dgm:ptLst>
     <dgm:pt modelId="{E32E022B-DF33-450A-99BF-A55043D6A488}" type="doc">
-      <dgm:prSet loTypeId="urn:microsoft.com/office/officeart/2005/8/layout/default" loCatId="list" qsTypeId="urn:microsoft.com/office/officeart/2005/8/quickstyle/simple1" qsCatId="simple" csTypeId="urn:microsoft.com/office/officeart/2005/8/colors/accent1_2" csCatId="accent1" phldr="1"/>
+      <dgm:prSet loTypeId="urn:microsoft.com/office/officeart/2018/5/layout/IconCircleLabelList" loCatId="icon" qsTypeId="urn:microsoft.com/office/officeart/2005/8/quickstyle/simple1" qsCatId="simple" csTypeId="urn:microsoft.com/office/officeart/2005/8/colors/accent1_2" csCatId="accent1" phldr="1"/>
       <dgm:spPr/>
       <dgm:t>
         <a:bodyPr/>
@@ -8674,16 +9604,22 @@
         <a:bodyPr/>
         <a:lstStyle/>
         <a:p>
+          <a:pPr>
+            <a:lnSpc>
+              <a:spcPct val="100000"/>
+            </a:lnSpc>
+            <a:defRPr cap="all"/>
+          </a:pPr>
           <a:r>
-            <a:rPr lang="en-US" dirty="0"/>
+            <a:rPr lang="en-US"/>
             <a:t>Guaranteed </a:t>
           </a:r>
           <a:r>
-            <a:rPr lang="en-US" u="none" dirty="0"/>
+            <a:rPr lang="en-US" u="none"/>
             <a:t>at least once </a:t>
           </a:r>
           <a:r>
-            <a:rPr lang="en-US" dirty="0"/>
+            <a:rPr lang="en-US"/>
             <a:t>delivery</a:t>
           </a:r>
         </a:p>
@@ -8718,6 +9654,12 @@
         <a:bodyPr/>
         <a:lstStyle/>
         <a:p>
+          <a:pPr>
+            <a:lnSpc>
+              <a:spcPct val="100000"/>
+            </a:lnSpc>
+            <a:defRPr cap="all"/>
+          </a:pPr>
           <a:r>
             <a:rPr lang="en-US"/>
             <a:t>Global, Load Balanced</a:t>
@@ -8754,8 +9696,14 @@
         <a:bodyPr/>
         <a:lstStyle/>
         <a:p>
+          <a:pPr>
+            <a:lnSpc>
+              <a:spcPct val="100000"/>
+            </a:lnSpc>
+            <a:defRPr cap="all"/>
+          </a:pPr>
           <a:r>
-            <a:rPr lang="en-US" dirty="0"/>
+            <a:rPr lang="en-US"/>
             <a:t>Messages persisted until they expire or are acknowledged</a:t>
           </a:r>
         </a:p>
@@ -8790,8 +9738,14 @@
         <a:bodyPr/>
         <a:lstStyle/>
         <a:p>
+          <a:pPr>
+            <a:lnSpc>
+              <a:spcPct val="100000"/>
+            </a:lnSpc>
+            <a:defRPr cap="all"/>
+          </a:pPr>
           <a:r>
-            <a:rPr lang="en-US" dirty="0"/>
+            <a:rPr lang="en-US"/>
             <a:t>Configurable message expiration</a:t>
           </a:r>
         </a:p>
@@ -8826,8 +9780,14 @@
         <a:bodyPr/>
         <a:lstStyle/>
         <a:p>
+          <a:pPr>
+            <a:lnSpc>
+              <a:spcPct val="100000"/>
+            </a:lnSpc>
+            <a:defRPr cap="all"/>
+          </a:pPr>
           <a:r>
-            <a:rPr lang="en-US" dirty="0"/>
+            <a:rPr lang="en-US"/>
             <a:t>Built in monitoring</a:t>
           </a:r>
         </a:p>
@@ -8862,8 +9822,14 @@
         <a:bodyPr/>
         <a:lstStyle/>
         <a:p>
+          <a:pPr>
+            <a:lnSpc>
+              <a:spcPct val="100000"/>
+            </a:lnSpc>
+            <a:defRPr cap="all"/>
+          </a:pPr>
           <a:r>
-            <a:rPr lang="en-US" dirty="0"/>
+            <a:rPr lang="en-US"/>
             <a:t>Best effort ordering</a:t>
           </a:r>
         </a:p>
@@ -8898,8 +9864,14 @@
         <a:bodyPr/>
         <a:lstStyle/>
         <a:p>
+          <a:pPr>
+            <a:lnSpc>
+              <a:spcPct val="100000"/>
+            </a:lnSpc>
+            <a:defRPr cap="all"/>
+          </a:pPr>
           <a:r>
-            <a:rPr lang="en-US" dirty="0"/>
+            <a:rPr lang="en-US"/>
             <a:t>Setting to persist acknowledged messages for specified period </a:t>
           </a:r>
         </a:p>
@@ -8927,8 +9899,50 @@
         </a:p>
       </dgm:t>
     </dgm:pt>
-    <dgm:pt modelId="{98B232F9-AECC-364B-A17A-34BDEA1E1A8A}" type="pres">
-      <dgm:prSet presAssocID="{E32E022B-DF33-450A-99BF-A55043D6A488}" presName="diagram" presStyleCnt="0">
+    <dgm:pt modelId="{2549C60A-9801-0F42-9A81-4533C1E10851}">
+      <dgm:prSet/>
+      <dgm:spPr/>
+      <dgm:t>
+        <a:bodyPr/>
+        <a:lstStyle/>
+        <a:p>
+          <a:pPr>
+            <a:lnSpc>
+              <a:spcPct val="100000"/>
+            </a:lnSpc>
+            <a:defRPr cap="all"/>
+          </a:pPr>
+          <a:r>
+            <a:rPr lang="en-US"/>
+            <a:t>Forced Message Ordering</a:t>
+          </a:r>
+        </a:p>
+      </dgm:t>
+    </dgm:pt>
+    <dgm:pt modelId="{68119508-BE14-314F-BCC8-C8870277D3F4}" type="parTrans" cxnId="{144A6092-7F17-5847-97C0-27003CC45725}">
+      <dgm:prSet/>
+      <dgm:spPr/>
+      <dgm:t>
+        <a:bodyPr/>
+        <a:lstStyle/>
+        <a:p>
+          <a:endParaRPr lang="en-US"/>
+        </a:p>
+      </dgm:t>
+    </dgm:pt>
+    <dgm:pt modelId="{33E5C861-4E5C-1348-A848-28116CF943D2}" type="sibTrans" cxnId="{144A6092-7F17-5847-97C0-27003CC45725}">
+      <dgm:prSet/>
+      <dgm:spPr/>
+      <dgm:t>
+        <a:bodyPr/>
+        <a:lstStyle/>
+        <a:p>
+          <a:endParaRPr lang="en-US"/>
+        </a:p>
+      </dgm:t>
+    </dgm:pt>
+    <dgm:pt modelId="{97A487CC-03BE-46D7-AC6A-08D5C96246AE}" type="pres">
+      <dgm:prSet presAssocID="{E32E022B-DF33-450A-99BF-A55043D6A488}" presName="root" presStyleCnt="0">
         <dgm:presLayoutVars>
           <dgm:dir/>
           <dgm:resizeHandles val="exact"/>
@@ -8936,122 +9950,467 @@
       </dgm:prSet>
       <dgm:spPr/>
     </dgm:pt>
-    <dgm:pt modelId="{CCE3AE87-E638-6E41-9B96-BEEBDE59747F}" type="pres">
-      <dgm:prSet presAssocID="{6B474F7F-41F1-4C75-A07A-EFDF8BADE1D8}" presName="node" presStyleLbl="node1" presStyleIdx="0" presStyleCnt="7">
+    <dgm:pt modelId="{59AEBE9A-7B1A-4087-B45B-5BDDDCCB24C6}" type="pres">
+      <dgm:prSet presAssocID="{6B474F7F-41F1-4C75-A07A-EFDF8BADE1D8}" presName="compNode" presStyleCnt="0"/>
+      <dgm:spPr/>
+    </dgm:pt>
+    <dgm:pt modelId="{FB469C14-3D17-4886-B924-A08E4B0F535E}" type="pres">
+      <dgm:prSet presAssocID="{6B474F7F-41F1-4C75-A07A-EFDF8BADE1D8}" presName="iconBgRect" presStyleLbl="bgShp" presStyleIdx="0" presStyleCnt="8"/>
+      <dgm:spPr/>
+    </dgm:pt>
+    <dgm:pt modelId="{5E29A751-51A4-41AA-8949-90D6F2CA6909}" type="pres">
+      <dgm:prSet presAssocID="{6B474F7F-41F1-4C75-A07A-EFDF8BADE1D8}" presName="iconRect" presStyleLbl="node1" presStyleIdx="0" presStyleCnt="8"/>
+      <dgm:spPr>
+        <a:blipFill>
+          <a:blip xmlns:r="http://schemas.openxmlformats.org/officeDocument/2006/relationships" r:embed="rId1">
+            <a:extLst>
+              <a:ext uri="{28A0092B-C50C-407E-A947-70E740481C1C}">
+                <a14:useLocalDpi xmlns:a14="http://schemas.microsoft.com/office/drawing/2010/main" val="0"/>
+              </a:ext>
+              <a:ext uri="{96DAC541-7B7A-43D3-8B79-37D633B846F1}">
+                <asvg:svgBlip xmlns:asvg="http://schemas.microsoft.com/office/drawing/2016/SVG/main" r:embed="rId2"/>
+              </a:ext>
+            </a:extLst>
+          </a:blip>
+          <a:srcRect/>
+          <a:stretch>
+            <a:fillRect/>
+          </a:stretch>
+        </a:blipFill>
+      </dgm:spPr>
+      <dgm:extLst>
+        <a:ext uri="{E40237B7-FDA0-4F09-8148-C483321AD2D9}">
+          <dgm14:cNvPr xmlns:dgm14="http://schemas.microsoft.com/office/drawing/2010/diagram" id="0" name="" descr="Food Delivery"/>
+        </a:ext>
+      </dgm:extLst>
+    </dgm:pt>
+    <dgm:pt modelId="{B0699798-D1AD-4196-9B3D-30D894E03A63}" type="pres">
+      <dgm:prSet presAssocID="{6B474F7F-41F1-4C75-A07A-EFDF8BADE1D8}" presName="spaceRect" presStyleCnt="0"/>
+      <dgm:spPr/>
+    </dgm:pt>
+    <dgm:pt modelId="{1CA69545-7D22-4407-AC30-0ED701156872}" type="pres">
+      <dgm:prSet presAssocID="{6B474F7F-41F1-4C75-A07A-EFDF8BADE1D8}" presName="textRect" presStyleLbl="revTx" presStyleIdx="0" presStyleCnt="8">
         <dgm:presLayoutVars>
-          <dgm:bulletEnabled val="1"/>
+          <dgm:chMax val="1"/>
+          <dgm:chPref val="1"/>
         </dgm:presLayoutVars>
       </dgm:prSet>
       <dgm:spPr/>
     </dgm:pt>
-    <dgm:pt modelId="{5A54B02B-4730-F541-AE54-13A4C6693689}" type="pres">
+    <dgm:pt modelId="{5F628AB2-6255-41C9-A574-9D3CC239014C}" type="pres">
       <dgm:prSet presAssocID="{A47BB6B4-C984-45B2-958C-C8B130435941}" presName="sibTrans" presStyleCnt="0"/>
       <dgm:spPr/>
     </dgm:pt>
-    <dgm:pt modelId="{2733AD2A-EEA4-554D-9943-CD63FC5D64D0}" type="pres">
-      <dgm:prSet presAssocID="{52610489-BF6E-7240-BCCE-5A337C0B21DB}" presName="node" presStyleLbl="node1" presStyleIdx="1" presStyleCnt="7">
+    <dgm:pt modelId="{B850195B-93D6-4E3D-94B5-C86BF072133D}" type="pres">
+      <dgm:prSet presAssocID="{52610489-BF6E-7240-BCCE-5A337C0B21DB}" presName="compNode" presStyleCnt="0"/>
+      <dgm:spPr/>
+    </dgm:pt>
+    <dgm:pt modelId="{04562D87-827F-4DEB-9A39-B98DC87BE71B}" type="pres">
+      <dgm:prSet presAssocID="{52610489-BF6E-7240-BCCE-5A337C0B21DB}" presName="iconBgRect" presStyleLbl="bgShp" presStyleIdx="1" presStyleCnt="8"/>
+      <dgm:spPr/>
+    </dgm:pt>
+    <dgm:pt modelId="{7C7BF5E3-BEF3-4BAF-B381-B85CAF7B7DC3}" type="pres">
+      <dgm:prSet presAssocID="{52610489-BF6E-7240-BCCE-5A337C0B21DB}" presName="iconRect" presStyleLbl="node1" presStyleIdx="1" presStyleCnt="8"/>
+      <dgm:spPr>
+        <a:blipFill>
+          <a:blip xmlns:r="http://schemas.openxmlformats.org/officeDocument/2006/relationships" r:embed="rId3">
+            <a:extLst>
+              <a:ext uri="{28A0092B-C50C-407E-A947-70E740481C1C}">
+                <a14:useLocalDpi xmlns:a14="http://schemas.microsoft.com/office/drawing/2010/main" val="0"/>
+              </a:ext>
+              <a:ext uri="{96DAC541-7B7A-43D3-8B79-37D633B846F1}">
+                <asvg:svgBlip xmlns:asvg="http://schemas.microsoft.com/office/drawing/2016/SVG/main" r:embed="rId4"/>
+              </a:ext>
+            </a:extLst>
+          </a:blip>
+          <a:srcRect/>
+          <a:stretch>
+            <a:fillRect/>
+          </a:stretch>
+        </a:blipFill>
+      </dgm:spPr>
+      <dgm:extLst>
+        <a:ext uri="{E40237B7-FDA0-4F09-8148-C483321AD2D9}">
+          <dgm14:cNvPr xmlns:dgm14="http://schemas.microsoft.com/office/drawing/2010/diagram" id="0" name="" descr="Checklist"/>
+        </a:ext>
+      </dgm:extLst>
+    </dgm:pt>
+    <dgm:pt modelId="{068B9841-ACCB-4AD5-920A-279DE42C580A}" type="pres">
+      <dgm:prSet presAssocID="{52610489-BF6E-7240-BCCE-5A337C0B21DB}" presName="spaceRect" presStyleCnt="0"/>
+      <dgm:spPr/>
+    </dgm:pt>
+    <dgm:pt modelId="{AC57A400-A248-4A48-B3E1-13A63CC9E3CA}" type="pres">
+      <dgm:prSet presAssocID="{52610489-BF6E-7240-BCCE-5A337C0B21DB}" presName="textRect" presStyleLbl="revTx" presStyleIdx="1" presStyleCnt="8">
         <dgm:presLayoutVars>
-          <dgm:bulletEnabled val="1"/>
+          <dgm:chMax val="1"/>
+          <dgm:chPref val="1"/>
         </dgm:presLayoutVars>
       </dgm:prSet>
       <dgm:spPr/>
     </dgm:pt>
-    <dgm:pt modelId="{B84165AE-DFEE-1541-87B4-1789F8175F64}" type="pres">
+    <dgm:pt modelId="{7FF460AF-4B25-4EE8-847E-657F0235BB05}" type="pres">
       <dgm:prSet presAssocID="{21B15B17-D493-CC42-886A-1F57174DC8D1}" presName="sibTrans" presStyleCnt="0"/>
       <dgm:spPr/>
     </dgm:pt>
-    <dgm:pt modelId="{5D128F6E-3D3E-1A4E-8944-E5D42B2B1C83}" type="pres">
-      <dgm:prSet presAssocID="{86EC530F-A630-4D00-AF49-7A2D176CDAFC}" presName="node" presStyleLbl="node1" presStyleIdx="2" presStyleCnt="7">
+    <dgm:pt modelId="{CD37D005-1FAB-4518-AB54-4291DEDDEC39}" type="pres">
+      <dgm:prSet presAssocID="{86EC530F-A630-4D00-AF49-7A2D176CDAFC}" presName="compNode" presStyleCnt="0"/>
+      <dgm:spPr/>
+    </dgm:pt>
+    <dgm:pt modelId="{6C49A57E-A68D-46F0-B756-E4563613E86F}" type="pres">
+      <dgm:prSet presAssocID="{86EC530F-A630-4D00-AF49-7A2D176CDAFC}" presName="iconBgRect" presStyleLbl="bgShp" presStyleIdx="2" presStyleCnt="8"/>
+      <dgm:spPr/>
+    </dgm:pt>
+    <dgm:pt modelId="{BBC198BE-FDC4-410B-B562-15BAE5BA3949}" type="pres">
+      <dgm:prSet presAssocID="{86EC530F-A630-4D00-AF49-7A2D176CDAFC}" presName="iconRect" presStyleLbl="node1" presStyleIdx="2" presStyleCnt="8"/>
+      <dgm:spPr>
+        <a:blipFill>
+          <a:blip xmlns:r="http://schemas.openxmlformats.org/officeDocument/2006/relationships" r:embed="rId5">
+            <a:extLst>
+              <a:ext uri="{96DAC541-7B7A-43D3-8B79-37D633B846F1}">
+                <asvg:svgBlip xmlns:asvg="http://schemas.microsoft.com/office/drawing/2016/SVG/main" r:embed="rId6"/>
+              </a:ext>
+            </a:extLst>
+          </a:blip>
+          <a:srcRect/>
+          <a:stretch>
+            <a:fillRect/>
+          </a:stretch>
+        </a:blipFill>
+      </dgm:spPr>
+      <dgm:extLst>
+        <a:ext uri="{E40237B7-FDA0-4F09-8148-C483321AD2D9}">
+          <dgm14:cNvPr xmlns:dgm14="http://schemas.microsoft.com/office/drawing/2010/diagram" id="0" name="" descr="Scales of justice"/>
+        </a:ext>
+      </dgm:extLst>
+    </dgm:pt>
+    <dgm:pt modelId="{ADF55AFE-EA19-4CF9-B71F-586A62EC7938}" type="pres">
+      <dgm:prSet presAssocID="{86EC530F-A630-4D00-AF49-7A2D176CDAFC}" presName="spaceRect" presStyleCnt="0"/>
+      <dgm:spPr/>
+    </dgm:pt>
+    <dgm:pt modelId="{966D8E85-F698-49AF-B2DE-710432B35FDF}" type="pres">
+      <dgm:prSet presAssocID="{86EC530F-A630-4D00-AF49-7A2D176CDAFC}" presName="textRect" presStyleLbl="revTx" presStyleIdx="2" presStyleCnt="8">
         <dgm:presLayoutVars>
-          <dgm:bulletEnabled val="1"/>
+          <dgm:chMax val="1"/>
+          <dgm:chPref val="1"/>
         </dgm:presLayoutVars>
       </dgm:prSet>
       <dgm:spPr/>
     </dgm:pt>
-    <dgm:pt modelId="{A5B9464E-B280-FC4D-AC69-F2C96FBD9CB4}" type="pres">
+    <dgm:pt modelId="{D0392DAC-BE25-4D43-B831-2CB2DC5D7A21}" type="pres">
       <dgm:prSet presAssocID="{7A1CEDD1-71AE-456B-B969-8C7E5CC6FDE4}" presName="sibTrans" presStyleCnt="0"/>
       <dgm:spPr/>
     </dgm:pt>
-    <dgm:pt modelId="{D189726E-9A7F-F34A-A6CA-00BA69D6A45F}" type="pres">
-      <dgm:prSet presAssocID="{434CDE40-97BE-47E3-AD67-1BAF9E1387E0}" presName="node" presStyleLbl="node1" presStyleIdx="3" presStyleCnt="7">
+    <dgm:pt modelId="{C646C1EB-7316-4316-B31E-73233D7623CE}" type="pres">
+      <dgm:prSet presAssocID="{434CDE40-97BE-47E3-AD67-1BAF9E1387E0}" presName="compNode" presStyleCnt="0"/>
+      <dgm:spPr/>
+    </dgm:pt>
+    <dgm:pt modelId="{667463A9-86F5-4404-9577-8E27148F1E3C}" type="pres">
+      <dgm:prSet presAssocID="{434CDE40-97BE-47E3-AD67-1BAF9E1387E0}" presName="iconBgRect" presStyleLbl="bgShp" presStyleIdx="3" presStyleCnt="8"/>
+      <dgm:spPr/>
+    </dgm:pt>
+    <dgm:pt modelId="{971A9D0B-C95D-489D-8F63-8B82A6E4C3B7}" type="pres">
+      <dgm:prSet presAssocID="{434CDE40-97BE-47E3-AD67-1BAF9E1387E0}" presName="iconRect" presStyleLbl="node1" presStyleIdx="3" presStyleCnt="8"/>
+      <dgm:spPr>
+        <a:blipFill>
+          <a:blip xmlns:r="http://schemas.openxmlformats.org/officeDocument/2006/relationships" r:embed="rId7">
+            <a:extLst>
+              <a:ext uri="{96DAC541-7B7A-43D3-8B79-37D633B846F1}">
+                <asvg:svgBlip xmlns:asvg="http://schemas.microsoft.com/office/drawing/2016/SVG/main" r:embed="rId8"/>
+              </a:ext>
+            </a:extLst>
+          </a:blip>
+          <a:srcRect/>
+          <a:stretch>
+            <a:fillRect/>
+          </a:stretch>
+        </a:blipFill>
+      </dgm:spPr>
+      <dgm:extLst>
+        <a:ext uri="{E40237B7-FDA0-4F09-8148-C483321AD2D9}">
+          <dgm14:cNvPr xmlns:dgm14="http://schemas.microsoft.com/office/drawing/2010/diagram" id="0" name="" descr="Database"/>
+        </a:ext>
+      </dgm:extLst>
+    </dgm:pt>
+    <dgm:pt modelId="{810AD64D-427F-4B4D-AB96-9D87A51F2B7C}" type="pres">
+      <dgm:prSet presAssocID="{434CDE40-97BE-47E3-AD67-1BAF9E1387E0}" presName="spaceRect" presStyleCnt="0"/>
+      <dgm:spPr/>
+    </dgm:pt>
+    <dgm:pt modelId="{8E20E1BA-6FB0-44F8-BA06-85FF77177048}" type="pres">
+      <dgm:prSet presAssocID="{434CDE40-97BE-47E3-AD67-1BAF9E1387E0}" presName="textRect" presStyleLbl="revTx" presStyleIdx="3" presStyleCnt="8">
         <dgm:presLayoutVars>
-          <dgm:bulletEnabled val="1"/>
+          <dgm:chMax val="1"/>
+          <dgm:chPref val="1"/>
         </dgm:presLayoutVars>
       </dgm:prSet>
       <dgm:spPr/>
     </dgm:pt>
-    <dgm:pt modelId="{9E6A772B-B682-714C-8C13-72A98C3280EB}" type="pres">
+    <dgm:pt modelId="{FEC3C2AB-EB7E-4919-A417-47A6107C53A4}" type="pres">
       <dgm:prSet presAssocID="{D43AE9D3-A634-4A0F-9A9D-1EB2D2C694B4}" presName="sibTrans" presStyleCnt="0"/>
       <dgm:spPr/>
     </dgm:pt>
-    <dgm:pt modelId="{9E4DF08A-3C5F-C248-8715-B60C5FBD24F5}" type="pres">
-      <dgm:prSet presAssocID="{6E9B1C52-E55F-4DB4-BEFF-AA7AF1F0C58D}" presName="node" presStyleLbl="node1" presStyleIdx="4" presStyleCnt="7">
+    <dgm:pt modelId="{1E319C2C-C9DB-4543-AEC3-F2B89D2EEF1F}" type="pres">
+      <dgm:prSet presAssocID="{6E9B1C52-E55F-4DB4-BEFF-AA7AF1F0C58D}" presName="compNode" presStyleCnt="0"/>
+      <dgm:spPr/>
+    </dgm:pt>
+    <dgm:pt modelId="{C9C53547-33DC-48A3-9040-52A571F05BEE}" type="pres">
+      <dgm:prSet presAssocID="{6E9B1C52-E55F-4DB4-BEFF-AA7AF1F0C58D}" presName="iconBgRect" presStyleLbl="bgShp" presStyleIdx="4" presStyleCnt="8"/>
+      <dgm:spPr/>
+    </dgm:pt>
+    <dgm:pt modelId="{395A6C2F-B1E6-4347-809D-9EF84CDCDF6C}" type="pres">
+      <dgm:prSet presAssocID="{6E9B1C52-E55F-4DB4-BEFF-AA7AF1F0C58D}" presName="iconRect" presStyleLbl="node1" presStyleIdx="4" presStyleCnt="8"/>
+      <dgm:spPr>
+        <a:blipFill>
+          <a:blip xmlns:r="http://schemas.openxmlformats.org/officeDocument/2006/relationships" r:embed="rId9">
+            <a:extLst>
+              <a:ext uri="{96DAC541-7B7A-43D3-8B79-37D633B846F1}">
+                <asvg:svgBlip xmlns:asvg="http://schemas.microsoft.com/office/drawing/2016/SVG/main" r:embed="rId10"/>
+              </a:ext>
+            </a:extLst>
+          </a:blip>
+          <a:srcRect/>
+          <a:stretch>
+            <a:fillRect/>
+          </a:stretch>
+        </a:blipFill>
+      </dgm:spPr>
+      <dgm:extLst>
+        <a:ext uri="{E40237B7-FDA0-4F09-8148-C483321AD2D9}">
+          <dgm14:cNvPr xmlns:dgm14="http://schemas.microsoft.com/office/drawing/2010/diagram" id="0" name="" descr="Daily calendar"/>
+        </a:ext>
+      </dgm:extLst>
+    </dgm:pt>
+    <dgm:pt modelId="{D1B91AC9-83BE-4940-B836-0422352A851F}" type="pres">
+      <dgm:prSet presAssocID="{6E9B1C52-E55F-4DB4-BEFF-AA7AF1F0C58D}" presName="spaceRect" presStyleCnt="0"/>
+      <dgm:spPr/>
+    </dgm:pt>
+    <dgm:pt modelId="{20AA5EC5-A470-483F-B5B7-A35134C47C2B}" type="pres">
+      <dgm:prSet presAssocID="{6E9B1C52-E55F-4DB4-BEFF-AA7AF1F0C58D}" presName="textRect" presStyleLbl="revTx" presStyleIdx="4" presStyleCnt="8">
         <dgm:presLayoutVars>
-          <dgm:bulletEnabled val="1"/>
+          <dgm:chMax val="1"/>
+          <dgm:chPref val="1"/>
         </dgm:presLayoutVars>
       </dgm:prSet>
       <dgm:spPr/>
     </dgm:pt>
-    <dgm:pt modelId="{058DF540-AA37-B747-8850-93DEC8871F36}" type="pres">
+    <dgm:pt modelId="{62726170-8C11-4FB8-AF85-21442F59A481}" type="pres">
       <dgm:prSet presAssocID="{1EFFB085-2AA7-490D-B58B-9F416EB5608B}" presName="sibTrans" presStyleCnt="0"/>
       <dgm:spPr/>
     </dgm:pt>
-    <dgm:pt modelId="{A6A03DB0-06D5-7741-8230-7125F0890361}" type="pres">
-      <dgm:prSet presAssocID="{3984B5DA-F11F-844E-AB82-61B98940620B}" presName="node" presStyleLbl="node1" presStyleIdx="5" presStyleCnt="7">
+    <dgm:pt modelId="{0A3553C9-2578-45B3-8E96-E66DF6E34B06}" type="pres">
+      <dgm:prSet presAssocID="{3984B5DA-F11F-844E-AB82-61B98940620B}" presName="compNode" presStyleCnt="0"/>
+      <dgm:spPr/>
+    </dgm:pt>
+    <dgm:pt modelId="{A734BC85-5C1F-4412-94DF-4B5D85AD941A}" type="pres">
+      <dgm:prSet presAssocID="{3984B5DA-F11F-844E-AB82-61B98940620B}" presName="iconBgRect" presStyleLbl="bgShp" presStyleIdx="5" presStyleCnt="8"/>
+      <dgm:spPr/>
+    </dgm:pt>
+    <dgm:pt modelId="{B2100B56-C65A-4449-8094-145C500B8FCF}" type="pres">
+      <dgm:prSet presAssocID="{3984B5DA-F11F-844E-AB82-61B98940620B}" presName="iconRect" presStyleLbl="node1" presStyleIdx="5" presStyleCnt="8"/>
+      <dgm:spPr>
+        <a:blipFill>
+          <a:blip xmlns:r="http://schemas.openxmlformats.org/officeDocument/2006/relationships" r:embed="rId11">
+            <a:extLst>
+              <a:ext uri="{28A0092B-C50C-407E-A947-70E740481C1C}">
+                <a14:useLocalDpi xmlns:a14="http://schemas.microsoft.com/office/drawing/2010/main" val="0"/>
+              </a:ext>
+              <a:ext uri="{96DAC541-7B7A-43D3-8B79-37D633B846F1}">
+                <asvg:svgBlip xmlns:asvg="http://schemas.microsoft.com/office/drawing/2016/SVG/main" r:embed="rId12"/>
+              </a:ext>
+            </a:extLst>
+          </a:blip>
+          <a:srcRect/>
+          <a:stretch>
+            <a:fillRect/>
+          </a:stretch>
+        </a:blipFill>
+      </dgm:spPr>
+      <dgm:extLst>
+        <a:ext uri="{E40237B7-FDA0-4F09-8148-C483321AD2D9}">
+          <dgm14:cNvPr xmlns:dgm14="http://schemas.microsoft.com/office/drawing/2010/diagram" id="0" name="" descr="Filing Box Archive"/>
+        </a:ext>
+      </dgm:extLst>
+    </dgm:pt>
+    <dgm:pt modelId="{A000057A-51B6-4DDB-9BCB-E0C4F0DD570B}" type="pres">
+      <dgm:prSet presAssocID="{3984B5DA-F11F-844E-AB82-61B98940620B}" presName="spaceRect" presStyleCnt="0"/>
+      <dgm:spPr/>
+    </dgm:pt>
+    <dgm:pt modelId="{FE1A83AB-1599-4257-AE2C-1AF42A7D5953}" type="pres">
+      <dgm:prSet presAssocID="{3984B5DA-F11F-844E-AB82-61B98940620B}" presName="textRect" presStyleLbl="revTx" presStyleIdx="5" presStyleCnt="8">
         <dgm:presLayoutVars>
-          <dgm:bulletEnabled val="1"/>
+          <dgm:chMax val="1"/>
+          <dgm:chPref val="1"/>
         </dgm:presLayoutVars>
       </dgm:prSet>
       <dgm:spPr/>
     </dgm:pt>
-    <dgm:pt modelId="{BEBDE4B5-C1EE-4D45-B8CE-6BA62B9042B5}" type="pres">
+    <dgm:pt modelId="{E39AC54E-878B-480B-B6F7-650A3F90AFF5}" type="pres">
       <dgm:prSet presAssocID="{9BB6FDB7-C230-BB4F-BC09-FC0CFD47E3BB}" presName="sibTrans" presStyleCnt="0"/>
       <dgm:spPr/>
     </dgm:pt>
-    <dgm:pt modelId="{1D9C2354-9A2B-074F-9F2B-5B060455BDF0}" type="pres">
-      <dgm:prSet presAssocID="{DF197FAD-050F-4B74-B46D-EF49EEADD3F1}" presName="node" presStyleLbl="node1" presStyleIdx="6" presStyleCnt="7">
+    <dgm:pt modelId="{E328B720-C02B-42D5-A9B3-E0A090F3295E}" type="pres">
+      <dgm:prSet presAssocID="{DF197FAD-050F-4B74-B46D-EF49EEADD3F1}" presName="compNode" presStyleCnt="0"/>
+      <dgm:spPr/>
+    </dgm:pt>
+    <dgm:pt modelId="{E419DB7A-A180-4BDF-96B5-739ABB4AFB40}" type="pres">
+      <dgm:prSet presAssocID="{DF197FAD-050F-4B74-B46D-EF49EEADD3F1}" presName="iconBgRect" presStyleLbl="bgShp" presStyleIdx="6" presStyleCnt="8"/>
+      <dgm:spPr/>
+    </dgm:pt>
+    <dgm:pt modelId="{318C75FD-D255-4943-B619-4CC0AE9DE739}" type="pres">
+      <dgm:prSet presAssocID="{DF197FAD-050F-4B74-B46D-EF49EEADD3F1}" presName="iconRect" presStyleLbl="node1" presStyleIdx="6" presStyleCnt="8"/>
+      <dgm:spPr>
+        <a:blipFill>
+          <a:blip xmlns:r="http://schemas.openxmlformats.org/officeDocument/2006/relationships" r:embed="rId13">
+            <a:extLst>
+              <a:ext uri="{96DAC541-7B7A-43D3-8B79-37D633B846F1}">
+                <asvg:svgBlip xmlns:asvg="http://schemas.microsoft.com/office/drawing/2016/SVG/main" r:embed="rId14"/>
+              </a:ext>
+            </a:extLst>
+          </a:blip>
+          <a:srcRect/>
+          <a:stretch>
+            <a:fillRect/>
+          </a:stretch>
+        </a:blipFill>
+      </dgm:spPr>
+      <dgm:extLst>
+        <a:ext uri="{E40237B7-FDA0-4F09-8148-C483321AD2D9}">
+          <dgm14:cNvPr xmlns:dgm14="http://schemas.microsoft.com/office/drawing/2010/diagram" id="0" name="" descr="Bar chart"/>
+        </a:ext>
+      </dgm:extLst>
+    </dgm:pt>
+    <dgm:pt modelId="{D22F8BAF-AD87-4D1E-894F-1C543ECFAA7C}" type="pres">
+      <dgm:prSet presAssocID="{DF197FAD-050F-4B74-B46D-EF49EEADD3F1}" presName="spaceRect" presStyleCnt="0"/>
+      <dgm:spPr/>
+    </dgm:pt>
+    <dgm:pt modelId="{B9E97642-D81E-46BA-92B8-5F7448E134D3}" type="pres">
+      <dgm:prSet presAssocID="{DF197FAD-050F-4B74-B46D-EF49EEADD3F1}" presName="textRect" presStyleLbl="revTx" presStyleIdx="6" presStyleCnt="8">
         <dgm:presLayoutVars>
-          <dgm:bulletEnabled val="1"/>
+          <dgm:chMax val="1"/>
+          <dgm:chPref val="1"/>
+        </dgm:presLayoutVars>
+      </dgm:prSet>
+      <dgm:spPr/>
+    </dgm:pt>
+    <dgm:pt modelId="{07CAA906-7B6B-46A5-9686-1280315BED57}" type="pres">
+      <dgm:prSet presAssocID="{BA5B6425-870B-415D-956F-769181A4238C}" presName="sibTrans" presStyleCnt="0"/>
+      <dgm:spPr/>
+    </dgm:pt>
+    <dgm:pt modelId="{48D10531-F0C8-4830-A1B0-AE57E7B530F8}" type="pres">
+      <dgm:prSet presAssocID="{2549C60A-9801-0F42-9A81-4533C1E10851}" presName="compNode" presStyleCnt="0"/>
+      <dgm:spPr/>
+    </dgm:pt>
+    <dgm:pt modelId="{B56945E2-B9E6-42F2-8354-0AA1F623E442}" type="pres">
+      <dgm:prSet presAssocID="{2549C60A-9801-0F42-9A81-4533C1E10851}" presName="iconBgRect" presStyleLbl="bgShp" presStyleIdx="7" presStyleCnt="8"/>
+      <dgm:spPr/>
+    </dgm:pt>
+    <dgm:pt modelId="{E4B4A830-F2AC-4BD7-B6DE-C0DD209CC9C6}" type="pres">
+      <dgm:prSet presAssocID="{2549C60A-9801-0F42-9A81-4533C1E10851}" presName="iconRect" presStyleLbl="node1" presStyleIdx="7" presStyleCnt="8"/>
+      <dgm:spPr>
+        <a:blipFill>
+          <a:blip xmlns:r="http://schemas.openxmlformats.org/officeDocument/2006/relationships" r:embed="rId15">
+            <a:extLst>
+              <a:ext uri="{96DAC541-7B7A-43D3-8B79-37D633B846F1}">
+                <asvg:svgBlip xmlns:asvg="http://schemas.microsoft.com/office/drawing/2016/SVG/main" r:embed="rId16"/>
+              </a:ext>
+            </a:extLst>
+          </a:blip>
+          <a:srcRect/>
+          <a:stretch>
+            <a:fillRect/>
+          </a:stretch>
+        </a:blipFill>
+      </dgm:spPr>
+      <dgm:extLst>
+        <a:ext uri="{E40237B7-FDA0-4F09-8148-C483321AD2D9}">
+          <dgm14:cNvPr xmlns:dgm14="http://schemas.microsoft.com/office/drawing/2010/diagram" id="0" name="" descr="Sort"/>
+        </a:ext>
+      </dgm:extLst>
+    </dgm:pt>
+    <dgm:pt modelId="{9D48725B-9ABB-4C3A-998E-38B408726F21}" type="pres">
+      <dgm:prSet presAssocID="{2549C60A-9801-0F42-9A81-4533C1E10851}" presName="spaceRect" presStyleCnt="0"/>
+      <dgm:spPr/>
+    </dgm:pt>
+    <dgm:pt modelId="{E95AC507-27F9-44CD-8F1D-614D51462B53}" type="pres">
+      <dgm:prSet presAssocID="{2549C60A-9801-0F42-9A81-4533C1E10851}" presName="textRect" presStyleLbl="revTx" presStyleIdx="7" presStyleCnt="8">
+        <dgm:presLayoutVars>
+          <dgm:chMax val="1"/>
+          <dgm:chPref val="1"/>
         </dgm:presLayoutVars>
       </dgm:prSet>
       <dgm:spPr/>
     </dgm:pt>
   </dgm:ptLst>
   <dgm:cxnLst>
-    <dgm:cxn modelId="{A9711012-D8C9-FB45-9668-8E0E099196C9}" type="presOf" srcId="{3984B5DA-F11F-844E-AB82-61B98940620B}" destId="{A6A03DB0-06D5-7741-8230-7125F0890361}" srcOrd="0" destOrd="0" presId="urn:microsoft.com/office/officeart/2005/8/layout/default"/>
-    <dgm:cxn modelId="{A18DBD1B-9036-694B-BDC5-9C716929EDEE}" type="presOf" srcId="{434CDE40-97BE-47E3-AD67-1BAF9E1387E0}" destId="{D189726E-9A7F-F34A-A6CA-00BA69D6A45F}" srcOrd="0" destOrd="0" presId="urn:microsoft.com/office/officeart/2005/8/layout/default"/>
+    <dgm:cxn modelId="{A7D4A10C-64AD-7C4B-B42A-C25866C7DD1A}" type="presOf" srcId="{E32E022B-DF33-450A-99BF-A55043D6A488}" destId="{97A487CC-03BE-46D7-AC6A-08D5C96246AE}" srcOrd="0" destOrd="0" presId="urn:microsoft.com/office/officeart/2018/5/layout/IconCircleLabelList"/>
+    <dgm:cxn modelId="{1B9D6E0D-3829-694A-B339-5E358ACD645F}" type="presOf" srcId="{2549C60A-9801-0F42-9A81-4533C1E10851}" destId="{E95AC507-27F9-44CD-8F1D-614D51462B53}" srcOrd="0" destOrd="0" presId="urn:microsoft.com/office/officeart/2018/5/layout/IconCircleLabelList"/>
+    <dgm:cxn modelId="{F1241711-BEA1-E342-9CB0-C3BCB6DEFB90}" type="presOf" srcId="{DF197FAD-050F-4B74-B46D-EF49EEADD3F1}" destId="{B9E97642-D81E-46BA-92B8-5F7448E134D3}" srcOrd="0" destOrd="0" presId="urn:microsoft.com/office/officeart/2018/5/layout/IconCircleLabelList"/>
+    <dgm:cxn modelId="{AE1A4D22-F023-A045-B27A-F3D0E0CAB6DE}" type="presOf" srcId="{3984B5DA-F11F-844E-AB82-61B98940620B}" destId="{FE1A83AB-1599-4257-AE2C-1AF42A7D5953}" srcOrd="0" destOrd="0" presId="urn:microsoft.com/office/officeart/2018/5/layout/IconCircleLabelList"/>
     <dgm:cxn modelId="{A2F86526-5130-461C-A2C8-EC3B15723409}" srcId="{E32E022B-DF33-450A-99BF-A55043D6A488}" destId="{434CDE40-97BE-47E3-AD67-1BAF9E1387E0}" srcOrd="3" destOrd="0" parTransId="{230F22F0-E2BD-4BD7-846F-527D80C36FF6}" sibTransId="{D43AE9D3-A634-4A0F-9A9D-1EB2D2C694B4}"/>
     <dgm:cxn modelId="{77CF9833-8F17-4F82-8E9F-A63E07654DF4}" srcId="{E32E022B-DF33-450A-99BF-A55043D6A488}" destId="{86EC530F-A630-4D00-AF49-7A2D176CDAFC}" srcOrd="2" destOrd="0" parTransId="{E60B9704-87CA-418A-A270-BF9D01B0B2B5}" sibTransId="{7A1CEDD1-71AE-456B-B969-8C7E5CC6FDE4}"/>
-    <dgm:cxn modelId="{9C335D3C-C297-BA43-930A-2A177543A563}" type="presOf" srcId="{DF197FAD-050F-4B74-B46D-EF49EEADD3F1}" destId="{1D9C2354-9A2B-074F-9F2B-5B060455BDF0}" srcOrd="0" destOrd="0" presId="urn:microsoft.com/office/officeart/2005/8/layout/default"/>
+    <dgm:cxn modelId="{54C7A74D-5F8B-7245-97C4-376A6296D093}" type="presOf" srcId="{52610489-BF6E-7240-BCCE-5A337C0B21DB}" destId="{AC57A400-A248-4A48-B3E1-13A63CC9E3CA}" srcOrd="0" destOrd="0" presId="urn:microsoft.com/office/officeart/2018/5/layout/IconCircleLabelList"/>
     <dgm:cxn modelId="{8F302A4F-CE51-439D-B420-3561872E174D}" srcId="{E32E022B-DF33-450A-99BF-A55043D6A488}" destId="{6B474F7F-41F1-4C75-A07A-EFDF8BADE1D8}" srcOrd="0" destOrd="0" parTransId="{5C6F57A1-64AA-486C-B09A-4222115EC7C8}" sibTransId="{A47BB6B4-C984-45B2-958C-C8B130435941}"/>
     <dgm:cxn modelId="{D9834365-C01D-4CC3-8E63-F762BB53C479}" srcId="{E32E022B-DF33-450A-99BF-A55043D6A488}" destId="{6E9B1C52-E55F-4DB4-BEFF-AA7AF1F0C58D}" srcOrd="4" destOrd="0" parTransId="{809CE627-450D-42BB-A384-9EF84916EC66}" sibTransId="{1EFFB085-2AA7-490D-B58B-9F416EB5608B}"/>
     <dgm:cxn modelId="{EB38E17E-ED63-4A40-BFC0-94DC401E9DBC}" srcId="{E32E022B-DF33-450A-99BF-A55043D6A488}" destId="{3984B5DA-F11F-844E-AB82-61B98940620B}" srcOrd="5" destOrd="0" parTransId="{29B27694-145C-4F4C-A26B-AE1BCCF6E19C}" sibTransId="{9BB6FDB7-C230-BB4F-BC09-FC0CFD47E3BB}"/>
+    <dgm:cxn modelId="{144A6092-7F17-5847-97C0-27003CC45725}" srcId="{E32E022B-DF33-450A-99BF-A55043D6A488}" destId="{2549C60A-9801-0F42-9A81-4533C1E10851}" srcOrd="7" destOrd="0" parTransId="{68119508-BE14-314F-BCC8-C8870277D3F4}" sibTransId="{33E5C861-4E5C-1348-A848-28116CF943D2}"/>
     <dgm:cxn modelId="{3DC0B2AF-2A2B-0A4D-A814-61F19C5C1799}" srcId="{E32E022B-DF33-450A-99BF-A55043D6A488}" destId="{52610489-BF6E-7240-BCCE-5A337C0B21DB}" srcOrd="1" destOrd="0" parTransId="{643D97D8-350A-A240-B418-8BA874554218}" sibTransId="{21B15B17-D493-CC42-886A-1F57174DC8D1}"/>
-    <dgm:cxn modelId="{64F54DB9-CEA9-734F-A0AC-27BFA73ECCA5}" type="presOf" srcId="{52610489-BF6E-7240-BCCE-5A337C0B21DB}" destId="{2733AD2A-EEA4-554D-9943-CD63FC5D64D0}" srcOrd="0" destOrd="0" presId="urn:microsoft.com/office/officeart/2005/8/layout/default"/>
-    <dgm:cxn modelId="{B4DA4DBE-A4F7-D74D-ADA3-BE7E07C4CA6A}" type="presOf" srcId="{6E9B1C52-E55F-4DB4-BEFF-AA7AF1F0C58D}" destId="{9E4DF08A-3C5F-C248-8715-B60C5FBD24F5}" srcOrd="0" destOrd="0" presId="urn:microsoft.com/office/officeart/2005/8/layout/default"/>
-    <dgm:cxn modelId="{FE7F16DE-B37B-4640-858B-9FAC3F1428F8}" type="presOf" srcId="{E32E022B-DF33-450A-99BF-A55043D6A488}" destId="{98B232F9-AECC-364B-A17A-34BDEA1E1A8A}" srcOrd="0" destOrd="0" presId="urn:microsoft.com/office/officeart/2005/8/layout/default"/>
-    <dgm:cxn modelId="{D16ACCDE-E7F9-3D48-8913-8365472708F2}" type="presOf" srcId="{6B474F7F-41F1-4C75-A07A-EFDF8BADE1D8}" destId="{CCE3AE87-E638-6E41-9B96-BEEBDE59747F}" srcOrd="0" destOrd="0" presId="urn:microsoft.com/office/officeart/2005/8/layout/default"/>
-    <dgm:cxn modelId="{F905D0ED-0891-3043-A922-9C7B1EFDB0F0}" type="presOf" srcId="{86EC530F-A630-4D00-AF49-7A2D176CDAFC}" destId="{5D128F6E-3D3E-1A4E-8944-E5D42B2B1C83}" srcOrd="0" destOrd="0" presId="urn:microsoft.com/office/officeart/2005/8/layout/default"/>
+    <dgm:cxn modelId="{4F0F44B6-A21D-8F42-9698-6BAC615E911C}" type="presOf" srcId="{6E9B1C52-E55F-4DB4-BEFF-AA7AF1F0C58D}" destId="{20AA5EC5-A470-483F-B5B7-A35134C47C2B}" srcOrd="0" destOrd="0" presId="urn:microsoft.com/office/officeart/2018/5/layout/IconCircleLabelList"/>
+    <dgm:cxn modelId="{38693BBF-9DE9-D64E-9449-866928C4CE5C}" type="presOf" srcId="{86EC530F-A630-4D00-AF49-7A2D176CDAFC}" destId="{966D8E85-F698-49AF-B2DE-710432B35FDF}" srcOrd="0" destOrd="0" presId="urn:microsoft.com/office/officeart/2018/5/layout/IconCircleLabelList"/>
+    <dgm:cxn modelId="{A00FB7CD-C669-0C4F-BFA3-35D857A016AD}" type="presOf" srcId="{6B474F7F-41F1-4C75-A07A-EFDF8BADE1D8}" destId="{1CA69545-7D22-4407-AC30-0ED701156872}" srcOrd="0" destOrd="0" presId="urn:microsoft.com/office/officeart/2018/5/layout/IconCircleLabelList"/>
+    <dgm:cxn modelId="{E97312E2-056A-6D4F-9D81-DB3859D4843F}" type="presOf" srcId="{434CDE40-97BE-47E3-AD67-1BAF9E1387E0}" destId="{8E20E1BA-6FB0-44F8-BA06-85FF77177048}" srcOrd="0" destOrd="0" presId="urn:microsoft.com/office/officeart/2018/5/layout/IconCircleLabelList"/>
     <dgm:cxn modelId="{668609F5-E77A-48DD-AFBF-C9B78955BE64}" srcId="{E32E022B-DF33-450A-99BF-A55043D6A488}" destId="{DF197FAD-050F-4B74-B46D-EF49EEADD3F1}" srcOrd="6" destOrd="0" parTransId="{E182A53B-6978-46B0-9C95-98D0BC25CDF2}" sibTransId="{BA5B6425-870B-415D-956F-769181A4238C}"/>
-    <dgm:cxn modelId="{65CC5A02-1C9B-1340-B9BF-93575E27F37A}" type="presParOf" srcId="{98B232F9-AECC-364B-A17A-34BDEA1E1A8A}" destId="{CCE3AE87-E638-6E41-9B96-BEEBDE59747F}" srcOrd="0" destOrd="0" presId="urn:microsoft.com/office/officeart/2005/8/layout/default"/>
-    <dgm:cxn modelId="{E4AB3F11-95A1-C142-A33C-A03584178826}" type="presParOf" srcId="{98B232F9-AECC-364B-A17A-34BDEA1E1A8A}" destId="{5A54B02B-4730-F541-AE54-13A4C6693689}" srcOrd="1" destOrd="0" presId="urn:microsoft.com/office/officeart/2005/8/layout/default"/>
-    <dgm:cxn modelId="{0883DFEA-E9F0-6047-A5EC-5CE0DC1DC109}" type="presParOf" srcId="{98B232F9-AECC-364B-A17A-34BDEA1E1A8A}" destId="{2733AD2A-EEA4-554D-9943-CD63FC5D64D0}" srcOrd="2" destOrd="0" presId="urn:microsoft.com/office/officeart/2005/8/layout/default"/>
-    <dgm:cxn modelId="{BF823D2E-A1D9-8B49-9E37-FD6B04CB27E1}" type="presParOf" srcId="{98B232F9-AECC-364B-A17A-34BDEA1E1A8A}" destId="{B84165AE-DFEE-1541-87B4-1789F8175F64}" srcOrd="3" destOrd="0" presId="urn:microsoft.com/office/officeart/2005/8/layout/default"/>
-    <dgm:cxn modelId="{3E59A4AD-167C-5542-927E-F3D03E7C5005}" type="presParOf" srcId="{98B232F9-AECC-364B-A17A-34BDEA1E1A8A}" destId="{5D128F6E-3D3E-1A4E-8944-E5D42B2B1C83}" srcOrd="4" destOrd="0" presId="urn:microsoft.com/office/officeart/2005/8/layout/default"/>
-    <dgm:cxn modelId="{14879CD3-F6D3-E743-8021-9B6E5AE76A3D}" type="presParOf" srcId="{98B232F9-AECC-364B-A17A-34BDEA1E1A8A}" destId="{A5B9464E-B280-FC4D-AC69-F2C96FBD9CB4}" srcOrd="5" destOrd="0" presId="urn:microsoft.com/office/officeart/2005/8/layout/default"/>
-    <dgm:cxn modelId="{BA663260-E93E-664D-B5DF-803E2F363E94}" type="presParOf" srcId="{98B232F9-AECC-364B-A17A-34BDEA1E1A8A}" destId="{D189726E-9A7F-F34A-A6CA-00BA69D6A45F}" srcOrd="6" destOrd="0" presId="urn:microsoft.com/office/officeart/2005/8/layout/default"/>
-    <dgm:cxn modelId="{FE253D90-4B1F-6948-AA0D-FB08A67272B4}" type="presParOf" srcId="{98B232F9-AECC-364B-A17A-34BDEA1E1A8A}" destId="{9E6A772B-B682-714C-8C13-72A98C3280EB}" srcOrd="7" destOrd="0" presId="urn:microsoft.com/office/officeart/2005/8/layout/default"/>
-    <dgm:cxn modelId="{8331BA51-F60C-474F-8AC7-2C2E827FB92E}" type="presParOf" srcId="{98B232F9-AECC-364B-A17A-34BDEA1E1A8A}" destId="{9E4DF08A-3C5F-C248-8715-B60C5FBD24F5}" srcOrd="8" destOrd="0" presId="urn:microsoft.com/office/officeart/2005/8/layout/default"/>
-    <dgm:cxn modelId="{E1FE3DE7-6416-7340-9E0D-7FF578AAC95F}" type="presParOf" srcId="{98B232F9-AECC-364B-A17A-34BDEA1E1A8A}" destId="{058DF540-AA37-B747-8850-93DEC8871F36}" srcOrd="9" destOrd="0" presId="urn:microsoft.com/office/officeart/2005/8/layout/default"/>
-    <dgm:cxn modelId="{978E5A9D-7AC4-1C48-9F21-13D17316807A}" type="presParOf" srcId="{98B232F9-AECC-364B-A17A-34BDEA1E1A8A}" destId="{A6A03DB0-06D5-7741-8230-7125F0890361}" srcOrd="10" destOrd="0" presId="urn:microsoft.com/office/officeart/2005/8/layout/default"/>
-    <dgm:cxn modelId="{C56FA1CA-4278-8C48-90AA-7C7EF83842CF}" type="presParOf" srcId="{98B232F9-AECC-364B-A17A-34BDEA1E1A8A}" destId="{BEBDE4B5-C1EE-4D45-B8CE-6BA62B9042B5}" srcOrd="11" destOrd="0" presId="urn:microsoft.com/office/officeart/2005/8/layout/default"/>
-    <dgm:cxn modelId="{6B09A0A7-ABB7-4141-8F5B-2A658FF363E9}" type="presParOf" srcId="{98B232F9-AECC-364B-A17A-34BDEA1E1A8A}" destId="{1D9C2354-9A2B-074F-9F2B-5B060455BDF0}" srcOrd="12" destOrd="0" presId="urn:microsoft.com/office/officeart/2005/8/layout/default"/>
+    <dgm:cxn modelId="{FD983788-4DA1-DC42-B41D-1EA89ADD0A7F}" type="presParOf" srcId="{97A487CC-03BE-46D7-AC6A-08D5C96246AE}" destId="{59AEBE9A-7B1A-4087-B45B-5BDDDCCB24C6}" srcOrd="0" destOrd="0" presId="urn:microsoft.com/office/officeart/2018/5/layout/IconCircleLabelList"/>
+    <dgm:cxn modelId="{CED73062-0A42-0A45-892B-111E5CAF6305}" type="presParOf" srcId="{59AEBE9A-7B1A-4087-B45B-5BDDDCCB24C6}" destId="{FB469C14-3D17-4886-B924-A08E4B0F535E}" srcOrd="0" destOrd="0" presId="urn:microsoft.com/office/officeart/2018/5/layout/IconCircleLabelList"/>
+    <dgm:cxn modelId="{17E8DE05-92D8-844D-97FA-7F1728B8C007}" type="presParOf" srcId="{59AEBE9A-7B1A-4087-B45B-5BDDDCCB24C6}" destId="{5E29A751-51A4-41AA-8949-90D6F2CA6909}" srcOrd="1" destOrd="0" presId="urn:microsoft.com/office/officeart/2018/5/layout/IconCircleLabelList"/>
+    <dgm:cxn modelId="{A76F269C-6243-1B4B-AEB2-E97A94233C00}" type="presParOf" srcId="{59AEBE9A-7B1A-4087-B45B-5BDDDCCB24C6}" destId="{B0699798-D1AD-4196-9B3D-30D894E03A63}" srcOrd="2" destOrd="0" presId="urn:microsoft.com/office/officeart/2018/5/layout/IconCircleLabelList"/>
+    <dgm:cxn modelId="{0B6B7628-B4E5-BE49-AAC9-4EE8D44EC742}" type="presParOf" srcId="{59AEBE9A-7B1A-4087-B45B-5BDDDCCB24C6}" destId="{1CA69545-7D22-4407-AC30-0ED701156872}" srcOrd="3" destOrd="0" presId="urn:microsoft.com/office/officeart/2018/5/layout/IconCircleLabelList"/>
+    <dgm:cxn modelId="{B7A594C8-FF7F-644D-A80D-D48D3550DD8B}" type="presParOf" srcId="{97A487CC-03BE-46D7-AC6A-08D5C96246AE}" destId="{5F628AB2-6255-41C9-A574-9D3CC239014C}" srcOrd="1" destOrd="0" presId="urn:microsoft.com/office/officeart/2018/5/layout/IconCircleLabelList"/>
+    <dgm:cxn modelId="{12D59151-C829-7E43-BACB-528DAA9E9CEF}" type="presParOf" srcId="{97A487CC-03BE-46D7-AC6A-08D5C96246AE}" destId="{B850195B-93D6-4E3D-94B5-C86BF072133D}" srcOrd="2" destOrd="0" presId="urn:microsoft.com/office/officeart/2018/5/layout/IconCircleLabelList"/>
+    <dgm:cxn modelId="{3DE52848-3ED1-194C-88DA-44DCA223DB7B}" type="presParOf" srcId="{B850195B-93D6-4E3D-94B5-C86BF072133D}" destId="{04562D87-827F-4DEB-9A39-B98DC87BE71B}" srcOrd="0" destOrd="0" presId="urn:microsoft.com/office/officeart/2018/5/layout/IconCircleLabelList"/>
+    <dgm:cxn modelId="{5816B3F3-7D9C-EE42-80E6-BD691D925C0F}" type="presParOf" srcId="{B850195B-93D6-4E3D-94B5-C86BF072133D}" destId="{7C7BF5E3-BEF3-4BAF-B381-B85CAF7B7DC3}" srcOrd="1" destOrd="0" presId="urn:microsoft.com/office/officeart/2018/5/layout/IconCircleLabelList"/>
+    <dgm:cxn modelId="{4B9632DD-A363-F24F-A6A2-21E50E52EB71}" type="presParOf" srcId="{B850195B-93D6-4E3D-94B5-C86BF072133D}" destId="{068B9841-ACCB-4AD5-920A-279DE42C580A}" srcOrd="2" destOrd="0" presId="urn:microsoft.com/office/officeart/2018/5/layout/IconCircleLabelList"/>
+    <dgm:cxn modelId="{AE60A002-69B6-AB46-94AD-E48D7C44437B}" type="presParOf" srcId="{B850195B-93D6-4E3D-94B5-C86BF072133D}" destId="{AC57A400-A248-4A48-B3E1-13A63CC9E3CA}" srcOrd="3" destOrd="0" presId="urn:microsoft.com/office/officeart/2018/5/layout/IconCircleLabelList"/>
+    <dgm:cxn modelId="{0F913BA6-8010-BA4A-A212-00671B2A945A}" type="presParOf" srcId="{97A487CC-03BE-46D7-AC6A-08D5C96246AE}" destId="{7FF460AF-4B25-4EE8-847E-657F0235BB05}" srcOrd="3" destOrd="0" presId="urn:microsoft.com/office/officeart/2018/5/layout/IconCircleLabelList"/>
+    <dgm:cxn modelId="{C06AB571-BA35-1543-9028-0B04F7FD0E47}" type="presParOf" srcId="{97A487CC-03BE-46D7-AC6A-08D5C96246AE}" destId="{CD37D005-1FAB-4518-AB54-4291DEDDEC39}" srcOrd="4" destOrd="0" presId="urn:microsoft.com/office/officeart/2018/5/layout/IconCircleLabelList"/>
+    <dgm:cxn modelId="{25FDF24D-35D5-6548-A336-02FF4D64D2D4}" type="presParOf" srcId="{CD37D005-1FAB-4518-AB54-4291DEDDEC39}" destId="{6C49A57E-A68D-46F0-B756-E4563613E86F}" srcOrd="0" destOrd="0" presId="urn:microsoft.com/office/officeart/2018/5/layout/IconCircleLabelList"/>
+    <dgm:cxn modelId="{45353EEA-4214-0945-9328-C738C6D6DB5D}" type="presParOf" srcId="{CD37D005-1FAB-4518-AB54-4291DEDDEC39}" destId="{BBC198BE-FDC4-410B-B562-15BAE5BA3949}" srcOrd="1" destOrd="0" presId="urn:microsoft.com/office/officeart/2018/5/layout/IconCircleLabelList"/>
+    <dgm:cxn modelId="{ED0437E1-671C-C443-9022-78311196AA70}" type="presParOf" srcId="{CD37D005-1FAB-4518-AB54-4291DEDDEC39}" destId="{ADF55AFE-EA19-4CF9-B71F-586A62EC7938}" srcOrd="2" destOrd="0" presId="urn:microsoft.com/office/officeart/2018/5/layout/IconCircleLabelList"/>
+    <dgm:cxn modelId="{4041BA68-7EB4-3C4F-8F8C-42C54392BC7D}" type="presParOf" srcId="{CD37D005-1FAB-4518-AB54-4291DEDDEC39}" destId="{966D8E85-F698-49AF-B2DE-710432B35FDF}" srcOrd="3" destOrd="0" presId="urn:microsoft.com/office/officeart/2018/5/layout/IconCircleLabelList"/>
+    <dgm:cxn modelId="{F515DEFE-891A-0D4E-A350-210BB475378B}" type="presParOf" srcId="{97A487CC-03BE-46D7-AC6A-08D5C96246AE}" destId="{D0392DAC-BE25-4D43-B831-2CB2DC5D7A21}" srcOrd="5" destOrd="0" presId="urn:microsoft.com/office/officeart/2018/5/layout/IconCircleLabelList"/>
+    <dgm:cxn modelId="{145FD0B2-EB7D-5A40-9891-93FE22BEFC8A}" type="presParOf" srcId="{97A487CC-03BE-46D7-AC6A-08D5C96246AE}" destId="{C646C1EB-7316-4316-B31E-73233D7623CE}" srcOrd="6" destOrd="0" presId="urn:microsoft.com/office/officeart/2018/5/layout/IconCircleLabelList"/>
+    <dgm:cxn modelId="{39D175EC-69A9-E34A-8DF6-1DC53CEE2C5E}" type="presParOf" srcId="{C646C1EB-7316-4316-B31E-73233D7623CE}" destId="{667463A9-86F5-4404-9577-8E27148F1E3C}" srcOrd="0" destOrd="0" presId="urn:microsoft.com/office/officeart/2018/5/layout/IconCircleLabelList"/>
+    <dgm:cxn modelId="{7DCD8E48-FBAD-9548-8E3B-B4FBF50C7CF5}" type="presParOf" srcId="{C646C1EB-7316-4316-B31E-73233D7623CE}" destId="{971A9D0B-C95D-489D-8F63-8B82A6E4C3B7}" srcOrd="1" destOrd="0" presId="urn:microsoft.com/office/officeart/2018/5/layout/IconCircleLabelList"/>
+    <dgm:cxn modelId="{500FDBB5-AE74-7E43-9D0A-2AF125F7366F}" type="presParOf" srcId="{C646C1EB-7316-4316-B31E-73233D7623CE}" destId="{810AD64D-427F-4B4D-AB96-9D87A51F2B7C}" srcOrd="2" destOrd="0" presId="urn:microsoft.com/office/officeart/2018/5/layout/IconCircleLabelList"/>
+    <dgm:cxn modelId="{EEF91C08-234F-FF4A-B86D-FCFC5BF851AF}" type="presParOf" srcId="{C646C1EB-7316-4316-B31E-73233D7623CE}" destId="{8E20E1BA-6FB0-44F8-BA06-85FF77177048}" srcOrd="3" destOrd="0" presId="urn:microsoft.com/office/officeart/2018/5/layout/IconCircleLabelList"/>
+    <dgm:cxn modelId="{6073C72C-F996-EB45-A19F-0D70245B2E62}" type="presParOf" srcId="{97A487CC-03BE-46D7-AC6A-08D5C96246AE}" destId="{FEC3C2AB-EB7E-4919-A417-47A6107C53A4}" srcOrd="7" destOrd="0" presId="urn:microsoft.com/office/officeart/2018/5/layout/IconCircleLabelList"/>
+    <dgm:cxn modelId="{3A80B885-7649-BD4B-9A10-F9687E859CDF}" type="presParOf" srcId="{97A487CC-03BE-46D7-AC6A-08D5C96246AE}" destId="{1E319C2C-C9DB-4543-AEC3-F2B89D2EEF1F}" srcOrd="8" destOrd="0" presId="urn:microsoft.com/office/officeart/2018/5/layout/IconCircleLabelList"/>
+    <dgm:cxn modelId="{14DBCB35-24A4-5B41-8C5A-FEAE79CD06ED}" type="presParOf" srcId="{1E319C2C-C9DB-4543-AEC3-F2B89D2EEF1F}" destId="{C9C53547-33DC-48A3-9040-52A571F05BEE}" srcOrd="0" destOrd="0" presId="urn:microsoft.com/office/officeart/2018/5/layout/IconCircleLabelList"/>
+    <dgm:cxn modelId="{51F8FD8F-28CB-8840-B1BD-F7116630E5B4}" type="presParOf" srcId="{1E319C2C-C9DB-4543-AEC3-F2B89D2EEF1F}" destId="{395A6C2F-B1E6-4347-809D-9EF84CDCDF6C}" srcOrd="1" destOrd="0" presId="urn:microsoft.com/office/officeart/2018/5/layout/IconCircleLabelList"/>
+    <dgm:cxn modelId="{B5830712-AE89-7D4D-9060-0D8B869A896D}" type="presParOf" srcId="{1E319C2C-C9DB-4543-AEC3-F2B89D2EEF1F}" destId="{D1B91AC9-83BE-4940-B836-0422352A851F}" srcOrd="2" destOrd="0" presId="urn:microsoft.com/office/officeart/2018/5/layout/IconCircleLabelList"/>
+    <dgm:cxn modelId="{B15FA3DB-702A-DE4D-967C-5BFD41D9D7D3}" type="presParOf" srcId="{1E319C2C-C9DB-4543-AEC3-F2B89D2EEF1F}" destId="{20AA5EC5-A470-483F-B5B7-A35134C47C2B}" srcOrd="3" destOrd="0" presId="urn:microsoft.com/office/officeart/2018/5/layout/IconCircleLabelList"/>
+    <dgm:cxn modelId="{4FADDDF9-3FC9-EC42-82C3-854736921315}" type="presParOf" srcId="{97A487CC-03BE-46D7-AC6A-08D5C96246AE}" destId="{62726170-8C11-4FB8-AF85-21442F59A481}" srcOrd="9" destOrd="0" presId="urn:microsoft.com/office/officeart/2018/5/layout/IconCircleLabelList"/>
+    <dgm:cxn modelId="{05CDA297-C4AF-7047-88F2-A2BA33167521}" type="presParOf" srcId="{97A487CC-03BE-46D7-AC6A-08D5C96246AE}" destId="{0A3553C9-2578-45B3-8E96-E66DF6E34B06}" srcOrd="10" destOrd="0" presId="urn:microsoft.com/office/officeart/2018/5/layout/IconCircleLabelList"/>
+    <dgm:cxn modelId="{EADB559A-7B5C-9647-9348-4E42BBB48CC4}" type="presParOf" srcId="{0A3553C9-2578-45B3-8E96-E66DF6E34B06}" destId="{A734BC85-5C1F-4412-94DF-4B5D85AD941A}" srcOrd="0" destOrd="0" presId="urn:microsoft.com/office/officeart/2018/5/layout/IconCircleLabelList"/>
+    <dgm:cxn modelId="{700C8B2E-3484-DF40-B5C5-37B971A4AB8A}" type="presParOf" srcId="{0A3553C9-2578-45B3-8E96-E66DF6E34B06}" destId="{B2100B56-C65A-4449-8094-145C500B8FCF}" srcOrd="1" destOrd="0" presId="urn:microsoft.com/office/officeart/2018/5/layout/IconCircleLabelList"/>
+    <dgm:cxn modelId="{2B42D943-E664-F34E-A933-9EBA3E751094}" type="presParOf" srcId="{0A3553C9-2578-45B3-8E96-E66DF6E34B06}" destId="{A000057A-51B6-4DDB-9BCB-E0C4F0DD570B}" srcOrd="2" destOrd="0" presId="urn:microsoft.com/office/officeart/2018/5/layout/IconCircleLabelList"/>
+    <dgm:cxn modelId="{0834BA21-4C00-0547-AFFB-C6627197E7EE}" type="presParOf" srcId="{0A3553C9-2578-45B3-8E96-E66DF6E34B06}" destId="{FE1A83AB-1599-4257-AE2C-1AF42A7D5953}" srcOrd="3" destOrd="0" presId="urn:microsoft.com/office/officeart/2018/5/layout/IconCircleLabelList"/>
+    <dgm:cxn modelId="{B1D67327-7C43-724F-9353-DA6E43C462D5}" type="presParOf" srcId="{97A487CC-03BE-46D7-AC6A-08D5C96246AE}" destId="{E39AC54E-878B-480B-B6F7-650A3F90AFF5}" srcOrd="11" destOrd="0" presId="urn:microsoft.com/office/officeart/2018/5/layout/IconCircleLabelList"/>
+    <dgm:cxn modelId="{E2B13C5B-45FC-ED4D-99AC-673A65024048}" type="presParOf" srcId="{97A487CC-03BE-46D7-AC6A-08D5C96246AE}" destId="{E328B720-C02B-42D5-A9B3-E0A090F3295E}" srcOrd="12" destOrd="0" presId="urn:microsoft.com/office/officeart/2018/5/layout/IconCircleLabelList"/>
+    <dgm:cxn modelId="{86A27D3A-3578-2046-8BBC-36B6F637385B}" type="presParOf" srcId="{E328B720-C02B-42D5-A9B3-E0A090F3295E}" destId="{E419DB7A-A180-4BDF-96B5-739ABB4AFB40}" srcOrd="0" destOrd="0" presId="urn:microsoft.com/office/officeart/2018/5/layout/IconCircleLabelList"/>
+    <dgm:cxn modelId="{6AB83E6B-4701-E745-90EF-FB61EA7F436C}" type="presParOf" srcId="{E328B720-C02B-42D5-A9B3-E0A090F3295E}" destId="{318C75FD-D255-4943-B619-4CC0AE9DE739}" srcOrd="1" destOrd="0" presId="urn:microsoft.com/office/officeart/2018/5/layout/IconCircleLabelList"/>
+    <dgm:cxn modelId="{5F792AE8-5A14-2246-B6BC-B53D1F475790}" type="presParOf" srcId="{E328B720-C02B-42D5-A9B3-E0A090F3295E}" destId="{D22F8BAF-AD87-4D1E-894F-1C543ECFAA7C}" srcOrd="2" destOrd="0" presId="urn:microsoft.com/office/officeart/2018/5/layout/IconCircleLabelList"/>
+    <dgm:cxn modelId="{263D4836-16C2-764E-8615-6898FD351668}" type="presParOf" srcId="{E328B720-C02B-42D5-A9B3-E0A090F3295E}" destId="{B9E97642-D81E-46BA-92B8-5F7448E134D3}" srcOrd="3" destOrd="0" presId="urn:microsoft.com/office/officeart/2018/5/layout/IconCircleLabelList"/>
+    <dgm:cxn modelId="{50462667-E920-EA49-A3C2-824900A3C70D}" type="presParOf" srcId="{97A487CC-03BE-46D7-AC6A-08D5C96246AE}" destId="{07CAA906-7B6B-46A5-9686-1280315BED57}" srcOrd="13" destOrd="0" presId="urn:microsoft.com/office/officeart/2018/5/layout/IconCircleLabelList"/>
+    <dgm:cxn modelId="{C4D8281F-CBBB-0249-93B9-FBA6D681E539}" type="presParOf" srcId="{97A487CC-03BE-46D7-AC6A-08D5C96246AE}" destId="{48D10531-F0C8-4830-A1B0-AE57E7B530F8}" srcOrd="14" destOrd="0" presId="urn:microsoft.com/office/officeart/2018/5/layout/IconCircleLabelList"/>
+    <dgm:cxn modelId="{6A388C4F-77EA-0B40-98D1-140F0429D619}" type="presParOf" srcId="{48D10531-F0C8-4830-A1B0-AE57E7B530F8}" destId="{B56945E2-B9E6-42F2-8354-0AA1F623E442}" srcOrd="0" destOrd="0" presId="urn:microsoft.com/office/officeart/2018/5/layout/IconCircleLabelList"/>
+    <dgm:cxn modelId="{8D17B3E2-24F1-6E4F-A0DE-5717DE6F60E8}" type="presParOf" srcId="{48D10531-F0C8-4830-A1B0-AE57E7B530F8}" destId="{E4B4A830-F2AC-4BD7-B6DE-C0DD209CC9C6}" srcOrd="1" destOrd="0" presId="urn:microsoft.com/office/officeart/2018/5/layout/IconCircleLabelList"/>
+    <dgm:cxn modelId="{86530CB0-6294-BD47-9688-19031D70C642}" type="presParOf" srcId="{48D10531-F0C8-4830-A1B0-AE57E7B530F8}" destId="{9D48725B-9ABB-4C3A-998E-38B408726F21}" srcOrd="2" destOrd="0" presId="urn:microsoft.com/office/officeart/2018/5/layout/IconCircleLabelList"/>
+    <dgm:cxn modelId="{075EB1B6-F107-AC4C-A48B-3B0D93335A70}" type="presParOf" srcId="{48D10531-F0C8-4830-A1B0-AE57E7B530F8}" destId="{E95AC507-27F9-44CD-8F1D-614D51462B53}" srcOrd="3" destOrd="0" presId="urn:microsoft.com/office/officeart/2018/5/layout/IconCircleLabelList"/>
   </dgm:cxnLst>
   <dgm:bg/>
   <dgm:whole/>
   <dgm:extLst>
     <a:ext uri="http://schemas.microsoft.com/office/drawing/2008/diagram">
-      <dsp:dataModelExt xmlns:dsp="http://schemas.microsoft.com/office/drawing/2008/diagram" relId="rId6" minVer="http://schemas.openxmlformats.org/drawingml/2006/diagram"/>
+      <dsp:dataModelExt xmlns:dsp="http://schemas.microsoft.com/office/drawing/2008/diagram" relId="rId7" minVer="http://schemas.openxmlformats.org/drawingml/2006/diagram"/>
     </a:ext>
   </dgm:extLst>
 </dgm:dataModel>
@@ -10316,6 +11675,347 @@
 </file>
 
 <file path=ppt/diagrams/data8.xml><?xml version="1.0" encoding="utf-8"?>
+<dgm:dataModel xmlns:dgm="http://schemas.openxmlformats.org/drawingml/2006/diagram" xmlns:a="http://schemas.openxmlformats.org/drawingml/2006/main">
+  <dgm:ptLst>
+    <dgm:pt modelId="{9D3F11A1-A31D-4034-97CD-DA33CE0B605C}" type="doc">
+      <dgm:prSet loTypeId="urn:microsoft.com/office/officeart/2018/2/layout/IconVerticalSolidList" loCatId="icon" qsTypeId="urn:microsoft.com/office/officeart/2005/8/quickstyle/simple1" qsCatId="simple" csTypeId="urn:microsoft.com/office/officeart/2018/5/colors/Iconchunking_neutralbg_colorful1" csCatId="colorful" phldr="1"/>
+      <dgm:spPr/>
+      <dgm:t>
+        <a:bodyPr/>
+        <a:lstStyle/>
+        <a:p>
+          <a:endParaRPr lang="en-US"/>
+        </a:p>
+      </dgm:t>
+    </dgm:pt>
+    <dgm:pt modelId="{3E6D241E-930C-4F0C-9C8B-2DD66B3A88E8}">
+      <dgm:prSet/>
+      <dgm:spPr/>
+      <dgm:t>
+        <a:bodyPr/>
+        <a:lstStyle/>
+        <a:p>
+          <a:pPr>
+            <a:lnSpc>
+              <a:spcPct val="100000"/>
+            </a:lnSpc>
+          </a:pPr>
+          <a:r>
+            <a:rPr lang="en-US" baseline="0"/>
+            <a:t>Retry Delay - initialRetryDelay</a:t>
+          </a:r>
+          <a:endParaRPr lang="en-US"/>
+        </a:p>
+      </dgm:t>
+    </dgm:pt>
+    <dgm:pt modelId="{6DEF9866-3B10-4BC9-9681-1337E7792C4D}" type="parTrans" cxnId="{A5935B0F-BEA8-4D3F-9C5E-677B57527AF4}">
+      <dgm:prSet/>
+      <dgm:spPr/>
+      <dgm:t>
+        <a:bodyPr/>
+        <a:lstStyle/>
+        <a:p>
+          <a:endParaRPr lang="en-US"/>
+        </a:p>
+      </dgm:t>
+    </dgm:pt>
+    <dgm:pt modelId="{24237580-C5AD-45CD-9588-25C4E63A1449}" type="sibTrans" cxnId="{A5935B0F-BEA8-4D3F-9C5E-677B57527AF4}">
+      <dgm:prSet/>
+      <dgm:spPr/>
+      <dgm:t>
+        <a:bodyPr/>
+        <a:lstStyle/>
+        <a:p>
+          <a:endParaRPr lang="en-US"/>
+        </a:p>
+      </dgm:t>
+    </dgm:pt>
+    <dgm:pt modelId="{24F4E7D2-2AF1-4967-91FF-9814E619E87E}">
+      <dgm:prSet/>
+      <dgm:spPr/>
+      <dgm:t>
+        <a:bodyPr/>
+        <a:lstStyle/>
+        <a:p>
+          <a:pPr>
+            <a:lnSpc>
+              <a:spcPct val="100000"/>
+            </a:lnSpc>
+          </a:pPr>
+          <a:r>
+            <a:rPr lang="en-US" baseline="0"/>
+            <a:t>Exponential Retry Backoff – retryDelayMultiplier  (Default 1.3)</a:t>
+          </a:r>
+          <a:endParaRPr lang="en-US"/>
+        </a:p>
+      </dgm:t>
+    </dgm:pt>
+    <dgm:pt modelId="{E9A70721-FC16-4B57-9CBC-6D0FD128159B}" type="parTrans" cxnId="{3B185C20-87F6-49D3-9BBA-356AEBE76BF3}">
+      <dgm:prSet/>
+      <dgm:spPr/>
+      <dgm:t>
+        <a:bodyPr/>
+        <a:lstStyle/>
+        <a:p>
+          <a:endParaRPr lang="en-US"/>
+        </a:p>
+      </dgm:t>
+    </dgm:pt>
+    <dgm:pt modelId="{F2287105-89AD-4900-8131-362868C7E834}" type="sibTrans" cxnId="{3B185C20-87F6-49D3-9BBA-356AEBE76BF3}">
+      <dgm:prSet/>
+      <dgm:spPr/>
+      <dgm:t>
+        <a:bodyPr/>
+        <a:lstStyle/>
+        <a:p>
+          <a:endParaRPr lang="en-US"/>
+        </a:p>
+      </dgm:t>
+    </dgm:pt>
+    <dgm:pt modelId="{A5999AC5-1A59-4EA6-99A2-1FDFFFE2AE23}">
+      <dgm:prSet/>
+      <dgm:spPr/>
+      <dgm:t>
+        <a:bodyPr/>
+        <a:lstStyle/>
+        <a:p>
+          <a:pPr>
+            <a:lnSpc>
+              <a:spcPct val="100000"/>
+            </a:lnSpc>
+          </a:pPr>
+          <a:r>
+            <a:rPr lang="en-US" baseline="0"/>
+            <a:t>Maximum Retry Interval – maxRetryDelay</a:t>
+          </a:r>
+          <a:endParaRPr lang="en-US"/>
+        </a:p>
+      </dgm:t>
+    </dgm:pt>
+    <dgm:pt modelId="{761CDB60-FE7F-4227-BF21-7E18B6A07C14}" type="parTrans" cxnId="{1E1F223E-7430-4BA7-9CA6-A8DA06CB064C}">
+      <dgm:prSet/>
+      <dgm:spPr/>
+      <dgm:t>
+        <a:bodyPr/>
+        <a:lstStyle/>
+        <a:p>
+          <a:endParaRPr lang="en-US"/>
+        </a:p>
+      </dgm:t>
+    </dgm:pt>
+    <dgm:pt modelId="{8ED0164D-FE5D-40BD-8FF7-89E7598E2A66}" type="sibTrans" cxnId="{1E1F223E-7430-4BA7-9CA6-A8DA06CB064C}">
+      <dgm:prSet/>
+      <dgm:spPr/>
+      <dgm:t>
+        <a:bodyPr/>
+        <a:lstStyle/>
+        <a:p>
+          <a:endParaRPr lang="en-US"/>
+        </a:p>
+      </dgm:t>
+    </dgm:pt>
+    <dgm:pt modelId="{0C7D3BAD-F295-488F-AAF1-67B0C243A4D0}" type="pres">
+      <dgm:prSet presAssocID="{9D3F11A1-A31D-4034-97CD-DA33CE0B605C}" presName="root" presStyleCnt="0">
+        <dgm:presLayoutVars>
+          <dgm:dir/>
+          <dgm:resizeHandles val="exact"/>
+        </dgm:presLayoutVars>
+      </dgm:prSet>
+      <dgm:spPr/>
+    </dgm:pt>
+    <dgm:pt modelId="{3E02BAC5-922C-48E1-8DFD-F39195AAF999}" type="pres">
+      <dgm:prSet presAssocID="{3E6D241E-930C-4F0C-9C8B-2DD66B3A88E8}" presName="compNode" presStyleCnt="0"/>
+      <dgm:spPr/>
+    </dgm:pt>
+    <dgm:pt modelId="{D12D6B3C-9D87-44E9-B5E1-6D0D7DCAADC2}" type="pres">
+      <dgm:prSet presAssocID="{3E6D241E-930C-4F0C-9C8B-2DD66B3A88E8}" presName="bgRect" presStyleLbl="bgShp" presStyleIdx="0" presStyleCnt="3"/>
+      <dgm:spPr/>
+    </dgm:pt>
+    <dgm:pt modelId="{0FDA6D81-4990-4006-82C7-D3B7BB6BE198}" type="pres">
+      <dgm:prSet presAssocID="{3E6D241E-930C-4F0C-9C8B-2DD66B3A88E8}" presName="iconRect" presStyleLbl="node1" presStyleIdx="0" presStyleCnt="3"/>
+      <dgm:spPr>
+        <a:blipFill>
+          <a:blip xmlns:r="http://schemas.openxmlformats.org/officeDocument/2006/relationships" r:embed="rId1">
+            <a:extLst>
+              <a:ext uri="{28A0092B-C50C-407E-A947-70E740481C1C}">
+                <a14:useLocalDpi xmlns:a14="http://schemas.microsoft.com/office/drawing/2010/main" val="0"/>
+              </a:ext>
+              <a:ext uri="{96DAC541-7B7A-43D3-8B79-37D633B846F1}">
+                <asvg:svgBlip xmlns:asvg="http://schemas.microsoft.com/office/drawing/2016/SVG/main" r:embed="rId2"/>
+              </a:ext>
+            </a:extLst>
+          </a:blip>
+          <a:stretch>
+            <a:fillRect/>
+          </a:stretch>
+        </a:blipFill>
+        <a:ln>
+          <a:noFill/>
+        </a:ln>
+      </dgm:spPr>
+      <dgm:extLst>
+        <a:ext uri="{E40237B7-FDA0-4F09-8148-C483321AD2D9}">
+          <dgm14:cNvPr xmlns:dgm14="http://schemas.microsoft.com/office/drawing/2010/diagram" id="0" name="" descr="Hourglass"/>
+        </a:ext>
+      </dgm:extLst>
+    </dgm:pt>
+    <dgm:pt modelId="{D2E9A2E9-2CD6-492D-B4D2-08600563BF15}" type="pres">
+      <dgm:prSet presAssocID="{3E6D241E-930C-4F0C-9C8B-2DD66B3A88E8}" presName="spaceRect" presStyleCnt="0"/>
+      <dgm:spPr/>
+    </dgm:pt>
+    <dgm:pt modelId="{FF425B5B-933B-4393-9C1C-0966AACC8561}" type="pres">
+      <dgm:prSet presAssocID="{3E6D241E-930C-4F0C-9C8B-2DD66B3A88E8}" presName="parTx" presStyleLbl="revTx" presStyleIdx="0" presStyleCnt="3">
+        <dgm:presLayoutVars>
+          <dgm:chMax val="0"/>
+          <dgm:chPref val="0"/>
+        </dgm:presLayoutVars>
+      </dgm:prSet>
+      <dgm:spPr/>
+    </dgm:pt>
+    <dgm:pt modelId="{68D31EF0-A914-45F0-A2EC-C6D8452EE94C}" type="pres">
+      <dgm:prSet presAssocID="{24237580-C5AD-45CD-9588-25C4E63A1449}" presName="sibTrans" presStyleCnt="0"/>
+      <dgm:spPr/>
+    </dgm:pt>
+    <dgm:pt modelId="{4200E665-A1F0-4612-A780-458BD619529E}" type="pres">
+      <dgm:prSet presAssocID="{24F4E7D2-2AF1-4967-91FF-9814E619E87E}" presName="compNode" presStyleCnt="0"/>
+      <dgm:spPr/>
+    </dgm:pt>
+    <dgm:pt modelId="{E7E8EBB4-5923-47A9-900B-4CE5DF3E0D1E}" type="pres">
+      <dgm:prSet presAssocID="{24F4E7D2-2AF1-4967-91FF-9814E619E87E}" presName="bgRect" presStyleLbl="bgShp" presStyleIdx="1" presStyleCnt="3"/>
+      <dgm:spPr/>
+    </dgm:pt>
+    <dgm:pt modelId="{20A14C1A-BD2D-4D50-BB7D-42B90592B541}" type="pres">
+      <dgm:prSet presAssocID="{24F4E7D2-2AF1-4967-91FF-9814E619E87E}" presName="iconRect" presStyleLbl="node1" presStyleIdx="1" presStyleCnt="3"/>
+      <dgm:spPr>
+        <a:blipFill>
+          <a:blip xmlns:r="http://schemas.openxmlformats.org/officeDocument/2006/relationships" r:embed="rId3">
+            <a:extLst>
+              <a:ext uri="{28A0092B-C50C-407E-A947-70E740481C1C}">
+                <a14:useLocalDpi xmlns:a14="http://schemas.microsoft.com/office/drawing/2010/main" val="0"/>
+              </a:ext>
+              <a:ext uri="{96DAC541-7B7A-43D3-8B79-37D633B846F1}">
+                <asvg:svgBlip xmlns:asvg="http://schemas.microsoft.com/office/drawing/2016/SVG/main" r:embed="rId4"/>
+              </a:ext>
+            </a:extLst>
+          </a:blip>
+          <a:stretch>
+            <a:fillRect/>
+          </a:stretch>
+        </a:blipFill>
+        <a:ln>
+          <a:noFill/>
+        </a:ln>
+      </dgm:spPr>
+      <dgm:extLst>
+        <a:ext uri="{E40237B7-FDA0-4F09-8148-C483321AD2D9}">
+          <dgm14:cNvPr xmlns:dgm14="http://schemas.microsoft.com/office/drawing/2010/diagram" id="0" name="" descr="Document"/>
+        </a:ext>
+      </dgm:extLst>
+    </dgm:pt>
+    <dgm:pt modelId="{D7AE92E9-4358-4917-9726-77AF9FBFB444}" type="pres">
+      <dgm:prSet presAssocID="{24F4E7D2-2AF1-4967-91FF-9814E619E87E}" presName="spaceRect" presStyleCnt="0"/>
+      <dgm:spPr/>
+    </dgm:pt>
+    <dgm:pt modelId="{031EADEA-48E1-4891-BD48-8F234F938168}" type="pres">
+      <dgm:prSet presAssocID="{24F4E7D2-2AF1-4967-91FF-9814E619E87E}" presName="parTx" presStyleLbl="revTx" presStyleIdx="1" presStyleCnt="3">
+        <dgm:presLayoutVars>
+          <dgm:chMax val="0"/>
+          <dgm:chPref val="0"/>
+        </dgm:presLayoutVars>
+      </dgm:prSet>
+      <dgm:spPr/>
+    </dgm:pt>
+    <dgm:pt modelId="{2811910D-2E31-436C-B5E9-EF668A450068}" type="pres">
+      <dgm:prSet presAssocID="{F2287105-89AD-4900-8131-362868C7E834}" presName="sibTrans" presStyleCnt="0"/>
+      <dgm:spPr/>
+    </dgm:pt>
+    <dgm:pt modelId="{71A91EF1-DA4D-4861-8678-19E9F75F3915}" type="pres">
+      <dgm:prSet presAssocID="{A5999AC5-1A59-4EA6-99A2-1FDFFFE2AE23}" presName="compNode" presStyleCnt="0"/>
+      <dgm:spPr/>
+    </dgm:pt>
+    <dgm:pt modelId="{718F1E1A-2E03-45D6-96EB-98CD0CAE3DC2}" type="pres">
+      <dgm:prSet presAssocID="{A5999AC5-1A59-4EA6-99A2-1FDFFFE2AE23}" presName="bgRect" presStyleLbl="bgShp" presStyleIdx="2" presStyleCnt="3"/>
+      <dgm:spPr/>
+    </dgm:pt>
+    <dgm:pt modelId="{D5875F41-98BE-4A08-BF04-CAEEF4355247}" type="pres">
+      <dgm:prSet presAssocID="{A5999AC5-1A59-4EA6-99A2-1FDFFFE2AE23}" presName="iconRect" presStyleLbl="node1" presStyleIdx="2" presStyleCnt="3"/>
+      <dgm:spPr>
+        <a:blipFill>
+          <a:blip xmlns:r="http://schemas.openxmlformats.org/officeDocument/2006/relationships" r:embed="rId5">
+            <a:extLst>
+              <a:ext uri="{28A0092B-C50C-407E-A947-70E740481C1C}">
+                <a14:useLocalDpi xmlns:a14="http://schemas.microsoft.com/office/drawing/2010/main" val="0"/>
+              </a:ext>
+              <a:ext uri="{96DAC541-7B7A-43D3-8B79-37D633B846F1}">
+                <asvg:svgBlip xmlns:asvg="http://schemas.microsoft.com/office/drawing/2016/SVG/main" r:embed="rId6"/>
+              </a:ext>
+            </a:extLst>
+          </a:blip>
+          <a:stretch>
+            <a:fillRect/>
+          </a:stretch>
+        </a:blipFill>
+        <a:ln>
+          <a:noFill/>
+        </a:ln>
+      </dgm:spPr>
+      <dgm:extLst>
+        <a:ext uri="{E40237B7-FDA0-4F09-8148-C483321AD2D9}">
+          <dgm14:cNvPr xmlns:dgm14="http://schemas.microsoft.com/office/drawing/2010/diagram" id="0" name="" descr="Checkmark"/>
+        </a:ext>
+      </dgm:extLst>
+    </dgm:pt>
+    <dgm:pt modelId="{7F47E1B3-B2EC-430E-94B1-2E971EFE7F90}" type="pres">
+      <dgm:prSet presAssocID="{A5999AC5-1A59-4EA6-99A2-1FDFFFE2AE23}" presName="spaceRect" presStyleCnt="0"/>
+      <dgm:spPr/>
+    </dgm:pt>
+    <dgm:pt modelId="{29A84915-D40A-4E2A-BCD7-2196D62EDEB6}" type="pres">
+      <dgm:prSet presAssocID="{A5999AC5-1A59-4EA6-99A2-1FDFFFE2AE23}" presName="parTx" presStyleLbl="revTx" presStyleIdx="2" presStyleCnt="3">
+        <dgm:presLayoutVars>
+          <dgm:chMax val="0"/>
+          <dgm:chPref val="0"/>
+        </dgm:presLayoutVars>
+      </dgm:prSet>
+      <dgm:spPr/>
+    </dgm:pt>
+  </dgm:ptLst>
+  <dgm:cxnLst>
+    <dgm:cxn modelId="{D6CD3C08-CDDC-B540-A1DB-9E2F33BED6F6}" type="presOf" srcId="{24F4E7D2-2AF1-4967-91FF-9814E619E87E}" destId="{031EADEA-48E1-4891-BD48-8F234F938168}" srcOrd="0" destOrd="0" presId="urn:microsoft.com/office/officeart/2018/2/layout/IconVerticalSolidList"/>
+    <dgm:cxn modelId="{A5935B0F-BEA8-4D3F-9C5E-677B57527AF4}" srcId="{9D3F11A1-A31D-4034-97CD-DA33CE0B605C}" destId="{3E6D241E-930C-4F0C-9C8B-2DD66B3A88E8}" srcOrd="0" destOrd="0" parTransId="{6DEF9866-3B10-4BC9-9681-1337E7792C4D}" sibTransId="{24237580-C5AD-45CD-9588-25C4E63A1449}"/>
+    <dgm:cxn modelId="{3B185C20-87F6-49D3-9BBA-356AEBE76BF3}" srcId="{9D3F11A1-A31D-4034-97CD-DA33CE0B605C}" destId="{24F4E7D2-2AF1-4967-91FF-9814E619E87E}" srcOrd="1" destOrd="0" parTransId="{E9A70721-FC16-4B57-9CBC-6D0FD128159B}" sibTransId="{F2287105-89AD-4900-8131-362868C7E834}"/>
+    <dgm:cxn modelId="{E1D8B229-7E94-1446-BAE7-FBF7213FFFD6}" type="presOf" srcId="{A5999AC5-1A59-4EA6-99A2-1FDFFFE2AE23}" destId="{29A84915-D40A-4E2A-BCD7-2196D62EDEB6}" srcOrd="0" destOrd="0" presId="urn:microsoft.com/office/officeart/2018/2/layout/IconVerticalSolidList"/>
+    <dgm:cxn modelId="{1E1F223E-7430-4BA7-9CA6-A8DA06CB064C}" srcId="{9D3F11A1-A31D-4034-97CD-DA33CE0B605C}" destId="{A5999AC5-1A59-4EA6-99A2-1FDFFFE2AE23}" srcOrd="2" destOrd="0" parTransId="{761CDB60-FE7F-4227-BF21-7E18B6A07C14}" sibTransId="{8ED0164D-FE5D-40BD-8FF7-89E7598E2A66}"/>
+    <dgm:cxn modelId="{D8D408C4-87F6-2442-81C8-C3AFE6C9E27A}" type="presOf" srcId="{9D3F11A1-A31D-4034-97CD-DA33CE0B605C}" destId="{0C7D3BAD-F295-488F-AAF1-67B0C243A4D0}" srcOrd="0" destOrd="0" presId="urn:microsoft.com/office/officeart/2018/2/layout/IconVerticalSolidList"/>
+    <dgm:cxn modelId="{22FC6EC7-3DD7-C347-9131-7067F202E498}" type="presOf" srcId="{3E6D241E-930C-4F0C-9C8B-2DD66B3A88E8}" destId="{FF425B5B-933B-4393-9C1C-0966AACC8561}" srcOrd="0" destOrd="0" presId="urn:microsoft.com/office/officeart/2018/2/layout/IconVerticalSolidList"/>
+    <dgm:cxn modelId="{C098EEF8-E3C5-3D48-8A6E-E84F7EAF02C4}" type="presParOf" srcId="{0C7D3BAD-F295-488F-AAF1-67B0C243A4D0}" destId="{3E02BAC5-922C-48E1-8DFD-F39195AAF999}" srcOrd="0" destOrd="0" presId="urn:microsoft.com/office/officeart/2018/2/layout/IconVerticalSolidList"/>
+    <dgm:cxn modelId="{C9875A3D-E9D2-7C4E-8E85-D56E07FB61A8}" type="presParOf" srcId="{3E02BAC5-922C-48E1-8DFD-F39195AAF999}" destId="{D12D6B3C-9D87-44E9-B5E1-6D0D7DCAADC2}" srcOrd="0" destOrd="0" presId="urn:microsoft.com/office/officeart/2018/2/layout/IconVerticalSolidList"/>
+    <dgm:cxn modelId="{09F6E83F-19B1-724F-AD2E-E45BC9921BE3}" type="presParOf" srcId="{3E02BAC5-922C-48E1-8DFD-F39195AAF999}" destId="{0FDA6D81-4990-4006-82C7-D3B7BB6BE198}" srcOrd="1" destOrd="0" presId="urn:microsoft.com/office/officeart/2018/2/layout/IconVerticalSolidList"/>
+    <dgm:cxn modelId="{18420312-07BB-0C48-ABB1-57A64CD4D0B2}" type="presParOf" srcId="{3E02BAC5-922C-48E1-8DFD-F39195AAF999}" destId="{D2E9A2E9-2CD6-492D-B4D2-08600563BF15}" srcOrd="2" destOrd="0" presId="urn:microsoft.com/office/officeart/2018/2/layout/IconVerticalSolidList"/>
+    <dgm:cxn modelId="{D81E6C0B-7AA2-7B4C-A333-EE1BD719FEE0}" type="presParOf" srcId="{3E02BAC5-922C-48E1-8DFD-F39195AAF999}" destId="{FF425B5B-933B-4393-9C1C-0966AACC8561}" srcOrd="3" destOrd="0" presId="urn:microsoft.com/office/officeart/2018/2/layout/IconVerticalSolidList"/>
+    <dgm:cxn modelId="{B3F340FD-9F59-054A-B9BA-C8EB7762E2A8}" type="presParOf" srcId="{0C7D3BAD-F295-488F-AAF1-67B0C243A4D0}" destId="{68D31EF0-A914-45F0-A2EC-C6D8452EE94C}" srcOrd="1" destOrd="0" presId="urn:microsoft.com/office/officeart/2018/2/layout/IconVerticalSolidList"/>
+    <dgm:cxn modelId="{8757B432-9813-6349-B867-9F31CB8A1253}" type="presParOf" srcId="{0C7D3BAD-F295-488F-AAF1-67B0C243A4D0}" destId="{4200E665-A1F0-4612-A780-458BD619529E}" srcOrd="2" destOrd="0" presId="urn:microsoft.com/office/officeart/2018/2/layout/IconVerticalSolidList"/>
+    <dgm:cxn modelId="{BFFD5C68-3F60-2D44-8CE4-EF9DCF4B1489}" type="presParOf" srcId="{4200E665-A1F0-4612-A780-458BD619529E}" destId="{E7E8EBB4-5923-47A9-900B-4CE5DF3E0D1E}" srcOrd="0" destOrd="0" presId="urn:microsoft.com/office/officeart/2018/2/layout/IconVerticalSolidList"/>
+    <dgm:cxn modelId="{B7462B61-D295-8F47-AAA2-47CAE276F733}" type="presParOf" srcId="{4200E665-A1F0-4612-A780-458BD619529E}" destId="{20A14C1A-BD2D-4D50-BB7D-42B90592B541}" srcOrd="1" destOrd="0" presId="urn:microsoft.com/office/officeart/2018/2/layout/IconVerticalSolidList"/>
+    <dgm:cxn modelId="{228AEB74-307E-7A47-852B-44584E52C937}" type="presParOf" srcId="{4200E665-A1F0-4612-A780-458BD619529E}" destId="{D7AE92E9-4358-4917-9726-77AF9FBFB444}" srcOrd="2" destOrd="0" presId="urn:microsoft.com/office/officeart/2018/2/layout/IconVerticalSolidList"/>
+    <dgm:cxn modelId="{89A69885-8B6B-254C-A7BF-F4826FC9533E}" type="presParOf" srcId="{4200E665-A1F0-4612-A780-458BD619529E}" destId="{031EADEA-48E1-4891-BD48-8F234F938168}" srcOrd="3" destOrd="0" presId="urn:microsoft.com/office/officeart/2018/2/layout/IconVerticalSolidList"/>
+    <dgm:cxn modelId="{594AA828-8F4E-554A-9F93-BCE8AE371483}" type="presParOf" srcId="{0C7D3BAD-F295-488F-AAF1-67B0C243A4D0}" destId="{2811910D-2E31-436C-B5E9-EF668A450068}" srcOrd="3" destOrd="0" presId="urn:microsoft.com/office/officeart/2018/2/layout/IconVerticalSolidList"/>
+    <dgm:cxn modelId="{EA406E12-66FE-D24B-A164-CB26FFE33191}" type="presParOf" srcId="{0C7D3BAD-F295-488F-AAF1-67B0C243A4D0}" destId="{71A91EF1-DA4D-4861-8678-19E9F75F3915}" srcOrd="4" destOrd="0" presId="urn:microsoft.com/office/officeart/2018/2/layout/IconVerticalSolidList"/>
+    <dgm:cxn modelId="{55DB052B-41DD-604C-9431-0BE92FDBA9DD}" type="presParOf" srcId="{71A91EF1-DA4D-4861-8678-19E9F75F3915}" destId="{718F1E1A-2E03-45D6-96EB-98CD0CAE3DC2}" srcOrd="0" destOrd="0" presId="urn:microsoft.com/office/officeart/2018/2/layout/IconVerticalSolidList"/>
+    <dgm:cxn modelId="{644B6CE7-78A4-EC49-94A8-44F2633C6B22}" type="presParOf" srcId="{71A91EF1-DA4D-4861-8678-19E9F75F3915}" destId="{D5875F41-98BE-4A08-BF04-CAEEF4355247}" srcOrd="1" destOrd="0" presId="urn:microsoft.com/office/officeart/2018/2/layout/IconVerticalSolidList"/>
+    <dgm:cxn modelId="{06003FEA-415F-4A4C-ACBE-EF34EB499564}" type="presParOf" srcId="{71A91EF1-DA4D-4861-8678-19E9F75F3915}" destId="{7F47E1B3-B2EC-430E-94B1-2E971EFE7F90}" srcOrd="2" destOrd="0" presId="urn:microsoft.com/office/officeart/2018/2/layout/IconVerticalSolidList"/>
+    <dgm:cxn modelId="{58C63D8A-B241-A44F-91F4-1D7C74FC1AAB}" type="presParOf" srcId="{71A91EF1-DA4D-4861-8678-19E9F75F3915}" destId="{29A84915-D40A-4E2A-BCD7-2196D62EDEB6}" srcOrd="3" destOrd="0" presId="urn:microsoft.com/office/officeart/2018/2/layout/IconVerticalSolidList"/>
+  </dgm:cxnLst>
+  <dgm:bg/>
+  <dgm:whole/>
+  <dgm:extLst>
+    <a:ext uri="http://schemas.microsoft.com/office/drawing/2008/diagram">
+      <dsp:dataModelExt xmlns:dsp="http://schemas.microsoft.com/office/drawing/2008/diagram" relId="rId7" minVer="http://schemas.openxmlformats.org/drawingml/2006/diagram"/>
+    </a:ext>
+  </dgm:extLst>
+</dgm:dataModel>
+</file>
+
+<file path=ppt/diagrams/data9.xml><?xml version="1.0" encoding="utf-8"?>
 <dgm:dataModel xmlns:dgm="http://schemas.openxmlformats.org/drawingml/2006/diagram" xmlns:a="http://schemas.openxmlformats.org/drawingml/2006/main">
   <dgm:ptLst>
     <dgm:pt modelId="{E7633387-5633-410D-A8CF-DBE4CA4C86E8}" type="doc">
@@ -13532,27 +15232,75 @@
       <dsp:cNvGrpSpPr/>
     </dsp:nvGrpSpPr>
     <dsp:grpSpPr/>
-    <dsp:sp modelId="{CCE3AE87-E638-6E41-9B96-BEEBDE59747F}">
+    <dsp:sp modelId="{FB469C14-3D17-4886-B924-A08E4B0F535E}">
       <dsp:nvSpPr>
         <dsp:cNvPr id="0" name=""/>
         <dsp:cNvSpPr/>
       </dsp:nvSpPr>
       <dsp:spPr>
         <a:xfrm>
-          <a:off x="2812" y="416406"/>
-          <a:ext cx="2231528" cy="1338917"/>
+          <a:off x="1062339" y="1289"/>
+          <a:ext cx="858884" cy="858884"/>
         </a:xfrm>
-        <a:prstGeom prst="rect">
+        <a:prstGeom prst="ellipse">
           <a:avLst/>
         </a:prstGeom>
         <a:solidFill>
           <a:schemeClr val="accent1">
+            <a:tint val="40000"/>
             <a:hueOff val="0"/>
             <a:satOff val="0"/>
             <a:lumOff val="0"/>
             <a:alphaOff val="0"/>
           </a:schemeClr>
         </a:solidFill>
+        <a:ln>
+          <a:noFill/>
+        </a:ln>
+        <a:effectLst/>
+      </dsp:spPr>
+      <dsp:style>
+        <a:lnRef idx="0">
+          <a:scrgbClr r="0" g="0" b="0"/>
+        </a:lnRef>
+        <a:fillRef idx="1">
+          <a:scrgbClr r="0" g="0" b="0"/>
+        </a:fillRef>
+        <a:effectRef idx="0">
+          <a:scrgbClr r="0" g="0" b="0"/>
+        </a:effectRef>
+        <a:fontRef idx="minor"/>
+      </dsp:style>
+    </dsp:sp>
+    <dsp:sp modelId="{5E29A751-51A4-41AA-8949-90D6F2CA6909}">
+      <dsp:nvSpPr>
+        <dsp:cNvPr id="0" name=""/>
+        <dsp:cNvSpPr/>
+      </dsp:nvSpPr>
+      <dsp:spPr>
+        <a:xfrm>
+          <a:off x="1245380" y="184330"/>
+          <a:ext cx="492802" cy="492802"/>
+        </a:xfrm>
+        <a:prstGeom prst="rect">
+          <a:avLst/>
+        </a:prstGeom>
+        <a:blipFill>
+          <a:blip xmlns:r="http://schemas.openxmlformats.org/officeDocument/2006/relationships" r:embed="rId1">
+            <a:extLst>
+              <a:ext uri="{28A0092B-C50C-407E-A947-70E740481C1C}">
+                <a14:useLocalDpi xmlns:a14="http://schemas.microsoft.com/office/drawing/2010/main" val="0"/>
+              </a:ext>
+              <a:ext uri="{96DAC541-7B7A-43D3-8B79-37D633B846F1}">
+                <asvg:svgBlip xmlns:asvg="http://schemas.microsoft.com/office/drawing/2016/SVG/main" r:embed="rId2"/>
+              </a:ext>
+            </a:extLst>
+          </a:blip>
+          <a:srcRect/>
+          <a:stretch>
+            <a:fillRect/>
+          </a:stretch>
+        </a:blipFill>
         <a:ln w="34925" cap="flat" cmpd="sng" algn="in">
           <a:solidFill>
             <a:schemeClr val="lt1">
@@ -13580,15 +15328,47 @@
           <a:schemeClr val="lt1"/>
         </a:fontRef>
       </dsp:style>
+    </dsp:sp>
+    <dsp:sp modelId="{1CA69545-7D22-4407-AC30-0ED701156872}">
+      <dsp:nvSpPr>
+        <dsp:cNvPr id="0" name=""/>
+        <dsp:cNvSpPr/>
+      </dsp:nvSpPr>
+      <dsp:spPr>
+        <a:xfrm>
+          <a:off x="787777" y="1127695"/>
+          <a:ext cx="1408007" cy="563203"/>
+        </a:xfrm>
+        <a:prstGeom prst="rect">
+          <a:avLst/>
+        </a:prstGeom>
+        <a:noFill/>
+        <a:ln>
+          <a:noFill/>
+        </a:ln>
+        <a:effectLst/>
+      </dsp:spPr>
+      <dsp:style>
+        <a:lnRef idx="0">
+          <a:scrgbClr r="0" g="0" b="0"/>
+        </a:lnRef>
+        <a:fillRef idx="0">
+          <a:scrgbClr r="0" g="0" b="0"/>
+        </a:fillRef>
+        <a:effectRef idx="0">
+          <a:scrgbClr r="0" g="0" b="0"/>
+        </a:effectRef>
+        <a:fontRef idx="minor"/>
+      </dsp:style>
       <dsp:txBody>
-        <a:bodyPr spcFirstLastPara="0" vert="horz" wrap="square" lIns="83820" tIns="83820" rIns="83820" bIns="83820" numCol="1" spcCol="1270" anchor="ctr" anchorCtr="0">
+        <a:bodyPr spcFirstLastPara="0" vert="horz" wrap="square" lIns="0" tIns="0" rIns="0" bIns="0" numCol="1" spcCol="1270" anchor="t" anchorCtr="0">
           <a:noAutofit/>
         </a:bodyPr>
         <a:lstStyle/>
         <a:p>
-          <a:pPr marL="0" lvl="0" indent="0" algn="ctr" defTabSz="977900">
+          <a:pPr marL="0" lvl="0" indent="0" algn="ctr" defTabSz="488950">
             <a:lnSpc>
-              <a:spcPct val="90000"/>
+              <a:spcPct val="100000"/>
             </a:lnSpc>
             <a:spcBef>
               <a:spcPct val="0"/>
@@ -13597,47 +15377,96 @@
               <a:spcPct val="35000"/>
             </a:spcAft>
             <a:buNone/>
+            <a:defRPr cap="all"/>
           </a:pPr>
           <a:r>
-            <a:rPr lang="en-US" sz="2200" kern="1200" dirty="0"/>
+            <a:rPr lang="en-US" sz="1100" kern="1200"/>
             <a:t>Guaranteed </a:t>
           </a:r>
           <a:r>
-            <a:rPr lang="en-US" sz="2200" u="none" kern="1200" dirty="0"/>
+            <a:rPr lang="en-US" sz="1100" u="none" kern="1200"/>
             <a:t>at least once </a:t>
           </a:r>
           <a:r>
-            <a:rPr lang="en-US" sz="2200" kern="1200" dirty="0"/>
+            <a:rPr lang="en-US" sz="1100" kern="1200"/>
             <a:t>delivery</a:t>
           </a:r>
         </a:p>
       </dsp:txBody>
       <dsp:txXfrm>
-        <a:off x="2812" y="416406"/>
-        <a:ext cx="2231528" cy="1338917"/>
+        <a:off x="787777" y="1127695"/>
+        <a:ext cx="1408007" cy="563203"/>
       </dsp:txXfrm>
     </dsp:sp>
-    <dsp:sp modelId="{2733AD2A-EEA4-554D-9943-CD63FC5D64D0}">
+    <dsp:sp modelId="{04562D87-827F-4DEB-9A39-B98DC87BE71B}">
       <dsp:nvSpPr>
         <dsp:cNvPr id="0" name=""/>
         <dsp:cNvSpPr/>
       </dsp:nvSpPr>
       <dsp:spPr>
         <a:xfrm>
-          <a:off x="2457494" y="416406"/>
-          <a:ext cx="2231528" cy="1338917"/>
+          <a:off x="2716748" y="1289"/>
+          <a:ext cx="858884" cy="858884"/>
         </a:xfrm>
-        <a:prstGeom prst="rect">
+        <a:prstGeom prst="ellipse">
           <a:avLst/>
         </a:prstGeom>
         <a:solidFill>
           <a:schemeClr val="accent1">
+            <a:tint val="40000"/>
             <a:hueOff val="0"/>
             <a:satOff val="0"/>
             <a:lumOff val="0"/>
             <a:alphaOff val="0"/>
           </a:schemeClr>
         </a:solidFill>
+        <a:ln>
+          <a:noFill/>
+        </a:ln>
+        <a:effectLst/>
+      </dsp:spPr>
+      <dsp:style>
+        <a:lnRef idx="0">
+          <a:scrgbClr r="0" g="0" b="0"/>
+        </a:lnRef>
+        <a:fillRef idx="1">
+          <a:scrgbClr r="0" g="0" b="0"/>
+        </a:fillRef>
+        <a:effectRef idx="0">
+          <a:scrgbClr r="0" g="0" b="0"/>
+        </a:effectRef>
+        <a:fontRef idx="minor"/>
+      </dsp:style>
+    </dsp:sp>
+    <dsp:sp modelId="{7C7BF5E3-BEF3-4BAF-B381-B85CAF7B7DC3}">
+      <dsp:nvSpPr>
+        <dsp:cNvPr id="0" name=""/>
+        <dsp:cNvSpPr/>
+      </dsp:nvSpPr>
+      <dsp:spPr>
+        <a:xfrm>
+          <a:off x="2899789" y="184330"/>
+          <a:ext cx="492802" cy="492802"/>
+        </a:xfrm>
+        <a:prstGeom prst="rect">
+          <a:avLst/>
+        </a:prstGeom>
+        <a:blipFill>
+          <a:blip xmlns:r="http://schemas.openxmlformats.org/officeDocument/2006/relationships" r:embed="rId3">
+            <a:extLst>
+              <a:ext uri="{28A0092B-C50C-407E-A947-70E740481C1C}">
+                <a14:useLocalDpi xmlns:a14="http://schemas.microsoft.com/office/drawing/2010/main" val="0"/>
+              </a:ext>
+              <a:ext uri="{96DAC541-7B7A-43D3-8B79-37D633B846F1}">
+                <asvg:svgBlip xmlns:asvg="http://schemas.microsoft.com/office/drawing/2016/SVG/main" r:embed="rId4"/>
+              </a:ext>
+            </a:extLst>
+          </a:blip>
+          <a:srcRect/>
+          <a:stretch>
+            <a:fillRect/>
+          </a:stretch>
+        </a:blipFill>
         <a:ln w="34925" cap="flat" cmpd="sng" algn="in">
           <a:solidFill>
             <a:schemeClr val="lt1">
@@ -13665,15 +15494,47 @@
           <a:schemeClr val="lt1"/>
         </a:fontRef>
       </dsp:style>
+    </dsp:sp>
+    <dsp:sp modelId="{AC57A400-A248-4A48-B3E1-13A63CC9E3CA}">
+      <dsp:nvSpPr>
+        <dsp:cNvPr id="0" name=""/>
+        <dsp:cNvSpPr/>
+      </dsp:nvSpPr>
+      <dsp:spPr>
+        <a:xfrm>
+          <a:off x="2442186" y="1127695"/>
+          <a:ext cx="1408007" cy="563203"/>
+        </a:xfrm>
+        <a:prstGeom prst="rect">
+          <a:avLst/>
+        </a:prstGeom>
+        <a:noFill/>
+        <a:ln>
+          <a:noFill/>
+        </a:ln>
+        <a:effectLst/>
+      </dsp:spPr>
+      <dsp:style>
+        <a:lnRef idx="0">
+          <a:scrgbClr r="0" g="0" b="0"/>
+        </a:lnRef>
+        <a:fillRef idx="0">
+          <a:scrgbClr r="0" g="0" b="0"/>
+        </a:fillRef>
+        <a:effectRef idx="0">
+          <a:scrgbClr r="0" g="0" b="0"/>
+        </a:effectRef>
+        <a:fontRef idx="minor"/>
+      </dsp:style>
       <dsp:txBody>
-        <a:bodyPr spcFirstLastPara="0" vert="horz" wrap="square" lIns="83820" tIns="83820" rIns="83820" bIns="83820" numCol="1" spcCol="1270" anchor="ctr" anchorCtr="0">
+        <a:bodyPr spcFirstLastPara="0" vert="horz" wrap="square" lIns="0" tIns="0" rIns="0" bIns="0" numCol="1" spcCol="1270" anchor="t" anchorCtr="0">
           <a:noAutofit/>
         </a:bodyPr>
         <a:lstStyle/>
         <a:p>
-          <a:pPr marL="0" lvl="0" indent="0" algn="ctr" defTabSz="977900">
+          <a:pPr marL="0" lvl="0" indent="0" algn="ctr" defTabSz="488950">
             <a:lnSpc>
-              <a:spcPct val="90000"/>
+              <a:spcPct val="100000"/>
             </a:lnSpc>
             <a:spcBef>
               <a:spcPct val="0"/>
@@ -13682,39 +15543,85 @@
               <a:spcPct val="35000"/>
             </a:spcAft>
             <a:buNone/>
+            <a:defRPr cap="all"/>
           </a:pPr>
           <a:r>
-            <a:rPr lang="en-US" sz="2200" kern="1200" dirty="0"/>
+            <a:rPr lang="en-US" sz="1100" kern="1200"/>
             <a:t>Best effort ordering</a:t>
           </a:r>
         </a:p>
       </dsp:txBody>
       <dsp:txXfrm>
-        <a:off x="2457494" y="416406"/>
-        <a:ext cx="2231528" cy="1338917"/>
+        <a:off x="2442186" y="1127695"/>
+        <a:ext cx="1408007" cy="563203"/>
       </dsp:txXfrm>
     </dsp:sp>
-    <dsp:sp modelId="{5D128F6E-3D3E-1A4E-8944-E5D42B2B1C83}">
+    <dsp:sp modelId="{6C49A57E-A68D-46F0-B756-E4563613E86F}">
       <dsp:nvSpPr>
         <dsp:cNvPr id="0" name=""/>
         <dsp:cNvSpPr/>
       </dsp:nvSpPr>
       <dsp:spPr>
         <a:xfrm>
-          <a:off x="4912176" y="416406"/>
-          <a:ext cx="2231528" cy="1338917"/>
+          <a:off x="4371157" y="1289"/>
+          <a:ext cx="858884" cy="858884"/>
         </a:xfrm>
-        <a:prstGeom prst="rect">
+        <a:prstGeom prst="ellipse">
           <a:avLst/>
         </a:prstGeom>
         <a:solidFill>
           <a:schemeClr val="accent1">
+            <a:tint val="40000"/>
             <a:hueOff val="0"/>
             <a:satOff val="0"/>
             <a:lumOff val="0"/>
             <a:alphaOff val="0"/>
           </a:schemeClr>
         </a:solidFill>
+        <a:ln>
+          <a:noFill/>
+        </a:ln>
+        <a:effectLst/>
+      </dsp:spPr>
+      <dsp:style>
+        <a:lnRef idx="0">
+          <a:scrgbClr r="0" g="0" b="0"/>
+        </a:lnRef>
+        <a:fillRef idx="1">
+          <a:scrgbClr r="0" g="0" b="0"/>
+        </a:fillRef>
+        <a:effectRef idx="0">
+          <a:scrgbClr r="0" g="0" b="0"/>
+        </a:effectRef>
+        <a:fontRef idx="minor"/>
+      </dsp:style>
+    </dsp:sp>
+    <dsp:sp modelId="{BBC198BE-FDC4-410B-B562-15BAE5BA3949}">
+      <dsp:nvSpPr>
+        <dsp:cNvPr id="0" name=""/>
+        <dsp:cNvSpPr/>
+      </dsp:nvSpPr>
+      <dsp:spPr>
+        <a:xfrm>
+          <a:off x="4554198" y="184330"/>
+          <a:ext cx="492802" cy="492802"/>
+        </a:xfrm>
+        <a:prstGeom prst="rect">
+          <a:avLst/>
+        </a:prstGeom>
+        <a:blipFill>
+          <a:blip xmlns:r="http://schemas.openxmlformats.org/officeDocument/2006/relationships" r:embed="rId5">
+            <a:extLst>
+              <a:ext uri="{96DAC541-7B7A-43D3-8B79-37D633B846F1}">
+                <asvg:svgBlip xmlns:asvg="http://schemas.microsoft.com/office/drawing/2016/SVG/main" r:embed="rId6"/>
+              </a:ext>
+            </a:extLst>
+          </a:blip>
+          <a:srcRect/>
+          <a:stretch>
+            <a:fillRect/>
+          </a:stretch>
+        </a:blipFill>
         <a:ln w="34925" cap="flat" cmpd="sng" algn="in">
           <a:solidFill>
             <a:schemeClr val="lt1">
@@ -13742,15 +15649,47 @@
           <a:schemeClr val="lt1"/>
         </a:fontRef>
       </dsp:style>
+    </dsp:sp>
+    <dsp:sp modelId="{966D8E85-F698-49AF-B2DE-710432B35FDF}">
+      <dsp:nvSpPr>
+        <dsp:cNvPr id="0" name=""/>
+        <dsp:cNvSpPr/>
+      </dsp:nvSpPr>
+      <dsp:spPr>
+        <a:xfrm>
+          <a:off x="4096596" y="1127695"/>
+          <a:ext cx="1408007" cy="563203"/>
+        </a:xfrm>
+        <a:prstGeom prst="rect">
+          <a:avLst/>
+        </a:prstGeom>
+        <a:noFill/>
+        <a:ln>
+          <a:noFill/>
+        </a:ln>
+        <a:effectLst/>
+      </dsp:spPr>
+      <dsp:style>
+        <a:lnRef idx="0">
+          <a:scrgbClr r="0" g="0" b="0"/>
+        </a:lnRef>
+        <a:fillRef idx="0">
+          <a:scrgbClr r="0" g="0" b="0"/>
+        </a:fillRef>
+        <a:effectRef idx="0">
+          <a:scrgbClr r="0" g="0" b="0"/>
+        </a:effectRef>
+        <a:fontRef idx="minor"/>
+      </dsp:style>
       <dsp:txBody>
-        <a:bodyPr spcFirstLastPara="0" vert="horz" wrap="square" lIns="83820" tIns="83820" rIns="83820" bIns="83820" numCol="1" spcCol="1270" anchor="ctr" anchorCtr="0">
+        <a:bodyPr spcFirstLastPara="0" vert="horz" wrap="square" lIns="0" tIns="0" rIns="0" bIns="0" numCol="1" spcCol="1270" anchor="t" anchorCtr="0">
           <a:noAutofit/>
         </a:bodyPr>
         <a:lstStyle/>
         <a:p>
-          <a:pPr marL="0" lvl="0" indent="0" algn="ctr" defTabSz="977900">
+          <a:pPr marL="0" lvl="0" indent="0" algn="ctr" defTabSz="488950">
             <a:lnSpc>
-              <a:spcPct val="90000"/>
+              <a:spcPct val="100000"/>
             </a:lnSpc>
             <a:spcBef>
               <a:spcPct val="0"/>
@@ -13759,39 +15698,85 @@
               <a:spcPct val="35000"/>
             </a:spcAft>
             <a:buNone/>
+            <a:defRPr cap="all"/>
           </a:pPr>
           <a:r>
-            <a:rPr lang="en-US" sz="2200" kern="1200"/>
+            <a:rPr lang="en-US" sz="1100" kern="1200"/>
             <a:t>Global, Load Balanced</a:t>
           </a:r>
         </a:p>
       </dsp:txBody>
       <dsp:txXfrm>
-        <a:off x="4912176" y="416406"/>
-        <a:ext cx="2231528" cy="1338917"/>
+        <a:off x="4096596" y="1127695"/>
+        <a:ext cx="1408007" cy="563203"/>
       </dsp:txXfrm>
     </dsp:sp>
-    <dsp:sp modelId="{D189726E-9A7F-F34A-A6CA-00BA69D6A45F}">
+    <dsp:sp modelId="{667463A9-86F5-4404-9577-8E27148F1E3C}">
       <dsp:nvSpPr>
         <dsp:cNvPr id="0" name=""/>
         <dsp:cNvSpPr/>
       </dsp:nvSpPr>
       <dsp:spPr>
         <a:xfrm>
-          <a:off x="7366858" y="416406"/>
-          <a:ext cx="2231528" cy="1338917"/>
+          <a:off x="6025566" y="1289"/>
+          <a:ext cx="858884" cy="858884"/>
         </a:xfrm>
-        <a:prstGeom prst="rect">
+        <a:prstGeom prst="ellipse">
           <a:avLst/>
         </a:prstGeom>
         <a:solidFill>
           <a:schemeClr val="accent1">
+            <a:tint val="40000"/>
             <a:hueOff val="0"/>
             <a:satOff val="0"/>
             <a:lumOff val="0"/>
             <a:alphaOff val="0"/>
           </a:schemeClr>
         </a:solidFill>
+        <a:ln>
+          <a:noFill/>
+        </a:ln>
+        <a:effectLst/>
+      </dsp:spPr>
+      <dsp:style>
+        <a:lnRef idx="0">
+          <a:scrgbClr r="0" g="0" b="0"/>
+        </a:lnRef>
+        <a:fillRef idx="1">
+          <a:scrgbClr r="0" g="0" b="0"/>
+        </a:fillRef>
+        <a:effectRef idx="0">
+          <a:scrgbClr r="0" g="0" b="0"/>
+        </a:effectRef>
+        <a:fontRef idx="minor"/>
+      </dsp:style>
+    </dsp:sp>
+    <dsp:sp modelId="{971A9D0B-C95D-489D-8F63-8B82A6E4C3B7}">
+      <dsp:nvSpPr>
+        <dsp:cNvPr id="0" name=""/>
+        <dsp:cNvSpPr/>
+      </dsp:nvSpPr>
+      <dsp:spPr>
+        <a:xfrm>
+          <a:off x="6208607" y="184330"/>
+          <a:ext cx="492802" cy="492802"/>
+        </a:xfrm>
+        <a:prstGeom prst="rect">
+          <a:avLst/>
+        </a:prstGeom>
+        <a:blipFill>
+          <a:blip xmlns:r="http://schemas.openxmlformats.org/officeDocument/2006/relationships" r:embed="rId7">
+            <a:extLst>
+              <a:ext uri="{96DAC541-7B7A-43D3-8B79-37D633B846F1}">
+                <asvg:svgBlip xmlns:asvg="http://schemas.microsoft.com/office/drawing/2016/SVG/main" r:embed="rId8"/>
+              </a:ext>
+            </a:extLst>
+          </a:blip>
+          <a:srcRect/>
+          <a:stretch>
+            <a:fillRect/>
+          </a:stretch>
+        </a:blipFill>
         <a:ln w="34925" cap="flat" cmpd="sng" algn="in">
           <a:solidFill>
             <a:schemeClr val="lt1">
@@ -13819,15 +15804,47 @@
           <a:schemeClr val="lt1"/>
         </a:fontRef>
       </dsp:style>
+    </dsp:sp>
+    <dsp:sp modelId="{8E20E1BA-6FB0-44F8-BA06-85FF77177048}">
+      <dsp:nvSpPr>
+        <dsp:cNvPr id="0" name=""/>
+        <dsp:cNvSpPr/>
+      </dsp:nvSpPr>
+      <dsp:spPr>
+        <a:xfrm>
+          <a:off x="5751005" y="1127695"/>
+          <a:ext cx="1408007" cy="563203"/>
+        </a:xfrm>
+        <a:prstGeom prst="rect">
+          <a:avLst/>
+        </a:prstGeom>
+        <a:noFill/>
+        <a:ln>
+          <a:noFill/>
+        </a:ln>
+        <a:effectLst/>
+      </dsp:spPr>
+      <dsp:style>
+        <a:lnRef idx="0">
+          <a:scrgbClr r="0" g="0" b="0"/>
+        </a:lnRef>
+        <a:fillRef idx="0">
+          <a:scrgbClr r="0" g="0" b="0"/>
+        </a:fillRef>
+        <a:effectRef idx="0">
+          <a:scrgbClr r="0" g="0" b="0"/>
+        </a:effectRef>
+        <a:fontRef idx="minor"/>
+      </dsp:style>
       <dsp:txBody>
-        <a:bodyPr spcFirstLastPara="0" vert="horz" wrap="square" lIns="83820" tIns="83820" rIns="83820" bIns="83820" numCol="1" spcCol="1270" anchor="ctr" anchorCtr="0">
+        <a:bodyPr spcFirstLastPara="0" vert="horz" wrap="square" lIns="0" tIns="0" rIns="0" bIns="0" numCol="1" spcCol="1270" anchor="t" anchorCtr="0">
           <a:noAutofit/>
         </a:bodyPr>
         <a:lstStyle/>
         <a:p>
-          <a:pPr marL="0" lvl="0" indent="0" algn="ctr" defTabSz="977900">
+          <a:pPr marL="0" lvl="0" indent="0" algn="ctr" defTabSz="488950">
             <a:lnSpc>
-              <a:spcPct val="90000"/>
+              <a:spcPct val="100000"/>
             </a:lnSpc>
             <a:spcBef>
               <a:spcPct val="0"/>
@@ -13836,39 +15853,85 @@
               <a:spcPct val="35000"/>
             </a:spcAft>
             <a:buNone/>
+            <a:defRPr cap="all"/>
           </a:pPr>
           <a:r>
-            <a:rPr lang="en-US" sz="2200" kern="1200" dirty="0"/>
+            <a:rPr lang="en-US" sz="1100" kern="1200"/>
             <a:t>Messages persisted until they expire or are acknowledged</a:t>
           </a:r>
         </a:p>
       </dsp:txBody>
       <dsp:txXfrm>
-        <a:off x="7366858" y="416406"/>
-        <a:ext cx="2231528" cy="1338917"/>
+        <a:off x="5751005" y="1127695"/>
+        <a:ext cx="1408007" cy="563203"/>
       </dsp:txXfrm>
     </dsp:sp>
-    <dsp:sp modelId="{9E4DF08A-3C5F-C248-8715-B60C5FBD24F5}">
+    <dsp:sp modelId="{C9C53547-33DC-48A3-9040-52A571F05BEE}">
       <dsp:nvSpPr>
         <dsp:cNvPr id="0" name=""/>
         <dsp:cNvSpPr/>
       </dsp:nvSpPr>
       <dsp:spPr>
         <a:xfrm>
-          <a:off x="1230153" y="1978476"/>
-          <a:ext cx="2231528" cy="1338917"/>
+          <a:off x="7679975" y="1289"/>
+          <a:ext cx="858884" cy="858884"/>
         </a:xfrm>
-        <a:prstGeom prst="rect">
+        <a:prstGeom prst="ellipse">
           <a:avLst/>
         </a:prstGeom>
         <a:solidFill>
           <a:schemeClr val="accent1">
+            <a:tint val="40000"/>
             <a:hueOff val="0"/>
             <a:satOff val="0"/>
             <a:lumOff val="0"/>
             <a:alphaOff val="0"/>
           </a:schemeClr>
         </a:solidFill>
+        <a:ln>
+          <a:noFill/>
+        </a:ln>
+        <a:effectLst/>
+      </dsp:spPr>
+      <dsp:style>
+        <a:lnRef idx="0">
+          <a:scrgbClr r="0" g="0" b="0"/>
+        </a:lnRef>
+        <a:fillRef idx="1">
+          <a:scrgbClr r="0" g="0" b="0"/>
+        </a:fillRef>
+        <a:effectRef idx="0">
+          <a:scrgbClr r="0" g="0" b="0"/>
+        </a:effectRef>
+        <a:fontRef idx="minor"/>
+      </dsp:style>
+    </dsp:sp>
+    <dsp:sp modelId="{395A6C2F-B1E6-4347-809D-9EF84CDCDF6C}">
+      <dsp:nvSpPr>
+        <dsp:cNvPr id="0" name=""/>
+        <dsp:cNvSpPr/>
+      </dsp:nvSpPr>
+      <dsp:spPr>
+        <a:xfrm>
+          <a:off x="7863016" y="184330"/>
+          <a:ext cx="492802" cy="492802"/>
+        </a:xfrm>
+        <a:prstGeom prst="rect">
+          <a:avLst/>
+        </a:prstGeom>
+        <a:blipFill>
+          <a:blip xmlns:r="http://schemas.openxmlformats.org/officeDocument/2006/relationships" r:embed="rId9">
+            <a:extLst>
+              <a:ext uri="{96DAC541-7B7A-43D3-8B79-37D633B846F1}">
+                <asvg:svgBlip xmlns:asvg="http://schemas.microsoft.com/office/drawing/2016/SVG/main" r:embed="rId10"/>
+              </a:ext>
+            </a:extLst>
+          </a:blip>
+          <a:srcRect/>
+          <a:stretch>
+            <a:fillRect/>
+          </a:stretch>
+        </a:blipFill>
         <a:ln w="34925" cap="flat" cmpd="sng" algn="in">
           <a:solidFill>
             <a:schemeClr val="lt1">
@@ -13896,15 +15959,47 @@
           <a:schemeClr val="lt1"/>
         </a:fontRef>
       </dsp:style>
+    </dsp:sp>
+    <dsp:sp modelId="{20AA5EC5-A470-483F-B5B7-A35134C47C2B}">
+      <dsp:nvSpPr>
+        <dsp:cNvPr id="0" name=""/>
+        <dsp:cNvSpPr/>
+      </dsp:nvSpPr>
+      <dsp:spPr>
+        <a:xfrm>
+          <a:off x="7405414" y="1127695"/>
+          <a:ext cx="1408007" cy="563203"/>
+        </a:xfrm>
+        <a:prstGeom prst="rect">
+          <a:avLst/>
+        </a:prstGeom>
+        <a:noFill/>
+        <a:ln>
+          <a:noFill/>
+        </a:ln>
+        <a:effectLst/>
+      </dsp:spPr>
+      <dsp:style>
+        <a:lnRef idx="0">
+          <a:scrgbClr r="0" g="0" b="0"/>
+        </a:lnRef>
+        <a:fillRef idx="0">
+          <a:scrgbClr r="0" g="0" b="0"/>
+        </a:fillRef>
+        <a:effectRef idx="0">
+          <a:scrgbClr r="0" g="0" b="0"/>
+        </a:effectRef>
+        <a:fontRef idx="minor"/>
+      </dsp:style>
       <dsp:txBody>
-        <a:bodyPr spcFirstLastPara="0" vert="horz" wrap="square" lIns="83820" tIns="83820" rIns="83820" bIns="83820" numCol="1" spcCol="1270" anchor="ctr" anchorCtr="0">
+        <a:bodyPr spcFirstLastPara="0" vert="horz" wrap="square" lIns="0" tIns="0" rIns="0" bIns="0" numCol="1" spcCol="1270" anchor="t" anchorCtr="0">
           <a:noAutofit/>
         </a:bodyPr>
         <a:lstStyle/>
         <a:p>
-          <a:pPr marL="0" lvl="0" indent="0" algn="ctr" defTabSz="977900">
+          <a:pPr marL="0" lvl="0" indent="0" algn="ctr" defTabSz="488950">
             <a:lnSpc>
-              <a:spcPct val="90000"/>
+              <a:spcPct val="100000"/>
             </a:lnSpc>
             <a:spcBef>
               <a:spcPct val="0"/>
@@ -13913,39 +16008,88 @@
               <a:spcPct val="35000"/>
             </a:spcAft>
             <a:buNone/>
+            <a:defRPr cap="all"/>
           </a:pPr>
           <a:r>
-            <a:rPr lang="en-US" sz="2200" kern="1200" dirty="0"/>
+            <a:rPr lang="en-US" sz="1100" kern="1200"/>
             <a:t>Configurable message expiration</a:t>
           </a:r>
         </a:p>
       </dsp:txBody>
       <dsp:txXfrm>
-        <a:off x="1230153" y="1978476"/>
-        <a:ext cx="2231528" cy="1338917"/>
+        <a:off x="7405414" y="1127695"/>
+        <a:ext cx="1408007" cy="563203"/>
       </dsp:txXfrm>
     </dsp:sp>
-    <dsp:sp modelId="{A6A03DB0-06D5-7741-8230-7125F0890361}">
+    <dsp:sp modelId="{A734BC85-5C1F-4412-94DF-4B5D85AD941A}">
       <dsp:nvSpPr>
         <dsp:cNvPr id="0" name=""/>
         <dsp:cNvSpPr/>
       </dsp:nvSpPr>
       <dsp:spPr>
         <a:xfrm>
-          <a:off x="3684835" y="1978476"/>
-          <a:ext cx="2231528" cy="1338917"/>
+          <a:off x="2716748" y="2042900"/>
+          <a:ext cx="858884" cy="858884"/>
         </a:xfrm>
-        <a:prstGeom prst="rect">
+        <a:prstGeom prst="ellipse">
           <a:avLst/>
         </a:prstGeom>
         <a:solidFill>
           <a:schemeClr val="accent1">
+            <a:tint val="40000"/>
             <a:hueOff val="0"/>
             <a:satOff val="0"/>
             <a:lumOff val="0"/>
             <a:alphaOff val="0"/>
           </a:schemeClr>
         </a:solidFill>
+        <a:ln>
+          <a:noFill/>
+        </a:ln>
+        <a:effectLst/>
+      </dsp:spPr>
+      <dsp:style>
+        <a:lnRef idx="0">
+          <a:scrgbClr r="0" g="0" b="0"/>
+        </a:lnRef>
+        <a:fillRef idx="1">
+          <a:scrgbClr r="0" g="0" b="0"/>
+        </a:fillRef>
+        <a:effectRef idx="0">
+          <a:scrgbClr r="0" g="0" b="0"/>
+        </a:effectRef>
+        <a:fontRef idx="minor"/>
+      </dsp:style>
+    </dsp:sp>
+    <dsp:sp modelId="{B2100B56-C65A-4449-8094-145C500B8FCF}">
+      <dsp:nvSpPr>
+        <dsp:cNvPr id="0" name=""/>
+        <dsp:cNvSpPr/>
+      </dsp:nvSpPr>
+      <dsp:spPr>
+        <a:xfrm>
+          <a:off x="2899789" y="2225941"/>
+          <a:ext cx="492802" cy="492802"/>
+        </a:xfrm>
+        <a:prstGeom prst="rect">
+          <a:avLst/>
+        </a:prstGeom>
+        <a:blipFill>
+          <a:blip xmlns:r="http://schemas.openxmlformats.org/officeDocument/2006/relationships" r:embed="rId11">
+            <a:extLst>
+              <a:ext uri="{28A0092B-C50C-407E-A947-70E740481C1C}">
+                <a14:useLocalDpi xmlns:a14="http://schemas.microsoft.com/office/drawing/2010/main" val="0"/>
+              </a:ext>
+              <a:ext uri="{96DAC541-7B7A-43D3-8B79-37D633B846F1}">
+                <asvg:svgBlip xmlns:asvg="http://schemas.microsoft.com/office/drawing/2016/SVG/main" r:embed="rId12"/>
+              </a:ext>
+            </a:extLst>
+          </a:blip>
+          <a:srcRect/>
+          <a:stretch>
+            <a:fillRect/>
+          </a:stretch>
+        </a:blipFill>
         <a:ln w="34925" cap="flat" cmpd="sng" algn="in">
           <a:solidFill>
             <a:schemeClr val="lt1">
@@ -13973,15 +16117,47 @@
           <a:schemeClr val="lt1"/>
         </a:fontRef>
       </dsp:style>
+    </dsp:sp>
+    <dsp:sp modelId="{FE1A83AB-1599-4257-AE2C-1AF42A7D5953}">
+      <dsp:nvSpPr>
+        <dsp:cNvPr id="0" name=""/>
+        <dsp:cNvSpPr/>
+      </dsp:nvSpPr>
+      <dsp:spPr>
+        <a:xfrm>
+          <a:off x="2442186" y="3169307"/>
+          <a:ext cx="1408007" cy="563203"/>
+        </a:xfrm>
+        <a:prstGeom prst="rect">
+          <a:avLst/>
+        </a:prstGeom>
+        <a:noFill/>
+        <a:ln>
+          <a:noFill/>
+        </a:ln>
+        <a:effectLst/>
+      </dsp:spPr>
+      <dsp:style>
+        <a:lnRef idx="0">
+          <a:scrgbClr r="0" g="0" b="0"/>
+        </a:lnRef>
+        <a:fillRef idx="0">
+          <a:scrgbClr r="0" g="0" b="0"/>
+        </a:fillRef>
+        <a:effectRef idx="0">
+          <a:scrgbClr r="0" g="0" b="0"/>
+        </a:effectRef>
+        <a:fontRef idx="minor"/>
+      </dsp:style>
       <dsp:txBody>
-        <a:bodyPr spcFirstLastPara="0" vert="horz" wrap="square" lIns="83820" tIns="83820" rIns="83820" bIns="83820" numCol="1" spcCol="1270" anchor="ctr" anchorCtr="0">
+        <a:bodyPr spcFirstLastPara="0" vert="horz" wrap="square" lIns="0" tIns="0" rIns="0" bIns="0" numCol="1" spcCol="1270" anchor="t" anchorCtr="0">
           <a:noAutofit/>
         </a:bodyPr>
         <a:lstStyle/>
         <a:p>
-          <a:pPr marL="0" lvl="0" indent="0" algn="ctr" defTabSz="977900">
+          <a:pPr marL="0" lvl="0" indent="0" algn="ctr" defTabSz="488950">
             <a:lnSpc>
-              <a:spcPct val="90000"/>
+              <a:spcPct val="100000"/>
             </a:lnSpc>
             <a:spcBef>
               <a:spcPct val="0"/>
@@ -13990,39 +16166,85 @@
               <a:spcPct val="35000"/>
             </a:spcAft>
             <a:buNone/>
+            <a:defRPr cap="all"/>
           </a:pPr>
           <a:r>
-            <a:rPr lang="en-US" sz="2200" kern="1200" dirty="0"/>
+            <a:rPr lang="en-US" sz="1100" kern="1200"/>
             <a:t>Setting to persist acknowledged messages for specified period </a:t>
           </a:r>
         </a:p>
       </dsp:txBody>
       <dsp:txXfrm>
-        <a:off x="3684835" y="1978476"/>
-        <a:ext cx="2231528" cy="1338917"/>
+        <a:off x="2442186" y="3169307"/>
+        <a:ext cx="1408007" cy="563203"/>
       </dsp:txXfrm>
     </dsp:sp>
-    <dsp:sp modelId="{1D9C2354-9A2B-074F-9F2B-5B060455BDF0}">
+    <dsp:sp modelId="{E419DB7A-A180-4BDF-96B5-739ABB4AFB40}">
       <dsp:nvSpPr>
         <dsp:cNvPr id="0" name=""/>
         <dsp:cNvSpPr/>
       </dsp:nvSpPr>
       <dsp:spPr>
         <a:xfrm>
-          <a:off x="6139517" y="1978476"/>
-          <a:ext cx="2231528" cy="1338917"/>
+          <a:off x="4371157" y="2042900"/>
+          <a:ext cx="858884" cy="858884"/>
         </a:xfrm>
-        <a:prstGeom prst="rect">
+        <a:prstGeom prst="ellipse">
           <a:avLst/>
         </a:prstGeom>
         <a:solidFill>
           <a:schemeClr val="accent1">
+            <a:tint val="40000"/>
             <a:hueOff val="0"/>
             <a:satOff val="0"/>
             <a:lumOff val="0"/>
             <a:alphaOff val="0"/>
           </a:schemeClr>
         </a:solidFill>
+        <a:ln>
+          <a:noFill/>
+        </a:ln>
+        <a:effectLst/>
+      </dsp:spPr>
+      <dsp:style>
+        <a:lnRef idx="0">
+          <a:scrgbClr r="0" g="0" b="0"/>
+        </a:lnRef>
+        <a:fillRef idx="1">
+          <a:scrgbClr r="0" g="0" b="0"/>
+        </a:fillRef>
+        <a:effectRef idx="0">
+          <a:scrgbClr r="0" g="0" b="0"/>
+        </a:effectRef>
+        <a:fontRef idx="minor"/>
+      </dsp:style>
+    </dsp:sp>
+    <dsp:sp modelId="{318C75FD-D255-4943-B619-4CC0AE9DE739}">
+      <dsp:nvSpPr>
+        <dsp:cNvPr id="0" name=""/>
+        <dsp:cNvSpPr/>
+      </dsp:nvSpPr>
+      <dsp:spPr>
+        <a:xfrm>
+          <a:off x="4554198" y="2225941"/>
+          <a:ext cx="492802" cy="492802"/>
+        </a:xfrm>
+        <a:prstGeom prst="rect">
+          <a:avLst/>
+        </a:prstGeom>
+        <a:blipFill>
+          <a:blip xmlns:r="http://schemas.openxmlformats.org/officeDocument/2006/relationships" r:embed="rId13">
+            <a:extLst>
+              <a:ext uri="{96DAC541-7B7A-43D3-8B79-37D633B846F1}">
+                <asvg:svgBlip xmlns:asvg="http://schemas.microsoft.com/office/drawing/2016/SVG/main" r:embed="rId14"/>
+              </a:ext>
+            </a:extLst>
+          </a:blip>
+          <a:srcRect/>
+          <a:stretch>
+            <a:fillRect/>
+          </a:stretch>
+        </a:blipFill>
         <a:ln w="34925" cap="flat" cmpd="sng" algn="in">
           <a:solidFill>
             <a:schemeClr val="lt1">
@@ -14050,15 +16272,47 @@
           <a:schemeClr val="lt1"/>
         </a:fontRef>
       </dsp:style>
+    </dsp:sp>
+    <dsp:sp modelId="{B9E97642-D81E-46BA-92B8-5F7448E134D3}">
+      <dsp:nvSpPr>
+        <dsp:cNvPr id="0" name=""/>
+        <dsp:cNvSpPr/>
+      </dsp:nvSpPr>
+      <dsp:spPr>
+        <a:xfrm>
+          <a:off x="4096596" y="3169307"/>
+          <a:ext cx="1408007" cy="563203"/>
+        </a:xfrm>
+        <a:prstGeom prst="rect">
+          <a:avLst/>
+        </a:prstGeom>
+        <a:noFill/>
+        <a:ln>
+          <a:noFill/>
+        </a:ln>
+        <a:effectLst/>
+      </dsp:spPr>
+      <dsp:style>
+        <a:lnRef idx="0">
+          <a:scrgbClr r="0" g="0" b="0"/>
+        </a:lnRef>
+        <a:fillRef idx="0">
+          <a:scrgbClr r="0" g="0" b="0"/>
+        </a:fillRef>
+        <a:effectRef idx="0">
+          <a:scrgbClr r="0" g="0" b="0"/>
+        </a:effectRef>
+        <a:fontRef idx="minor"/>
+      </dsp:style>
       <dsp:txBody>
-        <a:bodyPr spcFirstLastPara="0" vert="horz" wrap="square" lIns="83820" tIns="83820" rIns="83820" bIns="83820" numCol="1" spcCol="1270" anchor="ctr" anchorCtr="0">
+        <a:bodyPr spcFirstLastPara="0" vert="horz" wrap="square" lIns="0" tIns="0" rIns="0" bIns="0" numCol="1" spcCol="1270" anchor="t" anchorCtr="0">
           <a:noAutofit/>
         </a:bodyPr>
         <a:lstStyle/>
         <a:p>
-          <a:pPr marL="0" lvl="0" indent="0" algn="ctr" defTabSz="977900">
+          <a:pPr marL="0" lvl="0" indent="0" algn="ctr" defTabSz="488950">
             <a:lnSpc>
-              <a:spcPct val="90000"/>
+              <a:spcPct val="100000"/>
             </a:lnSpc>
             <a:spcBef>
               <a:spcPct val="0"/>
@@ -14067,16 +16321,172 @@
               <a:spcPct val="35000"/>
             </a:spcAft>
             <a:buNone/>
+            <a:defRPr cap="all"/>
           </a:pPr>
           <a:r>
-            <a:rPr lang="en-US" sz="2200" kern="1200" dirty="0"/>
+            <a:rPr lang="en-US" sz="1100" kern="1200"/>
             <a:t>Built in monitoring</a:t>
           </a:r>
         </a:p>
       </dsp:txBody>
       <dsp:txXfrm>
-        <a:off x="6139517" y="1978476"/>
-        <a:ext cx="2231528" cy="1338917"/>
+        <a:off x="4096596" y="3169307"/>
+        <a:ext cx="1408007" cy="563203"/>
+      </dsp:txXfrm>
+    </dsp:sp>
+    <dsp:sp modelId="{B56945E2-B9E6-42F2-8354-0AA1F623E442}">
+      <dsp:nvSpPr>
+        <dsp:cNvPr id="0" name=""/>
+        <dsp:cNvSpPr/>
+      </dsp:nvSpPr>
+      <dsp:spPr>
+        <a:xfrm>
+          <a:off x="6025566" y="2042900"/>
+          <a:ext cx="858884" cy="858884"/>
+        </a:xfrm>
+        <a:prstGeom prst="ellipse">
+          <a:avLst/>
+        </a:prstGeom>
+        <a:solidFill>
+          <a:schemeClr val="accent1">
+            <a:tint val="40000"/>
+            <a:hueOff val="0"/>
+            <a:satOff val="0"/>
+            <a:lumOff val="0"/>
+            <a:alphaOff val="0"/>
+          </a:schemeClr>
+        </a:solidFill>
+        <a:ln>
+          <a:noFill/>
+        </a:ln>
+        <a:effectLst/>
+      </dsp:spPr>
+      <dsp:style>
+        <a:lnRef idx="0">
+          <a:scrgbClr r="0" g="0" b="0"/>
+        </a:lnRef>
+        <a:fillRef idx="1">
+          <a:scrgbClr r="0" g="0" b="0"/>
+        </a:fillRef>
+        <a:effectRef idx="0">
+          <a:scrgbClr r="0" g="0" b="0"/>
+        </a:effectRef>
+        <a:fontRef idx="minor"/>
+      </dsp:style>
+    </dsp:sp>
+    <dsp:sp modelId="{E4B4A830-F2AC-4BD7-B6DE-C0DD209CC9C6}">
+      <dsp:nvSpPr>
+        <dsp:cNvPr id="0" name=""/>
+        <dsp:cNvSpPr/>
+      </dsp:nvSpPr>
+      <dsp:spPr>
+        <a:xfrm>
+          <a:off x="6208607" y="2225941"/>
+          <a:ext cx="492802" cy="492802"/>
+        </a:xfrm>
+        <a:prstGeom prst="rect">
+          <a:avLst/>
+        </a:prstGeom>
+        <a:blipFill>
+          <a:blip xmlns:r="http://schemas.openxmlformats.org/officeDocument/2006/relationships" r:embed="rId15">
+            <a:extLst>
+              <a:ext uri="{96DAC541-7B7A-43D3-8B79-37D633B846F1}">
+                <asvg:svgBlip xmlns:asvg="http://schemas.microsoft.com/office/drawing/2016/SVG/main" r:embed="rId16"/>
+              </a:ext>
+            </a:extLst>
+          </a:blip>
+          <a:srcRect/>
+          <a:stretch>
+            <a:fillRect/>
+          </a:stretch>
+        </a:blipFill>
+        <a:ln w="34925" cap="flat" cmpd="sng" algn="in">
+          <a:solidFill>
+            <a:schemeClr val="lt1">
+              <a:hueOff val="0"/>
+              <a:satOff val="0"/>
+              <a:lumOff val="0"/>
+              <a:alphaOff val="0"/>
+            </a:schemeClr>
+          </a:solidFill>
+          <a:prstDash val="solid"/>
+        </a:ln>
+        <a:effectLst/>
+      </dsp:spPr>
+      <dsp:style>
+        <a:lnRef idx="2">
+          <a:scrgbClr r="0" g="0" b="0"/>
+        </a:lnRef>
+        <a:fillRef idx="1">
+          <a:scrgbClr r="0" g="0" b="0"/>
+        </a:fillRef>
+        <a:effectRef idx="0">
+          <a:scrgbClr r="0" g="0" b="0"/>
+        </a:effectRef>
+        <a:fontRef idx="minor">
+          <a:schemeClr val="lt1"/>
+        </a:fontRef>
+      </dsp:style>
+    </dsp:sp>
+    <dsp:sp modelId="{E95AC507-27F9-44CD-8F1D-614D51462B53}">
+      <dsp:nvSpPr>
+        <dsp:cNvPr id="0" name=""/>
+        <dsp:cNvSpPr/>
+      </dsp:nvSpPr>
+      <dsp:spPr>
+        <a:xfrm>
+          <a:off x="5751005" y="3169307"/>
+          <a:ext cx="1408007" cy="563203"/>
+        </a:xfrm>
+        <a:prstGeom prst="rect">
+          <a:avLst/>
+        </a:prstGeom>
+        <a:noFill/>
+        <a:ln>
+          <a:noFill/>
+        </a:ln>
+        <a:effectLst/>
+      </dsp:spPr>
+      <dsp:style>
+        <a:lnRef idx="0">
+          <a:scrgbClr r="0" g="0" b="0"/>
+        </a:lnRef>
+        <a:fillRef idx="0">
+          <a:scrgbClr r="0" g="0" b="0"/>
+        </a:fillRef>
+        <a:effectRef idx="0">
+          <a:scrgbClr r="0" g="0" b="0"/>
+        </a:effectRef>
+        <a:fontRef idx="minor"/>
+      </dsp:style>
+      <dsp:txBody>
+        <a:bodyPr spcFirstLastPara="0" vert="horz" wrap="square" lIns="0" tIns="0" rIns="0" bIns="0" numCol="1" spcCol="1270" anchor="t" anchorCtr="0">
+          <a:noAutofit/>
+        </a:bodyPr>
+        <a:lstStyle/>
+        <a:p>
+          <a:pPr marL="0" lvl="0" indent="0" algn="ctr" defTabSz="488950">
+            <a:lnSpc>
+              <a:spcPct val="100000"/>
+            </a:lnSpc>
+            <a:spcBef>
+              <a:spcPct val="0"/>
+            </a:spcBef>
+            <a:spcAft>
+              <a:spcPct val="35000"/>
+            </a:spcAft>
+            <a:buNone/>
+            <a:defRPr cap="all"/>
+          </a:pPr>
+          <a:r>
+            <a:rPr lang="en-US" sz="1100" kern="1200"/>
+            <a:t>Forced Message Ordering</a:t>
+          </a:r>
+        </a:p>
+      </dsp:txBody>
+      <dsp:txXfrm>
+        <a:off x="5751005" y="3169307"/>
+        <a:ext cx="1408007" cy="563203"/>
       </dsp:txXfrm>
     </dsp:sp>
   </dsp:spTree>
@@ -15644,6 +18054,474 @@
       <dsp:cNvGrpSpPr/>
     </dsp:nvGrpSpPr>
     <dsp:grpSpPr/>
+    <dsp:sp modelId="{D12D6B3C-9D87-44E9-B5E1-6D0D7DCAADC2}">
+      <dsp:nvSpPr>
+        <dsp:cNvPr id="0" name=""/>
+        <dsp:cNvSpPr/>
+      </dsp:nvSpPr>
+      <dsp:spPr>
+        <a:xfrm>
+          <a:off x="0" y="680"/>
+          <a:ext cx="5959475" cy="1593262"/>
+        </a:xfrm>
+        <a:prstGeom prst="roundRect">
+          <a:avLst>
+            <a:gd name="adj" fmla="val 10000"/>
+          </a:avLst>
+        </a:prstGeom>
+        <a:solidFill>
+          <a:schemeClr val="bg1">
+            <a:lumMod val="95000"/>
+            <a:hueOff val="0"/>
+            <a:satOff val="0"/>
+            <a:lumOff val="0"/>
+            <a:alphaOff val="0"/>
+          </a:schemeClr>
+        </a:solidFill>
+        <a:ln>
+          <a:noFill/>
+        </a:ln>
+        <a:effectLst/>
+      </dsp:spPr>
+      <dsp:style>
+        <a:lnRef idx="0">
+          <a:scrgbClr r="0" g="0" b="0"/>
+        </a:lnRef>
+        <a:fillRef idx="1">
+          <a:scrgbClr r="0" g="0" b="0"/>
+        </a:fillRef>
+        <a:effectRef idx="0">
+          <a:scrgbClr r="0" g="0" b="0"/>
+        </a:effectRef>
+        <a:fontRef idx="minor"/>
+      </dsp:style>
+    </dsp:sp>
+    <dsp:sp modelId="{0FDA6D81-4990-4006-82C7-D3B7BB6BE198}">
+      <dsp:nvSpPr>
+        <dsp:cNvPr id="0" name=""/>
+        <dsp:cNvSpPr/>
+      </dsp:nvSpPr>
+      <dsp:spPr>
+        <a:xfrm>
+          <a:off x="481961" y="359164"/>
+          <a:ext cx="876294" cy="876294"/>
+        </a:xfrm>
+        <a:prstGeom prst="rect">
+          <a:avLst/>
+        </a:prstGeom>
+        <a:blipFill>
+          <a:blip xmlns:r="http://schemas.openxmlformats.org/officeDocument/2006/relationships" r:embed="rId1">
+            <a:extLst>
+              <a:ext uri="{28A0092B-C50C-407E-A947-70E740481C1C}">
+                <a14:useLocalDpi xmlns:a14="http://schemas.microsoft.com/office/drawing/2010/main" val="0"/>
+              </a:ext>
+              <a:ext uri="{96DAC541-7B7A-43D3-8B79-37D633B846F1}">
+                <asvg:svgBlip xmlns:asvg="http://schemas.microsoft.com/office/drawing/2016/SVG/main" r:embed="rId2"/>
+              </a:ext>
+            </a:extLst>
+          </a:blip>
+          <a:stretch>
+            <a:fillRect/>
+          </a:stretch>
+        </a:blipFill>
+        <a:ln w="34925" cap="flat" cmpd="sng" algn="in">
+          <a:noFill/>
+          <a:prstDash val="solid"/>
+        </a:ln>
+        <a:effectLst/>
+      </dsp:spPr>
+      <dsp:style>
+        <a:lnRef idx="2">
+          <a:scrgbClr r="0" g="0" b="0"/>
+        </a:lnRef>
+        <a:fillRef idx="1">
+          <a:scrgbClr r="0" g="0" b="0"/>
+        </a:fillRef>
+        <a:effectRef idx="0">
+          <a:scrgbClr r="0" g="0" b="0"/>
+        </a:effectRef>
+        <a:fontRef idx="minor">
+          <a:schemeClr val="lt1"/>
+        </a:fontRef>
+      </dsp:style>
+    </dsp:sp>
+    <dsp:sp modelId="{FF425B5B-933B-4393-9C1C-0966AACC8561}">
+      <dsp:nvSpPr>
+        <dsp:cNvPr id="0" name=""/>
+        <dsp:cNvSpPr/>
+      </dsp:nvSpPr>
+      <dsp:spPr>
+        <a:xfrm>
+          <a:off x="1840218" y="680"/>
+          <a:ext cx="4119256" cy="1593262"/>
+        </a:xfrm>
+        <a:prstGeom prst="rect">
+          <a:avLst/>
+        </a:prstGeom>
+        <a:noFill/>
+        <a:ln>
+          <a:noFill/>
+        </a:ln>
+        <a:effectLst/>
+      </dsp:spPr>
+      <dsp:style>
+        <a:lnRef idx="0">
+          <a:scrgbClr r="0" g="0" b="0"/>
+        </a:lnRef>
+        <a:fillRef idx="0">
+          <a:scrgbClr r="0" g="0" b="0"/>
+        </a:fillRef>
+        <a:effectRef idx="0">
+          <a:scrgbClr r="0" g="0" b="0"/>
+        </a:effectRef>
+        <a:fontRef idx="minor"/>
+      </dsp:style>
+      <dsp:txBody>
+        <a:bodyPr spcFirstLastPara="0" vert="horz" wrap="square" lIns="168620" tIns="168620" rIns="168620" bIns="168620" numCol="1" spcCol="1270" anchor="ctr" anchorCtr="0">
+          <a:noAutofit/>
+        </a:bodyPr>
+        <a:lstStyle/>
+        <a:p>
+          <a:pPr marL="0" lvl="0" indent="0" algn="l" defTabSz="1111250">
+            <a:lnSpc>
+              <a:spcPct val="100000"/>
+            </a:lnSpc>
+            <a:spcBef>
+              <a:spcPct val="0"/>
+            </a:spcBef>
+            <a:spcAft>
+              <a:spcPct val="35000"/>
+            </a:spcAft>
+            <a:buNone/>
+          </a:pPr>
+          <a:r>
+            <a:rPr lang="en-US" sz="2500" kern="1200" baseline="0"/>
+            <a:t>Retry Delay - initialRetryDelay</a:t>
+          </a:r>
+          <a:endParaRPr lang="en-US" sz="2500" kern="1200"/>
+        </a:p>
+      </dsp:txBody>
+      <dsp:txXfrm>
+        <a:off x="1840218" y="680"/>
+        <a:ext cx="4119256" cy="1593262"/>
+      </dsp:txXfrm>
+    </dsp:sp>
+    <dsp:sp modelId="{E7E8EBB4-5923-47A9-900B-4CE5DF3E0D1E}">
+      <dsp:nvSpPr>
+        <dsp:cNvPr id="0" name=""/>
+        <dsp:cNvSpPr/>
+      </dsp:nvSpPr>
+      <dsp:spPr>
+        <a:xfrm>
+          <a:off x="0" y="1992259"/>
+          <a:ext cx="5959475" cy="1593262"/>
+        </a:xfrm>
+        <a:prstGeom prst="roundRect">
+          <a:avLst>
+            <a:gd name="adj" fmla="val 10000"/>
+          </a:avLst>
+        </a:prstGeom>
+        <a:solidFill>
+          <a:schemeClr val="bg1">
+            <a:lumMod val="95000"/>
+            <a:hueOff val="0"/>
+            <a:satOff val="0"/>
+            <a:lumOff val="0"/>
+            <a:alphaOff val="0"/>
+          </a:schemeClr>
+        </a:solidFill>
+        <a:ln>
+          <a:noFill/>
+        </a:ln>
+        <a:effectLst/>
+      </dsp:spPr>
+      <dsp:style>
+        <a:lnRef idx="0">
+          <a:scrgbClr r="0" g="0" b="0"/>
+        </a:lnRef>
+        <a:fillRef idx="1">
+          <a:scrgbClr r="0" g="0" b="0"/>
+        </a:fillRef>
+        <a:effectRef idx="0">
+          <a:scrgbClr r="0" g="0" b="0"/>
+        </a:effectRef>
+        <a:fontRef idx="minor"/>
+      </dsp:style>
+    </dsp:sp>
+    <dsp:sp modelId="{20A14C1A-BD2D-4D50-BB7D-42B90592B541}">
+      <dsp:nvSpPr>
+        <dsp:cNvPr id="0" name=""/>
+        <dsp:cNvSpPr/>
+      </dsp:nvSpPr>
+      <dsp:spPr>
+        <a:xfrm>
+          <a:off x="481961" y="2350743"/>
+          <a:ext cx="876294" cy="876294"/>
+        </a:xfrm>
+        <a:prstGeom prst="rect">
+          <a:avLst/>
+        </a:prstGeom>
+        <a:blipFill>
+          <a:blip xmlns:r="http://schemas.openxmlformats.org/officeDocument/2006/relationships" r:embed="rId3">
+            <a:extLst>
+              <a:ext uri="{28A0092B-C50C-407E-A947-70E740481C1C}">
+                <a14:useLocalDpi xmlns:a14="http://schemas.microsoft.com/office/drawing/2010/main" val="0"/>
+              </a:ext>
+              <a:ext uri="{96DAC541-7B7A-43D3-8B79-37D633B846F1}">
+                <asvg:svgBlip xmlns:asvg="http://schemas.microsoft.com/office/drawing/2016/SVG/main" r:embed="rId4"/>
+              </a:ext>
+            </a:extLst>
+          </a:blip>
+          <a:stretch>
+            <a:fillRect/>
+          </a:stretch>
+        </a:blipFill>
+        <a:ln w="34925" cap="flat" cmpd="sng" algn="in">
+          <a:noFill/>
+          <a:prstDash val="solid"/>
+        </a:ln>
+        <a:effectLst/>
+      </dsp:spPr>
+      <dsp:style>
+        <a:lnRef idx="2">
+          <a:scrgbClr r="0" g="0" b="0"/>
+        </a:lnRef>
+        <a:fillRef idx="1">
+          <a:scrgbClr r="0" g="0" b="0"/>
+        </a:fillRef>
+        <a:effectRef idx="0">
+          <a:scrgbClr r="0" g="0" b="0"/>
+        </a:effectRef>
+        <a:fontRef idx="minor">
+          <a:schemeClr val="lt1"/>
+        </a:fontRef>
+      </dsp:style>
+    </dsp:sp>
+    <dsp:sp modelId="{031EADEA-48E1-4891-BD48-8F234F938168}">
+      <dsp:nvSpPr>
+        <dsp:cNvPr id="0" name=""/>
+        <dsp:cNvSpPr/>
+      </dsp:nvSpPr>
+      <dsp:spPr>
+        <a:xfrm>
+          <a:off x="1840218" y="1992259"/>
+          <a:ext cx="4119256" cy="1593262"/>
+        </a:xfrm>
+        <a:prstGeom prst="rect">
+          <a:avLst/>
+        </a:prstGeom>
+        <a:noFill/>
+        <a:ln>
+          <a:noFill/>
+        </a:ln>
+        <a:effectLst/>
+      </dsp:spPr>
+      <dsp:style>
+        <a:lnRef idx="0">
+          <a:scrgbClr r="0" g="0" b="0"/>
+        </a:lnRef>
+        <a:fillRef idx="0">
+          <a:scrgbClr r="0" g="0" b="0"/>
+        </a:fillRef>
+        <a:effectRef idx="0">
+          <a:scrgbClr r="0" g="0" b="0"/>
+        </a:effectRef>
+        <a:fontRef idx="minor"/>
+      </dsp:style>
+      <dsp:txBody>
+        <a:bodyPr spcFirstLastPara="0" vert="horz" wrap="square" lIns="168620" tIns="168620" rIns="168620" bIns="168620" numCol="1" spcCol="1270" anchor="ctr" anchorCtr="0">
+          <a:noAutofit/>
+        </a:bodyPr>
+        <a:lstStyle/>
+        <a:p>
+          <a:pPr marL="0" lvl="0" indent="0" algn="l" defTabSz="1111250">
+            <a:lnSpc>
+              <a:spcPct val="100000"/>
+            </a:lnSpc>
+            <a:spcBef>
+              <a:spcPct val="0"/>
+            </a:spcBef>
+            <a:spcAft>
+              <a:spcPct val="35000"/>
+            </a:spcAft>
+            <a:buNone/>
+          </a:pPr>
+          <a:r>
+            <a:rPr lang="en-US" sz="2500" kern="1200" baseline="0"/>
+            <a:t>Exponential Retry Backoff – retryDelayMultiplier  (Default 1.3)</a:t>
+          </a:r>
+          <a:endParaRPr lang="en-US" sz="2500" kern="1200"/>
+        </a:p>
+      </dsp:txBody>
+      <dsp:txXfrm>
+        <a:off x="1840218" y="1992259"/>
+        <a:ext cx="4119256" cy="1593262"/>
+      </dsp:txXfrm>
+    </dsp:sp>
+    <dsp:sp modelId="{718F1E1A-2E03-45D6-96EB-98CD0CAE3DC2}">
+      <dsp:nvSpPr>
+        <dsp:cNvPr id="0" name=""/>
+        <dsp:cNvSpPr/>
+      </dsp:nvSpPr>
+      <dsp:spPr>
+        <a:xfrm>
+          <a:off x="0" y="3983837"/>
+          <a:ext cx="5959475" cy="1593262"/>
+        </a:xfrm>
+        <a:prstGeom prst="roundRect">
+          <a:avLst>
+            <a:gd name="adj" fmla="val 10000"/>
+          </a:avLst>
+        </a:prstGeom>
+        <a:solidFill>
+          <a:schemeClr val="bg1">
+            <a:lumMod val="95000"/>
+            <a:hueOff val="0"/>
+            <a:satOff val="0"/>
+            <a:lumOff val="0"/>
+            <a:alphaOff val="0"/>
+          </a:schemeClr>
+        </a:solidFill>
+        <a:ln>
+          <a:noFill/>
+        </a:ln>
+        <a:effectLst/>
+      </dsp:spPr>
+      <dsp:style>
+        <a:lnRef idx="0">
+          <a:scrgbClr r="0" g="0" b="0"/>
+        </a:lnRef>
+        <a:fillRef idx="1">
+          <a:scrgbClr r="0" g="0" b="0"/>
+        </a:fillRef>
+        <a:effectRef idx="0">
+          <a:scrgbClr r="0" g="0" b="0"/>
+        </a:effectRef>
+        <a:fontRef idx="minor"/>
+      </dsp:style>
+    </dsp:sp>
+    <dsp:sp modelId="{D5875F41-98BE-4A08-BF04-CAEEF4355247}">
+      <dsp:nvSpPr>
+        <dsp:cNvPr id="0" name=""/>
+        <dsp:cNvSpPr/>
+      </dsp:nvSpPr>
+      <dsp:spPr>
+        <a:xfrm>
+          <a:off x="481961" y="4342321"/>
+          <a:ext cx="876294" cy="876294"/>
+        </a:xfrm>
+        <a:prstGeom prst="rect">
+          <a:avLst/>
+        </a:prstGeom>
+        <a:blipFill>
+          <a:blip xmlns:r="http://schemas.openxmlformats.org/officeDocument/2006/relationships" r:embed="rId5">
+            <a:extLst>
+              <a:ext uri="{28A0092B-C50C-407E-A947-70E740481C1C}">
+                <a14:useLocalDpi xmlns:a14="http://schemas.microsoft.com/office/drawing/2010/main" val="0"/>
+              </a:ext>
+              <a:ext uri="{96DAC541-7B7A-43D3-8B79-37D633B846F1}">
+                <asvg:svgBlip xmlns:asvg="http://schemas.microsoft.com/office/drawing/2016/SVG/main" r:embed="rId6"/>
+              </a:ext>
+            </a:extLst>
+          </a:blip>
+          <a:stretch>
+            <a:fillRect/>
+          </a:stretch>
+        </a:blipFill>
+        <a:ln w="34925" cap="flat" cmpd="sng" algn="in">
+          <a:noFill/>
+          <a:prstDash val="solid"/>
+        </a:ln>
+        <a:effectLst/>
+      </dsp:spPr>
+      <dsp:style>
+        <a:lnRef idx="2">
+          <a:scrgbClr r="0" g="0" b="0"/>
+        </a:lnRef>
+        <a:fillRef idx="1">
+          <a:scrgbClr r="0" g="0" b="0"/>
+        </a:fillRef>
+        <a:effectRef idx="0">
+          <a:scrgbClr r="0" g="0" b="0"/>
+        </a:effectRef>
+        <a:fontRef idx="minor">
+          <a:schemeClr val="lt1"/>
+        </a:fontRef>
+      </dsp:style>
+    </dsp:sp>
+    <dsp:sp modelId="{29A84915-D40A-4E2A-BCD7-2196D62EDEB6}">
+      <dsp:nvSpPr>
+        <dsp:cNvPr id="0" name=""/>
+        <dsp:cNvSpPr/>
+      </dsp:nvSpPr>
+      <dsp:spPr>
+        <a:xfrm>
+          <a:off x="1840218" y="3983837"/>
+          <a:ext cx="4119256" cy="1593262"/>
+        </a:xfrm>
+        <a:prstGeom prst="rect">
+          <a:avLst/>
+        </a:prstGeom>
+        <a:noFill/>
+        <a:ln>
+          <a:noFill/>
+        </a:ln>
+        <a:effectLst/>
+      </dsp:spPr>
+      <dsp:style>
+        <a:lnRef idx="0">
+          <a:scrgbClr r="0" g="0" b="0"/>
+        </a:lnRef>
+        <a:fillRef idx="0">
+          <a:scrgbClr r="0" g="0" b="0"/>
+        </a:fillRef>
+        <a:effectRef idx="0">
+          <a:scrgbClr r="0" g="0" b="0"/>
+        </a:effectRef>
+        <a:fontRef idx="minor"/>
+      </dsp:style>
+      <dsp:txBody>
+        <a:bodyPr spcFirstLastPara="0" vert="horz" wrap="square" lIns="168620" tIns="168620" rIns="168620" bIns="168620" numCol="1" spcCol="1270" anchor="ctr" anchorCtr="0">
+          <a:noAutofit/>
+        </a:bodyPr>
+        <a:lstStyle/>
+        <a:p>
+          <a:pPr marL="0" lvl="0" indent="0" algn="l" defTabSz="1111250">
+            <a:lnSpc>
+              <a:spcPct val="100000"/>
+            </a:lnSpc>
+            <a:spcBef>
+              <a:spcPct val="0"/>
+            </a:spcBef>
+            <a:spcAft>
+              <a:spcPct val="35000"/>
+            </a:spcAft>
+            <a:buNone/>
+          </a:pPr>
+          <a:r>
+            <a:rPr lang="en-US" sz="2500" kern="1200" baseline="0"/>
+            <a:t>Maximum Retry Interval – maxRetryDelay</a:t>
+          </a:r>
+          <a:endParaRPr lang="en-US" sz="2500" kern="1200"/>
+        </a:p>
+      </dsp:txBody>
+      <dsp:txXfrm>
+        <a:off x="1840218" y="3983837"/>
+        <a:ext cx="4119256" cy="1593262"/>
+      </dsp:txXfrm>
+    </dsp:sp>
+  </dsp:spTree>
+</dsp:drawing>
+</file>
+
+<file path=ppt/diagrams/drawing9.xml><?xml version="1.0" encoding="utf-8"?>
+<dsp:drawing xmlns:dgm="http://schemas.openxmlformats.org/drawingml/2006/diagram" xmlns:dsp="http://schemas.microsoft.com/office/drawing/2008/diagram" xmlns:a="http://schemas.openxmlformats.org/drawingml/2006/main">
+  <dsp:spTree>
+    <dsp:nvGrpSpPr>
+      <dsp:cNvPr id="0" name=""/>
+      <dsp:cNvGrpSpPr/>
+    </dsp:nvGrpSpPr>
+    <dsp:grpSpPr/>
     <dsp:sp modelId="{ABB15BC6-5FEC-4BC2-870B-622E015FBCA1}">
       <dsp:nvSpPr>
         <dsp:cNvPr id="0" name=""/>
@@ -16906,93 +19784,47 @@
 </file>
 
 <file path=ppt/diagrams/layout4.xml><?xml version="1.0" encoding="utf-8"?>
-<dgm:layoutDef xmlns:dgm="http://schemas.openxmlformats.org/drawingml/2006/diagram" xmlns:a="http://schemas.openxmlformats.org/drawingml/2006/main" uniqueId="urn:microsoft.com/office/officeart/2005/8/layout/default">
-  <dgm:title val=""/>
-  <dgm:desc val=""/>
+<dgm:layoutDef xmlns:dgm="http://schemas.openxmlformats.org/drawingml/2006/diagram" xmlns:a="http://schemas.openxmlformats.org/drawingml/2006/main" uniqueId="urn:microsoft.com/office/officeart/2018/5/layout/IconCircleLabelList">
+  <dgm:title val="Icon Circle Label List"/>
+  <dgm:desc val="Use to show non-sequential or grouped chunks of information accompanied by a related visuals. Works best with icons or small pictures with short text captions."/>
   <dgm:catLst>
-    <dgm:cat type="list" pri="400"/>
+    <dgm:cat type="icon" pri="500"/>
   </dgm:catLst>
-  <dgm:sampData>
+  <dgm:sampData useDef="1">
     <dgm:dataModel>
-      <dgm:ptLst>
-        <dgm:pt modelId="0" type="doc"/>
-        <dgm:pt modelId="1">
-          <dgm:prSet phldr="1"/>
-        </dgm:pt>
-        <dgm:pt modelId="2">
-          <dgm:prSet phldr="1"/>
-        </dgm:pt>
-        <dgm:pt modelId="3">
-          <dgm:prSet phldr="1"/>
-        </dgm:pt>
-        <dgm:pt modelId="4">
-          <dgm:prSet phldr="1"/>
-        </dgm:pt>
-        <dgm:pt modelId="5">
-          <dgm:prSet phldr="1"/>
-        </dgm:pt>
-      </dgm:ptLst>
-      <dgm:cxnLst>
-        <dgm:cxn modelId="6" srcId="0" destId="1" srcOrd="0" destOrd="0"/>
-        <dgm:cxn modelId="7" srcId="0" destId="2" srcOrd="1" destOrd="0"/>
-        <dgm:cxn modelId="8" srcId="0" destId="3" srcOrd="2" destOrd="0"/>
-        <dgm:cxn modelId="9" srcId="0" destId="4" srcOrd="3" destOrd="0"/>
-        <dgm:cxn modelId="10" srcId="0" destId="5" srcOrd="4" destOrd="0"/>
-      </dgm:cxnLst>
+      <dgm:ptLst/>
       <dgm:bg/>
       <dgm:whole/>
     </dgm:dataModel>
   </dgm:sampData>
-  <dgm:styleData>
+  <dgm:styleData useDef="1">
     <dgm:dataModel>
-      <dgm:ptLst>
-        <dgm:pt modelId="0" type="doc"/>
-        <dgm:pt modelId="1"/>
-        <dgm:pt modelId="2"/>
-      </dgm:ptLst>
-      <dgm:cxnLst>
-        <dgm:cxn modelId="3" srcId="0" destId="1" srcOrd="0" destOrd="0"/>
-        <dgm:cxn modelId="4" srcId="0" destId="2" srcOrd="1" destOrd="0"/>
-      </dgm:cxnLst>
+      <dgm:ptLst/>
       <dgm:bg/>
       <dgm:whole/>
     </dgm:dataModel>
   </dgm:styleData>
-  <dgm:clrData>
+  <dgm:clrData useDef="1">
     <dgm:dataModel>
-      <dgm:ptLst>
-        <dgm:pt modelId="0" type="doc"/>
-        <dgm:pt modelId="1"/>
-        <dgm:pt modelId="2"/>
-        <dgm:pt modelId="3"/>
-        <dgm:pt modelId="4"/>
-        <dgm:pt modelId="5"/>
-        <dgm:pt modelId="6"/>
-      </dgm:ptLst>
-      <dgm:cxnLst>
-        <dgm:cxn modelId="7" srcId="0" destId="1" srcOrd="0" destOrd="0"/>
-        <dgm:cxn modelId="8" srcId="0" destId="2" srcOrd="1" destOrd="0"/>
-        <dgm:cxn modelId="9" srcId="0" destId="3" srcOrd="2" destOrd="0"/>
-        <dgm:cxn modelId="10" srcId="0" destId="4" srcOrd="3" destOrd="0"/>
-        <dgm:cxn modelId="11" srcId="0" destId="5" srcOrd="4" destOrd="0"/>
-        <dgm:cxn modelId="12" srcId="0" destId="6" srcOrd="5" destOrd="0"/>
-      </dgm:cxnLst>
+      <dgm:ptLst/>
       <dgm:bg/>
       <dgm:whole/>
     </dgm:dataModel>
   </dgm:clrData>
-  <dgm:layoutNode name="diagram">
+  <dgm:layoutNode name="root">
     <dgm:varLst>
       <dgm:dir/>
       <dgm:resizeHandles val="exact"/>
     </dgm:varLst>
     <dgm:choose name="Name0">
-      <dgm:if name="Name1" func="var" arg="dir" op="equ" val="norm">
+      <dgm:if name="Name1" axis="self" func="var" arg="dir" op="equ" val="norm">
         <dgm:alg type="snake">
           <dgm:param type="grDir" val="tL"/>
           <dgm:param type="flowDir" val="row"/>
           <dgm:param type="contDir" val="sameDir"/>
           <dgm:param type="off" val="ctr"/>
+          <dgm:param type="vertAlign" val="mid"/>
+          <dgm:param type="horzAlign" val="ctr"/>
         </dgm:alg>
       </dgm:if>
       <dgm:else name="Name2">
@@ -17001,6 +19833,8 @@
           <dgm:param type="flowDir" val="row"/>
           <dgm:param type="contDir" val="sameDir"/>
           <dgm:param type="off" val="ctr"/>
+          <dgm:param type="vertAlign" val="mid"/>
+          <dgm:param type="horzAlign" val="ctr"/>
         </dgm:alg>
       </dgm:else>
     </dgm:choose>
@@ -17008,36 +19842,102 @@
       <dgm:adjLst/>
     </dgm:shape>
     <dgm:presOf/>
-    <dgm:constrLst>
-      <dgm:constr type="w" for="ch" forName="node" refType="w"/>
-      <dgm:constr type="h" for="ch" forName="node" refType="w" refFor="ch" refForName="node" fact="0.6"/>
-      <dgm:constr type="w" for="ch" forName="sibTrans" refType="w" refFor="ch" refForName="node" fact="0.1"/>
-      <dgm:constr type="sp" refType="w" refFor="ch" refForName="sibTrans"/>
-      <dgm:constr type="primFontSz" for="ch" forName="node" op="equ" val="65"/>
-    </dgm:constrLst>
-    <dgm:ruleLst/>
-    <dgm:forEach name="Name3" axis="ch" ptType="node">
-      <dgm:layoutNode name="node">
-        <dgm:varLst>
-          <dgm:bulletEnabled val="1"/>
-        </dgm:varLst>
-        <dgm:alg type="tx"/>
-        <dgm:shape xmlns:r="http://schemas.openxmlformats.org/officeDocument/2006/relationships" type="rect" r:blip="">
+    <dgm:choose name="Name3">
+      <dgm:if name="Name4" axis="ch" ptType="node" func="cnt" op="lte" val="2">
+        <dgm:constrLst>
+          <dgm:constr type="h" for="ch" forName="compNode" refType="h" fact="0.4"/>
+          <dgm:constr type="w" for="ch" forName="compNode" val="100"/>
+          <dgm:constr type="w" for="ch" forName="sibTrans" refType="w" refFor="ch" refForName="compNode" fact="0.175"/>
+          <dgm:constr type="sp" refType="w" refFor="ch" refForName="compNode" op="equ" fact="0.25"/>
+          <dgm:constr type="primFontSz" for="des" ptType="node" op="equ" val="44"/>
+          <dgm:constr type="h" for="des" forName="compNode" op="equ"/>
+          <dgm:constr type="h" for="des" forName="textRect" op="equ"/>
+        </dgm:constrLst>
+      </dgm:if>
+      <dgm:if name="Name5" axis="ch" ptType="node" func="cnt" op="lte" val="3">
+        <dgm:constrLst>
+          <dgm:constr type="h" for="ch" forName="compNode" refType="h" fact="0.4"/>
+          <dgm:constr type="w" for="ch" forName="compNode" val="100"/>
+          <dgm:constr type="w" for="ch" forName="sibTrans" refType="w" refFor="ch" refForName="compNode" fact="0.175"/>
+          <dgm:constr type="sp" refType="w" refFor="ch" refForName="compNode" op="equ" fact="0.25"/>
+          <dgm:constr type="primFontSz" for="des" ptType="node" op="equ" val="40"/>
+          <dgm:constr type="h" for="des" forName="compNode" op="equ"/>
+          <dgm:constr type="h" for="des" forName="textRect" op="equ"/>
+        </dgm:constrLst>
+      </dgm:if>
+      <dgm:if name="Name6" axis="ch" ptType="node" func="cnt" op="lte" val="4">
+        <dgm:constrLst>
+          <dgm:constr type="h" for="ch" forName="compNode" refType="h" fact="0.4"/>
+          <dgm:constr type="w" for="ch" forName="compNode" refType="w"/>
+          <dgm:constr type="w" for="ch" forName="sibTrans" refType="w" refFor="ch" refForName="compNode" fact="0.175"/>
+          <dgm:constr type="sp" refType="w" refFor="ch" refForName="compNode" op="equ" fact="0.25"/>
+          <dgm:constr type="primFontSz" for="des" ptType="node" op="equ" val="32"/>
+          <dgm:constr type="h" for="des" forName="compNode" op="equ"/>
+          <dgm:constr type="h" for="des" forName="textRect" op="equ"/>
+        </dgm:constrLst>
+      </dgm:if>
+      <dgm:else name="Name7">
+        <dgm:constrLst>
+          <dgm:constr type="h" for="ch" forName="compNode" refType="h" fact="0.4"/>
+          <dgm:constr type="w" for="ch" forName="compNode" refType="w"/>
+          <dgm:constr type="w" for="ch" forName="sibTrans" refType="w" refFor="ch" refForName="compNode" fact="0.175"/>
+          <dgm:constr type="sp" refType="w" refFor="ch" refForName="compNode" op="equ" fact="0.25"/>
+          <dgm:constr type="primFontSz" for="des" ptType="node" op="equ" val="24"/>
+          <dgm:constr type="h" for="des" forName="compNode" op="equ"/>
+          <dgm:constr type="h" for="des" forName="textRect" op="equ"/>
+        </dgm:constrLst>
+      </dgm:else>
+    </dgm:choose>
+    <dgm:ruleLst>
+      <dgm:rule type="w" for="ch" forName="compNode" val="50" fact="NaN" max="NaN"/>
+    </dgm:ruleLst>
+    <dgm:forEach name="Name8" axis="ch" ptType="node">
+      <dgm:layoutNode name="compNode">
+        <dgm:alg type="composite"/>
+        <dgm:shape xmlns:r="http://schemas.openxmlformats.org/officeDocument/2006/relationships" r:blip="">
           <dgm:adjLst/>
         </dgm:shape>
-        <dgm:presOf axis="desOrSelf" ptType="node"/>
+        <dgm:presOf axis="self"/>
         <dgm:constrLst>
-          <dgm:constr type="lMarg" refType="primFontSz" fact="0.3"/>
-          <dgm:constr type="rMarg" refType="primFontSz" fact="0.3"/>
-          <dgm:constr type="tMarg" refType="primFontSz" fact="0.3"/>
-          <dgm:constr type="bMarg" refType="primFontSz" fact="0.3"/>
+          <dgm:constr type="w" for="ch" forName="iconBgRect" refType="w" fact="0.61"/>
+          <dgm:constr type="h" for="ch" forName="iconBgRect" refType="w" refFor="ch" refForName="iconBgRect"/>
+          <dgm:constr type="t" for="ch" forName="iconBgRect"/>
+          <dgm:constr type="ctrX" for="ch" forName="iconBgRect" refType="w" fact="0.5"/>
+          <dgm:constr type="w" for="ch" forName="iconRect" refType="w" fact="0.35"/>
+          <dgm:constr type="h" for="ch" forName="iconRect" refType="w" refFor="ch" refForName="iconRect"/>
+          <dgm:constr type="ctrX" for="ch" forName="iconRect" refType="ctrX" refFor="ch" refForName="iconBgRect"/>
+          <dgm:constr type="ctrY" for="ch" forName="iconRect" refType="ctrY" refFor="ch" refForName="iconBgRect"/>
+          <dgm:constr type="h" for="ch" forName="spaceRect" refType="w" fact="0.19"/>
+          <dgm:constr type="w" for="ch" forName="spaceRect" refType="w"/>
+          <dgm:constr type="l" for="ch" forName="spaceRect"/>
+          <dgm:constr type="t" for="ch" forName="spaceRect" refType="b" refFor="ch" refForName="iconBgRect"/>
+          <dgm:constr type="h" for="ch" forName="textRect" val="20"/>
+          <dgm:constr type="w" for="ch" forName="textRect" refType="w"/>
+          <dgm:constr type="l" for="ch" forName="textRect"/>
+          <dgm:constr type="t" for="ch" forName="textRect" refType="b" refFor="ch" refForName="spaceRect"/>
         </dgm:constrLst>
         <dgm:ruleLst>
-          <dgm:rule type="primFontSz" val="5" fact="NaN" max="NaN"/>
+          <dgm:rule type="h" val="INF" fact="NaN" max="NaN"/>
         </dgm:ruleLst>
-      </dgm:layoutNode>
-      <dgm:forEach name="Name4" axis="followSib" ptType="sibTrans" cnt="1">
-        <dgm:layoutNode name="sibTrans">
+        <dgm:layoutNode name="iconBgRect" styleLbl="bgShp">
+          <dgm:alg type="sp"/>
+          <dgm:shape xmlns:r="http://schemas.openxmlformats.org/officeDocument/2006/relationships" type="ellipse" r:blip="">
+            <dgm:adjLst/>
+          </dgm:shape>
+          <dgm:presOf/>
+          <dgm:constrLst/>
+          <dgm:ruleLst/>
+        </dgm:layoutNode>
+        <dgm:layoutNode name="iconRect" styleLbl="node1">
+          <dgm:alg type="sp"/>
+          <dgm:shape xmlns:r="http://schemas.openxmlformats.org/officeDocument/2006/relationships" type="rect" r:blip="" blipPhldr="1">
+            <dgm:adjLst/>
+          </dgm:shape>
+          <dgm:presOf/>
+          <dgm:constrLst/>
+          <dgm:ruleLst/>
+        </dgm:layoutNode>
+        <dgm:layoutNode name="spaceRect">
           <dgm:alg type="sp"/>
           <dgm:shape xmlns:r="http://schemas.openxmlformats.org/officeDocument/2006/relationships" r:blip="">
             <dgm:adjLst/>
@@ -17046,9 +19946,55 @@
           <dgm:constrLst/>
           <dgm:ruleLst/>
         </dgm:layoutNode>
+        <dgm:layoutNode name="textRect" styleLbl="revTx">
+          <dgm:varLst>
+            <dgm:chMax val="1"/>
+            <dgm:chPref val="1"/>
+          </dgm:varLst>
+          <dgm:alg type="tx">
+            <dgm:param type="txAnchorVert" val="t"/>
+          </dgm:alg>
+          <dgm:shape xmlns:r="http://schemas.openxmlformats.org/officeDocument/2006/relationships" type="rect" r:blip="">
+            <dgm:adjLst/>
+          </dgm:shape>
+          <dgm:presOf axis="self" ptType="node"/>
+          <dgm:constrLst>
+            <dgm:constr type="lMarg"/>
+            <dgm:constr type="rMarg"/>
+            <dgm:constr type="tMarg"/>
+            <dgm:constr type="bMarg"/>
+          </dgm:constrLst>
+          <dgm:ruleLst>
+            <dgm:rule type="primFontSz" val="11" fact="NaN" max="NaN"/>
+            <dgm:rule type="h" val="INF" fact="NaN" max="NaN"/>
+          </dgm:ruleLst>
+        </dgm:layoutNode>
+      </dgm:layoutNode>
+      <dgm:forEach name="Name9" axis="followSib" ptType="sibTrans" cnt="1">
+        <dgm:layoutNode name="sibTrans">
+          <dgm:alg type="sp"/>
+          <dgm:shape xmlns:r="http://schemas.openxmlformats.org/officeDocument/2006/relationships" r:blip="">
+            <dgm:adjLst/>
+          </dgm:shape>
+          <dgm:presOf axis="self"/>
+          <dgm:constrLst/>
+          <dgm:ruleLst/>
+        </dgm:layoutNode>
       </dgm:forEach>
     </dgm:forEach>
   </dgm:layoutNode>
+  <dgm:extLst>
+    <a:ext uri="{68A01E43-0DF5-4B5B-8FA6-DAF915123BFB}">
+      <dgm1612:lstStyle xmlns:dgm1612="http://schemas.microsoft.com/office/drawing/2016/12/diagram">
+        <a:lvl1pPr>
+          <a:lnSpc>
+            <a:spcPct val="100000"/>
+          </a:lnSpc>
+          <a:defRPr cap="all"/>
+        </a:lvl1pPr>
+      </dgm1612:lstStyle>
+    </a:ext>
+  </dgm:extLst>
 </dgm:layoutDef>
 </file>
 
@@ -19107,6 +22053,300 @@
 </file>
 
 <file path=ppt/diagrams/layout8.xml><?xml version="1.0" encoding="utf-8"?>
+<dgm:layoutDef xmlns:dgm="http://schemas.openxmlformats.org/drawingml/2006/diagram" xmlns:a="http://schemas.openxmlformats.org/drawingml/2006/main" uniqueId="urn:microsoft.com/office/officeart/2018/2/layout/IconVerticalSolidList">
+  <dgm:title val="Icon Vertical Solid List"/>
+  <dgm:desc val="Use to show a series of visuals from top to bottom with Level 1 or Level 1 and Level 2 text grouped in a shape. Works best with icons or small pictures with lengthier descriptions."/>
+  <dgm:catLst>
+    <dgm:cat type="icon" pri="500"/>
+  </dgm:catLst>
+  <dgm:sampData useDef="1">
+    <dgm:dataModel>
+      <dgm:ptLst/>
+      <dgm:bg/>
+      <dgm:whole/>
+    </dgm:dataModel>
+  </dgm:sampData>
+  <dgm:styleData useDef="1">
+    <dgm:dataModel>
+      <dgm:ptLst/>
+      <dgm:bg/>
+      <dgm:whole/>
+    </dgm:dataModel>
+  </dgm:styleData>
+  <dgm:clrData useDef="1">
+    <dgm:dataModel>
+      <dgm:ptLst/>
+      <dgm:bg/>
+      <dgm:whole/>
+    </dgm:dataModel>
+  </dgm:clrData>
+  <dgm:layoutNode name="root">
+    <dgm:varLst>
+      <dgm:dir/>
+      <dgm:resizeHandles val="exact"/>
+    </dgm:varLst>
+    <dgm:choose name="Name0">
+      <dgm:if name="Name1" axis="self" func="var" arg="dir" op="equ" val="norm">
+        <dgm:alg type="lin">
+          <dgm:param type="linDir" val="fromT"/>
+          <dgm:param type="nodeHorzAlign" val="l"/>
+        </dgm:alg>
+      </dgm:if>
+      <dgm:else name="Name2">
+        <dgm:alg type="lin">
+          <dgm:param type="linDir" val="fromT"/>
+          <dgm:param type="nodeHorzAlign" val="r"/>
+        </dgm:alg>
+      </dgm:else>
+    </dgm:choose>
+    <dgm:shape xmlns:r="http://schemas.openxmlformats.org/officeDocument/2006/relationships" r:blip="">
+      <dgm:adjLst/>
+    </dgm:shape>
+    <dgm:presOf/>
+    <dgm:choose name="Name3">
+      <dgm:if name="Name4" axis="ch" ptType="node" func="cnt" op="lte" val="3">
+        <dgm:constrLst>
+          <dgm:constr type="h" for="ch" forName="compNode" refType="h" fact="0.3"/>
+          <dgm:constr type="w" for="ch" forName="compNode" refType="w"/>
+          <dgm:constr type="h" for="ch" forName="sibTrans" refType="h" refFor="ch" refForName="compNode" fact="0.25"/>
+          <dgm:constr type="primFontSz" for="des" forName="parTx" val="25"/>
+          <dgm:constr type="primFontSz" for="des" forName="desTx" refType="primFontSz" refFor="des" refForName="parTx" op="lte" fact="0.75"/>
+          <dgm:constr type="h" for="des" forName="compNode" op="equ"/>
+          <dgm:constr type="h" for="des" forName="bgRect" op="equ"/>
+          <dgm:constr type="h" for="des" forName="iconRect" op="equ"/>
+          <dgm:constr type="w" for="des" forName="iconRect" op="equ"/>
+          <dgm:constr type="h" for="des" forName="spaceRect" op="equ"/>
+          <dgm:constr type="h" for="des" forName="parTx" op="equ"/>
+          <dgm:constr type="h" for="des" forName="desTx" op="equ"/>
+        </dgm:constrLst>
+      </dgm:if>
+      <dgm:if name="Name5" axis="ch" ptType="node" func="cnt" op="lte" val="4">
+        <dgm:constrLst>
+          <dgm:constr type="h" for="ch" forName="compNode" refType="h" fact="0.3"/>
+          <dgm:constr type="w" for="ch" forName="compNode" refType="w"/>
+          <dgm:constr type="h" for="ch" forName="sibTrans" refType="h" refFor="ch" refForName="compNode" fact="0.25"/>
+          <dgm:constr type="primFontSz" for="des" forName="parTx" val="22"/>
+          <dgm:constr type="primFontSz" for="des" forName="desTx" refType="primFontSz" refFor="des" refForName="parTx" op="lte" fact="0.75"/>
+          <dgm:constr type="h" for="des" forName="compNode" op="equ"/>
+          <dgm:constr type="h" for="des" forName="bgRect" op="equ"/>
+          <dgm:constr type="h" for="des" forName="iconRect" op="equ"/>
+          <dgm:constr type="w" for="des" forName="iconRect" op="equ"/>
+          <dgm:constr type="h" for="des" forName="spaceRect" op="equ"/>
+          <dgm:constr type="h" for="des" forName="parTx" op="equ"/>
+          <dgm:constr type="h" for="des" forName="desTx" op="equ"/>
+        </dgm:constrLst>
+      </dgm:if>
+      <dgm:if name="Name6" axis="ch" ptType="node" func="cnt" op="lte" val="6">
+        <dgm:constrLst>
+          <dgm:constr type="h" for="ch" forName="compNode" refType="h" fact="0.3"/>
+          <dgm:constr type="w" for="ch" forName="compNode" refType="w"/>
+          <dgm:constr type="h" for="ch" forName="sibTrans" refType="h" refFor="ch" refForName="compNode" fact="0.25"/>
+          <dgm:constr type="primFontSz" for="des" forName="parTx" val="19"/>
+          <dgm:constr type="primFontSz" for="des" forName="desTx" refType="primFontSz" refFor="des" refForName="parTx" op="lte" fact="0.75"/>
+          <dgm:constr type="h" for="des" forName="compNode" op="equ"/>
+          <dgm:constr type="h" for="des" forName="bgRect" op="equ"/>
+          <dgm:constr type="h" for="des" forName="iconRect" op="equ"/>
+          <dgm:constr type="w" for="des" forName="iconRect" op="equ"/>
+          <dgm:constr type="h" for="des" forName="spaceRect" op="equ"/>
+          <dgm:constr type="h" for="des" forName="parTx" op="equ"/>
+          <dgm:constr type="h" for="des" forName="desTx" op="equ"/>
+        </dgm:constrLst>
+      </dgm:if>
+      <dgm:else name="Name7">
+        <dgm:constrLst>
+          <dgm:constr type="h" for="ch" forName="compNode" refType="h" fact="0.3"/>
+          <dgm:constr type="w" for="ch" forName="compNode" refType="w"/>
+          <dgm:constr type="h" for="ch" forName="sibTrans" refType="h" refFor="ch" refForName="compNode" fact="0.25"/>
+          <dgm:constr type="primFontSz" for="des" forName="parTx" val="16"/>
+          <dgm:constr type="primFontSz" for="des" forName="desTx" refType="primFontSz" refFor="des" refForName="parTx" op="lte" fact="0.75"/>
+          <dgm:constr type="h" for="des" forName="compNode" op="equ"/>
+          <dgm:constr type="h" for="des" forName="bgRect" op="equ"/>
+          <dgm:constr type="h" for="des" forName="iconRect" op="equ"/>
+          <dgm:constr type="w" for="des" forName="iconRect" op="equ"/>
+          <dgm:constr type="h" for="des" forName="spaceRect" op="equ"/>
+          <dgm:constr type="h" for="des" forName="parTx" op="equ"/>
+          <dgm:constr type="h" for="des" forName="desTx" op="equ"/>
+        </dgm:constrLst>
+      </dgm:else>
+    </dgm:choose>
+    <dgm:ruleLst>
+      <dgm:rule type="h" for="ch" forName="compNode" val="0" fact="NaN" max="NaN"/>
+    </dgm:ruleLst>
+    <dgm:forEach name="Name8" axis="ch" ptType="node">
+      <dgm:layoutNode name="compNode">
+        <dgm:alg type="composite"/>
+        <dgm:shape xmlns:r="http://schemas.openxmlformats.org/officeDocument/2006/relationships" r:blip="">
+          <dgm:adjLst/>
+        </dgm:shape>
+        <dgm:presOf axis="self"/>
+        <dgm:choose name="Name9">
+          <dgm:if name="Name10" axis="ch" ptType="node" func="cnt" op="gte" val="1">
+            <dgm:constrLst>
+              <dgm:constr type="w" for="ch" forName="bgRect" refType="w"/>
+              <dgm:constr type="h" for="ch" forName="bgRect" refType="h"/>
+              <dgm:constr type="l" for="ch" forName="bgRect"/>
+              <dgm:constr type="t" for="ch" forName="bgRect"/>
+              <dgm:constr type="h" for="ch" forName="iconRect" refType="h" fact="0.55"/>
+              <dgm:constr type="w" for="ch" forName="iconRect" refType="h" refFor="ch" refForName="iconRect"/>
+              <dgm:constr type="l" for="ch" forName="iconRect" refType="h" refFor="ch" refForName="iconRect" fact="0.55"/>
+              <dgm:constr type="ctrY" for="ch" forName="iconRect" refType="ctrY" refFor="ch" refForName="bgRect"/>
+              <dgm:constr type="w" for="ch" forName="spaceRect" refType="l" refFor="ch" refForName="iconRect"/>
+              <dgm:constr type="h" for="ch" forName="spaceRect" refType="h"/>
+              <dgm:constr type="l" for="ch" forName="spaceRect" refType="r" refFor="ch" refForName="iconRect"/>
+              <dgm:constr type="t" for="ch" forName="spaceRect"/>
+              <dgm:constr type="w" for="ch" forName="parTx" refType="w" fact="0.45"/>
+              <dgm:constr type="h" for="ch" forName="parTx" refType="h"/>
+              <dgm:constr type="l" for="ch" forName="parTx" refType="r" refFor="ch" refForName="spaceRect"/>
+              <dgm:constr type="t" for="ch" forName="parTx"/>
+              <dgm:constr type="h" for="ch" forName="desTx" refType="h"/>
+              <dgm:constr type="l" for="ch" forName="desTx" refType="r" refFor="ch" refForName="parTx"/>
+              <dgm:constr type="t" for="ch" forName="desTx"/>
+            </dgm:constrLst>
+          </dgm:if>
+          <dgm:else name="Name11">
+            <dgm:constrLst>
+              <dgm:constr type="w" for="ch" forName="bgRect" refType="w"/>
+              <dgm:constr type="h" for="ch" forName="bgRect" refType="h"/>
+              <dgm:constr type="l" for="ch" forName="bgRect"/>
+              <dgm:constr type="t" for="ch" forName="bgRect"/>
+              <dgm:constr type="h" for="ch" forName="iconRect" refType="h" fact="0.55"/>
+              <dgm:constr type="w" for="ch" forName="iconRect" refType="h" refFor="ch" refForName="iconRect"/>
+              <dgm:constr type="l" for="ch" forName="iconRect" refType="h" refFor="ch" refForName="iconRect" fact="0.55"/>
+              <dgm:constr type="ctrY" for="ch" forName="iconRect" refType="ctrY" refFor="ch" refForName="bgRect"/>
+              <dgm:constr type="w" for="ch" forName="spaceRect" refType="l" refFor="ch" refForName="iconRect"/>
+              <dgm:constr type="h" for="ch" forName="spaceRect" refType="h"/>
+              <dgm:constr type="l" for="ch" forName="spaceRect" refType="r" refFor="ch" refForName="iconRect"/>
+              <dgm:constr type="t" for="ch" forName="spaceRect"/>
+              <dgm:constr type="h" for="ch" forName="parTx" refType="h"/>
+              <dgm:constr type="l" for="ch" forName="parTx" refType="r" refFor="ch" refForName="spaceRect"/>
+              <dgm:constr type="t" for="ch" forName="parTx"/>
+            </dgm:constrLst>
+          </dgm:else>
+        </dgm:choose>
+        <dgm:ruleLst>
+          <dgm:rule type="h" val="INF" fact="NaN" max="NaN"/>
+        </dgm:ruleLst>
+        <dgm:layoutNode name="bgRect" styleLbl="bgShp">
+          <dgm:alg type="sp"/>
+          <dgm:shape xmlns:r="http://schemas.openxmlformats.org/officeDocument/2006/relationships" type="roundRect" r:blip="">
+            <dgm:adjLst>
+              <dgm:adj idx="1" val="0.1"/>
+            </dgm:adjLst>
+          </dgm:shape>
+          <dgm:presOf/>
+          <dgm:constrLst/>
+          <dgm:ruleLst/>
+        </dgm:layoutNode>
+        <dgm:layoutNode name="iconRect" styleLbl="node1">
+          <dgm:alg type="sp"/>
+          <dgm:shape xmlns:r="http://schemas.openxmlformats.org/officeDocument/2006/relationships" type="rect" r:blip="" blipPhldr="1">
+            <dgm:adjLst/>
+          </dgm:shape>
+          <dgm:presOf/>
+          <dgm:constrLst/>
+          <dgm:ruleLst/>
+        </dgm:layoutNode>
+        <dgm:layoutNode name="spaceRect">
+          <dgm:alg type="sp"/>
+          <dgm:shape xmlns:r="http://schemas.openxmlformats.org/officeDocument/2006/relationships" r:blip="">
+            <dgm:adjLst/>
+          </dgm:shape>
+          <dgm:presOf/>
+          <dgm:constrLst/>
+          <dgm:ruleLst/>
+        </dgm:layoutNode>
+        <dgm:layoutNode name="parTx" styleLbl="revTx">
+          <dgm:varLst>
+            <dgm:chMax val="0"/>
+            <dgm:chPref val="0"/>
+          </dgm:varLst>
+          <dgm:alg type="tx">
+            <dgm:param type="txAnchorVert" val="mid"/>
+            <dgm:param type="parTxLTRAlign" val="l"/>
+            <dgm:param type="shpTxLTRAlignCh" val="l"/>
+            <dgm:param type="parTxRTLAlign" val="r"/>
+            <dgm:param type="shpTxRTLAlignCh" val="r"/>
+          </dgm:alg>
+          <dgm:shape xmlns:r="http://schemas.openxmlformats.org/officeDocument/2006/relationships" type="rect" r:blip="">
+            <dgm:adjLst/>
+          </dgm:shape>
+          <dgm:presOf axis="self" ptType="node"/>
+          <dgm:constrLst>
+            <dgm:constr type="lMarg" refType="h" fact="0.3"/>
+            <dgm:constr type="rMarg" refType="h" fact="0.3"/>
+            <dgm:constr type="tMarg" refType="h" fact="0.3"/>
+            <dgm:constr type="bMarg" refType="h" fact="0.3"/>
+          </dgm:constrLst>
+          <dgm:ruleLst>
+            <dgm:rule type="primFontSz" val="14" fact="NaN" max="NaN"/>
+            <dgm:rule type="h" val="INF" fact="NaN" max="NaN"/>
+          </dgm:ruleLst>
+        </dgm:layoutNode>
+        <dgm:choose name="Name12">
+          <dgm:if name="Name13" axis="ch" ptType="node" func="cnt" op="gte" val="1">
+            <dgm:layoutNode name="desTx" styleLbl="revTx">
+              <dgm:varLst/>
+              <dgm:alg type="tx">
+                <dgm:param type="txAnchorVertCh" val="mid"/>
+                <dgm:param type="parTxLTRAlign" val="l"/>
+                <dgm:param type="shpTxLTRAlignCh" val="l"/>
+                <dgm:param type="parTxRTLAlign" val="r"/>
+                <dgm:param type="shpTxRTLAlignCh" val="r"/>
+                <dgm:param type="stBulletLvl" val="0"/>
+              </dgm:alg>
+              <dgm:shape xmlns:r="http://schemas.openxmlformats.org/officeDocument/2006/relationships" type="rect" r:blip="">
+                <dgm:adjLst/>
+              </dgm:shape>
+              <dgm:presOf axis="des" ptType="node"/>
+              <dgm:constrLst>
+                <dgm:constr type="primFontSz" val="18"/>
+                <dgm:constr type="secFontSz" refType="primFontSz"/>
+                <dgm:constr type="lMarg" refType="h" fact="0.3"/>
+                <dgm:constr type="rMarg" refType="h" fact="0.3"/>
+                <dgm:constr type="tMarg" refType="h" fact="0.3"/>
+                <dgm:constr type="bMarg" refType="h" fact="0.3"/>
+              </dgm:constrLst>
+              <dgm:ruleLst>
+                <dgm:rule type="primFontSz" val="11" fact="NaN" max="NaN"/>
+              </dgm:ruleLst>
+            </dgm:layoutNode>
+          </dgm:if>
+          <dgm:else name="Name14"/>
+        </dgm:choose>
+      </dgm:layoutNode>
+      <dgm:forEach name="Name15" axis="followSib" ptType="sibTrans" cnt="1">
+        <dgm:layoutNode name="sibTrans">
+          <dgm:alg type="sp"/>
+          <dgm:shape xmlns:r="http://schemas.openxmlformats.org/officeDocument/2006/relationships" r:blip="">
+            <dgm:adjLst/>
+          </dgm:shape>
+          <dgm:presOf axis="self"/>
+          <dgm:constrLst/>
+          <dgm:ruleLst/>
+        </dgm:layoutNode>
+      </dgm:forEach>
+    </dgm:forEach>
+  </dgm:layoutNode>
+  <dgm:extLst>
+    <a:ext uri="{68A01E43-0DF5-4B5B-8FA6-DAF915123BFB}">
+      <dgm1612:lstStyle xmlns:dgm1612="http://schemas.microsoft.com/office/drawing/2016/12/diagram">
+        <a:lvl1pPr>
+          <a:lnSpc>
+            <a:spcPct val="100000"/>
+          </a:lnSpc>
+        </a:lvl1pPr>
+        <a:lvl2pPr>
+          <a:lnSpc>
+            <a:spcPct val="100000"/>
+          </a:lnSpc>
+        </a:lvl2pPr>
+      </dgm1612:lstStyle>
+    </a:ext>
+  </dgm:extLst>
+</dgm:layoutDef>
+</file>
+
+<file path=ppt/diagrams/layout9.xml><?xml version="1.0" encoding="utf-8"?>
 <dgm:layoutDef xmlns:dgm="http://schemas.openxmlformats.org/drawingml/2006/diagram" xmlns:a="http://schemas.openxmlformats.org/drawingml/2006/main" uniqueId="urn:microsoft.com/office/officeart/2018/5/layout/CenteredIconLabelDescriptionList">
   <dgm:title val="Centered Icon Label Description List"/>
   <dgm:desc val="Use to show non-sequential or grouped chunks of information. The placeholder holds an icon or small picture, and corresponding text boxes show Level 1 and Level 2 text respectively. Works well for minimal Level 1 text accompanied by lengthier Level two text."/>
@@ -27605,6 +30845,1040 @@
 </dgm:styleDef>
 </file>
 
+<file path=ppt/diagrams/quickStyle9.xml><?xml version="1.0" encoding="utf-8"?>
+<dgm:styleDef xmlns:dgm="http://schemas.openxmlformats.org/drawingml/2006/diagram" xmlns:a="http://schemas.openxmlformats.org/drawingml/2006/main" uniqueId="urn:microsoft.com/office/officeart/2005/8/quickstyle/simple1">
+  <dgm:title val=""/>
+  <dgm:desc val=""/>
+  <dgm:catLst>
+    <dgm:cat type="simple" pri="10100"/>
+  </dgm:catLst>
+  <dgm:scene3d>
+    <a:camera prst="orthographicFront"/>
+    <a:lightRig rig="threePt" dir="t"/>
+  </dgm:scene3d>
+  <dgm:styleLbl name="node0">
+    <dgm:scene3d>
+      <a:camera prst="orthographicFront"/>
+      <a:lightRig rig="threePt" dir="t"/>
+    </dgm:scene3d>
+    <dgm:sp3d/>
+    <dgm:txPr/>
+    <dgm:style>
+      <a:lnRef idx="2">
+        <a:scrgbClr r="0" g="0" b="0"/>
+      </a:lnRef>
+      <a:fillRef idx="1">
+        <a:scrgbClr r="0" g="0" b="0"/>
+      </a:fillRef>
+      <a:effectRef idx="0">
+        <a:scrgbClr r="0" g="0" b="0"/>
+      </a:effectRef>
+      <a:fontRef idx="minor">
+        <a:schemeClr val="lt1"/>
+      </a:fontRef>
+    </dgm:style>
+  </dgm:styleLbl>
+  <dgm:styleLbl name="lnNode1">
+    <dgm:scene3d>
+      <a:camera prst="orthographicFront"/>
+      <a:lightRig rig="threePt" dir="t"/>
+    </dgm:scene3d>
+    <dgm:sp3d/>
+    <dgm:txPr/>
+    <dgm:style>
+      <a:lnRef idx="2">
+        <a:scrgbClr r="0" g="0" b="0"/>
+      </a:lnRef>
+      <a:fillRef idx="1">
+        <a:scrgbClr r="0" g="0" b="0"/>
+      </a:fillRef>
+      <a:effectRef idx="0">
+        <a:scrgbClr r="0" g="0" b="0"/>
+      </a:effectRef>
+      <a:fontRef idx="minor">
+        <a:schemeClr val="lt1"/>
+      </a:fontRef>
+    </dgm:style>
+  </dgm:styleLbl>
+  <dgm:styleLbl name="vennNode1">
+    <dgm:scene3d>
+      <a:camera prst="orthographicFront"/>
+      <a:lightRig rig="threePt" dir="t"/>
+    </dgm:scene3d>
+    <dgm:sp3d/>
+    <dgm:txPr/>
+    <dgm:style>
+      <a:lnRef idx="2">
+        <a:scrgbClr r="0" g="0" b="0"/>
+      </a:lnRef>
+      <a:fillRef idx="1">
+        <a:scrgbClr r="0" g="0" b="0"/>
+      </a:fillRef>
+      <a:effectRef idx="0">
+        <a:scrgbClr r="0" g="0" b="0"/>
+      </a:effectRef>
+      <a:fontRef idx="minor">
+        <a:schemeClr val="tx1"/>
+      </a:fontRef>
+    </dgm:style>
+  </dgm:styleLbl>
+  <dgm:styleLbl name="alignNode1">
+    <dgm:scene3d>
+      <a:camera prst="orthographicFront"/>
+      <a:lightRig rig="threePt" dir="t"/>
+    </dgm:scene3d>
+    <dgm:sp3d/>
+    <dgm:txPr/>
+    <dgm:style>
+      <a:lnRef idx="2">
+        <a:scrgbClr r="0" g="0" b="0"/>
+      </a:lnRef>
+      <a:fillRef idx="1">
+        <a:scrgbClr r="0" g="0" b="0"/>
+      </a:fillRef>
+      <a:effectRef idx="0">
+        <a:scrgbClr r="0" g="0" b="0"/>
+      </a:effectRef>
+      <a:fontRef idx="minor">
+        <a:schemeClr val="lt1"/>
+      </a:fontRef>
+    </dgm:style>
+  </dgm:styleLbl>
+  <dgm:styleLbl name="node1">
+    <dgm:scene3d>
+      <a:camera prst="orthographicFront"/>
+      <a:lightRig rig="threePt" dir="t"/>
+    </dgm:scene3d>
+    <dgm:sp3d/>
+    <dgm:txPr/>
+    <dgm:style>
+      <a:lnRef idx="2">
+        <a:scrgbClr r="0" g="0" b="0"/>
+      </a:lnRef>
+      <a:fillRef idx="1">
+        <a:scrgbClr r="0" g="0" b="0"/>
+      </a:fillRef>
+      <a:effectRef idx="0">
+        <a:scrgbClr r="0" g="0" b="0"/>
+      </a:effectRef>
+      <a:fontRef idx="minor">
+        <a:schemeClr val="lt1"/>
+      </a:fontRef>
+    </dgm:style>
+  </dgm:styleLbl>
+  <dgm:styleLbl name="node2">
+    <dgm:scene3d>
+      <a:camera prst="orthographicFront"/>
+      <a:lightRig rig="threePt" dir="t"/>
+    </dgm:scene3d>
+    <dgm:sp3d/>
+    <dgm:txPr/>
+    <dgm:style>
+      <a:lnRef idx="2">
+        <a:scrgbClr r="0" g="0" b="0"/>
+      </a:lnRef>
+      <a:fillRef idx="1">
+        <a:scrgbClr r="0" g="0" b="0"/>
+      </a:fillRef>
+      <a:effectRef idx="0">
+        <a:scrgbClr r="0" g="0" b="0"/>
+      </a:effectRef>
+      <a:fontRef idx="minor">
+        <a:schemeClr val="lt1"/>
+      </a:fontRef>
+    </dgm:style>
+  </dgm:styleLbl>
+  <dgm:styleLbl name="node3">
+    <dgm:scene3d>
+      <a:camera prst="orthographicFront"/>
+      <a:lightRig rig="threePt" dir="t"/>
+    </dgm:scene3d>
+    <dgm:sp3d/>
+    <dgm:txPr/>
+    <dgm:style>
+      <a:lnRef idx="2">
+        <a:scrgbClr r="0" g="0" b="0"/>
+      </a:lnRef>
+      <a:fillRef idx="1">
+        <a:scrgbClr r="0" g="0" b="0"/>
+      </a:fillRef>
+      <a:effectRef idx="0">
+        <a:scrgbClr r="0" g="0" b="0"/>
+      </a:effectRef>
+      <a:fontRef idx="minor">
+        <a:schemeClr val="lt1"/>
+      </a:fontRef>
+    </dgm:style>
+  </dgm:styleLbl>
+  <dgm:styleLbl name="node4">
+    <dgm:scene3d>
+      <a:camera prst="orthographicFront"/>
+      <a:lightRig rig="threePt" dir="t"/>
+    </dgm:scene3d>
+    <dgm:sp3d/>
+    <dgm:txPr/>
+    <dgm:style>
+      <a:lnRef idx="2">
+        <a:scrgbClr r="0" g="0" b="0"/>
+      </a:lnRef>
+      <a:fillRef idx="1">
+        <a:scrgbClr r="0" g="0" b="0"/>
+      </a:fillRef>
+      <a:effectRef idx="0">
+        <a:scrgbClr r="0" g="0" b="0"/>
+      </a:effectRef>
+      <a:fontRef idx="minor">
+        <a:schemeClr val="lt1"/>
+      </a:fontRef>
+    </dgm:style>
+  </dgm:styleLbl>
+  <dgm:styleLbl name="fgImgPlace1">
+    <dgm:scene3d>
+      <a:camera prst="orthographicFront"/>
+      <a:lightRig rig="threePt" dir="t"/>
+    </dgm:scene3d>
+    <dgm:sp3d/>
+    <dgm:txPr/>
+    <dgm:style>
+      <a:lnRef idx="2">
+        <a:scrgbClr r="0" g="0" b="0"/>
+      </a:lnRef>
+      <a:fillRef idx="1">
+        <a:scrgbClr r="0" g="0" b="0"/>
+      </a:fillRef>
+      <a:effectRef idx="0">
+        <a:scrgbClr r="0" g="0" b="0"/>
+      </a:effectRef>
+      <a:fontRef idx="minor"/>
+    </dgm:style>
+  </dgm:styleLbl>
+  <dgm:styleLbl name="alignImgPlace1">
+    <dgm:scene3d>
+      <a:camera prst="orthographicFront"/>
+      <a:lightRig rig="threePt" dir="t"/>
+    </dgm:scene3d>
+    <dgm:sp3d/>
+    <dgm:txPr/>
+    <dgm:style>
+      <a:lnRef idx="2">
+        <a:scrgbClr r="0" g="0" b="0"/>
+      </a:lnRef>
+      <a:fillRef idx="1">
+        <a:scrgbClr r="0" g="0" b="0"/>
+      </a:fillRef>
+      <a:effectRef idx="0">
+        <a:scrgbClr r="0" g="0" b="0"/>
+      </a:effectRef>
+      <a:fontRef idx="minor"/>
+    </dgm:style>
+  </dgm:styleLbl>
+  <dgm:styleLbl name="bgImgPlace1">
+    <dgm:scene3d>
+      <a:camera prst="orthographicFront"/>
+      <a:lightRig rig="threePt" dir="t"/>
+    </dgm:scene3d>
+    <dgm:sp3d/>
+    <dgm:txPr/>
+    <dgm:style>
+      <a:lnRef idx="2">
+        <a:scrgbClr r="0" g="0" b="0"/>
+      </a:lnRef>
+      <a:fillRef idx="1">
+        <a:scrgbClr r="0" g="0" b="0"/>
+      </a:fillRef>
+      <a:effectRef idx="0">
+        <a:scrgbClr r="0" g="0" b="0"/>
+      </a:effectRef>
+      <a:fontRef idx="minor"/>
+    </dgm:style>
+  </dgm:styleLbl>
+  <dgm:styleLbl name="sibTrans2D1">
+    <dgm:scene3d>
+      <a:camera prst="orthographicFront"/>
+      <a:lightRig rig="threePt" dir="t"/>
+    </dgm:scene3d>
+    <dgm:sp3d/>
+    <dgm:txPr/>
+    <dgm:style>
+      <a:lnRef idx="0">
+        <a:scrgbClr r="0" g="0" b="0"/>
+      </a:lnRef>
+      <a:fillRef idx="1">
+        <a:scrgbClr r="0" g="0" b="0"/>
+      </a:fillRef>
+      <a:effectRef idx="0">
+        <a:scrgbClr r="0" g="0" b="0"/>
+      </a:effectRef>
+      <a:fontRef idx="minor">
+        <a:schemeClr val="lt1"/>
+      </a:fontRef>
+    </dgm:style>
+  </dgm:styleLbl>
+  <dgm:styleLbl name="fgSibTrans2D1">
+    <dgm:scene3d>
+      <a:camera prst="orthographicFront"/>
+      <a:lightRig rig="threePt" dir="t"/>
+    </dgm:scene3d>
+    <dgm:sp3d/>
+    <dgm:txPr/>
+    <dgm:style>
+      <a:lnRef idx="0">
+        <a:scrgbClr r="0" g="0" b="0"/>
+      </a:lnRef>
+      <a:fillRef idx="1">
+        <a:scrgbClr r="0" g="0" b="0"/>
+      </a:fillRef>
+      <a:effectRef idx="0">
+        <a:scrgbClr r="0" g="0" b="0"/>
+      </a:effectRef>
+      <a:fontRef idx="minor">
+        <a:schemeClr val="lt1"/>
+      </a:fontRef>
+    </dgm:style>
+  </dgm:styleLbl>
+  <dgm:styleLbl name="bgSibTrans2D1">
+    <dgm:scene3d>
+      <a:camera prst="orthographicFront"/>
+      <a:lightRig rig="threePt" dir="t"/>
+    </dgm:scene3d>
+    <dgm:sp3d/>
+    <dgm:txPr/>
+    <dgm:style>
+      <a:lnRef idx="0">
+        <a:scrgbClr r="0" g="0" b="0"/>
+      </a:lnRef>
+      <a:fillRef idx="1">
+        <a:scrgbClr r="0" g="0" b="0"/>
+      </a:fillRef>
+      <a:effectRef idx="0">
+        <a:scrgbClr r="0" g="0" b="0"/>
+      </a:effectRef>
+      <a:fontRef idx="minor">
+        <a:schemeClr val="lt1"/>
+      </a:fontRef>
+    </dgm:style>
+  </dgm:styleLbl>
+  <dgm:styleLbl name="sibTrans1D1">
+    <dgm:scene3d>
+      <a:camera prst="orthographicFront"/>
+      <a:lightRig rig="threePt" dir="t"/>
+    </dgm:scene3d>
+    <dgm:sp3d/>
+    <dgm:txPr/>
+    <dgm:style>
+      <a:lnRef idx="1">
+        <a:scrgbClr r="0" g="0" b="0"/>
+      </a:lnRef>
+      <a:fillRef idx="0">
+        <a:scrgbClr r="0" g="0" b="0"/>
+      </a:fillRef>
+      <a:effectRef idx="0">
+        <a:scrgbClr r="0" g="0" b="0"/>
+      </a:effectRef>
+      <a:fontRef idx="minor"/>
+    </dgm:style>
+  </dgm:styleLbl>
+  <dgm:styleLbl name="callout">
+    <dgm:scene3d>
+      <a:camera prst="orthographicFront"/>
+      <a:lightRig rig="threePt" dir="t"/>
+    </dgm:scene3d>
+    <dgm:sp3d/>
+    <dgm:txPr/>
+    <dgm:style>
+      <a:lnRef idx="2">
+        <a:scrgbClr r="0" g="0" b="0"/>
+      </a:lnRef>
+      <a:fillRef idx="1">
+        <a:scrgbClr r="0" g="0" b="0"/>
+      </a:fillRef>
+      <a:effectRef idx="0">
+        <a:scrgbClr r="0" g="0" b="0"/>
+      </a:effectRef>
+      <a:fontRef idx="minor"/>
+    </dgm:style>
+  </dgm:styleLbl>
+  <dgm:styleLbl name="asst0">
+    <dgm:scene3d>
+      <a:camera prst="orthographicFront"/>
+      <a:lightRig rig="threePt" dir="t"/>
+    </dgm:scene3d>
+    <dgm:sp3d/>
+    <dgm:txPr/>
+    <dgm:style>
+      <a:lnRef idx="2">
+        <a:scrgbClr r="0" g="0" b="0"/>
+      </a:lnRef>
+      <a:fillRef idx="1">
+        <a:scrgbClr r="0" g="0" b="0"/>
+      </a:fillRef>
+      <a:effectRef idx="0">
+        <a:scrgbClr r="0" g="0" b="0"/>
+      </a:effectRef>
+      <a:fontRef idx="minor">
+        <a:schemeClr val="lt1"/>
+      </a:fontRef>
+    </dgm:style>
+  </dgm:styleLbl>
+  <dgm:styleLbl name="asst1">
+    <dgm:scene3d>
+      <a:camera prst="orthographicFront"/>
+      <a:lightRig rig="threePt" dir="t"/>
+    </dgm:scene3d>
+    <dgm:sp3d/>
+    <dgm:txPr/>
+    <dgm:style>
+      <a:lnRef idx="2">
+        <a:scrgbClr r="0" g="0" b="0"/>
+      </a:lnRef>
+      <a:fillRef idx="1">
+        <a:scrgbClr r="0" g="0" b="0"/>
+      </a:fillRef>
+      <a:effectRef idx="0">
+        <a:scrgbClr r="0" g="0" b="0"/>
+      </a:effectRef>
+      <a:fontRef idx="minor">
+        <a:schemeClr val="lt1"/>
+      </a:fontRef>
+    </dgm:style>
+  </dgm:styleLbl>
+  <dgm:styleLbl name="asst2">
+    <dgm:scene3d>
+      <a:camera prst="orthographicFront"/>
+      <a:lightRig rig="threePt" dir="t"/>
+    </dgm:scene3d>
+    <dgm:sp3d/>
+    <dgm:txPr/>
+    <dgm:style>
+      <a:lnRef idx="2">
+        <a:scrgbClr r="0" g="0" b="0"/>
+      </a:lnRef>
+      <a:fillRef idx="1">
+        <a:scrgbClr r="0" g="0" b="0"/>
+      </a:fillRef>
+      <a:effectRef idx="0">
+        <a:scrgbClr r="0" g="0" b="0"/>
+      </a:effectRef>
+      <a:fontRef idx="minor">
+        <a:schemeClr val="lt1"/>
+      </a:fontRef>
+    </dgm:style>
+  </dgm:styleLbl>
+  <dgm:styleLbl name="asst3">
+    <dgm:scene3d>
+      <a:camera prst="orthographicFront"/>
+      <a:lightRig rig="threePt" dir="t"/>
+    </dgm:scene3d>
+    <dgm:sp3d/>
+    <dgm:txPr/>
+    <dgm:style>
+      <a:lnRef idx="2">
+        <a:scrgbClr r="0" g="0" b="0"/>
+      </a:lnRef>
+      <a:fillRef idx="1">
+        <a:scrgbClr r="0" g="0" b="0"/>
+      </a:fillRef>
+      <a:effectRef idx="0">
+        <a:scrgbClr r="0" g="0" b="0"/>
+      </a:effectRef>
+      <a:fontRef idx="minor">
+        <a:schemeClr val="lt1"/>
+      </a:fontRef>
+    </dgm:style>
+  </dgm:styleLbl>
+  <dgm:styleLbl name="asst4">
+    <dgm:scene3d>
+      <a:camera prst="orthographicFront"/>
+      <a:lightRig rig="threePt" dir="t"/>
+    </dgm:scene3d>
+    <dgm:sp3d/>
+    <dgm:txPr/>
+    <dgm:style>
+      <a:lnRef idx="2">
+        <a:scrgbClr r="0" g="0" b="0"/>
+      </a:lnRef>
+      <a:fillRef idx="1">
+        <a:scrgbClr r="0" g="0" b="0"/>
+      </a:fillRef>
+      <a:effectRef idx="0">
+        <a:scrgbClr r="0" g="0" b="0"/>
+      </a:effectRef>
+      <a:fontRef idx="minor">
+        <a:schemeClr val="lt1"/>
+      </a:fontRef>
+    </dgm:style>
+  </dgm:styleLbl>
+  <dgm:styleLbl name="parChTrans2D1">
+    <dgm:scene3d>
+      <a:camera prst="orthographicFront"/>
+      <a:lightRig rig="threePt" dir="t"/>
+    </dgm:scene3d>
+    <dgm:sp3d/>
+    <dgm:txPr/>
+    <dgm:style>
+      <a:lnRef idx="2">
+        <a:scrgbClr r="0" g="0" b="0"/>
+      </a:lnRef>
+      <a:fillRef idx="1">
+        <a:scrgbClr r="0" g="0" b="0"/>
+      </a:fillRef>
+      <a:effectRef idx="0">
+        <a:scrgbClr r="0" g="0" b="0"/>
+      </a:effectRef>
+      <a:fontRef idx="minor">
+        <a:schemeClr val="lt1"/>
+      </a:fontRef>
+    </dgm:style>
+  </dgm:styleLbl>
+  <dgm:styleLbl name="parChTrans2D2">
+    <dgm:scene3d>
+      <a:camera prst="orthographicFront"/>
+      <a:lightRig rig="threePt" dir="t"/>
+    </dgm:scene3d>
+    <dgm:sp3d/>
+    <dgm:txPr/>
+    <dgm:style>
+      <a:lnRef idx="2">
+        <a:scrgbClr r="0" g="0" b="0"/>
+      </a:lnRef>
+      <a:fillRef idx="1">
+        <a:scrgbClr r="0" g="0" b="0"/>
+      </a:fillRef>
+      <a:effectRef idx="0">
+        <a:scrgbClr r="0" g="0" b="0"/>
+      </a:effectRef>
+      <a:fontRef idx="minor">
+        <a:schemeClr val="lt1"/>
+      </a:fontRef>
+    </dgm:style>
+  </dgm:styleLbl>
+  <dgm:styleLbl name="parChTrans2D3">
+    <dgm:scene3d>
+      <a:camera prst="orthographicFront"/>
+      <a:lightRig rig="threePt" dir="t"/>
+    </dgm:scene3d>
+    <dgm:sp3d/>
+    <dgm:txPr/>
+    <dgm:style>
+      <a:lnRef idx="2">
+        <a:scrgbClr r="0" g="0" b="0"/>
+      </a:lnRef>
+      <a:fillRef idx="1">
+        <a:scrgbClr r="0" g="0" b="0"/>
+      </a:fillRef>
+      <a:effectRef idx="0">
+        <a:scrgbClr r="0" g="0" b="0"/>
+      </a:effectRef>
+      <a:fontRef idx="minor">
+        <a:schemeClr val="lt1"/>
+      </a:fontRef>
+    </dgm:style>
+  </dgm:styleLbl>
+  <dgm:styleLbl name="parChTrans2D4">
+    <dgm:scene3d>
+      <a:camera prst="orthographicFront"/>
+      <a:lightRig rig="threePt" dir="t"/>
+    </dgm:scene3d>
+    <dgm:sp3d/>
+    <dgm:txPr/>
+    <dgm:style>
+      <a:lnRef idx="2">
+        <a:scrgbClr r="0" g="0" b="0"/>
+      </a:lnRef>
+      <a:fillRef idx="1">
+        <a:scrgbClr r="0" g="0" b="0"/>
+      </a:fillRef>
+      <a:effectRef idx="0">
+        <a:scrgbClr r="0" g="0" b="0"/>
+      </a:effectRef>
+      <a:fontRef idx="minor">
+        <a:schemeClr val="lt1"/>
+      </a:fontRef>
+    </dgm:style>
+  </dgm:styleLbl>
+  <dgm:styleLbl name="parChTrans1D1">
+    <dgm:scene3d>
+      <a:camera prst="orthographicFront"/>
+      <a:lightRig rig="threePt" dir="t"/>
+    </dgm:scene3d>
+    <dgm:sp3d/>
+    <dgm:txPr/>
+    <dgm:style>
+      <a:lnRef idx="2">
+        <a:scrgbClr r="0" g="0" b="0"/>
+      </a:lnRef>
+      <a:fillRef idx="0">
+        <a:scrgbClr r="0" g="0" b="0"/>
+      </a:fillRef>
+      <a:effectRef idx="0">
+        <a:scrgbClr r="0" g="0" b="0"/>
+      </a:effectRef>
+      <a:fontRef idx="minor"/>
+    </dgm:style>
+  </dgm:styleLbl>
+  <dgm:styleLbl name="parChTrans1D2">
+    <dgm:scene3d>
+      <a:camera prst="orthographicFront"/>
+      <a:lightRig rig="threePt" dir="t"/>
+    </dgm:scene3d>
+    <dgm:sp3d/>
+    <dgm:txPr/>
+    <dgm:style>
+      <a:lnRef idx="2">
+        <a:scrgbClr r="0" g="0" b="0"/>
+      </a:lnRef>
+      <a:fillRef idx="0">
+        <a:scrgbClr r="0" g="0" b="0"/>
+      </a:fillRef>
+      <a:effectRef idx="0">
+        <a:scrgbClr r="0" g="0" b="0"/>
+      </a:effectRef>
+      <a:fontRef idx="minor"/>
+    </dgm:style>
+  </dgm:styleLbl>
+  <dgm:styleLbl name="parChTrans1D3">
+    <dgm:scene3d>
+      <a:camera prst="orthographicFront"/>
+      <a:lightRig rig="threePt" dir="t"/>
+    </dgm:scene3d>
+    <dgm:sp3d/>
+    <dgm:txPr/>
+    <dgm:style>
+      <a:lnRef idx="2">
+        <a:scrgbClr r="0" g="0" b="0"/>
+      </a:lnRef>
+      <a:fillRef idx="0">
+        <a:scrgbClr r="0" g="0" b="0"/>
+      </a:fillRef>
+      <a:effectRef idx="0">
+        <a:scrgbClr r="0" g="0" b="0"/>
+      </a:effectRef>
+      <a:fontRef idx="minor"/>
+    </dgm:style>
+  </dgm:styleLbl>
+  <dgm:styleLbl name="parChTrans1D4">
+    <dgm:scene3d>
+      <a:camera prst="orthographicFront"/>
+      <a:lightRig rig="threePt" dir="t"/>
+    </dgm:scene3d>
+    <dgm:sp3d/>
+    <dgm:txPr/>
+    <dgm:style>
+      <a:lnRef idx="2">
+        <a:scrgbClr r="0" g="0" b="0"/>
+      </a:lnRef>
+      <a:fillRef idx="0">
+        <a:scrgbClr r="0" g="0" b="0"/>
+      </a:fillRef>
+      <a:effectRef idx="0">
+        <a:scrgbClr r="0" g="0" b="0"/>
+      </a:effectRef>
+      <a:fontRef idx="minor"/>
+    </dgm:style>
+  </dgm:styleLbl>
+  <dgm:styleLbl name="fgAcc1">
+    <dgm:scene3d>
+      <a:camera prst="orthographicFront"/>
+      <a:lightRig rig="threePt" dir="t"/>
+    </dgm:scene3d>
+    <dgm:sp3d/>
+    <dgm:txPr/>
+    <dgm:style>
+      <a:lnRef idx="2">
+        <a:scrgbClr r="0" g="0" b="0"/>
+      </a:lnRef>
+      <a:fillRef idx="1">
+        <a:scrgbClr r="0" g="0" b="0"/>
+      </a:fillRef>
+      <a:effectRef idx="0">
+        <a:scrgbClr r="0" g="0" b="0"/>
+      </a:effectRef>
+      <a:fontRef idx="minor"/>
+    </dgm:style>
+  </dgm:styleLbl>
+  <dgm:styleLbl name="conFgAcc1">
+    <dgm:scene3d>
+      <a:camera prst="orthographicFront"/>
+      <a:lightRig rig="threePt" dir="t"/>
+    </dgm:scene3d>
+    <dgm:sp3d/>
+    <dgm:txPr/>
+    <dgm:style>
+      <a:lnRef idx="2">
+        <a:scrgbClr r="0" g="0" b="0"/>
+      </a:lnRef>
+      <a:fillRef idx="1">
+        <a:scrgbClr r="0" g="0" b="0"/>
+      </a:fillRef>
+      <a:effectRef idx="0">
+        <a:scrgbClr r="0" g="0" b="0"/>
+      </a:effectRef>
+      <a:fontRef idx="minor"/>
+    </dgm:style>
+  </dgm:styleLbl>
+  <dgm:styleLbl name="alignAcc1">
+    <dgm:scene3d>
+      <a:camera prst="orthographicFront"/>
+      <a:lightRig rig="threePt" dir="t"/>
+    </dgm:scene3d>
+    <dgm:sp3d/>
+    <dgm:txPr/>
+    <dgm:style>
+      <a:lnRef idx="2">
+        <a:scrgbClr r="0" g="0" b="0"/>
+      </a:lnRef>
+      <a:fillRef idx="1">
+        <a:scrgbClr r="0" g="0" b="0"/>
+      </a:fillRef>
+      <a:effectRef idx="0">
+        <a:scrgbClr r="0" g="0" b="0"/>
+      </a:effectRef>
+      <a:fontRef idx="minor"/>
+    </dgm:style>
+  </dgm:styleLbl>
+  <dgm:styleLbl name="trAlignAcc1">
+    <dgm:scene3d>
+      <a:camera prst="orthographicFront"/>
+      <a:lightRig rig="threePt" dir="t"/>
+    </dgm:scene3d>
+    <dgm:sp3d/>
+    <dgm:txPr/>
+    <dgm:style>
+      <a:lnRef idx="1">
+        <a:scrgbClr r="0" g="0" b="0"/>
+      </a:lnRef>
+      <a:fillRef idx="1">
+        <a:scrgbClr r="0" g="0" b="0"/>
+      </a:fillRef>
+      <a:effectRef idx="0">
+        <a:scrgbClr r="0" g="0" b="0"/>
+      </a:effectRef>
+      <a:fontRef idx="minor"/>
+    </dgm:style>
+  </dgm:styleLbl>
+  <dgm:styleLbl name="bgAcc1">
+    <dgm:scene3d>
+      <a:camera prst="orthographicFront"/>
+      <a:lightRig rig="threePt" dir="t"/>
+    </dgm:scene3d>
+    <dgm:sp3d/>
+    <dgm:txPr/>
+    <dgm:style>
+      <a:lnRef idx="2">
+        <a:scrgbClr r="0" g="0" b="0"/>
+      </a:lnRef>
+      <a:fillRef idx="1">
+        <a:scrgbClr r="0" g="0" b="0"/>
+      </a:fillRef>
+      <a:effectRef idx="0">
+        <a:scrgbClr r="0" g="0" b="0"/>
+      </a:effectRef>
+      <a:fontRef idx="minor"/>
+    </dgm:style>
+  </dgm:styleLbl>
+  <dgm:styleLbl name="solidFgAcc1">
+    <dgm:scene3d>
+      <a:camera prst="orthographicFront"/>
+      <a:lightRig rig="threePt" dir="t"/>
+    </dgm:scene3d>
+    <dgm:sp3d/>
+    <dgm:txPr/>
+    <dgm:style>
+      <a:lnRef idx="2">
+        <a:scrgbClr r="0" g="0" b="0"/>
+      </a:lnRef>
+      <a:fillRef idx="1">
+        <a:scrgbClr r="0" g="0" b="0"/>
+      </a:fillRef>
+      <a:effectRef idx="0">
+        <a:scrgbClr r="0" g="0" b="0"/>
+      </a:effectRef>
+      <a:fontRef idx="minor"/>
+    </dgm:style>
+  </dgm:styleLbl>
+  <dgm:styleLbl name="solidAlignAcc1">
+    <dgm:scene3d>
+      <a:camera prst="orthographicFront"/>
+      <a:lightRig rig="threePt" dir="t"/>
+    </dgm:scene3d>
+    <dgm:sp3d/>
+    <dgm:txPr/>
+    <dgm:style>
+      <a:lnRef idx="2">
+        <a:scrgbClr r="0" g="0" b="0"/>
+      </a:lnRef>
+      <a:fillRef idx="1">
+        <a:scrgbClr r="0" g="0" b="0"/>
+      </a:fillRef>
+      <a:effectRef idx="0">
+        <a:scrgbClr r="0" g="0" b="0"/>
+      </a:effectRef>
+      <a:fontRef idx="minor"/>
+    </dgm:style>
+  </dgm:styleLbl>
+  <dgm:styleLbl name="solidBgAcc1">
+    <dgm:scene3d>
+      <a:camera prst="orthographicFront"/>
+      <a:lightRig rig="threePt" dir="t"/>
+    </dgm:scene3d>
+    <dgm:sp3d/>
+    <dgm:txPr/>
+    <dgm:style>
+      <a:lnRef idx="2">
+        <a:scrgbClr r="0" g="0" b="0"/>
+      </a:lnRef>
+      <a:fillRef idx="1">
+        <a:scrgbClr r="0" g="0" b="0"/>
+      </a:fillRef>
+      <a:effectRef idx="0">
+        <a:scrgbClr r="0" g="0" b="0"/>
+      </a:effectRef>
+      <a:fontRef idx="minor"/>
+    </dgm:style>
+  </dgm:styleLbl>
+  <dgm:styleLbl name="fgAccFollowNode1">
+    <dgm:scene3d>
+      <a:camera prst="orthographicFront"/>
+      <a:lightRig rig="threePt" dir="t"/>
+    </dgm:scene3d>
+    <dgm:sp3d/>
+    <dgm:txPr/>
+    <dgm:style>
+      <a:lnRef idx="2">
+        <a:scrgbClr r="0" g="0" b="0"/>
+      </a:lnRef>
+      <a:fillRef idx="1">
+        <a:scrgbClr r="0" g="0" b="0"/>
+      </a:fillRef>
+      <a:effectRef idx="0">
+        <a:scrgbClr r="0" g="0" b="0"/>
+      </a:effectRef>
+      <a:fontRef idx="minor"/>
+    </dgm:style>
+  </dgm:styleLbl>
+  <dgm:styleLbl name="alignAccFollowNode1">
+    <dgm:scene3d>
+      <a:camera prst="orthographicFront"/>
+      <a:lightRig rig="threePt" dir="t"/>
+    </dgm:scene3d>
+    <dgm:sp3d/>
+    <dgm:txPr/>
+    <dgm:style>
+      <a:lnRef idx="2">
+        <a:scrgbClr r="0" g="0" b="0"/>
+      </a:lnRef>
+      <a:fillRef idx="1">
+        <a:scrgbClr r="0" g="0" b="0"/>
+      </a:fillRef>
+      <a:effectRef idx="0">
+        <a:scrgbClr r="0" g="0" b="0"/>
+      </a:effectRef>
+      <a:fontRef idx="minor"/>
+    </dgm:style>
+  </dgm:styleLbl>
+  <dgm:styleLbl name="bgAccFollowNode1">
+    <dgm:scene3d>
+      <a:camera prst="orthographicFront"/>
+      <a:lightRig rig="threePt" dir="t"/>
+    </dgm:scene3d>
+    <dgm:sp3d/>
+    <dgm:txPr/>
+    <dgm:style>
+      <a:lnRef idx="2">
+        <a:scrgbClr r="0" g="0" b="0"/>
+      </a:lnRef>
+      <a:fillRef idx="1">
+        <a:scrgbClr r="0" g="0" b="0"/>
+      </a:fillRef>
+      <a:effectRef idx="0">
+        <a:scrgbClr r="0" g="0" b="0"/>
+      </a:effectRef>
+      <a:fontRef idx="minor"/>
+    </dgm:style>
+  </dgm:styleLbl>
+  <dgm:styleLbl name="fgAcc0">
+    <dgm:scene3d>
+      <a:camera prst="orthographicFront"/>
+      <a:lightRig rig="threePt" dir="t"/>
+    </dgm:scene3d>
+    <dgm:sp3d/>
+    <dgm:txPr/>
+    <dgm:style>
+      <a:lnRef idx="2">
+        <a:scrgbClr r="0" g="0" b="0"/>
+      </a:lnRef>
+      <a:fillRef idx="1">
+        <a:scrgbClr r="0" g="0" b="0"/>
+      </a:fillRef>
+      <a:effectRef idx="0">
+        <a:scrgbClr r="0" g="0" b="0"/>
+      </a:effectRef>
+      <a:fontRef idx="minor"/>
+    </dgm:style>
+  </dgm:styleLbl>
+  <dgm:styleLbl name="fgAcc2">
+    <dgm:scene3d>
+      <a:camera prst="orthographicFront"/>
+      <a:lightRig rig="threePt" dir="t"/>
+    </dgm:scene3d>
+    <dgm:sp3d/>
+    <dgm:txPr/>
+    <dgm:style>
+      <a:lnRef idx="2">
+        <a:scrgbClr r="0" g="0" b="0"/>
+      </a:lnRef>
+      <a:fillRef idx="1">
+        <a:scrgbClr r="0" g="0" b="0"/>
+      </a:fillRef>
+      <a:effectRef idx="0">
+        <a:scrgbClr r="0" g="0" b="0"/>
+      </a:effectRef>
+      <a:fontRef idx="minor"/>
+    </dgm:style>
+  </dgm:styleLbl>
+  <dgm:styleLbl name="fgAcc3">
+    <dgm:scene3d>
+      <a:camera prst="orthographicFront"/>
+      <a:lightRig rig="threePt" dir="t"/>
+    </dgm:scene3d>
+    <dgm:sp3d/>
+    <dgm:txPr/>
+    <dgm:style>
+      <a:lnRef idx="2">
+        <a:scrgbClr r="0" g="0" b="0"/>
+      </a:lnRef>
+      <a:fillRef idx="1">
+        <a:scrgbClr r="0" g="0" b="0"/>
+      </a:fillRef>
+      <a:effectRef idx="0">
+        <a:scrgbClr r="0" g="0" b="0"/>
+      </a:effectRef>
+      <a:fontRef idx="minor"/>
+    </dgm:style>
+  </dgm:styleLbl>
+  <dgm:styleLbl name="fgAcc4">
+    <dgm:scene3d>
+      <a:camera prst="orthographicFront"/>
+      <a:lightRig rig="threePt" dir="t"/>
+    </dgm:scene3d>
+    <dgm:sp3d/>
+    <dgm:txPr/>
+    <dgm:style>
+      <a:lnRef idx="2">
+        <a:scrgbClr r="0" g="0" b="0"/>
+      </a:lnRef>
+      <a:fillRef idx="1">
+        <a:scrgbClr r="0" g="0" b="0"/>
+      </a:fillRef>
+      <a:effectRef idx="0">
+        <a:scrgbClr r="0" g="0" b="0"/>
+      </a:effectRef>
+      <a:fontRef idx="minor"/>
+    </dgm:style>
+  </dgm:styleLbl>
+  <dgm:styleLbl name="bgShp">
+    <dgm:scene3d>
+      <a:camera prst="orthographicFront"/>
+      <a:lightRig rig="threePt" dir="t"/>
+    </dgm:scene3d>
+    <dgm:sp3d/>
+    <dgm:txPr/>
+    <dgm:style>
+      <a:lnRef idx="0">
+        <a:scrgbClr r="0" g="0" b="0"/>
+      </a:lnRef>
+      <a:fillRef idx="1">
+        <a:scrgbClr r="0" g="0" b="0"/>
+      </a:fillRef>
+      <a:effectRef idx="0">
+        <a:scrgbClr r="0" g="0" b="0"/>
+      </a:effectRef>
+      <a:fontRef idx="minor"/>
+    </dgm:style>
+  </dgm:styleLbl>
+  <dgm:styleLbl name="dkBgShp">
+    <dgm:scene3d>
+      <a:camera prst="orthographicFront"/>
+      <a:lightRig rig="threePt" dir="t"/>
+    </dgm:scene3d>
+    <dgm:sp3d/>
+    <dgm:txPr/>
+    <dgm:style>
+      <a:lnRef idx="0">
+        <a:scrgbClr r="0" g="0" b="0"/>
+      </a:lnRef>
+      <a:fillRef idx="1">
+        <a:scrgbClr r="0" g="0" b="0"/>
+      </a:fillRef>
+      <a:effectRef idx="0">
+        <a:scrgbClr r="0" g="0" b="0"/>
+      </a:effectRef>
+      <a:fontRef idx="minor"/>
+    </dgm:style>
+  </dgm:styleLbl>
+  <dgm:styleLbl name="trBgShp">
+    <dgm:scene3d>
+      <a:camera prst="orthographicFront"/>
+      <a:lightRig rig="threePt" dir="t"/>
+    </dgm:scene3d>
+    <dgm:sp3d/>
+    <dgm:txPr/>
+    <dgm:style>
+      <a:lnRef idx="0">
+        <a:scrgbClr r="0" g="0" b="0"/>
+      </a:lnRef>
+      <a:fillRef idx="1">
+        <a:scrgbClr r="0" g="0" b="0"/>
+      </a:fillRef>
+      <a:effectRef idx="0">
+        <a:scrgbClr r="0" g="0" b="0"/>
+      </a:effectRef>
+      <a:fontRef idx="minor"/>
+    </dgm:style>
+  </dgm:styleLbl>
+  <dgm:styleLbl name="fgShp">
+    <dgm:scene3d>
+      <a:camera prst="orthographicFront"/>
+      <a:lightRig rig="threePt" dir="t"/>
+    </dgm:scene3d>
+    <dgm:sp3d/>
+    <dgm:txPr/>
+    <dgm:style>
+      <a:lnRef idx="2">
+        <a:scrgbClr r="0" g="0" b="0"/>
+      </a:lnRef>
+      <a:fillRef idx="1">
+        <a:scrgbClr r="0" g="0" b="0"/>
+      </a:fillRef>
+      <a:effectRef idx="0">
+        <a:scrgbClr r="0" g="0" b="0"/>
+      </a:effectRef>
+      <a:fontRef idx="minor"/>
+    </dgm:style>
+  </dgm:styleLbl>
+  <dgm:styleLbl name="revTx">
+    <dgm:scene3d>
+      <a:camera prst="orthographicFront"/>
+      <a:lightRig rig="threePt" dir="t"/>
+    </dgm:scene3d>
+    <dgm:sp3d/>
+    <dgm:txPr/>
+    <dgm:style>
+      <a:lnRef idx="0">
+        <a:scrgbClr r="0" g="0" b="0"/>
+      </a:lnRef>
+      <a:fillRef idx="0">
+        <a:scrgbClr r="0" g="0" b="0"/>
+      </a:fillRef>
+      <a:effectRef idx="0">
+        <a:scrgbClr r="0" g="0" b="0"/>
+      </a:effectRef>
+      <a:fontRef idx="minor"/>
+    </dgm:style>
+  </dgm:styleLbl>
+</dgm:styleDef>
+</file>
+
 <file path=ppt/notesMasters/notesMaster1.xml><?xml version="1.0" encoding="utf-8"?>
 <p:notesMaster xmlns:a="http://schemas.openxmlformats.org/drawingml/2006/main" xmlns:r="http://schemas.openxmlformats.org/officeDocument/2006/relationships" xmlns:p="http://schemas.openxmlformats.org/presentationml/2006/main">
   <p:cSld>
@@ -27687,7 +31961,7 @@
           <a:p>
             <a:fld id="{C09159B0-9D12-434B-AAE2-3439AFEEBA13}" type="datetimeFigureOut">
               <a:rPr lang="en-US" smtClean="0"/>
-              <a:t>11/27/20</a:t>
+              <a:t>11/30/20</a:t>
             </a:fld>
             <a:endParaRPr lang="en-US"/>
           </a:p>
@@ -28038,6 +32312,191 @@
 </p:notes>
 </file>
 
+<file path=ppt/notesSlides/notesSlide2.xml><?xml version="1.0" encoding="utf-8"?>
+<p:notes xmlns:a="http://schemas.openxmlformats.org/drawingml/2006/main" xmlns:r="http://schemas.openxmlformats.org/officeDocument/2006/relationships" xmlns:p="http://schemas.openxmlformats.org/presentationml/2006/main">
+  <p:cSld>
+    <p:spTree>
+      <p:nvGrpSpPr>
+        <p:cNvPr id="1" name=""/>
+        <p:cNvGrpSpPr/>
+        <p:nvPr/>
+      </p:nvGrpSpPr>
+      <p:grpSpPr>
+        <a:xfrm>
+          <a:off x="0" y="0"/>
+          <a:ext cx="0" cy="0"/>
+          <a:chOff x="0" y="0"/>
+          <a:chExt cx="0" cy="0"/>
+        </a:xfrm>
+      </p:grpSpPr>
+      <p:sp>
+        <p:nvSpPr>
+          <p:cNvPr id="2" name="Slide Image Placeholder 1"/>
+          <p:cNvSpPr>
+            <a:spLocks noGrp="1" noRot="1" noChangeAspect="1"/>
+          </p:cNvSpPr>
+          <p:nvPr>
+            <p:ph type="sldImg"/>
+          </p:nvPr>
+        </p:nvSpPr>
+        <p:spPr/>
+      </p:sp>
+      <p:sp>
+        <p:nvSpPr>
+          <p:cNvPr id="3" name="Notes Placeholder 2"/>
+          <p:cNvSpPr>
+            <a:spLocks noGrp="1"/>
+          </p:cNvSpPr>
+          <p:nvPr>
+            <p:ph type="body" idx="1"/>
+          </p:nvPr>
+        </p:nvSpPr>
+        <p:spPr/>
+        <p:txBody>
+          <a:bodyPr/>
+          <a:lstStyle/>
+          <a:p>
+            <a:r>
+              <a:rPr lang="en-US" dirty="0"/>
+              <a:t>Forced Message Ordering – If you use an ordering key and your messages are in the same region, you can enable forced message ordering by setting a flag when connecting to the subscription.  When </a:t>
+            </a:r>
+            <a:r>
+              <a:rPr lang="en-US" dirty="0" err="1"/>
+              <a:t>pubsub</a:t>
+            </a:r>
+            <a:r>
+              <a:rPr lang="en-US" dirty="0"/>
+              <a:t> redelivers a message it redelivers every message with a subsequent order key in the order it originally received them</a:t>
+            </a:r>
+          </a:p>
+          <a:p>
+            <a:r>
+              <a:rPr lang="en-US" dirty="0"/>
+              <a:t>Can increase latency.</a:t>
+            </a:r>
+          </a:p>
+        </p:txBody>
+      </p:sp>
+      <p:sp>
+        <p:nvSpPr>
+          <p:cNvPr id="4" name="Slide Number Placeholder 3"/>
+          <p:cNvSpPr>
+            <a:spLocks noGrp="1"/>
+          </p:cNvSpPr>
+          <p:nvPr>
+            <p:ph type="sldNum" sz="quarter" idx="5"/>
+          </p:nvPr>
+        </p:nvSpPr>
+        <p:spPr/>
+        <p:txBody>
+          <a:bodyPr/>
+          <a:lstStyle/>
+          <a:p>
+            <a:fld id="{D4301A7B-B59E-0049-9701-871B2C3CE086}" type="slidenum">
+              <a:rPr lang="en-US" smtClean="0"/>
+              <a:t>7</a:t>
+            </a:fld>
+            <a:endParaRPr lang="en-US"/>
+          </a:p>
+        </p:txBody>
+      </p:sp>
+    </p:spTree>
+    <p:extLst>
+      <p:ext uri="{BB962C8B-B14F-4D97-AF65-F5344CB8AC3E}">
+        <p14:creationId xmlns:p14="http://schemas.microsoft.com/office/powerpoint/2010/main" val="2238568996"/>
+      </p:ext>
+    </p:extLst>
+  </p:cSld>
+  <p:clrMapOvr>
+    <a:masterClrMapping/>
+  </p:clrMapOvr>
+</p:notes>
+</file>
+
+<file path=ppt/notesSlides/notesSlide3.xml><?xml version="1.0" encoding="utf-8"?>
+<p:notes xmlns:a="http://schemas.openxmlformats.org/drawingml/2006/main" xmlns:r="http://schemas.openxmlformats.org/officeDocument/2006/relationships" xmlns:p="http://schemas.openxmlformats.org/presentationml/2006/main">
+  <p:cSld>
+    <p:spTree>
+      <p:nvGrpSpPr>
+        <p:cNvPr id="1" name=""/>
+        <p:cNvGrpSpPr/>
+        <p:nvPr/>
+      </p:nvGrpSpPr>
+      <p:grpSpPr>
+        <a:xfrm>
+          <a:off x="0" y="0"/>
+          <a:ext cx="0" cy="0"/>
+          <a:chOff x="0" y="0"/>
+          <a:chExt cx="0" cy="0"/>
+        </a:xfrm>
+      </p:grpSpPr>
+      <p:sp>
+        <p:nvSpPr>
+          <p:cNvPr id="2" name="Slide Image Placeholder 1"/>
+          <p:cNvSpPr>
+            <a:spLocks noGrp="1" noRot="1" noChangeAspect="1"/>
+          </p:cNvSpPr>
+          <p:nvPr>
+            <p:ph type="sldImg"/>
+          </p:nvPr>
+        </p:nvSpPr>
+        <p:spPr/>
+      </p:sp>
+      <p:sp>
+        <p:nvSpPr>
+          <p:cNvPr id="3" name="Notes Placeholder 2"/>
+          <p:cNvSpPr>
+            <a:spLocks noGrp="1"/>
+          </p:cNvSpPr>
+          <p:nvPr>
+            <p:ph type="body" idx="1"/>
+          </p:nvPr>
+        </p:nvSpPr>
+        <p:spPr/>
+        <p:txBody>
+          <a:bodyPr/>
+          <a:lstStyle/>
+          <a:p>
+            <a:endParaRPr lang="en-US" dirty="0"/>
+          </a:p>
+        </p:txBody>
+      </p:sp>
+      <p:sp>
+        <p:nvSpPr>
+          <p:cNvPr id="4" name="Slide Number Placeholder 3"/>
+          <p:cNvSpPr>
+            <a:spLocks noGrp="1"/>
+          </p:cNvSpPr>
+          <p:nvPr>
+            <p:ph type="sldNum" sz="quarter" idx="5"/>
+          </p:nvPr>
+        </p:nvSpPr>
+        <p:spPr/>
+        <p:txBody>
+          <a:bodyPr/>
+          <a:lstStyle/>
+          <a:p>
+            <a:fld id="{D4301A7B-B59E-0049-9701-871B2C3CE086}" type="slidenum">
+              <a:rPr lang="en-US" smtClean="0"/>
+              <a:t>12</a:t>
+            </a:fld>
+            <a:endParaRPr lang="en-US"/>
+          </a:p>
+        </p:txBody>
+      </p:sp>
+    </p:spTree>
+    <p:extLst>
+      <p:ext uri="{BB962C8B-B14F-4D97-AF65-F5344CB8AC3E}">
+        <p14:creationId xmlns:p14="http://schemas.microsoft.com/office/powerpoint/2010/main" val="1000832335"/>
+      </p:ext>
+    </p:extLst>
+  </p:cSld>
+  <p:clrMapOvr>
+    <a:masterClrMapping/>
+  </p:clrMapOvr>
+</p:notes>
+</file>
+
 <file path=ppt/slideLayouts/slideLayout1.xml><?xml version="1.0" encoding="utf-8"?>
 <p:sldLayout xmlns:a="http://schemas.openxmlformats.org/drawingml/2006/main" xmlns:r="http://schemas.openxmlformats.org/officeDocument/2006/relationships" xmlns:p="http://schemas.openxmlformats.org/presentationml/2006/main" showMasterSp="0" type="title" preserve="1">
   <p:cSld name="Title Slide">
@@ -28209,9 +32668,9 @@
             </a:lvl1pPr>
           </a:lstStyle>
           <a:p>
-            <a:fld id="{90965559-F9FA-914C-80B5-C97744B9C0EA}" type="datetime1">
+            <a:fld id="{A3359F5C-6C31-3446-B4EA-5F776CCFE926}" type="datetime1">
               <a:rPr lang="en-US" smtClean="0"/>
-              <a:t>11/27/20</a:t>
+              <a:t>11/30/20</a:t>
             </a:fld>
             <a:endParaRPr lang="en-US" dirty="0"/>
           </a:p>
@@ -28247,7 +32706,7 @@
           <a:p>
             <a:r>
               <a:rPr lang="en-US"/>
-              <a:t>@quiltndogs</a:t>
+              <a:t>https://kmr0018.github.io/ConnectForward-PubSubOnGCP/  @quiltndogs karen_m_reeves@homedepot.com</a:t>
             </a:r>
             <a:endParaRPr lang="en-US" dirty="0"/>
           </a:p>
@@ -28543,9 +33002,9 @@
           <a:bodyPr/>
           <a:lstStyle/>
           <a:p>
-            <a:fld id="{0526DA36-1202-774B-89FB-4546375A2EA1}" type="datetime1">
+            <a:fld id="{B0A8279B-0FFD-934E-B31D-1E9959DFEC1B}" type="datetime1">
               <a:rPr lang="en-US" smtClean="0"/>
-              <a:t>11/27/20</a:t>
+              <a:t>11/30/20</a:t>
             </a:fld>
             <a:endParaRPr lang="en-US" dirty="0"/>
           </a:p>
@@ -28568,7 +33027,7 @@
           <a:p>
             <a:r>
               <a:rPr lang="en-US"/>
-              <a:t>@quiltndogs</a:t>
+              <a:t>https://kmr0018.github.io/ConnectForward-PubSubOnGCP/  @quiltndogs karen_m_reeves@homedepot.com</a:t>
             </a:r>
             <a:endParaRPr lang="en-US" dirty="0"/>
           </a:p>
@@ -28727,9 +33186,9 @@
           <a:bodyPr/>
           <a:lstStyle/>
           <a:p>
-            <a:fld id="{75B2A9E0-C314-0640-B85C-3718640032F5}" type="datetime1">
+            <a:fld id="{96A304FF-D428-7B47-91A5-F6789F865EFD}" type="datetime1">
               <a:rPr lang="en-US" smtClean="0"/>
-              <a:t>11/27/20</a:t>
+              <a:t>11/30/20</a:t>
             </a:fld>
             <a:endParaRPr lang="en-US" dirty="0"/>
           </a:p>
@@ -28752,7 +33211,7 @@
           <a:p>
             <a:r>
               <a:rPr lang="en-US"/>
-              <a:t>@quiltndogs</a:t>
+              <a:t>https://kmr0018.github.io/ConnectForward-PubSubOnGCP/  @quiltndogs karen_m_reeves@homedepot.com</a:t>
             </a:r>
             <a:endParaRPr lang="en-US" dirty="0"/>
           </a:p>
@@ -28901,9 +33360,9 @@
           <a:bodyPr/>
           <a:lstStyle/>
           <a:p>
-            <a:fld id="{8987A1CC-DD7A-E545-AB8E-6E2D7D4BC0E3}" type="datetime1">
+            <a:fld id="{8B987ED7-D956-5C47-A12D-B99DDA3F9F63}" type="datetime1">
               <a:rPr lang="en-US" smtClean="0"/>
-              <a:t>11/27/20</a:t>
+              <a:t>11/30/20</a:t>
             </a:fld>
             <a:endParaRPr lang="en-US" dirty="0"/>
           </a:p>
@@ -28926,7 +33385,7 @@
           <a:p>
             <a:r>
               <a:rPr lang="en-US"/>
-              <a:t>@quiltndogs</a:t>
+              <a:t>https://kmr0018.github.io/ConnectForward-PubSubOnGCP/  @quiltndogs karen_m_reeves@homedepot.com</a:t>
             </a:r>
             <a:endParaRPr lang="en-US" dirty="0"/>
           </a:p>
@@ -29182,9 +33641,9 @@
             </a:lvl1pPr>
           </a:lstStyle>
           <a:p>
-            <a:fld id="{760688F6-9458-F54D-AAE4-9E16AF90D4CC}" type="datetime1">
+            <a:fld id="{02B09E7D-F5FC-A844-BFF6-2D67A928610E}" type="datetime1">
               <a:rPr lang="en-US" smtClean="0"/>
-              <a:t>11/27/20</a:t>
+              <a:t>11/30/20</a:t>
             </a:fld>
             <a:endParaRPr lang="en-US" dirty="0"/>
           </a:p>
@@ -29220,7 +33679,7 @@
           <a:p>
             <a:r>
               <a:rPr lang="en-US"/>
-              <a:t>@quiltndogs</a:t>
+              <a:t>https://kmr0018.github.io/ConnectForward-PubSubOnGCP/  @quiltndogs karen_m_reeves@homedepot.com</a:t>
             </a:r>
             <a:endParaRPr lang="en-US" dirty="0"/>
           </a:p>
@@ -29580,9 +34039,9 @@
           <a:bodyPr/>
           <a:lstStyle/>
           <a:p>
-            <a:fld id="{1EDD670B-C6AB-B343-8ECF-FEEF9CF5CA87}" type="datetime1">
+            <a:fld id="{2411B83D-4E3A-5049-BF3D-964C889B6821}" type="datetime1">
               <a:rPr lang="en-US" smtClean="0"/>
-              <a:t>11/27/20</a:t>
+              <a:t>11/30/20</a:t>
             </a:fld>
             <a:endParaRPr lang="en-US" dirty="0"/>
           </a:p>
@@ -29605,7 +34064,7 @@
           <a:p>
             <a:r>
               <a:rPr lang="en-US"/>
-              <a:t>@quiltndogs</a:t>
+              <a:t>https://kmr0018.github.io/ConnectForward-PubSubOnGCP/  @quiltndogs karen_m_reeves@homedepot.com</a:t>
             </a:r>
             <a:endParaRPr lang="en-US" dirty="0"/>
           </a:p>
@@ -30061,9 +34520,9 @@
           <a:bodyPr/>
           <a:lstStyle/>
           <a:p>
-            <a:fld id="{CA3FA247-AB02-4D4D-8E39-71701D97F51B}" type="datetime1">
+            <a:fld id="{5D7BBA3D-20EE-EC48-AD67-29A543C96F8D}" type="datetime1">
               <a:rPr lang="en-US" smtClean="0"/>
-              <a:t>11/27/20</a:t>
+              <a:t>11/30/20</a:t>
             </a:fld>
             <a:endParaRPr lang="en-US" dirty="0"/>
           </a:p>
@@ -30086,7 +34545,7 @@
           <a:p>
             <a:r>
               <a:rPr lang="en-US"/>
-              <a:t>@quiltndogs</a:t>
+              <a:t>https://kmr0018.github.io/ConnectForward-PubSubOnGCP/  @quiltndogs karen_m_reeves@homedepot.com</a:t>
             </a:r>
             <a:endParaRPr lang="en-US" dirty="0"/>
           </a:p>
@@ -30184,9 +34643,9 @@
           <a:bodyPr/>
           <a:lstStyle/>
           <a:p>
-            <a:fld id="{9847BCF0-226F-E04D-B290-3176AA06D781}" type="datetime1">
+            <a:fld id="{484F1B8C-104E-2F45-8EE5-8EE3CF97C84A}" type="datetime1">
               <a:rPr lang="en-US" smtClean="0"/>
-              <a:t>11/27/20</a:t>
+              <a:t>11/30/20</a:t>
             </a:fld>
             <a:endParaRPr lang="en-US" dirty="0"/>
           </a:p>
@@ -30209,7 +34668,7 @@
           <a:p>
             <a:r>
               <a:rPr lang="en-US"/>
-              <a:t>@quiltndogs</a:t>
+              <a:t>https://kmr0018.github.io/ConnectForward-PubSubOnGCP/  @quiltndogs karen_m_reeves@homedepot.com</a:t>
             </a:r>
             <a:endParaRPr lang="en-US" dirty="0"/>
           </a:p>
@@ -30283,9 +34742,9 @@
           <a:bodyPr/>
           <a:lstStyle/>
           <a:p>
-            <a:fld id="{119DDA4B-CF16-504A-AB8B-F1D01386E98A}" type="datetime1">
+            <a:fld id="{AD27424A-9175-E04A-B5AE-1D136F9B981D}" type="datetime1">
               <a:rPr lang="en-US" smtClean="0"/>
-              <a:t>11/27/20</a:t>
+              <a:t>11/30/20</a:t>
             </a:fld>
             <a:endParaRPr lang="en-US" dirty="0"/>
           </a:p>
@@ -30308,7 +34767,7 @@
           <a:p>
             <a:r>
               <a:rPr lang="en-US"/>
-              <a:t>@quiltndogs</a:t>
+              <a:t>https://kmr0018.github.io/ConnectForward-PubSubOnGCP/  @quiltndogs karen_m_reeves@homedepot.com</a:t>
             </a:r>
             <a:endParaRPr lang="en-US" dirty="0"/>
           </a:p>
@@ -30633,9 +35092,9 @@
             </a:lvl1pPr>
           </a:lstStyle>
           <a:p>
-            <a:fld id="{58156767-109D-3840-AE2F-DE4A8611E483}" type="datetime1">
+            <a:fld id="{20E7EA72-0893-4A43-B8EA-D0B49CB6E95A}" type="datetime1">
               <a:rPr lang="en-US" smtClean="0"/>
-              <a:t>11/27/20</a:t>
+              <a:t>11/30/20</a:t>
             </a:fld>
             <a:endParaRPr lang="en-US" dirty="0"/>
           </a:p>
@@ -30671,7 +35130,7 @@
           <a:p>
             <a:r>
               <a:rPr lang="en-US"/>
-              <a:t>@quiltndogs</a:t>
+              <a:t>https://kmr0018.github.io/ConnectForward-PubSubOnGCP/  @quiltndogs karen_m_reeves@homedepot.com</a:t>
             </a:r>
             <a:endParaRPr lang="en-US" dirty="0"/>
           </a:p>
@@ -31025,9 +35484,9 @@
             </a:lvl1pPr>
           </a:lstStyle>
           <a:p>
-            <a:fld id="{3EEB6FC2-5C28-E947-AFD3-E6C5CFBE74B1}" type="datetime1">
+            <a:fld id="{1F9C1A6B-81A2-AD41-BC13-957C5641E2DA}" type="datetime1">
               <a:rPr lang="en-US" smtClean="0"/>
-              <a:t>11/27/20</a:t>
+              <a:t>11/30/20</a:t>
             </a:fld>
             <a:endParaRPr lang="en-US" dirty="0"/>
           </a:p>
@@ -31063,7 +35522,7 @@
           <a:p>
             <a:r>
               <a:rPr lang="en-US"/>
-              <a:t>@quiltndogs</a:t>
+              <a:t>https://kmr0018.github.io/ConnectForward-PubSubOnGCP/  @quiltndogs karen_m_reeves@homedepot.com</a:t>
             </a:r>
             <a:endParaRPr lang="en-US" dirty="0"/>
           </a:p>
@@ -31308,9 +35767,9 @@
             </a:lvl1pPr>
           </a:lstStyle>
           <a:p>
-            <a:fld id="{6FE61181-A94B-244D-8F5D-D21D9ABBFFEA}" type="datetime1">
+            <a:fld id="{BFCD0B0C-029D-034B-9AD3-27BFB42C65FE}" type="datetime1">
               <a:rPr lang="en-US" smtClean="0"/>
-              <a:t>11/27/20</a:t>
+              <a:t>11/30/20</a:t>
             </a:fld>
             <a:endParaRPr lang="en-US" dirty="0"/>
           </a:p>
@@ -31349,7 +35808,7 @@
           <a:p>
             <a:r>
               <a:rPr lang="en-US"/>
-              <a:t>@quiltndogs</a:t>
+              <a:t>https://kmr0018.github.io/ConnectForward-PubSubOnGCP/  @quiltndogs karen_m_reeves@homedepot.com</a:t>
             </a:r>
             <a:endParaRPr lang="en-US" dirty="0"/>
           </a:p>
@@ -31993,7 +36452,7 @@
             </a:pPr>
             <a:r>
               <a:rPr lang="en-US" dirty="0"/>
-              <a:t>December 2010</a:t>
+              <a:t>December 2020</a:t>
             </a:r>
           </a:p>
         </p:txBody>
@@ -32690,7 +37149,7 @@
         </p:spPr>
         <p:txBody>
           <a:bodyPr vert="horz" lIns="91440" tIns="45720" rIns="91440" bIns="45720" rtlCol="0" anchor="ctr">
-            <a:normAutofit/>
+            <a:normAutofit fontScale="92500"/>
           </a:bodyPr>
           <a:lstStyle/>
           <a:p>
@@ -32708,7 +37167,7 @@
                 <a:ea typeface="+mn-ea"/>
                 <a:cs typeface="+mn-cs"/>
               </a:rPr>
-              <a:t>@quiltndogs</a:t>
+              <a:t>https://kmr0018.github.io/ConnectForward-PubSubOnGCP/  @quiltndogs karen_m_reeves@homedepot.com</a:t>
             </a:r>
           </a:p>
         </p:txBody>
@@ -32840,13 +37299,13 @@
         </p:nvSpPr>
         <p:spPr>
           <a:xfrm>
-            <a:off x="2893564" y="6453386"/>
-            <a:ext cx="6280830" cy="404614"/>
+            <a:off x="1995055" y="6453386"/>
+            <a:ext cx="7179339" cy="404614"/>
           </a:xfrm>
         </p:spPr>
         <p:txBody>
           <a:bodyPr>
-            <a:normAutofit/>
+            <a:normAutofit fontScale="92500"/>
           </a:bodyPr>
           <a:lstStyle/>
           <a:p>
@@ -32856,9 +37315,30 @@
               </a:spcAft>
             </a:pPr>
             <a:r>
-              <a:rPr lang="en-US"/>
-              <a:t>@quiltndogs</a:t>
+              <a:rPr lang="en-US" dirty="0"/>
+              <a:t>https://kmr0018.github.io/</a:t>
             </a:r>
+            <a:r>
+              <a:rPr lang="en-US" dirty="0" err="1"/>
+              <a:t>ConnectForward-PubSubOnGCP</a:t>
+            </a:r>
+            <a:r>
+              <a:rPr lang="en-US" dirty="0"/>
+              <a:t>/  @</a:t>
+            </a:r>
+            <a:r>
+              <a:rPr lang="en-US" dirty="0" err="1"/>
+              <a:t>quiltndogs</a:t>
+            </a:r>
+            <a:r>
+              <a:rPr lang="en-US" dirty="0"/>
+              <a:t> </a:t>
+            </a:r>
+            <a:r>
+              <a:rPr lang="en-US" dirty="0" err="1"/>
+              <a:t>karen_m_reeves@homedepot.com</a:t>
+            </a:r>
+            <a:endParaRPr lang="en-US" dirty="0"/>
           </a:p>
         </p:txBody>
       </p:sp>
@@ -32907,6 +37387,272 @@
 </file>
 
 <file path=ppt/slides/slide12.xml><?xml version="1.0" encoding="utf-8"?>
+<p:sld xmlns:a="http://schemas.openxmlformats.org/drawingml/2006/main" xmlns:r="http://schemas.openxmlformats.org/officeDocument/2006/relationships" xmlns:p="http://schemas.openxmlformats.org/presentationml/2006/main">
+  <p:cSld>
+    <p:bg>
+      <p:bgPr>
+        <a:solidFill>
+          <a:schemeClr val="bg2"/>
+        </a:solidFill>
+        <a:effectLst/>
+      </p:bgPr>
+    </p:bg>
+    <p:spTree>
+      <p:nvGrpSpPr>
+        <p:cNvPr id="1" name=""/>
+        <p:cNvGrpSpPr/>
+        <p:nvPr/>
+      </p:nvGrpSpPr>
+      <p:grpSpPr>
+        <a:xfrm>
+          <a:off x="0" y="0"/>
+          <a:ext cx="0" cy="0"/>
+          <a:chOff x="0" y="0"/>
+          <a:chExt cx="0" cy="0"/>
+        </a:xfrm>
+      </p:grpSpPr>
+      <p:sp useBgFill="1">
+        <p:nvSpPr>
+          <p:cNvPr id="11" name="Rectangle 10">
+            <a:extLst>
+              <a:ext uri="{FF2B5EF4-FFF2-40B4-BE49-F238E27FC236}">
+                <a16:creationId xmlns:a16="http://schemas.microsoft.com/office/drawing/2014/main" id="{9479F3E9-1FE6-4767-B362-C4BAB31D37CE}"/>
+              </a:ext>
+              <a:ext uri="{C183D7F6-B498-43B3-948B-1728B52AA6E4}">
+                <adec:decorative xmlns:adec="http://schemas.microsoft.com/office/drawing/2017/decorative" val="1"/>
+              </a:ext>
+            </a:extLst>
+          </p:cNvPr>
+          <p:cNvSpPr>
+            <a:spLocks noGrp="1" noRot="1" noChangeAspect="1" noMove="1" noResize="1" noEditPoints="1" noAdjustHandles="1" noChangeArrowheads="1" noChangeShapeType="1" noTextEdit="1"/>
+          </p:cNvSpPr>
+          <p:nvPr>
+            <p:extLst>
+              <p:ext uri="{386F3935-93C4-4BCD-93E2-E3B085C9AB24}">
+                <p16:designElem xmlns:p16="http://schemas.microsoft.com/office/powerpoint/2015/main" val="1"/>
+              </p:ext>
+            </p:extLst>
+          </p:nvPr>
+        </p:nvSpPr>
+        <p:spPr>
+          <a:xfrm>
+            <a:off x="0" y="0"/>
+            <a:ext cx="12192000" cy="6858000"/>
+          </a:xfrm>
+          <a:prstGeom prst="rect">
+            <a:avLst/>
+          </a:prstGeom>
+          <a:ln>
+            <a:noFill/>
+          </a:ln>
+        </p:spPr>
+        <p:style>
+          <a:lnRef idx="2">
+            <a:schemeClr val="accent1">
+              <a:shade val="50000"/>
+            </a:schemeClr>
+          </a:lnRef>
+          <a:fillRef idx="1">
+            <a:schemeClr val="accent1"/>
+          </a:fillRef>
+          <a:effectRef idx="0">
+            <a:schemeClr val="accent1"/>
+          </a:effectRef>
+          <a:fontRef idx="minor">
+            <a:schemeClr val="lt1"/>
+          </a:fontRef>
+        </p:style>
+        <p:txBody>
+          <a:bodyPr rtlCol="0" anchor="ctr"/>
+          <a:lstStyle/>
+          <a:p>
+            <a:pPr algn="ctr"/>
+            <a:endParaRPr lang="en-US"/>
+          </a:p>
+        </p:txBody>
+      </p:sp>
+      <p:sp>
+        <p:nvSpPr>
+          <p:cNvPr id="2" name="Title 1">
+            <a:extLst>
+              <a:ext uri="{FF2B5EF4-FFF2-40B4-BE49-F238E27FC236}">
+                <a16:creationId xmlns:a16="http://schemas.microsoft.com/office/drawing/2014/main" id="{264A03A8-E33F-4E41-9858-3E6FF5A61513}"/>
+              </a:ext>
+            </a:extLst>
+          </p:cNvPr>
+          <p:cNvSpPr>
+            <a:spLocks noGrp="1"/>
+          </p:cNvSpPr>
+          <p:nvPr>
+            <p:ph type="title"/>
+          </p:nvPr>
+        </p:nvSpPr>
+        <p:spPr>
+          <a:xfrm>
+            <a:off x="8252340" y="639704"/>
+            <a:ext cx="3299579" cy="5577840"/>
+          </a:xfrm>
+        </p:spPr>
+        <p:txBody>
+          <a:bodyPr anchor="ctr">
+            <a:normAutofit/>
+          </a:bodyPr>
+          <a:lstStyle/>
+          <a:p>
+            <a:r>
+              <a:rPr lang="en-US"/>
+              <a:t>Retry Policy</a:t>
+            </a:r>
+            <a:endParaRPr lang="en-US" dirty="0"/>
+          </a:p>
+        </p:txBody>
+      </p:sp>
+      <p:sp>
+        <p:nvSpPr>
+          <p:cNvPr id="4" name="Footer Placeholder 3">
+            <a:extLst>
+              <a:ext uri="{FF2B5EF4-FFF2-40B4-BE49-F238E27FC236}">
+                <a16:creationId xmlns:a16="http://schemas.microsoft.com/office/drawing/2014/main" id="{1E45E0D0-0059-D44B-ADB2-B21154CCFFB1}"/>
+              </a:ext>
+            </a:extLst>
+          </p:cNvPr>
+          <p:cNvSpPr>
+            <a:spLocks noGrp="1"/>
+          </p:cNvSpPr>
+          <p:nvPr>
+            <p:ph type="ftr" sz="quarter" idx="11"/>
+          </p:nvPr>
+        </p:nvSpPr>
+        <p:spPr>
+          <a:xfrm>
+            <a:off x="848420" y="6453386"/>
+            <a:ext cx="6280830" cy="404614"/>
+          </a:xfrm>
+        </p:spPr>
+        <p:txBody>
+          <a:bodyPr>
+            <a:normAutofit/>
+          </a:bodyPr>
+          <a:lstStyle/>
+          <a:p>
+            <a:pPr>
+              <a:lnSpc>
+                <a:spcPct val="90000"/>
+              </a:lnSpc>
+              <a:spcAft>
+                <a:spcPts val="600"/>
+              </a:spcAft>
+            </a:pPr>
+            <a:r>
+              <a:rPr lang="en-US" sz="1100"/>
+              <a:t>https://kmr0018.github.io/ConnectForward-PubSubOnGCP/  @quiltndogs karen_m_reeves@homedepot.com</a:t>
+            </a:r>
+          </a:p>
+        </p:txBody>
+      </p:sp>
+      <p:sp>
+        <p:nvSpPr>
+          <p:cNvPr id="13" name="Rectangle 12">
+            <a:extLst>
+              <a:ext uri="{FF2B5EF4-FFF2-40B4-BE49-F238E27FC236}">
+                <a16:creationId xmlns:a16="http://schemas.microsoft.com/office/drawing/2014/main" id="{206AAD10-473C-49FD-B311-6694A76D418D}"/>
+              </a:ext>
+              <a:ext uri="{C183D7F6-B498-43B3-948B-1728B52AA6E4}">
+                <adec:decorative xmlns:adec="http://schemas.microsoft.com/office/drawing/2017/decorative" val="1"/>
+              </a:ext>
+            </a:extLst>
+          </p:cNvPr>
+          <p:cNvSpPr>
+            <a:spLocks noGrp="1" noRot="1" noChangeAspect="1" noMove="1" noResize="1" noEditPoints="1" noAdjustHandles="1" noChangeArrowheads="1" noChangeShapeType="1" noTextEdit="1"/>
+          </p:cNvSpPr>
+          <p:nvPr>
+            <p:extLst>
+              <p:ext uri="{386F3935-93C4-4BCD-93E2-E3B085C9AB24}">
+                <p16:designElem xmlns:p16="http://schemas.microsoft.com/office/powerpoint/2015/main" val="1"/>
+              </p:ext>
+            </p:extLst>
+          </p:nvPr>
+        </p:nvSpPr>
+        <p:spPr>
+          <a:xfrm>
+            <a:off x="7383661" y="0"/>
+            <a:ext cx="228600" cy="6858000"/>
+          </a:xfrm>
+          <a:prstGeom prst="rect">
+            <a:avLst/>
+          </a:prstGeom>
+          <a:solidFill>
+            <a:schemeClr val="tx1">
+              <a:lumMod val="50000"/>
+              <a:alpha val="40000"/>
+            </a:schemeClr>
+          </a:solidFill>
+          <a:ln>
+            <a:noFill/>
+          </a:ln>
+        </p:spPr>
+        <p:style>
+          <a:lnRef idx="2">
+            <a:schemeClr val="accent1">
+              <a:shade val="50000"/>
+            </a:schemeClr>
+          </a:lnRef>
+          <a:fillRef idx="1">
+            <a:schemeClr val="accent1"/>
+          </a:fillRef>
+          <a:effectRef idx="0">
+            <a:schemeClr val="accent1"/>
+          </a:effectRef>
+          <a:fontRef idx="minor">
+            <a:schemeClr val="lt1"/>
+          </a:fontRef>
+        </p:style>
+      </p:sp>
+      <p:graphicFrame>
+        <p:nvGraphicFramePr>
+          <p:cNvPr id="6" name="Content Placeholder 2">
+            <a:extLst>
+              <a:ext uri="{FF2B5EF4-FFF2-40B4-BE49-F238E27FC236}">
+                <a16:creationId xmlns:a16="http://schemas.microsoft.com/office/drawing/2014/main" id="{1CDC136B-D099-497D-A086-0FFC4FCC8AAB}"/>
+              </a:ext>
+            </a:extLst>
+          </p:cNvPr>
+          <p:cNvGraphicFramePr>
+            <a:graphicFrameLocks noGrp="1"/>
+          </p:cNvGraphicFramePr>
+          <p:nvPr>
+            <p:ph idx="1"/>
+            <p:extLst>
+              <p:ext uri="{D42A27DB-BD31-4B8C-83A1-F6EECF244321}">
+                <p14:modId xmlns:p14="http://schemas.microsoft.com/office/powerpoint/2010/main" val="1740803607"/>
+              </p:ext>
+            </p:extLst>
+          </p:nvPr>
+        </p:nvGraphicFramePr>
+        <p:xfrm>
+          <a:off x="784225" y="639763"/>
+          <a:ext cx="5959475" cy="5577781"/>
+        </p:xfrm>
+        <a:graphic>
+          <a:graphicData uri="http://schemas.openxmlformats.org/drawingml/2006/diagram">
+            <dgm:relIds xmlns:dgm="http://schemas.openxmlformats.org/drawingml/2006/diagram" xmlns:r="http://schemas.openxmlformats.org/officeDocument/2006/relationships" r:dm="rId3" r:lo="rId4" r:qs="rId5" r:cs="rId6"/>
+          </a:graphicData>
+        </a:graphic>
+      </p:graphicFrame>
+    </p:spTree>
+    <p:extLst>
+      <p:ext uri="{BB962C8B-B14F-4D97-AF65-F5344CB8AC3E}">
+        <p14:creationId xmlns:p14="http://schemas.microsoft.com/office/powerpoint/2010/main" val="2852119807"/>
+      </p:ext>
+    </p:extLst>
+  </p:cSld>
+  <p:clrMapOvr>
+    <a:overrideClrMapping bg1="dk1" tx1="lt1" bg2="dk2" tx2="lt2" accent1="accent1" accent2="accent2" accent3="accent3" accent4="accent4" accent5="accent5" accent6="accent6" hlink="hlink" folHlink="folHlink"/>
+  </p:clrMapOvr>
+</p:sld>
+</file>
+
+<file path=ppt/slides/slide13.xml><?xml version="1.0" encoding="utf-8"?>
 <p:sld xmlns:a="http://schemas.openxmlformats.org/drawingml/2006/main" xmlns:r="http://schemas.openxmlformats.org/officeDocument/2006/relationships" xmlns:p="http://schemas.openxmlformats.org/presentationml/2006/main">
   <p:cSld>
     <p:bg>
@@ -32985,8 +37731,8 @@
         </p:nvSpPr>
         <p:spPr>
           <a:xfrm>
-            <a:off x="2893564" y="6453386"/>
-            <a:ext cx="6280830" cy="404614"/>
+            <a:off x="1773382" y="6453386"/>
+            <a:ext cx="7401012" cy="404614"/>
           </a:xfrm>
         </p:spPr>
         <p:txBody>
@@ -33001,9 +37747,30 @@
               </a:spcAft>
             </a:pPr>
             <a:r>
-              <a:rPr lang="en-US"/>
-              <a:t>@quiltndogs</a:t>
+              <a:rPr lang="en-US" dirty="0"/>
+              <a:t>https://kmr0018.github.io/</a:t>
             </a:r>
+            <a:r>
+              <a:rPr lang="en-US" dirty="0" err="1"/>
+              <a:t>ConnectForward-PubSubOnGCP</a:t>
+            </a:r>
+            <a:r>
+              <a:rPr lang="en-US" dirty="0"/>
+              <a:t>/  @</a:t>
+            </a:r>
+            <a:r>
+              <a:rPr lang="en-US" dirty="0" err="1"/>
+              <a:t>quiltndogs</a:t>
+            </a:r>
+            <a:r>
+              <a:rPr lang="en-US" dirty="0"/>
+              <a:t> </a:t>
+            </a:r>
+            <a:r>
+              <a:rPr lang="en-US" dirty="0" err="1"/>
+              <a:t>karen_m_reeves@homedepot.com</a:t>
+            </a:r>
+            <a:endParaRPr lang="en-US" dirty="0"/>
           </a:p>
         </p:txBody>
       </p:sp>
@@ -33087,7 +37854,7 @@
 </p:sld>
 </file>
 
-<file path=ppt/slides/slide13.xml><?xml version="1.0" encoding="utf-8"?>
+<file path=ppt/slides/slide14.xml><?xml version="1.0" encoding="utf-8"?>
 <p:sld xmlns:a="http://schemas.openxmlformats.org/drawingml/2006/main" xmlns:r="http://schemas.openxmlformats.org/officeDocument/2006/relationships" xmlns:p="http://schemas.openxmlformats.org/presentationml/2006/main">
   <p:cSld>
     <p:bg>
@@ -33400,13 +38167,13 @@
         </p:nvSpPr>
         <p:spPr>
           <a:xfrm>
-            <a:off x="5100824" y="6453386"/>
-            <a:ext cx="4500376" cy="404614"/>
+            <a:off x="3519055" y="6453386"/>
+            <a:ext cx="6733309" cy="404614"/>
           </a:xfrm>
         </p:spPr>
         <p:txBody>
           <a:bodyPr>
-            <a:normAutofit/>
+            <a:normAutofit fontScale="92500"/>
           </a:bodyPr>
           <a:lstStyle/>
           <a:p>
@@ -33416,9 +38183,30 @@
               </a:spcAft>
             </a:pPr>
             <a:r>
-              <a:rPr lang="en-US"/>
-              <a:t>@quiltndogs</a:t>
+              <a:rPr lang="en-US" dirty="0"/>
+              <a:t>https://kmr0018.github.io/</a:t>
             </a:r>
+            <a:r>
+              <a:rPr lang="en-US" dirty="0" err="1"/>
+              <a:t>ConnectForward-PubSubOnGCP</a:t>
+            </a:r>
+            <a:r>
+              <a:rPr lang="en-US" dirty="0"/>
+              <a:t>/  @</a:t>
+            </a:r>
+            <a:r>
+              <a:rPr lang="en-US" dirty="0" err="1"/>
+              <a:t>quiltndogs</a:t>
+            </a:r>
+            <a:r>
+              <a:rPr lang="en-US" dirty="0"/>
+              <a:t> </a:t>
+            </a:r>
+            <a:r>
+              <a:rPr lang="en-US" dirty="0" err="1"/>
+              <a:t>karen_m_reeves@homedepot.com</a:t>
+            </a:r>
+            <a:endParaRPr lang="en-US" dirty="0"/>
           </a:p>
         </p:txBody>
       </p:sp>
@@ -33471,7 +38259,7 @@
 </p:sld>
 </file>
 
-<file path=ppt/slides/slide14.xml><?xml version="1.0" encoding="utf-8"?>
+<file path=ppt/slides/slide15.xml><?xml version="1.0" encoding="utf-8"?>
 <p:sld xmlns:a="http://schemas.openxmlformats.org/drawingml/2006/main" xmlns:r="http://schemas.openxmlformats.org/officeDocument/2006/relationships" xmlns:p="http://schemas.openxmlformats.org/presentationml/2006/main">
   <p:cSld>
     <p:bg>
@@ -33781,8 +38569,8 @@
         </p:nvSpPr>
         <p:spPr>
           <a:xfrm>
-            <a:off x="2893564" y="6453386"/>
-            <a:ext cx="6280830" cy="404614"/>
+            <a:off x="4876799" y="6507621"/>
+            <a:ext cx="8395855" cy="404614"/>
           </a:xfrm>
         </p:spPr>
         <p:txBody>
@@ -33797,7 +38585,7 @@
               </a:spcAft>
             </a:pPr>
             <a:r>
-              <a:rPr lang="en-US" kern="1200" baseline="0">
+              <a:rPr lang="en-US" kern="1200" baseline="0" dirty="0">
                 <a:solidFill>
                   <a:schemeClr val="tx2"/>
                 </a:solidFill>
@@ -33805,8 +38593,71 @@
                 <a:ea typeface="+mn-ea"/>
                 <a:cs typeface="+mn-cs"/>
               </a:rPr>
-              <a:t>@quiltndogs</a:t>
+              <a:t>https://kmr0018.github.io/</a:t>
             </a:r>
+            <a:r>
+              <a:rPr lang="en-US" kern="1200" baseline="0" dirty="0" err="1">
+                <a:solidFill>
+                  <a:schemeClr val="tx2"/>
+                </a:solidFill>
+                <a:latin typeface="+mn-lt"/>
+                <a:ea typeface="+mn-ea"/>
+                <a:cs typeface="+mn-cs"/>
+              </a:rPr>
+              <a:t>ConnectForward-PubSubOnGCP</a:t>
+            </a:r>
+            <a:r>
+              <a:rPr lang="en-US" kern="1200" baseline="0" dirty="0">
+                <a:solidFill>
+                  <a:schemeClr val="tx2"/>
+                </a:solidFill>
+                <a:latin typeface="+mn-lt"/>
+                <a:ea typeface="+mn-ea"/>
+                <a:cs typeface="+mn-cs"/>
+              </a:rPr>
+              <a:t>/  @</a:t>
+            </a:r>
+            <a:r>
+              <a:rPr lang="en-US" kern="1200" baseline="0" dirty="0" err="1">
+                <a:solidFill>
+                  <a:schemeClr val="tx2"/>
+                </a:solidFill>
+                <a:latin typeface="+mn-lt"/>
+                <a:ea typeface="+mn-ea"/>
+                <a:cs typeface="+mn-cs"/>
+              </a:rPr>
+              <a:t>quiltndogs</a:t>
+            </a:r>
+            <a:r>
+              <a:rPr lang="en-US" kern="1200" baseline="0" dirty="0">
+                <a:solidFill>
+                  <a:schemeClr val="tx2"/>
+                </a:solidFill>
+                <a:latin typeface="+mn-lt"/>
+                <a:ea typeface="+mn-ea"/>
+                <a:cs typeface="+mn-cs"/>
+              </a:rPr>
+              <a:t> </a:t>
+            </a:r>
+            <a:r>
+              <a:rPr lang="en-US" kern="1200" baseline="0" dirty="0" err="1">
+                <a:solidFill>
+                  <a:schemeClr val="tx2"/>
+                </a:solidFill>
+                <a:latin typeface="+mn-lt"/>
+                <a:ea typeface="+mn-ea"/>
+                <a:cs typeface="+mn-cs"/>
+              </a:rPr>
+              <a:t>karen_m_reeves@homedepot.com</a:t>
+            </a:r>
+            <a:endParaRPr lang="en-US" kern="1200" baseline="0" dirty="0">
+              <a:solidFill>
+                <a:schemeClr val="tx2"/>
+              </a:solidFill>
+              <a:latin typeface="+mn-lt"/>
+              <a:ea typeface="+mn-ea"/>
+              <a:cs typeface="+mn-cs"/>
+            </a:endParaRPr>
           </a:p>
         </p:txBody>
       </p:sp>
@@ -33859,7 +38710,7 @@
 </p:sld>
 </file>
 
-<file path=ppt/slides/slide15.xml><?xml version="1.0" encoding="utf-8"?>
+<file path=ppt/slides/slide16.xml><?xml version="1.0" encoding="utf-8"?>
 <p:sld xmlns:a="http://schemas.openxmlformats.org/drawingml/2006/main" xmlns:r="http://schemas.openxmlformats.org/officeDocument/2006/relationships" xmlns:p="http://schemas.openxmlformats.org/presentationml/2006/main">
   <p:cSld>
     <p:bg>
@@ -34058,7 +38909,7 @@
         </p:spPr>
         <p:txBody>
           <a:bodyPr vert="horz" lIns="91440" tIns="45720" rIns="91440" bIns="45720" rtlCol="0">
-            <a:normAutofit/>
+            <a:normAutofit fontScale="92500" lnSpcReduction="20000"/>
           </a:bodyPr>
           <a:lstStyle/>
           <a:p>
@@ -34122,12 +38973,77 @@
               <a:spcAft>
                 <a:spcPts val="200"/>
               </a:spcAft>
+              <a:buFont typeface="Arial" panose="020B0604020202020204" pitchFamily="34" charset="0"/>
+              <a:buChar char="•"/>
             </a:pPr>
             <a:r>
               <a:rPr lang="en-US" sz="2000" dirty="0">
                 <a:hlinkClick r:id="rId2"/>
               </a:rPr>
-              <a:t>karen_m_reeves@homedepot.com</a:t>
+              <a:t>Email: karen_m_reeves@homedepot.com</a:t>
+            </a:r>
+            <a:endParaRPr lang="en-US" sz="2000" dirty="0"/>
+          </a:p>
+          <a:p>
+            <a:pPr marL="384048" indent="-384048">
+              <a:lnSpc>
+                <a:spcPct val="94000"/>
+              </a:lnSpc>
+              <a:spcAft>
+                <a:spcPts val="200"/>
+              </a:spcAft>
+              <a:buFont typeface="Arial" panose="020B0604020202020204" pitchFamily="34" charset="0"/>
+              <a:buChar char="•"/>
+            </a:pPr>
+            <a:r>
+              <a:rPr lang="en-US" sz="2000" dirty="0">
+                <a:hlinkClick r:id="rId3"/>
+              </a:rPr>
+              <a:t>LinkedIn: karenmreeves</a:t>
+            </a:r>
+            <a:endParaRPr lang="en-US" sz="2000" dirty="0"/>
+          </a:p>
+          <a:p>
+            <a:pPr marL="384048" indent="-384048">
+              <a:lnSpc>
+                <a:spcPct val="94000"/>
+              </a:lnSpc>
+              <a:spcAft>
+                <a:spcPts val="200"/>
+              </a:spcAft>
+              <a:buFont typeface="Arial" panose="020B0604020202020204" pitchFamily="34" charset="0"/>
+              <a:buChar char="•"/>
+            </a:pPr>
+            <a:r>
+              <a:rPr lang="en-US" sz="2000" dirty="0"/>
+              <a:t>Twitter: @</a:t>
+            </a:r>
+            <a:r>
+              <a:rPr lang="en-US" sz="2000" dirty="0" err="1"/>
+              <a:t>quiltndogs</a:t>
+            </a:r>
+            <a:endParaRPr lang="en-US" sz="2000" dirty="0"/>
+          </a:p>
+          <a:p>
+            <a:pPr marL="384048" indent="-384048">
+              <a:lnSpc>
+                <a:spcPct val="94000"/>
+              </a:lnSpc>
+              <a:spcAft>
+                <a:spcPts val="200"/>
+              </a:spcAft>
+              <a:buFont typeface="Arial" panose="020B0604020202020204" pitchFamily="34" charset="0"/>
+              <a:buChar char="•"/>
+            </a:pPr>
+            <a:r>
+              <a:rPr lang="en-US" sz="2000" dirty="0"/>
+              <a:t>Slide Deck: </a:t>
+            </a:r>
+            <a:r>
+              <a:rPr lang="en-US" sz="2000" dirty="0">
+                <a:hlinkClick r:id="rId4"/>
+              </a:rPr>
+              <a:t>https://kmr0018.github.io/ConnectForward-PubSubOnGCP/</a:t>
             </a:r>
             <a:endParaRPr lang="en-US" sz="2000" dirty="0"/>
           </a:p>
@@ -34140,12 +39056,17 @@
                 <a:spcPts val="200"/>
               </a:spcAft>
             </a:pPr>
-            <a:r>
-              <a:rPr lang="en-US" sz="2000" dirty="0">
-                <a:hlinkClick r:id="rId3"/>
-              </a:rPr>
-              <a:t>https://www.linkedin.com/in/karenmreeves/</a:t>
-            </a:r>
+            <a:endParaRPr lang="en-US" sz="2000" dirty="0"/>
+          </a:p>
+          <a:p>
+            <a:pPr marL="384048" indent="-384048">
+              <a:lnSpc>
+                <a:spcPct val="94000"/>
+              </a:lnSpc>
+              <a:spcAft>
+                <a:spcPts val="200"/>
+              </a:spcAft>
+            </a:pPr>
             <a:endParaRPr lang="en-US" sz="2000" dirty="0"/>
           </a:p>
           <a:p>
@@ -34170,38 +39091,8 @@
             </a:pPr>
             <a:r>
               <a:rPr lang="en-US" dirty="0"/>
-              <a:t>Karen is a software engineer at Home Depot working on GCP, Java Microservices and React.  She has 22 years experience in Java and Web Development.  In her spare time she plays dog sports with her dogs and quilts, which explains her twitter handle.</a:t>
+              <a:t>Karen is a software engineer at Home Depot working on GCP, Java Microservices and React.  She has 22 years experience in Java and Web Development.  In her spare time she plays dog sports with her dogs and quilts, which explains her twitter and IG handle.</a:t>
             </a:r>
-          </a:p>
-          <a:p>
-            <a:pPr algn="ctr">
-              <a:lnSpc>
-                <a:spcPct val="94000"/>
-              </a:lnSpc>
-              <a:spcAft>
-                <a:spcPts val="200"/>
-              </a:spcAft>
-            </a:pPr>
-            <a:endParaRPr lang="en-US" dirty="0"/>
-          </a:p>
-          <a:p>
-            <a:pPr algn="ctr">
-              <a:lnSpc>
-                <a:spcPct val="94000"/>
-              </a:lnSpc>
-              <a:spcAft>
-                <a:spcPts val="200"/>
-              </a:spcAft>
-            </a:pPr>
-            <a:r>
-              <a:rPr lang="en-US" dirty="0"/>
-              <a:t>@</a:t>
-            </a:r>
-            <a:r>
-              <a:rPr lang="en-US" dirty="0" err="1"/>
-              <a:t>quiltndogs</a:t>
-            </a:r>
-            <a:endParaRPr lang="en-US" dirty="0"/>
           </a:p>
           <a:p>
             <a:pPr marL="384048" indent="-384048">
@@ -34232,14 +39123,39 @@
             <p:ph type="ftr" sz="quarter" idx="11"/>
           </p:nvPr>
         </p:nvSpPr>
-        <p:spPr/>
+        <p:spPr>
+          <a:xfrm>
+            <a:off x="775274" y="6453386"/>
+            <a:ext cx="8645817" cy="404614"/>
+          </a:xfrm>
+        </p:spPr>
         <p:txBody>
           <a:bodyPr/>
           <a:lstStyle/>
           <a:p>
             <a:r>
-              <a:rPr lang="en-US"/>
-              <a:t>@quiltndogs</a:t>
+              <a:rPr lang="en-US" dirty="0"/>
+              <a:t>https://kmr0018.github.io/</a:t>
+            </a:r>
+            <a:r>
+              <a:rPr lang="en-US" dirty="0" err="1"/>
+              <a:t>ConnectForward-PubSubOnGCP</a:t>
+            </a:r>
+            <a:r>
+              <a:rPr lang="en-US" dirty="0"/>
+              <a:t>/  @</a:t>
+            </a:r>
+            <a:r>
+              <a:rPr lang="en-US" dirty="0" err="1"/>
+              <a:t>quiltndogs</a:t>
+            </a:r>
+            <a:r>
+              <a:rPr lang="en-US" dirty="0"/>
+              <a:t> </a:t>
+            </a:r>
+            <a:r>
+              <a:rPr lang="en-US" dirty="0" err="1"/>
+              <a:t>karen_m_reeves@homedepot.com</a:t>
             </a:r>
             <a:endParaRPr lang="en-US" dirty="0"/>
           </a:p>
@@ -34260,10 +39176,10 @@
           <p:nvPr/>
         </p:nvPicPr>
         <p:blipFill>
-          <a:blip r:embed="rId4">
+          <a:blip r:embed="rId5">
             <a:extLst>
               <a:ext uri="{96DAC541-7B7A-43D3-8B79-37D633B846F1}">
-                <asvg:svgBlip xmlns:asvg="http://schemas.microsoft.com/office/drawing/2016/SVG/main" r:embed="rId5"/>
+                <asvg:svgBlip xmlns:asvg="http://schemas.microsoft.com/office/drawing/2016/SVG/main" r:embed="rId6"/>
               </a:ext>
             </a:extLst>
           </a:blip>
@@ -34298,7 +39214,7 @@
           </p:nvPr>
         </p:nvPicPr>
         <p:blipFill rotWithShape="1">
-          <a:blip r:embed="rId6"/>
+          <a:blip r:embed="rId7"/>
           <a:srcRect r="-2" b="902"/>
           <a:stretch/>
         </p:blipFill>
@@ -34327,7 +39243,7 @@
           <p:nvPr/>
         </p:nvPicPr>
         <p:blipFill>
-          <a:blip r:embed="rId7"/>
+          <a:blip r:embed="rId8"/>
           <a:stretch>
             <a:fillRect/>
           </a:stretch>
@@ -34357,7 +39273,7 @@
           <p:nvPr/>
         </p:nvPicPr>
         <p:blipFill>
-          <a:blip r:embed="rId8"/>
+          <a:blip r:embed="rId9"/>
           <a:stretch>
             <a:fillRect/>
           </a:stretch>
@@ -34387,7 +39303,7 @@
           <p:nvPr/>
         </p:nvPicPr>
         <p:blipFill>
-          <a:blip r:embed="rId9"/>
+          <a:blip r:embed="rId10"/>
           <a:stretch>
             <a:fillRect/>
           </a:stretch>
@@ -34415,7 +39331,7 @@
 </p:sld>
 </file>
 
-<file path=ppt/slides/slide16.xml><?xml version="1.0" encoding="utf-8"?>
+<file path=ppt/slides/slide17.xml><?xml version="1.0" encoding="utf-8"?>
 <p:sld xmlns:a="http://schemas.openxmlformats.org/drawingml/2006/main" xmlns:r="http://schemas.openxmlformats.org/officeDocument/2006/relationships" xmlns:p="http://schemas.openxmlformats.org/presentationml/2006/main">
   <p:cSld>
     <p:bg>
@@ -34793,8 +39709,8 @@
         </p:nvSpPr>
         <p:spPr>
           <a:xfrm>
-            <a:off x="5100824" y="6453386"/>
-            <a:ext cx="4500376" cy="404614"/>
+            <a:off x="1593273" y="6453386"/>
+            <a:ext cx="8007927" cy="404614"/>
           </a:xfrm>
         </p:spPr>
         <p:txBody>
@@ -34809,9 +39725,30 @@
               </a:spcAft>
             </a:pPr>
             <a:r>
-              <a:rPr lang="en-US"/>
-              <a:t>@quiltndogs</a:t>
+              <a:rPr lang="en-US" dirty="0"/>
+              <a:t>https://kmr0018.github.io/</a:t>
             </a:r>
+            <a:r>
+              <a:rPr lang="en-US" dirty="0" err="1"/>
+              <a:t>ConnectForward-PubSubOnGCP</a:t>
+            </a:r>
+            <a:r>
+              <a:rPr lang="en-US" dirty="0"/>
+              <a:t>/  @</a:t>
+            </a:r>
+            <a:r>
+              <a:rPr lang="en-US" dirty="0" err="1"/>
+              <a:t>quiltndogs</a:t>
+            </a:r>
+            <a:r>
+              <a:rPr lang="en-US" dirty="0"/>
+              <a:t> </a:t>
+            </a:r>
+            <a:r>
+              <a:rPr lang="en-US" dirty="0" err="1"/>
+              <a:t>karen_m_reeves@homedepot.com</a:t>
+            </a:r>
+            <a:endParaRPr lang="en-US" dirty="0"/>
           </a:p>
         </p:txBody>
       </p:sp>
@@ -34931,12 +39868,8 @@
           <a:lstStyle/>
           <a:p>
             <a:r>
-              <a:rPr lang="en-US" dirty="0"/>
-              <a:t>@</a:t>
-            </a:r>
-            <a:r>
-              <a:rPr lang="en-US" dirty="0" err="1"/>
-              <a:t>quiltndogs</a:t>
+              <a:rPr lang="en-US"/>
+              <a:t>https://kmr0018.github.io/ConnectForward-PubSubOnGCP/  @quiltndogs karen_m_reeves@homedepot.com</a:t>
             </a:r>
             <a:endParaRPr lang="en-US" dirty="0"/>
           </a:p>
@@ -35131,18 +40064,39 @@
             <p:ph type="ftr" sz="quarter" idx="11"/>
           </p:nvPr>
         </p:nvSpPr>
-        <p:spPr/>
+        <p:spPr>
+          <a:xfrm>
+            <a:off x="152401" y="6453386"/>
+            <a:ext cx="4427220" cy="404614"/>
+          </a:xfrm>
+        </p:spPr>
         <p:txBody>
           <a:bodyPr/>
           <a:lstStyle/>
           <a:p>
             <a:r>
               <a:rPr lang="en-US" dirty="0"/>
-              <a:t>@</a:t>
+              <a:t>https://kmr0018.github.io/</a:t>
+            </a:r>
+            <a:r>
+              <a:rPr lang="en-US" dirty="0" err="1"/>
+              <a:t>ConnectForward-PubSubOnGCP</a:t>
+            </a:r>
+            <a:r>
+              <a:rPr lang="en-US" dirty="0"/>
+              <a:t>/  @</a:t>
             </a:r>
             <a:r>
               <a:rPr lang="en-US" dirty="0" err="1"/>
               <a:t>quiltndogs</a:t>
+            </a:r>
+            <a:r>
+              <a:rPr lang="en-US" dirty="0"/>
+              <a:t> </a:t>
+            </a:r>
+            <a:r>
+              <a:rPr lang="en-US" dirty="0" err="1"/>
+              <a:t>karen_m_reeves@homedepot.com</a:t>
             </a:r>
             <a:endParaRPr lang="en-US" dirty="0"/>
           </a:p>
@@ -35277,8 +40231,8 @@
         </p:nvSpPr>
         <p:spPr>
           <a:xfrm>
-            <a:off x="2893564" y="6453386"/>
-            <a:ext cx="6280830" cy="404614"/>
+            <a:off x="983673" y="6453386"/>
+            <a:ext cx="8190721" cy="404614"/>
           </a:xfrm>
         </p:spPr>
         <p:txBody>
@@ -35293,9 +40247,30 @@
               </a:spcAft>
             </a:pPr>
             <a:r>
-              <a:rPr lang="en-US"/>
-              <a:t>@quiltndogs</a:t>
+              <a:rPr lang="en-US" dirty="0"/>
+              <a:t>https://kmr0018.github.io/</a:t>
             </a:r>
+            <a:r>
+              <a:rPr lang="en-US" dirty="0" err="1"/>
+              <a:t>ConnectForward-PubSubOnGCP</a:t>
+            </a:r>
+            <a:r>
+              <a:rPr lang="en-US" dirty="0"/>
+              <a:t>/  @</a:t>
+            </a:r>
+            <a:r>
+              <a:rPr lang="en-US" dirty="0" err="1"/>
+              <a:t>quiltndogs</a:t>
+            </a:r>
+            <a:r>
+              <a:rPr lang="en-US" dirty="0"/>
+              <a:t> </a:t>
+            </a:r>
+            <a:r>
+              <a:rPr lang="en-US" dirty="0" err="1"/>
+              <a:t>karen_m_reeves@homedepot.com</a:t>
+            </a:r>
+            <a:endParaRPr lang="en-US" dirty="0"/>
           </a:p>
         </p:txBody>
       </p:sp>
@@ -35447,14 +40422,39 @@
             <p:ph type="ftr" sz="quarter" idx="11"/>
           </p:nvPr>
         </p:nvSpPr>
-        <p:spPr/>
+        <p:spPr>
+          <a:xfrm>
+            <a:off x="1330036" y="6453386"/>
+            <a:ext cx="7844358" cy="404614"/>
+          </a:xfrm>
+        </p:spPr>
         <p:txBody>
           <a:bodyPr/>
           <a:lstStyle/>
           <a:p>
             <a:r>
-              <a:rPr lang="en-US"/>
-              <a:t>@quiltndogs    https://cloud.google.com/pubsub/images/many-to-many.svg</a:t>
+              <a:rPr lang="en-US" dirty="0"/>
+              <a:t>https://kmr0018.github.io/</a:t>
+            </a:r>
+            <a:r>
+              <a:rPr lang="en-US" dirty="0" err="1"/>
+              <a:t>ConnectForward-PubSubOnGCP</a:t>
+            </a:r>
+            <a:r>
+              <a:rPr lang="en-US" dirty="0"/>
+              <a:t>/  @</a:t>
+            </a:r>
+            <a:r>
+              <a:rPr lang="en-US" dirty="0" err="1"/>
+              <a:t>quiltndogs</a:t>
+            </a:r>
+            <a:r>
+              <a:rPr lang="en-US" dirty="0"/>
+              <a:t> </a:t>
+            </a:r>
+            <a:r>
+              <a:rPr lang="en-US" dirty="0" err="1"/>
+              <a:t>karen_m_reeves@homedepot.com</a:t>
             </a:r>
             <a:endParaRPr lang="en-US" dirty="0"/>
           </a:p>
@@ -35677,13 +40677,13 @@
         </p:nvSpPr>
         <p:spPr>
           <a:xfrm>
-            <a:off x="848420" y="6453386"/>
-            <a:ext cx="6280830" cy="404614"/>
+            <a:off x="180109" y="6453386"/>
+            <a:ext cx="6949141" cy="404614"/>
           </a:xfrm>
         </p:spPr>
         <p:txBody>
           <a:bodyPr>
-            <a:normAutofit/>
+            <a:normAutofit fontScale="92500"/>
           </a:bodyPr>
           <a:lstStyle/>
           <a:p>
@@ -35693,9 +40693,30 @@
               </a:spcAft>
             </a:pPr>
             <a:r>
-              <a:rPr lang="en-US"/>
-              <a:t>@quiltndogs</a:t>
+              <a:rPr lang="en-US" dirty="0"/>
+              <a:t>https://kmr0018.github.io/</a:t>
             </a:r>
+            <a:r>
+              <a:rPr lang="en-US" dirty="0" err="1"/>
+              <a:t>ConnectForward-PubSubOnGCP</a:t>
+            </a:r>
+            <a:r>
+              <a:rPr lang="en-US" dirty="0"/>
+              <a:t>/  @</a:t>
+            </a:r>
+            <a:r>
+              <a:rPr lang="en-US" dirty="0" err="1"/>
+              <a:t>quiltndogs</a:t>
+            </a:r>
+            <a:r>
+              <a:rPr lang="en-US" dirty="0"/>
+              <a:t> </a:t>
+            </a:r>
+            <a:r>
+              <a:rPr lang="en-US" dirty="0" err="1"/>
+              <a:t>karen_m_reeves@homedepot.com</a:t>
+            </a:r>
+            <a:endParaRPr lang="en-US" dirty="0"/>
           </a:p>
         </p:txBody>
       </p:sp>
@@ -35862,7 +40883,7 @@
             <p:ph idx="1"/>
             <p:extLst>
               <p:ext uri="{D42A27DB-BD31-4B8C-83A1-F6EECF244321}">
-                <p14:modId xmlns:p14="http://schemas.microsoft.com/office/powerpoint/2010/main" val="3093347695"/>
+                <p14:modId xmlns:p14="http://schemas.microsoft.com/office/powerpoint/2010/main" val="4197242453"/>
               </p:ext>
             </p:extLst>
           </p:nvPr>
@@ -35873,7 +40894,7 @@
         </p:xfrm>
         <a:graphic>
           <a:graphicData uri="http://schemas.openxmlformats.org/drawingml/2006/diagram">
-            <dgm:relIds xmlns:dgm="http://schemas.openxmlformats.org/drawingml/2006/diagram" xmlns:r="http://schemas.openxmlformats.org/officeDocument/2006/relationships" r:dm="rId2" r:lo="rId3" r:qs="rId4" r:cs="rId5"/>
+            <dgm:relIds xmlns:dgm="http://schemas.openxmlformats.org/drawingml/2006/diagram" xmlns:r="http://schemas.openxmlformats.org/officeDocument/2006/relationships" r:dm="rId3" r:lo="rId4" r:qs="rId5" r:cs="rId6"/>
           </a:graphicData>
         </a:graphic>
       </p:graphicFrame>
@@ -35893,14 +40914,39 @@
             <p:ph type="ftr" sz="quarter" idx="11"/>
           </p:nvPr>
         </p:nvSpPr>
-        <p:spPr/>
+        <p:spPr>
+          <a:xfrm>
+            <a:off x="1421026" y="6453386"/>
+            <a:ext cx="7753368" cy="404614"/>
+          </a:xfrm>
+        </p:spPr>
         <p:txBody>
           <a:bodyPr/>
           <a:lstStyle/>
           <a:p>
             <a:r>
-              <a:rPr lang="en-US"/>
-              <a:t>@quiltndogs</a:t>
+              <a:rPr lang="en-US" dirty="0"/>
+              <a:t>https://kmr0018.github.io/</a:t>
+            </a:r>
+            <a:r>
+              <a:rPr lang="en-US" dirty="0" err="1"/>
+              <a:t>ConnectForward-PubSubOnGCP</a:t>
+            </a:r>
+            <a:r>
+              <a:rPr lang="en-US" dirty="0"/>
+              <a:t>/  @</a:t>
+            </a:r>
+            <a:r>
+              <a:rPr lang="en-US" dirty="0" err="1"/>
+              <a:t>quiltndogs</a:t>
+            </a:r>
+            <a:r>
+              <a:rPr lang="en-US" dirty="0"/>
+              <a:t> </a:t>
+            </a:r>
+            <a:r>
+              <a:rPr lang="en-US" dirty="0" err="1"/>
+              <a:t>karen_m_reeves@homedepot.com</a:t>
             </a:r>
             <a:endParaRPr lang="en-US" dirty="0"/>
           </a:p>
@@ -35921,10 +40967,10 @@
           <p:nvPr/>
         </p:nvPicPr>
         <p:blipFill>
-          <a:blip r:embed="rId7">
+          <a:blip r:embed="rId8">
             <a:extLst>
               <a:ext uri="{96DAC541-7B7A-43D3-8B79-37D633B846F1}">
-                <asvg:svgBlip xmlns:asvg="http://schemas.microsoft.com/office/drawing/2016/SVG/main" r:embed="rId8"/>
+                <asvg:svgBlip xmlns:asvg="http://schemas.microsoft.com/office/drawing/2016/SVG/main" r:embed="rId9"/>
               </a:ext>
             </a:extLst>
           </a:blip>
@@ -36093,13 +41139,13 @@
         </p:nvSpPr>
         <p:spPr>
           <a:xfrm>
-            <a:off x="848420" y="6453386"/>
-            <a:ext cx="6280830" cy="404614"/>
+            <a:off x="207818" y="6453386"/>
+            <a:ext cx="6921432" cy="404614"/>
           </a:xfrm>
         </p:spPr>
         <p:txBody>
           <a:bodyPr>
-            <a:normAutofit/>
+            <a:normAutofit fontScale="92500"/>
           </a:bodyPr>
           <a:lstStyle/>
           <a:p>
@@ -36109,9 +41155,30 @@
               </a:spcAft>
             </a:pPr>
             <a:r>
-              <a:rPr lang="en-US"/>
-              <a:t>@quiltndogs</a:t>
+              <a:rPr lang="en-US" dirty="0"/>
+              <a:t>https://kmr0018.github.io/</a:t>
             </a:r>
+            <a:r>
+              <a:rPr lang="en-US" dirty="0" err="1"/>
+              <a:t>ConnectForward-PubSubOnGCP</a:t>
+            </a:r>
+            <a:r>
+              <a:rPr lang="en-US" dirty="0"/>
+              <a:t>/  @</a:t>
+            </a:r>
+            <a:r>
+              <a:rPr lang="en-US" dirty="0" err="1"/>
+              <a:t>quiltndogs</a:t>
+            </a:r>
+            <a:r>
+              <a:rPr lang="en-US" dirty="0"/>
+              <a:t> </a:t>
+            </a:r>
+            <a:r>
+              <a:rPr lang="en-US" dirty="0" err="1"/>
+              <a:t>karen_m_reeves@homedepot.com</a:t>
+            </a:r>
+            <a:endParaRPr lang="en-US" dirty="0"/>
           </a:p>
         </p:txBody>
       </p:sp>
@@ -36460,7 +41527,7 @@
         </p:spPr>
         <p:txBody>
           <a:bodyPr>
-            <a:normAutofit/>
+            <a:normAutofit fontScale="92500" lnSpcReduction="10000"/>
           </a:bodyPr>
           <a:lstStyle/>
           <a:p>
@@ -36471,7 +41538,7 @@
             </a:pPr>
             <a:r>
               <a:rPr lang="en-US"/>
-              <a:t>@quiltndogs</a:t>
+              <a:t>https://kmr0018.github.io/ConnectForward-PubSubOnGCP/  @quiltndogs karen_m_reeves@homedepot.com</a:t>
             </a:r>
           </a:p>
         </p:txBody>

--- a/PubSubGcpPresentation.pptx
+++ b/PubSubGcpPresentation.pptx
@@ -5,7 +5,7 @@
     <p:sldMasterId id="2147483864" r:id="rId1"/>
   </p:sldMasterIdLst>
   <p:notesMasterIdLst>
-    <p:notesMasterId r:id="rId19"/>
+    <p:notesMasterId r:id="rId17"/>
   </p:notesMasterIdLst>
   <p:sldIdLst>
     <p:sldId id="256" r:id="rId2"/>
@@ -17,14 +17,12 @@
     <p:sldId id="262" r:id="rId8"/>
     <p:sldId id="263" r:id="rId9"/>
     <p:sldId id="264" r:id="rId10"/>
-    <p:sldId id="265" r:id="rId11"/>
-    <p:sldId id="268" r:id="rId12"/>
-    <p:sldId id="273" r:id="rId13"/>
-    <p:sldId id="266" r:id="rId14"/>
-    <p:sldId id="267" r:id="rId15"/>
-    <p:sldId id="272" r:id="rId16"/>
-    <p:sldId id="258" r:id="rId17"/>
-    <p:sldId id="270" r:id="rId18"/>
+    <p:sldId id="273" r:id="rId11"/>
+    <p:sldId id="266" r:id="rId12"/>
+    <p:sldId id="267" r:id="rId13"/>
+    <p:sldId id="272" r:id="rId14"/>
+    <p:sldId id="258" r:id="rId15"/>
+    <p:sldId id="270" r:id="rId16"/>
   </p:sldIdLst>
   <p:sldSz cx="12192000" cy="6858000"/>
   <p:notesSz cx="6858000" cy="9144000"/>
@@ -5004,788 +5002,6 @@
 </file>
 
 <file path=ppt/diagrams/colors7.xml><?xml version="1.0" encoding="utf-8"?>
-<dgm:colorsDef xmlns:dgm="http://schemas.openxmlformats.org/drawingml/2006/diagram" xmlns:a="http://schemas.openxmlformats.org/drawingml/2006/main" uniqueId="urn:microsoft.com/office/officeart/2005/8/colors/colorful2">
-  <dgm:title val=""/>
-  <dgm:desc val=""/>
-  <dgm:catLst>
-    <dgm:cat type="colorful" pri="10200"/>
-  </dgm:catLst>
-  <dgm:styleLbl name="node0">
-    <dgm:fillClrLst meth="repeat">
-      <a:schemeClr val="accent1"/>
-    </dgm:fillClrLst>
-    <dgm:linClrLst meth="repeat">
-      <a:schemeClr val="lt1"/>
-    </dgm:linClrLst>
-    <dgm:effectClrLst/>
-    <dgm:txLinClrLst/>
-    <dgm:txFillClrLst/>
-    <dgm:txEffectClrLst/>
-  </dgm:styleLbl>
-  <dgm:styleLbl name="node1">
-    <dgm:fillClrLst>
-      <a:schemeClr val="accent2"/>
-      <a:schemeClr val="accent3"/>
-    </dgm:fillClrLst>
-    <dgm:linClrLst meth="repeat">
-      <a:schemeClr val="lt1"/>
-    </dgm:linClrLst>
-    <dgm:effectClrLst/>
-    <dgm:txLinClrLst/>
-    <dgm:txFillClrLst/>
-    <dgm:txEffectClrLst/>
-  </dgm:styleLbl>
-  <dgm:styleLbl name="alignNode1">
-    <dgm:fillClrLst>
-      <a:schemeClr val="accent2"/>
-      <a:schemeClr val="accent3"/>
-    </dgm:fillClrLst>
-    <dgm:linClrLst>
-      <a:schemeClr val="accent2"/>
-      <a:schemeClr val="accent3"/>
-    </dgm:linClrLst>
-    <dgm:effectClrLst/>
-    <dgm:txLinClrLst/>
-    <dgm:txFillClrLst/>
-    <dgm:txEffectClrLst/>
-  </dgm:styleLbl>
-  <dgm:styleLbl name="lnNode1">
-    <dgm:fillClrLst>
-      <a:schemeClr val="accent2"/>
-      <a:schemeClr val="accent3"/>
-    </dgm:fillClrLst>
-    <dgm:linClrLst meth="repeat">
-      <a:schemeClr val="lt1"/>
-    </dgm:linClrLst>
-    <dgm:effectClrLst/>
-    <dgm:txLinClrLst/>
-    <dgm:txFillClrLst/>
-    <dgm:txEffectClrLst/>
-  </dgm:styleLbl>
-  <dgm:styleLbl name="vennNode1">
-    <dgm:fillClrLst>
-      <a:schemeClr val="accent2">
-        <a:alpha val="50000"/>
-      </a:schemeClr>
-      <a:schemeClr val="accent3">
-        <a:alpha val="50000"/>
-      </a:schemeClr>
-    </dgm:fillClrLst>
-    <dgm:linClrLst meth="repeat">
-      <a:schemeClr val="lt1"/>
-    </dgm:linClrLst>
-    <dgm:effectClrLst/>
-    <dgm:txLinClrLst/>
-    <dgm:txFillClrLst/>
-    <dgm:txEffectClrLst/>
-  </dgm:styleLbl>
-  <dgm:styleLbl name="node2">
-    <dgm:fillClrLst>
-      <a:schemeClr val="accent3"/>
-    </dgm:fillClrLst>
-    <dgm:linClrLst meth="repeat">
-      <a:schemeClr val="lt1"/>
-    </dgm:linClrLst>
-    <dgm:effectClrLst/>
-    <dgm:txLinClrLst/>
-    <dgm:txFillClrLst/>
-    <dgm:txEffectClrLst/>
-  </dgm:styleLbl>
-  <dgm:styleLbl name="node3">
-    <dgm:fillClrLst>
-      <a:schemeClr val="accent4"/>
-    </dgm:fillClrLst>
-    <dgm:linClrLst meth="repeat">
-      <a:schemeClr val="lt1"/>
-    </dgm:linClrLst>
-    <dgm:effectClrLst/>
-    <dgm:txLinClrLst/>
-    <dgm:txFillClrLst/>
-    <dgm:txEffectClrLst/>
-  </dgm:styleLbl>
-  <dgm:styleLbl name="node4">
-    <dgm:fillClrLst>
-      <a:schemeClr val="accent5"/>
-    </dgm:fillClrLst>
-    <dgm:linClrLst meth="repeat">
-      <a:schemeClr val="lt1"/>
-    </dgm:linClrLst>
-    <dgm:effectClrLst/>
-    <dgm:txLinClrLst/>
-    <dgm:txFillClrLst/>
-    <dgm:txEffectClrLst/>
-  </dgm:styleLbl>
-  <dgm:styleLbl name="fgImgPlace1">
-    <dgm:fillClrLst>
-      <a:schemeClr val="accent2">
-        <a:tint val="50000"/>
-      </a:schemeClr>
-      <a:schemeClr val="accent3">
-        <a:tint val="50000"/>
-      </a:schemeClr>
-    </dgm:fillClrLst>
-    <dgm:linClrLst meth="repeat">
-      <a:schemeClr val="lt1"/>
-    </dgm:linClrLst>
-    <dgm:effectClrLst/>
-    <dgm:txLinClrLst/>
-    <dgm:txFillClrLst meth="repeat">
-      <a:schemeClr val="lt1"/>
-    </dgm:txFillClrLst>
-    <dgm:txEffectClrLst/>
-  </dgm:styleLbl>
-  <dgm:styleLbl name="alignImgPlace1">
-    <dgm:fillClrLst>
-      <a:schemeClr val="accent2">
-        <a:tint val="50000"/>
-      </a:schemeClr>
-      <a:schemeClr val="accent3">
-        <a:tint val="20000"/>
-      </a:schemeClr>
-    </dgm:fillClrLst>
-    <dgm:linClrLst meth="repeat">
-      <a:schemeClr val="lt1"/>
-    </dgm:linClrLst>
-    <dgm:effectClrLst/>
-    <dgm:txLinClrLst/>
-    <dgm:txFillClrLst meth="repeat">
-      <a:schemeClr val="lt1"/>
-    </dgm:txFillClrLst>
-    <dgm:txEffectClrLst/>
-  </dgm:styleLbl>
-  <dgm:styleLbl name="bgImgPlace1">
-    <dgm:fillClrLst>
-      <a:schemeClr val="accent2">
-        <a:tint val="50000"/>
-      </a:schemeClr>
-      <a:schemeClr val="accent3">
-        <a:tint val="20000"/>
-      </a:schemeClr>
-    </dgm:fillClrLst>
-    <dgm:linClrLst meth="repeat">
-      <a:schemeClr val="lt1"/>
-    </dgm:linClrLst>
-    <dgm:effectClrLst/>
-    <dgm:txLinClrLst/>
-    <dgm:txFillClrLst meth="repeat">
-      <a:schemeClr val="lt1"/>
-    </dgm:txFillClrLst>
-    <dgm:txEffectClrLst/>
-  </dgm:styleLbl>
-  <dgm:styleLbl name="sibTrans2D1">
-    <dgm:fillClrLst>
-      <a:schemeClr val="accent2"/>
-      <a:schemeClr val="accent3"/>
-    </dgm:fillClrLst>
-    <dgm:linClrLst meth="repeat">
-      <a:schemeClr val="lt1"/>
-    </dgm:linClrLst>
-    <dgm:effectClrLst/>
-    <dgm:txLinClrLst/>
-    <dgm:txFillClrLst/>
-    <dgm:txEffectClrLst/>
-  </dgm:styleLbl>
-  <dgm:styleLbl name="fgSibTrans2D1">
-    <dgm:fillClrLst>
-      <a:schemeClr val="accent2"/>
-      <a:schemeClr val="accent3"/>
-    </dgm:fillClrLst>
-    <dgm:linClrLst meth="repeat">
-      <a:schemeClr val="lt1"/>
-    </dgm:linClrLst>
-    <dgm:effectClrLst/>
-    <dgm:txLinClrLst/>
-    <dgm:txFillClrLst meth="repeat">
-      <a:schemeClr val="lt1"/>
-    </dgm:txFillClrLst>
-    <dgm:txEffectClrLst/>
-  </dgm:styleLbl>
-  <dgm:styleLbl name="bgSibTrans2D1">
-    <dgm:fillClrLst>
-      <a:schemeClr val="accent2"/>
-      <a:schemeClr val="accent3"/>
-    </dgm:fillClrLst>
-    <dgm:linClrLst meth="repeat">
-      <a:schemeClr val="lt1"/>
-    </dgm:linClrLst>
-    <dgm:effectClrLst/>
-    <dgm:txLinClrLst/>
-    <dgm:txFillClrLst meth="repeat">
-      <a:schemeClr val="lt1"/>
-    </dgm:txFillClrLst>
-    <dgm:txEffectClrLst/>
-  </dgm:styleLbl>
-  <dgm:styleLbl name="sibTrans1D1">
-    <dgm:fillClrLst/>
-    <dgm:linClrLst>
-      <a:schemeClr val="accent2"/>
-      <a:schemeClr val="accent3"/>
-    </dgm:linClrLst>
-    <dgm:effectClrLst/>
-    <dgm:txLinClrLst/>
-    <dgm:txFillClrLst meth="repeat">
-      <a:schemeClr val="tx1"/>
-    </dgm:txFillClrLst>
-    <dgm:txEffectClrLst/>
-  </dgm:styleLbl>
-  <dgm:styleLbl name="callout">
-    <dgm:fillClrLst meth="repeat">
-      <a:schemeClr val="accent2"/>
-    </dgm:fillClrLst>
-    <dgm:linClrLst meth="repeat">
-      <a:schemeClr val="accent2">
-        <a:tint val="50000"/>
-      </a:schemeClr>
-    </dgm:linClrLst>
-    <dgm:effectClrLst/>
-    <dgm:txLinClrLst/>
-    <dgm:txFillClrLst meth="repeat">
-      <a:schemeClr val="tx1"/>
-    </dgm:txFillClrLst>
-    <dgm:txEffectClrLst/>
-  </dgm:styleLbl>
-  <dgm:styleLbl name="asst0">
-    <dgm:fillClrLst meth="repeat">
-      <a:schemeClr val="accent2"/>
-    </dgm:fillClrLst>
-    <dgm:linClrLst meth="repeat">
-      <a:schemeClr val="lt1">
-        <a:shade val="80000"/>
-      </a:schemeClr>
-    </dgm:linClrLst>
-    <dgm:effectClrLst/>
-    <dgm:txLinClrLst/>
-    <dgm:txFillClrLst/>
-    <dgm:txEffectClrLst/>
-  </dgm:styleLbl>
-  <dgm:styleLbl name="asst1">
-    <dgm:fillClrLst meth="repeat">
-      <a:schemeClr val="accent3"/>
-    </dgm:fillClrLst>
-    <dgm:linClrLst meth="repeat">
-      <a:schemeClr val="lt1">
-        <a:shade val="80000"/>
-      </a:schemeClr>
-    </dgm:linClrLst>
-    <dgm:effectClrLst/>
-    <dgm:txLinClrLst/>
-    <dgm:txFillClrLst/>
-    <dgm:txEffectClrLst/>
-  </dgm:styleLbl>
-  <dgm:styleLbl name="asst2">
-    <dgm:fillClrLst>
-      <a:schemeClr val="accent4"/>
-    </dgm:fillClrLst>
-    <dgm:linClrLst meth="repeat">
-      <a:schemeClr val="lt1"/>
-    </dgm:linClrLst>
-    <dgm:effectClrLst/>
-    <dgm:txLinClrLst/>
-    <dgm:txFillClrLst/>
-    <dgm:txEffectClrLst/>
-  </dgm:styleLbl>
-  <dgm:styleLbl name="asst3">
-    <dgm:fillClrLst>
-      <a:schemeClr val="accent5"/>
-    </dgm:fillClrLst>
-    <dgm:linClrLst meth="repeat">
-      <a:schemeClr val="lt1"/>
-    </dgm:linClrLst>
-    <dgm:effectClrLst/>
-    <dgm:txLinClrLst/>
-    <dgm:txFillClrLst/>
-    <dgm:txEffectClrLst/>
-  </dgm:styleLbl>
-  <dgm:styleLbl name="asst4">
-    <dgm:fillClrLst>
-      <a:schemeClr val="accent6"/>
-    </dgm:fillClrLst>
-    <dgm:linClrLst meth="repeat">
-      <a:schemeClr val="lt1"/>
-    </dgm:linClrLst>
-    <dgm:effectClrLst/>
-    <dgm:txLinClrLst/>
-    <dgm:txFillClrLst/>
-    <dgm:txEffectClrLst/>
-  </dgm:styleLbl>
-  <dgm:styleLbl name="parChTrans2D1">
-    <dgm:fillClrLst meth="repeat">
-      <a:schemeClr val="accent2"/>
-    </dgm:fillClrLst>
-    <dgm:linClrLst meth="repeat">
-      <a:schemeClr val="lt1"/>
-    </dgm:linClrLst>
-    <dgm:effectClrLst/>
-    <dgm:txLinClrLst/>
-    <dgm:txFillClrLst meth="repeat">
-      <a:schemeClr val="lt1"/>
-    </dgm:txFillClrLst>
-    <dgm:txEffectClrLst/>
-  </dgm:styleLbl>
-  <dgm:styleLbl name="parChTrans2D2">
-    <dgm:fillClrLst meth="repeat">
-      <a:schemeClr val="accent3"/>
-    </dgm:fillClrLst>
-    <dgm:linClrLst meth="repeat">
-      <a:schemeClr val="lt1"/>
-    </dgm:linClrLst>
-    <dgm:effectClrLst/>
-    <dgm:txLinClrLst/>
-    <dgm:txFillClrLst/>
-    <dgm:txEffectClrLst/>
-  </dgm:styleLbl>
-  <dgm:styleLbl name="parChTrans2D3">
-    <dgm:fillClrLst meth="repeat">
-      <a:schemeClr val="accent4"/>
-    </dgm:fillClrLst>
-    <dgm:linClrLst meth="repeat">
-      <a:schemeClr val="lt1"/>
-    </dgm:linClrLst>
-    <dgm:effectClrLst/>
-    <dgm:txLinClrLst/>
-    <dgm:txFillClrLst/>
-    <dgm:txEffectClrLst/>
-  </dgm:styleLbl>
-  <dgm:styleLbl name="parChTrans2D4">
-    <dgm:fillClrLst meth="repeat">
-      <a:schemeClr val="accent5"/>
-    </dgm:fillClrLst>
-    <dgm:linClrLst meth="repeat">
-      <a:schemeClr val="lt1"/>
-    </dgm:linClrLst>
-    <dgm:effectClrLst/>
-    <dgm:txLinClrLst/>
-    <dgm:txFillClrLst meth="repeat">
-      <a:schemeClr val="lt1"/>
-    </dgm:txFillClrLst>
-    <dgm:txEffectClrLst/>
-  </dgm:styleLbl>
-  <dgm:styleLbl name="parChTrans1D1">
-    <dgm:fillClrLst meth="repeat">
-      <a:schemeClr val="accent2"/>
-    </dgm:fillClrLst>
-    <dgm:linClrLst meth="repeat">
-      <a:schemeClr val="accent2"/>
-    </dgm:linClrLst>
-    <dgm:effectClrLst/>
-    <dgm:txLinClrLst/>
-    <dgm:txFillClrLst meth="repeat">
-      <a:schemeClr val="tx1"/>
-    </dgm:txFillClrLst>
-    <dgm:txEffectClrLst/>
-  </dgm:styleLbl>
-  <dgm:styleLbl name="parChTrans1D2">
-    <dgm:fillClrLst meth="repeat">
-      <a:schemeClr val="accent2">
-        <a:tint val="90000"/>
-      </a:schemeClr>
-    </dgm:fillClrLst>
-    <dgm:linClrLst meth="repeat">
-      <a:schemeClr val="accent3"/>
-    </dgm:linClrLst>
-    <dgm:effectClrLst/>
-    <dgm:txLinClrLst/>
-    <dgm:txFillClrLst meth="repeat">
-      <a:schemeClr val="tx1"/>
-    </dgm:txFillClrLst>
-    <dgm:txEffectClrLst/>
-  </dgm:styleLbl>
-  <dgm:styleLbl name="parChTrans1D3">
-    <dgm:fillClrLst meth="repeat">
-      <a:schemeClr val="accent2">
-        <a:tint val="70000"/>
-      </a:schemeClr>
-    </dgm:fillClrLst>
-    <dgm:linClrLst meth="repeat">
-      <a:schemeClr val="accent4"/>
-    </dgm:linClrLst>
-    <dgm:effectClrLst/>
-    <dgm:txLinClrLst/>
-    <dgm:txFillClrLst meth="repeat">
-      <a:schemeClr val="tx1"/>
-    </dgm:txFillClrLst>
-    <dgm:txEffectClrLst/>
-  </dgm:styleLbl>
-  <dgm:styleLbl name="parChTrans1D4">
-    <dgm:fillClrLst meth="repeat">
-      <a:schemeClr val="accent2">
-        <a:tint val="50000"/>
-      </a:schemeClr>
-    </dgm:fillClrLst>
-    <dgm:linClrLst meth="repeat">
-      <a:schemeClr val="accent5"/>
-    </dgm:linClrLst>
-    <dgm:effectClrLst/>
-    <dgm:txLinClrLst/>
-    <dgm:txFillClrLst meth="repeat">
-      <a:schemeClr val="tx1"/>
-    </dgm:txFillClrLst>
-    <dgm:txEffectClrLst/>
-  </dgm:styleLbl>
-  <dgm:styleLbl name="fgAcc1">
-    <dgm:fillClrLst meth="repeat">
-      <a:schemeClr val="lt1">
-        <a:alpha val="90000"/>
-      </a:schemeClr>
-    </dgm:fillClrLst>
-    <dgm:linClrLst>
-      <a:schemeClr val="accent2"/>
-      <a:schemeClr val="accent3"/>
-    </dgm:linClrLst>
-    <dgm:effectClrLst/>
-    <dgm:txLinClrLst/>
-    <dgm:txFillClrLst meth="repeat">
-      <a:schemeClr val="dk1"/>
-    </dgm:txFillClrLst>
-    <dgm:txEffectClrLst/>
-  </dgm:styleLbl>
-  <dgm:styleLbl name="conFgAcc1">
-    <dgm:fillClrLst meth="repeat">
-      <a:schemeClr val="lt1">
-        <a:alpha val="90000"/>
-      </a:schemeClr>
-    </dgm:fillClrLst>
-    <dgm:linClrLst>
-      <a:schemeClr val="accent2"/>
-      <a:schemeClr val="accent3"/>
-    </dgm:linClrLst>
-    <dgm:effectClrLst/>
-    <dgm:txLinClrLst/>
-    <dgm:txFillClrLst meth="repeat">
-      <a:schemeClr val="dk1"/>
-    </dgm:txFillClrLst>
-    <dgm:txEffectClrLst/>
-  </dgm:styleLbl>
-  <dgm:styleLbl name="alignAcc1">
-    <dgm:fillClrLst meth="repeat">
-      <a:schemeClr val="lt1">
-        <a:alpha val="90000"/>
-      </a:schemeClr>
-    </dgm:fillClrLst>
-    <dgm:linClrLst>
-      <a:schemeClr val="accent2"/>
-      <a:schemeClr val="accent3"/>
-    </dgm:linClrLst>
-    <dgm:effectClrLst/>
-    <dgm:txLinClrLst/>
-    <dgm:txFillClrLst meth="repeat">
-      <a:schemeClr val="dk1"/>
-    </dgm:txFillClrLst>
-    <dgm:txEffectClrLst/>
-  </dgm:styleLbl>
-  <dgm:styleLbl name="trAlignAcc1">
-    <dgm:fillClrLst meth="repeat">
-      <a:schemeClr val="lt1">
-        <a:alpha val="40000"/>
-      </a:schemeClr>
-    </dgm:fillClrLst>
-    <dgm:linClrLst meth="repeat">
-      <a:schemeClr val="accent2"/>
-    </dgm:linClrLst>
-    <dgm:effectClrLst/>
-    <dgm:txLinClrLst/>
-    <dgm:txFillClrLst meth="repeat">
-      <a:schemeClr val="dk1"/>
-    </dgm:txFillClrLst>
-    <dgm:txEffectClrLst/>
-  </dgm:styleLbl>
-  <dgm:styleLbl name="bgAcc1">
-    <dgm:fillClrLst meth="repeat">
-      <a:schemeClr val="lt1">
-        <a:alpha val="90000"/>
-      </a:schemeClr>
-    </dgm:fillClrLst>
-    <dgm:linClrLst>
-      <a:schemeClr val="accent2"/>
-      <a:schemeClr val="accent3"/>
-    </dgm:linClrLst>
-    <dgm:effectClrLst/>
-    <dgm:txLinClrLst/>
-    <dgm:txFillClrLst meth="repeat">
-      <a:schemeClr val="dk1"/>
-    </dgm:txFillClrLst>
-    <dgm:txEffectClrLst/>
-  </dgm:styleLbl>
-  <dgm:styleLbl name="solidFgAcc1">
-    <dgm:fillClrLst meth="repeat">
-      <a:schemeClr val="lt1"/>
-    </dgm:fillClrLst>
-    <dgm:linClrLst>
-      <a:schemeClr val="accent2"/>
-      <a:schemeClr val="accent3"/>
-    </dgm:linClrLst>
-    <dgm:effectClrLst/>
-    <dgm:txLinClrLst/>
-    <dgm:txFillClrLst meth="repeat">
-      <a:schemeClr val="dk1"/>
-    </dgm:txFillClrLst>
-    <dgm:txEffectClrLst/>
-  </dgm:styleLbl>
-  <dgm:styleLbl name="solidAlignAcc1">
-    <dgm:fillClrLst meth="repeat">
-      <a:schemeClr val="lt1"/>
-    </dgm:fillClrLst>
-    <dgm:linClrLst>
-      <a:schemeClr val="accent2"/>
-      <a:schemeClr val="accent3"/>
-    </dgm:linClrLst>
-    <dgm:effectClrLst/>
-    <dgm:txLinClrLst/>
-    <dgm:txFillClrLst meth="repeat">
-      <a:schemeClr val="dk1"/>
-    </dgm:txFillClrLst>
-    <dgm:txEffectClrLst/>
-  </dgm:styleLbl>
-  <dgm:styleLbl name="solidBgAcc1">
-    <dgm:fillClrLst meth="repeat">
-      <a:schemeClr val="lt1"/>
-    </dgm:fillClrLst>
-    <dgm:linClrLst>
-      <a:schemeClr val="accent2"/>
-      <a:schemeClr val="accent3"/>
-    </dgm:linClrLst>
-    <dgm:effectClrLst/>
-    <dgm:txLinClrLst/>
-    <dgm:txFillClrLst meth="repeat">
-      <a:schemeClr val="dk1"/>
-    </dgm:txFillClrLst>
-    <dgm:txEffectClrLst/>
-  </dgm:styleLbl>
-  <dgm:styleLbl name="fgAccFollowNode1">
-    <dgm:fillClrLst>
-      <a:schemeClr val="accent2">
-        <a:tint val="40000"/>
-        <a:alpha val="90000"/>
-      </a:schemeClr>
-      <a:schemeClr val="accent3">
-        <a:tint val="40000"/>
-        <a:alpha val="90000"/>
-      </a:schemeClr>
-    </dgm:fillClrLst>
-    <dgm:linClrLst>
-      <a:schemeClr val="accent2">
-        <a:tint val="40000"/>
-        <a:alpha val="90000"/>
-      </a:schemeClr>
-      <a:schemeClr val="accent3">
-        <a:tint val="40000"/>
-        <a:alpha val="90000"/>
-      </a:schemeClr>
-    </dgm:linClrLst>
-    <dgm:effectClrLst/>
-    <dgm:txLinClrLst/>
-    <dgm:txFillClrLst meth="repeat">
-      <a:schemeClr val="dk1"/>
-    </dgm:txFillClrLst>
-    <dgm:txEffectClrLst/>
-  </dgm:styleLbl>
-  <dgm:styleLbl name="alignAccFollowNode1">
-    <dgm:fillClrLst>
-      <a:schemeClr val="accent2">
-        <a:tint val="40000"/>
-        <a:alpha val="90000"/>
-      </a:schemeClr>
-      <a:schemeClr val="accent3">
-        <a:tint val="40000"/>
-        <a:alpha val="90000"/>
-      </a:schemeClr>
-    </dgm:fillClrLst>
-    <dgm:linClrLst>
-      <a:schemeClr val="accent2">
-        <a:tint val="40000"/>
-        <a:alpha val="90000"/>
-      </a:schemeClr>
-      <a:schemeClr val="accent3">
-        <a:tint val="40000"/>
-        <a:alpha val="90000"/>
-      </a:schemeClr>
-    </dgm:linClrLst>
-    <dgm:effectClrLst/>
-    <dgm:txLinClrLst/>
-    <dgm:txFillClrLst meth="repeat">
-      <a:schemeClr val="dk1"/>
-    </dgm:txFillClrLst>
-    <dgm:txEffectClrLst/>
-  </dgm:styleLbl>
-  <dgm:styleLbl name="bgAccFollowNode1">
-    <dgm:fillClrLst>
-      <a:schemeClr val="accent2">
-        <a:tint val="40000"/>
-        <a:alpha val="90000"/>
-      </a:schemeClr>
-      <a:schemeClr val="accent3">
-        <a:tint val="40000"/>
-        <a:alpha val="90000"/>
-      </a:schemeClr>
-    </dgm:fillClrLst>
-    <dgm:linClrLst>
-      <a:schemeClr val="accent2">
-        <a:tint val="40000"/>
-        <a:alpha val="90000"/>
-      </a:schemeClr>
-      <a:schemeClr val="accent3">
-        <a:tint val="40000"/>
-        <a:alpha val="90000"/>
-      </a:schemeClr>
-    </dgm:linClrLst>
-    <dgm:effectClrLst/>
-    <dgm:txLinClrLst/>
-    <dgm:txFillClrLst meth="repeat">
-      <a:schemeClr val="dk1"/>
-    </dgm:txFillClrLst>
-    <dgm:txEffectClrLst/>
-  </dgm:styleLbl>
-  <dgm:styleLbl name="fgAcc0">
-    <dgm:fillClrLst meth="repeat">
-      <a:schemeClr val="lt1">
-        <a:alpha val="90000"/>
-      </a:schemeClr>
-    </dgm:fillClrLst>
-    <dgm:linClrLst>
-      <a:schemeClr val="accent1"/>
-    </dgm:linClrLst>
-    <dgm:effectClrLst/>
-    <dgm:txLinClrLst/>
-    <dgm:txFillClrLst meth="repeat">
-      <a:schemeClr val="dk1"/>
-    </dgm:txFillClrLst>
-    <dgm:txEffectClrLst/>
-  </dgm:styleLbl>
-  <dgm:styleLbl name="fgAcc2">
-    <dgm:fillClrLst meth="repeat">
-      <a:schemeClr val="lt1">
-        <a:alpha val="90000"/>
-      </a:schemeClr>
-    </dgm:fillClrLst>
-    <dgm:linClrLst>
-      <a:schemeClr val="accent3"/>
-    </dgm:linClrLst>
-    <dgm:effectClrLst/>
-    <dgm:txLinClrLst/>
-    <dgm:txFillClrLst meth="repeat">
-      <a:schemeClr val="dk1"/>
-    </dgm:txFillClrLst>
-    <dgm:txEffectClrLst/>
-  </dgm:styleLbl>
-  <dgm:styleLbl name="fgAcc3">
-    <dgm:fillClrLst meth="repeat">
-      <a:schemeClr val="lt1">
-        <a:alpha val="90000"/>
-      </a:schemeClr>
-    </dgm:fillClrLst>
-    <dgm:linClrLst>
-      <a:schemeClr val="accent4"/>
-    </dgm:linClrLst>
-    <dgm:effectClrLst/>
-    <dgm:txLinClrLst/>
-    <dgm:txFillClrLst meth="repeat">
-      <a:schemeClr val="dk1"/>
-    </dgm:txFillClrLst>
-    <dgm:txEffectClrLst/>
-  </dgm:styleLbl>
-  <dgm:styleLbl name="fgAcc4">
-    <dgm:fillClrLst meth="repeat">
-      <a:schemeClr val="lt1">
-        <a:alpha val="90000"/>
-      </a:schemeClr>
-    </dgm:fillClrLst>
-    <dgm:linClrLst>
-      <a:schemeClr val="accent5"/>
-    </dgm:linClrLst>
-    <dgm:effectClrLst/>
-    <dgm:txLinClrLst/>
-    <dgm:txFillClrLst meth="repeat">
-      <a:schemeClr val="dk1"/>
-    </dgm:txFillClrLst>
-    <dgm:txEffectClrLst/>
-  </dgm:styleLbl>
-  <dgm:styleLbl name="bgShp">
-    <dgm:fillClrLst meth="repeat">
-      <a:schemeClr val="accent2">
-        <a:tint val="40000"/>
-      </a:schemeClr>
-    </dgm:fillClrLst>
-    <dgm:linClrLst meth="repeat">
-      <a:schemeClr val="dk1"/>
-    </dgm:linClrLst>
-    <dgm:effectClrLst/>
-    <dgm:txLinClrLst/>
-    <dgm:txFillClrLst meth="repeat">
-      <a:schemeClr val="dk1"/>
-    </dgm:txFillClrLst>
-    <dgm:txEffectClrLst/>
-  </dgm:styleLbl>
-  <dgm:styleLbl name="dkBgShp">
-    <dgm:fillClrLst meth="repeat">
-      <a:schemeClr val="accent2">
-        <a:shade val="90000"/>
-      </a:schemeClr>
-    </dgm:fillClrLst>
-    <dgm:linClrLst meth="repeat">
-      <a:schemeClr val="dk1"/>
-    </dgm:linClrLst>
-    <dgm:effectClrLst/>
-    <dgm:txLinClrLst/>
-    <dgm:txFillClrLst meth="repeat">
-      <a:schemeClr val="lt1"/>
-    </dgm:txFillClrLst>
-    <dgm:txEffectClrLst/>
-  </dgm:styleLbl>
-  <dgm:styleLbl name="trBgShp">
-    <dgm:fillClrLst meth="repeat">
-      <a:schemeClr val="accent2">
-        <a:tint val="50000"/>
-        <a:alpha val="40000"/>
-      </a:schemeClr>
-    </dgm:fillClrLst>
-    <dgm:linClrLst meth="repeat">
-      <a:schemeClr val="accent2"/>
-    </dgm:linClrLst>
-    <dgm:effectClrLst/>
-    <dgm:txLinClrLst/>
-    <dgm:txFillClrLst meth="repeat">
-      <a:schemeClr val="lt1"/>
-    </dgm:txFillClrLst>
-    <dgm:txEffectClrLst/>
-  </dgm:styleLbl>
-  <dgm:styleLbl name="fgShp">
-    <dgm:fillClrLst meth="repeat">
-      <a:schemeClr val="accent2">
-        <a:tint val="40000"/>
-      </a:schemeClr>
-    </dgm:fillClrLst>
-    <dgm:linClrLst meth="repeat">
-      <a:schemeClr val="lt1"/>
-    </dgm:linClrLst>
-    <dgm:effectClrLst/>
-    <dgm:txLinClrLst/>
-    <dgm:txFillClrLst meth="repeat">
-      <a:schemeClr val="dk1"/>
-    </dgm:txFillClrLst>
-    <dgm:txEffectClrLst/>
-  </dgm:styleLbl>
-  <dgm:styleLbl name="revTx">
-    <dgm:fillClrLst meth="repeat">
-      <a:schemeClr val="lt1">
-        <a:alpha val="0"/>
-      </a:schemeClr>
-    </dgm:fillClrLst>
-    <dgm:linClrLst meth="repeat">
-      <a:schemeClr val="dk1">
-        <a:alpha val="0"/>
-      </a:schemeClr>
-    </dgm:linClrLst>
-    <dgm:effectClrLst/>
-    <dgm:txLinClrLst/>
-    <dgm:txFillClrLst meth="repeat">
-      <a:schemeClr val="tx1"/>
-    </dgm:txFillClrLst>
-    <dgm:txEffectClrLst/>
-  </dgm:styleLbl>
-</dgm:colorsDef>
-</file>
-
-<file path=ppt/diagrams/colors8.xml><?xml version="1.0" encoding="utf-8"?>
 <dgm:colorsDef xmlns:dgm="http://schemas.openxmlformats.org/drawingml/2006/diagram" xmlns:a="http://schemas.openxmlformats.org/drawingml/2006/main" uniqueId="urn:microsoft.com/office/officeart/2018/5/colors/Iconchunking_neutralbg_colorful1">
   <dgm:title val=""/>
   <dgm:desc val=""/>
@@ -6706,7 +5922,7 @@
 </dgm:colorsDef>
 </file>
 
-<file path=ppt/diagrams/colors9.xml><?xml version="1.0" encoding="utf-8"?>
+<file path=ppt/diagrams/colors8.xml><?xml version="1.0" encoding="utf-8"?>
 <dgm:colorsDef xmlns:dgm="http://schemas.openxmlformats.org/drawingml/2006/diagram" xmlns:a="http://schemas.openxmlformats.org/drawingml/2006/main" uniqueId="urn:microsoft.com/office/officeart/2018/5/colors/Iconchunking_neutralbg_colorful1">
   <dgm:title val=""/>
   <dgm:desc val=""/>
@@ -8449,7 +7665,7 @@
           </a:pPr>
           <a:r>
             <a:rPr lang="en-US" dirty="0"/>
-            <a:t>A queue from each Topic.  A topic may have multiple subscriptions and every message will be sent simultaneously to all subscriptions.</a:t>
+            <a:t>A queue from a Topic.  A topic may have multiple subscriptions and every message will be sent simultaneously to all subscriptions.</a:t>
           </a:r>
         </a:p>
       </dgm:t>
@@ -8824,7 +8040,7 @@
   <dgm:whole/>
   <dgm:extLst>
     <a:ext uri="http://schemas.microsoft.com/office/drawing/2008/diagram">
-      <dsp:dataModelExt xmlns:dsp="http://schemas.microsoft.com/office/drawing/2008/diagram" relId="rId6" minVer="http://schemas.openxmlformats.org/drawingml/2006/diagram"/>
+      <dsp:dataModelExt xmlns:dsp="http://schemas.microsoft.com/office/drawing/2008/diagram" relId="rId7" minVer="http://schemas.openxmlformats.org/drawingml/2006/diagram"/>
     </a:ext>
   </dgm:extLst>
 </dgm:dataModel>
@@ -9577,7 +8793,7 @@
   <dgm:whole/>
   <dgm:extLst>
     <a:ext uri="http://schemas.microsoft.com/office/drawing/2008/diagram">
-      <dsp:dataModelExt xmlns:dsp="http://schemas.microsoft.com/office/drawing/2008/diagram" relId="rId6" minVer="http://schemas.openxmlformats.org/drawingml/2006/diagram"/>
+      <dsp:dataModelExt xmlns:dsp="http://schemas.microsoft.com/office/drawing/2008/diagram" relId="rId7" minVer="http://schemas.openxmlformats.org/drawingml/2006/diagram"/>
     </a:ext>
   </dgm:extLst>
 </dgm:dataModel>
@@ -9611,15 +8827,15 @@
             <a:defRPr cap="all"/>
           </a:pPr>
           <a:r>
-            <a:rPr lang="en-US"/>
+            <a:rPr lang="en-US" dirty="0"/>
             <a:t>Guaranteed </a:t>
           </a:r>
           <a:r>
-            <a:rPr lang="en-US" u="none"/>
+            <a:rPr lang="en-US" u="none" dirty="0"/>
             <a:t>at least once </a:t>
           </a:r>
           <a:r>
-            <a:rPr lang="en-US"/>
+            <a:rPr lang="en-US" dirty="0"/>
             <a:t>delivery</a:t>
           </a:r>
         </a:p>
@@ -9637,48 +8853,6 @@
       </dgm:t>
     </dgm:pt>
     <dgm:pt modelId="{A47BB6B4-C984-45B2-958C-C8B130435941}" type="sibTrans" cxnId="{8F302A4F-CE51-439D-B420-3561872E174D}">
-      <dgm:prSet/>
-      <dgm:spPr/>
-      <dgm:t>
-        <a:bodyPr/>
-        <a:lstStyle/>
-        <a:p>
-          <a:endParaRPr lang="en-US"/>
-        </a:p>
-      </dgm:t>
-    </dgm:pt>
-    <dgm:pt modelId="{86EC530F-A630-4D00-AF49-7A2D176CDAFC}">
-      <dgm:prSet/>
-      <dgm:spPr/>
-      <dgm:t>
-        <a:bodyPr/>
-        <a:lstStyle/>
-        <a:p>
-          <a:pPr>
-            <a:lnSpc>
-              <a:spcPct val="100000"/>
-            </a:lnSpc>
-            <a:defRPr cap="all"/>
-          </a:pPr>
-          <a:r>
-            <a:rPr lang="en-US"/>
-            <a:t>Global, Load Balanced</a:t>
-          </a:r>
-        </a:p>
-      </dgm:t>
-    </dgm:pt>
-    <dgm:pt modelId="{E60B9704-87CA-418A-A270-BF9D01B0B2B5}" type="parTrans" cxnId="{77CF9833-8F17-4F82-8E9F-A63E07654DF4}">
-      <dgm:prSet/>
-      <dgm:spPr/>
-      <dgm:t>
-        <a:bodyPr/>
-        <a:lstStyle/>
-        <a:p>
-          <a:endParaRPr lang="en-US"/>
-        </a:p>
-      </dgm:t>
-    </dgm:pt>
-    <dgm:pt modelId="{7A1CEDD1-71AE-456B-B969-8C7E5CC6FDE4}" type="sibTrans" cxnId="{77CF9833-8F17-4F82-8E9F-A63E07654DF4}">
       <dgm:prSet/>
       <dgm:spPr/>
       <dgm:t>
@@ -9787,7 +8961,7 @@
             <a:defRPr cap="all"/>
           </a:pPr>
           <a:r>
-            <a:rPr lang="en-US"/>
+            <a:rPr lang="en-US" dirty="0"/>
             <a:t>Built in monitoring</a:t>
           </a:r>
         </a:p>
@@ -9829,7 +9003,7 @@
             <a:defRPr cap="all"/>
           </a:pPr>
           <a:r>
-            <a:rPr lang="en-US"/>
+            <a:rPr lang="en-US" dirty="0"/>
             <a:t>Best effort ordering</a:t>
           </a:r>
         </a:p>
@@ -9941,6 +9115,48 @@
         </a:p>
       </dgm:t>
     </dgm:pt>
+    <dgm:pt modelId="{86EC530F-A630-4D00-AF49-7A2D176CDAFC}">
+      <dgm:prSet/>
+      <dgm:spPr/>
+      <dgm:t>
+        <a:bodyPr/>
+        <a:lstStyle/>
+        <a:p>
+          <a:pPr>
+            <a:lnSpc>
+              <a:spcPct val="100000"/>
+            </a:lnSpc>
+            <a:defRPr cap="all"/>
+          </a:pPr>
+          <a:r>
+            <a:rPr lang="en-US" dirty="0"/>
+            <a:t>Global, Load Balanced</a:t>
+          </a:r>
+        </a:p>
+      </dgm:t>
+    </dgm:pt>
+    <dgm:pt modelId="{7A1CEDD1-71AE-456B-B969-8C7E5CC6FDE4}" type="sibTrans" cxnId="{77CF9833-8F17-4F82-8E9F-A63E07654DF4}">
+      <dgm:prSet/>
+      <dgm:spPr/>
+      <dgm:t>
+        <a:bodyPr/>
+        <a:lstStyle/>
+        <a:p>
+          <a:endParaRPr lang="en-US"/>
+        </a:p>
+      </dgm:t>
+    </dgm:pt>
+    <dgm:pt modelId="{E60B9704-87CA-418A-A270-BF9D01B0B2B5}" type="parTrans" cxnId="{77CF9833-8F17-4F82-8E9F-A63E07654DF4}">
+      <dgm:prSet/>
+      <dgm:spPr/>
+      <dgm:t>
+        <a:bodyPr/>
+        <a:lstStyle/>
+        <a:p>
+          <a:endParaRPr lang="en-US"/>
+        </a:p>
+      </dgm:t>
+    </dgm:pt>
     <dgm:pt modelId="{97A487CC-03BE-46D7-AC6A-08D5C96246AE}" type="pres">
       <dgm:prSet presAssocID="{E32E022B-DF33-450A-99BF-A55043D6A488}" presName="root" presStyleCnt="0">
         <dgm:presLayoutVars>
@@ -9950,25 +9166,121 @@
       </dgm:prSet>
       <dgm:spPr/>
     </dgm:pt>
+    <dgm:pt modelId="{CD37D005-1FAB-4518-AB54-4291DEDDEC39}" type="pres">
+      <dgm:prSet presAssocID="{86EC530F-A630-4D00-AF49-7A2D176CDAFC}" presName="compNode" presStyleCnt="0"/>
+      <dgm:spPr/>
+    </dgm:pt>
+    <dgm:pt modelId="{6C49A57E-A68D-46F0-B756-E4563613E86F}" type="pres">
+      <dgm:prSet presAssocID="{86EC530F-A630-4D00-AF49-7A2D176CDAFC}" presName="iconBgRect" presStyleLbl="bgShp" presStyleIdx="0" presStyleCnt="8"/>
+      <dgm:spPr/>
+    </dgm:pt>
+    <dgm:pt modelId="{BBC198BE-FDC4-410B-B562-15BAE5BA3949}" type="pres">
+      <dgm:prSet presAssocID="{86EC530F-A630-4D00-AF49-7A2D176CDAFC}" presName="iconRect" presStyleLbl="node1" presStyleIdx="0" presStyleCnt="8"/>
+      <dgm:spPr>
+        <a:blipFill>
+          <a:blip xmlns:r="http://schemas.openxmlformats.org/officeDocument/2006/relationships" r:embed="rId1">
+            <a:extLst>
+              <a:ext uri="{96DAC541-7B7A-43D3-8B79-37D633B846F1}">
+                <asvg:svgBlip xmlns:asvg="http://schemas.microsoft.com/office/drawing/2016/SVG/main" r:embed="rId2"/>
+              </a:ext>
+            </a:extLst>
+          </a:blip>
+          <a:srcRect/>
+          <a:stretch>
+            <a:fillRect/>
+          </a:stretch>
+        </a:blipFill>
+      </dgm:spPr>
+      <dgm:extLst>
+        <a:ext uri="{E40237B7-FDA0-4F09-8148-C483321AD2D9}">
+          <dgm14:cNvPr xmlns:dgm14="http://schemas.microsoft.com/office/drawing/2010/diagram" id="0" name="" descr="Scales of justice"/>
+        </a:ext>
+      </dgm:extLst>
+    </dgm:pt>
+    <dgm:pt modelId="{ADF55AFE-EA19-4CF9-B71F-586A62EC7938}" type="pres">
+      <dgm:prSet presAssocID="{86EC530F-A630-4D00-AF49-7A2D176CDAFC}" presName="spaceRect" presStyleCnt="0"/>
+      <dgm:spPr/>
+    </dgm:pt>
+    <dgm:pt modelId="{966D8E85-F698-49AF-B2DE-710432B35FDF}" type="pres">
+      <dgm:prSet presAssocID="{86EC530F-A630-4D00-AF49-7A2D176CDAFC}" presName="textRect" presStyleLbl="revTx" presStyleIdx="0" presStyleCnt="8">
+        <dgm:presLayoutVars>
+          <dgm:chMax val="1"/>
+          <dgm:chPref val="1"/>
+        </dgm:presLayoutVars>
+      </dgm:prSet>
+      <dgm:spPr/>
+    </dgm:pt>
+    <dgm:pt modelId="{D0392DAC-BE25-4D43-B831-2CB2DC5D7A21}" type="pres">
+      <dgm:prSet presAssocID="{7A1CEDD1-71AE-456B-B969-8C7E5CC6FDE4}" presName="sibTrans" presStyleCnt="0"/>
+      <dgm:spPr/>
+    </dgm:pt>
+    <dgm:pt modelId="{E328B720-C02B-42D5-A9B3-E0A090F3295E}" type="pres">
+      <dgm:prSet presAssocID="{DF197FAD-050F-4B74-B46D-EF49EEADD3F1}" presName="compNode" presStyleCnt="0"/>
+      <dgm:spPr/>
+    </dgm:pt>
+    <dgm:pt modelId="{E419DB7A-A180-4BDF-96B5-739ABB4AFB40}" type="pres">
+      <dgm:prSet presAssocID="{DF197FAD-050F-4B74-B46D-EF49EEADD3F1}" presName="iconBgRect" presStyleLbl="bgShp" presStyleIdx="1" presStyleCnt="8"/>
+      <dgm:spPr/>
+    </dgm:pt>
+    <dgm:pt modelId="{318C75FD-D255-4943-B619-4CC0AE9DE739}" type="pres">
+      <dgm:prSet presAssocID="{DF197FAD-050F-4B74-B46D-EF49EEADD3F1}" presName="iconRect" presStyleLbl="node1" presStyleIdx="1" presStyleCnt="8"/>
+      <dgm:spPr>
+        <a:blipFill>
+          <a:blip xmlns:r="http://schemas.openxmlformats.org/officeDocument/2006/relationships" r:embed="rId3">
+            <a:extLst>
+              <a:ext uri="{96DAC541-7B7A-43D3-8B79-37D633B846F1}">
+                <asvg:svgBlip xmlns:asvg="http://schemas.microsoft.com/office/drawing/2016/SVG/main" r:embed="rId4"/>
+              </a:ext>
+            </a:extLst>
+          </a:blip>
+          <a:srcRect/>
+          <a:stretch>
+            <a:fillRect/>
+          </a:stretch>
+        </a:blipFill>
+      </dgm:spPr>
+      <dgm:extLst>
+        <a:ext uri="{E40237B7-FDA0-4F09-8148-C483321AD2D9}">
+          <dgm14:cNvPr xmlns:dgm14="http://schemas.microsoft.com/office/drawing/2010/diagram" id="0" name="" descr="Bar chart"/>
+        </a:ext>
+      </dgm:extLst>
+    </dgm:pt>
+    <dgm:pt modelId="{D22F8BAF-AD87-4D1E-894F-1C543ECFAA7C}" type="pres">
+      <dgm:prSet presAssocID="{DF197FAD-050F-4B74-B46D-EF49EEADD3F1}" presName="spaceRect" presStyleCnt="0"/>
+      <dgm:spPr/>
+    </dgm:pt>
+    <dgm:pt modelId="{B9E97642-D81E-46BA-92B8-5F7448E134D3}" type="pres">
+      <dgm:prSet presAssocID="{DF197FAD-050F-4B74-B46D-EF49EEADD3F1}" presName="textRect" presStyleLbl="revTx" presStyleIdx="1" presStyleCnt="8">
+        <dgm:presLayoutVars>
+          <dgm:chMax val="1"/>
+          <dgm:chPref val="1"/>
+        </dgm:presLayoutVars>
+      </dgm:prSet>
+      <dgm:spPr/>
+    </dgm:pt>
+    <dgm:pt modelId="{07CAA906-7B6B-46A5-9686-1280315BED57}" type="pres">
+      <dgm:prSet presAssocID="{BA5B6425-870B-415D-956F-769181A4238C}" presName="sibTrans" presStyleCnt="0"/>
+      <dgm:spPr/>
+    </dgm:pt>
     <dgm:pt modelId="{59AEBE9A-7B1A-4087-B45B-5BDDDCCB24C6}" type="pres">
       <dgm:prSet presAssocID="{6B474F7F-41F1-4C75-A07A-EFDF8BADE1D8}" presName="compNode" presStyleCnt="0"/>
       <dgm:spPr/>
     </dgm:pt>
     <dgm:pt modelId="{FB469C14-3D17-4886-B924-A08E4B0F535E}" type="pres">
-      <dgm:prSet presAssocID="{6B474F7F-41F1-4C75-A07A-EFDF8BADE1D8}" presName="iconBgRect" presStyleLbl="bgShp" presStyleIdx="0" presStyleCnt="8"/>
+      <dgm:prSet presAssocID="{6B474F7F-41F1-4C75-A07A-EFDF8BADE1D8}" presName="iconBgRect" presStyleLbl="bgShp" presStyleIdx="2" presStyleCnt="8"/>
       <dgm:spPr/>
     </dgm:pt>
     <dgm:pt modelId="{5E29A751-51A4-41AA-8949-90D6F2CA6909}" type="pres">
-      <dgm:prSet presAssocID="{6B474F7F-41F1-4C75-A07A-EFDF8BADE1D8}" presName="iconRect" presStyleLbl="node1" presStyleIdx="0" presStyleCnt="8"/>
+      <dgm:prSet presAssocID="{6B474F7F-41F1-4C75-A07A-EFDF8BADE1D8}" presName="iconRect" presStyleLbl="node1" presStyleIdx="2" presStyleCnt="8"/>
       <dgm:spPr>
         <a:blipFill>
-          <a:blip xmlns:r="http://schemas.openxmlformats.org/officeDocument/2006/relationships" r:embed="rId1">
+          <a:blip xmlns:r="http://schemas.openxmlformats.org/officeDocument/2006/relationships" r:embed="rId5">
             <a:extLst>
               <a:ext uri="{28A0092B-C50C-407E-A947-70E740481C1C}">
                 <a14:useLocalDpi xmlns:a14="http://schemas.microsoft.com/office/drawing/2010/main" val="0"/>
               </a:ext>
               <a:ext uri="{96DAC541-7B7A-43D3-8B79-37D633B846F1}">
-                <asvg:svgBlip xmlns:asvg="http://schemas.microsoft.com/office/drawing/2016/SVG/main" r:embed="rId2"/>
+                <asvg:svgBlip xmlns:asvg="http://schemas.microsoft.com/office/drawing/2016/SVG/main" r:embed="rId6"/>
               </a:ext>
             </a:extLst>
           </a:blip>
@@ -9989,7 +9301,7 @@
       <dgm:spPr/>
     </dgm:pt>
     <dgm:pt modelId="{1CA69545-7D22-4407-AC30-0ED701156872}" type="pres">
-      <dgm:prSet presAssocID="{6B474F7F-41F1-4C75-A07A-EFDF8BADE1D8}" presName="textRect" presStyleLbl="revTx" presStyleIdx="0" presStyleCnt="8">
+      <dgm:prSet presAssocID="{6B474F7F-41F1-4C75-A07A-EFDF8BADE1D8}" presName="textRect" presStyleLbl="revTx" presStyleIdx="2" presStyleCnt="8">
         <dgm:presLayoutVars>
           <dgm:chMax val="1"/>
           <dgm:chPref val="1"/>
@@ -10006,20 +9318,20 @@
       <dgm:spPr/>
     </dgm:pt>
     <dgm:pt modelId="{04562D87-827F-4DEB-9A39-B98DC87BE71B}" type="pres">
-      <dgm:prSet presAssocID="{52610489-BF6E-7240-BCCE-5A337C0B21DB}" presName="iconBgRect" presStyleLbl="bgShp" presStyleIdx="1" presStyleCnt="8"/>
+      <dgm:prSet presAssocID="{52610489-BF6E-7240-BCCE-5A337C0B21DB}" presName="iconBgRect" presStyleLbl="bgShp" presStyleIdx="3" presStyleCnt="8"/>
       <dgm:spPr/>
     </dgm:pt>
     <dgm:pt modelId="{7C7BF5E3-BEF3-4BAF-B381-B85CAF7B7DC3}" type="pres">
-      <dgm:prSet presAssocID="{52610489-BF6E-7240-BCCE-5A337C0B21DB}" presName="iconRect" presStyleLbl="node1" presStyleIdx="1" presStyleCnt="8"/>
+      <dgm:prSet presAssocID="{52610489-BF6E-7240-BCCE-5A337C0B21DB}" presName="iconRect" presStyleLbl="node1" presStyleIdx="3" presStyleCnt="8"/>
       <dgm:spPr>
         <a:blipFill>
-          <a:blip xmlns:r="http://schemas.openxmlformats.org/officeDocument/2006/relationships" r:embed="rId3">
+          <a:blip xmlns:r="http://schemas.openxmlformats.org/officeDocument/2006/relationships" r:embed="rId7">
             <a:extLst>
               <a:ext uri="{28A0092B-C50C-407E-A947-70E740481C1C}">
                 <a14:useLocalDpi xmlns:a14="http://schemas.microsoft.com/office/drawing/2010/main" val="0"/>
               </a:ext>
               <a:ext uri="{96DAC541-7B7A-43D3-8B79-37D633B846F1}">
-                <asvg:svgBlip xmlns:asvg="http://schemas.microsoft.com/office/drawing/2016/SVG/main" r:embed="rId4"/>
+                <asvg:svgBlip xmlns:asvg="http://schemas.microsoft.com/office/drawing/2016/SVG/main" r:embed="rId8"/>
               </a:ext>
             </a:extLst>
           </a:blip>
@@ -10040,7 +9352,7 @@
       <dgm:spPr/>
     </dgm:pt>
     <dgm:pt modelId="{AC57A400-A248-4A48-B3E1-13A63CC9E3CA}" type="pres">
-      <dgm:prSet presAssocID="{52610489-BF6E-7240-BCCE-5A337C0B21DB}" presName="textRect" presStyleLbl="revTx" presStyleIdx="1" presStyleCnt="8">
+      <dgm:prSet presAssocID="{52610489-BF6E-7240-BCCE-5A337C0B21DB}" presName="textRect" presStyleLbl="revTx" presStyleIdx="3" presStyleCnt="8">
         <dgm:presLayoutVars>
           <dgm:chMax val="1"/>
           <dgm:chPref val="1"/>
@@ -10052,70 +9364,22 @@
       <dgm:prSet presAssocID="{21B15B17-D493-CC42-886A-1F57174DC8D1}" presName="sibTrans" presStyleCnt="0"/>
       <dgm:spPr/>
     </dgm:pt>
-    <dgm:pt modelId="{CD37D005-1FAB-4518-AB54-4291DEDDEC39}" type="pres">
-      <dgm:prSet presAssocID="{86EC530F-A630-4D00-AF49-7A2D176CDAFC}" presName="compNode" presStyleCnt="0"/>
-      <dgm:spPr/>
-    </dgm:pt>
-    <dgm:pt modelId="{6C49A57E-A68D-46F0-B756-E4563613E86F}" type="pres">
-      <dgm:prSet presAssocID="{86EC530F-A630-4D00-AF49-7A2D176CDAFC}" presName="iconBgRect" presStyleLbl="bgShp" presStyleIdx="2" presStyleCnt="8"/>
-      <dgm:spPr/>
-    </dgm:pt>
-    <dgm:pt modelId="{BBC198BE-FDC4-410B-B562-15BAE5BA3949}" type="pres">
-      <dgm:prSet presAssocID="{86EC530F-A630-4D00-AF49-7A2D176CDAFC}" presName="iconRect" presStyleLbl="node1" presStyleIdx="2" presStyleCnt="8"/>
-      <dgm:spPr>
-        <a:blipFill>
-          <a:blip xmlns:r="http://schemas.openxmlformats.org/officeDocument/2006/relationships" r:embed="rId5">
-            <a:extLst>
-              <a:ext uri="{96DAC541-7B7A-43D3-8B79-37D633B846F1}">
-                <asvg:svgBlip xmlns:asvg="http://schemas.microsoft.com/office/drawing/2016/SVG/main" r:embed="rId6"/>
-              </a:ext>
-            </a:extLst>
-          </a:blip>
-          <a:srcRect/>
-          <a:stretch>
-            <a:fillRect/>
-          </a:stretch>
-        </a:blipFill>
-      </dgm:spPr>
-      <dgm:extLst>
-        <a:ext uri="{E40237B7-FDA0-4F09-8148-C483321AD2D9}">
-          <dgm14:cNvPr xmlns:dgm14="http://schemas.microsoft.com/office/drawing/2010/diagram" id="0" name="" descr="Scales of justice"/>
-        </a:ext>
-      </dgm:extLst>
-    </dgm:pt>
-    <dgm:pt modelId="{ADF55AFE-EA19-4CF9-B71F-586A62EC7938}" type="pres">
-      <dgm:prSet presAssocID="{86EC530F-A630-4D00-AF49-7A2D176CDAFC}" presName="spaceRect" presStyleCnt="0"/>
-      <dgm:spPr/>
-    </dgm:pt>
-    <dgm:pt modelId="{966D8E85-F698-49AF-B2DE-710432B35FDF}" type="pres">
-      <dgm:prSet presAssocID="{86EC530F-A630-4D00-AF49-7A2D176CDAFC}" presName="textRect" presStyleLbl="revTx" presStyleIdx="2" presStyleCnt="8">
-        <dgm:presLayoutVars>
-          <dgm:chMax val="1"/>
-          <dgm:chPref val="1"/>
-        </dgm:presLayoutVars>
-      </dgm:prSet>
-      <dgm:spPr/>
-    </dgm:pt>
-    <dgm:pt modelId="{D0392DAC-BE25-4D43-B831-2CB2DC5D7A21}" type="pres">
-      <dgm:prSet presAssocID="{7A1CEDD1-71AE-456B-B969-8C7E5CC6FDE4}" presName="sibTrans" presStyleCnt="0"/>
-      <dgm:spPr/>
-    </dgm:pt>
     <dgm:pt modelId="{C646C1EB-7316-4316-B31E-73233D7623CE}" type="pres">
       <dgm:prSet presAssocID="{434CDE40-97BE-47E3-AD67-1BAF9E1387E0}" presName="compNode" presStyleCnt="0"/>
       <dgm:spPr/>
     </dgm:pt>
     <dgm:pt modelId="{667463A9-86F5-4404-9577-8E27148F1E3C}" type="pres">
-      <dgm:prSet presAssocID="{434CDE40-97BE-47E3-AD67-1BAF9E1387E0}" presName="iconBgRect" presStyleLbl="bgShp" presStyleIdx="3" presStyleCnt="8"/>
+      <dgm:prSet presAssocID="{434CDE40-97BE-47E3-AD67-1BAF9E1387E0}" presName="iconBgRect" presStyleLbl="bgShp" presStyleIdx="4" presStyleCnt="8"/>
       <dgm:spPr/>
     </dgm:pt>
     <dgm:pt modelId="{971A9D0B-C95D-489D-8F63-8B82A6E4C3B7}" type="pres">
-      <dgm:prSet presAssocID="{434CDE40-97BE-47E3-AD67-1BAF9E1387E0}" presName="iconRect" presStyleLbl="node1" presStyleIdx="3" presStyleCnt="8"/>
+      <dgm:prSet presAssocID="{434CDE40-97BE-47E3-AD67-1BAF9E1387E0}" presName="iconRect" presStyleLbl="node1" presStyleIdx="4" presStyleCnt="8"/>
       <dgm:spPr>
         <a:blipFill>
-          <a:blip xmlns:r="http://schemas.openxmlformats.org/officeDocument/2006/relationships" r:embed="rId7">
+          <a:blip xmlns:r="http://schemas.openxmlformats.org/officeDocument/2006/relationships" r:embed="rId9">
             <a:extLst>
               <a:ext uri="{96DAC541-7B7A-43D3-8B79-37D633B846F1}">
-                <asvg:svgBlip xmlns:asvg="http://schemas.microsoft.com/office/drawing/2016/SVG/main" r:embed="rId8"/>
+                <asvg:svgBlip xmlns:asvg="http://schemas.microsoft.com/office/drawing/2016/SVG/main" r:embed="rId10"/>
               </a:ext>
             </a:extLst>
           </a:blip>
@@ -10136,7 +9400,7 @@
       <dgm:spPr/>
     </dgm:pt>
     <dgm:pt modelId="{8E20E1BA-6FB0-44F8-BA06-85FF77177048}" type="pres">
-      <dgm:prSet presAssocID="{434CDE40-97BE-47E3-AD67-1BAF9E1387E0}" presName="textRect" presStyleLbl="revTx" presStyleIdx="3" presStyleCnt="8">
+      <dgm:prSet presAssocID="{434CDE40-97BE-47E3-AD67-1BAF9E1387E0}" presName="textRect" presStyleLbl="revTx" presStyleIdx="4" presStyleCnt="8">
         <dgm:presLayoutVars>
           <dgm:chMax val="1"/>
           <dgm:chPref val="1"/>
@@ -10153,17 +9417,17 @@
       <dgm:spPr/>
     </dgm:pt>
     <dgm:pt modelId="{C9C53547-33DC-48A3-9040-52A571F05BEE}" type="pres">
-      <dgm:prSet presAssocID="{6E9B1C52-E55F-4DB4-BEFF-AA7AF1F0C58D}" presName="iconBgRect" presStyleLbl="bgShp" presStyleIdx="4" presStyleCnt="8"/>
+      <dgm:prSet presAssocID="{6E9B1C52-E55F-4DB4-BEFF-AA7AF1F0C58D}" presName="iconBgRect" presStyleLbl="bgShp" presStyleIdx="5" presStyleCnt="8"/>
       <dgm:spPr/>
     </dgm:pt>
     <dgm:pt modelId="{395A6C2F-B1E6-4347-809D-9EF84CDCDF6C}" type="pres">
-      <dgm:prSet presAssocID="{6E9B1C52-E55F-4DB4-BEFF-AA7AF1F0C58D}" presName="iconRect" presStyleLbl="node1" presStyleIdx="4" presStyleCnt="8"/>
+      <dgm:prSet presAssocID="{6E9B1C52-E55F-4DB4-BEFF-AA7AF1F0C58D}" presName="iconRect" presStyleLbl="node1" presStyleIdx="5" presStyleCnt="8"/>
       <dgm:spPr>
         <a:blipFill>
-          <a:blip xmlns:r="http://schemas.openxmlformats.org/officeDocument/2006/relationships" r:embed="rId9">
+          <a:blip xmlns:r="http://schemas.openxmlformats.org/officeDocument/2006/relationships" r:embed="rId11">
             <a:extLst>
               <a:ext uri="{96DAC541-7B7A-43D3-8B79-37D633B846F1}">
-                <asvg:svgBlip xmlns:asvg="http://schemas.microsoft.com/office/drawing/2016/SVG/main" r:embed="rId10"/>
+                <asvg:svgBlip xmlns:asvg="http://schemas.microsoft.com/office/drawing/2016/SVG/main" r:embed="rId12"/>
               </a:ext>
             </a:extLst>
           </a:blip>
@@ -10184,7 +9448,7 @@
       <dgm:spPr/>
     </dgm:pt>
     <dgm:pt modelId="{20AA5EC5-A470-483F-B5B7-A35134C47C2B}" type="pres">
-      <dgm:prSet presAssocID="{6E9B1C52-E55F-4DB4-BEFF-AA7AF1F0C58D}" presName="textRect" presStyleLbl="revTx" presStyleIdx="4" presStyleCnt="8">
+      <dgm:prSet presAssocID="{6E9B1C52-E55F-4DB4-BEFF-AA7AF1F0C58D}" presName="textRect" presStyleLbl="revTx" presStyleIdx="5" presStyleCnt="8">
         <dgm:presLayoutVars>
           <dgm:chMax val="1"/>
           <dgm:chPref val="1"/>
@@ -10201,20 +9465,20 @@
       <dgm:spPr/>
     </dgm:pt>
     <dgm:pt modelId="{A734BC85-5C1F-4412-94DF-4B5D85AD941A}" type="pres">
-      <dgm:prSet presAssocID="{3984B5DA-F11F-844E-AB82-61B98940620B}" presName="iconBgRect" presStyleLbl="bgShp" presStyleIdx="5" presStyleCnt="8"/>
+      <dgm:prSet presAssocID="{3984B5DA-F11F-844E-AB82-61B98940620B}" presName="iconBgRect" presStyleLbl="bgShp" presStyleIdx="6" presStyleCnt="8"/>
       <dgm:spPr/>
     </dgm:pt>
     <dgm:pt modelId="{B2100B56-C65A-4449-8094-145C500B8FCF}" type="pres">
-      <dgm:prSet presAssocID="{3984B5DA-F11F-844E-AB82-61B98940620B}" presName="iconRect" presStyleLbl="node1" presStyleIdx="5" presStyleCnt="8"/>
+      <dgm:prSet presAssocID="{3984B5DA-F11F-844E-AB82-61B98940620B}" presName="iconRect" presStyleLbl="node1" presStyleIdx="6" presStyleCnt="8"/>
       <dgm:spPr>
         <a:blipFill>
-          <a:blip xmlns:r="http://schemas.openxmlformats.org/officeDocument/2006/relationships" r:embed="rId11">
+          <a:blip xmlns:r="http://schemas.openxmlformats.org/officeDocument/2006/relationships" r:embed="rId13">
             <a:extLst>
               <a:ext uri="{28A0092B-C50C-407E-A947-70E740481C1C}">
                 <a14:useLocalDpi xmlns:a14="http://schemas.microsoft.com/office/drawing/2010/main" val="0"/>
               </a:ext>
               <a:ext uri="{96DAC541-7B7A-43D3-8B79-37D633B846F1}">
-                <asvg:svgBlip xmlns:asvg="http://schemas.microsoft.com/office/drawing/2016/SVG/main" r:embed="rId12"/>
+                <asvg:svgBlip xmlns:asvg="http://schemas.microsoft.com/office/drawing/2016/SVG/main" r:embed="rId14"/>
               </a:ext>
             </a:extLst>
           </a:blip>
@@ -10235,7 +9499,7 @@
       <dgm:spPr/>
     </dgm:pt>
     <dgm:pt modelId="{FE1A83AB-1599-4257-AE2C-1AF42A7D5953}" type="pres">
-      <dgm:prSet presAssocID="{3984B5DA-F11F-844E-AB82-61B98940620B}" presName="textRect" presStyleLbl="revTx" presStyleIdx="5" presStyleCnt="8">
+      <dgm:prSet presAssocID="{3984B5DA-F11F-844E-AB82-61B98940620B}" presName="textRect" presStyleLbl="revTx" presStyleIdx="6" presStyleCnt="8">
         <dgm:presLayoutVars>
           <dgm:chMax val="1"/>
           <dgm:chPref val="1"/>
@@ -10245,54 +9509,6 @@
     </dgm:pt>
     <dgm:pt modelId="{E39AC54E-878B-480B-B6F7-650A3F90AFF5}" type="pres">
       <dgm:prSet presAssocID="{9BB6FDB7-C230-BB4F-BC09-FC0CFD47E3BB}" presName="sibTrans" presStyleCnt="0"/>
-      <dgm:spPr/>
-    </dgm:pt>
-    <dgm:pt modelId="{E328B720-C02B-42D5-A9B3-E0A090F3295E}" type="pres">
-      <dgm:prSet presAssocID="{DF197FAD-050F-4B74-B46D-EF49EEADD3F1}" presName="compNode" presStyleCnt="0"/>
-      <dgm:spPr/>
-    </dgm:pt>
-    <dgm:pt modelId="{E419DB7A-A180-4BDF-96B5-739ABB4AFB40}" type="pres">
-      <dgm:prSet presAssocID="{DF197FAD-050F-4B74-B46D-EF49EEADD3F1}" presName="iconBgRect" presStyleLbl="bgShp" presStyleIdx="6" presStyleCnt="8"/>
-      <dgm:spPr/>
-    </dgm:pt>
-    <dgm:pt modelId="{318C75FD-D255-4943-B619-4CC0AE9DE739}" type="pres">
-      <dgm:prSet presAssocID="{DF197FAD-050F-4B74-B46D-EF49EEADD3F1}" presName="iconRect" presStyleLbl="node1" presStyleIdx="6" presStyleCnt="8"/>
-      <dgm:spPr>
-        <a:blipFill>
-          <a:blip xmlns:r="http://schemas.openxmlformats.org/officeDocument/2006/relationships" r:embed="rId13">
-            <a:extLst>
-              <a:ext uri="{96DAC541-7B7A-43D3-8B79-37D633B846F1}">
-                <asvg:svgBlip xmlns:asvg="http://schemas.microsoft.com/office/drawing/2016/SVG/main" r:embed="rId14"/>
-              </a:ext>
-            </a:extLst>
-          </a:blip>
-          <a:srcRect/>
-          <a:stretch>
-            <a:fillRect/>
-          </a:stretch>
-        </a:blipFill>
-      </dgm:spPr>
-      <dgm:extLst>
-        <a:ext uri="{E40237B7-FDA0-4F09-8148-C483321AD2D9}">
-          <dgm14:cNvPr xmlns:dgm14="http://schemas.microsoft.com/office/drawing/2010/diagram" id="0" name="" descr="Bar chart"/>
-        </a:ext>
-      </dgm:extLst>
-    </dgm:pt>
-    <dgm:pt modelId="{D22F8BAF-AD87-4D1E-894F-1C543ECFAA7C}" type="pres">
-      <dgm:prSet presAssocID="{DF197FAD-050F-4B74-B46D-EF49EEADD3F1}" presName="spaceRect" presStyleCnt="0"/>
-      <dgm:spPr/>
-    </dgm:pt>
-    <dgm:pt modelId="{B9E97642-D81E-46BA-92B8-5F7448E134D3}" type="pres">
-      <dgm:prSet presAssocID="{DF197FAD-050F-4B74-B46D-EF49EEADD3F1}" presName="textRect" presStyleLbl="revTx" presStyleIdx="6" presStyleCnt="8">
-        <dgm:presLayoutVars>
-          <dgm:chMax val="1"/>
-          <dgm:chPref val="1"/>
-        </dgm:presLayoutVars>
-      </dgm:prSet>
-      <dgm:spPr/>
-    </dgm:pt>
-    <dgm:pt modelId="{07CAA906-7B6B-46A5-9686-1280315BED57}" type="pres">
-      <dgm:prSet presAssocID="{BA5B6425-870B-415D-956F-769181A4238C}" presName="sibTrans" presStyleCnt="0"/>
       <dgm:spPr/>
     </dgm:pt>
     <dgm:pt modelId="{48D10531-F0C8-4830-A1B0-AE57E7B530F8}" type="pres">
@@ -10342,69 +9558,69 @@
   </dgm:ptLst>
   <dgm:cxnLst>
     <dgm:cxn modelId="{A7D4A10C-64AD-7C4B-B42A-C25866C7DD1A}" type="presOf" srcId="{E32E022B-DF33-450A-99BF-A55043D6A488}" destId="{97A487CC-03BE-46D7-AC6A-08D5C96246AE}" srcOrd="0" destOrd="0" presId="urn:microsoft.com/office/officeart/2018/5/layout/IconCircleLabelList"/>
-    <dgm:cxn modelId="{1B9D6E0D-3829-694A-B339-5E358ACD645F}" type="presOf" srcId="{2549C60A-9801-0F42-9A81-4533C1E10851}" destId="{E95AC507-27F9-44CD-8F1D-614D51462B53}" srcOrd="0" destOrd="0" presId="urn:microsoft.com/office/officeart/2018/5/layout/IconCircleLabelList"/>
-    <dgm:cxn modelId="{F1241711-BEA1-E342-9CB0-C3BCB6DEFB90}" type="presOf" srcId="{DF197FAD-050F-4B74-B46D-EF49EEADD3F1}" destId="{B9E97642-D81E-46BA-92B8-5F7448E134D3}" srcOrd="0" destOrd="0" presId="urn:microsoft.com/office/officeart/2018/5/layout/IconCircleLabelList"/>
-    <dgm:cxn modelId="{AE1A4D22-F023-A045-B27A-F3D0E0CAB6DE}" type="presOf" srcId="{3984B5DA-F11F-844E-AB82-61B98940620B}" destId="{FE1A83AB-1599-4257-AE2C-1AF42A7D5953}" srcOrd="0" destOrd="0" presId="urn:microsoft.com/office/officeart/2018/5/layout/IconCircleLabelList"/>
-    <dgm:cxn modelId="{A2F86526-5130-461C-A2C8-EC3B15723409}" srcId="{E32E022B-DF33-450A-99BF-A55043D6A488}" destId="{434CDE40-97BE-47E3-AD67-1BAF9E1387E0}" srcOrd="3" destOrd="0" parTransId="{230F22F0-E2BD-4BD7-846F-527D80C36FF6}" sibTransId="{D43AE9D3-A634-4A0F-9A9D-1EB2D2C694B4}"/>
-    <dgm:cxn modelId="{77CF9833-8F17-4F82-8E9F-A63E07654DF4}" srcId="{E32E022B-DF33-450A-99BF-A55043D6A488}" destId="{86EC530F-A630-4D00-AF49-7A2D176CDAFC}" srcOrd="2" destOrd="0" parTransId="{E60B9704-87CA-418A-A270-BF9D01B0B2B5}" sibTransId="{7A1CEDD1-71AE-456B-B969-8C7E5CC6FDE4}"/>
-    <dgm:cxn modelId="{54C7A74D-5F8B-7245-97C4-376A6296D093}" type="presOf" srcId="{52610489-BF6E-7240-BCCE-5A337C0B21DB}" destId="{AC57A400-A248-4A48-B3E1-13A63CC9E3CA}" srcOrd="0" destOrd="0" presId="urn:microsoft.com/office/officeart/2018/5/layout/IconCircleLabelList"/>
-    <dgm:cxn modelId="{8F302A4F-CE51-439D-B420-3561872E174D}" srcId="{E32E022B-DF33-450A-99BF-A55043D6A488}" destId="{6B474F7F-41F1-4C75-A07A-EFDF8BADE1D8}" srcOrd="0" destOrd="0" parTransId="{5C6F57A1-64AA-486C-B09A-4222115EC7C8}" sibTransId="{A47BB6B4-C984-45B2-958C-C8B130435941}"/>
-    <dgm:cxn modelId="{D9834365-C01D-4CC3-8E63-F762BB53C479}" srcId="{E32E022B-DF33-450A-99BF-A55043D6A488}" destId="{6E9B1C52-E55F-4DB4-BEFF-AA7AF1F0C58D}" srcOrd="4" destOrd="0" parTransId="{809CE627-450D-42BB-A384-9EF84916EC66}" sibTransId="{1EFFB085-2AA7-490D-B58B-9F416EB5608B}"/>
-    <dgm:cxn modelId="{EB38E17E-ED63-4A40-BFC0-94DC401E9DBC}" srcId="{E32E022B-DF33-450A-99BF-A55043D6A488}" destId="{3984B5DA-F11F-844E-AB82-61B98940620B}" srcOrd="5" destOrd="0" parTransId="{29B27694-145C-4F4C-A26B-AE1BCCF6E19C}" sibTransId="{9BB6FDB7-C230-BB4F-BC09-FC0CFD47E3BB}"/>
+    <dgm:cxn modelId="{A2F86526-5130-461C-A2C8-EC3B15723409}" srcId="{E32E022B-DF33-450A-99BF-A55043D6A488}" destId="{434CDE40-97BE-47E3-AD67-1BAF9E1387E0}" srcOrd="4" destOrd="0" parTransId="{230F22F0-E2BD-4BD7-846F-527D80C36FF6}" sibTransId="{D43AE9D3-A634-4A0F-9A9D-1EB2D2C694B4}"/>
+    <dgm:cxn modelId="{246AC128-EA16-534B-B09C-E95BC05C7CED}" type="presOf" srcId="{434CDE40-97BE-47E3-AD67-1BAF9E1387E0}" destId="{8E20E1BA-6FB0-44F8-BA06-85FF77177048}" srcOrd="0" destOrd="0" presId="urn:microsoft.com/office/officeart/2018/5/layout/IconCircleLabelList"/>
+    <dgm:cxn modelId="{77CF9833-8F17-4F82-8E9F-A63E07654DF4}" srcId="{E32E022B-DF33-450A-99BF-A55043D6A488}" destId="{86EC530F-A630-4D00-AF49-7A2D176CDAFC}" srcOrd="0" destOrd="0" parTransId="{E60B9704-87CA-418A-A270-BF9D01B0B2B5}" sibTransId="{7A1CEDD1-71AE-456B-B969-8C7E5CC6FDE4}"/>
+    <dgm:cxn modelId="{61221546-4C7F-6143-BE55-CFFF72ED453C}" type="presOf" srcId="{2549C60A-9801-0F42-9A81-4533C1E10851}" destId="{E95AC507-27F9-44CD-8F1D-614D51462B53}" srcOrd="0" destOrd="0" presId="urn:microsoft.com/office/officeart/2018/5/layout/IconCircleLabelList"/>
+    <dgm:cxn modelId="{AEAC974E-9897-074C-A9FF-E14E5A3815C2}" type="presOf" srcId="{6B474F7F-41F1-4C75-A07A-EFDF8BADE1D8}" destId="{1CA69545-7D22-4407-AC30-0ED701156872}" srcOrd="0" destOrd="0" presId="urn:microsoft.com/office/officeart/2018/5/layout/IconCircleLabelList"/>
+    <dgm:cxn modelId="{8F302A4F-CE51-439D-B420-3561872E174D}" srcId="{E32E022B-DF33-450A-99BF-A55043D6A488}" destId="{6B474F7F-41F1-4C75-A07A-EFDF8BADE1D8}" srcOrd="2" destOrd="0" parTransId="{5C6F57A1-64AA-486C-B09A-4222115EC7C8}" sibTransId="{A47BB6B4-C984-45B2-958C-C8B130435941}"/>
+    <dgm:cxn modelId="{D9834365-C01D-4CC3-8E63-F762BB53C479}" srcId="{E32E022B-DF33-450A-99BF-A55043D6A488}" destId="{6E9B1C52-E55F-4DB4-BEFF-AA7AF1F0C58D}" srcOrd="5" destOrd="0" parTransId="{809CE627-450D-42BB-A384-9EF84916EC66}" sibTransId="{1EFFB085-2AA7-490D-B58B-9F416EB5608B}"/>
+    <dgm:cxn modelId="{98A5F766-7750-2141-9841-E0B02D7274E3}" type="presOf" srcId="{52610489-BF6E-7240-BCCE-5A337C0B21DB}" destId="{AC57A400-A248-4A48-B3E1-13A63CC9E3CA}" srcOrd="0" destOrd="0" presId="urn:microsoft.com/office/officeart/2018/5/layout/IconCircleLabelList"/>
+    <dgm:cxn modelId="{EB38E17E-ED63-4A40-BFC0-94DC401E9DBC}" srcId="{E32E022B-DF33-450A-99BF-A55043D6A488}" destId="{3984B5DA-F11F-844E-AB82-61B98940620B}" srcOrd="6" destOrd="0" parTransId="{29B27694-145C-4F4C-A26B-AE1BCCF6E19C}" sibTransId="{9BB6FDB7-C230-BB4F-BC09-FC0CFD47E3BB}"/>
     <dgm:cxn modelId="{144A6092-7F17-5847-97C0-27003CC45725}" srcId="{E32E022B-DF33-450A-99BF-A55043D6A488}" destId="{2549C60A-9801-0F42-9A81-4533C1E10851}" srcOrd="7" destOrd="0" parTransId="{68119508-BE14-314F-BCC8-C8870277D3F4}" sibTransId="{33E5C861-4E5C-1348-A848-28116CF943D2}"/>
-    <dgm:cxn modelId="{3DC0B2AF-2A2B-0A4D-A814-61F19C5C1799}" srcId="{E32E022B-DF33-450A-99BF-A55043D6A488}" destId="{52610489-BF6E-7240-BCCE-5A337C0B21DB}" srcOrd="1" destOrd="0" parTransId="{643D97D8-350A-A240-B418-8BA874554218}" sibTransId="{21B15B17-D493-CC42-886A-1F57174DC8D1}"/>
-    <dgm:cxn modelId="{4F0F44B6-A21D-8F42-9698-6BAC615E911C}" type="presOf" srcId="{6E9B1C52-E55F-4DB4-BEFF-AA7AF1F0C58D}" destId="{20AA5EC5-A470-483F-B5B7-A35134C47C2B}" srcOrd="0" destOrd="0" presId="urn:microsoft.com/office/officeart/2018/5/layout/IconCircleLabelList"/>
-    <dgm:cxn modelId="{38693BBF-9DE9-D64E-9449-866928C4CE5C}" type="presOf" srcId="{86EC530F-A630-4D00-AF49-7A2D176CDAFC}" destId="{966D8E85-F698-49AF-B2DE-710432B35FDF}" srcOrd="0" destOrd="0" presId="urn:microsoft.com/office/officeart/2018/5/layout/IconCircleLabelList"/>
-    <dgm:cxn modelId="{A00FB7CD-C669-0C4F-BFA3-35D857A016AD}" type="presOf" srcId="{6B474F7F-41F1-4C75-A07A-EFDF8BADE1D8}" destId="{1CA69545-7D22-4407-AC30-0ED701156872}" srcOrd="0" destOrd="0" presId="urn:microsoft.com/office/officeart/2018/5/layout/IconCircleLabelList"/>
-    <dgm:cxn modelId="{E97312E2-056A-6D4F-9D81-DB3859D4843F}" type="presOf" srcId="{434CDE40-97BE-47E3-AD67-1BAF9E1387E0}" destId="{8E20E1BA-6FB0-44F8-BA06-85FF77177048}" srcOrd="0" destOrd="0" presId="urn:microsoft.com/office/officeart/2018/5/layout/IconCircleLabelList"/>
-    <dgm:cxn modelId="{668609F5-E77A-48DD-AFBF-C9B78955BE64}" srcId="{E32E022B-DF33-450A-99BF-A55043D6A488}" destId="{DF197FAD-050F-4B74-B46D-EF49EEADD3F1}" srcOrd="6" destOrd="0" parTransId="{E182A53B-6978-46B0-9C95-98D0BC25CDF2}" sibTransId="{BA5B6425-870B-415D-956F-769181A4238C}"/>
-    <dgm:cxn modelId="{FD983788-4DA1-DC42-B41D-1EA89ADD0A7F}" type="presParOf" srcId="{97A487CC-03BE-46D7-AC6A-08D5C96246AE}" destId="{59AEBE9A-7B1A-4087-B45B-5BDDDCCB24C6}" srcOrd="0" destOrd="0" presId="urn:microsoft.com/office/officeart/2018/5/layout/IconCircleLabelList"/>
-    <dgm:cxn modelId="{CED73062-0A42-0A45-892B-111E5CAF6305}" type="presParOf" srcId="{59AEBE9A-7B1A-4087-B45B-5BDDDCCB24C6}" destId="{FB469C14-3D17-4886-B924-A08E4B0F535E}" srcOrd="0" destOrd="0" presId="urn:microsoft.com/office/officeart/2018/5/layout/IconCircleLabelList"/>
-    <dgm:cxn modelId="{17E8DE05-92D8-844D-97FA-7F1728B8C007}" type="presParOf" srcId="{59AEBE9A-7B1A-4087-B45B-5BDDDCCB24C6}" destId="{5E29A751-51A4-41AA-8949-90D6F2CA6909}" srcOrd="1" destOrd="0" presId="urn:microsoft.com/office/officeart/2018/5/layout/IconCircleLabelList"/>
-    <dgm:cxn modelId="{A76F269C-6243-1B4B-AEB2-E97A94233C00}" type="presParOf" srcId="{59AEBE9A-7B1A-4087-B45B-5BDDDCCB24C6}" destId="{B0699798-D1AD-4196-9B3D-30D894E03A63}" srcOrd="2" destOrd="0" presId="urn:microsoft.com/office/officeart/2018/5/layout/IconCircleLabelList"/>
-    <dgm:cxn modelId="{0B6B7628-B4E5-BE49-AAC9-4EE8D44EC742}" type="presParOf" srcId="{59AEBE9A-7B1A-4087-B45B-5BDDDCCB24C6}" destId="{1CA69545-7D22-4407-AC30-0ED701156872}" srcOrd="3" destOrd="0" presId="urn:microsoft.com/office/officeart/2018/5/layout/IconCircleLabelList"/>
-    <dgm:cxn modelId="{B7A594C8-FF7F-644D-A80D-D48D3550DD8B}" type="presParOf" srcId="{97A487CC-03BE-46D7-AC6A-08D5C96246AE}" destId="{5F628AB2-6255-41C9-A574-9D3CC239014C}" srcOrd="1" destOrd="0" presId="urn:microsoft.com/office/officeart/2018/5/layout/IconCircleLabelList"/>
-    <dgm:cxn modelId="{12D59151-C829-7E43-BACB-528DAA9E9CEF}" type="presParOf" srcId="{97A487CC-03BE-46D7-AC6A-08D5C96246AE}" destId="{B850195B-93D6-4E3D-94B5-C86BF072133D}" srcOrd="2" destOrd="0" presId="urn:microsoft.com/office/officeart/2018/5/layout/IconCircleLabelList"/>
-    <dgm:cxn modelId="{3DE52848-3ED1-194C-88DA-44DCA223DB7B}" type="presParOf" srcId="{B850195B-93D6-4E3D-94B5-C86BF072133D}" destId="{04562D87-827F-4DEB-9A39-B98DC87BE71B}" srcOrd="0" destOrd="0" presId="urn:microsoft.com/office/officeart/2018/5/layout/IconCircleLabelList"/>
-    <dgm:cxn modelId="{5816B3F3-7D9C-EE42-80E6-BD691D925C0F}" type="presParOf" srcId="{B850195B-93D6-4E3D-94B5-C86BF072133D}" destId="{7C7BF5E3-BEF3-4BAF-B381-B85CAF7B7DC3}" srcOrd="1" destOrd="0" presId="urn:microsoft.com/office/officeart/2018/5/layout/IconCircleLabelList"/>
-    <dgm:cxn modelId="{4B9632DD-A363-F24F-A6A2-21E50E52EB71}" type="presParOf" srcId="{B850195B-93D6-4E3D-94B5-C86BF072133D}" destId="{068B9841-ACCB-4AD5-920A-279DE42C580A}" srcOrd="2" destOrd="0" presId="urn:microsoft.com/office/officeart/2018/5/layout/IconCircleLabelList"/>
-    <dgm:cxn modelId="{AE60A002-69B6-AB46-94AD-E48D7C44437B}" type="presParOf" srcId="{B850195B-93D6-4E3D-94B5-C86BF072133D}" destId="{AC57A400-A248-4A48-B3E1-13A63CC9E3CA}" srcOrd="3" destOrd="0" presId="urn:microsoft.com/office/officeart/2018/5/layout/IconCircleLabelList"/>
-    <dgm:cxn modelId="{0F913BA6-8010-BA4A-A212-00671B2A945A}" type="presParOf" srcId="{97A487CC-03BE-46D7-AC6A-08D5C96246AE}" destId="{7FF460AF-4B25-4EE8-847E-657F0235BB05}" srcOrd="3" destOrd="0" presId="urn:microsoft.com/office/officeart/2018/5/layout/IconCircleLabelList"/>
-    <dgm:cxn modelId="{C06AB571-BA35-1543-9028-0B04F7FD0E47}" type="presParOf" srcId="{97A487CC-03BE-46D7-AC6A-08D5C96246AE}" destId="{CD37D005-1FAB-4518-AB54-4291DEDDEC39}" srcOrd="4" destOrd="0" presId="urn:microsoft.com/office/officeart/2018/5/layout/IconCircleLabelList"/>
-    <dgm:cxn modelId="{25FDF24D-35D5-6548-A336-02FF4D64D2D4}" type="presParOf" srcId="{CD37D005-1FAB-4518-AB54-4291DEDDEC39}" destId="{6C49A57E-A68D-46F0-B756-E4563613E86F}" srcOrd="0" destOrd="0" presId="urn:microsoft.com/office/officeart/2018/5/layout/IconCircleLabelList"/>
-    <dgm:cxn modelId="{45353EEA-4214-0945-9328-C738C6D6DB5D}" type="presParOf" srcId="{CD37D005-1FAB-4518-AB54-4291DEDDEC39}" destId="{BBC198BE-FDC4-410B-B562-15BAE5BA3949}" srcOrd="1" destOrd="0" presId="urn:microsoft.com/office/officeart/2018/5/layout/IconCircleLabelList"/>
-    <dgm:cxn modelId="{ED0437E1-671C-C443-9022-78311196AA70}" type="presParOf" srcId="{CD37D005-1FAB-4518-AB54-4291DEDDEC39}" destId="{ADF55AFE-EA19-4CF9-B71F-586A62EC7938}" srcOrd="2" destOrd="0" presId="urn:microsoft.com/office/officeart/2018/5/layout/IconCircleLabelList"/>
-    <dgm:cxn modelId="{4041BA68-7EB4-3C4F-8F8C-42C54392BC7D}" type="presParOf" srcId="{CD37D005-1FAB-4518-AB54-4291DEDDEC39}" destId="{966D8E85-F698-49AF-B2DE-710432B35FDF}" srcOrd="3" destOrd="0" presId="urn:microsoft.com/office/officeart/2018/5/layout/IconCircleLabelList"/>
-    <dgm:cxn modelId="{F515DEFE-891A-0D4E-A350-210BB475378B}" type="presParOf" srcId="{97A487CC-03BE-46D7-AC6A-08D5C96246AE}" destId="{D0392DAC-BE25-4D43-B831-2CB2DC5D7A21}" srcOrd="5" destOrd="0" presId="urn:microsoft.com/office/officeart/2018/5/layout/IconCircleLabelList"/>
-    <dgm:cxn modelId="{145FD0B2-EB7D-5A40-9891-93FE22BEFC8A}" type="presParOf" srcId="{97A487CC-03BE-46D7-AC6A-08D5C96246AE}" destId="{C646C1EB-7316-4316-B31E-73233D7623CE}" srcOrd="6" destOrd="0" presId="urn:microsoft.com/office/officeart/2018/5/layout/IconCircleLabelList"/>
-    <dgm:cxn modelId="{39D175EC-69A9-E34A-8DF6-1DC53CEE2C5E}" type="presParOf" srcId="{C646C1EB-7316-4316-B31E-73233D7623CE}" destId="{667463A9-86F5-4404-9577-8E27148F1E3C}" srcOrd="0" destOrd="0" presId="urn:microsoft.com/office/officeart/2018/5/layout/IconCircleLabelList"/>
-    <dgm:cxn modelId="{7DCD8E48-FBAD-9548-8E3B-B4FBF50C7CF5}" type="presParOf" srcId="{C646C1EB-7316-4316-B31E-73233D7623CE}" destId="{971A9D0B-C95D-489D-8F63-8B82A6E4C3B7}" srcOrd="1" destOrd="0" presId="urn:microsoft.com/office/officeart/2018/5/layout/IconCircleLabelList"/>
-    <dgm:cxn modelId="{500FDBB5-AE74-7E43-9D0A-2AF125F7366F}" type="presParOf" srcId="{C646C1EB-7316-4316-B31E-73233D7623CE}" destId="{810AD64D-427F-4B4D-AB96-9D87A51F2B7C}" srcOrd="2" destOrd="0" presId="urn:microsoft.com/office/officeart/2018/5/layout/IconCircleLabelList"/>
-    <dgm:cxn modelId="{EEF91C08-234F-FF4A-B86D-FCFC5BF851AF}" type="presParOf" srcId="{C646C1EB-7316-4316-B31E-73233D7623CE}" destId="{8E20E1BA-6FB0-44F8-BA06-85FF77177048}" srcOrd="3" destOrd="0" presId="urn:microsoft.com/office/officeart/2018/5/layout/IconCircleLabelList"/>
-    <dgm:cxn modelId="{6073C72C-F996-EB45-A19F-0D70245B2E62}" type="presParOf" srcId="{97A487CC-03BE-46D7-AC6A-08D5C96246AE}" destId="{FEC3C2AB-EB7E-4919-A417-47A6107C53A4}" srcOrd="7" destOrd="0" presId="urn:microsoft.com/office/officeart/2018/5/layout/IconCircleLabelList"/>
-    <dgm:cxn modelId="{3A80B885-7649-BD4B-9A10-F9687E859CDF}" type="presParOf" srcId="{97A487CC-03BE-46D7-AC6A-08D5C96246AE}" destId="{1E319C2C-C9DB-4543-AEC3-F2B89D2EEF1F}" srcOrd="8" destOrd="0" presId="urn:microsoft.com/office/officeart/2018/5/layout/IconCircleLabelList"/>
-    <dgm:cxn modelId="{14DBCB35-24A4-5B41-8C5A-FEAE79CD06ED}" type="presParOf" srcId="{1E319C2C-C9DB-4543-AEC3-F2B89D2EEF1F}" destId="{C9C53547-33DC-48A3-9040-52A571F05BEE}" srcOrd="0" destOrd="0" presId="urn:microsoft.com/office/officeart/2018/5/layout/IconCircleLabelList"/>
-    <dgm:cxn modelId="{51F8FD8F-28CB-8840-B1BD-F7116630E5B4}" type="presParOf" srcId="{1E319C2C-C9DB-4543-AEC3-F2B89D2EEF1F}" destId="{395A6C2F-B1E6-4347-809D-9EF84CDCDF6C}" srcOrd="1" destOrd="0" presId="urn:microsoft.com/office/officeart/2018/5/layout/IconCircleLabelList"/>
-    <dgm:cxn modelId="{B5830712-AE89-7D4D-9060-0D8B869A896D}" type="presParOf" srcId="{1E319C2C-C9DB-4543-AEC3-F2B89D2EEF1F}" destId="{D1B91AC9-83BE-4940-B836-0422352A851F}" srcOrd="2" destOrd="0" presId="urn:microsoft.com/office/officeart/2018/5/layout/IconCircleLabelList"/>
-    <dgm:cxn modelId="{B15FA3DB-702A-DE4D-967C-5BFD41D9D7D3}" type="presParOf" srcId="{1E319C2C-C9DB-4543-AEC3-F2B89D2EEF1F}" destId="{20AA5EC5-A470-483F-B5B7-A35134C47C2B}" srcOrd="3" destOrd="0" presId="urn:microsoft.com/office/officeart/2018/5/layout/IconCircleLabelList"/>
-    <dgm:cxn modelId="{4FADDDF9-3FC9-EC42-82C3-854736921315}" type="presParOf" srcId="{97A487CC-03BE-46D7-AC6A-08D5C96246AE}" destId="{62726170-8C11-4FB8-AF85-21442F59A481}" srcOrd="9" destOrd="0" presId="urn:microsoft.com/office/officeart/2018/5/layout/IconCircleLabelList"/>
-    <dgm:cxn modelId="{05CDA297-C4AF-7047-88F2-A2BA33167521}" type="presParOf" srcId="{97A487CC-03BE-46D7-AC6A-08D5C96246AE}" destId="{0A3553C9-2578-45B3-8E96-E66DF6E34B06}" srcOrd="10" destOrd="0" presId="urn:microsoft.com/office/officeart/2018/5/layout/IconCircleLabelList"/>
-    <dgm:cxn modelId="{EADB559A-7B5C-9647-9348-4E42BBB48CC4}" type="presParOf" srcId="{0A3553C9-2578-45B3-8E96-E66DF6E34B06}" destId="{A734BC85-5C1F-4412-94DF-4B5D85AD941A}" srcOrd="0" destOrd="0" presId="urn:microsoft.com/office/officeart/2018/5/layout/IconCircleLabelList"/>
-    <dgm:cxn modelId="{700C8B2E-3484-DF40-B5C5-37B971A4AB8A}" type="presParOf" srcId="{0A3553C9-2578-45B3-8E96-E66DF6E34B06}" destId="{B2100B56-C65A-4449-8094-145C500B8FCF}" srcOrd="1" destOrd="0" presId="urn:microsoft.com/office/officeart/2018/5/layout/IconCircleLabelList"/>
-    <dgm:cxn modelId="{2B42D943-E664-F34E-A933-9EBA3E751094}" type="presParOf" srcId="{0A3553C9-2578-45B3-8E96-E66DF6E34B06}" destId="{A000057A-51B6-4DDB-9BCB-E0C4F0DD570B}" srcOrd="2" destOrd="0" presId="urn:microsoft.com/office/officeart/2018/5/layout/IconCircleLabelList"/>
-    <dgm:cxn modelId="{0834BA21-4C00-0547-AFFB-C6627197E7EE}" type="presParOf" srcId="{0A3553C9-2578-45B3-8E96-E66DF6E34B06}" destId="{FE1A83AB-1599-4257-AE2C-1AF42A7D5953}" srcOrd="3" destOrd="0" presId="urn:microsoft.com/office/officeart/2018/5/layout/IconCircleLabelList"/>
-    <dgm:cxn modelId="{B1D67327-7C43-724F-9353-DA6E43C462D5}" type="presParOf" srcId="{97A487CC-03BE-46D7-AC6A-08D5C96246AE}" destId="{E39AC54E-878B-480B-B6F7-650A3F90AFF5}" srcOrd="11" destOrd="0" presId="urn:microsoft.com/office/officeart/2018/5/layout/IconCircleLabelList"/>
-    <dgm:cxn modelId="{E2B13C5B-45FC-ED4D-99AC-673A65024048}" type="presParOf" srcId="{97A487CC-03BE-46D7-AC6A-08D5C96246AE}" destId="{E328B720-C02B-42D5-A9B3-E0A090F3295E}" srcOrd="12" destOrd="0" presId="urn:microsoft.com/office/officeart/2018/5/layout/IconCircleLabelList"/>
-    <dgm:cxn modelId="{86A27D3A-3578-2046-8BBC-36B6F637385B}" type="presParOf" srcId="{E328B720-C02B-42D5-A9B3-E0A090F3295E}" destId="{E419DB7A-A180-4BDF-96B5-739ABB4AFB40}" srcOrd="0" destOrd="0" presId="urn:microsoft.com/office/officeart/2018/5/layout/IconCircleLabelList"/>
-    <dgm:cxn modelId="{6AB83E6B-4701-E745-90EF-FB61EA7F436C}" type="presParOf" srcId="{E328B720-C02B-42D5-A9B3-E0A090F3295E}" destId="{318C75FD-D255-4943-B619-4CC0AE9DE739}" srcOrd="1" destOrd="0" presId="urn:microsoft.com/office/officeart/2018/5/layout/IconCircleLabelList"/>
-    <dgm:cxn modelId="{5F792AE8-5A14-2246-B6BC-B53D1F475790}" type="presParOf" srcId="{E328B720-C02B-42D5-A9B3-E0A090F3295E}" destId="{D22F8BAF-AD87-4D1E-894F-1C543ECFAA7C}" srcOrd="2" destOrd="0" presId="urn:microsoft.com/office/officeart/2018/5/layout/IconCircleLabelList"/>
-    <dgm:cxn modelId="{263D4836-16C2-764E-8615-6898FD351668}" type="presParOf" srcId="{E328B720-C02B-42D5-A9B3-E0A090F3295E}" destId="{B9E97642-D81E-46BA-92B8-5F7448E134D3}" srcOrd="3" destOrd="0" presId="urn:microsoft.com/office/officeart/2018/5/layout/IconCircleLabelList"/>
-    <dgm:cxn modelId="{50462667-E920-EA49-A3C2-824900A3C70D}" type="presParOf" srcId="{97A487CC-03BE-46D7-AC6A-08D5C96246AE}" destId="{07CAA906-7B6B-46A5-9686-1280315BED57}" srcOrd="13" destOrd="0" presId="urn:microsoft.com/office/officeart/2018/5/layout/IconCircleLabelList"/>
-    <dgm:cxn modelId="{C4D8281F-CBBB-0249-93B9-FBA6D681E539}" type="presParOf" srcId="{97A487CC-03BE-46D7-AC6A-08D5C96246AE}" destId="{48D10531-F0C8-4830-A1B0-AE57E7B530F8}" srcOrd="14" destOrd="0" presId="urn:microsoft.com/office/officeart/2018/5/layout/IconCircleLabelList"/>
-    <dgm:cxn modelId="{6A388C4F-77EA-0B40-98D1-140F0429D619}" type="presParOf" srcId="{48D10531-F0C8-4830-A1B0-AE57E7B530F8}" destId="{B56945E2-B9E6-42F2-8354-0AA1F623E442}" srcOrd="0" destOrd="0" presId="urn:microsoft.com/office/officeart/2018/5/layout/IconCircleLabelList"/>
-    <dgm:cxn modelId="{8D17B3E2-24F1-6E4F-A0DE-5717DE6F60E8}" type="presParOf" srcId="{48D10531-F0C8-4830-A1B0-AE57E7B530F8}" destId="{E4B4A830-F2AC-4BD7-B6DE-C0DD209CC9C6}" srcOrd="1" destOrd="0" presId="urn:microsoft.com/office/officeart/2018/5/layout/IconCircleLabelList"/>
-    <dgm:cxn modelId="{86530CB0-6294-BD47-9688-19031D70C642}" type="presParOf" srcId="{48D10531-F0C8-4830-A1B0-AE57E7B530F8}" destId="{9D48725B-9ABB-4C3A-998E-38B408726F21}" srcOrd="2" destOrd="0" presId="urn:microsoft.com/office/officeart/2018/5/layout/IconCircleLabelList"/>
-    <dgm:cxn modelId="{075EB1B6-F107-AC4C-A48B-3B0D93335A70}" type="presParOf" srcId="{48D10531-F0C8-4830-A1B0-AE57E7B530F8}" destId="{E95AC507-27F9-44CD-8F1D-614D51462B53}" srcOrd="3" destOrd="0" presId="urn:microsoft.com/office/officeart/2018/5/layout/IconCircleLabelList"/>
+    <dgm:cxn modelId="{4A611695-D950-0C42-BB19-9FEFCF77FD63}" type="presOf" srcId="{3984B5DA-F11F-844E-AB82-61B98940620B}" destId="{FE1A83AB-1599-4257-AE2C-1AF42A7D5953}" srcOrd="0" destOrd="0" presId="urn:microsoft.com/office/officeart/2018/5/layout/IconCircleLabelList"/>
+    <dgm:cxn modelId="{3DC0B2AF-2A2B-0A4D-A814-61F19C5C1799}" srcId="{E32E022B-DF33-450A-99BF-A55043D6A488}" destId="{52610489-BF6E-7240-BCCE-5A337C0B21DB}" srcOrd="3" destOrd="0" parTransId="{643D97D8-350A-A240-B418-8BA874554218}" sibTransId="{21B15B17-D493-CC42-886A-1F57174DC8D1}"/>
+    <dgm:cxn modelId="{BF1D74B1-4BB1-4A45-AAA7-CC5B25CC8634}" type="presOf" srcId="{86EC530F-A630-4D00-AF49-7A2D176CDAFC}" destId="{966D8E85-F698-49AF-B2DE-710432B35FDF}" srcOrd="0" destOrd="0" presId="urn:microsoft.com/office/officeart/2018/5/layout/IconCircleLabelList"/>
+    <dgm:cxn modelId="{BAB765EF-723C-6D4D-B1BC-57EAF65462A9}" type="presOf" srcId="{DF197FAD-050F-4B74-B46D-EF49EEADD3F1}" destId="{B9E97642-D81E-46BA-92B8-5F7448E134D3}" srcOrd="0" destOrd="0" presId="urn:microsoft.com/office/officeart/2018/5/layout/IconCircleLabelList"/>
+    <dgm:cxn modelId="{668609F5-E77A-48DD-AFBF-C9B78955BE64}" srcId="{E32E022B-DF33-450A-99BF-A55043D6A488}" destId="{DF197FAD-050F-4B74-B46D-EF49EEADD3F1}" srcOrd="1" destOrd="0" parTransId="{E182A53B-6978-46B0-9C95-98D0BC25CDF2}" sibTransId="{BA5B6425-870B-415D-956F-769181A4238C}"/>
+    <dgm:cxn modelId="{74C799F8-F491-E94B-BF68-9B09818A721A}" type="presOf" srcId="{6E9B1C52-E55F-4DB4-BEFF-AA7AF1F0C58D}" destId="{20AA5EC5-A470-483F-B5B7-A35134C47C2B}" srcOrd="0" destOrd="0" presId="urn:microsoft.com/office/officeart/2018/5/layout/IconCircleLabelList"/>
+    <dgm:cxn modelId="{B1168D56-3FE7-6646-BE05-675B9C8F6E6F}" type="presParOf" srcId="{97A487CC-03BE-46D7-AC6A-08D5C96246AE}" destId="{CD37D005-1FAB-4518-AB54-4291DEDDEC39}" srcOrd="0" destOrd="0" presId="urn:microsoft.com/office/officeart/2018/5/layout/IconCircleLabelList"/>
+    <dgm:cxn modelId="{85ACDE08-D89E-4A43-818A-B987C6930253}" type="presParOf" srcId="{CD37D005-1FAB-4518-AB54-4291DEDDEC39}" destId="{6C49A57E-A68D-46F0-B756-E4563613E86F}" srcOrd="0" destOrd="0" presId="urn:microsoft.com/office/officeart/2018/5/layout/IconCircleLabelList"/>
+    <dgm:cxn modelId="{B840D84D-A20E-0842-871A-A612C40C03E2}" type="presParOf" srcId="{CD37D005-1FAB-4518-AB54-4291DEDDEC39}" destId="{BBC198BE-FDC4-410B-B562-15BAE5BA3949}" srcOrd="1" destOrd="0" presId="urn:microsoft.com/office/officeart/2018/5/layout/IconCircleLabelList"/>
+    <dgm:cxn modelId="{3FCB5D63-0F2C-B941-AF5C-B2FEE3B44939}" type="presParOf" srcId="{CD37D005-1FAB-4518-AB54-4291DEDDEC39}" destId="{ADF55AFE-EA19-4CF9-B71F-586A62EC7938}" srcOrd="2" destOrd="0" presId="urn:microsoft.com/office/officeart/2018/5/layout/IconCircleLabelList"/>
+    <dgm:cxn modelId="{87EEFA55-8B00-3A42-8885-04CE9BE5E3FC}" type="presParOf" srcId="{CD37D005-1FAB-4518-AB54-4291DEDDEC39}" destId="{966D8E85-F698-49AF-B2DE-710432B35FDF}" srcOrd="3" destOrd="0" presId="urn:microsoft.com/office/officeart/2018/5/layout/IconCircleLabelList"/>
+    <dgm:cxn modelId="{D8E4827E-9AAF-9145-9B0B-6446C180A0A6}" type="presParOf" srcId="{97A487CC-03BE-46D7-AC6A-08D5C96246AE}" destId="{D0392DAC-BE25-4D43-B831-2CB2DC5D7A21}" srcOrd="1" destOrd="0" presId="urn:microsoft.com/office/officeart/2018/5/layout/IconCircleLabelList"/>
+    <dgm:cxn modelId="{88CF0211-676C-AB46-939D-1636D6DD3F3E}" type="presParOf" srcId="{97A487CC-03BE-46D7-AC6A-08D5C96246AE}" destId="{E328B720-C02B-42D5-A9B3-E0A090F3295E}" srcOrd="2" destOrd="0" presId="urn:microsoft.com/office/officeart/2018/5/layout/IconCircleLabelList"/>
+    <dgm:cxn modelId="{0018864C-14B1-9945-9FBE-33BFF82DA7F6}" type="presParOf" srcId="{E328B720-C02B-42D5-A9B3-E0A090F3295E}" destId="{E419DB7A-A180-4BDF-96B5-739ABB4AFB40}" srcOrd="0" destOrd="0" presId="urn:microsoft.com/office/officeart/2018/5/layout/IconCircleLabelList"/>
+    <dgm:cxn modelId="{E449752E-A7C9-F147-A46F-7538257D2852}" type="presParOf" srcId="{E328B720-C02B-42D5-A9B3-E0A090F3295E}" destId="{318C75FD-D255-4943-B619-4CC0AE9DE739}" srcOrd="1" destOrd="0" presId="urn:microsoft.com/office/officeart/2018/5/layout/IconCircleLabelList"/>
+    <dgm:cxn modelId="{05345009-A25B-7545-8BA6-7699A36B99DA}" type="presParOf" srcId="{E328B720-C02B-42D5-A9B3-E0A090F3295E}" destId="{D22F8BAF-AD87-4D1E-894F-1C543ECFAA7C}" srcOrd="2" destOrd="0" presId="urn:microsoft.com/office/officeart/2018/5/layout/IconCircleLabelList"/>
+    <dgm:cxn modelId="{D9C9A653-D992-F34F-9DA2-C26C4F9BAE32}" type="presParOf" srcId="{E328B720-C02B-42D5-A9B3-E0A090F3295E}" destId="{B9E97642-D81E-46BA-92B8-5F7448E134D3}" srcOrd="3" destOrd="0" presId="urn:microsoft.com/office/officeart/2018/5/layout/IconCircleLabelList"/>
+    <dgm:cxn modelId="{2B12DA08-12FD-2A41-90BE-5B13B1F99EF2}" type="presParOf" srcId="{97A487CC-03BE-46D7-AC6A-08D5C96246AE}" destId="{07CAA906-7B6B-46A5-9686-1280315BED57}" srcOrd="3" destOrd="0" presId="urn:microsoft.com/office/officeart/2018/5/layout/IconCircleLabelList"/>
+    <dgm:cxn modelId="{5170C684-A040-D349-8FBC-50A726944AE8}" type="presParOf" srcId="{97A487CC-03BE-46D7-AC6A-08D5C96246AE}" destId="{59AEBE9A-7B1A-4087-B45B-5BDDDCCB24C6}" srcOrd="4" destOrd="0" presId="urn:microsoft.com/office/officeart/2018/5/layout/IconCircleLabelList"/>
+    <dgm:cxn modelId="{1D7B61F1-FB63-444E-A254-047FDCA35A1B}" type="presParOf" srcId="{59AEBE9A-7B1A-4087-B45B-5BDDDCCB24C6}" destId="{FB469C14-3D17-4886-B924-A08E4B0F535E}" srcOrd="0" destOrd="0" presId="urn:microsoft.com/office/officeart/2018/5/layout/IconCircleLabelList"/>
+    <dgm:cxn modelId="{9A0C5239-5194-494E-9AAD-9EC3384EC83B}" type="presParOf" srcId="{59AEBE9A-7B1A-4087-B45B-5BDDDCCB24C6}" destId="{5E29A751-51A4-41AA-8949-90D6F2CA6909}" srcOrd="1" destOrd="0" presId="urn:microsoft.com/office/officeart/2018/5/layout/IconCircleLabelList"/>
+    <dgm:cxn modelId="{A74D34A6-7F2B-0348-B554-CBA670AC0C34}" type="presParOf" srcId="{59AEBE9A-7B1A-4087-B45B-5BDDDCCB24C6}" destId="{B0699798-D1AD-4196-9B3D-30D894E03A63}" srcOrd="2" destOrd="0" presId="urn:microsoft.com/office/officeart/2018/5/layout/IconCircleLabelList"/>
+    <dgm:cxn modelId="{698B339B-E563-3B4F-BD74-8F3EFDDC1A63}" type="presParOf" srcId="{59AEBE9A-7B1A-4087-B45B-5BDDDCCB24C6}" destId="{1CA69545-7D22-4407-AC30-0ED701156872}" srcOrd="3" destOrd="0" presId="urn:microsoft.com/office/officeart/2018/5/layout/IconCircleLabelList"/>
+    <dgm:cxn modelId="{F494C369-5857-F744-93F3-F166605DA77B}" type="presParOf" srcId="{97A487CC-03BE-46D7-AC6A-08D5C96246AE}" destId="{5F628AB2-6255-41C9-A574-9D3CC239014C}" srcOrd="5" destOrd="0" presId="urn:microsoft.com/office/officeart/2018/5/layout/IconCircleLabelList"/>
+    <dgm:cxn modelId="{491587A3-6548-BC45-9226-BC5A41691ED8}" type="presParOf" srcId="{97A487CC-03BE-46D7-AC6A-08D5C96246AE}" destId="{B850195B-93D6-4E3D-94B5-C86BF072133D}" srcOrd="6" destOrd="0" presId="urn:microsoft.com/office/officeart/2018/5/layout/IconCircleLabelList"/>
+    <dgm:cxn modelId="{91AE798C-6EA1-EA40-90D2-5A3A8D8CFCA2}" type="presParOf" srcId="{B850195B-93D6-4E3D-94B5-C86BF072133D}" destId="{04562D87-827F-4DEB-9A39-B98DC87BE71B}" srcOrd="0" destOrd="0" presId="urn:microsoft.com/office/officeart/2018/5/layout/IconCircleLabelList"/>
+    <dgm:cxn modelId="{5E26956E-9032-534A-9177-C4D2583649CF}" type="presParOf" srcId="{B850195B-93D6-4E3D-94B5-C86BF072133D}" destId="{7C7BF5E3-BEF3-4BAF-B381-B85CAF7B7DC3}" srcOrd="1" destOrd="0" presId="urn:microsoft.com/office/officeart/2018/5/layout/IconCircleLabelList"/>
+    <dgm:cxn modelId="{584A030A-69E4-2449-A2DF-783DBF9A677F}" type="presParOf" srcId="{B850195B-93D6-4E3D-94B5-C86BF072133D}" destId="{068B9841-ACCB-4AD5-920A-279DE42C580A}" srcOrd="2" destOrd="0" presId="urn:microsoft.com/office/officeart/2018/5/layout/IconCircleLabelList"/>
+    <dgm:cxn modelId="{395B46B4-8285-FA46-987C-7DDE8916B9C2}" type="presParOf" srcId="{B850195B-93D6-4E3D-94B5-C86BF072133D}" destId="{AC57A400-A248-4A48-B3E1-13A63CC9E3CA}" srcOrd="3" destOrd="0" presId="urn:microsoft.com/office/officeart/2018/5/layout/IconCircleLabelList"/>
+    <dgm:cxn modelId="{A868AC38-B467-CB4C-889C-D18EC1181E61}" type="presParOf" srcId="{97A487CC-03BE-46D7-AC6A-08D5C96246AE}" destId="{7FF460AF-4B25-4EE8-847E-657F0235BB05}" srcOrd="7" destOrd="0" presId="urn:microsoft.com/office/officeart/2018/5/layout/IconCircleLabelList"/>
+    <dgm:cxn modelId="{E4CE45CC-7594-7E4D-8D17-56C9A850B05C}" type="presParOf" srcId="{97A487CC-03BE-46D7-AC6A-08D5C96246AE}" destId="{C646C1EB-7316-4316-B31E-73233D7623CE}" srcOrd="8" destOrd="0" presId="urn:microsoft.com/office/officeart/2018/5/layout/IconCircleLabelList"/>
+    <dgm:cxn modelId="{3E4AAA5D-5C43-D94C-90DD-018974961772}" type="presParOf" srcId="{C646C1EB-7316-4316-B31E-73233D7623CE}" destId="{667463A9-86F5-4404-9577-8E27148F1E3C}" srcOrd="0" destOrd="0" presId="urn:microsoft.com/office/officeart/2018/5/layout/IconCircleLabelList"/>
+    <dgm:cxn modelId="{11E890EB-167B-3A4F-8871-880B5AD3CC9E}" type="presParOf" srcId="{C646C1EB-7316-4316-B31E-73233D7623CE}" destId="{971A9D0B-C95D-489D-8F63-8B82A6E4C3B7}" srcOrd="1" destOrd="0" presId="urn:microsoft.com/office/officeart/2018/5/layout/IconCircleLabelList"/>
+    <dgm:cxn modelId="{E748A55D-32C1-2947-BD8F-B8180E87ADFF}" type="presParOf" srcId="{C646C1EB-7316-4316-B31E-73233D7623CE}" destId="{810AD64D-427F-4B4D-AB96-9D87A51F2B7C}" srcOrd="2" destOrd="0" presId="urn:microsoft.com/office/officeart/2018/5/layout/IconCircleLabelList"/>
+    <dgm:cxn modelId="{4690FB6C-6039-014E-874C-C64FE8B97949}" type="presParOf" srcId="{C646C1EB-7316-4316-B31E-73233D7623CE}" destId="{8E20E1BA-6FB0-44F8-BA06-85FF77177048}" srcOrd="3" destOrd="0" presId="urn:microsoft.com/office/officeart/2018/5/layout/IconCircleLabelList"/>
+    <dgm:cxn modelId="{8E06006E-54BD-0E41-BFD7-B9DA3A27DD13}" type="presParOf" srcId="{97A487CC-03BE-46D7-AC6A-08D5C96246AE}" destId="{FEC3C2AB-EB7E-4919-A417-47A6107C53A4}" srcOrd="9" destOrd="0" presId="urn:microsoft.com/office/officeart/2018/5/layout/IconCircleLabelList"/>
+    <dgm:cxn modelId="{9249573A-9F8F-7048-AA13-1A0CC81C7474}" type="presParOf" srcId="{97A487CC-03BE-46D7-AC6A-08D5C96246AE}" destId="{1E319C2C-C9DB-4543-AEC3-F2B89D2EEF1F}" srcOrd="10" destOrd="0" presId="urn:microsoft.com/office/officeart/2018/5/layout/IconCircleLabelList"/>
+    <dgm:cxn modelId="{35C6D0A1-62D9-E348-87DC-C4A42DC686C9}" type="presParOf" srcId="{1E319C2C-C9DB-4543-AEC3-F2B89D2EEF1F}" destId="{C9C53547-33DC-48A3-9040-52A571F05BEE}" srcOrd="0" destOrd="0" presId="urn:microsoft.com/office/officeart/2018/5/layout/IconCircleLabelList"/>
+    <dgm:cxn modelId="{2E35996A-FD40-9D43-86AA-BB1C06E22B40}" type="presParOf" srcId="{1E319C2C-C9DB-4543-AEC3-F2B89D2EEF1F}" destId="{395A6C2F-B1E6-4347-809D-9EF84CDCDF6C}" srcOrd="1" destOrd="0" presId="urn:microsoft.com/office/officeart/2018/5/layout/IconCircleLabelList"/>
+    <dgm:cxn modelId="{1A2A07A4-E013-3043-967B-9406EAFEC451}" type="presParOf" srcId="{1E319C2C-C9DB-4543-AEC3-F2B89D2EEF1F}" destId="{D1B91AC9-83BE-4940-B836-0422352A851F}" srcOrd="2" destOrd="0" presId="urn:microsoft.com/office/officeart/2018/5/layout/IconCircleLabelList"/>
+    <dgm:cxn modelId="{2E4601F9-FBE9-B54D-A7A8-232AC7EA79A3}" type="presParOf" srcId="{1E319C2C-C9DB-4543-AEC3-F2B89D2EEF1F}" destId="{20AA5EC5-A470-483F-B5B7-A35134C47C2B}" srcOrd="3" destOrd="0" presId="urn:microsoft.com/office/officeart/2018/5/layout/IconCircleLabelList"/>
+    <dgm:cxn modelId="{AE68F2E8-C6CA-8942-B49F-6B8467A996D5}" type="presParOf" srcId="{97A487CC-03BE-46D7-AC6A-08D5C96246AE}" destId="{62726170-8C11-4FB8-AF85-21442F59A481}" srcOrd="11" destOrd="0" presId="urn:microsoft.com/office/officeart/2018/5/layout/IconCircleLabelList"/>
+    <dgm:cxn modelId="{E1B4ED09-1F36-104B-9292-3C8738AB26F1}" type="presParOf" srcId="{97A487CC-03BE-46D7-AC6A-08D5C96246AE}" destId="{0A3553C9-2578-45B3-8E96-E66DF6E34B06}" srcOrd="12" destOrd="0" presId="urn:microsoft.com/office/officeart/2018/5/layout/IconCircleLabelList"/>
+    <dgm:cxn modelId="{3B80D71D-4C20-E043-940C-CCF19DAF03EC}" type="presParOf" srcId="{0A3553C9-2578-45B3-8E96-E66DF6E34B06}" destId="{A734BC85-5C1F-4412-94DF-4B5D85AD941A}" srcOrd="0" destOrd="0" presId="urn:microsoft.com/office/officeart/2018/5/layout/IconCircleLabelList"/>
+    <dgm:cxn modelId="{5B324517-CF07-7C43-B148-8A73DAA30882}" type="presParOf" srcId="{0A3553C9-2578-45B3-8E96-E66DF6E34B06}" destId="{B2100B56-C65A-4449-8094-145C500B8FCF}" srcOrd="1" destOrd="0" presId="urn:microsoft.com/office/officeart/2018/5/layout/IconCircleLabelList"/>
+    <dgm:cxn modelId="{3577D0FE-5274-0C45-96A9-892478EAEB28}" type="presParOf" srcId="{0A3553C9-2578-45B3-8E96-E66DF6E34B06}" destId="{A000057A-51B6-4DDB-9BCB-E0C4F0DD570B}" srcOrd="2" destOrd="0" presId="urn:microsoft.com/office/officeart/2018/5/layout/IconCircleLabelList"/>
+    <dgm:cxn modelId="{C3ACDBFF-A9C8-2543-8271-EE9A75B32B34}" type="presParOf" srcId="{0A3553C9-2578-45B3-8E96-E66DF6E34B06}" destId="{FE1A83AB-1599-4257-AE2C-1AF42A7D5953}" srcOrd="3" destOrd="0" presId="urn:microsoft.com/office/officeart/2018/5/layout/IconCircleLabelList"/>
+    <dgm:cxn modelId="{C5C1F92B-BED0-D44F-843D-B487A21B679F}" type="presParOf" srcId="{97A487CC-03BE-46D7-AC6A-08D5C96246AE}" destId="{E39AC54E-878B-480B-B6F7-650A3F90AFF5}" srcOrd="13" destOrd="0" presId="urn:microsoft.com/office/officeart/2018/5/layout/IconCircleLabelList"/>
+    <dgm:cxn modelId="{19D1D28A-6AFA-7348-B113-1D069B97905A}" type="presParOf" srcId="{97A487CC-03BE-46D7-AC6A-08D5C96246AE}" destId="{48D10531-F0C8-4830-A1B0-AE57E7B530F8}" srcOrd="14" destOrd="0" presId="urn:microsoft.com/office/officeart/2018/5/layout/IconCircleLabelList"/>
+    <dgm:cxn modelId="{F80E85CA-6E42-C54D-B660-A7CC2A2DA310}" type="presParOf" srcId="{48D10531-F0C8-4830-A1B0-AE57E7B530F8}" destId="{B56945E2-B9E6-42F2-8354-0AA1F623E442}" srcOrd="0" destOrd="0" presId="urn:microsoft.com/office/officeart/2018/5/layout/IconCircleLabelList"/>
+    <dgm:cxn modelId="{10F6DC72-DC17-1746-BB3A-D3C7DCEE3BD6}" type="presParOf" srcId="{48D10531-F0C8-4830-A1B0-AE57E7B530F8}" destId="{E4B4A830-F2AC-4BD7-B6DE-C0DD209CC9C6}" srcOrd="1" destOrd="0" presId="urn:microsoft.com/office/officeart/2018/5/layout/IconCircleLabelList"/>
+    <dgm:cxn modelId="{F6DE588C-2110-E740-AC04-551FA2D9F1CA}" type="presParOf" srcId="{48D10531-F0C8-4830-A1B0-AE57E7B530F8}" destId="{9D48725B-9ABB-4C3A-998E-38B408726F21}" srcOrd="2" destOrd="0" presId="urn:microsoft.com/office/officeart/2018/5/layout/IconCircleLabelList"/>
+    <dgm:cxn modelId="{34C01718-4FDE-3740-A325-84E62DE704B3}" type="presParOf" srcId="{48D10531-F0C8-4830-A1B0-AE57E7B530F8}" destId="{E95AC507-27F9-44CD-8F1D-614D51462B53}" srcOrd="3" destOrd="0" presId="urn:microsoft.com/office/officeart/2018/5/layout/IconCircleLabelList"/>
   </dgm:cxnLst>
   <dgm:bg/>
   <dgm:whole/>
@@ -10768,7 +9984,7 @@
   <dgm:whole/>
   <dgm:extLst>
     <a:ext uri="http://schemas.microsoft.com/office/drawing/2008/diagram">
-      <dsp:dataModelExt xmlns:dsp="http://schemas.microsoft.com/office/drawing/2008/diagram" relId="rId6" minVer="http://schemas.openxmlformats.org/drawingml/2006/diagram"/>
+      <dsp:dataModelExt xmlns:dsp="http://schemas.microsoft.com/office/drawing/2008/diagram" relId="rId7" minVer="http://schemas.openxmlformats.org/drawingml/2006/diagram"/>
     </a:ext>
   </dgm:extLst>
 </dgm:dataModel>
@@ -11208,7 +10424,7 @@
           </a:pPr>
           <a:r>
             <a:rPr lang="en-US" dirty="0"/>
-            <a:t>If Pub/Sub gets a success message it removes the message from the queue</a:t>
+            <a:t>If Pub/Sub gets a success response code it removes the message from the queue</a:t>
           </a:r>
         </a:p>
       </dgm:t>
@@ -11424,257 +10640,13 @@
   <dgm:whole/>
   <dgm:extLst>
     <a:ext uri="http://schemas.microsoft.com/office/drawing/2008/diagram">
-      <dsp:dataModelExt xmlns:dsp="http://schemas.microsoft.com/office/drawing/2008/diagram" relId="rId6" minVer="http://schemas.openxmlformats.org/drawingml/2006/diagram"/>
+      <dsp:dataModelExt xmlns:dsp="http://schemas.microsoft.com/office/drawing/2008/diagram" relId="rId7" minVer="http://schemas.openxmlformats.org/drawingml/2006/diagram"/>
     </a:ext>
   </dgm:extLst>
 </dgm:dataModel>
 </file>
 
 <file path=ppt/diagrams/data7.xml><?xml version="1.0" encoding="utf-8"?>
-<dgm:dataModel xmlns:dgm="http://schemas.openxmlformats.org/drawingml/2006/diagram" xmlns:a="http://schemas.openxmlformats.org/drawingml/2006/main">
-  <dgm:ptLst>
-    <dgm:pt modelId="{4E10D4B3-63FF-43CE-B7F2-17381AD2519D}" type="doc">
-      <dgm:prSet loTypeId="urn:microsoft.com/office/officeart/2005/8/layout/hierarchy1" loCatId="hierarchy" qsTypeId="urn:microsoft.com/office/officeart/2005/8/quickstyle/simple5" qsCatId="simple" csTypeId="urn:microsoft.com/office/officeart/2005/8/colors/colorful2" csCatId="colorful"/>
-      <dgm:spPr/>
-      <dgm:t>
-        <a:bodyPr/>
-        <a:lstStyle/>
-        <a:p>
-          <a:endParaRPr lang="en-US"/>
-        </a:p>
-      </dgm:t>
-    </dgm:pt>
-    <dgm:pt modelId="{3AAD4C0E-4293-4337-A665-B19E084A4BB1}">
-      <dgm:prSet/>
-      <dgm:spPr/>
-      <dgm:t>
-        <a:bodyPr/>
-        <a:lstStyle/>
-        <a:p>
-          <a:r>
-            <a:rPr lang="en-US" baseline="0"/>
-            <a:t>Message that can’t be processed for some reason</a:t>
-          </a:r>
-          <a:endParaRPr lang="en-US"/>
-        </a:p>
-      </dgm:t>
-    </dgm:pt>
-    <dgm:pt modelId="{65DF91B4-F470-4853-A005-611D9053790E}" type="parTrans" cxnId="{6CB3C8F4-D4A1-44EA-8A03-CCEBBBED46E5}">
-      <dgm:prSet/>
-      <dgm:spPr/>
-      <dgm:t>
-        <a:bodyPr/>
-        <a:lstStyle/>
-        <a:p>
-          <a:endParaRPr lang="en-US"/>
-        </a:p>
-      </dgm:t>
-    </dgm:pt>
-    <dgm:pt modelId="{BC7C417D-20B5-4F9F-B771-E8050B2AED93}" type="sibTrans" cxnId="{6CB3C8F4-D4A1-44EA-8A03-CCEBBBED46E5}">
-      <dgm:prSet/>
-      <dgm:spPr/>
-      <dgm:t>
-        <a:bodyPr/>
-        <a:lstStyle/>
-        <a:p>
-          <a:endParaRPr lang="en-US"/>
-        </a:p>
-      </dgm:t>
-    </dgm:pt>
-    <dgm:pt modelId="{BBE06713-8A3E-4B0B-90C9-2A71F48D7BD8}">
-      <dgm:prSet/>
-      <dgm:spPr/>
-      <dgm:t>
-        <a:bodyPr/>
-        <a:lstStyle/>
-        <a:p>
-          <a:r>
-            <a:rPr lang="en-US" baseline="0"/>
-            <a:t>Issue in the application so it isn’t processing messages</a:t>
-          </a:r>
-          <a:endParaRPr lang="en-US"/>
-        </a:p>
-      </dgm:t>
-    </dgm:pt>
-    <dgm:pt modelId="{A63CB2E1-5643-4765-9443-01A1398AB3B0}" type="parTrans" cxnId="{7C1CB9F9-817E-45A3-B026-34259FFACA6E}">
-      <dgm:prSet/>
-      <dgm:spPr/>
-      <dgm:t>
-        <a:bodyPr/>
-        <a:lstStyle/>
-        <a:p>
-          <a:endParaRPr lang="en-US"/>
-        </a:p>
-      </dgm:t>
-    </dgm:pt>
-    <dgm:pt modelId="{06BA450D-5B7D-44A7-89C1-4C0BF3FC62CF}" type="sibTrans" cxnId="{7C1CB9F9-817E-45A3-B026-34259FFACA6E}">
-      <dgm:prSet/>
-      <dgm:spPr/>
-      <dgm:t>
-        <a:bodyPr/>
-        <a:lstStyle/>
-        <a:p>
-          <a:endParaRPr lang="en-US"/>
-        </a:p>
-      </dgm:t>
-    </dgm:pt>
-    <dgm:pt modelId="{7AB125C3-5CE0-4CA4-B9B6-753ED6FE2631}">
-      <dgm:prSet/>
-      <dgm:spPr/>
-      <dgm:t>
-        <a:bodyPr/>
-        <a:lstStyle/>
-        <a:p>
-          <a:r>
-            <a:rPr lang="en-US" baseline="0"/>
-            <a:t>Messages sent that don’t need to be processed</a:t>
-          </a:r>
-          <a:endParaRPr lang="en-US"/>
-        </a:p>
-      </dgm:t>
-    </dgm:pt>
-    <dgm:pt modelId="{C309864E-745C-4B4A-A1D1-1FC3A1712285}" type="parTrans" cxnId="{ED3F01CA-90F3-4C26-9BEF-8A2AD8F6D33C}">
-      <dgm:prSet/>
-      <dgm:spPr/>
-      <dgm:t>
-        <a:bodyPr/>
-        <a:lstStyle/>
-        <a:p>
-          <a:endParaRPr lang="en-US"/>
-        </a:p>
-      </dgm:t>
-    </dgm:pt>
-    <dgm:pt modelId="{DCCAD33A-C947-4F9D-AE9A-8D0373C9D545}" type="sibTrans" cxnId="{ED3F01CA-90F3-4C26-9BEF-8A2AD8F6D33C}">
-      <dgm:prSet/>
-      <dgm:spPr/>
-      <dgm:t>
-        <a:bodyPr/>
-        <a:lstStyle/>
-        <a:p>
-          <a:endParaRPr lang="en-US"/>
-        </a:p>
-      </dgm:t>
-    </dgm:pt>
-    <dgm:pt modelId="{630EE8A9-32EC-C84A-87F5-75551CAB0988}" type="pres">
-      <dgm:prSet presAssocID="{4E10D4B3-63FF-43CE-B7F2-17381AD2519D}" presName="hierChild1" presStyleCnt="0">
-        <dgm:presLayoutVars>
-          <dgm:chPref val="1"/>
-          <dgm:dir/>
-          <dgm:animOne val="branch"/>
-          <dgm:animLvl val="lvl"/>
-          <dgm:resizeHandles/>
-        </dgm:presLayoutVars>
-      </dgm:prSet>
-      <dgm:spPr/>
-    </dgm:pt>
-    <dgm:pt modelId="{1AE51E3C-91E0-FC48-BD15-F850A99C2C30}" type="pres">
-      <dgm:prSet presAssocID="{3AAD4C0E-4293-4337-A665-B19E084A4BB1}" presName="hierRoot1" presStyleCnt="0"/>
-      <dgm:spPr/>
-    </dgm:pt>
-    <dgm:pt modelId="{1748E47E-648E-0A43-A913-322232A88479}" type="pres">
-      <dgm:prSet presAssocID="{3AAD4C0E-4293-4337-A665-B19E084A4BB1}" presName="composite" presStyleCnt="0"/>
-      <dgm:spPr/>
-    </dgm:pt>
-    <dgm:pt modelId="{8E78F5A4-74AF-1843-A0C5-DD8DDC80E4E8}" type="pres">
-      <dgm:prSet presAssocID="{3AAD4C0E-4293-4337-A665-B19E084A4BB1}" presName="background" presStyleLbl="node0" presStyleIdx="0" presStyleCnt="3"/>
-      <dgm:spPr/>
-    </dgm:pt>
-    <dgm:pt modelId="{1B917D32-A760-ED4F-930F-10FE920ED227}" type="pres">
-      <dgm:prSet presAssocID="{3AAD4C0E-4293-4337-A665-B19E084A4BB1}" presName="text" presStyleLbl="fgAcc0" presStyleIdx="0" presStyleCnt="3">
-        <dgm:presLayoutVars>
-          <dgm:chPref val="3"/>
-        </dgm:presLayoutVars>
-      </dgm:prSet>
-      <dgm:spPr/>
-    </dgm:pt>
-    <dgm:pt modelId="{F865C6CC-0A26-0E42-BB7A-21DE40554A31}" type="pres">
-      <dgm:prSet presAssocID="{3AAD4C0E-4293-4337-A665-B19E084A4BB1}" presName="hierChild2" presStyleCnt="0"/>
-      <dgm:spPr/>
-    </dgm:pt>
-    <dgm:pt modelId="{2ACBABAC-7DFC-C24F-8631-582EB3218503}" type="pres">
-      <dgm:prSet presAssocID="{BBE06713-8A3E-4B0B-90C9-2A71F48D7BD8}" presName="hierRoot1" presStyleCnt="0"/>
-      <dgm:spPr/>
-    </dgm:pt>
-    <dgm:pt modelId="{8FC4583F-6B0C-5741-A946-BBC1DD7F287F}" type="pres">
-      <dgm:prSet presAssocID="{BBE06713-8A3E-4B0B-90C9-2A71F48D7BD8}" presName="composite" presStyleCnt="0"/>
-      <dgm:spPr/>
-    </dgm:pt>
-    <dgm:pt modelId="{45EFD528-B7B5-194B-8AA0-0E290E10A793}" type="pres">
-      <dgm:prSet presAssocID="{BBE06713-8A3E-4B0B-90C9-2A71F48D7BD8}" presName="background" presStyleLbl="node0" presStyleIdx="1" presStyleCnt="3"/>
-      <dgm:spPr/>
-    </dgm:pt>
-    <dgm:pt modelId="{DD38ACE2-1F68-4848-A5BE-01388C29E2F0}" type="pres">
-      <dgm:prSet presAssocID="{BBE06713-8A3E-4B0B-90C9-2A71F48D7BD8}" presName="text" presStyleLbl="fgAcc0" presStyleIdx="1" presStyleCnt="3">
-        <dgm:presLayoutVars>
-          <dgm:chPref val="3"/>
-        </dgm:presLayoutVars>
-      </dgm:prSet>
-      <dgm:spPr/>
-    </dgm:pt>
-    <dgm:pt modelId="{4375D06F-CA1F-E84F-947F-90C5A54678CB}" type="pres">
-      <dgm:prSet presAssocID="{BBE06713-8A3E-4B0B-90C9-2A71F48D7BD8}" presName="hierChild2" presStyleCnt="0"/>
-      <dgm:spPr/>
-    </dgm:pt>
-    <dgm:pt modelId="{D33DB6F1-B841-4C4C-A52B-72E2D3EB73F3}" type="pres">
-      <dgm:prSet presAssocID="{7AB125C3-5CE0-4CA4-B9B6-753ED6FE2631}" presName="hierRoot1" presStyleCnt="0"/>
-      <dgm:spPr/>
-    </dgm:pt>
-    <dgm:pt modelId="{2611D313-615F-5140-B5A0-AD479DC9D6AF}" type="pres">
-      <dgm:prSet presAssocID="{7AB125C3-5CE0-4CA4-B9B6-753ED6FE2631}" presName="composite" presStyleCnt="0"/>
-      <dgm:spPr/>
-    </dgm:pt>
-    <dgm:pt modelId="{D8F3A52C-DF4C-F044-ABC4-6DD1097DD42C}" type="pres">
-      <dgm:prSet presAssocID="{7AB125C3-5CE0-4CA4-B9B6-753ED6FE2631}" presName="background" presStyleLbl="node0" presStyleIdx="2" presStyleCnt="3"/>
-      <dgm:spPr/>
-    </dgm:pt>
-    <dgm:pt modelId="{B6393C96-CE2F-D64B-9156-3F07D30AB2E8}" type="pres">
-      <dgm:prSet presAssocID="{7AB125C3-5CE0-4CA4-B9B6-753ED6FE2631}" presName="text" presStyleLbl="fgAcc0" presStyleIdx="2" presStyleCnt="3">
-        <dgm:presLayoutVars>
-          <dgm:chPref val="3"/>
-        </dgm:presLayoutVars>
-      </dgm:prSet>
-      <dgm:spPr/>
-    </dgm:pt>
-    <dgm:pt modelId="{6193D7D4-1474-294D-8B9C-E1B7F4A0D8A1}" type="pres">
-      <dgm:prSet presAssocID="{7AB125C3-5CE0-4CA4-B9B6-753ED6FE2631}" presName="hierChild2" presStyleCnt="0"/>
-      <dgm:spPr/>
-    </dgm:pt>
-  </dgm:ptLst>
-  <dgm:cxnLst>
-    <dgm:cxn modelId="{25FDDA20-2FF5-6B46-92F4-0C6D665DB097}" type="presOf" srcId="{4E10D4B3-63FF-43CE-B7F2-17381AD2519D}" destId="{630EE8A9-32EC-C84A-87F5-75551CAB0988}" srcOrd="0" destOrd="0" presId="urn:microsoft.com/office/officeart/2005/8/layout/hierarchy1"/>
-    <dgm:cxn modelId="{73F3BE48-B98B-6944-B30F-72A2F5FACA11}" type="presOf" srcId="{7AB125C3-5CE0-4CA4-B9B6-753ED6FE2631}" destId="{B6393C96-CE2F-D64B-9156-3F07D30AB2E8}" srcOrd="0" destOrd="0" presId="urn:microsoft.com/office/officeart/2005/8/layout/hierarchy1"/>
-    <dgm:cxn modelId="{4E11C94A-29DB-A94E-9661-DA44C87EC151}" type="presOf" srcId="{BBE06713-8A3E-4B0B-90C9-2A71F48D7BD8}" destId="{DD38ACE2-1F68-4848-A5BE-01388C29E2F0}" srcOrd="0" destOrd="0" presId="urn:microsoft.com/office/officeart/2005/8/layout/hierarchy1"/>
-    <dgm:cxn modelId="{2E045ABA-967A-5849-8BFA-BC7FCE39C57C}" type="presOf" srcId="{3AAD4C0E-4293-4337-A665-B19E084A4BB1}" destId="{1B917D32-A760-ED4F-930F-10FE920ED227}" srcOrd="0" destOrd="0" presId="urn:microsoft.com/office/officeart/2005/8/layout/hierarchy1"/>
-    <dgm:cxn modelId="{ED3F01CA-90F3-4C26-9BEF-8A2AD8F6D33C}" srcId="{4E10D4B3-63FF-43CE-B7F2-17381AD2519D}" destId="{7AB125C3-5CE0-4CA4-B9B6-753ED6FE2631}" srcOrd="2" destOrd="0" parTransId="{C309864E-745C-4B4A-A1D1-1FC3A1712285}" sibTransId="{DCCAD33A-C947-4F9D-AE9A-8D0373C9D545}"/>
-    <dgm:cxn modelId="{6CB3C8F4-D4A1-44EA-8A03-CCEBBBED46E5}" srcId="{4E10D4B3-63FF-43CE-B7F2-17381AD2519D}" destId="{3AAD4C0E-4293-4337-A665-B19E084A4BB1}" srcOrd="0" destOrd="0" parTransId="{65DF91B4-F470-4853-A005-611D9053790E}" sibTransId="{BC7C417D-20B5-4F9F-B771-E8050B2AED93}"/>
-    <dgm:cxn modelId="{7C1CB9F9-817E-45A3-B026-34259FFACA6E}" srcId="{4E10D4B3-63FF-43CE-B7F2-17381AD2519D}" destId="{BBE06713-8A3E-4B0B-90C9-2A71F48D7BD8}" srcOrd="1" destOrd="0" parTransId="{A63CB2E1-5643-4765-9443-01A1398AB3B0}" sibTransId="{06BA450D-5B7D-44A7-89C1-4C0BF3FC62CF}"/>
-    <dgm:cxn modelId="{F615090E-C452-C448-B87B-B56EA08A6DAF}" type="presParOf" srcId="{630EE8A9-32EC-C84A-87F5-75551CAB0988}" destId="{1AE51E3C-91E0-FC48-BD15-F850A99C2C30}" srcOrd="0" destOrd="0" presId="urn:microsoft.com/office/officeart/2005/8/layout/hierarchy1"/>
-    <dgm:cxn modelId="{78241339-2CED-9146-8D02-8003480C559D}" type="presParOf" srcId="{1AE51E3C-91E0-FC48-BD15-F850A99C2C30}" destId="{1748E47E-648E-0A43-A913-322232A88479}" srcOrd="0" destOrd="0" presId="urn:microsoft.com/office/officeart/2005/8/layout/hierarchy1"/>
-    <dgm:cxn modelId="{B922FBD0-7D89-DB45-904C-DC2FC0EB7FC7}" type="presParOf" srcId="{1748E47E-648E-0A43-A913-322232A88479}" destId="{8E78F5A4-74AF-1843-A0C5-DD8DDC80E4E8}" srcOrd="0" destOrd="0" presId="urn:microsoft.com/office/officeart/2005/8/layout/hierarchy1"/>
-    <dgm:cxn modelId="{8F0A516A-19E6-464D-AAA7-7C6A501735A1}" type="presParOf" srcId="{1748E47E-648E-0A43-A913-322232A88479}" destId="{1B917D32-A760-ED4F-930F-10FE920ED227}" srcOrd="1" destOrd="0" presId="urn:microsoft.com/office/officeart/2005/8/layout/hierarchy1"/>
-    <dgm:cxn modelId="{3D4E1FD4-6D34-3B4D-B86C-36AD4F8FF4E8}" type="presParOf" srcId="{1AE51E3C-91E0-FC48-BD15-F850A99C2C30}" destId="{F865C6CC-0A26-0E42-BB7A-21DE40554A31}" srcOrd="1" destOrd="0" presId="urn:microsoft.com/office/officeart/2005/8/layout/hierarchy1"/>
-    <dgm:cxn modelId="{3C70FE03-9DFF-5C40-91F3-D6441ACDBD7A}" type="presParOf" srcId="{630EE8A9-32EC-C84A-87F5-75551CAB0988}" destId="{2ACBABAC-7DFC-C24F-8631-582EB3218503}" srcOrd="1" destOrd="0" presId="urn:microsoft.com/office/officeart/2005/8/layout/hierarchy1"/>
-    <dgm:cxn modelId="{B7CBB91D-251B-B14D-AC09-499A5037B51E}" type="presParOf" srcId="{2ACBABAC-7DFC-C24F-8631-582EB3218503}" destId="{8FC4583F-6B0C-5741-A946-BBC1DD7F287F}" srcOrd="0" destOrd="0" presId="urn:microsoft.com/office/officeart/2005/8/layout/hierarchy1"/>
-    <dgm:cxn modelId="{4CBCFEE4-7581-8245-AA85-8920F3CCFD4A}" type="presParOf" srcId="{8FC4583F-6B0C-5741-A946-BBC1DD7F287F}" destId="{45EFD528-B7B5-194B-8AA0-0E290E10A793}" srcOrd="0" destOrd="0" presId="urn:microsoft.com/office/officeart/2005/8/layout/hierarchy1"/>
-    <dgm:cxn modelId="{87185733-8555-C144-AF3B-8EC329F2A249}" type="presParOf" srcId="{8FC4583F-6B0C-5741-A946-BBC1DD7F287F}" destId="{DD38ACE2-1F68-4848-A5BE-01388C29E2F0}" srcOrd="1" destOrd="0" presId="urn:microsoft.com/office/officeart/2005/8/layout/hierarchy1"/>
-    <dgm:cxn modelId="{B58103DB-AFCB-A74C-8810-5678D03E507D}" type="presParOf" srcId="{2ACBABAC-7DFC-C24F-8631-582EB3218503}" destId="{4375D06F-CA1F-E84F-947F-90C5A54678CB}" srcOrd="1" destOrd="0" presId="urn:microsoft.com/office/officeart/2005/8/layout/hierarchy1"/>
-    <dgm:cxn modelId="{47393D36-1B12-7B46-807E-276D8523DD6E}" type="presParOf" srcId="{630EE8A9-32EC-C84A-87F5-75551CAB0988}" destId="{D33DB6F1-B841-4C4C-A52B-72E2D3EB73F3}" srcOrd="2" destOrd="0" presId="urn:microsoft.com/office/officeart/2005/8/layout/hierarchy1"/>
-    <dgm:cxn modelId="{A8F81D25-9415-CE48-82B5-DAC836016DFF}" type="presParOf" srcId="{D33DB6F1-B841-4C4C-A52B-72E2D3EB73F3}" destId="{2611D313-615F-5140-B5A0-AD479DC9D6AF}" srcOrd="0" destOrd="0" presId="urn:microsoft.com/office/officeart/2005/8/layout/hierarchy1"/>
-    <dgm:cxn modelId="{2838EA30-2F6F-E446-89ED-2465EA5216FC}" type="presParOf" srcId="{2611D313-615F-5140-B5A0-AD479DC9D6AF}" destId="{D8F3A52C-DF4C-F044-ABC4-6DD1097DD42C}" srcOrd="0" destOrd="0" presId="urn:microsoft.com/office/officeart/2005/8/layout/hierarchy1"/>
-    <dgm:cxn modelId="{E98BD282-625F-164B-87F3-63F9EF4267CB}" type="presParOf" srcId="{2611D313-615F-5140-B5A0-AD479DC9D6AF}" destId="{B6393C96-CE2F-D64B-9156-3F07D30AB2E8}" srcOrd="1" destOrd="0" presId="urn:microsoft.com/office/officeart/2005/8/layout/hierarchy1"/>
-    <dgm:cxn modelId="{58AE5875-746F-064B-BE71-DF0B1B343D12}" type="presParOf" srcId="{D33DB6F1-B841-4C4C-A52B-72E2D3EB73F3}" destId="{6193D7D4-1474-294D-8B9C-E1B7F4A0D8A1}" srcOrd="1" destOrd="0" presId="urn:microsoft.com/office/officeart/2005/8/layout/hierarchy1"/>
-  </dgm:cxnLst>
-  <dgm:bg/>
-  <dgm:whole/>
-  <dgm:extLst>
-    <a:ext uri="http://schemas.microsoft.com/office/drawing/2008/diagram">
-      <dsp:dataModelExt xmlns:dsp="http://schemas.microsoft.com/office/drawing/2008/diagram" relId="rId6" minVer="http://schemas.openxmlformats.org/drawingml/2006/diagram"/>
-    </a:ext>
-  </dgm:extLst>
-</dgm:dataModel>
-</file>
-
-<file path=ppt/diagrams/data8.xml><?xml version="1.0" encoding="utf-8"?>
 <dgm:dataModel xmlns:dgm="http://schemas.openxmlformats.org/drawingml/2006/diagram" xmlns:a="http://schemas.openxmlformats.org/drawingml/2006/main">
   <dgm:ptLst>
     <dgm:pt modelId="{9D3F11A1-A31D-4034-97CD-DA33CE0B605C}" type="doc">
@@ -11785,10 +10757,14 @@
             </a:lnSpc>
           </a:pPr>
           <a:r>
-            <a:rPr lang="en-US" baseline="0"/>
-            <a:t>Maximum Retry Interval – maxRetryDelay</a:t>
+            <a:rPr lang="en-US" baseline="0" dirty="0"/>
+            <a:t>Maximum Retry Delay – </a:t>
           </a:r>
-          <a:endParaRPr lang="en-US"/>
+          <a:r>
+            <a:rPr lang="en-US" baseline="0" dirty="0" err="1"/>
+            <a:t>maxRetryDelay</a:t>
+          </a:r>
+          <a:endParaRPr lang="en-US" dirty="0"/>
         </a:p>
       </dgm:t>
     </dgm:pt>
@@ -12015,7 +10991,7 @@
 </dgm:dataModel>
 </file>
 
-<file path=ppt/diagrams/data9.xml><?xml version="1.0" encoding="utf-8"?>
+<file path=ppt/diagrams/data8.xml><?xml version="1.0" encoding="utf-8"?>
 <dgm:dataModel xmlns:dgm="http://schemas.openxmlformats.org/drawingml/2006/diagram" xmlns:a="http://schemas.openxmlformats.org/drawingml/2006/main">
   <dgm:ptLst>
     <dgm:pt modelId="{E7633387-5633-410D-A8CF-DBE4CA4C86E8}" type="doc">
@@ -12295,10 +11271,10 @@
             </a:lnSpc>
           </a:pPr>
           <a:r>
-            <a:rPr lang="en-US" i="1" baseline="0"/>
-            <a:t>Will resend everything from the snapshot after</a:t>
+            <a:rPr lang="en-US" i="1" baseline="0" dirty="0"/>
+            <a:t>Will resend all unacknowledged messages in the snapshot</a:t>
           </a:r>
-          <a:endParaRPr lang="en-US"/>
+          <a:endParaRPr lang="en-US" dirty="0"/>
         </a:p>
       </dgm:t>
     </dgm:pt>
@@ -12337,10 +11313,10 @@
             </a:lnSpc>
           </a:pPr>
           <a:r>
-            <a:rPr lang="en-US" i="1" baseline="0"/>
+            <a:rPr lang="en-US" i="1" baseline="0" dirty="0"/>
             <a:t>Does not require keeping acknowledged messages</a:t>
           </a:r>
-          <a:endParaRPr lang="en-US"/>
+          <a:endParaRPr lang="en-US" dirty="0"/>
         </a:p>
       </dgm:t>
     </dgm:pt>
@@ -12356,48 +11332,6 @@
       </dgm:t>
     </dgm:pt>
     <dgm:pt modelId="{0241A03C-2433-433A-8D4B-D7F27215F563}" type="sibTrans" cxnId="{A8C69A65-254A-42EC-AF44-7D6000D7E183}">
-      <dgm:prSet/>
-      <dgm:spPr/>
-      <dgm:t>
-        <a:bodyPr/>
-        <a:lstStyle/>
-        <a:p>
-          <a:endParaRPr lang="en-US"/>
-        </a:p>
-      </dgm:t>
-    </dgm:pt>
-    <dgm:pt modelId="{BC4B3B36-FE8B-49D2-9EC2-81B8454D4C84}">
-      <dgm:prSet/>
-      <dgm:spPr/>
-      <dgm:t>
-        <a:bodyPr/>
-        <a:lstStyle/>
-        <a:p>
-          <a:pPr>
-            <a:lnSpc>
-              <a:spcPct val="100000"/>
-            </a:lnSpc>
-          </a:pPr>
-          <a:r>
-            <a:rPr lang="en-US" i="1" baseline="0"/>
-            <a:t>Sometimes used after deployments</a:t>
-          </a:r>
-          <a:endParaRPr lang="en-US"/>
-        </a:p>
-      </dgm:t>
-    </dgm:pt>
-    <dgm:pt modelId="{1B548706-26C4-4508-8A43-D68290AE2A4A}" type="parTrans" cxnId="{5BE469A4-DCEC-4420-9677-F2BA96C8917D}">
-      <dgm:prSet/>
-      <dgm:spPr/>
-      <dgm:t>
-        <a:bodyPr/>
-        <a:lstStyle/>
-        <a:p>
-          <a:endParaRPr lang="en-US"/>
-        </a:p>
-      </dgm:t>
-    </dgm:pt>
-    <dgm:pt modelId="{BD9929AA-DD71-47EB-B0CA-1E1AFF86C292}" type="sibTrans" cxnId="{5BE469A4-DCEC-4420-9677-F2BA96C8917D}">
       <dgm:prSet/>
       <dgm:spPr/>
       <dgm:t>
@@ -12538,10 +11472,8 @@
     <dgm:cxn modelId="{064FCB80-FCC5-F448-ACB1-C63CDE60E00D}" type="presOf" srcId="{E6D34C17-132A-435A-BC28-6D2FD9E306AC}" destId="{821AE445-2069-4360-BE08-9F90905438E1}" srcOrd="0" destOrd="2" presId="urn:microsoft.com/office/officeart/2018/5/layout/CenteredIconLabelDescriptionList"/>
     <dgm:cxn modelId="{6687F285-1DAA-D74F-8753-DE499F670533}" type="presOf" srcId="{E7633387-5633-410D-A8CF-DBE4CA4C86E8}" destId="{08BB4958-0BF8-4965-9A8D-3CB9BAA7954F}" srcOrd="0" destOrd="0" presId="urn:microsoft.com/office/officeart/2018/5/layout/CenteredIconLabelDescriptionList"/>
     <dgm:cxn modelId="{CAFC5C8A-0FFB-FA4C-9CD3-E06D6FA96101}" type="presOf" srcId="{A198258D-9897-48F2-9867-8EDE6624DAC0}" destId="{CC5B3CDB-B33E-4E18-ADFC-49FB1E2D6E94}" srcOrd="0" destOrd="1" presId="urn:microsoft.com/office/officeart/2018/5/layout/CenteredIconLabelDescriptionList"/>
-    <dgm:cxn modelId="{E702279C-7B7C-0D4D-AEEB-87FCBAFC4A2A}" type="presOf" srcId="{BC4B3B36-FE8B-49D2-9EC2-81B8454D4C84}" destId="{821AE445-2069-4360-BE08-9F90905438E1}" srcOrd="0" destOrd="3" presId="urn:microsoft.com/office/officeart/2018/5/layout/CenteredIconLabelDescriptionList"/>
     <dgm:cxn modelId="{40B4C09C-5B7A-3642-AD6A-F6C0CCD7A390}" type="presOf" srcId="{0059F82A-46BF-4707-8E80-00DFC06D3B2A}" destId="{5E801FCD-A20C-426B-89CD-1E3E05147608}" srcOrd="0" destOrd="0" presId="urn:microsoft.com/office/officeart/2018/5/layout/CenteredIconLabelDescriptionList"/>
     <dgm:cxn modelId="{1D3E1B9E-65A1-4416-860B-A9684C781C58}" srcId="{E7633387-5633-410D-A8CF-DBE4CA4C86E8}" destId="{E4B6608E-8B24-4746-8626-EDF430AEB30A}" srcOrd="1" destOrd="0" parTransId="{C8C42830-FD14-4F57-95CB-5BC72C48900A}" sibTransId="{7DF313FC-16B1-4FB3-B424-CB8815F36C7A}"/>
-    <dgm:cxn modelId="{5BE469A4-DCEC-4420-9677-F2BA96C8917D}" srcId="{E4B6608E-8B24-4746-8626-EDF430AEB30A}" destId="{BC4B3B36-FE8B-49D2-9EC2-81B8454D4C84}" srcOrd="3" destOrd="0" parTransId="{1B548706-26C4-4508-8A43-D68290AE2A4A}" sibTransId="{BD9929AA-DD71-47EB-B0CA-1E1AFF86C292}"/>
     <dgm:cxn modelId="{BA1B6AAB-4E38-1B4F-8889-7EB7899F6C35}" type="presOf" srcId="{C34B4A8A-FA96-43AD-86F5-EE676EC675C3}" destId="{CC5B3CDB-B33E-4E18-ADFC-49FB1E2D6E94}" srcOrd="0" destOrd="0" presId="urn:microsoft.com/office/officeart/2018/5/layout/CenteredIconLabelDescriptionList"/>
     <dgm:cxn modelId="{B490FAAD-992C-AE43-9A7C-B6046B291860}" type="presOf" srcId="{E4B6608E-8B24-4746-8626-EDF430AEB30A}" destId="{EDEEF0F8-9D2F-4806-869A-030F6457BFEC}" srcOrd="0" destOrd="0" presId="urn:microsoft.com/office/officeart/2018/5/layout/CenteredIconLabelDescriptionList"/>
     <dgm:cxn modelId="{3FDBBAE3-EED2-4469-9FDC-A06E35A98A34}" srcId="{E7633387-5633-410D-A8CF-DBE4CA4C86E8}" destId="{0059F82A-46BF-4707-8E80-00DFC06D3B2A}" srcOrd="0" destOrd="0" parTransId="{7F16DEC9-6030-4375-9AA5-A936839F2D62}" sibTransId="{63981E10-F28A-4EA1-8975-C31447A080B3}"/>
@@ -12564,7 +11496,7 @@
   <dgm:whole/>
   <dgm:extLst>
     <a:ext uri="http://schemas.microsoft.com/office/drawing/2008/diagram">
-      <dsp:dataModelExt xmlns:dsp="http://schemas.microsoft.com/office/drawing/2008/diagram" relId="rId6" minVer="http://schemas.openxmlformats.org/drawingml/2006/diagram"/>
+      <dsp:dataModelExt xmlns:dsp="http://schemas.microsoft.com/office/drawing/2008/diagram" relId="rId7" minVer="http://schemas.openxmlformats.org/drawingml/2006/diagram"/>
     </a:ext>
   </dgm:extLst>
 </dgm:dataModel>
@@ -13974,7 +12906,7 @@
           </a:pPr>
           <a:r>
             <a:rPr lang="en-US" sz="1100" kern="1200" dirty="0"/>
-            <a:t>A queue from each Topic.  A topic may have multiple subscriptions and every message will be sent simultaneously to all subscriptions.</a:t>
+            <a:t>A queue from a Topic.  A topic may have multiple subscriptions and every message will be sent simultaneously to all subscriptions.</a:t>
           </a:r>
         </a:p>
       </dsp:txBody>
@@ -15232,6 +14164,316 @@
       <dsp:cNvGrpSpPr/>
     </dsp:nvGrpSpPr>
     <dsp:grpSpPr/>
+    <dsp:sp modelId="{6C49A57E-A68D-46F0-B756-E4563613E86F}">
+      <dsp:nvSpPr>
+        <dsp:cNvPr id="0" name=""/>
+        <dsp:cNvSpPr/>
+      </dsp:nvSpPr>
+      <dsp:spPr>
+        <a:xfrm>
+          <a:off x="362290" y="685"/>
+          <a:ext cx="1019724" cy="1019724"/>
+        </a:xfrm>
+        <a:prstGeom prst="ellipse">
+          <a:avLst/>
+        </a:prstGeom>
+        <a:solidFill>
+          <a:schemeClr val="accent1">
+            <a:tint val="40000"/>
+            <a:hueOff val="0"/>
+            <a:satOff val="0"/>
+            <a:lumOff val="0"/>
+            <a:alphaOff val="0"/>
+          </a:schemeClr>
+        </a:solidFill>
+        <a:ln>
+          <a:noFill/>
+        </a:ln>
+        <a:effectLst/>
+      </dsp:spPr>
+      <dsp:style>
+        <a:lnRef idx="0">
+          <a:scrgbClr r="0" g="0" b="0"/>
+        </a:lnRef>
+        <a:fillRef idx="1">
+          <a:scrgbClr r="0" g="0" b="0"/>
+        </a:fillRef>
+        <a:effectRef idx="0">
+          <a:scrgbClr r="0" g="0" b="0"/>
+        </a:effectRef>
+        <a:fontRef idx="minor"/>
+      </dsp:style>
+    </dsp:sp>
+    <dsp:sp modelId="{BBC198BE-FDC4-410B-B562-15BAE5BA3949}">
+      <dsp:nvSpPr>
+        <dsp:cNvPr id="0" name=""/>
+        <dsp:cNvSpPr/>
+      </dsp:nvSpPr>
+      <dsp:spPr>
+        <a:xfrm>
+          <a:off x="579608" y="218004"/>
+          <a:ext cx="585087" cy="585087"/>
+        </a:xfrm>
+        <a:prstGeom prst="rect">
+          <a:avLst/>
+        </a:prstGeom>
+        <a:blipFill>
+          <a:blip xmlns:r="http://schemas.openxmlformats.org/officeDocument/2006/relationships" r:embed="rId1">
+            <a:extLst>
+              <a:ext uri="{96DAC541-7B7A-43D3-8B79-37D633B846F1}">
+                <asvg:svgBlip xmlns:asvg="http://schemas.microsoft.com/office/drawing/2016/SVG/main" r:embed="rId2"/>
+              </a:ext>
+            </a:extLst>
+          </a:blip>
+          <a:srcRect/>
+          <a:stretch>
+            <a:fillRect/>
+          </a:stretch>
+        </a:blipFill>
+        <a:ln w="34925" cap="flat" cmpd="sng" algn="in">
+          <a:solidFill>
+            <a:schemeClr val="lt1">
+              <a:hueOff val="0"/>
+              <a:satOff val="0"/>
+              <a:lumOff val="0"/>
+              <a:alphaOff val="0"/>
+            </a:schemeClr>
+          </a:solidFill>
+          <a:prstDash val="solid"/>
+        </a:ln>
+        <a:effectLst/>
+      </dsp:spPr>
+      <dsp:style>
+        <a:lnRef idx="2">
+          <a:scrgbClr r="0" g="0" b="0"/>
+        </a:lnRef>
+        <a:fillRef idx="1">
+          <a:scrgbClr r="0" g="0" b="0"/>
+        </a:fillRef>
+        <a:effectRef idx="0">
+          <a:scrgbClr r="0" g="0" b="0"/>
+        </a:effectRef>
+        <a:fontRef idx="minor">
+          <a:schemeClr val="lt1"/>
+        </a:fontRef>
+      </dsp:style>
+    </dsp:sp>
+    <dsp:sp modelId="{966D8E85-F698-49AF-B2DE-710432B35FDF}">
+      <dsp:nvSpPr>
+        <dsp:cNvPr id="0" name=""/>
+        <dsp:cNvSpPr/>
+      </dsp:nvSpPr>
+      <dsp:spPr>
+        <a:xfrm>
+          <a:off x="36312" y="1338029"/>
+          <a:ext cx="1671679" cy="668671"/>
+        </a:xfrm>
+        <a:prstGeom prst="rect">
+          <a:avLst/>
+        </a:prstGeom>
+        <a:noFill/>
+        <a:ln>
+          <a:noFill/>
+        </a:ln>
+        <a:effectLst/>
+      </dsp:spPr>
+      <dsp:style>
+        <a:lnRef idx="0">
+          <a:scrgbClr r="0" g="0" b="0"/>
+        </a:lnRef>
+        <a:fillRef idx="0">
+          <a:scrgbClr r="0" g="0" b="0"/>
+        </a:fillRef>
+        <a:effectRef idx="0">
+          <a:scrgbClr r="0" g="0" b="0"/>
+        </a:effectRef>
+        <a:fontRef idx="minor"/>
+      </dsp:style>
+      <dsp:txBody>
+        <a:bodyPr spcFirstLastPara="0" vert="horz" wrap="square" lIns="0" tIns="0" rIns="0" bIns="0" numCol="1" spcCol="1270" anchor="t" anchorCtr="0">
+          <a:noAutofit/>
+        </a:bodyPr>
+        <a:lstStyle/>
+        <a:p>
+          <a:pPr marL="0" lvl="0" indent="0" algn="ctr" defTabSz="488950">
+            <a:lnSpc>
+              <a:spcPct val="100000"/>
+            </a:lnSpc>
+            <a:spcBef>
+              <a:spcPct val="0"/>
+            </a:spcBef>
+            <a:spcAft>
+              <a:spcPct val="35000"/>
+            </a:spcAft>
+            <a:buNone/>
+            <a:defRPr cap="all"/>
+          </a:pPr>
+          <a:r>
+            <a:rPr lang="en-US" sz="1100" kern="1200" dirty="0"/>
+            <a:t>Global, Load Balanced</a:t>
+          </a:r>
+        </a:p>
+      </dsp:txBody>
+      <dsp:txXfrm>
+        <a:off x="36312" y="1338029"/>
+        <a:ext cx="1671679" cy="668671"/>
+      </dsp:txXfrm>
+    </dsp:sp>
+    <dsp:sp modelId="{E419DB7A-A180-4BDF-96B5-739ABB4AFB40}">
+      <dsp:nvSpPr>
+        <dsp:cNvPr id="0" name=""/>
+        <dsp:cNvSpPr/>
+      </dsp:nvSpPr>
+      <dsp:spPr>
+        <a:xfrm>
+          <a:off x="2326514" y="685"/>
+          <a:ext cx="1019724" cy="1019724"/>
+        </a:xfrm>
+        <a:prstGeom prst="ellipse">
+          <a:avLst/>
+        </a:prstGeom>
+        <a:solidFill>
+          <a:schemeClr val="accent1">
+            <a:tint val="40000"/>
+            <a:hueOff val="0"/>
+            <a:satOff val="0"/>
+            <a:lumOff val="0"/>
+            <a:alphaOff val="0"/>
+          </a:schemeClr>
+        </a:solidFill>
+        <a:ln>
+          <a:noFill/>
+        </a:ln>
+        <a:effectLst/>
+      </dsp:spPr>
+      <dsp:style>
+        <a:lnRef idx="0">
+          <a:scrgbClr r="0" g="0" b="0"/>
+        </a:lnRef>
+        <a:fillRef idx="1">
+          <a:scrgbClr r="0" g="0" b="0"/>
+        </a:fillRef>
+        <a:effectRef idx="0">
+          <a:scrgbClr r="0" g="0" b="0"/>
+        </a:effectRef>
+        <a:fontRef idx="minor"/>
+      </dsp:style>
+    </dsp:sp>
+    <dsp:sp modelId="{318C75FD-D255-4943-B619-4CC0AE9DE739}">
+      <dsp:nvSpPr>
+        <dsp:cNvPr id="0" name=""/>
+        <dsp:cNvSpPr/>
+      </dsp:nvSpPr>
+      <dsp:spPr>
+        <a:xfrm>
+          <a:off x="2543832" y="218004"/>
+          <a:ext cx="585087" cy="585087"/>
+        </a:xfrm>
+        <a:prstGeom prst="rect">
+          <a:avLst/>
+        </a:prstGeom>
+        <a:blipFill>
+          <a:blip xmlns:r="http://schemas.openxmlformats.org/officeDocument/2006/relationships" r:embed="rId3">
+            <a:extLst>
+              <a:ext uri="{96DAC541-7B7A-43D3-8B79-37D633B846F1}">
+                <asvg:svgBlip xmlns:asvg="http://schemas.microsoft.com/office/drawing/2016/SVG/main" r:embed="rId4"/>
+              </a:ext>
+            </a:extLst>
+          </a:blip>
+          <a:srcRect/>
+          <a:stretch>
+            <a:fillRect/>
+          </a:stretch>
+        </a:blipFill>
+        <a:ln w="34925" cap="flat" cmpd="sng" algn="in">
+          <a:solidFill>
+            <a:schemeClr val="lt1">
+              <a:hueOff val="0"/>
+              <a:satOff val="0"/>
+              <a:lumOff val="0"/>
+              <a:alphaOff val="0"/>
+            </a:schemeClr>
+          </a:solidFill>
+          <a:prstDash val="solid"/>
+        </a:ln>
+        <a:effectLst/>
+      </dsp:spPr>
+      <dsp:style>
+        <a:lnRef idx="2">
+          <a:scrgbClr r="0" g="0" b="0"/>
+        </a:lnRef>
+        <a:fillRef idx="1">
+          <a:scrgbClr r="0" g="0" b="0"/>
+        </a:fillRef>
+        <a:effectRef idx="0">
+          <a:scrgbClr r="0" g="0" b="0"/>
+        </a:effectRef>
+        <a:fontRef idx="minor">
+          <a:schemeClr val="lt1"/>
+        </a:fontRef>
+      </dsp:style>
+    </dsp:sp>
+    <dsp:sp modelId="{B9E97642-D81E-46BA-92B8-5F7448E134D3}">
+      <dsp:nvSpPr>
+        <dsp:cNvPr id="0" name=""/>
+        <dsp:cNvSpPr/>
+      </dsp:nvSpPr>
+      <dsp:spPr>
+        <a:xfrm>
+          <a:off x="2000536" y="1338029"/>
+          <a:ext cx="1671679" cy="668671"/>
+        </a:xfrm>
+        <a:prstGeom prst="rect">
+          <a:avLst/>
+        </a:prstGeom>
+        <a:noFill/>
+        <a:ln>
+          <a:noFill/>
+        </a:ln>
+        <a:effectLst/>
+      </dsp:spPr>
+      <dsp:style>
+        <a:lnRef idx="0">
+          <a:scrgbClr r="0" g="0" b="0"/>
+        </a:lnRef>
+        <a:fillRef idx="0">
+          <a:scrgbClr r="0" g="0" b="0"/>
+        </a:fillRef>
+        <a:effectRef idx="0">
+          <a:scrgbClr r="0" g="0" b="0"/>
+        </a:effectRef>
+        <a:fontRef idx="minor"/>
+      </dsp:style>
+      <dsp:txBody>
+        <a:bodyPr spcFirstLastPara="0" vert="horz" wrap="square" lIns="0" tIns="0" rIns="0" bIns="0" numCol="1" spcCol="1270" anchor="t" anchorCtr="0">
+          <a:noAutofit/>
+        </a:bodyPr>
+        <a:lstStyle/>
+        <a:p>
+          <a:pPr marL="0" lvl="0" indent="0" algn="ctr" defTabSz="488950">
+            <a:lnSpc>
+              <a:spcPct val="100000"/>
+            </a:lnSpc>
+            <a:spcBef>
+              <a:spcPct val="0"/>
+            </a:spcBef>
+            <a:spcAft>
+              <a:spcPct val="35000"/>
+            </a:spcAft>
+            <a:buNone/>
+            <a:defRPr cap="all"/>
+          </a:pPr>
+          <a:r>
+            <a:rPr lang="en-US" sz="1100" kern="1200" dirty="0"/>
+            <a:t>Built in monitoring</a:t>
+          </a:r>
+        </a:p>
+      </dsp:txBody>
+      <dsp:txXfrm>
+        <a:off x="2000536" y="1338029"/>
+        <a:ext cx="1671679" cy="668671"/>
+      </dsp:txXfrm>
+    </dsp:sp>
     <dsp:sp modelId="{FB469C14-3D17-4886-B924-A08E4B0F535E}">
       <dsp:nvSpPr>
         <dsp:cNvPr id="0" name=""/>
@@ -15239,8 +14481,8 @@
       </dsp:nvSpPr>
       <dsp:spPr>
         <a:xfrm>
-          <a:off x="1062339" y="1289"/>
-          <a:ext cx="858884" cy="858884"/>
+          <a:off x="4290737" y="685"/>
+          <a:ext cx="1019724" cy="1019724"/>
         </a:xfrm>
         <a:prstGeom prst="ellipse">
           <a:avLst/>
@@ -15279,20 +14521,20 @@
       </dsp:nvSpPr>
       <dsp:spPr>
         <a:xfrm>
-          <a:off x="1245380" y="184330"/>
-          <a:ext cx="492802" cy="492802"/>
+          <a:off x="4508056" y="218004"/>
+          <a:ext cx="585087" cy="585087"/>
         </a:xfrm>
         <a:prstGeom prst="rect">
           <a:avLst/>
         </a:prstGeom>
         <a:blipFill>
-          <a:blip xmlns:r="http://schemas.openxmlformats.org/officeDocument/2006/relationships" r:embed="rId1">
+          <a:blip xmlns:r="http://schemas.openxmlformats.org/officeDocument/2006/relationships" r:embed="rId5">
             <a:extLst>
               <a:ext uri="{28A0092B-C50C-407E-A947-70E740481C1C}">
                 <a14:useLocalDpi xmlns:a14="http://schemas.microsoft.com/office/drawing/2010/main" val="0"/>
               </a:ext>
               <a:ext uri="{96DAC541-7B7A-43D3-8B79-37D633B846F1}">
-                <asvg:svgBlip xmlns:asvg="http://schemas.microsoft.com/office/drawing/2016/SVG/main" r:embed="rId2"/>
+                <asvg:svgBlip xmlns:asvg="http://schemas.microsoft.com/office/drawing/2016/SVG/main" r:embed="rId6"/>
               </a:ext>
             </a:extLst>
           </a:blip>
@@ -15336,8 +14578,8 @@
       </dsp:nvSpPr>
       <dsp:spPr>
         <a:xfrm>
-          <a:off x="787777" y="1127695"/>
-          <a:ext cx="1408007" cy="563203"/>
+          <a:off x="3964760" y="1338029"/>
+          <a:ext cx="1671679" cy="668671"/>
         </a:xfrm>
         <a:prstGeom prst="rect">
           <a:avLst/>
@@ -15380,22 +14622,22 @@
             <a:defRPr cap="all"/>
           </a:pPr>
           <a:r>
-            <a:rPr lang="en-US" sz="1100" kern="1200"/>
+            <a:rPr lang="en-US" sz="1100" kern="1200" dirty="0"/>
             <a:t>Guaranteed </a:t>
           </a:r>
           <a:r>
-            <a:rPr lang="en-US" sz="1100" u="none" kern="1200"/>
+            <a:rPr lang="en-US" sz="1100" u="none" kern="1200" dirty="0"/>
             <a:t>at least once </a:t>
           </a:r>
           <a:r>
-            <a:rPr lang="en-US" sz="1100" kern="1200"/>
+            <a:rPr lang="en-US" sz="1100" kern="1200" dirty="0"/>
             <a:t>delivery</a:t>
           </a:r>
         </a:p>
       </dsp:txBody>
       <dsp:txXfrm>
-        <a:off x="787777" y="1127695"/>
-        <a:ext cx="1408007" cy="563203"/>
+        <a:off x="3964760" y="1338029"/>
+        <a:ext cx="1671679" cy="668671"/>
       </dsp:txXfrm>
     </dsp:sp>
     <dsp:sp modelId="{04562D87-827F-4DEB-9A39-B98DC87BE71B}">
@@ -15405,8 +14647,8 @@
       </dsp:nvSpPr>
       <dsp:spPr>
         <a:xfrm>
-          <a:off x="2716748" y="1289"/>
-          <a:ext cx="858884" cy="858884"/>
+          <a:off x="6254961" y="685"/>
+          <a:ext cx="1019724" cy="1019724"/>
         </a:xfrm>
         <a:prstGeom prst="ellipse">
           <a:avLst/>
@@ -15445,20 +14687,20 @@
       </dsp:nvSpPr>
       <dsp:spPr>
         <a:xfrm>
-          <a:off x="2899789" y="184330"/>
-          <a:ext cx="492802" cy="492802"/>
+          <a:off x="6472279" y="218004"/>
+          <a:ext cx="585087" cy="585087"/>
         </a:xfrm>
         <a:prstGeom prst="rect">
           <a:avLst/>
         </a:prstGeom>
         <a:blipFill>
-          <a:blip xmlns:r="http://schemas.openxmlformats.org/officeDocument/2006/relationships" r:embed="rId3">
+          <a:blip xmlns:r="http://schemas.openxmlformats.org/officeDocument/2006/relationships" r:embed="rId7">
             <a:extLst>
               <a:ext uri="{28A0092B-C50C-407E-A947-70E740481C1C}">
                 <a14:useLocalDpi xmlns:a14="http://schemas.microsoft.com/office/drawing/2010/main" val="0"/>
               </a:ext>
               <a:ext uri="{96DAC541-7B7A-43D3-8B79-37D633B846F1}">
-                <asvg:svgBlip xmlns:asvg="http://schemas.microsoft.com/office/drawing/2016/SVG/main" r:embed="rId4"/>
+                <asvg:svgBlip xmlns:asvg="http://schemas.microsoft.com/office/drawing/2016/SVG/main" r:embed="rId8"/>
               </a:ext>
             </a:extLst>
           </a:blip>
@@ -15502,8 +14744,8 @@
       </dsp:nvSpPr>
       <dsp:spPr>
         <a:xfrm>
-          <a:off x="2442186" y="1127695"/>
-          <a:ext cx="1408007" cy="563203"/>
+          <a:off x="5928983" y="1338029"/>
+          <a:ext cx="1671679" cy="668671"/>
         </a:xfrm>
         <a:prstGeom prst="rect">
           <a:avLst/>
@@ -15546,169 +14788,14 @@
             <a:defRPr cap="all"/>
           </a:pPr>
           <a:r>
-            <a:rPr lang="en-US" sz="1100" kern="1200"/>
+            <a:rPr lang="en-US" sz="1100" kern="1200" dirty="0"/>
             <a:t>Best effort ordering</a:t>
           </a:r>
         </a:p>
       </dsp:txBody>
       <dsp:txXfrm>
-        <a:off x="2442186" y="1127695"/>
-        <a:ext cx="1408007" cy="563203"/>
-      </dsp:txXfrm>
-    </dsp:sp>
-    <dsp:sp modelId="{6C49A57E-A68D-46F0-B756-E4563613E86F}">
-      <dsp:nvSpPr>
-        <dsp:cNvPr id="0" name=""/>
-        <dsp:cNvSpPr/>
-      </dsp:nvSpPr>
-      <dsp:spPr>
-        <a:xfrm>
-          <a:off x="4371157" y="1289"/>
-          <a:ext cx="858884" cy="858884"/>
-        </a:xfrm>
-        <a:prstGeom prst="ellipse">
-          <a:avLst/>
-        </a:prstGeom>
-        <a:solidFill>
-          <a:schemeClr val="accent1">
-            <a:tint val="40000"/>
-            <a:hueOff val="0"/>
-            <a:satOff val="0"/>
-            <a:lumOff val="0"/>
-            <a:alphaOff val="0"/>
-          </a:schemeClr>
-        </a:solidFill>
-        <a:ln>
-          <a:noFill/>
-        </a:ln>
-        <a:effectLst/>
-      </dsp:spPr>
-      <dsp:style>
-        <a:lnRef idx="0">
-          <a:scrgbClr r="0" g="0" b="0"/>
-        </a:lnRef>
-        <a:fillRef idx="1">
-          <a:scrgbClr r="0" g="0" b="0"/>
-        </a:fillRef>
-        <a:effectRef idx="0">
-          <a:scrgbClr r="0" g="0" b="0"/>
-        </a:effectRef>
-        <a:fontRef idx="minor"/>
-      </dsp:style>
-    </dsp:sp>
-    <dsp:sp modelId="{BBC198BE-FDC4-410B-B562-15BAE5BA3949}">
-      <dsp:nvSpPr>
-        <dsp:cNvPr id="0" name=""/>
-        <dsp:cNvSpPr/>
-      </dsp:nvSpPr>
-      <dsp:spPr>
-        <a:xfrm>
-          <a:off x="4554198" y="184330"/>
-          <a:ext cx="492802" cy="492802"/>
-        </a:xfrm>
-        <a:prstGeom prst="rect">
-          <a:avLst/>
-        </a:prstGeom>
-        <a:blipFill>
-          <a:blip xmlns:r="http://schemas.openxmlformats.org/officeDocument/2006/relationships" r:embed="rId5">
-            <a:extLst>
-              <a:ext uri="{96DAC541-7B7A-43D3-8B79-37D633B846F1}">
-                <asvg:svgBlip xmlns:asvg="http://schemas.microsoft.com/office/drawing/2016/SVG/main" r:embed="rId6"/>
-              </a:ext>
-            </a:extLst>
-          </a:blip>
-          <a:srcRect/>
-          <a:stretch>
-            <a:fillRect/>
-          </a:stretch>
-        </a:blipFill>
-        <a:ln w="34925" cap="flat" cmpd="sng" algn="in">
-          <a:solidFill>
-            <a:schemeClr val="lt1">
-              <a:hueOff val="0"/>
-              <a:satOff val="0"/>
-              <a:lumOff val="0"/>
-              <a:alphaOff val="0"/>
-            </a:schemeClr>
-          </a:solidFill>
-          <a:prstDash val="solid"/>
-        </a:ln>
-        <a:effectLst/>
-      </dsp:spPr>
-      <dsp:style>
-        <a:lnRef idx="2">
-          <a:scrgbClr r="0" g="0" b="0"/>
-        </a:lnRef>
-        <a:fillRef idx="1">
-          <a:scrgbClr r="0" g="0" b="0"/>
-        </a:fillRef>
-        <a:effectRef idx="0">
-          <a:scrgbClr r="0" g="0" b="0"/>
-        </a:effectRef>
-        <a:fontRef idx="minor">
-          <a:schemeClr val="lt1"/>
-        </a:fontRef>
-      </dsp:style>
-    </dsp:sp>
-    <dsp:sp modelId="{966D8E85-F698-49AF-B2DE-710432B35FDF}">
-      <dsp:nvSpPr>
-        <dsp:cNvPr id="0" name=""/>
-        <dsp:cNvSpPr/>
-      </dsp:nvSpPr>
-      <dsp:spPr>
-        <a:xfrm>
-          <a:off x="4096596" y="1127695"/>
-          <a:ext cx="1408007" cy="563203"/>
-        </a:xfrm>
-        <a:prstGeom prst="rect">
-          <a:avLst/>
-        </a:prstGeom>
-        <a:noFill/>
-        <a:ln>
-          <a:noFill/>
-        </a:ln>
-        <a:effectLst/>
-      </dsp:spPr>
-      <dsp:style>
-        <a:lnRef idx="0">
-          <a:scrgbClr r="0" g="0" b="0"/>
-        </a:lnRef>
-        <a:fillRef idx="0">
-          <a:scrgbClr r="0" g="0" b="0"/>
-        </a:fillRef>
-        <a:effectRef idx="0">
-          <a:scrgbClr r="0" g="0" b="0"/>
-        </a:effectRef>
-        <a:fontRef idx="minor"/>
-      </dsp:style>
-      <dsp:txBody>
-        <a:bodyPr spcFirstLastPara="0" vert="horz" wrap="square" lIns="0" tIns="0" rIns="0" bIns="0" numCol="1" spcCol="1270" anchor="t" anchorCtr="0">
-          <a:noAutofit/>
-        </a:bodyPr>
-        <a:lstStyle/>
-        <a:p>
-          <a:pPr marL="0" lvl="0" indent="0" algn="ctr" defTabSz="488950">
-            <a:lnSpc>
-              <a:spcPct val="100000"/>
-            </a:lnSpc>
-            <a:spcBef>
-              <a:spcPct val="0"/>
-            </a:spcBef>
-            <a:spcAft>
-              <a:spcPct val="35000"/>
-            </a:spcAft>
-            <a:buNone/>
-            <a:defRPr cap="all"/>
-          </a:pPr>
-          <a:r>
-            <a:rPr lang="en-US" sz="1100" kern="1200"/>
-            <a:t>Global, Load Balanced</a:t>
-          </a:r>
-        </a:p>
-      </dsp:txBody>
-      <dsp:txXfrm>
-        <a:off x="4096596" y="1127695"/>
-        <a:ext cx="1408007" cy="563203"/>
+        <a:off x="5928983" y="1338029"/>
+        <a:ext cx="1671679" cy="668671"/>
       </dsp:txXfrm>
     </dsp:sp>
     <dsp:sp modelId="{667463A9-86F5-4404-9577-8E27148F1E3C}">
@@ -15718,8 +14805,8 @@
       </dsp:nvSpPr>
       <dsp:spPr>
         <a:xfrm>
-          <a:off x="6025566" y="1289"/>
-          <a:ext cx="858884" cy="858884"/>
+          <a:off x="8219184" y="685"/>
+          <a:ext cx="1019724" cy="1019724"/>
         </a:xfrm>
         <a:prstGeom prst="ellipse">
           <a:avLst/>
@@ -15758,17 +14845,17 @@
       </dsp:nvSpPr>
       <dsp:spPr>
         <a:xfrm>
-          <a:off x="6208607" y="184330"/>
-          <a:ext cx="492802" cy="492802"/>
+          <a:off x="8436503" y="218004"/>
+          <a:ext cx="585087" cy="585087"/>
         </a:xfrm>
         <a:prstGeom prst="rect">
           <a:avLst/>
         </a:prstGeom>
         <a:blipFill>
-          <a:blip xmlns:r="http://schemas.openxmlformats.org/officeDocument/2006/relationships" r:embed="rId7">
+          <a:blip xmlns:r="http://schemas.openxmlformats.org/officeDocument/2006/relationships" r:embed="rId9">
             <a:extLst>
               <a:ext uri="{96DAC541-7B7A-43D3-8B79-37D633B846F1}">
-                <asvg:svgBlip xmlns:asvg="http://schemas.microsoft.com/office/drawing/2016/SVG/main" r:embed="rId8"/>
+                <asvg:svgBlip xmlns:asvg="http://schemas.microsoft.com/office/drawing/2016/SVG/main" r:embed="rId10"/>
               </a:ext>
             </a:extLst>
           </a:blip>
@@ -15812,8 +14899,8 @@
       </dsp:nvSpPr>
       <dsp:spPr>
         <a:xfrm>
-          <a:off x="5751005" y="1127695"/>
-          <a:ext cx="1408007" cy="563203"/>
+          <a:off x="7893207" y="1338029"/>
+          <a:ext cx="1671679" cy="668671"/>
         </a:xfrm>
         <a:prstGeom prst="rect">
           <a:avLst/>
@@ -15862,8 +14949,8 @@
         </a:p>
       </dsp:txBody>
       <dsp:txXfrm>
-        <a:off x="5751005" y="1127695"/>
-        <a:ext cx="1408007" cy="563203"/>
+        <a:off x="7893207" y="1338029"/>
+        <a:ext cx="1671679" cy="668671"/>
       </dsp:txXfrm>
     </dsp:sp>
     <dsp:sp modelId="{C9C53547-33DC-48A3-9040-52A571F05BEE}">
@@ -15873,8 +14960,8 @@
       </dsp:nvSpPr>
       <dsp:spPr>
         <a:xfrm>
-          <a:off x="7679975" y="1289"/>
-          <a:ext cx="858884" cy="858884"/>
+          <a:off x="2326514" y="2424621"/>
+          <a:ext cx="1019724" cy="1019724"/>
         </a:xfrm>
         <a:prstGeom prst="ellipse">
           <a:avLst/>
@@ -15913,17 +15000,17 @@
       </dsp:nvSpPr>
       <dsp:spPr>
         <a:xfrm>
-          <a:off x="7863016" y="184330"/>
-          <a:ext cx="492802" cy="492802"/>
+          <a:off x="2543832" y="2641939"/>
+          <a:ext cx="585087" cy="585087"/>
         </a:xfrm>
         <a:prstGeom prst="rect">
           <a:avLst/>
         </a:prstGeom>
         <a:blipFill>
-          <a:blip xmlns:r="http://schemas.openxmlformats.org/officeDocument/2006/relationships" r:embed="rId9">
+          <a:blip xmlns:r="http://schemas.openxmlformats.org/officeDocument/2006/relationships" r:embed="rId11">
             <a:extLst>
               <a:ext uri="{96DAC541-7B7A-43D3-8B79-37D633B846F1}">
-                <asvg:svgBlip xmlns:asvg="http://schemas.microsoft.com/office/drawing/2016/SVG/main" r:embed="rId10"/>
+                <asvg:svgBlip xmlns:asvg="http://schemas.microsoft.com/office/drawing/2016/SVG/main" r:embed="rId12"/>
               </a:ext>
             </a:extLst>
           </a:blip>
@@ -15967,8 +15054,8 @@
       </dsp:nvSpPr>
       <dsp:spPr>
         <a:xfrm>
-          <a:off x="7405414" y="1127695"/>
-          <a:ext cx="1408007" cy="563203"/>
+          <a:off x="2000536" y="3761965"/>
+          <a:ext cx="1671679" cy="668671"/>
         </a:xfrm>
         <a:prstGeom prst="rect">
           <a:avLst/>
@@ -16017,8 +15104,8 @@
         </a:p>
       </dsp:txBody>
       <dsp:txXfrm>
-        <a:off x="7405414" y="1127695"/>
-        <a:ext cx="1408007" cy="563203"/>
+        <a:off x="2000536" y="3761965"/>
+        <a:ext cx="1671679" cy="668671"/>
       </dsp:txXfrm>
     </dsp:sp>
     <dsp:sp modelId="{A734BC85-5C1F-4412-94DF-4B5D85AD941A}">
@@ -16028,8 +15115,8 @@
       </dsp:nvSpPr>
       <dsp:spPr>
         <a:xfrm>
-          <a:off x="2716748" y="2042900"/>
-          <a:ext cx="858884" cy="858884"/>
+          <a:off x="4290737" y="2424621"/>
+          <a:ext cx="1019724" cy="1019724"/>
         </a:xfrm>
         <a:prstGeom prst="ellipse">
           <a:avLst/>
@@ -16068,20 +15155,20 @@
       </dsp:nvSpPr>
       <dsp:spPr>
         <a:xfrm>
-          <a:off x="2899789" y="2225941"/>
-          <a:ext cx="492802" cy="492802"/>
+          <a:off x="4508056" y="2641939"/>
+          <a:ext cx="585087" cy="585087"/>
         </a:xfrm>
         <a:prstGeom prst="rect">
           <a:avLst/>
         </a:prstGeom>
         <a:blipFill>
-          <a:blip xmlns:r="http://schemas.openxmlformats.org/officeDocument/2006/relationships" r:embed="rId11">
+          <a:blip xmlns:r="http://schemas.openxmlformats.org/officeDocument/2006/relationships" r:embed="rId13">
             <a:extLst>
               <a:ext uri="{28A0092B-C50C-407E-A947-70E740481C1C}">
                 <a14:useLocalDpi xmlns:a14="http://schemas.microsoft.com/office/drawing/2010/main" val="0"/>
               </a:ext>
               <a:ext uri="{96DAC541-7B7A-43D3-8B79-37D633B846F1}">
-                <asvg:svgBlip xmlns:asvg="http://schemas.microsoft.com/office/drawing/2016/SVG/main" r:embed="rId12"/>
+                <asvg:svgBlip xmlns:asvg="http://schemas.microsoft.com/office/drawing/2016/SVG/main" r:embed="rId14"/>
               </a:ext>
             </a:extLst>
           </a:blip>
@@ -16125,8 +15212,8 @@
       </dsp:nvSpPr>
       <dsp:spPr>
         <a:xfrm>
-          <a:off x="2442186" y="3169307"/>
-          <a:ext cx="1408007" cy="563203"/>
+          <a:off x="3964760" y="3761965"/>
+          <a:ext cx="1671679" cy="668671"/>
         </a:xfrm>
         <a:prstGeom prst="rect">
           <a:avLst/>
@@ -16175,163 +15262,8 @@
         </a:p>
       </dsp:txBody>
       <dsp:txXfrm>
-        <a:off x="2442186" y="3169307"/>
-        <a:ext cx="1408007" cy="563203"/>
-      </dsp:txXfrm>
-    </dsp:sp>
-    <dsp:sp modelId="{E419DB7A-A180-4BDF-96B5-739ABB4AFB40}">
-      <dsp:nvSpPr>
-        <dsp:cNvPr id="0" name=""/>
-        <dsp:cNvSpPr/>
-      </dsp:nvSpPr>
-      <dsp:spPr>
-        <a:xfrm>
-          <a:off x="4371157" y="2042900"/>
-          <a:ext cx="858884" cy="858884"/>
-        </a:xfrm>
-        <a:prstGeom prst="ellipse">
-          <a:avLst/>
-        </a:prstGeom>
-        <a:solidFill>
-          <a:schemeClr val="accent1">
-            <a:tint val="40000"/>
-            <a:hueOff val="0"/>
-            <a:satOff val="0"/>
-            <a:lumOff val="0"/>
-            <a:alphaOff val="0"/>
-          </a:schemeClr>
-        </a:solidFill>
-        <a:ln>
-          <a:noFill/>
-        </a:ln>
-        <a:effectLst/>
-      </dsp:spPr>
-      <dsp:style>
-        <a:lnRef idx="0">
-          <a:scrgbClr r="0" g="0" b="0"/>
-        </a:lnRef>
-        <a:fillRef idx="1">
-          <a:scrgbClr r="0" g="0" b="0"/>
-        </a:fillRef>
-        <a:effectRef idx="0">
-          <a:scrgbClr r="0" g="0" b="0"/>
-        </a:effectRef>
-        <a:fontRef idx="minor"/>
-      </dsp:style>
-    </dsp:sp>
-    <dsp:sp modelId="{318C75FD-D255-4943-B619-4CC0AE9DE739}">
-      <dsp:nvSpPr>
-        <dsp:cNvPr id="0" name=""/>
-        <dsp:cNvSpPr/>
-      </dsp:nvSpPr>
-      <dsp:spPr>
-        <a:xfrm>
-          <a:off x="4554198" y="2225941"/>
-          <a:ext cx="492802" cy="492802"/>
-        </a:xfrm>
-        <a:prstGeom prst="rect">
-          <a:avLst/>
-        </a:prstGeom>
-        <a:blipFill>
-          <a:blip xmlns:r="http://schemas.openxmlformats.org/officeDocument/2006/relationships" r:embed="rId13">
-            <a:extLst>
-              <a:ext uri="{96DAC541-7B7A-43D3-8B79-37D633B846F1}">
-                <asvg:svgBlip xmlns:asvg="http://schemas.microsoft.com/office/drawing/2016/SVG/main" r:embed="rId14"/>
-              </a:ext>
-            </a:extLst>
-          </a:blip>
-          <a:srcRect/>
-          <a:stretch>
-            <a:fillRect/>
-          </a:stretch>
-        </a:blipFill>
-        <a:ln w="34925" cap="flat" cmpd="sng" algn="in">
-          <a:solidFill>
-            <a:schemeClr val="lt1">
-              <a:hueOff val="0"/>
-              <a:satOff val="0"/>
-              <a:lumOff val="0"/>
-              <a:alphaOff val="0"/>
-            </a:schemeClr>
-          </a:solidFill>
-          <a:prstDash val="solid"/>
-        </a:ln>
-        <a:effectLst/>
-      </dsp:spPr>
-      <dsp:style>
-        <a:lnRef idx="2">
-          <a:scrgbClr r="0" g="0" b="0"/>
-        </a:lnRef>
-        <a:fillRef idx="1">
-          <a:scrgbClr r="0" g="0" b="0"/>
-        </a:fillRef>
-        <a:effectRef idx="0">
-          <a:scrgbClr r="0" g="0" b="0"/>
-        </a:effectRef>
-        <a:fontRef idx="minor">
-          <a:schemeClr val="lt1"/>
-        </a:fontRef>
-      </dsp:style>
-    </dsp:sp>
-    <dsp:sp modelId="{B9E97642-D81E-46BA-92B8-5F7448E134D3}">
-      <dsp:nvSpPr>
-        <dsp:cNvPr id="0" name=""/>
-        <dsp:cNvSpPr/>
-      </dsp:nvSpPr>
-      <dsp:spPr>
-        <a:xfrm>
-          <a:off x="4096596" y="3169307"/>
-          <a:ext cx="1408007" cy="563203"/>
-        </a:xfrm>
-        <a:prstGeom prst="rect">
-          <a:avLst/>
-        </a:prstGeom>
-        <a:noFill/>
-        <a:ln>
-          <a:noFill/>
-        </a:ln>
-        <a:effectLst/>
-      </dsp:spPr>
-      <dsp:style>
-        <a:lnRef idx="0">
-          <a:scrgbClr r="0" g="0" b="0"/>
-        </a:lnRef>
-        <a:fillRef idx="0">
-          <a:scrgbClr r="0" g="0" b="0"/>
-        </a:fillRef>
-        <a:effectRef idx="0">
-          <a:scrgbClr r="0" g="0" b="0"/>
-        </a:effectRef>
-        <a:fontRef idx="minor"/>
-      </dsp:style>
-      <dsp:txBody>
-        <a:bodyPr spcFirstLastPara="0" vert="horz" wrap="square" lIns="0" tIns="0" rIns="0" bIns="0" numCol="1" spcCol="1270" anchor="t" anchorCtr="0">
-          <a:noAutofit/>
-        </a:bodyPr>
-        <a:lstStyle/>
-        <a:p>
-          <a:pPr marL="0" lvl="0" indent="0" algn="ctr" defTabSz="488950">
-            <a:lnSpc>
-              <a:spcPct val="100000"/>
-            </a:lnSpc>
-            <a:spcBef>
-              <a:spcPct val="0"/>
-            </a:spcBef>
-            <a:spcAft>
-              <a:spcPct val="35000"/>
-            </a:spcAft>
-            <a:buNone/>
-            <a:defRPr cap="all"/>
-          </a:pPr>
-          <a:r>
-            <a:rPr lang="en-US" sz="1100" kern="1200"/>
-            <a:t>Built in monitoring</a:t>
-          </a:r>
-        </a:p>
-      </dsp:txBody>
-      <dsp:txXfrm>
-        <a:off x="4096596" y="3169307"/>
-        <a:ext cx="1408007" cy="563203"/>
+        <a:off x="3964760" y="3761965"/>
+        <a:ext cx="1671679" cy="668671"/>
       </dsp:txXfrm>
     </dsp:sp>
     <dsp:sp modelId="{B56945E2-B9E6-42F2-8354-0AA1F623E442}">
@@ -16341,8 +15273,8 @@
       </dsp:nvSpPr>
       <dsp:spPr>
         <a:xfrm>
-          <a:off x="6025566" y="2042900"/>
-          <a:ext cx="858884" cy="858884"/>
+          <a:off x="6254961" y="2424621"/>
+          <a:ext cx="1019724" cy="1019724"/>
         </a:xfrm>
         <a:prstGeom prst="ellipse">
           <a:avLst/>
@@ -16381,8 +15313,8 @@
       </dsp:nvSpPr>
       <dsp:spPr>
         <a:xfrm>
-          <a:off x="6208607" y="2225941"/>
-          <a:ext cx="492802" cy="492802"/>
+          <a:off x="6472279" y="2641939"/>
+          <a:ext cx="585087" cy="585087"/>
         </a:xfrm>
         <a:prstGeom prst="rect">
           <a:avLst/>
@@ -16435,8 +15367,8 @@
       </dsp:nvSpPr>
       <dsp:spPr>
         <a:xfrm>
-          <a:off x="5751005" y="3169307"/>
-          <a:ext cx="1408007" cy="563203"/>
+          <a:off x="5928983" y="3761965"/>
+          <a:ext cx="1671679" cy="668671"/>
         </a:xfrm>
         <a:prstGeom prst="rect">
           <a:avLst/>
@@ -16485,8 +15417,8 @@
         </a:p>
       </dsp:txBody>
       <dsp:txXfrm>
-        <a:off x="5751005" y="3169307"/>
-        <a:ext cx="1408007" cy="563203"/>
+        <a:off x="5928983" y="3761965"/>
+        <a:ext cx="1671679" cy="668671"/>
       </dsp:txXfrm>
     </dsp:sp>
   </dsp:spTree>
@@ -17528,7 +16460,7 @@
           </a:pPr>
           <a:r>
             <a:rPr lang="en-US" sz="1300" kern="1200" dirty="0"/>
-            <a:t>If Pub/Sub gets a success message it removes the message from the queue</a:t>
+            <a:t>If Pub/Sub gets a success response code it removes the message from the queue</a:t>
           </a:r>
         </a:p>
         <a:p>
@@ -17561,492 +16493,6 @@
 </file>
 
 <file path=ppt/diagrams/drawing7.xml><?xml version="1.0" encoding="utf-8"?>
-<dsp:drawing xmlns:dgm="http://schemas.openxmlformats.org/drawingml/2006/diagram" xmlns:dsp="http://schemas.microsoft.com/office/drawing/2008/diagram" xmlns:a="http://schemas.openxmlformats.org/drawingml/2006/main">
-  <dsp:spTree>
-    <dsp:nvGrpSpPr>
-      <dsp:cNvPr id="0" name=""/>
-      <dsp:cNvGrpSpPr/>
-    </dsp:nvGrpSpPr>
-    <dsp:grpSpPr/>
-    <dsp:sp modelId="{8E78F5A4-74AF-1843-A0C5-DD8DDC80E4E8}">
-      <dsp:nvSpPr>
-        <dsp:cNvPr id="0" name=""/>
-        <dsp:cNvSpPr/>
-      </dsp:nvSpPr>
-      <dsp:spPr>
-        <a:xfrm>
-          <a:off x="0" y="790825"/>
-          <a:ext cx="2700337" cy="1714714"/>
-        </a:xfrm>
-        <a:prstGeom prst="roundRect">
-          <a:avLst>
-            <a:gd name="adj" fmla="val 10000"/>
-          </a:avLst>
-        </a:prstGeom>
-        <a:gradFill rotWithShape="0">
-          <a:gsLst>
-            <a:gs pos="0">
-              <a:schemeClr val="accent1">
-                <a:hueOff val="0"/>
-                <a:satOff val="0"/>
-                <a:lumOff val="0"/>
-                <a:alphaOff val="0"/>
-                <a:tint val="94000"/>
-                <a:satMod val="103000"/>
-                <a:lumMod val="102000"/>
-              </a:schemeClr>
-            </a:gs>
-            <a:gs pos="50000">
-              <a:schemeClr val="accent1">
-                <a:hueOff val="0"/>
-                <a:satOff val="0"/>
-                <a:lumOff val="0"/>
-                <a:alphaOff val="0"/>
-                <a:shade val="100000"/>
-                <a:satMod val="110000"/>
-                <a:lumMod val="100000"/>
-              </a:schemeClr>
-            </a:gs>
-            <a:gs pos="100000">
-              <a:schemeClr val="accent1">
-                <a:hueOff val="0"/>
-                <a:satOff val="0"/>
-                <a:lumOff val="0"/>
-                <a:alphaOff val="0"/>
-                <a:shade val="78000"/>
-                <a:satMod val="120000"/>
-                <a:lumMod val="99000"/>
-              </a:schemeClr>
-            </a:gs>
-          </a:gsLst>
-          <a:lin ang="5400000" scaled="0"/>
-        </a:gradFill>
-        <a:ln>
-          <a:noFill/>
-        </a:ln>
-        <a:effectLst>
-          <a:outerShdw blurRad="57150" dist="19050" dir="5400000" algn="ctr" rotWithShape="0">
-            <a:srgbClr val="000000">
-              <a:alpha val="35000"/>
-            </a:srgbClr>
-          </a:outerShdw>
-        </a:effectLst>
-      </dsp:spPr>
-      <dsp:style>
-        <a:lnRef idx="0">
-          <a:scrgbClr r="0" g="0" b="0"/>
-        </a:lnRef>
-        <a:fillRef idx="3">
-          <a:scrgbClr r="0" g="0" b="0"/>
-        </a:fillRef>
-        <a:effectRef idx="3">
-          <a:scrgbClr r="0" g="0" b="0"/>
-        </a:effectRef>
-        <a:fontRef idx="minor">
-          <a:schemeClr val="lt1"/>
-        </a:fontRef>
-      </dsp:style>
-    </dsp:sp>
-    <dsp:sp modelId="{1B917D32-A760-ED4F-930F-10FE920ED227}">
-      <dsp:nvSpPr>
-        <dsp:cNvPr id="0" name=""/>
-        <dsp:cNvSpPr/>
-      </dsp:nvSpPr>
-      <dsp:spPr>
-        <a:xfrm>
-          <a:off x="300037" y="1075860"/>
-          <a:ext cx="2700337" cy="1714714"/>
-        </a:xfrm>
-        <a:prstGeom prst="roundRect">
-          <a:avLst>
-            <a:gd name="adj" fmla="val 10000"/>
-          </a:avLst>
-        </a:prstGeom>
-        <a:solidFill>
-          <a:schemeClr val="lt1">
-            <a:alpha val="90000"/>
-            <a:hueOff val="0"/>
-            <a:satOff val="0"/>
-            <a:lumOff val="0"/>
-            <a:alphaOff val="0"/>
-          </a:schemeClr>
-        </a:solidFill>
-        <a:ln w="6350" cap="flat" cmpd="sng" algn="in">
-          <a:solidFill>
-            <a:schemeClr val="accent1">
-              <a:hueOff val="0"/>
-              <a:satOff val="0"/>
-              <a:lumOff val="0"/>
-              <a:alphaOff val="0"/>
-            </a:schemeClr>
-          </a:solidFill>
-          <a:prstDash val="solid"/>
-        </a:ln>
-        <a:effectLst/>
-      </dsp:spPr>
-      <dsp:style>
-        <a:lnRef idx="1">
-          <a:scrgbClr r="0" g="0" b="0"/>
-        </a:lnRef>
-        <a:fillRef idx="1">
-          <a:scrgbClr r="0" g="0" b="0"/>
-        </a:fillRef>
-        <a:effectRef idx="2">
-          <a:scrgbClr r="0" g="0" b="0"/>
-        </a:effectRef>
-        <a:fontRef idx="minor"/>
-      </dsp:style>
-      <dsp:txBody>
-        <a:bodyPr spcFirstLastPara="0" vert="horz" wrap="square" lIns="102870" tIns="102870" rIns="102870" bIns="102870" numCol="1" spcCol="1270" anchor="ctr" anchorCtr="0">
-          <a:noAutofit/>
-        </a:bodyPr>
-        <a:lstStyle/>
-        <a:p>
-          <a:pPr marL="0" lvl="0" indent="0" algn="ctr" defTabSz="1200150">
-            <a:lnSpc>
-              <a:spcPct val="90000"/>
-            </a:lnSpc>
-            <a:spcBef>
-              <a:spcPct val="0"/>
-            </a:spcBef>
-            <a:spcAft>
-              <a:spcPct val="35000"/>
-            </a:spcAft>
-            <a:buNone/>
-          </a:pPr>
-          <a:r>
-            <a:rPr lang="en-US" sz="2700" kern="1200" baseline="0"/>
-            <a:t>Message that can’t be processed for some reason</a:t>
-          </a:r>
-          <a:endParaRPr lang="en-US" sz="2700" kern="1200"/>
-        </a:p>
-      </dsp:txBody>
-      <dsp:txXfrm>
-        <a:off x="350259" y="1126082"/>
-        <a:ext cx="2599893" cy="1614270"/>
-      </dsp:txXfrm>
-    </dsp:sp>
-    <dsp:sp modelId="{45EFD528-B7B5-194B-8AA0-0E290E10A793}">
-      <dsp:nvSpPr>
-        <dsp:cNvPr id="0" name=""/>
-        <dsp:cNvSpPr/>
-      </dsp:nvSpPr>
-      <dsp:spPr>
-        <a:xfrm>
-          <a:off x="3300412" y="790825"/>
-          <a:ext cx="2700337" cy="1714714"/>
-        </a:xfrm>
-        <a:prstGeom prst="roundRect">
-          <a:avLst>
-            <a:gd name="adj" fmla="val 10000"/>
-          </a:avLst>
-        </a:prstGeom>
-        <a:gradFill rotWithShape="0">
-          <a:gsLst>
-            <a:gs pos="0">
-              <a:schemeClr val="accent1">
-                <a:hueOff val="0"/>
-                <a:satOff val="0"/>
-                <a:lumOff val="0"/>
-                <a:alphaOff val="0"/>
-                <a:tint val="94000"/>
-                <a:satMod val="103000"/>
-                <a:lumMod val="102000"/>
-              </a:schemeClr>
-            </a:gs>
-            <a:gs pos="50000">
-              <a:schemeClr val="accent1">
-                <a:hueOff val="0"/>
-                <a:satOff val="0"/>
-                <a:lumOff val="0"/>
-                <a:alphaOff val="0"/>
-                <a:shade val="100000"/>
-                <a:satMod val="110000"/>
-                <a:lumMod val="100000"/>
-              </a:schemeClr>
-            </a:gs>
-            <a:gs pos="100000">
-              <a:schemeClr val="accent1">
-                <a:hueOff val="0"/>
-                <a:satOff val="0"/>
-                <a:lumOff val="0"/>
-                <a:alphaOff val="0"/>
-                <a:shade val="78000"/>
-                <a:satMod val="120000"/>
-                <a:lumMod val="99000"/>
-              </a:schemeClr>
-            </a:gs>
-          </a:gsLst>
-          <a:lin ang="5400000" scaled="0"/>
-        </a:gradFill>
-        <a:ln>
-          <a:noFill/>
-        </a:ln>
-        <a:effectLst>
-          <a:outerShdw blurRad="57150" dist="19050" dir="5400000" algn="ctr" rotWithShape="0">
-            <a:srgbClr val="000000">
-              <a:alpha val="35000"/>
-            </a:srgbClr>
-          </a:outerShdw>
-        </a:effectLst>
-      </dsp:spPr>
-      <dsp:style>
-        <a:lnRef idx="0">
-          <a:scrgbClr r="0" g="0" b="0"/>
-        </a:lnRef>
-        <a:fillRef idx="3">
-          <a:scrgbClr r="0" g="0" b="0"/>
-        </a:fillRef>
-        <a:effectRef idx="3">
-          <a:scrgbClr r="0" g="0" b="0"/>
-        </a:effectRef>
-        <a:fontRef idx="minor">
-          <a:schemeClr val="lt1"/>
-        </a:fontRef>
-      </dsp:style>
-    </dsp:sp>
-    <dsp:sp modelId="{DD38ACE2-1F68-4848-A5BE-01388C29E2F0}">
-      <dsp:nvSpPr>
-        <dsp:cNvPr id="0" name=""/>
-        <dsp:cNvSpPr/>
-      </dsp:nvSpPr>
-      <dsp:spPr>
-        <a:xfrm>
-          <a:off x="3600450" y="1075860"/>
-          <a:ext cx="2700337" cy="1714714"/>
-        </a:xfrm>
-        <a:prstGeom prst="roundRect">
-          <a:avLst>
-            <a:gd name="adj" fmla="val 10000"/>
-          </a:avLst>
-        </a:prstGeom>
-        <a:solidFill>
-          <a:schemeClr val="lt1">
-            <a:alpha val="90000"/>
-            <a:hueOff val="0"/>
-            <a:satOff val="0"/>
-            <a:lumOff val="0"/>
-            <a:alphaOff val="0"/>
-          </a:schemeClr>
-        </a:solidFill>
-        <a:ln w="6350" cap="flat" cmpd="sng" algn="in">
-          <a:solidFill>
-            <a:schemeClr val="accent1">
-              <a:hueOff val="0"/>
-              <a:satOff val="0"/>
-              <a:lumOff val="0"/>
-              <a:alphaOff val="0"/>
-            </a:schemeClr>
-          </a:solidFill>
-          <a:prstDash val="solid"/>
-        </a:ln>
-        <a:effectLst/>
-      </dsp:spPr>
-      <dsp:style>
-        <a:lnRef idx="1">
-          <a:scrgbClr r="0" g="0" b="0"/>
-        </a:lnRef>
-        <a:fillRef idx="1">
-          <a:scrgbClr r="0" g="0" b="0"/>
-        </a:fillRef>
-        <a:effectRef idx="2">
-          <a:scrgbClr r="0" g="0" b="0"/>
-        </a:effectRef>
-        <a:fontRef idx="minor"/>
-      </dsp:style>
-      <dsp:txBody>
-        <a:bodyPr spcFirstLastPara="0" vert="horz" wrap="square" lIns="102870" tIns="102870" rIns="102870" bIns="102870" numCol="1" spcCol="1270" anchor="ctr" anchorCtr="0">
-          <a:noAutofit/>
-        </a:bodyPr>
-        <a:lstStyle/>
-        <a:p>
-          <a:pPr marL="0" lvl="0" indent="0" algn="ctr" defTabSz="1200150">
-            <a:lnSpc>
-              <a:spcPct val="90000"/>
-            </a:lnSpc>
-            <a:spcBef>
-              <a:spcPct val="0"/>
-            </a:spcBef>
-            <a:spcAft>
-              <a:spcPct val="35000"/>
-            </a:spcAft>
-            <a:buNone/>
-          </a:pPr>
-          <a:r>
-            <a:rPr lang="en-US" sz="2700" kern="1200" baseline="0"/>
-            <a:t>Issue in the application so it isn’t processing messages</a:t>
-          </a:r>
-          <a:endParaRPr lang="en-US" sz="2700" kern="1200"/>
-        </a:p>
-      </dsp:txBody>
-      <dsp:txXfrm>
-        <a:off x="3650672" y="1126082"/>
-        <a:ext cx="2599893" cy="1614270"/>
-      </dsp:txXfrm>
-    </dsp:sp>
-    <dsp:sp modelId="{D8F3A52C-DF4C-F044-ABC4-6DD1097DD42C}">
-      <dsp:nvSpPr>
-        <dsp:cNvPr id="0" name=""/>
-        <dsp:cNvSpPr/>
-      </dsp:nvSpPr>
-      <dsp:spPr>
-        <a:xfrm>
-          <a:off x="6600824" y="790825"/>
-          <a:ext cx="2700337" cy="1714714"/>
-        </a:xfrm>
-        <a:prstGeom prst="roundRect">
-          <a:avLst>
-            <a:gd name="adj" fmla="val 10000"/>
-          </a:avLst>
-        </a:prstGeom>
-        <a:gradFill rotWithShape="0">
-          <a:gsLst>
-            <a:gs pos="0">
-              <a:schemeClr val="accent1">
-                <a:hueOff val="0"/>
-                <a:satOff val="0"/>
-                <a:lumOff val="0"/>
-                <a:alphaOff val="0"/>
-                <a:tint val="94000"/>
-                <a:satMod val="103000"/>
-                <a:lumMod val="102000"/>
-              </a:schemeClr>
-            </a:gs>
-            <a:gs pos="50000">
-              <a:schemeClr val="accent1">
-                <a:hueOff val="0"/>
-                <a:satOff val="0"/>
-                <a:lumOff val="0"/>
-                <a:alphaOff val="0"/>
-                <a:shade val="100000"/>
-                <a:satMod val="110000"/>
-                <a:lumMod val="100000"/>
-              </a:schemeClr>
-            </a:gs>
-            <a:gs pos="100000">
-              <a:schemeClr val="accent1">
-                <a:hueOff val="0"/>
-                <a:satOff val="0"/>
-                <a:lumOff val="0"/>
-                <a:alphaOff val="0"/>
-                <a:shade val="78000"/>
-                <a:satMod val="120000"/>
-                <a:lumMod val="99000"/>
-              </a:schemeClr>
-            </a:gs>
-          </a:gsLst>
-          <a:lin ang="5400000" scaled="0"/>
-        </a:gradFill>
-        <a:ln>
-          <a:noFill/>
-        </a:ln>
-        <a:effectLst>
-          <a:outerShdw blurRad="57150" dist="19050" dir="5400000" algn="ctr" rotWithShape="0">
-            <a:srgbClr val="000000">
-              <a:alpha val="35000"/>
-            </a:srgbClr>
-          </a:outerShdw>
-        </a:effectLst>
-      </dsp:spPr>
-      <dsp:style>
-        <a:lnRef idx="0">
-          <a:scrgbClr r="0" g="0" b="0"/>
-        </a:lnRef>
-        <a:fillRef idx="3">
-          <a:scrgbClr r="0" g="0" b="0"/>
-        </a:fillRef>
-        <a:effectRef idx="3">
-          <a:scrgbClr r="0" g="0" b="0"/>
-        </a:effectRef>
-        <a:fontRef idx="minor">
-          <a:schemeClr val="lt1"/>
-        </a:fontRef>
-      </dsp:style>
-    </dsp:sp>
-    <dsp:sp modelId="{B6393C96-CE2F-D64B-9156-3F07D30AB2E8}">
-      <dsp:nvSpPr>
-        <dsp:cNvPr id="0" name=""/>
-        <dsp:cNvSpPr/>
-      </dsp:nvSpPr>
-      <dsp:spPr>
-        <a:xfrm>
-          <a:off x="6900862" y="1075860"/>
-          <a:ext cx="2700337" cy="1714714"/>
-        </a:xfrm>
-        <a:prstGeom prst="roundRect">
-          <a:avLst>
-            <a:gd name="adj" fmla="val 10000"/>
-          </a:avLst>
-        </a:prstGeom>
-        <a:solidFill>
-          <a:schemeClr val="lt1">
-            <a:alpha val="90000"/>
-            <a:hueOff val="0"/>
-            <a:satOff val="0"/>
-            <a:lumOff val="0"/>
-            <a:alphaOff val="0"/>
-          </a:schemeClr>
-        </a:solidFill>
-        <a:ln w="6350" cap="flat" cmpd="sng" algn="in">
-          <a:solidFill>
-            <a:schemeClr val="accent1">
-              <a:hueOff val="0"/>
-              <a:satOff val="0"/>
-              <a:lumOff val="0"/>
-              <a:alphaOff val="0"/>
-            </a:schemeClr>
-          </a:solidFill>
-          <a:prstDash val="solid"/>
-        </a:ln>
-        <a:effectLst/>
-      </dsp:spPr>
-      <dsp:style>
-        <a:lnRef idx="1">
-          <a:scrgbClr r="0" g="0" b="0"/>
-        </a:lnRef>
-        <a:fillRef idx="1">
-          <a:scrgbClr r="0" g="0" b="0"/>
-        </a:fillRef>
-        <a:effectRef idx="2">
-          <a:scrgbClr r="0" g="0" b="0"/>
-        </a:effectRef>
-        <a:fontRef idx="minor"/>
-      </dsp:style>
-      <dsp:txBody>
-        <a:bodyPr spcFirstLastPara="0" vert="horz" wrap="square" lIns="102870" tIns="102870" rIns="102870" bIns="102870" numCol="1" spcCol="1270" anchor="ctr" anchorCtr="0">
-          <a:noAutofit/>
-        </a:bodyPr>
-        <a:lstStyle/>
-        <a:p>
-          <a:pPr marL="0" lvl="0" indent="0" algn="ctr" defTabSz="1200150">
-            <a:lnSpc>
-              <a:spcPct val="90000"/>
-            </a:lnSpc>
-            <a:spcBef>
-              <a:spcPct val="0"/>
-            </a:spcBef>
-            <a:spcAft>
-              <a:spcPct val="35000"/>
-            </a:spcAft>
-            <a:buNone/>
-          </a:pPr>
-          <a:r>
-            <a:rPr lang="en-US" sz="2700" kern="1200" baseline="0"/>
-            <a:t>Messages sent that don’t need to be processed</a:t>
-          </a:r>
-          <a:endParaRPr lang="en-US" sz="2700" kern="1200"/>
-        </a:p>
-      </dsp:txBody>
-      <dsp:txXfrm>
-        <a:off x="6951084" y="1126082"/>
-        <a:ext cx="2599893" cy="1614270"/>
-      </dsp:txXfrm>
-    </dsp:sp>
-  </dsp:spTree>
-</dsp:drawing>
-</file>
-
-<file path=ppt/diagrams/drawing8.xml><?xml version="1.0" encoding="utf-8"?>
 <dsp:drawing xmlns:dgm="http://schemas.openxmlformats.org/drawingml/2006/diagram" xmlns:dsp="http://schemas.microsoft.com/office/drawing/2008/diagram" xmlns:a="http://schemas.openxmlformats.org/drawingml/2006/main">
   <dsp:spTree>
     <dsp:nvGrpSpPr>
@@ -18499,10 +16945,14 @@
             <a:buNone/>
           </a:pPr>
           <a:r>
-            <a:rPr lang="en-US" sz="2500" kern="1200" baseline="0"/>
-            <a:t>Maximum Retry Interval – maxRetryDelay</a:t>
+            <a:rPr lang="en-US" sz="2500" kern="1200" baseline="0" dirty="0"/>
+            <a:t>Maximum Retry Delay – </a:t>
           </a:r>
-          <a:endParaRPr lang="en-US" sz="2500" kern="1200"/>
+          <a:r>
+            <a:rPr lang="en-US" sz="2500" kern="1200" baseline="0" dirty="0" err="1"/>
+            <a:t>maxRetryDelay</a:t>
+          </a:r>
+          <a:endParaRPr lang="en-US" sz="2500" kern="1200" dirty="0"/>
         </a:p>
       </dsp:txBody>
       <dsp:txXfrm>
@@ -18514,7 +16964,7 @@
 </dsp:drawing>
 </file>
 
-<file path=ppt/diagrams/drawing9.xml><?xml version="1.0" encoding="utf-8"?>
+<file path=ppt/diagrams/drawing8.xml><?xml version="1.0" encoding="utf-8"?>
 <dsp:drawing xmlns:dgm="http://schemas.openxmlformats.org/drawingml/2006/diagram" xmlns:dsp="http://schemas.microsoft.com/office/drawing/2008/diagram" xmlns:a="http://schemas.openxmlformats.org/drawingml/2006/main">
   <dsp:spTree>
     <dsp:nvGrpSpPr>
@@ -18927,10 +17377,10 @@
             <a:buNone/>
           </a:pPr>
           <a:r>
-            <a:rPr lang="en-US" sz="1700" i="1" kern="1200" baseline="0"/>
-            <a:t>Will resend everything from the snapshot after</a:t>
+            <a:rPr lang="en-US" sz="1700" i="1" kern="1200" baseline="0" dirty="0"/>
+            <a:t>Will resend all unacknowledged messages in the snapshot</a:t>
           </a:r>
-          <a:endParaRPr lang="en-US" sz="1700" kern="1200"/>
+          <a:endParaRPr lang="en-US" sz="1700" kern="1200" dirty="0"/>
         </a:p>
         <a:p>
           <a:pPr marL="0" lvl="0" indent="0" algn="ctr" defTabSz="755650">
@@ -18946,29 +17396,10 @@
             <a:buNone/>
           </a:pPr>
           <a:r>
-            <a:rPr lang="en-US" sz="1700" i="1" kern="1200" baseline="0"/>
+            <a:rPr lang="en-US" sz="1700" i="1" kern="1200" baseline="0" dirty="0"/>
             <a:t>Does not require keeping acknowledged messages</a:t>
           </a:r>
-          <a:endParaRPr lang="en-US" sz="1700" kern="1200"/>
-        </a:p>
-        <a:p>
-          <a:pPr marL="0" lvl="0" indent="0" algn="ctr" defTabSz="755650">
-            <a:lnSpc>
-              <a:spcPct val="100000"/>
-            </a:lnSpc>
-            <a:spcBef>
-              <a:spcPct val="0"/>
-            </a:spcBef>
-            <a:spcAft>
-              <a:spcPct val="35000"/>
-            </a:spcAft>
-            <a:buNone/>
-          </a:pPr>
-          <a:r>
-            <a:rPr lang="en-US" sz="1700" i="1" kern="1200" baseline="0"/>
-            <a:t>Sometimes used after deployments</a:t>
-          </a:r>
-          <a:endParaRPr lang="en-US" sz="1700" kern="1200"/>
+          <a:endParaRPr lang="en-US" sz="1700" kern="1200" dirty="0"/>
         </a:p>
       </dsp:txBody>
       <dsp:txXfrm>
@@ -21490,569 +19921,6 @@
 </file>
 
 <file path=ppt/diagrams/layout7.xml><?xml version="1.0" encoding="utf-8"?>
-<dgm:layoutDef xmlns:dgm="http://schemas.openxmlformats.org/drawingml/2006/diagram" xmlns:a="http://schemas.openxmlformats.org/drawingml/2006/main" uniqueId="urn:microsoft.com/office/officeart/2005/8/layout/hierarchy1">
-  <dgm:title val=""/>
-  <dgm:desc val=""/>
-  <dgm:catLst>
-    <dgm:cat type="hierarchy" pri="2000"/>
-  </dgm:catLst>
-  <dgm:sampData>
-    <dgm:dataModel>
-      <dgm:ptLst>
-        <dgm:pt modelId="0" type="doc"/>
-        <dgm:pt modelId="1">
-          <dgm:prSet phldr="1"/>
-        </dgm:pt>
-        <dgm:pt modelId="2">
-          <dgm:prSet phldr="1"/>
-        </dgm:pt>
-        <dgm:pt modelId="21">
-          <dgm:prSet phldr="1"/>
-        </dgm:pt>
-        <dgm:pt modelId="22">
-          <dgm:prSet phldr="1"/>
-        </dgm:pt>
-        <dgm:pt modelId="3">
-          <dgm:prSet phldr="1"/>
-        </dgm:pt>
-        <dgm:pt modelId="31">
-          <dgm:prSet phldr="1"/>
-        </dgm:pt>
-      </dgm:ptLst>
-      <dgm:cxnLst>
-        <dgm:cxn modelId="4" srcId="0" destId="1" srcOrd="0" destOrd="0"/>
-        <dgm:cxn modelId="5" srcId="1" destId="2" srcOrd="0" destOrd="0"/>
-        <dgm:cxn modelId="6" srcId="1" destId="3" srcOrd="1" destOrd="0"/>
-        <dgm:cxn modelId="23" srcId="2" destId="21" srcOrd="0" destOrd="0"/>
-        <dgm:cxn modelId="24" srcId="2" destId="22" srcOrd="1" destOrd="0"/>
-        <dgm:cxn modelId="33" srcId="3" destId="31" srcOrd="0" destOrd="0"/>
-      </dgm:cxnLst>
-      <dgm:bg/>
-      <dgm:whole/>
-    </dgm:dataModel>
-  </dgm:sampData>
-  <dgm:styleData>
-    <dgm:dataModel>
-      <dgm:ptLst>
-        <dgm:pt modelId="0" type="doc"/>
-        <dgm:pt modelId="1"/>
-        <dgm:pt modelId="11"/>
-        <dgm:pt modelId="12"/>
-      </dgm:ptLst>
-      <dgm:cxnLst>
-        <dgm:cxn modelId="2" srcId="0" destId="1" srcOrd="0" destOrd="0"/>
-        <dgm:cxn modelId="13" srcId="1" destId="11" srcOrd="0" destOrd="0"/>
-        <dgm:cxn modelId="14" srcId="1" destId="12" srcOrd="1" destOrd="0"/>
-      </dgm:cxnLst>
-      <dgm:bg/>
-      <dgm:whole/>
-    </dgm:dataModel>
-  </dgm:styleData>
-  <dgm:clrData>
-    <dgm:dataModel>
-      <dgm:ptLst>
-        <dgm:pt modelId="0" type="doc"/>
-        <dgm:pt modelId="1"/>
-        <dgm:pt modelId="2"/>
-        <dgm:pt modelId="21"/>
-        <dgm:pt modelId="211"/>
-        <dgm:pt modelId="3"/>
-        <dgm:pt modelId="31"/>
-        <dgm:pt modelId="311"/>
-      </dgm:ptLst>
-      <dgm:cxnLst>
-        <dgm:cxn modelId="4" srcId="0" destId="1" srcOrd="0" destOrd="0"/>
-        <dgm:cxn modelId="5" srcId="1" destId="2" srcOrd="0" destOrd="0"/>
-        <dgm:cxn modelId="6" srcId="1" destId="3" srcOrd="1" destOrd="0"/>
-        <dgm:cxn modelId="23" srcId="2" destId="21" srcOrd="0" destOrd="0"/>
-        <dgm:cxn modelId="24" srcId="21" destId="211" srcOrd="0" destOrd="0"/>
-        <dgm:cxn modelId="33" srcId="3" destId="31" srcOrd="0" destOrd="0"/>
-        <dgm:cxn modelId="34" srcId="31" destId="311" srcOrd="0" destOrd="0"/>
-      </dgm:cxnLst>
-      <dgm:bg/>
-      <dgm:whole/>
-    </dgm:dataModel>
-  </dgm:clrData>
-  <dgm:layoutNode name="hierChild1">
-    <dgm:varLst>
-      <dgm:chPref val="1"/>
-      <dgm:dir/>
-      <dgm:animOne val="branch"/>
-      <dgm:animLvl val="lvl"/>
-      <dgm:resizeHandles/>
-    </dgm:varLst>
-    <dgm:choose name="Name0">
-      <dgm:if name="Name1" func="var" arg="dir" op="equ" val="norm">
-        <dgm:alg type="hierChild">
-          <dgm:param type="linDir" val="fromL"/>
-        </dgm:alg>
-      </dgm:if>
-      <dgm:else name="Name2">
-        <dgm:alg type="hierChild">
-          <dgm:param type="linDir" val="fromR"/>
-        </dgm:alg>
-      </dgm:else>
-    </dgm:choose>
-    <dgm:shape xmlns:r="http://schemas.openxmlformats.org/officeDocument/2006/relationships" r:blip="">
-      <dgm:adjLst/>
-    </dgm:shape>
-    <dgm:presOf/>
-    <dgm:constrLst>
-      <dgm:constr type="primFontSz" for="des" ptType="node" op="equ" val="65"/>
-      <dgm:constr type="w" for="des" forName="composite" refType="w"/>
-      <dgm:constr type="h" for="des" forName="composite" refType="w" refFor="des" refForName="composite" fact="0.667"/>
-      <dgm:constr type="w" for="des" forName="composite2" refType="w" refFor="des" refForName="composite"/>
-      <dgm:constr type="h" for="des" forName="composite2" refType="h" refFor="des" refForName="composite"/>
-      <dgm:constr type="w" for="des" forName="composite3" refType="w" refFor="des" refForName="composite"/>
-      <dgm:constr type="h" for="des" forName="composite3" refType="h" refFor="des" refForName="composite"/>
-      <dgm:constr type="w" for="des" forName="composite4" refType="w" refFor="des" refForName="composite"/>
-      <dgm:constr type="h" for="des" forName="composite4" refType="h" refFor="des" refForName="composite"/>
-      <dgm:constr type="w" for="des" forName="composite5" refType="w" refFor="des" refForName="composite"/>
-      <dgm:constr type="h" for="des" forName="composite5" refType="h" refFor="des" refForName="composite"/>
-      <dgm:constr type="sibSp" refType="w" refFor="des" refForName="composite" fact="0.1"/>
-      <dgm:constr type="sibSp" for="des" forName="hierChild2" refType="sibSp"/>
-      <dgm:constr type="sibSp" for="des" forName="hierChild3" refType="sibSp"/>
-      <dgm:constr type="sibSp" for="des" forName="hierChild4" refType="sibSp"/>
-      <dgm:constr type="sibSp" for="des" forName="hierChild5" refType="sibSp"/>
-      <dgm:constr type="sibSp" for="des" forName="hierChild6" refType="sibSp"/>
-      <dgm:constr type="sp" for="des" forName="hierRoot1" refType="h" refFor="des" refForName="composite" fact="0.25"/>
-      <dgm:constr type="sp" for="des" forName="hierRoot2" refType="sp" refFor="des" refForName="hierRoot1"/>
-      <dgm:constr type="sp" for="des" forName="hierRoot3" refType="sp" refFor="des" refForName="hierRoot1"/>
-      <dgm:constr type="sp" for="des" forName="hierRoot4" refType="sp" refFor="des" refForName="hierRoot1"/>
-      <dgm:constr type="sp" for="des" forName="hierRoot5" refType="sp" refFor="des" refForName="hierRoot1"/>
-    </dgm:constrLst>
-    <dgm:ruleLst/>
-    <dgm:forEach name="Name3" axis="ch">
-      <dgm:forEach name="Name4" axis="self" ptType="node">
-        <dgm:layoutNode name="hierRoot1">
-          <dgm:alg type="hierRoot"/>
-          <dgm:shape xmlns:r="http://schemas.openxmlformats.org/officeDocument/2006/relationships" r:blip="">
-            <dgm:adjLst/>
-          </dgm:shape>
-          <dgm:presOf/>
-          <dgm:constrLst>
-            <dgm:constr type="bendDist" for="des" ptType="parTrans" refType="sp" fact="0.5"/>
-          </dgm:constrLst>
-          <dgm:ruleLst/>
-          <dgm:layoutNode name="composite">
-            <dgm:alg type="composite"/>
-            <dgm:shape xmlns:r="http://schemas.openxmlformats.org/officeDocument/2006/relationships" r:blip="">
-              <dgm:adjLst/>
-            </dgm:shape>
-            <dgm:presOf/>
-            <dgm:constrLst>
-              <dgm:constr type="w" for="ch" forName="background" refType="w" fact="0.9"/>
-              <dgm:constr type="h" for="ch" forName="background" refType="w" refFor="ch" refForName="background" fact="0.635"/>
-              <dgm:constr type="t" for="ch" forName="background"/>
-              <dgm:constr type="l" for="ch" forName="background"/>
-              <dgm:constr type="w" for="ch" forName="text" refType="w" fact="0.9"/>
-              <dgm:constr type="h" for="ch" forName="text" refType="w" refFor="ch" refForName="text" fact="0.635"/>
-              <dgm:constr type="t" for="ch" forName="text" refType="w" fact="0.095"/>
-              <dgm:constr type="l" for="ch" forName="text" refType="w" fact="0.1"/>
-            </dgm:constrLst>
-            <dgm:ruleLst/>
-            <dgm:layoutNode name="background" styleLbl="node0" moveWith="text">
-              <dgm:alg type="sp"/>
-              <dgm:shape xmlns:r="http://schemas.openxmlformats.org/officeDocument/2006/relationships" type="roundRect" r:blip="">
-                <dgm:adjLst>
-                  <dgm:adj idx="1" val="0.1"/>
-                </dgm:adjLst>
-              </dgm:shape>
-              <dgm:presOf/>
-              <dgm:constrLst/>
-              <dgm:ruleLst/>
-            </dgm:layoutNode>
-            <dgm:layoutNode name="text" styleLbl="fgAcc0">
-              <dgm:varLst>
-                <dgm:chPref val="3"/>
-              </dgm:varLst>
-              <dgm:alg type="tx"/>
-              <dgm:shape xmlns:r="http://schemas.openxmlformats.org/officeDocument/2006/relationships" type="roundRect" r:blip="">
-                <dgm:adjLst>
-                  <dgm:adj idx="1" val="0.1"/>
-                </dgm:adjLst>
-              </dgm:shape>
-              <dgm:presOf axis="self"/>
-              <dgm:constrLst>
-                <dgm:constr type="tMarg" refType="primFontSz" fact="0.3"/>
-                <dgm:constr type="bMarg" refType="primFontSz" fact="0.3"/>
-                <dgm:constr type="lMarg" refType="primFontSz" fact="0.3"/>
-                <dgm:constr type="rMarg" refType="primFontSz" fact="0.3"/>
-              </dgm:constrLst>
-              <dgm:ruleLst>
-                <dgm:rule type="primFontSz" val="5" fact="NaN" max="NaN"/>
-              </dgm:ruleLst>
-            </dgm:layoutNode>
-          </dgm:layoutNode>
-          <dgm:layoutNode name="hierChild2">
-            <dgm:choose name="Name5">
-              <dgm:if name="Name6" func="var" arg="dir" op="equ" val="norm">
-                <dgm:alg type="hierChild">
-                  <dgm:param type="linDir" val="fromL"/>
-                </dgm:alg>
-              </dgm:if>
-              <dgm:else name="Name7">
-                <dgm:alg type="hierChild">
-                  <dgm:param type="linDir" val="fromR"/>
-                </dgm:alg>
-              </dgm:else>
-            </dgm:choose>
-            <dgm:shape xmlns:r="http://schemas.openxmlformats.org/officeDocument/2006/relationships" r:blip="">
-              <dgm:adjLst/>
-            </dgm:shape>
-            <dgm:presOf/>
-            <dgm:constrLst/>
-            <dgm:ruleLst/>
-            <dgm:forEach name="Name8" axis="ch">
-              <dgm:forEach name="Name9" axis="self" ptType="parTrans" cnt="1">
-                <dgm:layoutNode name="Name10">
-                  <dgm:alg type="conn">
-                    <dgm:param type="dim" val="1D"/>
-                    <dgm:param type="endSty" val="noArr"/>
-                    <dgm:param type="connRout" val="bend"/>
-                    <dgm:param type="bendPt" val="end"/>
-                    <dgm:param type="begPts" val="bCtr"/>
-                    <dgm:param type="endPts" val="tCtr"/>
-                    <dgm:param type="srcNode" val="background"/>
-                    <dgm:param type="dstNode" val="background2"/>
-                  </dgm:alg>
-                  <dgm:shape xmlns:r="http://schemas.openxmlformats.org/officeDocument/2006/relationships" type="conn" r:blip="" zOrderOff="-999">
-                    <dgm:adjLst/>
-                  </dgm:shape>
-                  <dgm:presOf axis="self"/>
-                  <dgm:constrLst>
-                    <dgm:constr type="begPad"/>
-                    <dgm:constr type="endPad"/>
-                  </dgm:constrLst>
-                  <dgm:ruleLst/>
-                </dgm:layoutNode>
-              </dgm:forEach>
-              <dgm:forEach name="Name11" axis="self" ptType="node">
-                <dgm:layoutNode name="hierRoot2">
-                  <dgm:alg type="hierRoot"/>
-                  <dgm:shape xmlns:r="http://schemas.openxmlformats.org/officeDocument/2006/relationships" r:blip="">
-                    <dgm:adjLst/>
-                  </dgm:shape>
-                  <dgm:presOf/>
-                  <dgm:constrLst>
-                    <dgm:constr type="bendDist" for="des" ptType="parTrans" refType="sp" fact="0.5"/>
-                  </dgm:constrLst>
-                  <dgm:ruleLst/>
-                  <dgm:layoutNode name="composite2">
-                    <dgm:alg type="composite"/>
-                    <dgm:shape xmlns:r="http://schemas.openxmlformats.org/officeDocument/2006/relationships" r:blip="">
-                      <dgm:adjLst/>
-                    </dgm:shape>
-                    <dgm:presOf/>
-                    <dgm:constrLst>
-                      <dgm:constr type="w" for="ch" forName="background2" refType="w" fact="0.9"/>
-                      <dgm:constr type="h" for="ch" forName="background2" refType="w" refFor="ch" refForName="background2" fact="0.635"/>
-                      <dgm:constr type="t" for="ch" forName="background2"/>
-                      <dgm:constr type="l" for="ch" forName="background2"/>
-                      <dgm:constr type="w" for="ch" forName="text2" refType="w" fact="0.9"/>
-                      <dgm:constr type="h" for="ch" forName="text2" refType="w" refFor="ch" refForName="text2" fact="0.635"/>
-                      <dgm:constr type="t" for="ch" forName="text2" refType="w" fact="0.095"/>
-                      <dgm:constr type="l" for="ch" forName="text2" refType="w" fact="0.1"/>
-                    </dgm:constrLst>
-                    <dgm:ruleLst/>
-                    <dgm:layoutNode name="background2" moveWith="text2">
-                      <dgm:alg type="sp"/>
-                      <dgm:shape xmlns:r="http://schemas.openxmlformats.org/officeDocument/2006/relationships" type="roundRect" r:blip="">
-                        <dgm:adjLst>
-                          <dgm:adj idx="1" val="0.1"/>
-                        </dgm:adjLst>
-                      </dgm:shape>
-                      <dgm:presOf/>
-                      <dgm:constrLst/>
-                      <dgm:ruleLst/>
-                    </dgm:layoutNode>
-                    <dgm:layoutNode name="text2" styleLbl="fgAcc2">
-                      <dgm:varLst>
-                        <dgm:chPref val="3"/>
-                      </dgm:varLst>
-                      <dgm:alg type="tx"/>
-                      <dgm:shape xmlns:r="http://schemas.openxmlformats.org/officeDocument/2006/relationships" type="roundRect" r:blip="">
-                        <dgm:adjLst>
-                          <dgm:adj idx="1" val="0.1"/>
-                        </dgm:adjLst>
-                      </dgm:shape>
-                      <dgm:presOf axis="self"/>
-                      <dgm:constrLst>
-                        <dgm:constr type="tMarg" refType="primFontSz" fact="0.3"/>
-                        <dgm:constr type="bMarg" refType="primFontSz" fact="0.3"/>
-                        <dgm:constr type="lMarg" refType="primFontSz" fact="0.3"/>
-                        <dgm:constr type="rMarg" refType="primFontSz" fact="0.3"/>
-                      </dgm:constrLst>
-                      <dgm:ruleLst>
-                        <dgm:rule type="primFontSz" val="5" fact="NaN" max="NaN"/>
-                      </dgm:ruleLst>
-                    </dgm:layoutNode>
-                  </dgm:layoutNode>
-                  <dgm:layoutNode name="hierChild3">
-                    <dgm:choose name="Name12">
-                      <dgm:if name="Name13" func="var" arg="dir" op="equ" val="norm">
-                        <dgm:alg type="hierChild">
-                          <dgm:param type="linDir" val="fromL"/>
-                        </dgm:alg>
-                      </dgm:if>
-                      <dgm:else name="Name14">
-                        <dgm:alg type="hierChild">
-                          <dgm:param type="linDir" val="fromR"/>
-                        </dgm:alg>
-                      </dgm:else>
-                    </dgm:choose>
-                    <dgm:shape xmlns:r="http://schemas.openxmlformats.org/officeDocument/2006/relationships" r:blip="">
-                      <dgm:adjLst/>
-                    </dgm:shape>
-                    <dgm:presOf/>
-                    <dgm:constrLst/>
-                    <dgm:ruleLst/>
-                    <dgm:forEach name="Name15" axis="ch">
-                      <dgm:forEach name="Name16" axis="self" ptType="parTrans" cnt="1">
-                        <dgm:layoutNode name="Name17">
-                          <dgm:alg type="conn">
-                            <dgm:param type="dim" val="1D"/>
-                            <dgm:param type="endSty" val="noArr"/>
-                            <dgm:param type="connRout" val="bend"/>
-                            <dgm:param type="bendPt" val="end"/>
-                            <dgm:param type="begPts" val="bCtr"/>
-                            <dgm:param type="endPts" val="tCtr"/>
-                            <dgm:param type="srcNode" val="background2"/>
-                            <dgm:param type="dstNode" val="background3"/>
-                          </dgm:alg>
-                          <dgm:shape xmlns:r="http://schemas.openxmlformats.org/officeDocument/2006/relationships" type="conn" r:blip="" zOrderOff="-999">
-                            <dgm:adjLst/>
-                          </dgm:shape>
-                          <dgm:presOf axis="self"/>
-                          <dgm:constrLst>
-                            <dgm:constr type="begPad"/>
-                            <dgm:constr type="endPad"/>
-                          </dgm:constrLst>
-                          <dgm:ruleLst/>
-                        </dgm:layoutNode>
-                      </dgm:forEach>
-                      <dgm:forEach name="Name18" axis="self" ptType="node">
-                        <dgm:layoutNode name="hierRoot3">
-                          <dgm:alg type="hierRoot"/>
-                          <dgm:shape xmlns:r="http://schemas.openxmlformats.org/officeDocument/2006/relationships" r:blip="">
-                            <dgm:adjLst/>
-                          </dgm:shape>
-                          <dgm:presOf/>
-                          <dgm:constrLst>
-                            <dgm:constr type="bendDist" for="des" ptType="parTrans" refType="sp" fact="0.5"/>
-                          </dgm:constrLst>
-                          <dgm:ruleLst/>
-                          <dgm:layoutNode name="composite3">
-                            <dgm:alg type="composite"/>
-                            <dgm:shape xmlns:r="http://schemas.openxmlformats.org/officeDocument/2006/relationships" r:blip="">
-                              <dgm:adjLst/>
-                            </dgm:shape>
-                            <dgm:presOf/>
-                            <dgm:constrLst>
-                              <dgm:constr type="w" for="ch" forName="background3" refType="w" fact="0.9"/>
-                              <dgm:constr type="h" for="ch" forName="background3" refType="w" refFor="ch" refForName="background3" fact="0.635"/>
-                              <dgm:constr type="t" for="ch" forName="background3"/>
-                              <dgm:constr type="l" for="ch" forName="background3"/>
-                              <dgm:constr type="w" for="ch" forName="text3" refType="w" fact="0.9"/>
-                              <dgm:constr type="h" for="ch" forName="text3" refType="w" refFor="ch" refForName="text3" fact="0.635"/>
-                              <dgm:constr type="t" for="ch" forName="text3" refType="w" fact="0.095"/>
-                              <dgm:constr type="l" for="ch" forName="text3" refType="w" fact="0.1"/>
-                            </dgm:constrLst>
-                            <dgm:ruleLst/>
-                            <dgm:layoutNode name="background3" moveWith="text3">
-                              <dgm:alg type="sp"/>
-                              <dgm:shape xmlns:r="http://schemas.openxmlformats.org/officeDocument/2006/relationships" type="roundRect" r:blip="">
-                                <dgm:adjLst>
-                                  <dgm:adj idx="1" val="0.1"/>
-                                </dgm:adjLst>
-                              </dgm:shape>
-                              <dgm:presOf/>
-                              <dgm:constrLst/>
-                              <dgm:ruleLst/>
-                            </dgm:layoutNode>
-                            <dgm:layoutNode name="text3" styleLbl="fgAcc3">
-                              <dgm:varLst>
-                                <dgm:chPref val="3"/>
-                              </dgm:varLst>
-                              <dgm:alg type="tx"/>
-                              <dgm:shape xmlns:r="http://schemas.openxmlformats.org/officeDocument/2006/relationships" type="roundRect" r:blip="">
-                                <dgm:adjLst>
-                                  <dgm:adj idx="1" val="0.1"/>
-                                </dgm:adjLst>
-                              </dgm:shape>
-                              <dgm:presOf axis="self"/>
-                              <dgm:constrLst>
-                                <dgm:constr type="tMarg" refType="primFontSz" fact="0.3"/>
-                                <dgm:constr type="bMarg" refType="primFontSz" fact="0.3"/>
-                                <dgm:constr type="lMarg" refType="primFontSz" fact="0.3"/>
-                                <dgm:constr type="rMarg" refType="primFontSz" fact="0.3"/>
-                              </dgm:constrLst>
-                              <dgm:ruleLst>
-                                <dgm:rule type="primFontSz" val="5" fact="NaN" max="NaN"/>
-                              </dgm:ruleLst>
-                            </dgm:layoutNode>
-                          </dgm:layoutNode>
-                          <dgm:layoutNode name="hierChild4">
-                            <dgm:choose name="Name19">
-                              <dgm:if name="Name20" func="var" arg="dir" op="equ" val="norm">
-                                <dgm:alg type="hierChild">
-                                  <dgm:param type="linDir" val="fromL"/>
-                                </dgm:alg>
-                              </dgm:if>
-                              <dgm:else name="Name21">
-                                <dgm:alg type="hierChild">
-                                  <dgm:param type="linDir" val="fromR"/>
-                                </dgm:alg>
-                              </dgm:else>
-                            </dgm:choose>
-                            <dgm:shape xmlns:r="http://schemas.openxmlformats.org/officeDocument/2006/relationships" r:blip="">
-                              <dgm:adjLst/>
-                            </dgm:shape>
-                            <dgm:presOf/>
-                            <dgm:constrLst/>
-                            <dgm:ruleLst/>
-                            <dgm:forEach name="repeat" axis="ch">
-                              <dgm:forEach name="Name22" axis="self" ptType="parTrans" cnt="1">
-                                <dgm:layoutNode name="Name23">
-                                  <dgm:choose name="Name24">
-                                    <dgm:if name="Name25" axis="self" func="depth" op="lte" val="4">
-                                      <dgm:alg type="conn">
-                                        <dgm:param type="dim" val="1D"/>
-                                        <dgm:param type="endSty" val="noArr"/>
-                                        <dgm:param type="connRout" val="bend"/>
-                                        <dgm:param type="bendPt" val="end"/>
-                                        <dgm:param type="begPts" val="bCtr"/>
-                                        <dgm:param type="endPts" val="tCtr"/>
-                                        <dgm:param type="srcNode" val="background3"/>
-                                        <dgm:param type="dstNode" val="background4"/>
-                                      </dgm:alg>
-                                    </dgm:if>
-                                    <dgm:else name="Name26">
-                                      <dgm:alg type="conn">
-                                        <dgm:param type="dim" val="1D"/>
-                                        <dgm:param type="endSty" val="noArr"/>
-                                        <dgm:param type="connRout" val="bend"/>
-                                        <dgm:param type="bendPt" val="end"/>
-                                        <dgm:param type="begPts" val="bCtr"/>
-                                        <dgm:param type="endPts" val="tCtr"/>
-                                        <dgm:param type="srcNode" val="background4"/>
-                                        <dgm:param type="dstNode" val="background4"/>
-                                      </dgm:alg>
-                                    </dgm:else>
-                                  </dgm:choose>
-                                  <dgm:shape xmlns:r="http://schemas.openxmlformats.org/officeDocument/2006/relationships" type="conn" r:blip="" zOrderOff="-999">
-                                    <dgm:adjLst/>
-                                  </dgm:shape>
-                                  <dgm:presOf axis="self"/>
-                                  <dgm:constrLst>
-                                    <dgm:constr type="begPad"/>
-                                    <dgm:constr type="endPad"/>
-                                  </dgm:constrLst>
-                                  <dgm:ruleLst/>
-                                </dgm:layoutNode>
-                              </dgm:forEach>
-                              <dgm:forEach name="Name27" axis="self" ptType="node">
-                                <dgm:layoutNode name="hierRoot4">
-                                  <dgm:alg type="hierRoot"/>
-                                  <dgm:shape xmlns:r="http://schemas.openxmlformats.org/officeDocument/2006/relationships" r:blip="">
-                                    <dgm:adjLst/>
-                                  </dgm:shape>
-                                  <dgm:presOf/>
-                                  <dgm:constrLst>
-                                    <dgm:constr type="bendDist" for="des" ptType="parTrans" refType="sp" fact="0.5"/>
-                                  </dgm:constrLst>
-                                  <dgm:ruleLst/>
-                                  <dgm:layoutNode name="composite4">
-                                    <dgm:alg type="composite"/>
-                                    <dgm:shape xmlns:r="http://schemas.openxmlformats.org/officeDocument/2006/relationships" r:blip="">
-                                      <dgm:adjLst/>
-                                    </dgm:shape>
-                                    <dgm:presOf/>
-                                    <dgm:constrLst>
-                                      <dgm:constr type="w" for="ch" forName="background4" refType="w" fact="0.9"/>
-                                      <dgm:constr type="h" for="ch" forName="background4" refType="w" refFor="ch" refForName="background4" fact="0.635"/>
-                                      <dgm:constr type="t" for="ch" forName="background4"/>
-                                      <dgm:constr type="l" for="ch" forName="background4"/>
-                                      <dgm:constr type="w" for="ch" forName="text4" refType="w" fact="0.9"/>
-                                      <dgm:constr type="h" for="ch" forName="text4" refType="w" refFor="ch" refForName="text4" fact="0.635"/>
-                                      <dgm:constr type="t" for="ch" forName="text4" refType="w" fact="0.095"/>
-                                      <dgm:constr type="l" for="ch" forName="text4" refType="w" fact="0.1"/>
-                                    </dgm:constrLst>
-                                    <dgm:ruleLst/>
-                                    <dgm:layoutNode name="background4" moveWith="text4">
-                                      <dgm:alg type="sp"/>
-                                      <dgm:shape xmlns:r="http://schemas.openxmlformats.org/officeDocument/2006/relationships" type="roundRect" r:blip="">
-                                        <dgm:adjLst>
-                                          <dgm:adj idx="1" val="0.1"/>
-                                        </dgm:adjLst>
-                                      </dgm:shape>
-                                      <dgm:presOf/>
-                                      <dgm:constrLst/>
-                                      <dgm:ruleLst/>
-                                    </dgm:layoutNode>
-                                    <dgm:layoutNode name="text4" styleLbl="fgAcc4">
-                                      <dgm:varLst>
-                                        <dgm:chPref val="3"/>
-                                      </dgm:varLst>
-                                      <dgm:alg type="tx"/>
-                                      <dgm:shape xmlns:r="http://schemas.openxmlformats.org/officeDocument/2006/relationships" type="roundRect" r:blip="">
-                                        <dgm:adjLst>
-                                          <dgm:adj idx="1" val="0.1"/>
-                                        </dgm:adjLst>
-                                      </dgm:shape>
-                                      <dgm:presOf axis="self"/>
-                                      <dgm:constrLst>
-                                        <dgm:constr type="tMarg" refType="primFontSz" fact="0.3"/>
-                                        <dgm:constr type="bMarg" refType="primFontSz" fact="0.3"/>
-                                        <dgm:constr type="lMarg" refType="primFontSz" fact="0.3"/>
-                                        <dgm:constr type="rMarg" refType="primFontSz" fact="0.3"/>
-                                      </dgm:constrLst>
-                                      <dgm:ruleLst>
-                                        <dgm:rule type="primFontSz" val="5" fact="NaN" max="NaN"/>
-                                      </dgm:ruleLst>
-                                    </dgm:layoutNode>
-                                  </dgm:layoutNode>
-                                  <dgm:layoutNode name="hierChild5">
-                                    <dgm:choose name="Name28">
-                                      <dgm:if name="Name29" func="var" arg="dir" op="equ" val="norm">
-                                        <dgm:alg type="hierChild">
-                                          <dgm:param type="linDir" val="fromL"/>
-                                        </dgm:alg>
-                                      </dgm:if>
-                                      <dgm:else name="Name30">
-                                        <dgm:alg type="hierChild">
-                                          <dgm:param type="linDir" val="fromR"/>
-                                        </dgm:alg>
-                                      </dgm:else>
-                                    </dgm:choose>
-                                    <dgm:shape xmlns:r="http://schemas.openxmlformats.org/officeDocument/2006/relationships" r:blip="">
-                                      <dgm:adjLst/>
-                                    </dgm:shape>
-                                    <dgm:presOf/>
-                                    <dgm:constrLst/>
-                                    <dgm:ruleLst/>
-                                    <dgm:forEach name="Name31" ref="repeat"/>
-                                  </dgm:layoutNode>
-                                </dgm:layoutNode>
-                              </dgm:forEach>
-                            </dgm:forEach>
-                          </dgm:layoutNode>
-                        </dgm:layoutNode>
-                      </dgm:forEach>
-                    </dgm:forEach>
-                  </dgm:layoutNode>
-                </dgm:layoutNode>
-              </dgm:forEach>
-            </dgm:forEach>
-          </dgm:layoutNode>
-        </dgm:layoutNode>
-      </dgm:forEach>
-    </dgm:forEach>
-  </dgm:layoutNode>
-</dgm:layoutDef>
-</file>
-
-<file path=ppt/diagrams/layout8.xml><?xml version="1.0" encoding="utf-8"?>
 <dgm:layoutDef xmlns:dgm="http://schemas.openxmlformats.org/drawingml/2006/diagram" xmlns:a="http://schemas.openxmlformats.org/drawingml/2006/main" uniqueId="urn:microsoft.com/office/officeart/2018/2/layout/IconVerticalSolidList">
   <dgm:title val="Icon Vertical Solid List"/>
   <dgm:desc val="Use to show a series of visuals from top to bottom with Level 1 or Level 1 and Level 2 text grouped in a shape. Works best with icons or small pictures with lengthier descriptions."/>
@@ -22346,7 +20214,7 @@
 </dgm:layoutDef>
 </file>
 
-<file path=ppt/diagrams/layout9.xml><?xml version="1.0" encoding="utf-8"?>
+<file path=ppt/diagrams/layout8.xml><?xml version="1.0" encoding="utf-8"?>
 <dgm:layoutDef xmlns:dgm="http://schemas.openxmlformats.org/drawingml/2006/diagram" xmlns:a="http://schemas.openxmlformats.org/drawingml/2006/main" uniqueId="urn:microsoft.com/office/officeart/2018/5/layout/CenteredIconLabelDescriptionList">
   <dgm:title val="Centered Icon Label Description List"/>
   <dgm:desc val="Use to show non-sequential or grouped chunks of information. The placeholder holds an icon or small picture, and corresponding text boxes show Level 1 and Level 2 text respectively. Works well for minimal Level 1 text accompanied by lengthier Level two text."/>
@@ -28778,1040 +26646,6 @@
 </file>
 
 <file path=ppt/diagrams/quickStyle7.xml><?xml version="1.0" encoding="utf-8"?>
-<dgm:styleDef xmlns:dgm="http://schemas.openxmlformats.org/drawingml/2006/diagram" xmlns:a="http://schemas.openxmlformats.org/drawingml/2006/main" uniqueId="urn:microsoft.com/office/officeart/2005/8/quickstyle/simple5">
-  <dgm:title val=""/>
-  <dgm:desc val=""/>
-  <dgm:catLst>
-    <dgm:cat type="simple" pri="10500"/>
-  </dgm:catLst>
-  <dgm:scene3d>
-    <a:camera prst="orthographicFront"/>
-    <a:lightRig rig="threePt" dir="t"/>
-  </dgm:scene3d>
-  <dgm:styleLbl name="node0">
-    <dgm:scene3d>
-      <a:camera prst="orthographicFront"/>
-      <a:lightRig rig="threePt" dir="t"/>
-    </dgm:scene3d>
-    <dgm:sp3d/>
-    <dgm:txPr/>
-    <dgm:style>
-      <a:lnRef idx="0">
-        <a:scrgbClr r="0" g="0" b="0"/>
-      </a:lnRef>
-      <a:fillRef idx="3">
-        <a:scrgbClr r="0" g="0" b="0"/>
-      </a:fillRef>
-      <a:effectRef idx="3">
-        <a:scrgbClr r="0" g="0" b="0"/>
-      </a:effectRef>
-      <a:fontRef idx="minor">
-        <a:schemeClr val="lt1"/>
-      </a:fontRef>
-    </dgm:style>
-  </dgm:styleLbl>
-  <dgm:styleLbl name="lnNode1">
-    <dgm:scene3d>
-      <a:camera prst="orthographicFront"/>
-      <a:lightRig rig="threePt" dir="t"/>
-    </dgm:scene3d>
-    <dgm:sp3d/>
-    <dgm:txPr/>
-    <dgm:style>
-      <a:lnRef idx="0">
-        <a:scrgbClr r="0" g="0" b="0"/>
-      </a:lnRef>
-      <a:fillRef idx="3">
-        <a:scrgbClr r="0" g="0" b="0"/>
-      </a:fillRef>
-      <a:effectRef idx="3">
-        <a:scrgbClr r="0" g="0" b="0"/>
-      </a:effectRef>
-      <a:fontRef idx="minor">
-        <a:schemeClr val="lt1"/>
-      </a:fontRef>
-    </dgm:style>
-  </dgm:styleLbl>
-  <dgm:styleLbl name="vennNode1">
-    <dgm:scene3d>
-      <a:camera prst="orthographicFront"/>
-      <a:lightRig rig="threePt" dir="t"/>
-    </dgm:scene3d>
-    <dgm:sp3d/>
-    <dgm:txPr/>
-    <dgm:style>
-      <a:lnRef idx="0">
-        <a:scrgbClr r="0" g="0" b="0"/>
-      </a:lnRef>
-      <a:fillRef idx="3">
-        <a:scrgbClr r="0" g="0" b="0"/>
-      </a:fillRef>
-      <a:effectRef idx="3">
-        <a:scrgbClr r="0" g="0" b="0"/>
-      </a:effectRef>
-      <a:fontRef idx="minor">
-        <a:schemeClr val="tx1"/>
-      </a:fontRef>
-    </dgm:style>
-  </dgm:styleLbl>
-  <dgm:styleLbl name="alignNode1">
-    <dgm:scene3d>
-      <a:camera prst="orthographicFront"/>
-      <a:lightRig rig="threePt" dir="t"/>
-    </dgm:scene3d>
-    <dgm:sp3d/>
-    <dgm:txPr/>
-    <dgm:style>
-      <a:lnRef idx="1">
-        <a:scrgbClr r="0" g="0" b="0"/>
-      </a:lnRef>
-      <a:fillRef idx="3">
-        <a:scrgbClr r="0" g="0" b="0"/>
-      </a:fillRef>
-      <a:effectRef idx="3">
-        <a:scrgbClr r="0" g="0" b="0"/>
-      </a:effectRef>
-      <a:fontRef idx="minor">
-        <a:schemeClr val="lt1"/>
-      </a:fontRef>
-    </dgm:style>
-  </dgm:styleLbl>
-  <dgm:styleLbl name="node1">
-    <dgm:scene3d>
-      <a:camera prst="orthographicFront"/>
-      <a:lightRig rig="threePt" dir="t"/>
-    </dgm:scene3d>
-    <dgm:sp3d/>
-    <dgm:txPr/>
-    <dgm:style>
-      <a:lnRef idx="0">
-        <a:scrgbClr r="0" g="0" b="0"/>
-      </a:lnRef>
-      <a:fillRef idx="3">
-        <a:scrgbClr r="0" g="0" b="0"/>
-      </a:fillRef>
-      <a:effectRef idx="3">
-        <a:scrgbClr r="0" g="0" b="0"/>
-      </a:effectRef>
-      <a:fontRef idx="minor">
-        <a:schemeClr val="lt1"/>
-      </a:fontRef>
-    </dgm:style>
-  </dgm:styleLbl>
-  <dgm:styleLbl name="node2">
-    <dgm:scene3d>
-      <a:camera prst="orthographicFront"/>
-      <a:lightRig rig="threePt" dir="t"/>
-    </dgm:scene3d>
-    <dgm:sp3d/>
-    <dgm:txPr/>
-    <dgm:style>
-      <a:lnRef idx="0">
-        <a:scrgbClr r="0" g="0" b="0"/>
-      </a:lnRef>
-      <a:fillRef idx="3">
-        <a:scrgbClr r="0" g="0" b="0"/>
-      </a:fillRef>
-      <a:effectRef idx="3">
-        <a:scrgbClr r="0" g="0" b="0"/>
-      </a:effectRef>
-      <a:fontRef idx="minor">
-        <a:schemeClr val="lt1"/>
-      </a:fontRef>
-    </dgm:style>
-  </dgm:styleLbl>
-  <dgm:styleLbl name="node3">
-    <dgm:scene3d>
-      <a:camera prst="orthographicFront"/>
-      <a:lightRig rig="threePt" dir="t"/>
-    </dgm:scene3d>
-    <dgm:sp3d/>
-    <dgm:txPr/>
-    <dgm:style>
-      <a:lnRef idx="0">
-        <a:scrgbClr r="0" g="0" b="0"/>
-      </a:lnRef>
-      <a:fillRef idx="3">
-        <a:scrgbClr r="0" g="0" b="0"/>
-      </a:fillRef>
-      <a:effectRef idx="3">
-        <a:scrgbClr r="0" g="0" b="0"/>
-      </a:effectRef>
-      <a:fontRef idx="minor">
-        <a:schemeClr val="lt1"/>
-      </a:fontRef>
-    </dgm:style>
-  </dgm:styleLbl>
-  <dgm:styleLbl name="node4">
-    <dgm:scene3d>
-      <a:camera prst="orthographicFront"/>
-      <a:lightRig rig="threePt" dir="t"/>
-    </dgm:scene3d>
-    <dgm:sp3d/>
-    <dgm:txPr/>
-    <dgm:style>
-      <a:lnRef idx="0">
-        <a:scrgbClr r="0" g="0" b="0"/>
-      </a:lnRef>
-      <a:fillRef idx="3">
-        <a:scrgbClr r="0" g="0" b="0"/>
-      </a:fillRef>
-      <a:effectRef idx="3">
-        <a:scrgbClr r="0" g="0" b="0"/>
-      </a:effectRef>
-      <a:fontRef idx="minor">
-        <a:schemeClr val="lt1"/>
-      </a:fontRef>
-    </dgm:style>
-  </dgm:styleLbl>
-  <dgm:styleLbl name="fgImgPlace1">
-    <dgm:scene3d>
-      <a:camera prst="orthographicFront"/>
-      <a:lightRig rig="threePt" dir="t"/>
-    </dgm:scene3d>
-    <dgm:sp3d/>
-    <dgm:txPr/>
-    <dgm:style>
-      <a:lnRef idx="0">
-        <a:scrgbClr r="0" g="0" b="0"/>
-      </a:lnRef>
-      <a:fillRef idx="1">
-        <a:scrgbClr r="0" g="0" b="0"/>
-      </a:fillRef>
-      <a:effectRef idx="3">
-        <a:scrgbClr r="0" g="0" b="0"/>
-      </a:effectRef>
-      <a:fontRef idx="minor"/>
-    </dgm:style>
-  </dgm:styleLbl>
-  <dgm:styleLbl name="alignImgPlace1">
-    <dgm:scene3d>
-      <a:camera prst="orthographicFront"/>
-      <a:lightRig rig="threePt" dir="t"/>
-    </dgm:scene3d>
-    <dgm:sp3d/>
-    <dgm:txPr/>
-    <dgm:style>
-      <a:lnRef idx="0">
-        <a:scrgbClr r="0" g="0" b="0"/>
-      </a:lnRef>
-      <a:fillRef idx="1">
-        <a:scrgbClr r="0" g="0" b="0"/>
-      </a:fillRef>
-      <a:effectRef idx="3">
-        <a:scrgbClr r="0" g="0" b="0"/>
-      </a:effectRef>
-      <a:fontRef idx="minor"/>
-    </dgm:style>
-  </dgm:styleLbl>
-  <dgm:styleLbl name="bgImgPlace1">
-    <dgm:scene3d>
-      <a:camera prst="orthographicFront"/>
-      <a:lightRig rig="threePt" dir="t"/>
-    </dgm:scene3d>
-    <dgm:sp3d/>
-    <dgm:txPr/>
-    <dgm:style>
-      <a:lnRef idx="0">
-        <a:scrgbClr r="0" g="0" b="0"/>
-      </a:lnRef>
-      <a:fillRef idx="1">
-        <a:scrgbClr r="0" g="0" b="0"/>
-      </a:fillRef>
-      <a:effectRef idx="3">
-        <a:scrgbClr r="0" g="0" b="0"/>
-      </a:effectRef>
-      <a:fontRef idx="minor"/>
-    </dgm:style>
-  </dgm:styleLbl>
-  <dgm:styleLbl name="sibTrans2D1">
-    <dgm:scene3d>
-      <a:camera prst="orthographicFront"/>
-      <a:lightRig rig="threePt" dir="t"/>
-    </dgm:scene3d>
-    <dgm:sp3d/>
-    <dgm:txPr/>
-    <dgm:style>
-      <a:lnRef idx="0">
-        <a:scrgbClr r="0" g="0" b="0"/>
-      </a:lnRef>
-      <a:fillRef idx="3">
-        <a:scrgbClr r="0" g="0" b="0"/>
-      </a:fillRef>
-      <a:effectRef idx="3">
-        <a:scrgbClr r="0" g="0" b="0"/>
-      </a:effectRef>
-      <a:fontRef idx="minor">
-        <a:schemeClr val="lt1"/>
-      </a:fontRef>
-    </dgm:style>
-  </dgm:styleLbl>
-  <dgm:styleLbl name="fgSibTrans2D1">
-    <dgm:scene3d>
-      <a:camera prst="orthographicFront"/>
-      <a:lightRig rig="threePt" dir="t"/>
-    </dgm:scene3d>
-    <dgm:sp3d/>
-    <dgm:txPr/>
-    <dgm:style>
-      <a:lnRef idx="0">
-        <a:scrgbClr r="0" g="0" b="0"/>
-      </a:lnRef>
-      <a:fillRef idx="3">
-        <a:scrgbClr r="0" g="0" b="0"/>
-      </a:fillRef>
-      <a:effectRef idx="3">
-        <a:scrgbClr r="0" g="0" b="0"/>
-      </a:effectRef>
-      <a:fontRef idx="minor">
-        <a:schemeClr val="lt1"/>
-      </a:fontRef>
-    </dgm:style>
-  </dgm:styleLbl>
-  <dgm:styleLbl name="bgSibTrans2D1">
-    <dgm:scene3d>
-      <a:camera prst="orthographicFront"/>
-      <a:lightRig rig="threePt" dir="t"/>
-    </dgm:scene3d>
-    <dgm:sp3d/>
-    <dgm:txPr/>
-    <dgm:style>
-      <a:lnRef idx="0">
-        <a:scrgbClr r="0" g="0" b="0"/>
-      </a:lnRef>
-      <a:fillRef idx="3">
-        <a:scrgbClr r="0" g="0" b="0"/>
-      </a:fillRef>
-      <a:effectRef idx="3">
-        <a:scrgbClr r="0" g="0" b="0"/>
-      </a:effectRef>
-      <a:fontRef idx="minor">
-        <a:schemeClr val="lt1"/>
-      </a:fontRef>
-    </dgm:style>
-  </dgm:styleLbl>
-  <dgm:styleLbl name="sibTrans1D1">
-    <dgm:scene3d>
-      <a:camera prst="orthographicFront"/>
-      <a:lightRig rig="threePt" dir="t"/>
-    </dgm:scene3d>
-    <dgm:sp3d/>
-    <dgm:txPr/>
-    <dgm:style>
-      <a:lnRef idx="1">
-        <a:scrgbClr r="0" g="0" b="0"/>
-      </a:lnRef>
-      <a:fillRef idx="0">
-        <a:scrgbClr r="0" g="0" b="0"/>
-      </a:fillRef>
-      <a:effectRef idx="0">
-        <a:scrgbClr r="0" g="0" b="0"/>
-      </a:effectRef>
-      <a:fontRef idx="minor"/>
-    </dgm:style>
-  </dgm:styleLbl>
-  <dgm:styleLbl name="callout">
-    <dgm:scene3d>
-      <a:camera prst="orthographicFront"/>
-      <a:lightRig rig="threePt" dir="t"/>
-    </dgm:scene3d>
-    <dgm:sp3d/>
-    <dgm:txPr/>
-    <dgm:style>
-      <a:lnRef idx="1">
-        <a:scrgbClr r="0" g="0" b="0"/>
-      </a:lnRef>
-      <a:fillRef idx="0">
-        <a:scrgbClr r="0" g="0" b="0"/>
-      </a:fillRef>
-      <a:effectRef idx="1">
-        <a:scrgbClr r="0" g="0" b="0"/>
-      </a:effectRef>
-      <a:fontRef idx="minor"/>
-    </dgm:style>
-  </dgm:styleLbl>
-  <dgm:styleLbl name="asst0">
-    <dgm:scene3d>
-      <a:camera prst="orthographicFront"/>
-      <a:lightRig rig="threePt" dir="t"/>
-    </dgm:scene3d>
-    <dgm:sp3d/>
-    <dgm:txPr/>
-    <dgm:style>
-      <a:lnRef idx="0">
-        <a:scrgbClr r="0" g="0" b="0"/>
-      </a:lnRef>
-      <a:fillRef idx="3">
-        <a:scrgbClr r="0" g="0" b="0"/>
-      </a:fillRef>
-      <a:effectRef idx="3">
-        <a:scrgbClr r="0" g="0" b="0"/>
-      </a:effectRef>
-      <a:fontRef idx="minor">
-        <a:schemeClr val="lt1"/>
-      </a:fontRef>
-    </dgm:style>
-  </dgm:styleLbl>
-  <dgm:styleLbl name="asst1">
-    <dgm:scene3d>
-      <a:camera prst="orthographicFront"/>
-      <a:lightRig rig="threePt" dir="t"/>
-    </dgm:scene3d>
-    <dgm:sp3d/>
-    <dgm:txPr/>
-    <dgm:style>
-      <a:lnRef idx="0">
-        <a:scrgbClr r="0" g="0" b="0"/>
-      </a:lnRef>
-      <a:fillRef idx="3">
-        <a:scrgbClr r="0" g="0" b="0"/>
-      </a:fillRef>
-      <a:effectRef idx="3">
-        <a:scrgbClr r="0" g="0" b="0"/>
-      </a:effectRef>
-      <a:fontRef idx="minor">
-        <a:schemeClr val="lt1"/>
-      </a:fontRef>
-    </dgm:style>
-  </dgm:styleLbl>
-  <dgm:styleLbl name="asst2">
-    <dgm:scene3d>
-      <a:camera prst="orthographicFront"/>
-      <a:lightRig rig="threePt" dir="t"/>
-    </dgm:scene3d>
-    <dgm:sp3d/>
-    <dgm:txPr/>
-    <dgm:style>
-      <a:lnRef idx="0">
-        <a:scrgbClr r="0" g="0" b="0"/>
-      </a:lnRef>
-      <a:fillRef idx="3">
-        <a:scrgbClr r="0" g="0" b="0"/>
-      </a:fillRef>
-      <a:effectRef idx="3">
-        <a:scrgbClr r="0" g="0" b="0"/>
-      </a:effectRef>
-      <a:fontRef idx="minor">
-        <a:schemeClr val="lt1"/>
-      </a:fontRef>
-    </dgm:style>
-  </dgm:styleLbl>
-  <dgm:styleLbl name="asst3">
-    <dgm:scene3d>
-      <a:camera prst="orthographicFront"/>
-      <a:lightRig rig="threePt" dir="t"/>
-    </dgm:scene3d>
-    <dgm:sp3d/>
-    <dgm:txPr/>
-    <dgm:style>
-      <a:lnRef idx="0">
-        <a:scrgbClr r="0" g="0" b="0"/>
-      </a:lnRef>
-      <a:fillRef idx="3">
-        <a:scrgbClr r="0" g="0" b="0"/>
-      </a:fillRef>
-      <a:effectRef idx="3">
-        <a:scrgbClr r="0" g="0" b="0"/>
-      </a:effectRef>
-      <a:fontRef idx="minor">
-        <a:schemeClr val="lt1"/>
-      </a:fontRef>
-    </dgm:style>
-  </dgm:styleLbl>
-  <dgm:styleLbl name="asst4">
-    <dgm:scene3d>
-      <a:camera prst="orthographicFront"/>
-      <a:lightRig rig="threePt" dir="t"/>
-    </dgm:scene3d>
-    <dgm:sp3d/>
-    <dgm:txPr/>
-    <dgm:style>
-      <a:lnRef idx="0">
-        <a:scrgbClr r="0" g="0" b="0"/>
-      </a:lnRef>
-      <a:fillRef idx="3">
-        <a:scrgbClr r="0" g="0" b="0"/>
-      </a:fillRef>
-      <a:effectRef idx="3">
-        <a:scrgbClr r="0" g="0" b="0"/>
-      </a:effectRef>
-      <a:fontRef idx="minor">
-        <a:schemeClr val="lt1"/>
-      </a:fontRef>
-    </dgm:style>
-  </dgm:styleLbl>
-  <dgm:styleLbl name="parChTrans2D1">
-    <dgm:scene3d>
-      <a:camera prst="orthographicFront"/>
-      <a:lightRig rig="threePt" dir="t"/>
-    </dgm:scene3d>
-    <dgm:sp3d/>
-    <dgm:txPr/>
-    <dgm:style>
-      <a:lnRef idx="0">
-        <a:scrgbClr r="0" g="0" b="0"/>
-      </a:lnRef>
-      <a:fillRef idx="3">
-        <a:scrgbClr r="0" g="0" b="0"/>
-      </a:fillRef>
-      <a:effectRef idx="3">
-        <a:scrgbClr r="0" g="0" b="0"/>
-      </a:effectRef>
-      <a:fontRef idx="minor">
-        <a:schemeClr val="lt1"/>
-      </a:fontRef>
-    </dgm:style>
-  </dgm:styleLbl>
-  <dgm:styleLbl name="parChTrans2D2">
-    <dgm:scene3d>
-      <a:camera prst="orthographicFront"/>
-      <a:lightRig rig="threePt" dir="t"/>
-    </dgm:scene3d>
-    <dgm:sp3d/>
-    <dgm:txPr/>
-    <dgm:style>
-      <a:lnRef idx="0">
-        <a:scrgbClr r="0" g="0" b="0"/>
-      </a:lnRef>
-      <a:fillRef idx="3">
-        <a:scrgbClr r="0" g="0" b="0"/>
-      </a:fillRef>
-      <a:effectRef idx="3">
-        <a:scrgbClr r="0" g="0" b="0"/>
-      </a:effectRef>
-      <a:fontRef idx="minor">
-        <a:schemeClr val="lt1"/>
-      </a:fontRef>
-    </dgm:style>
-  </dgm:styleLbl>
-  <dgm:styleLbl name="parChTrans2D3">
-    <dgm:scene3d>
-      <a:camera prst="orthographicFront"/>
-      <a:lightRig rig="threePt" dir="t"/>
-    </dgm:scene3d>
-    <dgm:sp3d/>
-    <dgm:txPr/>
-    <dgm:style>
-      <a:lnRef idx="0">
-        <a:scrgbClr r="0" g="0" b="0"/>
-      </a:lnRef>
-      <a:fillRef idx="3">
-        <a:scrgbClr r="0" g="0" b="0"/>
-      </a:fillRef>
-      <a:effectRef idx="3">
-        <a:scrgbClr r="0" g="0" b="0"/>
-      </a:effectRef>
-      <a:fontRef idx="minor">
-        <a:schemeClr val="lt1"/>
-      </a:fontRef>
-    </dgm:style>
-  </dgm:styleLbl>
-  <dgm:styleLbl name="parChTrans2D4">
-    <dgm:scene3d>
-      <a:camera prst="orthographicFront"/>
-      <a:lightRig rig="threePt" dir="t"/>
-    </dgm:scene3d>
-    <dgm:sp3d/>
-    <dgm:txPr/>
-    <dgm:style>
-      <a:lnRef idx="0">
-        <a:scrgbClr r="0" g="0" b="0"/>
-      </a:lnRef>
-      <a:fillRef idx="3">
-        <a:scrgbClr r="0" g="0" b="0"/>
-      </a:fillRef>
-      <a:effectRef idx="3">
-        <a:scrgbClr r="0" g="0" b="0"/>
-      </a:effectRef>
-      <a:fontRef idx="minor">
-        <a:schemeClr val="lt1"/>
-      </a:fontRef>
-    </dgm:style>
-  </dgm:styleLbl>
-  <dgm:styleLbl name="parChTrans1D1">
-    <dgm:scene3d>
-      <a:camera prst="orthographicFront"/>
-      <a:lightRig rig="threePt" dir="t"/>
-    </dgm:scene3d>
-    <dgm:sp3d/>
-    <dgm:txPr/>
-    <dgm:style>
-      <a:lnRef idx="2">
-        <a:scrgbClr r="0" g="0" b="0"/>
-      </a:lnRef>
-      <a:fillRef idx="0">
-        <a:scrgbClr r="0" g="0" b="0"/>
-      </a:fillRef>
-      <a:effectRef idx="0">
-        <a:scrgbClr r="0" g="0" b="0"/>
-      </a:effectRef>
-      <a:fontRef idx="minor"/>
-    </dgm:style>
-  </dgm:styleLbl>
-  <dgm:styleLbl name="parChTrans1D2">
-    <dgm:scene3d>
-      <a:camera prst="orthographicFront"/>
-      <a:lightRig rig="threePt" dir="t"/>
-    </dgm:scene3d>
-    <dgm:sp3d/>
-    <dgm:txPr/>
-    <dgm:style>
-      <a:lnRef idx="2">
-        <a:scrgbClr r="0" g="0" b="0"/>
-      </a:lnRef>
-      <a:fillRef idx="0">
-        <a:scrgbClr r="0" g="0" b="0"/>
-      </a:fillRef>
-      <a:effectRef idx="0">
-        <a:scrgbClr r="0" g="0" b="0"/>
-      </a:effectRef>
-      <a:fontRef idx="minor"/>
-    </dgm:style>
-  </dgm:styleLbl>
-  <dgm:styleLbl name="parChTrans1D3">
-    <dgm:scene3d>
-      <a:camera prst="orthographicFront"/>
-      <a:lightRig rig="threePt" dir="t"/>
-    </dgm:scene3d>
-    <dgm:sp3d/>
-    <dgm:txPr/>
-    <dgm:style>
-      <a:lnRef idx="2">
-        <a:scrgbClr r="0" g="0" b="0"/>
-      </a:lnRef>
-      <a:fillRef idx="0">
-        <a:scrgbClr r="0" g="0" b="0"/>
-      </a:fillRef>
-      <a:effectRef idx="0">
-        <a:scrgbClr r="0" g="0" b="0"/>
-      </a:effectRef>
-      <a:fontRef idx="minor"/>
-    </dgm:style>
-  </dgm:styleLbl>
-  <dgm:styleLbl name="parChTrans1D4">
-    <dgm:scene3d>
-      <a:camera prst="orthographicFront"/>
-      <a:lightRig rig="threePt" dir="t"/>
-    </dgm:scene3d>
-    <dgm:sp3d/>
-    <dgm:txPr/>
-    <dgm:style>
-      <a:lnRef idx="2">
-        <a:scrgbClr r="0" g="0" b="0"/>
-      </a:lnRef>
-      <a:fillRef idx="0">
-        <a:scrgbClr r="0" g="0" b="0"/>
-      </a:fillRef>
-      <a:effectRef idx="0">
-        <a:scrgbClr r="0" g="0" b="0"/>
-      </a:effectRef>
-      <a:fontRef idx="minor"/>
-    </dgm:style>
-  </dgm:styleLbl>
-  <dgm:styleLbl name="fgAcc1">
-    <dgm:scene3d>
-      <a:camera prst="orthographicFront"/>
-      <a:lightRig rig="threePt" dir="t"/>
-    </dgm:scene3d>
-    <dgm:sp3d/>
-    <dgm:txPr/>
-    <dgm:style>
-      <a:lnRef idx="1">
-        <a:scrgbClr r="0" g="0" b="0"/>
-      </a:lnRef>
-      <a:fillRef idx="1">
-        <a:scrgbClr r="0" g="0" b="0"/>
-      </a:fillRef>
-      <a:effectRef idx="2">
-        <a:scrgbClr r="0" g="0" b="0"/>
-      </a:effectRef>
-      <a:fontRef idx="minor"/>
-    </dgm:style>
-  </dgm:styleLbl>
-  <dgm:styleLbl name="conFgAcc1">
-    <dgm:scene3d>
-      <a:camera prst="orthographicFront"/>
-      <a:lightRig rig="threePt" dir="t"/>
-    </dgm:scene3d>
-    <dgm:sp3d/>
-    <dgm:txPr/>
-    <dgm:style>
-      <a:lnRef idx="1">
-        <a:scrgbClr r="0" g="0" b="0"/>
-      </a:lnRef>
-      <a:fillRef idx="1">
-        <a:scrgbClr r="0" g="0" b="0"/>
-      </a:fillRef>
-      <a:effectRef idx="2">
-        <a:scrgbClr r="0" g="0" b="0"/>
-      </a:effectRef>
-      <a:fontRef idx="minor"/>
-    </dgm:style>
-  </dgm:styleLbl>
-  <dgm:styleLbl name="alignAcc1">
-    <dgm:scene3d>
-      <a:camera prst="orthographicFront"/>
-      <a:lightRig rig="threePt" dir="t"/>
-    </dgm:scene3d>
-    <dgm:sp3d/>
-    <dgm:txPr/>
-    <dgm:style>
-      <a:lnRef idx="1">
-        <a:scrgbClr r="0" g="0" b="0"/>
-      </a:lnRef>
-      <a:fillRef idx="1">
-        <a:scrgbClr r="0" g="0" b="0"/>
-      </a:fillRef>
-      <a:effectRef idx="2">
-        <a:scrgbClr r="0" g="0" b="0"/>
-      </a:effectRef>
-      <a:fontRef idx="minor"/>
-    </dgm:style>
-  </dgm:styleLbl>
-  <dgm:styleLbl name="trAlignAcc1">
-    <dgm:scene3d>
-      <a:camera prst="orthographicFront"/>
-      <a:lightRig rig="threePt" dir="t"/>
-    </dgm:scene3d>
-    <dgm:sp3d/>
-    <dgm:txPr/>
-    <dgm:style>
-      <a:lnRef idx="1">
-        <a:scrgbClr r="0" g="0" b="0"/>
-      </a:lnRef>
-      <a:fillRef idx="1">
-        <a:scrgbClr r="0" g="0" b="0"/>
-      </a:fillRef>
-      <a:effectRef idx="0">
-        <a:scrgbClr r="0" g="0" b="0"/>
-      </a:effectRef>
-      <a:fontRef idx="minor"/>
-    </dgm:style>
-  </dgm:styleLbl>
-  <dgm:styleLbl name="bgAcc1">
-    <dgm:scene3d>
-      <a:camera prst="orthographicFront"/>
-      <a:lightRig rig="threePt" dir="t"/>
-    </dgm:scene3d>
-    <dgm:sp3d/>
-    <dgm:txPr/>
-    <dgm:style>
-      <a:lnRef idx="1">
-        <a:scrgbClr r="0" g="0" b="0"/>
-      </a:lnRef>
-      <a:fillRef idx="1">
-        <a:scrgbClr r="0" g="0" b="0"/>
-      </a:fillRef>
-      <a:effectRef idx="2">
-        <a:scrgbClr r="0" g="0" b="0"/>
-      </a:effectRef>
-      <a:fontRef idx="minor"/>
-    </dgm:style>
-  </dgm:styleLbl>
-  <dgm:styleLbl name="solidFgAcc1">
-    <dgm:scene3d>
-      <a:camera prst="orthographicFront"/>
-      <a:lightRig rig="threePt" dir="t"/>
-    </dgm:scene3d>
-    <dgm:sp3d/>
-    <dgm:txPr/>
-    <dgm:style>
-      <a:lnRef idx="1">
-        <a:scrgbClr r="0" g="0" b="0"/>
-      </a:lnRef>
-      <a:fillRef idx="1">
-        <a:scrgbClr r="0" g="0" b="0"/>
-      </a:fillRef>
-      <a:effectRef idx="2">
-        <a:scrgbClr r="0" g="0" b="0"/>
-      </a:effectRef>
-      <a:fontRef idx="minor"/>
-    </dgm:style>
-  </dgm:styleLbl>
-  <dgm:styleLbl name="solidAlignAcc1">
-    <dgm:scene3d>
-      <a:camera prst="orthographicFront"/>
-      <a:lightRig rig="threePt" dir="t"/>
-    </dgm:scene3d>
-    <dgm:sp3d/>
-    <dgm:txPr/>
-    <dgm:style>
-      <a:lnRef idx="1">
-        <a:scrgbClr r="0" g="0" b="0"/>
-      </a:lnRef>
-      <a:fillRef idx="1">
-        <a:scrgbClr r="0" g="0" b="0"/>
-      </a:fillRef>
-      <a:effectRef idx="3">
-        <a:scrgbClr r="0" g="0" b="0"/>
-      </a:effectRef>
-      <a:fontRef idx="minor"/>
-    </dgm:style>
-  </dgm:styleLbl>
-  <dgm:styleLbl name="solidBgAcc1">
-    <dgm:scene3d>
-      <a:camera prst="orthographicFront"/>
-      <a:lightRig rig="threePt" dir="t"/>
-    </dgm:scene3d>
-    <dgm:sp3d/>
-    <dgm:txPr/>
-    <dgm:style>
-      <a:lnRef idx="1">
-        <a:scrgbClr r="0" g="0" b="0"/>
-      </a:lnRef>
-      <a:fillRef idx="1">
-        <a:scrgbClr r="0" g="0" b="0"/>
-      </a:fillRef>
-      <a:effectRef idx="3">
-        <a:scrgbClr r="0" g="0" b="0"/>
-      </a:effectRef>
-      <a:fontRef idx="minor"/>
-    </dgm:style>
-  </dgm:styleLbl>
-  <dgm:styleLbl name="fgAccFollowNode1">
-    <dgm:scene3d>
-      <a:camera prst="orthographicFront"/>
-      <a:lightRig rig="threePt" dir="t"/>
-    </dgm:scene3d>
-    <dgm:sp3d/>
-    <dgm:txPr/>
-    <dgm:style>
-      <a:lnRef idx="1">
-        <a:scrgbClr r="0" g="0" b="0"/>
-      </a:lnRef>
-      <a:fillRef idx="1">
-        <a:scrgbClr r="0" g="0" b="0"/>
-      </a:fillRef>
-      <a:effectRef idx="2">
-        <a:scrgbClr r="0" g="0" b="0"/>
-      </a:effectRef>
-      <a:fontRef idx="minor"/>
-    </dgm:style>
-  </dgm:styleLbl>
-  <dgm:styleLbl name="alignAccFollowNode1">
-    <dgm:scene3d>
-      <a:camera prst="orthographicFront"/>
-      <a:lightRig rig="threePt" dir="t"/>
-    </dgm:scene3d>
-    <dgm:sp3d/>
-    <dgm:txPr/>
-    <dgm:style>
-      <a:lnRef idx="1">
-        <a:scrgbClr r="0" g="0" b="0"/>
-      </a:lnRef>
-      <a:fillRef idx="1">
-        <a:scrgbClr r="0" g="0" b="0"/>
-      </a:fillRef>
-      <a:effectRef idx="2">
-        <a:scrgbClr r="0" g="0" b="0"/>
-      </a:effectRef>
-      <a:fontRef idx="minor"/>
-    </dgm:style>
-  </dgm:styleLbl>
-  <dgm:styleLbl name="bgAccFollowNode1">
-    <dgm:scene3d>
-      <a:camera prst="orthographicFront"/>
-      <a:lightRig rig="threePt" dir="t"/>
-    </dgm:scene3d>
-    <dgm:sp3d/>
-    <dgm:txPr/>
-    <dgm:style>
-      <a:lnRef idx="1">
-        <a:scrgbClr r="0" g="0" b="0"/>
-      </a:lnRef>
-      <a:fillRef idx="1">
-        <a:scrgbClr r="0" g="0" b="0"/>
-      </a:fillRef>
-      <a:effectRef idx="2">
-        <a:scrgbClr r="0" g="0" b="0"/>
-      </a:effectRef>
-      <a:fontRef idx="minor"/>
-    </dgm:style>
-  </dgm:styleLbl>
-  <dgm:styleLbl name="fgAcc0">
-    <dgm:scene3d>
-      <a:camera prst="orthographicFront"/>
-      <a:lightRig rig="threePt" dir="t"/>
-    </dgm:scene3d>
-    <dgm:sp3d/>
-    <dgm:txPr/>
-    <dgm:style>
-      <a:lnRef idx="1">
-        <a:scrgbClr r="0" g="0" b="0"/>
-      </a:lnRef>
-      <a:fillRef idx="1">
-        <a:scrgbClr r="0" g="0" b="0"/>
-      </a:fillRef>
-      <a:effectRef idx="2">
-        <a:scrgbClr r="0" g="0" b="0"/>
-      </a:effectRef>
-      <a:fontRef idx="minor"/>
-    </dgm:style>
-  </dgm:styleLbl>
-  <dgm:styleLbl name="fgAcc2">
-    <dgm:scene3d>
-      <a:camera prst="orthographicFront"/>
-      <a:lightRig rig="threePt" dir="t"/>
-    </dgm:scene3d>
-    <dgm:sp3d/>
-    <dgm:txPr/>
-    <dgm:style>
-      <a:lnRef idx="1">
-        <a:scrgbClr r="0" g="0" b="0"/>
-      </a:lnRef>
-      <a:fillRef idx="1">
-        <a:scrgbClr r="0" g="0" b="0"/>
-      </a:fillRef>
-      <a:effectRef idx="2">
-        <a:scrgbClr r="0" g="0" b="0"/>
-      </a:effectRef>
-      <a:fontRef idx="minor"/>
-    </dgm:style>
-  </dgm:styleLbl>
-  <dgm:styleLbl name="fgAcc3">
-    <dgm:scene3d>
-      <a:camera prst="orthographicFront"/>
-      <a:lightRig rig="threePt" dir="t"/>
-    </dgm:scene3d>
-    <dgm:sp3d/>
-    <dgm:txPr/>
-    <dgm:style>
-      <a:lnRef idx="1">
-        <a:scrgbClr r="0" g="0" b="0"/>
-      </a:lnRef>
-      <a:fillRef idx="1">
-        <a:scrgbClr r="0" g="0" b="0"/>
-      </a:fillRef>
-      <a:effectRef idx="2">
-        <a:scrgbClr r="0" g="0" b="0"/>
-      </a:effectRef>
-      <a:fontRef idx="minor"/>
-    </dgm:style>
-  </dgm:styleLbl>
-  <dgm:styleLbl name="fgAcc4">
-    <dgm:scene3d>
-      <a:camera prst="orthographicFront"/>
-      <a:lightRig rig="threePt" dir="t"/>
-    </dgm:scene3d>
-    <dgm:sp3d/>
-    <dgm:txPr/>
-    <dgm:style>
-      <a:lnRef idx="1">
-        <a:scrgbClr r="0" g="0" b="0"/>
-      </a:lnRef>
-      <a:fillRef idx="1">
-        <a:scrgbClr r="0" g="0" b="0"/>
-      </a:fillRef>
-      <a:effectRef idx="2">
-        <a:scrgbClr r="0" g="0" b="0"/>
-      </a:effectRef>
-      <a:fontRef idx="minor"/>
-    </dgm:style>
-  </dgm:styleLbl>
-  <dgm:styleLbl name="bgShp">
-    <dgm:scene3d>
-      <a:camera prst="orthographicFront"/>
-      <a:lightRig rig="threePt" dir="t"/>
-    </dgm:scene3d>
-    <dgm:sp3d/>
-    <dgm:txPr/>
-    <dgm:style>
-      <a:lnRef idx="0">
-        <a:scrgbClr r="0" g="0" b="0"/>
-      </a:lnRef>
-      <a:fillRef idx="1">
-        <a:scrgbClr r="0" g="0" b="0"/>
-      </a:fillRef>
-      <a:effectRef idx="2">
-        <a:scrgbClr r="0" g="0" b="0"/>
-      </a:effectRef>
-      <a:fontRef idx="minor"/>
-    </dgm:style>
-  </dgm:styleLbl>
-  <dgm:styleLbl name="dkBgShp">
-    <dgm:scene3d>
-      <a:camera prst="orthographicFront"/>
-      <a:lightRig rig="threePt" dir="t"/>
-    </dgm:scene3d>
-    <dgm:sp3d/>
-    <dgm:txPr/>
-    <dgm:style>
-      <a:lnRef idx="0">
-        <a:scrgbClr r="0" g="0" b="0"/>
-      </a:lnRef>
-      <a:fillRef idx="1">
-        <a:scrgbClr r="0" g="0" b="0"/>
-      </a:fillRef>
-      <a:effectRef idx="3">
-        <a:scrgbClr r="0" g="0" b="0"/>
-      </a:effectRef>
-      <a:fontRef idx="minor"/>
-    </dgm:style>
-  </dgm:styleLbl>
-  <dgm:styleLbl name="trBgShp">
-    <dgm:scene3d>
-      <a:camera prst="orthographicFront"/>
-      <a:lightRig rig="threePt" dir="t"/>
-    </dgm:scene3d>
-    <dgm:sp3d/>
-    <dgm:txPr/>
-    <dgm:style>
-      <a:lnRef idx="0">
-        <a:scrgbClr r="0" g="0" b="0"/>
-      </a:lnRef>
-      <a:fillRef idx="1">
-        <a:scrgbClr r="0" g="0" b="0"/>
-      </a:fillRef>
-      <a:effectRef idx="0">
-        <a:scrgbClr r="0" g="0" b="0"/>
-      </a:effectRef>
-      <a:fontRef idx="minor"/>
-    </dgm:style>
-  </dgm:styleLbl>
-  <dgm:styleLbl name="fgShp">
-    <dgm:scene3d>
-      <a:camera prst="orthographicFront"/>
-      <a:lightRig rig="threePt" dir="t"/>
-    </dgm:scene3d>
-    <dgm:sp3d/>
-    <dgm:txPr/>
-    <dgm:style>
-      <a:lnRef idx="0">
-        <a:scrgbClr r="0" g="0" b="0"/>
-      </a:lnRef>
-      <a:fillRef idx="3">
-        <a:scrgbClr r="0" g="0" b="0"/>
-      </a:fillRef>
-      <a:effectRef idx="3">
-        <a:scrgbClr r="0" g="0" b="0"/>
-      </a:effectRef>
-      <a:fontRef idx="minor"/>
-    </dgm:style>
-  </dgm:styleLbl>
-  <dgm:styleLbl name="revTx">
-    <dgm:scene3d>
-      <a:camera prst="orthographicFront"/>
-      <a:lightRig rig="threePt" dir="t"/>
-    </dgm:scene3d>
-    <dgm:sp3d/>
-    <dgm:txPr/>
-    <dgm:style>
-      <a:lnRef idx="0">
-        <a:scrgbClr r="0" g="0" b="0"/>
-      </a:lnRef>
-      <a:fillRef idx="0">
-        <a:scrgbClr r="0" g="0" b="0"/>
-      </a:fillRef>
-      <a:effectRef idx="0">
-        <a:scrgbClr r="0" g="0" b="0"/>
-      </a:effectRef>
-      <a:fontRef idx="minor"/>
-    </dgm:style>
-  </dgm:styleLbl>
-</dgm:styleDef>
-</file>
-
-<file path=ppt/diagrams/quickStyle8.xml><?xml version="1.0" encoding="utf-8"?>
 <dgm:styleDef xmlns:dgm="http://schemas.openxmlformats.org/drawingml/2006/diagram" xmlns:a="http://schemas.openxmlformats.org/drawingml/2006/main" uniqueId="urn:microsoft.com/office/officeart/2005/8/quickstyle/simple1">
   <dgm:title val=""/>
   <dgm:desc val=""/>
@@ -30845,7 +27679,7 @@
 </dgm:styleDef>
 </file>
 
-<file path=ppt/diagrams/quickStyle9.xml><?xml version="1.0" encoding="utf-8"?>
+<file path=ppt/diagrams/quickStyle8.xml><?xml version="1.0" encoding="utf-8"?>
 <dgm:styleDef xmlns:dgm="http://schemas.openxmlformats.org/drawingml/2006/diagram" xmlns:a="http://schemas.openxmlformats.org/drawingml/2006/main" uniqueId="urn:microsoft.com/office/officeart/2005/8/quickstyle/simple1">
   <dgm:title val=""/>
   <dgm:desc val=""/>
@@ -31961,7 +28795,7 @@
           <a:p>
             <a:fld id="{C09159B0-9D12-434B-AAE2-3439AFEEBA13}" type="datetimeFigureOut">
               <a:rPr lang="en-US" smtClean="0"/>
-              <a:t>11/30/20</a:t>
+              <a:t>12/1/20</a:t>
             </a:fld>
             <a:endParaRPr lang="en-US"/>
           </a:p>
@@ -32293,6 +29127,594 @@
           <a:p>
             <a:fld id="{D4301A7B-B59E-0049-9701-871B2C3CE086}" type="slidenum">
               <a:rPr lang="en-US" smtClean="0"/>
+              <a:t>1</a:t>
+            </a:fld>
+            <a:endParaRPr lang="en-US"/>
+          </a:p>
+        </p:txBody>
+      </p:sp>
+    </p:spTree>
+    <p:extLst>
+      <p:ext uri="{BB962C8B-B14F-4D97-AF65-F5344CB8AC3E}">
+        <p14:creationId xmlns:p14="http://schemas.microsoft.com/office/powerpoint/2010/main" val="1584468083"/>
+      </p:ext>
+    </p:extLst>
+  </p:cSld>
+  <p:clrMapOvr>
+    <a:masterClrMapping/>
+  </p:clrMapOvr>
+</p:notes>
+</file>
+
+<file path=ppt/notesSlides/notesSlide10.xml><?xml version="1.0" encoding="utf-8"?>
+<p:notes xmlns:a="http://schemas.openxmlformats.org/drawingml/2006/main" xmlns:r="http://schemas.openxmlformats.org/officeDocument/2006/relationships" xmlns:p="http://schemas.openxmlformats.org/presentationml/2006/main">
+  <p:cSld>
+    <p:spTree>
+      <p:nvGrpSpPr>
+        <p:cNvPr id="1" name=""/>
+        <p:cNvGrpSpPr/>
+        <p:nvPr/>
+      </p:nvGrpSpPr>
+      <p:grpSpPr>
+        <a:xfrm>
+          <a:off x="0" y="0"/>
+          <a:ext cx="0" cy="0"/>
+          <a:chOff x="0" y="0"/>
+          <a:chExt cx="0" cy="0"/>
+        </a:xfrm>
+      </p:grpSpPr>
+      <p:sp>
+        <p:nvSpPr>
+          <p:cNvPr id="2" name="Slide Image Placeholder 1"/>
+          <p:cNvSpPr>
+            <a:spLocks noGrp="1" noRot="1" noChangeAspect="1"/>
+          </p:cNvSpPr>
+          <p:nvPr>
+            <p:ph type="sldImg"/>
+          </p:nvPr>
+        </p:nvSpPr>
+        <p:spPr/>
+      </p:sp>
+      <p:sp>
+        <p:nvSpPr>
+          <p:cNvPr id="3" name="Notes Placeholder 2"/>
+          <p:cNvSpPr>
+            <a:spLocks noGrp="1"/>
+          </p:cNvSpPr>
+          <p:nvPr>
+            <p:ph type="body" idx="1"/>
+          </p:nvPr>
+        </p:nvSpPr>
+        <p:spPr/>
+        <p:txBody>
+          <a:bodyPr/>
+          <a:lstStyle/>
+          <a:p>
+            <a:endParaRPr lang="en-US" dirty="0"/>
+          </a:p>
+        </p:txBody>
+      </p:sp>
+      <p:sp>
+        <p:nvSpPr>
+          <p:cNvPr id="4" name="Slide Number Placeholder 3"/>
+          <p:cNvSpPr>
+            <a:spLocks noGrp="1"/>
+          </p:cNvSpPr>
+          <p:nvPr>
+            <p:ph type="sldNum" sz="quarter" idx="5"/>
+          </p:nvPr>
+        </p:nvSpPr>
+        <p:spPr/>
+        <p:txBody>
+          <a:bodyPr/>
+          <a:lstStyle/>
+          <a:p>
+            <a:fld id="{D4301A7B-B59E-0049-9701-871B2C3CE086}" type="slidenum">
+              <a:rPr lang="en-US" smtClean="0"/>
+              <a:t>10</a:t>
+            </a:fld>
+            <a:endParaRPr lang="en-US"/>
+          </a:p>
+        </p:txBody>
+      </p:sp>
+    </p:spTree>
+    <p:extLst>
+      <p:ext uri="{BB962C8B-B14F-4D97-AF65-F5344CB8AC3E}">
+        <p14:creationId xmlns:p14="http://schemas.microsoft.com/office/powerpoint/2010/main" val="1000832335"/>
+      </p:ext>
+    </p:extLst>
+  </p:cSld>
+  <p:clrMapOvr>
+    <a:masterClrMapping/>
+  </p:clrMapOvr>
+</p:notes>
+</file>
+
+<file path=ppt/notesSlides/notesSlide11.xml><?xml version="1.0" encoding="utf-8"?>
+<p:notes xmlns:a="http://schemas.openxmlformats.org/drawingml/2006/main" xmlns:r="http://schemas.openxmlformats.org/officeDocument/2006/relationships" xmlns:p="http://schemas.openxmlformats.org/presentationml/2006/main">
+  <p:cSld>
+    <p:spTree>
+      <p:nvGrpSpPr>
+        <p:cNvPr id="1" name=""/>
+        <p:cNvGrpSpPr/>
+        <p:nvPr/>
+      </p:nvGrpSpPr>
+      <p:grpSpPr>
+        <a:xfrm>
+          <a:off x="0" y="0"/>
+          <a:ext cx="0" cy="0"/>
+          <a:chOff x="0" y="0"/>
+          <a:chExt cx="0" cy="0"/>
+        </a:xfrm>
+      </p:grpSpPr>
+      <p:sp>
+        <p:nvSpPr>
+          <p:cNvPr id="2" name="Slide Image Placeholder 1"/>
+          <p:cNvSpPr>
+            <a:spLocks noGrp="1" noRot="1" noChangeAspect="1"/>
+          </p:cNvSpPr>
+          <p:nvPr>
+            <p:ph type="sldImg"/>
+          </p:nvPr>
+        </p:nvSpPr>
+        <p:spPr/>
+      </p:sp>
+      <p:sp>
+        <p:nvSpPr>
+          <p:cNvPr id="3" name="Notes Placeholder 2"/>
+          <p:cNvSpPr>
+            <a:spLocks noGrp="1"/>
+          </p:cNvSpPr>
+          <p:nvPr>
+            <p:ph type="body" idx="1"/>
+          </p:nvPr>
+        </p:nvSpPr>
+        <p:spPr/>
+        <p:txBody>
+          <a:bodyPr/>
+          <a:lstStyle/>
+          <a:p>
+            <a:endParaRPr lang="en-US"/>
+          </a:p>
+        </p:txBody>
+      </p:sp>
+      <p:sp>
+        <p:nvSpPr>
+          <p:cNvPr id="4" name="Slide Number Placeholder 3"/>
+          <p:cNvSpPr>
+            <a:spLocks noGrp="1"/>
+          </p:cNvSpPr>
+          <p:nvPr>
+            <p:ph type="sldNum" sz="quarter" idx="5"/>
+          </p:nvPr>
+        </p:nvSpPr>
+        <p:spPr/>
+        <p:txBody>
+          <a:bodyPr/>
+          <a:lstStyle/>
+          <a:p>
+            <a:fld id="{D4301A7B-B59E-0049-9701-871B2C3CE086}" type="slidenum">
+              <a:rPr lang="en-US" smtClean="0"/>
+              <a:t>11</a:t>
+            </a:fld>
+            <a:endParaRPr lang="en-US"/>
+          </a:p>
+        </p:txBody>
+      </p:sp>
+    </p:spTree>
+    <p:extLst>
+      <p:ext uri="{BB962C8B-B14F-4D97-AF65-F5344CB8AC3E}">
+        <p14:creationId xmlns:p14="http://schemas.microsoft.com/office/powerpoint/2010/main" val="862905977"/>
+      </p:ext>
+    </p:extLst>
+  </p:cSld>
+  <p:clrMapOvr>
+    <a:masterClrMapping/>
+  </p:clrMapOvr>
+</p:notes>
+</file>
+
+<file path=ppt/notesSlides/notesSlide12.xml><?xml version="1.0" encoding="utf-8"?>
+<p:notes xmlns:a="http://schemas.openxmlformats.org/drawingml/2006/main" xmlns:r="http://schemas.openxmlformats.org/officeDocument/2006/relationships" xmlns:p="http://schemas.openxmlformats.org/presentationml/2006/main">
+  <p:cSld>
+    <p:spTree>
+      <p:nvGrpSpPr>
+        <p:cNvPr id="1" name=""/>
+        <p:cNvGrpSpPr/>
+        <p:nvPr/>
+      </p:nvGrpSpPr>
+      <p:grpSpPr>
+        <a:xfrm>
+          <a:off x="0" y="0"/>
+          <a:ext cx="0" cy="0"/>
+          <a:chOff x="0" y="0"/>
+          <a:chExt cx="0" cy="0"/>
+        </a:xfrm>
+      </p:grpSpPr>
+      <p:sp>
+        <p:nvSpPr>
+          <p:cNvPr id="2" name="Slide Image Placeholder 1"/>
+          <p:cNvSpPr>
+            <a:spLocks noGrp="1" noRot="1" noChangeAspect="1"/>
+          </p:cNvSpPr>
+          <p:nvPr>
+            <p:ph type="sldImg"/>
+          </p:nvPr>
+        </p:nvSpPr>
+        <p:spPr/>
+      </p:sp>
+      <p:sp>
+        <p:nvSpPr>
+          <p:cNvPr id="3" name="Notes Placeholder 2"/>
+          <p:cNvSpPr>
+            <a:spLocks noGrp="1"/>
+          </p:cNvSpPr>
+          <p:nvPr>
+            <p:ph type="body" idx="1"/>
+          </p:nvPr>
+        </p:nvSpPr>
+        <p:spPr/>
+        <p:txBody>
+          <a:bodyPr/>
+          <a:lstStyle/>
+          <a:p>
+            <a:endParaRPr lang="en-US"/>
+          </a:p>
+        </p:txBody>
+      </p:sp>
+      <p:sp>
+        <p:nvSpPr>
+          <p:cNvPr id="4" name="Slide Number Placeholder 3"/>
+          <p:cNvSpPr>
+            <a:spLocks noGrp="1"/>
+          </p:cNvSpPr>
+          <p:nvPr>
+            <p:ph type="sldNum" sz="quarter" idx="5"/>
+          </p:nvPr>
+        </p:nvSpPr>
+        <p:spPr/>
+        <p:txBody>
+          <a:bodyPr/>
+          <a:lstStyle/>
+          <a:p>
+            <a:fld id="{D4301A7B-B59E-0049-9701-871B2C3CE086}" type="slidenum">
+              <a:rPr lang="en-US" smtClean="0"/>
+              <a:t>12</a:t>
+            </a:fld>
+            <a:endParaRPr lang="en-US"/>
+          </a:p>
+        </p:txBody>
+      </p:sp>
+    </p:spTree>
+    <p:extLst>
+      <p:ext uri="{BB962C8B-B14F-4D97-AF65-F5344CB8AC3E}">
+        <p14:creationId xmlns:p14="http://schemas.microsoft.com/office/powerpoint/2010/main" val="2676363992"/>
+      </p:ext>
+    </p:extLst>
+  </p:cSld>
+  <p:clrMapOvr>
+    <a:masterClrMapping/>
+  </p:clrMapOvr>
+</p:notes>
+</file>
+
+<file path=ppt/notesSlides/notesSlide13.xml><?xml version="1.0" encoding="utf-8"?>
+<p:notes xmlns:a="http://schemas.openxmlformats.org/drawingml/2006/main" xmlns:r="http://schemas.openxmlformats.org/officeDocument/2006/relationships" xmlns:p="http://schemas.openxmlformats.org/presentationml/2006/main">
+  <p:cSld>
+    <p:spTree>
+      <p:nvGrpSpPr>
+        <p:cNvPr id="1" name=""/>
+        <p:cNvGrpSpPr/>
+        <p:nvPr/>
+      </p:nvGrpSpPr>
+      <p:grpSpPr>
+        <a:xfrm>
+          <a:off x="0" y="0"/>
+          <a:ext cx="0" cy="0"/>
+          <a:chOff x="0" y="0"/>
+          <a:chExt cx="0" cy="0"/>
+        </a:xfrm>
+      </p:grpSpPr>
+      <p:sp>
+        <p:nvSpPr>
+          <p:cNvPr id="2" name="Slide Image Placeholder 1"/>
+          <p:cNvSpPr>
+            <a:spLocks noGrp="1" noRot="1" noChangeAspect="1"/>
+          </p:cNvSpPr>
+          <p:nvPr>
+            <p:ph type="sldImg"/>
+          </p:nvPr>
+        </p:nvSpPr>
+        <p:spPr/>
+      </p:sp>
+      <p:sp>
+        <p:nvSpPr>
+          <p:cNvPr id="3" name="Notes Placeholder 2"/>
+          <p:cNvSpPr>
+            <a:spLocks noGrp="1"/>
+          </p:cNvSpPr>
+          <p:nvPr>
+            <p:ph type="body" idx="1"/>
+          </p:nvPr>
+        </p:nvSpPr>
+        <p:spPr/>
+        <p:txBody>
+          <a:bodyPr/>
+          <a:lstStyle/>
+          <a:p>
+            <a:endParaRPr lang="en-US"/>
+          </a:p>
+        </p:txBody>
+      </p:sp>
+      <p:sp>
+        <p:nvSpPr>
+          <p:cNvPr id="4" name="Slide Number Placeholder 3"/>
+          <p:cNvSpPr>
+            <a:spLocks noGrp="1"/>
+          </p:cNvSpPr>
+          <p:nvPr>
+            <p:ph type="sldNum" sz="quarter" idx="5"/>
+          </p:nvPr>
+        </p:nvSpPr>
+        <p:spPr/>
+        <p:txBody>
+          <a:bodyPr/>
+          <a:lstStyle/>
+          <a:p>
+            <a:fld id="{D4301A7B-B59E-0049-9701-871B2C3CE086}" type="slidenum">
+              <a:rPr lang="en-US" smtClean="0"/>
+              <a:t>13</a:t>
+            </a:fld>
+            <a:endParaRPr lang="en-US"/>
+          </a:p>
+        </p:txBody>
+      </p:sp>
+    </p:spTree>
+    <p:extLst>
+      <p:ext uri="{BB962C8B-B14F-4D97-AF65-F5344CB8AC3E}">
+        <p14:creationId xmlns:p14="http://schemas.microsoft.com/office/powerpoint/2010/main" val="2659145138"/>
+      </p:ext>
+    </p:extLst>
+  </p:cSld>
+  <p:clrMapOvr>
+    <a:masterClrMapping/>
+  </p:clrMapOvr>
+</p:notes>
+</file>
+
+<file path=ppt/notesSlides/notesSlide14.xml><?xml version="1.0" encoding="utf-8"?>
+<p:notes xmlns:a="http://schemas.openxmlformats.org/drawingml/2006/main" xmlns:r="http://schemas.openxmlformats.org/officeDocument/2006/relationships" xmlns:p="http://schemas.openxmlformats.org/presentationml/2006/main">
+  <p:cSld>
+    <p:spTree>
+      <p:nvGrpSpPr>
+        <p:cNvPr id="1" name=""/>
+        <p:cNvGrpSpPr/>
+        <p:nvPr/>
+      </p:nvGrpSpPr>
+      <p:grpSpPr>
+        <a:xfrm>
+          <a:off x="0" y="0"/>
+          <a:ext cx="0" cy="0"/>
+          <a:chOff x="0" y="0"/>
+          <a:chExt cx="0" cy="0"/>
+        </a:xfrm>
+      </p:grpSpPr>
+      <p:sp>
+        <p:nvSpPr>
+          <p:cNvPr id="2" name="Slide Image Placeholder 1"/>
+          <p:cNvSpPr>
+            <a:spLocks noGrp="1" noRot="1" noChangeAspect="1"/>
+          </p:cNvSpPr>
+          <p:nvPr>
+            <p:ph type="sldImg"/>
+          </p:nvPr>
+        </p:nvSpPr>
+        <p:spPr/>
+      </p:sp>
+      <p:sp>
+        <p:nvSpPr>
+          <p:cNvPr id="3" name="Notes Placeholder 2"/>
+          <p:cNvSpPr>
+            <a:spLocks noGrp="1"/>
+          </p:cNvSpPr>
+          <p:nvPr>
+            <p:ph type="body" idx="1"/>
+          </p:nvPr>
+        </p:nvSpPr>
+        <p:spPr/>
+        <p:txBody>
+          <a:bodyPr/>
+          <a:lstStyle/>
+          <a:p>
+            <a:endParaRPr lang="en-US"/>
+          </a:p>
+        </p:txBody>
+      </p:sp>
+      <p:sp>
+        <p:nvSpPr>
+          <p:cNvPr id="4" name="Slide Number Placeholder 3"/>
+          <p:cNvSpPr>
+            <a:spLocks noGrp="1"/>
+          </p:cNvSpPr>
+          <p:nvPr>
+            <p:ph type="sldNum" sz="quarter" idx="5"/>
+          </p:nvPr>
+        </p:nvSpPr>
+        <p:spPr/>
+        <p:txBody>
+          <a:bodyPr/>
+          <a:lstStyle/>
+          <a:p>
+            <a:fld id="{D4301A7B-B59E-0049-9701-871B2C3CE086}" type="slidenum">
+              <a:rPr lang="en-US" smtClean="0"/>
+              <a:t>14</a:t>
+            </a:fld>
+            <a:endParaRPr lang="en-US"/>
+          </a:p>
+        </p:txBody>
+      </p:sp>
+    </p:spTree>
+    <p:extLst>
+      <p:ext uri="{BB962C8B-B14F-4D97-AF65-F5344CB8AC3E}">
+        <p14:creationId xmlns:p14="http://schemas.microsoft.com/office/powerpoint/2010/main" val="4124778499"/>
+      </p:ext>
+    </p:extLst>
+  </p:cSld>
+  <p:clrMapOvr>
+    <a:masterClrMapping/>
+  </p:clrMapOvr>
+</p:notes>
+</file>
+
+<file path=ppt/notesSlides/notesSlide15.xml><?xml version="1.0" encoding="utf-8"?>
+<p:notes xmlns:a="http://schemas.openxmlformats.org/drawingml/2006/main" xmlns:r="http://schemas.openxmlformats.org/officeDocument/2006/relationships" xmlns:p="http://schemas.openxmlformats.org/presentationml/2006/main">
+  <p:cSld>
+    <p:spTree>
+      <p:nvGrpSpPr>
+        <p:cNvPr id="1" name=""/>
+        <p:cNvGrpSpPr/>
+        <p:nvPr/>
+      </p:nvGrpSpPr>
+      <p:grpSpPr>
+        <a:xfrm>
+          <a:off x="0" y="0"/>
+          <a:ext cx="0" cy="0"/>
+          <a:chOff x="0" y="0"/>
+          <a:chExt cx="0" cy="0"/>
+        </a:xfrm>
+      </p:grpSpPr>
+      <p:sp>
+        <p:nvSpPr>
+          <p:cNvPr id="2" name="Slide Image Placeholder 1"/>
+          <p:cNvSpPr>
+            <a:spLocks noGrp="1" noRot="1" noChangeAspect="1"/>
+          </p:cNvSpPr>
+          <p:nvPr>
+            <p:ph type="sldImg"/>
+          </p:nvPr>
+        </p:nvSpPr>
+        <p:spPr/>
+      </p:sp>
+      <p:sp>
+        <p:nvSpPr>
+          <p:cNvPr id="3" name="Notes Placeholder 2"/>
+          <p:cNvSpPr>
+            <a:spLocks noGrp="1"/>
+          </p:cNvSpPr>
+          <p:nvPr>
+            <p:ph type="body" idx="1"/>
+          </p:nvPr>
+        </p:nvSpPr>
+        <p:spPr/>
+        <p:txBody>
+          <a:bodyPr/>
+          <a:lstStyle/>
+          <a:p>
+            <a:endParaRPr lang="en-US"/>
+          </a:p>
+        </p:txBody>
+      </p:sp>
+      <p:sp>
+        <p:nvSpPr>
+          <p:cNvPr id="4" name="Slide Number Placeholder 3"/>
+          <p:cNvSpPr>
+            <a:spLocks noGrp="1"/>
+          </p:cNvSpPr>
+          <p:nvPr>
+            <p:ph type="sldNum" sz="quarter" idx="5"/>
+          </p:nvPr>
+        </p:nvSpPr>
+        <p:spPr/>
+        <p:txBody>
+          <a:bodyPr/>
+          <a:lstStyle/>
+          <a:p>
+            <a:fld id="{D4301A7B-B59E-0049-9701-871B2C3CE086}" type="slidenum">
+              <a:rPr lang="en-US" smtClean="0"/>
+              <a:t>15</a:t>
+            </a:fld>
+            <a:endParaRPr lang="en-US"/>
+          </a:p>
+        </p:txBody>
+      </p:sp>
+    </p:spTree>
+    <p:extLst>
+      <p:ext uri="{BB962C8B-B14F-4D97-AF65-F5344CB8AC3E}">
+        <p14:creationId xmlns:p14="http://schemas.microsoft.com/office/powerpoint/2010/main" val="3553059018"/>
+      </p:ext>
+    </p:extLst>
+  </p:cSld>
+  <p:clrMapOvr>
+    <a:masterClrMapping/>
+  </p:clrMapOvr>
+</p:notes>
+</file>
+
+<file path=ppt/notesSlides/notesSlide2.xml><?xml version="1.0" encoding="utf-8"?>
+<p:notes xmlns:a="http://schemas.openxmlformats.org/drawingml/2006/main" xmlns:r="http://schemas.openxmlformats.org/officeDocument/2006/relationships" xmlns:p="http://schemas.openxmlformats.org/presentationml/2006/main">
+  <p:cSld>
+    <p:spTree>
+      <p:nvGrpSpPr>
+        <p:cNvPr id="1" name=""/>
+        <p:cNvGrpSpPr/>
+        <p:nvPr/>
+      </p:nvGrpSpPr>
+      <p:grpSpPr>
+        <a:xfrm>
+          <a:off x="0" y="0"/>
+          <a:ext cx="0" cy="0"/>
+          <a:chOff x="0" y="0"/>
+          <a:chExt cx="0" cy="0"/>
+        </a:xfrm>
+      </p:grpSpPr>
+      <p:sp>
+        <p:nvSpPr>
+          <p:cNvPr id="2" name="Slide Image Placeholder 1"/>
+          <p:cNvSpPr>
+            <a:spLocks noGrp="1" noRot="1" noChangeAspect="1"/>
+          </p:cNvSpPr>
+          <p:nvPr>
+            <p:ph type="sldImg"/>
+          </p:nvPr>
+        </p:nvSpPr>
+        <p:spPr/>
+      </p:sp>
+      <p:sp>
+        <p:nvSpPr>
+          <p:cNvPr id="3" name="Notes Placeholder 2"/>
+          <p:cNvSpPr>
+            <a:spLocks noGrp="1"/>
+          </p:cNvSpPr>
+          <p:nvPr>
+            <p:ph type="body" idx="1"/>
+          </p:nvPr>
+        </p:nvSpPr>
+        <p:spPr/>
+        <p:txBody>
+          <a:bodyPr/>
+          <a:lstStyle/>
+          <a:p>
+            <a:endParaRPr lang="en-US" dirty="0"/>
+          </a:p>
+        </p:txBody>
+      </p:sp>
+      <p:sp>
+        <p:nvSpPr>
+          <p:cNvPr id="4" name="Slide Number Placeholder 3"/>
+          <p:cNvSpPr>
+            <a:spLocks noGrp="1"/>
+          </p:cNvSpPr>
+          <p:nvPr>
+            <p:ph type="sldNum" sz="quarter" idx="5"/>
+          </p:nvPr>
+        </p:nvSpPr>
+        <p:spPr/>
+        <p:txBody>
+          <a:bodyPr/>
+          <a:lstStyle/>
+          <a:p>
+            <a:fld id="{D4301A7B-B59E-0049-9701-871B2C3CE086}" type="slidenum">
+              <a:rPr lang="en-US" smtClean="0"/>
               <a:t>2</a:t>
             </a:fld>
             <a:endParaRPr lang="en-US"/>
@@ -32312,7 +29734,343 @@
 </p:notes>
 </file>
 
-<file path=ppt/notesSlides/notesSlide2.xml><?xml version="1.0" encoding="utf-8"?>
+<file path=ppt/notesSlides/notesSlide3.xml><?xml version="1.0" encoding="utf-8"?>
+<p:notes xmlns:a="http://schemas.openxmlformats.org/drawingml/2006/main" xmlns:r="http://schemas.openxmlformats.org/officeDocument/2006/relationships" xmlns:p="http://schemas.openxmlformats.org/presentationml/2006/main">
+  <p:cSld>
+    <p:spTree>
+      <p:nvGrpSpPr>
+        <p:cNvPr id="1" name=""/>
+        <p:cNvGrpSpPr/>
+        <p:nvPr/>
+      </p:nvGrpSpPr>
+      <p:grpSpPr>
+        <a:xfrm>
+          <a:off x="0" y="0"/>
+          <a:ext cx="0" cy="0"/>
+          <a:chOff x="0" y="0"/>
+          <a:chExt cx="0" cy="0"/>
+        </a:xfrm>
+      </p:grpSpPr>
+      <p:sp>
+        <p:nvSpPr>
+          <p:cNvPr id="2" name="Slide Image Placeholder 1"/>
+          <p:cNvSpPr>
+            <a:spLocks noGrp="1" noRot="1" noChangeAspect="1"/>
+          </p:cNvSpPr>
+          <p:nvPr>
+            <p:ph type="sldImg"/>
+          </p:nvPr>
+        </p:nvSpPr>
+        <p:spPr/>
+      </p:sp>
+      <p:sp>
+        <p:nvSpPr>
+          <p:cNvPr id="3" name="Notes Placeholder 2"/>
+          <p:cNvSpPr>
+            <a:spLocks noGrp="1"/>
+          </p:cNvSpPr>
+          <p:nvPr>
+            <p:ph type="body" idx="1"/>
+          </p:nvPr>
+        </p:nvSpPr>
+        <p:spPr/>
+        <p:txBody>
+          <a:bodyPr/>
+          <a:lstStyle/>
+          <a:p>
+            <a:endParaRPr lang="en-US"/>
+          </a:p>
+        </p:txBody>
+      </p:sp>
+      <p:sp>
+        <p:nvSpPr>
+          <p:cNvPr id="4" name="Slide Number Placeholder 3"/>
+          <p:cNvSpPr>
+            <a:spLocks noGrp="1"/>
+          </p:cNvSpPr>
+          <p:nvPr>
+            <p:ph type="sldNum" sz="quarter" idx="5"/>
+          </p:nvPr>
+        </p:nvSpPr>
+        <p:spPr/>
+        <p:txBody>
+          <a:bodyPr/>
+          <a:lstStyle/>
+          <a:p>
+            <a:fld id="{D4301A7B-B59E-0049-9701-871B2C3CE086}" type="slidenum">
+              <a:rPr lang="en-US" smtClean="0"/>
+              <a:t>3</a:t>
+            </a:fld>
+            <a:endParaRPr lang="en-US"/>
+          </a:p>
+        </p:txBody>
+      </p:sp>
+    </p:spTree>
+    <p:extLst>
+      <p:ext uri="{BB962C8B-B14F-4D97-AF65-F5344CB8AC3E}">
+        <p14:creationId xmlns:p14="http://schemas.microsoft.com/office/powerpoint/2010/main" val="1325100125"/>
+      </p:ext>
+    </p:extLst>
+  </p:cSld>
+  <p:clrMapOvr>
+    <a:masterClrMapping/>
+  </p:clrMapOvr>
+</p:notes>
+</file>
+
+<file path=ppt/notesSlides/notesSlide4.xml><?xml version="1.0" encoding="utf-8"?>
+<p:notes xmlns:a="http://schemas.openxmlformats.org/drawingml/2006/main" xmlns:r="http://schemas.openxmlformats.org/officeDocument/2006/relationships" xmlns:p="http://schemas.openxmlformats.org/presentationml/2006/main">
+  <p:cSld>
+    <p:spTree>
+      <p:nvGrpSpPr>
+        <p:cNvPr id="1" name=""/>
+        <p:cNvGrpSpPr/>
+        <p:nvPr/>
+      </p:nvGrpSpPr>
+      <p:grpSpPr>
+        <a:xfrm>
+          <a:off x="0" y="0"/>
+          <a:ext cx="0" cy="0"/>
+          <a:chOff x="0" y="0"/>
+          <a:chExt cx="0" cy="0"/>
+        </a:xfrm>
+      </p:grpSpPr>
+      <p:sp>
+        <p:nvSpPr>
+          <p:cNvPr id="2" name="Slide Image Placeholder 1"/>
+          <p:cNvSpPr>
+            <a:spLocks noGrp="1" noRot="1" noChangeAspect="1"/>
+          </p:cNvSpPr>
+          <p:nvPr>
+            <p:ph type="sldImg"/>
+          </p:nvPr>
+        </p:nvSpPr>
+        <p:spPr/>
+      </p:sp>
+      <p:sp>
+        <p:nvSpPr>
+          <p:cNvPr id="3" name="Notes Placeholder 2"/>
+          <p:cNvSpPr>
+            <a:spLocks noGrp="1"/>
+          </p:cNvSpPr>
+          <p:nvPr>
+            <p:ph type="body" idx="1"/>
+          </p:nvPr>
+        </p:nvSpPr>
+        <p:spPr/>
+        <p:txBody>
+          <a:bodyPr/>
+          <a:lstStyle/>
+          <a:p>
+            <a:endParaRPr lang="en-US" dirty="0"/>
+          </a:p>
+        </p:txBody>
+      </p:sp>
+      <p:sp>
+        <p:nvSpPr>
+          <p:cNvPr id="4" name="Slide Number Placeholder 3"/>
+          <p:cNvSpPr>
+            <a:spLocks noGrp="1"/>
+          </p:cNvSpPr>
+          <p:nvPr>
+            <p:ph type="sldNum" sz="quarter" idx="5"/>
+          </p:nvPr>
+        </p:nvSpPr>
+        <p:spPr/>
+        <p:txBody>
+          <a:bodyPr/>
+          <a:lstStyle/>
+          <a:p>
+            <a:fld id="{D4301A7B-B59E-0049-9701-871B2C3CE086}" type="slidenum">
+              <a:rPr lang="en-US" smtClean="0"/>
+              <a:t>4</a:t>
+            </a:fld>
+            <a:endParaRPr lang="en-US"/>
+          </a:p>
+        </p:txBody>
+      </p:sp>
+    </p:spTree>
+    <p:extLst>
+      <p:ext uri="{BB962C8B-B14F-4D97-AF65-F5344CB8AC3E}">
+        <p14:creationId xmlns:p14="http://schemas.microsoft.com/office/powerpoint/2010/main" val="348006139"/>
+      </p:ext>
+    </p:extLst>
+  </p:cSld>
+  <p:clrMapOvr>
+    <a:masterClrMapping/>
+  </p:clrMapOvr>
+</p:notes>
+</file>
+
+<file path=ppt/notesSlides/notesSlide5.xml><?xml version="1.0" encoding="utf-8"?>
+<p:notes xmlns:a="http://schemas.openxmlformats.org/drawingml/2006/main" xmlns:r="http://schemas.openxmlformats.org/officeDocument/2006/relationships" xmlns:p="http://schemas.openxmlformats.org/presentationml/2006/main">
+  <p:cSld>
+    <p:spTree>
+      <p:nvGrpSpPr>
+        <p:cNvPr id="1" name=""/>
+        <p:cNvGrpSpPr/>
+        <p:nvPr/>
+      </p:nvGrpSpPr>
+      <p:grpSpPr>
+        <a:xfrm>
+          <a:off x="0" y="0"/>
+          <a:ext cx="0" cy="0"/>
+          <a:chOff x="0" y="0"/>
+          <a:chExt cx="0" cy="0"/>
+        </a:xfrm>
+      </p:grpSpPr>
+      <p:sp>
+        <p:nvSpPr>
+          <p:cNvPr id="2" name="Slide Image Placeholder 1"/>
+          <p:cNvSpPr>
+            <a:spLocks noGrp="1" noRot="1" noChangeAspect="1"/>
+          </p:cNvSpPr>
+          <p:nvPr>
+            <p:ph type="sldImg"/>
+          </p:nvPr>
+        </p:nvSpPr>
+        <p:spPr/>
+      </p:sp>
+      <p:sp>
+        <p:nvSpPr>
+          <p:cNvPr id="3" name="Notes Placeholder 2"/>
+          <p:cNvSpPr>
+            <a:spLocks noGrp="1"/>
+          </p:cNvSpPr>
+          <p:nvPr>
+            <p:ph type="body" idx="1"/>
+          </p:nvPr>
+        </p:nvSpPr>
+        <p:spPr/>
+        <p:txBody>
+          <a:bodyPr/>
+          <a:lstStyle/>
+          <a:p>
+            <a:endParaRPr lang="en-US"/>
+          </a:p>
+        </p:txBody>
+      </p:sp>
+      <p:sp>
+        <p:nvSpPr>
+          <p:cNvPr id="4" name="Slide Number Placeholder 3"/>
+          <p:cNvSpPr>
+            <a:spLocks noGrp="1"/>
+          </p:cNvSpPr>
+          <p:nvPr>
+            <p:ph type="sldNum" sz="quarter" idx="5"/>
+          </p:nvPr>
+        </p:nvSpPr>
+        <p:spPr/>
+        <p:txBody>
+          <a:bodyPr/>
+          <a:lstStyle/>
+          <a:p>
+            <a:fld id="{D4301A7B-B59E-0049-9701-871B2C3CE086}" type="slidenum">
+              <a:rPr lang="en-US" smtClean="0"/>
+              <a:t>5</a:t>
+            </a:fld>
+            <a:endParaRPr lang="en-US"/>
+          </a:p>
+        </p:txBody>
+      </p:sp>
+    </p:spTree>
+    <p:extLst>
+      <p:ext uri="{BB962C8B-B14F-4D97-AF65-F5344CB8AC3E}">
+        <p14:creationId xmlns:p14="http://schemas.microsoft.com/office/powerpoint/2010/main" val="3174795696"/>
+      </p:ext>
+    </p:extLst>
+  </p:cSld>
+  <p:clrMapOvr>
+    <a:masterClrMapping/>
+  </p:clrMapOvr>
+</p:notes>
+</file>
+
+<file path=ppt/notesSlides/notesSlide6.xml><?xml version="1.0" encoding="utf-8"?>
+<p:notes xmlns:a="http://schemas.openxmlformats.org/drawingml/2006/main" xmlns:r="http://schemas.openxmlformats.org/officeDocument/2006/relationships" xmlns:p="http://schemas.openxmlformats.org/presentationml/2006/main">
+  <p:cSld>
+    <p:spTree>
+      <p:nvGrpSpPr>
+        <p:cNvPr id="1" name=""/>
+        <p:cNvGrpSpPr/>
+        <p:nvPr/>
+      </p:nvGrpSpPr>
+      <p:grpSpPr>
+        <a:xfrm>
+          <a:off x="0" y="0"/>
+          <a:ext cx="0" cy="0"/>
+          <a:chOff x="0" y="0"/>
+          <a:chExt cx="0" cy="0"/>
+        </a:xfrm>
+      </p:grpSpPr>
+      <p:sp>
+        <p:nvSpPr>
+          <p:cNvPr id="2" name="Slide Image Placeholder 1"/>
+          <p:cNvSpPr>
+            <a:spLocks noGrp="1" noRot="1" noChangeAspect="1"/>
+          </p:cNvSpPr>
+          <p:nvPr>
+            <p:ph type="sldImg"/>
+          </p:nvPr>
+        </p:nvSpPr>
+        <p:spPr/>
+      </p:sp>
+      <p:sp>
+        <p:nvSpPr>
+          <p:cNvPr id="3" name="Notes Placeholder 2"/>
+          <p:cNvSpPr>
+            <a:spLocks noGrp="1"/>
+          </p:cNvSpPr>
+          <p:nvPr>
+            <p:ph type="body" idx="1"/>
+          </p:nvPr>
+        </p:nvSpPr>
+        <p:spPr/>
+        <p:txBody>
+          <a:bodyPr/>
+          <a:lstStyle/>
+          <a:p>
+            <a:endParaRPr lang="en-US"/>
+          </a:p>
+        </p:txBody>
+      </p:sp>
+      <p:sp>
+        <p:nvSpPr>
+          <p:cNvPr id="4" name="Slide Number Placeholder 3"/>
+          <p:cNvSpPr>
+            <a:spLocks noGrp="1"/>
+          </p:cNvSpPr>
+          <p:nvPr>
+            <p:ph type="sldNum" sz="quarter" idx="5"/>
+          </p:nvPr>
+        </p:nvSpPr>
+        <p:spPr/>
+        <p:txBody>
+          <a:bodyPr/>
+          <a:lstStyle/>
+          <a:p>
+            <a:fld id="{D4301A7B-B59E-0049-9701-871B2C3CE086}" type="slidenum">
+              <a:rPr lang="en-US" smtClean="0"/>
+              <a:t>6</a:t>
+            </a:fld>
+            <a:endParaRPr lang="en-US"/>
+          </a:p>
+        </p:txBody>
+      </p:sp>
+    </p:spTree>
+    <p:extLst>
+      <p:ext uri="{BB962C8B-B14F-4D97-AF65-F5344CB8AC3E}">
+        <p14:creationId xmlns:p14="http://schemas.microsoft.com/office/powerpoint/2010/main" val="3730706089"/>
+      </p:ext>
+    </p:extLst>
+  </p:cSld>
+  <p:clrMapOvr>
+    <a:masterClrMapping/>
+  </p:clrMapOvr>
+</p:notes>
+</file>
+
+<file path=ppt/notesSlides/notesSlide7.xml><?xml version="1.0" encoding="utf-8"?>
 <p:notes xmlns:a="http://schemas.openxmlformats.org/drawingml/2006/main" xmlns:r="http://schemas.openxmlformats.org/officeDocument/2006/relationships" xmlns:p="http://schemas.openxmlformats.org/presentationml/2006/main">
   <p:cSld>
     <p:spTree>
@@ -32413,7 +30171,7 @@
 </p:notes>
 </file>
 
-<file path=ppt/notesSlides/notesSlide3.xml><?xml version="1.0" encoding="utf-8"?>
+<file path=ppt/notesSlides/notesSlide8.xml><?xml version="1.0" encoding="utf-8"?>
 <p:notes xmlns:a="http://schemas.openxmlformats.org/drawingml/2006/main" xmlns:r="http://schemas.openxmlformats.org/officeDocument/2006/relationships" xmlns:p="http://schemas.openxmlformats.org/presentationml/2006/main">
   <p:cSld>
     <p:spTree>
@@ -32478,7 +30236,7 @@
           <a:p>
             <a:fld id="{D4301A7B-B59E-0049-9701-871B2C3CE086}" type="slidenum">
               <a:rPr lang="en-US" smtClean="0"/>
-              <a:t>12</a:t>
+              <a:t>8</a:t>
             </a:fld>
             <a:endParaRPr lang="en-US"/>
           </a:p>
@@ -32487,7 +30245,91 @@
     </p:spTree>
     <p:extLst>
       <p:ext uri="{BB962C8B-B14F-4D97-AF65-F5344CB8AC3E}">
-        <p14:creationId xmlns:p14="http://schemas.microsoft.com/office/powerpoint/2010/main" val="1000832335"/>
+        <p14:creationId xmlns:p14="http://schemas.microsoft.com/office/powerpoint/2010/main" val="3785461934"/>
+      </p:ext>
+    </p:extLst>
+  </p:cSld>
+  <p:clrMapOvr>
+    <a:masterClrMapping/>
+  </p:clrMapOvr>
+</p:notes>
+</file>
+
+<file path=ppt/notesSlides/notesSlide9.xml><?xml version="1.0" encoding="utf-8"?>
+<p:notes xmlns:a="http://schemas.openxmlformats.org/drawingml/2006/main" xmlns:r="http://schemas.openxmlformats.org/officeDocument/2006/relationships" xmlns:p="http://schemas.openxmlformats.org/presentationml/2006/main">
+  <p:cSld>
+    <p:spTree>
+      <p:nvGrpSpPr>
+        <p:cNvPr id="1" name=""/>
+        <p:cNvGrpSpPr/>
+        <p:nvPr/>
+      </p:nvGrpSpPr>
+      <p:grpSpPr>
+        <a:xfrm>
+          <a:off x="0" y="0"/>
+          <a:ext cx="0" cy="0"/>
+          <a:chOff x="0" y="0"/>
+          <a:chExt cx="0" cy="0"/>
+        </a:xfrm>
+      </p:grpSpPr>
+      <p:sp>
+        <p:nvSpPr>
+          <p:cNvPr id="2" name="Slide Image Placeholder 1"/>
+          <p:cNvSpPr>
+            <a:spLocks noGrp="1" noRot="1" noChangeAspect="1"/>
+          </p:cNvSpPr>
+          <p:nvPr>
+            <p:ph type="sldImg"/>
+          </p:nvPr>
+        </p:nvSpPr>
+        <p:spPr/>
+      </p:sp>
+      <p:sp>
+        <p:nvSpPr>
+          <p:cNvPr id="3" name="Notes Placeholder 2"/>
+          <p:cNvSpPr>
+            <a:spLocks noGrp="1"/>
+          </p:cNvSpPr>
+          <p:nvPr>
+            <p:ph type="body" idx="1"/>
+          </p:nvPr>
+        </p:nvSpPr>
+        <p:spPr/>
+        <p:txBody>
+          <a:bodyPr/>
+          <a:lstStyle/>
+          <a:p>
+            <a:endParaRPr lang="en-US"/>
+          </a:p>
+        </p:txBody>
+      </p:sp>
+      <p:sp>
+        <p:nvSpPr>
+          <p:cNvPr id="4" name="Slide Number Placeholder 3"/>
+          <p:cNvSpPr>
+            <a:spLocks noGrp="1"/>
+          </p:cNvSpPr>
+          <p:nvPr>
+            <p:ph type="sldNum" sz="quarter" idx="5"/>
+          </p:nvPr>
+        </p:nvSpPr>
+        <p:spPr/>
+        <p:txBody>
+          <a:bodyPr/>
+          <a:lstStyle/>
+          <a:p>
+            <a:fld id="{D4301A7B-B59E-0049-9701-871B2C3CE086}" type="slidenum">
+              <a:rPr lang="en-US" smtClean="0"/>
+              <a:t>9</a:t>
+            </a:fld>
+            <a:endParaRPr lang="en-US"/>
+          </a:p>
+        </p:txBody>
+      </p:sp>
+    </p:spTree>
+    <p:extLst>
+      <p:ext uri="{BB962C8B-B14F-4D97-AF65-F5344CB8AC3E}">
+        <p14:creationId xmlns:p14="http://schemas.microsoft.com/office/powerpoint/2010/main" val="3462938068"/>
       </p:ext>
     </p:extLst>
   </p:cSld>
@@ -32670,7 +30512,7 @@
           <a:p>
             <a:fld id="{A3359F5C-6C31-3446-B4EA-5F776CCFE926}" type="datetime1">
               <a:rPr lang="en-US" smtClean="0"/>
-              <a:t>11/30/20</a:t>
+              <a:t>12/1/20</a:t>
             </a:fld>
             <a:endParaRPr lang="en-US" dirty="0"/>
           </a:p>
@@ -33004,7 +30846,7 @@
           <a:p>
             <a:fld id="{B0A8279B-0FFD-934E-B31D-1E9959DFEC1B}" type="datetime1">
               <a:rPr lang="en-US" smtClean="0"/>
-              <a:t>11/30/20</a:t>
+              <a:t>12/1/20</a:t>
             </a:fld>
             <a:endParaRPr lang="en-US" dirty="0"/>
           </a:p>
@@ -33188,7 +31030,7 @@
           <a:p>
             <a:fld id="{96A304FF-D428-7B47-91A5-F6789F865EFD}" type="datetime1">
               <a:rPr lang="en-US" smtClean="0"/>
-              <a:t>11/30/20</a:t>
+              <a:t>12/1/20</a:t>
             </a:fld>
             <a:endParaRPr lang="en-US" dirty="0"/>
           </a:p>
@@ -33362,7 +31204,7 @@
           <a:p>
             <a:fld id="{8B987ED7-D956-5C47-A12D-B99DDA3F9F63}" type="datetime1">
               <a:rPr lang="en-US" smtClean="0"/>
-              <a:t>11/30/20</a:t>
+              <a:t>12/1/20</a:t>
             </a:fld>
             <a:endParaRPr lang="en-US" dirty="0"/>
           </a:p>
@@ -33643,7 +31485,7 @@
           <a:p>
             <a:fld id="{02B09E7D-F5FC-A844-BFF6-2D67A928610E}" type="datetime1">
               <a:rPr lang="en-US" smtClean="0"/>
-              <a:t>11/30/20</a:t>
+              <a:t>12/1/20</a:t>
             </a:fld>
             <a:endParaRPr lang="en-US" dirty="0"/>
           </a:p>
@@ -34041,7 +31883,7 @@
           <a:p>
             <a:fld id="{2411B83D-4E3A-5049-BF3D-964C889B6821}" type="datetime1">
               <a:rPr lang="en-US" smtClean="0"/>
-              <a:t>11/30/20</a:t>
+              <a:t>12/1/20</a:t>
             </a:fld>
             <a:endParaRPr lang="en-US" dirty="0"/>
           </a:p>
@@ -34522,7 +32364,7 @@
           <a:p>
             <a:fld id="{5D7BBA3D-20EE-EC48-AD67-29A543C96F8D}" type="datetime1">
               <a:rPr lang="en-US" smtClean="0"/>
-              <a:t>11/30/20</a:t>
+              <a:t>12/1/20</a:t>
             </a:fld>
             <a:endParaRPr lang="en-US" dirty="0"/>
           </a:p>
@@ -34645,7 +32487,7 @@
           <a:p>
             <a:fld id="{484F1B8C-104E-2F45-8EE5-8EE3CF97C84A}" type="datetime1">
               <a:rPr lang="en-US" smtClean="0"/>
-              <a:t>11/30/20</a:t>
+              <a:t>12/1/20</a:t>
             </a:fld>
             <a:endParaRPr lang="en-US" dirty="0"/>
           </a:p>
@@ -34744,7 +32586,7 @@
           <a:p>
             <a:fld id="{AD27424A-9175-E04A-B5AE-1D136F9B981D}" type="datetime1">
               <a:rPr lang="en-US" smtClean="0"/>
-              <a:t>11/30/20</a:t>
+              <a:t>12/1/20</a:t>
             </a:fld>
             <a:endParaRPr lang="en-US" dirty="0"/>
           </a:p>
@@ -35094,7 +32936,7 @@
           <a:p>
             <a:fld id="{20E7EA72-0893-4A43-B8EA-D0B49CB6E95A}" type="datetime1">
               <a:rPr lang="en-US" smtClean="0"/>
-              <a:t>11/30/20</a:t>
+              <a:t>12/1/20</a:t>
             </a:fld>
             <a:endParaRPr lang="en-US" dirty="0"/>
           </a:p>
@@ -35486,7 +33328,7 @@
           <a:p>
             <a:fld id="{1F9C1A6B-81A2-AD41-BC13-957C5641E2DA}" type="datetime1">
               <a:rPr lang="en-US" smtClean="0"/>
-              <a:t>11/30/20</a:t>
+              <a:t>12/1/20</a:t>
             </a:fld>
             <a:endParaRPr lang="en-US" dirty="0"/>
           </a:p>
@@ -35769,7 +33611,7 @@
           <a:p>
             <a:fld id="{BFCD0B0C-029D-034B-9AD3-27BFB42C65FE}" type="datetime1">
               <a:rPr lang="en-US" smtClean="0"/>
-              <a:t>11/30/20</a:t>
+              <a:t>12/1/20</a:t>
             </a:fld>
             <a:endParaRPr lang="en-US" dirty="0"/>
           </a:p>
@@ -36385,13 +34227,8 @@
           <a:p>
             <a:r>
               <a:rPr lang="en-US" sz="6100" dirty="0"/>
-              <a:t>Cloud Pub/Sub on GCP: The what, Whys and </a:t>
+              <a:t>Cloud Pub/Sub on GCP: The what, Why and How</a:t>
             </a:r>
-            <a:r>
-              <a:rPr lang="en-US" sz="6100" dirty="0" err="1"/>
-              <a:t>Hows</a:t>
-            </a:r>
-            <a:endParaRPr lang="en-US" sz="6100" dirty="0"/>
           </a:p>
         </p:txBody>
       </p:sp>
@@ -36620,7 +34457,7 @@
           <p:nvPr/>
         </p:nvPicPr>
         <p:blipFill>
-          <a:blip r:embed="rId2"/>
+          <a:blip r:embed="rId3"/>
           <a:stretch>
             <a:fillRect/>
           </a:stretch>
@@ -36649,744 +34486,6 @@
 </file>
 
 <file path=ppt/slides/slide10.xml><?xml version="1.0" encoding="utf-8"?>
-<p:sld xmlns:a="http://schemas.openxmlformats.org/drawingml/2006/main" xmlns:r="http://schemas.openxmlformats.org/officeDocument/2006/relationships" xmlns:p="http://schemas.openxmlformats.org/presentationml/2006/main">
-  <p:cSld>
-    <p:bg>
-      <p:bgPr>
-        <a:solidFill>
-          <a:schemeClr val="accent1"/>
-        </a:solidFill>
-        <a:effectLst/>
-      </p:bgPr>
-    </p:bg>
-    <p:spTree>
-      <p:nvGrpSpPr>
-        <p:cNvPr id="1" name=""/>
-        <p:cNvGrpSpPr/>
-        <p:nvPr/>
-      </p:nvGrpSpPr>
-      <p:grpSpPr>
-        <a:xfrm>
-          <a:off x="0" y="0"/>
-          <a:ext cx="0" cy="0"/>
-          <a:chOff x="0" y="0"/>
-          <a:chExt cx="0" cy="0"/>
-        </a:xfrm>
-      </p:grpSpPr>
-      <p:grpSp>
-        <p:nvGrpSpPr>
-          <p:cNvPr id="11" name="Group 10">
-            <a:extLst>
-              <a:ext uri="{FF2B5EF4-FFF2-40B4-BE49-F238E27FC236}">
-                <a16:creationId xmlns:a16="http://schemas.microsoft.com/office/drawing/2014/main" id="{B0245FC1-669A-4558-8341-5A7148C77A22}"/>
-              </a:ext>
-              <a:ext uri="{C183D7F6-B498-43B3-948B-1728B52AA6E4}">
-                <adec:decorative xmlns:adec="http://schemas.microsoft.com/office/drawing/2017/decorative" val="1"/>
-              </a:ext>
-            </a:extLst>
-          </p:cNvPr>
-          <p:cNvGrpSpPr>
-            <a:grpSpLocks noGrp="1" noUngrp="1" noRot="1" noChangeAspect="1" noMove="1" noResize="1"/>
-          </p:cNvGrpSpPr>
-          <p:nvPr>
-            <p:extLst>
-              <p:ext uri="{386F3935-93C4-4BCD-93E2-E3B085C9AB24}">
-                <p16:designElem xmlns:p16="http://schemas.microsoft.com/office/powerpoint/2015/main" val="1"/>
-              </p:ext>
-            </p:extLst>
-          </p:nvPr>
-        </p:nvGrpSpPr>
-        <p:grpSpPr>
-          <a:xfrm>
-            <a:off x="752858" y="744469"/>
-            <a:ext cx="10674117" cy="5349671"/>
-            <a:chOff x="752858" y="744469"/>
-            <a:chExt cx="10674117" cy="5349671"/>
-          </a:xfrm>
-        </p:grpSpPr>
-        <p:sp>
-          <p:nvSpPr>
-            <p:cNvPr id="12" name="Freeform 6">
-              <a:extLst>
-                <a:ext uri="{FF2B5EF4-FFF2-40B4-BE49-F238E27FC236}">
-                  <a16:creationId xmlns:a16="http://schemas.microsoft.com/office/drawing/2014/main" id="{F2D3FC59-9FB9-48FC-8D66-9ACDB840EFDF}"/>
-                </a:ext>
-                <a:ext uri="{C183D7F6-B498-43B3-948B-1728B52AA6E4}">
-                  <adec:decorative xmlns:adec="http://schemas.microsoft.com/office/drawing/2017/decorative" val="1"/>
-                </a:ext>
-              </a:extLst>
-            </p:cNvPr>
-            <p:cNvSpPr/>
-            <p:nvPr>
-              <p:extLst>
-                <p:ext uri="{386F3935-93C4-4BCD-93E2-E3B085C9AB24}">
-                  <p16:designElem xmlns:p16="http://schemas.microsoft.com/office/powerpoint/2015/main" val="1"/>
-                </p:ext>
-              </p:extLst>
-            </p:nvPr>
-          </p:nvSpPr>
-          <p:spPr bwMode="auto">
-            <a:xfrm>
-              <a:off x="8151962" y="1685652"/>
-              <a:ext cx="3275013" cy="4408488"/>
-            </a:xfrm>
-            <a:custGeom>
-              <a:avLst/>
-              <a:gdLst/>
-              <a:ahLst/>
-              <a:cxnLst/>
-              <a:rect l="l" t="t" r="r" b="b"/>
-              <a:pathLst>
-                <a:path w="10000" h="10000">
-                  <a:moveTo>
-                    <a:pt x="8761" y="0"/>
-                  </a:moveTo>
-                  <a:lnTo>
-                    <a:pt x="10000" y="0"/>
-                  </a:lnTo>
-                  <a:lnTo>
-                    <a:pt x="10000" y="10000"/>
-                  </a:lnTo>
-                  <a:lnTo>
-                    <a:pt x="0" y="10000"/>
-                  </a:lnTo>
-                  <a:lnTo>
-                    <a:pt x="0" y="9126"/>
-                  </a:lnTo>
-                  <a:lnTo>
-                    <a:pt x="8761" y="9127"/>
-                  </a:lnTo>
-                  <a:lnTo>
-                    <a:pt x="8761" y="0"/>
-                  </a:lnTo>
-                  <a:close/>
-                </a:path>
-              </a:pathLst>
-            </a:custGeom>
-            <a:solidFill>
-              <a:schemeClr val="tx2"/>
-            </a:solidFill>
-            <a:ln w="0">
-              <a:noFill/>
-              <a:prstDash val="solid"/>
-              <a:round/>
-              <a:headEnd/>
-              <a:tailEnd/>
-            </a:ln>
-          </p:spPr>
-        </p:sp>
-        <p:sp>
-          <p:nvSpPr>
-            <p:cNvPr id="13" name="Freeform 6">
-              <a:extLst>
-                <a:ext uri="{FF2B5EF4-FFF2-40B4-BE49-F238E27FC236}">
-                  <a16:creationId xmlns:a16="http://schemas.microsoft.com/office/drawing/2014/main" id="{27D0D12F-DDEA-45FE-91AE-E35A03B65117}"/>
-                </a:ext>
-                <a:ext uri="{C183D7F6-B498-43B3-948B-1728B52AA6E4}">
-                  <adec:decorative xmlns:adec="http://schemas.microsoft.com/office/drawing/2017/decorative" val="1"/>
-                </a:ext>
-              </a:extLst>
-            </p:cNvPr>
-            <p:cNvSpPr/>
-            <p:nvPr>
-              <p:extLst>
-                <p:ext uri="{386F3935-93C4-4BCD-93E2-E3B085C9AB24}">
-                  <p16:designElem xmlns:p16="http://schemas.microsoft.com/office/powerpoint/2015/main" val="1"/>
-                </p:ext>
-              </p:extLst>
-            </p:nvPr>
-          </p:nvSpPr>
-          <p:spPr bwMode="auto">
-            <a:xfrm flipH="1" flipV="1">
-              <a:off x="752858" y="744469"/>
-              <a:ext cx="3275668" cy="4408488"/>
-            </a:xfrm>
-            <a:custGeom>
-              <a:avLst/>
-              <a:gdLst/>
-              <a:ahLst/>
-              <a:cxnLst/>
-              <a:rect l="l" t="t" r="r" b="b"/>
-              <a:pathLst>
-                <a:path w="10002" h="10000">
-                  <a:moveTo>
-                    <a:pt x="8763" y="0"/>
-                  </a:moveTo>
-                  <a:lnTo>
-                    <a:pt x="10002" y="0"/>
-                  </a:lnTo>
-                  <a:lnTo>
-                    <a:pt x="10002" y="10000"/>
-                  </a:lnTo>
-                  <a:lnTo>
-                    <a:pt x="2" y="10000"/>
-                  </a:lnTo>
-                  <a:cubicBezTo>
-                    <a:pt x="-2" y="9698"/>
-                    <a:pt x="4" y="9427"/>
-                    <a:pt x="0" y="9125"/>
-                  </a:cubicBezTo>
-                  <a:lnTo>
-                    <a:pt x="8763" y="9128"/>
-                  </a:lnTo>
-                  <a:lnTo>
-                    <a:pt x="8763" y="0"/>
-                  </a:lnTo>
-                  <a:close/>
-                </a:path>
-              </a:pathLst>
-            </a:custGeom>
-            <a:solidFill>
-              <a:schemeClr val="tx2"/>
-            </a:solidFill>
-            <a:ln w="0">
-              <a:noFill/>
-              <a:prstDash val="solid"/>
-              <a:round/>
-              <a:headEnd/>
-              <a:tailEnd/>
-            </a:ln>
-          </p:spPr>
-        </p:sp>
-      </p:grpSp>
-      <p:sp useBgFill="1">
-        <p:nvSpPr>
-          <p:cNvPr id="15" name="Rectangle 14">
-            <a:extLst>
-              <a:ext uri="{FF2B5EF4-FFF2-40B4-BE49-F238E27FC236}">
-                <a16:creationId xmlns:a16="http://schemas.microsoft.com/office/drawing/2014/main" id="{485326CE-E8C0-4DD9-B97D-BFB0DFF3FC5C}"/>
-              </a:ext>
-              <a:ext uri="{C183D7F6-B498-43B3-948B-1728B52AA6E4}">
-                <adec:decorative xmlns:adec="http://schemas.microsoft.com/office/drawing/2017/decorative" val="1"/>
-              </a:ext>
-            </a:extLst>
-          </p:cNvPr>
-          <p:cNvSpPr>
-            <a:spLocks noGrp="1" noRot="1" noChangeAspect="1" noMove="1" noResize="1" noEditPoints="1" noAdjustHandles="1" noChangeArrowheads="1" noChangeShapeType="1" noTextEdit="1"/>
-          </p:cNvSpPr>
-          <p:nvPr>
-            <p:extLst>
-              <p:ext uri="{386F3935-93C4-4BCD-93E2-E3B085C9AB24}">
-                <p16:designElem xmlns:p16="http://schemas.microsoft.com/office/powerpoint/2015/main" val="1"/>
-              </p:ext>
-            </p:extLst>
-          </p:nvPr>
-        </p:nvSpPr>
-        <p:spPr>
-          <a:xfrm>
-            <a:off x="0" y="9236"/>
-            <a:ext cx="12192000" cy="6858000"/>
-          </a:xfrm>
-          <a:prstGeom prst="rect">
-            <a:avLst/>
-          </a:prstGeom>
-          <a:ln>
-            <a:noFill/>
-          </a:ln>
-        </p:spPr>
-        <p:style>
-          <a:lnRef idx="2">
-            <a:schemeClr val="accent1">
-              <a:shade val="50000"/>
-            </a:schemeClr>
-          </a:lnRef>
-          <a:fillRef idx="1001">
-            <a:schemeClr val="lt2"/>
-          </a:fillRef>
-          <a:effectRef idx="0">
-            <a:schemeClr val="accent1"/>
-          </a:effectRef>
-          <a:fontRef idx="minor">
-            <a:schemeClr val="lt1"/>
-          </a:fontRef>
-        </p:style>
-        <p:txBody>
-          <a:bodyPr rtlCol="0" anchor="ctr"/>
-          <a:lstStyle/>
-          <a:p>
-            <a:pPr algn="ctr"/>
-            <a:endParaRPr lang="en-US"/>
-          </a:p>
-        </p:txBody>
-      </p:sp>
-      <p:sp>
-        <p:nvSpPr>
-          <p:cNvPr id="2" name="Title 1">
-            <a:extLst>
-              <a:ext uri="{FF2B5EF4-FFF2-40B4-BE49-F238E27FC236}">
-                <a16:creationId xmlns:a16="http://schemas.microsoft.com/office/drawing/2014/main" id="{5AA510F9-4787-604F-8D3C-E9F53B77C298}"/>
-              </a:ext>
-            </a:extLst>
-          </p:cNvPr>
-          <p:cNvSpPr>
-            <a:spLocks noGrp="1"/>
-          </p:cNvSpPr>
-          <p:nvPr>
-            <p:ph type="title"/>
-          </p:nvPr>
-        </p:nvSpPr>
-        <p:spPr>
-          <a:xfrm>
-            <a:off x="8220201" y="1903919"/>
-            <a:ext cx="3355942" cy="3732835"/>
-          </a:xfrm>
-        </p:spPr>
-        <p:txBody>
-          <a:bodyPr vert="horz" lIns="91440" tIns="45720" rIns="91440" bIns="45720" rtlCol="0" anchor="b">
-            <a:normAutofit/>
-          </a:bodyPr>
-          <a:lstStyle/>
-          <a:p>
-            <a:pPr algn="ctr"/>
-            <a:r>
-              <a:rPr lang="en-US" sz="5000" cap="all" dirty="0"/>
-              <a:t>What happens when things go wrong?</a:t>
-            </a:r>
-          </a:p>
-        </p:txBody>
-      </p:sp>
-      <p:sp>
-        <p:nvSpPr>
-          <p:cNvPr id="17" name="Freeform 6">
-            <a:extLst>
-              <a:ext uri="{FF2B5EF4-FFF2-40B4-BE49-F238E27FC236}">
-                <a16:creationId xmlns:a16="http://schemas.microsoft.com/office/drawing/2014/main" id="{5ECBBE91-3592-462A-8700-B36554E6AA86}"/>
-              </a:ext>
-              <a:ext uri="{C183D7F6-B498-43B3-948B-1728B52AA6E4}">
-                <adec:decorative xmlns:adec="http://schemas.microsoft.com/office/drawing/2017/decorative" val="1"/>
-              </a:ext>
-            </a:extLst>
-          </p:cNvPr>
-          <p:cNvSpPr>
-            <a:spLocks noGrp="1" noRot="1" noChangeAspect="1" noMove="1" noResize="1" noEditPoints="1" noAdjustHandles="1" noChangeArrowheads="1" noChangeShapeType="1" noTextEdit="1"/>
-          </p:cNvSpPr>
-          <p:nvPr>
-            <p:extLst>
-              <p:ext uri="{386F3935-93C4-4BCD-93E2-E3B085C9AB24}">
-                <p16:designElem xmlns:p16="http://schemas.microsoft.com/office/powerpoint/2015/main" val="1"/>
-              </p:ext>
-            </p:extLst>
-          </p:nvPr>
-        </p:nvSpPr>
-        <p:spPr bwMode="auto">
-          <a:xfrm flipH="1" flipV="1">
-            <a:off x="649163" y="634028"/>
-            <a:ext cx="3275668" cy="4408488"/>
-          </a:xfrm>
-          <a:custGeom>
-            <a:avLst/>
-            <a:gdLst/>
-            <a:ahLst/>
-            <a:cxnLst/>
-            <a:rect l="l" t="t" r="r" b="b"/>
-            <a:pathLst>
-              <a:path w="10002" h="10000">
-                <a:moveTo>
-                  <a:pt x="8763" y="0"/>
-                </a:moveTo>
-                <a:lnTo>
-                  <a:pt x="10002" y="0"/>
-                </a:lnTo>
-                <a:lnTo>
-                  <a:pt x="10002" y="10000"/>
-                </a:lnTo>
-                <a:lnTo>
-                  <a:pt x="2" y="10000"/>
-                </a:lnTo>
-                <a:cubicBezTo>
-                  <a:pt x="-2" y="9698"/>
-                  <a:pt x="4" y="9427"/>
-                  <a:pt x="0" y="9125"/>
-                </a:cubicBezTo>
-                <a:lnTo>
-                  <a:pt x="8763" y="9128"/>
-                </a:lnTo>
-                <a:lnTo>
-                  <a:pt x="8763" y="0"/>
-                </a:lnTo>
-                <a:close/>
-              </a:path>
-            </a:pathLst>
-          </a:custGeom>
-          <a:solidFill>
-            <a:schemeClr val="tx2"/>
-          </a:solidFill>
-          <a:ln w="0">
-            <a:noFill/>
-            <a:prstDash val="solid"/>
-            <a:round/>
-            <a:headEnd/>
-            <a:tailEnd/>
-          </a:ln>
-        </p:spPr>
-      </p:sp>
-      <p:sp>
-        <p:nvSpPr>
-          <p:cNvPr id="19" name="Freeform 6">
-            <a:extLst>
-              <a:ext uri="{FF2B5EF4-FFF2-40B4-BE49-F238E27FC236}">
-                <a16:creationId xmlns:a16="http://schemas.microsoft.com/office/drawing/2014/main" id="{646AE209-CD2C-4804-A22E-978C38614058}"/>
-              </a:ext>
-              <a:ext uri="{C183D7F6-B498-43B3-948B-1728B52AA6E4}">
-                <adec:decorative xmlns:adec="http://schemas.microsoft.com/office/drawing/2017/decorative" val="1"/>
-              </a:ext>
-            </a:extLst>
-          </p:cNvPr>
-          <p:cNvSpPr>
-            <a:spLocks noGrp="1" noRot="1" noChangeAspect="1" noMove="1" noResize="1" noEditPoints="1" noAdjustHandles="1" noChangeArrowheads="1" noChangeShapeType="1" noTextEdit="1"/>
-          </p:cNvSpPr>
-          <p:nvPr>
-            <p:extLst>
-              <p:ext uri="{386F3935-93C4-4BCD-93E2-E3B085C9AB24}">
-                <p16:designElem xmlns:p16="http://schemas.microsoft.com/office/powerpoint/2015/main" val="1"/>
-              </p:ext>
-            </p:extLst>
-          </p:nvPr>
-        </p:nvSpPr>
-        <p:spPr bwMode="auto">
-          <a:xfrm>
-            <a:off x="4494670" y="2016617"/>
-            <a:ext cx="3275013" cy="4408488"/>
-          </a:xfrm>
-          <a:custGeom>
-            <a:avLst/>
-            <a:gdLst/>
-            <a:ahLst/>
-            <a:cxnLst/>
-            <a:rect l="l" t="t" r="r" b="b"/>
-            <a:pathLst>
-              <a:path w="10000" h="10000">
-                <a:moveTo>
-                  <a:pt x="8761" y="0"/>
-                </a:moveTo>
-                <a:lnTo>
-                  <a:pt x="10000" y="0"/>
-                </a:lnTo>
-                <a:lnTo>
-                  <a:pt x="10000" y="10000"/>
-                </a:lnTo>
-                <a:lnTo>
-                  <a:pt x="0" y="10000"/>
-                </a:lnTo>
-                <a:lnTo>
-                  <a:pt x="0" y="9126"/>
-                </a:lnTo>
-                <a:lnTo>
-                  <a:pt x="8761" y="9127"/>
-                </a:lnTo>
-                <a:lnTo>
-                  <a:pt x="8761" y="0"/>
-                </a:lnTo>
-                <a:close/>
-              </a:path>
-            </a:pathLst>
-          </a:custGeom>
-          <a:solidFill>
-            <a:schemeClr val="tx2"/>
-          </a:solidFill>
-          <a:ln w="0">
-            <a:noFill/>
-            <a:prstDash val="solid"/>
-            <a:round/>
-            <a:headEnd/>
-            <a:tailEnd/>
-          </a:ln>
-        </p:spPr>
-      </p:sp>
-      <p:pic>
-        <p:nvPicPr>
-          <p:cNvPr id="6" name="Content Placeholder 5" descr="Question mark on green pastel background">
-            <a:extLst>
-              <a:ext uri="{FF2B5EF4-FFF2-40B4-BE49-F238E27FC236}">
-                <a16:creationId xmlns:a16="http://schemas.microsoft.com/office/drawing/2014/main" id="{F6D7865F-443A-BE49-96A1-04E324DC08FA}"/>
-              </a:ext>
-            </a:extLst>
-          </p:cNvPr>
-          <p:cNvPicPr>
-            <a:picLocks noGrp="1" noChangeAspect="1"/>
-          </p:cNvPicPr>
-          <p:nvPr>
-            <p:ph idx="1"/>
-          </p:nvPr>
-        </p:nvPicPr>
-        <p:blipFill>
-          <a:blip r:embed="rId2"/>
-          <a:stretch>
-            <a:fillRect/>
-          </a:stretch>
-        </p:blipFill>
-        <p:spPr>
-          <a:xfrm>
-            <a:off x="1379023" y="1406388"/>
-            <a:ext cx="5659222" cy="4244416"/>
-          </a:xfrm>
-          <a:prstGeom prst="rect">
-            <a:avLst/>
-          </a:prstGeom>
-        </p:spPr>
-      </p:pic>
-      <p:sp>
-        <p:nvSpPr>
-          <p:cNvPr id="4" name="Footer Placeholder 3">
-            <a:extLst>
-              <a:ext uri="{FF2B5EF4-FFF2-40B4-BE49-F238E27FC236}">
-                <a16:creationId xmlns:a16="http://schemas.microsoft.com/office/drawing/2014/main" id="{C71CEB1C-C30F-134C-9205-326705082767}"/>
-              </a:ext>
-            </a:extLst>
-          </p:cNvPr>
-          <p:cNvSpPr>
-            <a:spLocks noGrp="1"/>
-          </p:cNvSpPr>
-          <p:nvPr>
-            <p:ph type="ftr" sz="quarter" idx="11"/>
-          </p:nvPr>
-        </p:nvSpPr>
-        <p:spPr>
-          <a:xfrm>
-            <a:off x="2584054" y="6453386"/>
-            <a:ext cx="7023377" cy="404614"/>
-          </a:xfrm>
-        </p:spPr>
-        <p:txBody>
-          <a:bodyPr vert="horz" lIns="91440" tIns="45720" rIns="91440" bIns="45720" rtlCol="0" anchor="ctr">
-            <a:normAutofit fontScale="92500"/>
-          </a:bodyPr>
-          <a:lstStyle/>
-          <a:p>
-            <a:pPr algn="ctr" defTabSz="914400">
-              <a:spcAft>
-                <a:spcPts val="600"/>
-              </a:spcAft>
-            </a:pPr>
-            <a:r>
-              <a:rPr lang="en-US" kern="1200" baseline="0">
-                <a:solidFill>
-                  <a:schemeClr val="tx2"/>
-                </a:solidFill>
-                <a:latin typeface="+mn-lt"/>
-                <a:ea typeface="+mn-ea"/>
-                <a:cs typeface="+mn-cs"/>
-              </a:rPr>
-              <a:t>https://kmr0018.github.io/ConnectForward-PubSubOnGCP/  @quiltndogs karen_m_reeves@homedepot.com</a:t>
-            </a:r>
-          </a:p>
-        </p:txBody>
-      </p:sp>
-      <p:pic>
-        <p:nvPicPr>
-          <p:cNvPr id="14" name="Graphic 13">
-            <a:extLst>
-              <a:ext uri="{FF2B5EF4-FFF2-40B4-BE49-F238E27FC236}">
-                <a16:creationId xmlns:a16="http://schemas.microsoft.com/office/drawing/2014/main" id="{0D3AFB78-6B39-5645-96F7-7629BD3521CD}"/>
-              </a:ext>
-            </a:extLst>
-          </p:cNvPr>
-          <p:cNvPicPr>
-            <a:picLocks noChangeAspect="1"/>
-          </p:cNvPicPr>
-          <p:nvPr/>
-        </p:nvPicPr>
-        <p:blipFill>
-          <a:blip r:embed="rId3">
-            <a:extLst>
-              <a:ext uri="{96DAC541-7B7A-43D3-8B79-37D633B846F1}">
-                <asvg:svgBlip xmlns:asvg="http://schemas.microsoft.com/office/drawing/2016/SVG/main" r:embed="rId4"/>
-              </a:ext>
-            </a:extLst>
-          </a:blip>
-          <a:stretch>
-            <a:fillRect/>
-          </a:stretch>
-        </p:blipFill>
-        <p:spPr>
-          <a:xfrm>
-            <a:off x="10110401" y="80268"/>
-            <a:ext cx="1823651" cy="1823651"/>
-          </a:xfrm>
-          <a:prstGeom prst="rect">
-            <a:avLst/>
-          </a:prstGeom>
-        </p:spPr>
-      </p:pic>
-    </p:spTree>
-    <p:extLst>
-      <p:ext uri="{BB962C8B-B14F-4D97-AF65-F5344CB8AC3E}">
-        <p14:creationId xmlns:p14="http://schemas.microsoft.com/office/powerpoint/2010/main" val="1015152838"/>
-      </p:ext>
-    </p:extLst>
-  </p:cSld>
-  <p:clrMapOvr>
-    <a:masterClrMapping/>
-  </p:clrMapOvr>
-</p:sld>
-</file>
-
-<file path=ppt/slides/slide11.xml><?xml version="1.0" encoding="utf-8"?>
-<p:sld xmlns:a="http://schemas.openxmlformats.org/drawingml/2006/main" xmlns:r="http://schemas.openxmlformats.org/officeDocument/2006/relationships" xmlns:p="http://schemas.openxmlformats.org/presentationml/2006/main">
-  <p:cSld>
-    <p:bg>
-      <p:bgPr>
-        <a:solidFill>
-          <a:schemeClr val="bg2"/>
-        </a:solidFill>
-        <a:effectLst/>
-      </p:bgPr>
-    </p:bg>
-    <p:spTree>
-      <p:nvGrpSpPr>
-        <p:cNvPr id="1" name=""/>
-        <p:cNvGrpSpPr/>
-        <p:nvPr/>
-      </p:nvGrpSpPr>
-      <p:grpSpPr>
-        <a:xfrm>
-          <a:off x="0" y="0"/>
-          <a:ext cx="0" cy="0"/>
-          <a:chOff x="0" y="0"/>
-          <a:chExt cx="0" cy="0"/>
-        </a:xfrm>
-      </p:grpSpPr>
-      <p:sp>
-        <p:nvSpPr>
-          <p:cNvPr id="2" name="Title 1">
-            <a:extLst>
-              <a:ext uri="{FF2B5EF4-FFF2-40B4-BE49-F238E27FC236}">
-                <a16:creationId xmlns:a16="http://schemas.microsoft.com/office/drawing/2014/main" id="{F3346765-4898-6A49-9B60-07A47075793D}"/>
-              </a:ext>
-            </a:extLst>
-          </p:cNvPr>
-          <p:cNvSpPr>
-            <a:spLocks noGrp="1"/>
-          </p:cNvSpPr>
-          <p:nvPr>
-            <p:ph type="title"/>
-          </p:nvPr>
-        </p:nvSpPr>
-        <p:spPr>
-          <a:xfrm>
-            <a:off x="1371600" y="685800"/>
-            <a:ext cx="9601200" cy="1485900"/>
-          </a:xfrm>
-        </p:spPr>
-        <p:txBody>
-          <a:bodyPr>
-            <a:normAutofit/>
-          </a:bodyPr>
-          <a:lstStyle/>
-          <a:p>
-            <a:r>
-              <a:rPr lang="en-US" dirty="0"/>
-              <a:t>Like…</a:t>
-            </a:r>
-          </a:p>
-        </p:txBody>
-      </p:sp>
-      <p:sp>
-        <p:nvSpPr>
-          <p:cNvPr id="4" name="Footer Placeholder 3">
-            <a:extLst>
-              <a:ext uri="{FF2B5EF4-FFF2-40B4-BE49-F238E27FC236}">
-                <a16:creationId xmlns:a16="http://schemas.microsoft.com/office/drawing/2014/main" id="{2B89D81F-048C-4F44-9AFE-273195B1C854}"/>
-              </a:ext>
-            </a:extLst>
-          </p:cNvPr>
-          <p:cNvSpPr>
-            <a:spLocks noGrp="1"/>
-          </p:cNvSpPr>
-          <p:nvPr>
-            <p:ph type="ftr" sz="quarter" idx="11"/>
-          </p:nvPr>
-        </p:nvSpPr>
-        <p:spPr>
-          <a:xfrm>
-            <a:off x="1995055" y="6453386"/>
-            <a:ext cx="7179339" cy="404614"/>
-          </a:xfrm>
-        </p:spPr>
-        <p:txBody>
-          <a:bodyPr>
-            <a:normAutofit fontScale="92500"/>
-          </a:bodyPr>
-          <a:lstStyle/>
-          <a:p>
-            <a:pPr>
-              <a:spcAft>
-                <a:spcPts val="600"/>
-              </a:spcAft>
-            </a:pPr>
-            <a:r>
-              <a:rPr lang="en-US" dirty="0"/>
-              <a:t>https://kmr0018.github.io/</a:t>
-            </a:r>
-            <a:r>
-              <a:rPr lang="en-US" dirty="0" err="1"/>
-              <a:t>ConnectForward-PubSubOnGCP</a:t>
-            </a:r>
-            <a:r>
-              <a:rPr lang="en-US" dirty="0"/>
-              <a:t>/  @</a:t>
-            </a:r>
-            <a:r>
-              <a:rPr lang="en-US" dirty="0" err="1"/>
-              <a:t>quiltndogs</a:t>
-            </a:r>
-            <a:r>
-              <a:rPr lang="en-US" dirty="0"/>
-              <a:t> </a:t>
-            </a:r>
-            <a:r>
-              <a:rPr lang="en-US" dirty="0" err="1"/>
-              <a:t>karen_m_reeves@homedepot.com</a:t>
-            </a:r>
-            <a:endParaRPr lang="en-US" dirty="0"/>
-          </a:p>
-        </p:txBody>
-      </p:sp>
-      <p:graphicFrame>
-        <p:nvGraphicFramePr>
-          <p:cNvPr id="6" name="Content Placeholder 2">
-            <a:extLst>
-              <a:ext uri="{FF2B5EF4-FFF2-40B4-BE49-F238E27FC236}">
-                <a16:creationId xmlns:a16="http://schemas.microsoft.com/office/drawing/2014/main" id="{0BB7E4C6-8378-495A-AC0F-7D899F373F99}"/>
-              </a:ext>
-            </a:extLst>
-          </p:cNvPr>
-          <p:cNvGraphicFramePr>
-            <a:graphicFrameLocks noGrp="1"/>
-          </p:cNvGraphicFramePr>
-          <p:nvPr>
-            <p:ph idx="1"/>
-            <p:extLst>
-              <p:ext uri="{D42A27DB-BD31-4B8C-83A1-F6EECF244321}">
-                <p14:modId xmlns:p14="http://schemas.microsoft.com/office/powerpoint/2010/main" val="3888526211"/>
-              </p:ext>
-            </p:extLst>
-          </p:nvPr>
-        </p:nvGraphicFramePr>
-        <p:xfrm>
-          <a:off x="1371600" y="2286000"/>
-          <a:ext cx="9601200" cy="3581400"/>
-        </p:xfrm>
-        <a:graphic>
-          <a:graphicData uri="http://schemas.openxmlformats.org/drawingml/2006/diagram">
-            <dgm:relIds xmlns:dgm="http://schemas.openxmlformats.org/drawingml/2006/diagram" xmlns:r="http://schemas.openxmlformats.org/officeDocument/2006/relationships" r:dm="rId2" r:lo="rId3" r:qs="rId4" r:cs="rId5"/>
-          </a:graphicData>
-        </a:graphic>
-      </p:graphicFrame>
-    </p:spTree>
-    <p:extLst>
-      <p:ext uri="{BB962C8B-B14F-4D97-AF65-F5344CB8AC3E}">
-        <p14:creationId xmlns:p14="http://schemas.microsoft.com/office/powerpoint/2010/main" val="1768200692"/>
-      </p:ext>
-    </p:extLst>
-  </p:cSld>
-  <p:clrMapOvr>
-    <a:masterClrMapping/>
-  </p:clrMapOvr>
-</p:sld>
-</file>
-
-<file path=ppt/slides/slide12.xml><?xml version="1.0" encoding="utf-8"?>
 <p:sld xmlns:a="http://schemas.openxmlformats.org/drawingml/2006/main" xmlns:r="http://schemas.openxmlformats.org/officeDocument/2006/relationships" xmlns:p="http://schemas.openxmlformats.org/presentationml/2006/main">
   <p:cSld>
     <p:bg>
@@ -37489,7 +34588,7 @@
         </p:nvSpPr>
         <p:spPr>
           <a:xfrm>
-            <a:off x="8252340" y="639704"/>
+            <a:off x="8252340" y="651427"/>
             <a:ext cx="3299579" cy="5577840"/>
           </a:xfrm>
         </p:spPr>
@@ -37500,10 +34599,9 @@
           <a:lstStyle/>
           <a:p>
             <a:r>
-              <a:rPr lang="en-US"/>
+              <a:rPr lang="en-US" dirty="0"/>
               <a:t>Retry Policy</a:t>
             </a:r>
-            <a:endParaRPr lang="en-US" dirty="0"/>
           </a:p>
         </p:txBody>
       </p:sp>
@@ -37544,9 +34642,30 @@
               </a:spcAft>
             </a:pPr>
             <a:r>
-              <a:rPr lang="en-US" sz="1100"/>
-              <a:t>https://kmr0018.github.io/ConnectForward-PubSubOnGCP/  @quiltndogs karen_m_reeves@homedepot.com</a:t>
+              <a:rPr lang="en-US" sz="1100" dirty="0"/>
+              <a:t>https://kmr0018.github.io/</a:t>
             </a:r>
+            <a:r>
+              <a:rPr lang="en-US" sz="1100" dirty="0" err="1"/>
+              <a:t>ConnectForward-PubSubOnGCP</a:t>
+            </a:r>
+            <a:r>
+              <a:rPr lang="en-US" sz="1100" dirty="0"/>
+              <a:t>/  @</a:t>
+            </a:r>
+            <a:r>
+              <a:rPr lang="en-US" sz="1100" dirty="0" err="1"/>
+              <a:t>quiltndogs</a:t>
+            </a:r>
+            <a:r>
+              <a:rPr lang="en-US" sz="1100" dirty="0"/>
+              <a:t> </a:t>
+            </a:r>
+            <a:r>
+              <a:rPr lang="en-US" sz="1100" dirty="0" err="1"/>
+              <a:t>karen_m_reeves@homedepot.com</a:t>
+            </a:r>
+            <a:endParaRPr lang="en-US" sz="1100" dirty="0"/>
           </a:p>
         </p:txBody>
       </p:sp>
@@ -37624,7 +34743,7 @@
             <p:ph idx="1"/>
             <p:extLst>
               <p:ext uri="{D42A27DB-BD31-4B8C-83A1-F6EECF244321}">
-                <p14:modId xmlns:p14="http://schemas.microsoft.com/office/powerpoint/2010/main" val="1740803607"/>
+                <p14:modId xmlns:p14="http://schemas.microsoft.com/office/powerpoint/2010/main" val="3582094371"/>
               </p:ext>
             </p:extLst>
           </p:nvPr>
@@ -37652,7 +34771,7 @@
 </p:sld>
 </file>
 
-<file path=ppt/slides/slide13.xml><?xml version="1.0" encoding="utf-8"?>
+<file path=ppt/slides/slide11.xml><?xml version="1.0" encoding="utf-8"?>
 <p:sld xmlns:a="http://schemas.openxmlformats.org/drawingml/2006/main" xmlns:r="http://schemas.openxmlformats.org/officeDocument/2006/relationships" xmlns:p="http://schemas.openxmlformats.org/presentationml/2006/main">
   <p:cSld>
     <p:bg>
@@ -37706,10 +34825,9 @@
           <a:lstStyle/>
           <a:p>
             <a:r>
-              <a:rPr lang="en-US"/>
-              <a:t>Seek</a:t>
+              <a:rPr lang="en-US" dirty="0"/>
+              <a:t>Seek to acknowledge or to replay</a:t>
             </a:r>
-            <a:endParaRPr lang="en-US" dirty="0"/>
           </a:p>
         </p:txBody>
       </p:sp>
@@ -37790,7 +34908,7 @@
             <p:ph idx="1"/>
             <p:extLst>
               <p:ext uri="{D42A27DB-BD31-4B8C-83A1-F6EECF244321}">
-                <p14:modId xmlns:p14="http://schemas.microsoft.com/office/powerpoint/2010/main" val="882123233"/>
+                <p14:modId xmlns:p14="http://schemas.microsoft.com/office/powerpoint/2010/main" val="3207589249"/>
               </p:ext>
             </p:extLst>
           </p:nvPr>
@@ -37801,7 +34919,7 @@
         </p:xfrm>
         <a:graphic>
           <a:graphicData uri="http://schemas.openxmlformats.org/drawingml/2006/diagram">
-            <dgm:relIds xmlns:dgm="http://schemas.openxmlformats.org/drawingml/2006/diagram" xmlns:r="http://schemas.openxmlformats.org/officeDocument/2006/relationships" r:dm="rId2" r:lo="rId3" r:qs="rId4" r:cs="rId5"/>
+            <dgm:relIds xmlns:dgm="http://schemas.openxmlformats.org/drawingml/2006/diagram" xmlns:r="http://schemas.openxmlformats.org/officeDocument/2006/relationships" r:dm="rId3" r:lo="rId4" r:qs="rId5" r:cs="rId6"/>
           </a:graphicData>
         </a:graphic>
       </p:graphicFrame>
@@ -37820,10 +34938,10 @@
           <p:nvPr/>
         </p:nvPicPr>
         <p:blipFill>
-          <a:blip r:embed="rId7">
+          <a:blip r:embed="rId8">
             <a:extLst>
               <a:ext uri="{96DAC541-7B7A-43D3-8B79-37D633B846F1}">
-                <asvg:svgBlip xmlns:asvg="http://schemas.microsoft.com/office/drawing/2016/SVG/main" r:embed="rId8"/>
+                <asvg:svgBlip xmlns:asvg="http://schemas.microsoft.com/office/drawing/2016/SVG/main" r:embed="rId9"/>
               </a:ext>
             </a:extLst>
           </a:blip>
@@ -37854,7 +34972,7 @@
 </p:sld>
 </file>
 
-<file path=ppt/slides/slide14.xml><?xml version="1.0" encoding="utf-8"?>
+<file path=ppt/slides/slide12.xml><?xml version="1.0" encoding="utf-8"?>
 <p:sld xmlns:a="http://schemas.openxmlformats.org/drawingml/2006/main" xmlns:r="http://schemas.openxmlformats.org/officeDocument/2006/relationships" xmlns:p="http://schemas.openxmlformats.org/presentationml/2006/main">
   <p:cSld>
     <p:bg>
@@ -38114,13 +35232,7 @@
           <a:p>
             <a:r>
               <a:rPr lang="en-US" dirty="0"/>
-              <a:t>Newer feature of pub/sub</a:t>
-            </a:r>
-          </a:p>
-          <a:p>
-            <a:r>
-              <a:rPr lang="en-US" dirty="0"/>
-              <a:t>Configure delivery retry a message for a set number of times</a:t>
+              <a:t>Configure delivery retry limit</a:t>
             </a:r>
           </a:p>
           <a:p>
@@ -38225,10 +35337,10 @@
           <p:nvPr/>
         </p:nvPicPr>
         <p:blipFill>
-          <a:blip r:embed="rId2">
+          <a:blip r:embed="rId3">
             <a:extLst>
               <a:ext uri="{96DAC541-7B7A-43D3-8B79-37D633B846F1}">
-                <asvg:svgBlip xmlns:asvg="http://schemas.microsoft.com/office/drawing/2016/SVG/main" r:embed="rId3"/>
+                <asvg:svgBlip xmlns:asvg="http://schemas.microsoft.com/office/drawing/2016/SVG/main" r:embed="rId4"/>
               </a:ext>
             </a:extLst>
           </a:blip>
@@ -38259,7 +35371,7 @@
 </p:sld>
 </file>
 
-<file path=ppt/slides/slide15.xml><?xml version="1.0" encoding="utf-8"?>
+<file path=ppt/slides/slide13.xml><?xml version="1.0" encoding="utf-8"?>
 <p:sld xmlns:a="http://schemas.openxmlformats.org/drawingml/2006/main" xmlns:r="http://schemas.openxmlformats.org/officeDocument/2006/relationships" xmlns:p="http://schemas.openxmlformats.org/presentationml/2006/main">
   <p:cSld>
     <p:bg>
@@ -38373,7 +35485,7 @@
               </a:lnSpc>
             </a:pPr>
             <a:r>
-              <a:rPr lang="en-US" sz="4400"/>
+              <a:rPr lang="en-US" sz="4400" dirty="0"/>
               <a:t>What Now?</a:t>
             </a:r>
           </a:p>
@@ -38451,10 +35563,10 @@
           </p:nvPr>
         </p:nvPicPr>
         <p:blipFill>
-          <a:blip r:embed="rId2">
+          <a:blip r:embed="rId3">
             <a:extLst>
               <a:ext uri="{96DAC541-7B7A-43D3-8B79-37D633B846F1}">
-                <asvg:svgBlip xmlns:asvg="http://schemas.microsoft.com/office/drawing/2016/SVG/main" r:embed="rId3"/>
+                <asvg:svgBlip xmlns:asvg="http://schemas.microsoft.com/office/drawing/2016/SVG/main" r:embed="rId4"/>
               </a:ext>
             </a:extLst>
           </a:blip>
@@ -38465,7 +35577,7 @@
         </p:blipFill>
         <p:spPr>
           <a:xfrm>
-            <a:off x="1734156" y="645106"/>
+            <a:off x="1734156" y="668552"/>
             <a:ext cx="5095875" cy="5247747"/>
           </a:xfrm>
           <a:prstGeom prst="rect">
@@ -38509,7 +35621,7 @@
           <a:p>
             <a:r>
               <a:rPr lang="en-US" dirty="0">
-                <a:hlinkClick r:id="rId4"/>
+                <a:hlinkClick r:id="rId5"/>
               </a:rPr>
               <a:t>https://cloud.google.com/pubsub/docs/overview</a:t>
             </a:r>
@@ -38518,7 +35630,7 @@
           <a:p>
             <a:r>
               <a:rPr lang="en-US" dirty="0">
-                <a:hlinkClick r:id="rId5"/>
+                <a:hlinkClick r:id="rId6"/>
               </a:rPr>
               <a:t>https://cloud.google.com/pubsub/architecture</a:t>
             </a:r>
@@ -38529,25 +35641,6 @@
               <a:rPr lang="en-US" dirty="0"/>
               <a:t>Create a GCP account and play</a:t>
             </a:r>
-          </a:p>
-          <a:p>
-            <a:r>
-              <a:rPr lang="en-US" dirty="0"/>
-              <a:t>Pluralsight and </a:t>
-            </a:r>
-            <a:r>
-              <a:rPr lang="en-US" dirty="0" err="1"/>
-              <a:t>Qwiklabs</a:t>
-            </a:r>
-            <a:r>
-              <a:rPr lang="en-US" dirty="0"/>
-              <a:t> have some resources if you have access </a:t>
-            </a:r>
-            <a:r>
-              <a:rPr lang="en-US"/>
-              <a:t>to them.</a:t>
-            </a:r>
-            <a:endParaRPr lang="en-US" dirty="0"/>
           </a:p>
         </p:txBody>
       </p:sp>
@@ -38676,10 +35769,10 @@
           <p:nvPr/>
         </p:nvPicPr>
         <p:blipFill>
-          <a:blip r:embed="rId6">
+          <a:blip r:embed="rId7">
             <a:extLst>
               <a:ext uri="{96DAC541-7B7A-43D3-8B79-37D633B846F1}">
-                <asvg:svgBlip xmlns:asvg="http://schemas.microsoft.com/office/drawing/2016/SVG/main" r:embed="rId7"/>
+                <asvg:svgBlip xmlns:asvg="http://schemas.microsoft.com/office/drawing/2016/SVG/main" r:embed="rId8"/>
               </a:ext>
             </a:extLst>
           </a:blip>
@@ -38710,7 +35803,7 @@
 </p:sld>
 </file>
 
-<file path=ppt/slides/slide16.xml><?xml version="1.0" encoding="utf-8"?>
+<file path=ppt/slides/slide14.xml><?xml version="1.0" encoding="utf-8"?>
 <p:sld xmlns:a="http://schemas.openxmlformats.org/drawingml/2006/main" xmlns:r="http://schemas.openxmlformats.org/officeDocument/2006/relationships" xmlns:p="http://schemas.openxmlformats.org/presentationml/2006/main">
   <p:cSld>
     <p:bg>
@@ -38978,7 +36071,7 @@
             </a:pPr>
             <a:r>
               <a:rPr lang="en-US" sz="2000" dirty="0">
-                <a:hlinkClick r:id="rId2"/>
+                <a:hlinkClick r:id="rId3"/>
               </a:rPr>
               <a:t>Email: karen_m_reeves@homedepot.com</a:t>
             </a:r>
@@ -38997,7 +36090,7 @@
             </a:pPr>
             <a:r>
               <a:rPr lang="en-US" sz="2000" dirty="0">
-                <a:hlinkClick r:id="rId3"/>
+                <a:hlinkClick r:id="rId4"/>
               </a:rPr>
               <a:t>LinkedIn: karenmreeves</a:t>
             </a:r>
@@ -39041,7 +36134,7 @@
             </a:r>
             <a:r>
               <a:rPr lang="en-US" sz="2000" dirty="0">
-                <a:hlinkClick r:id="rId4"/>
+                <a:hlinkClick r:id="rId5"/>
               </a:rPr>
               <a:t>https://kmr0018.github.io/ConnectForward-PubSubOnGCP/</a:t>
             </a:r>
@@ -39091,7 +36184,7 @@
             </a:pPr>
             <a:r>
               <a:rPr lang="en-US" dirty="0"/>
-              <a:t>Karen is a software engineer at Home Depot working on GCP, Java Microservices and React.  She has 22 years experience in Java and Web Development.  In her spare time she plays dog sports with her dogs and quilts, which explains her twitter and IG handle.</a:t>
+              <a:t>Karen is a senior software engineer at Home Depot working on GCP, Java Microservices and React.  She has 22 years experience in Java and Web Development.  In her spare time she plays dog sports with her dogs and quilts, which explains her twitter and IG handle.</a:t>
             </a:r>
           </a:p>
           <a:p>
@@ -39176,10 +36269,10 @@
           <p:nvPr/>
         </p:nvPicPr>
         <p:blipFill>
-          <a:blip r:embed="rId5">
+          <a:blip r:embed="rId6">
             <a:extLst>
               <a:ext uri="{96DAC541-7B7A-43D3-8B79-37D633B846F1}">
-                <asvg:svgBlip xmlns:asvg="http://schemas.microsoft.com/office/drawing/2016/SVG/main" r:embed="rId6"/>
+                <asvg:svgBlip xmlns:asvg="http://schemas.microsoft.com/office/drawing/2016/SVG/main" r:embed="rId7"/>
               </a:ext>
             </a:extLst>
           </a:blip>
@@ -39214,7 +36307,7 @@
           </p:nvPr>
         </p:nvPicPr>
         <p:blipFill rotWithShape="1">
-          <a:blip r:embed="rId7"/>
+          <a:blip r:embed="rId8"/>
           <a:srcRect r="-2" b="902"/>
           <a:stretch/>
         </p:blipFill>
@@ -39243,7 +36336,7 @@
           <p:nvPr/>
         </p:nvPicPr>
         <p:blipFill>
-          <a:blip r:embed="rId8"/>
+          <a:blip r:embed="rId9"/>
           <a:stretch>
             <a:fillRect/>
           </a:stretch>
@@ -39273,7 +36366,7 @@
           <p:nvPr/>
         </p:nvPicPr>
         <p:blipFill>
-          <a:blip r:embed="rId9"/>
+          <a:blip r:embed="rId10"/>
           <a:stretch>
             <a:fillRect/>
           </a:stretch>
@@ -39303,7 +36396,7 @@
           <p:nvPr/>
         </p:nvPicPr>
         <p:blipFill>
-          <a:blip r:embed="rId10"/>
+          <a:blip r:embed="rId11"/>
           <a:stretch>
             <a:fillRect/>
           </a:stretch>
@@ -39331,7 +36424,7 @@
 </p:sld>
 </file>
 
-<file path=ppt/slides/slide17.xml><?xml version="1.0" encoding="utf-8"?>
+<file path=ppt/slides/slide15.xml><?xml version="1.0" encoding="utf-8"?>
 <p:sld xmlns:a="http://schemas.openxmlformats.org/drawingml/2006/main" xmlns:r="http://schemas.openxmlformats.org/officeDocument/2006/relationships" xmlns:p="http://schemas.openxmlformats.org/presentationml/2006/main">
   <p:cSld>
     <p:bg>
@@ -39986,7 +37079,7 @@
           </p:nvPr>
         </p:nvPicPr>
         <p:blipFill>
-          <a:blip r:embed="rId2"/>
+          <a:blip r:embed="rId3"/>
           <a:srcRect l="1447" r="1447"/>
           <a:stretch>
             <a:fillRect/>
@@ -40033,7 +37126,7 @@
             </a:pPr>
             <a:r>
               <a:rPr lang="en-US" dirty="0"/>
-              <a:t>Any message sent by a publisher is immediately received by any subscribers to the topic.</a:t>
+              <a:t>Any message sent by a publisher is immediately received on any subscriptions to the topic.</a:t>
             </a:r>
           </a:p>
           <a:p>
@@ -40117,10 +37210,10 @@
           <p:nvPr/>
         </p:nvPicPr>
         <p:blipFill>
-          <a:blip r:embed="rId3">
+          <a:blip r:embed="rId4">
             <a:extLst>
               <a:ext uri="{96DAC541-7B7A-43D3-8B79-37D633B846F1}">
-                <asvg:svgBlip xmlns:asvg="http://schemas.microsoft.com/office/drawing/2016/SVG/main" r:embed="rId4"/>
+                <asvg:svgBlip xmlns:asvg="http://schemas.microsoft.com/office/drawing/2016/SVG/main" r:embed="rId5"/>
               </a:ext>
             </a:extLst>
           </a:blip>
@@ -40207,7 +37300,7 @@
           <a:p>
             <a:pPr algn="ctr"/>
             <a:r>
-              <a:rPr lang="en-US"/>
+              <a:rPr lang="en-US" dirty="0"/>
               <a:t>Pub/Sub Terms </a:t>
             </a:r>
           </a:p>
@@ -40290,7 +37383,7 @@
             <p:ph idx="1"/>
             <p:extLst>
               <p:ext uri="{D42A27DB-BD31-4B8C-83A1-F6EECF244321}">
-                <p14:modId xmlns:p14="http://schemas.microsoft.com/office/powerpoint/2010/main" val="2720066727"/>
+                <p14:modId xmlns:p14="http://schemas.microsoft.com/office/powerpoint/2010/main" val="3402774635"/>
               </p:ext>
             </p:extLst>
           </p:nvPr>
@@ -40301,7 +37394,7 @@
         </p:xfrm>
         <a:graphic>
           <a:graphicData uri="http://schemas.openxmlformats.org/drawingml/2006/diagram">
-            <dgm:relIds xmlns:dgm="http://schemas.openxmlformats.org/drawingml/2006/diagram" xmlns:r="http://schemas.openxmlformats.org/officeDocument/2006/relationships" r:dm="rId2" r:lo="rId3" r:qs="rId4" r:cs="rId5"/>
+            <dgm:relIds xmlns:dgm="http://schemas.openxmlformats.org/drawingml/2006/diagram" xmlns:r="http://schemas.openxmlformats.org/officeDocument/2006/relationships" r:dm="rId3" r:lo="rId4" r:qs="rId5" r:cs="rId6"/>
           </a:graphicData>
         </a:graphic>
       </p:graphicFrame>
@@ -40320,10 +37413,10 @@
           <p:nvPr/>
         </p:nvPicPr>
         <p:blipFill>
-          <a:blip r:embed="rId7">
+          <a:blip r:embed="rId8">
             <a:extLst>
               <a:ext uri="{96DAC541-7B7A-43D3-8B79-37D633B846F1}">
-                <asvg:svgBlip xmlns:asvg="http://schemas.microsoft.com/office/drawing/2016/SVG/main" r:embed="rId8"/>
+                <asvg:svgBlip xmlns:asvg="http://schemas.microsoft.com/office/drawing/2016/SVG/main" r:embed="rId9"/>
               </a:ext>
             </a:extLst>
           </a:blip>
@@ -40388,10 +37481,10 @@
           </p:nvPr>
         </p:nvPicPr>
         <p:blipFill>
-          <a:blip r:embed="rId2">
+          <a:blip r:embed="rId3">
             <a:extLst>
               <a:ext uri="{96DAC541-7B7A-43D3-8B79-37D633B846F1}">
-                <asvg:svgBlip xmlns:asvg="http://schemas.microsoft.com/office/drawing/2016/SVG/main" r:embed="rId3"/>
+                <asvg:svgBlip xmlns:asvg="http://schemas.microsoft.com/office/drawing/2016/SVG/main" r:embed="rId4"/>
               </a:ext>
             </a:extLst>
           </a:blip>
@@ -40475,10 +37568,10 @@
           <p:nvPr/>
         </p:nvPicPr>
         <p:blipFill>
-          <a:blip r:embed="rId4">
+          <a:blip r:embed="rId5">
             <a:extLst>
               <a:ext uri="{96DAC541-7B7A-43D3-8B79-37D633B846F1}">
-                <asvg:svgBlip xmlns:asvg="http://schemas.microsoft.com/office/drawing/2016/SVG/main" r:embed="rId5"/>
+                <asvg:svgBlip xmlns:asvg="http://schemas.microsoft.com/office/drawing/2016/SVG/main" r:embed="rId6"/>
               </a:ext>
             </a:extLst>
           </a:blip>
@@ -40805,7 +37898,7 @@
         </p:xfrm>
         <a:graphic>
           <a:graphicData uri="http://schemas.openxmlformats.org/drawingml/2006/diagram">
-            <dgm:relIds xmlns:dgm="http://schemas.openxmlformats.org/drawingml/2006/diagram" xmlns:r="http://schemas.openxmlformats.org/officeDocument/2006/relationships" r:dm="rId2" r:lo="rId3" r:qs="rId4" r:cs="rId5"/>
+            <dgm:relIds xmlns:dgm="http://schemas.openxmlformats.org/drawingml/2006/diagram" xmlns:r="http://schemas.openxmlformats.org/officeDocument/2006/relationships" r:dm="rId3" r:lo="rId4" r:qs="rId5" r:cs="rId6"/>
           </a:graphicData>
         </a:graphic>
       </p:graphicFrame>
@@ -40883,14 +37976,14 @@
             <p:ph idx="1"/>
             <p:extLst>
               <p:ext uri="{D42A27DB-BD31-4B8C-83A1-F6EECF244321}">
-                <p14:modId xmlns:p14="http://schemas.microsoft.com/office/powerpoint/2010/main" val="4197242453"/>
+                <p14:modId xmlns:p14="http://schemas.microsoft.com/office/powerpoint/2010/main" val="3590374672"/>
               </p:ext>
             </p:extLst>
           </p:nvPr>
         </p:nvGraphicFramePr>
         <p:xfrm>
-          <a:off x="1421026" y="2171700"/>
-          <a:ext cx="9601200" cy="3733800"/>
+          <a:off x="1421026" y="1652954"/>
+          <a:ext cx="9601200" cy="4431323"/>
         </p:xfrm>
         <a:graphic>
           <a:graphicData uri="http://schemas.openxmlformats.org/drawingml/2006/diagram">
@@ -41267,7 +38360,7 @@
         </p:xfrm>
         <a:graphic>
           <a:graphicData uri="http://schemas.openxmlformats.org/drawingml/2006/diagram">
-            <dgm:relIds xmlns:dgm="http://schemas.openxmlformats.org/drawingml/2006/diagram" xmlns:r="http://schemas.openxmlformats.org/officeDocument/2006/relationships" r:dm="rId2" r:lo="rId3" r:qs="rId4" r:cs="rId5"/>
+            <dgm:relIds xmlns:dgm="http://schemas.openxmlformats.org/drawingml/2006/diagram" xmlns:r="http://schemas.openxmlformats.org/officeDocument/2006/relationships" r:dm="rId3" r:lo="rId4" r:qs="rId5" r:cs="rId6"/>
           </a:graphicData>
         </a:graphic>
       </p:graphicFrame>
@@ -41286,10 +38379,10 @@
           <p:nvPr/>
         </p:nvPicPr>
         <p:blipFill>
-          <a:blip r:embed="rId7">
+          <a:blip r:embed="rId8">
             <a:extLst>
               <a:ext uri="{96DAC541-7B7A-43D3-8B79-37D633B846F1}">
-                <asvg:svgBlip xmlns:asvg="http://schemas.microsoft.com/office/drawing/2016/SVG/main" r:embed="rId8"/>
+                <asvg:svgBlip xmlns:asvg="http://schemas.microsoft.com/office/drawing/2016/SVG/main" r:embed="rId9"/>
               </a:ext>
             </a:extLst>
           </a:blip>
@@ -41437,7 +38530,7 @@
           <a:lstStyle/>
           <a:p>
             <a:r>
-              <a:rPr lang="en-US" sz="4100"/>
+              <a:rPr lang="en-US" sz="4100" dirty="0"/>
               <a:t>Cloud Pub/Sub Subscriptions</a:t>
             </a:r>
           </a:p>
@@ -41618,18 +38711,18 @@
             <p:ph idx="1"/>
             <p:extLst>
               <p:ext uri="{D42A27DB-BD31-4B8C-83A1-F6EECF244321}">
-                <p14:modId xmlns:p14="http://schemas.microsoft.com/office/powerpoint/2010/main" val="1593613129"/>
+                <p14:modId xmlns:p14="http://schemas.microsoft.com/office/powerpoint/2010/main" val="1561006312"/>
               </p:ext>
             </p:extLst>
           </p:nvPr>
         </p:nvGraphicFramePr>
         <p:xfrm>
-          <a:off x="784225" y="639763"/>
+          <a:off x="784225" y="663209"/>
           <a:ext cx="5959475" cy="5577781"/>
         </p:xfrm>
         <a:graphic>
           <a:graphicData uri="http://schemas.openxmlformats.org/drawingml/2006/diagram">
-            <dgm:relIds xmlns:dgm="http://schemas.openxmlformats.org/drawingml/2006/diagram" xmlns:r="http://schemas.openxmlformats.org/officeDocument/2006/relationships" r:dm="rId2" r:lo="rId3" r:qs="rId4" r:cs="rId5"/>
+            <dgm:relIds xmlns:dgm="http://schemas.openxmlformats.org/drawingml/2006/diagram" xmlns:r="http://schemas.openxmlformats.org/officeDocument/2006/relationships" r:dm="rId3" r:lo="rId4" r:qs="rId5" r:cs="rId6"/>
           </a:graphicData>
         </a:graphic>
       </p:graphicFrame>
@@ -41648,10 +38741,10 @@
           <p:nvPr/>
         </p:nvPicPr>
         <p:blipFill>
-          <a:blip r:embed="rId7">
+          <a:blip r:embed="rId8">
             <a:extLst>
               <a:ext uri="{96DAC541-7B7A-43D3-8B79-37D633B846F1}">
-                <asvg:svgBlip xmlns:asvg="http://schemas.microsoft.com/office/drawing/2016/SVG/main" r:embed="rId8"/>
+                <asvg:svgBlip xmlns:asvg="http://schemas.microsoft.com/office/drawing/2016/SVG/main" r:embed="rId9"/>
               </a:ext>
             </a:extLst>
           </a:blip>

--- a/PubSubGcpPresentation.pptx
+++ b/PubSubGcpPresentation.pptx
@@ -29526,7 +29526,7 @@
           <a:bodyPr/>
           <a:lstStyle/>
           <a:p>
-            <a:endParaRPr lang="en-US"/>
+            <a:endParaRPr lang="en-US" dirty="0"/>
           </a:p>
         </p:txBody>
       </p:sp>
@@ -36184,7 +36184,15 @@
             </a:pPr>
             <a:r>
               <a:rPr lang="en-US" dirty="0"/>
-              <a:t>Karen is a senior software engineer at Home Depot working on GCP, Java Microservices and React.  She has 22 years experience in Java and Web Development.  In her spare time she plays dog sports with her dogs and quilts, which explains her twitter and IG handle.</a:t>
+              <a:t>Karen is a senior software engineer at Home Depot working on GCP, Java Microservices and React.  She has 22 years experience in Java and Web Development and an MS in </a:t>
+            </a:r>
+            <a:r>
+              <a:rPr lang="en-US"/>
+              <a:t>Computer Science.  </a:t>
+            </a:r>
+            <a:r>
+              <a:rPr lang="en-US" dirty="0"/>
+              <a:t>In her spare time she plays dog sports with her dogs and quilts, which explains her twitter and IG handle.</a:t>
             </a:r>
           </a:p>
           <a:p>

--- a/PubSubGcpPresentation.pptx
+++ b/PubSubGcpPresentation.pptx
@@ -28795,7 +28795,7 @@
           <a:p>
             <a:fld id="{C09159B0-9D12-434B-AAE2-3439AFEEBA13}" type="datetimeFigureOut">
               <a:rPr lang="en-US" smtClean="0"/>
-              <a:t>12/1/20</a:t>
+              <a:t>12/3/20</a:t>
             </a:fld>
             <a:endParaRPr lang="en-US"/>
           </a:p>
@@ -30510,9 +30510,9 @@
             </a:lvl1pPr>
           </a:lstStyle>
           <a:p>
-            <a:fld id="{A3359F5C-6C31-3446-B4EA-5F776CCFE926}" type="datetime1">
+            <a:fld id="{44200D14-D3DB-BF40-AB64-EB52BFDCE4B7}" type="datetime1">
               <a:rPr lang="en-US" smtClean="0"/>
-              <a:t>12/1/20</a:t>
+              <a:t>12/4/20</a:t>
             </a:fld>
             <a:endParaRPr lang="en-US" dirty="0"/>
           </a:p>
@@ -30548,7 +30548,7 @@
           <a:p>
             <a:r>
               <a:rPr lang="en-US"/>
-              <a:t>https://kmr0018.github.io/ConnectForward-PubSubOnGCP/  @quiltndogs karen_m_reeves@homedepot.com</a:t>
+              <a:t>https://kmr0018.github.io/ConnectForward-PubSubOnGCP/  @dogsnquilts karen_m_reeves@homedepot.com</a:t>
             </a:r>
             <a:endParaRPr lang="en-US" dirty="0"/>
           </a:p>
@@ -30844,9 +30844,9 @@
           <a:bodyPr/>
           <a:lstStyle/>
           <a:p>
-            <a:fld id="{B0A8279B-0FFD-934E-B31D-1E9959DFEC1B}" type="datetime1">
+            <a:fld id="{E4917071-6413-0248-906E-F2295E7DD221}" type="datetime1">
               <a:rPr lang="en-US" smtClean="0"/>
-              <a:t>12/1/20</a:t>
+              <a:t>12/4/20</a:t>
             </a:fld>
             <a:endParaRPr lang="en-US" dirty="0"/>
           </a:p>
@@ -30869,7 +30869,7 @@
           <a:p>
             <a:r>
               <a:rPr lang="en-US"/>
-              <a:t>https://kmr0018.github.io/ConnectForward-PubSubOnGCP/  @quiltndogs karen_m_reeves@homedepot.com</a:t>
+              <a:t>https://kmr0018.github.io/ConnectForward-PubSubOnGCP/  @dogsnquilts karen_m_reeves@homedepot.com</a:t>
             </a:r>
             <a:endParaRPr lang="en-US" dirty="0"/>
           </a:p>
@@ -31028,9 +31028,9 @@
           <a:bodyPr/>
           <a:lstStyle/>
           <a:p>
-            <a:fld id="{96A304FF-D428-7B47-91A5-F6789F865EFD}" type="datetime1">
+            <a:fld id="{0226A7A1-6158-7240-B43A-BE5788DE732E}" type="datetime1">
               <a:rPr lang="en-US" smtClean="0"/>
-              <a:t>12/1/20</a:t>
+              <a:t>12/4/20</a:t>
             </a:fld>
             <a:endParaRPr lang="en-US" dirty="0"/>
           </a:p>
@@ -31053,7 +31053,7 @@
           <a:p>
             <a:r>
               <a:rPr lang="en-US"/>
-              <a:t>https://kmr0018.github.io/ConnectForward-PubSubOnGCP/  @quiltndogs karen_m_reeves@homedepot.com</a:t>
+              <a:t>https://kmr0018.github.io/ConnectForward-PubSubOnGCP/  @dogsnquilts karen_m_reeves@homedepot.com</a:t>
             </a:r>
             <a:endParaRPr lang="en-US" dirty="0"/>
           </a:p>
@@ -31202,9 +31202,9 @@
           <a:bodyPr/>
           <a:lstStyle/>
           <a:p>
-            <a:fld id="{8B987ED7-D956-5C47-A12D-B99DDA3F9F63}" type="datetime1">
+            <a:fld id="{741612A5-7FCF-7348-AAAF-92AAB174D3E6}" type="datetime1">
               <a:rPr lang="en-US" smtClean="0"/>
-              <a:t>12/1/20</a:t>
+              <a:t>12/4/20</a:t>
             </a:fld>
             <a:endParaRPr lang="en-US" dirty="0"/>
           </a:p>
@@ -31227,7 +31227,7 @@
           <a:p>
             <a:r>
               <a:rPr lang="en-US"/>
-              <a:t>https://kmr0018.github.io/ConnectForward-PubSubOnGCP/  @quiltndogs karen_m_reeves@homedepot.com</a:t>
+              <a:t>https://kmr0018.github.io/ConnectForward-PubSubOnGCP/  @dogsnquilts karen_m_reeves@homedepot.com</a:t>
             </a:r>
             <a:endParaRPr lang="en-US" dirty="0"/>
           </a:p>
@@ -31483,9 +31483,9 @@
             </a:lvl1pPr>
           </a:lstStyle>
           <a:p>
-            <a:fld id="{02B09E7D-F5FC-A844-BFF6-2D67A928610E}" type="datetime1">
+            <a:fld id="{7DF070A7-12A8-9549-B62C-48FB9F426D01}" type="datetime1">
               <a:rPr lang="en-US" smtClean="0"/>
-              <a:t>12/1/20</a:t>
+              <a:t>12/4/20</a:t>
             </a:fld>
             <a:endParaRPr lang="en-US" dirty="0"/>
           </a:p>
@@ -31521,7 +31521,7 @@
           <a:p>
             <a:r>
               <a:rPr lang="en-US"/>
-              <a:t>https://kmr0018.github.io/ConnectForward-PubSubOnGCP/  @quiltndogs karen_m_reeves@homedepot.com</a:t>
+              <a:t>https://kmr0018.github.io/ConnectForward-PubSubOnGCP/  @dogsnquilts karen_m_reeves@homedepot.com</a:t>
             </a:r>
             <a:endParaRPr lang="en-US" dirty="0"/>
           </a:p>
@@ -31881,9 +31881,9 @@
           <a:bodyPr/>
           <a:lstStyle/>
           <a:p>
-            <a:fld id="{2411B83D-4E3A-5049-BF3D-964C889B6821}" type="datetime1">
+            <a:fld id="{0238384B-8433-334B-9981-3A4C313316EC}" type="datetime1">
               <a:rPr lang="en-US" smtClean="0"/>
-              <a:t>12/1/20</a:t>
+              <a:t>12/4/20</a:t>
             </a:fld>
             <a:endParaRPr lang="en-US" dirty="0"/>
           </a:p>
@@ -31906,7 +31906,7 @@
           <a:p>
             <a:r>
               <a:rPr lang="en-US"/>
-              <a:t>https://kmr0018.github.io/ConnectForward-PubSubOnGCP/  @quiltndogs karen_m_reeves@homedepot.com</a:t>
+              <a:t>https://kmr0018.github.io/ConnectForward-PubSubOnGCP/  @dogsnquilts karen_m_reeves@homedepot.com</a:t>
             </a:r>
             <a:endParaRPr lang="en-US" dirty="0"/>
           </a:p>
@@ -32362,9 +32362,9 @@
           <a:bodyPr/>
           <a:lstStyle/>
           <a:p>
-            <a:fld id="{5D7BBA3D-20EE-EC48-AD67-29A543C96F8D}" type="datetime1">
+            <a:fld id="{3A4ED566-4053-5547-8766-AC88DADD1A07}" type="datetime1">
               <a:rPr lang="en-US" smtClean="0"/>
-              <a:t>12/1/20</a:t>
+              <a:t>12/4/20</a:t>
             </a:fld>
             <a:endParaRPr lang="en-US" dirty="0"/>
           </a:p>
@@ -32387,7 +32387,7 @@
           <a:p>
             <a:r>
               <a:rPr lang="en-US"/>
-              <a:t>https://kmr0018.github.io/ConnectForward-PubSubOnGCP/  @quiltndogs karen_m_reeves@homedepot.com</a:t>
+              <a:t>https://kmr0018.github.io/ConnectForward-PubSubOnGCP/  @dogsnquilts karen_m_reeves@homedepot.com</a:t>
             </a:r>
             <a:endParaRPr lang="en-US" dirty="0"/>
           </a:p>
@@ -32485,9 +32485,9 @@
           <a:bodyPr/>
           <a:lstStyle/>
           <a:p>
-            <a:fld id="{484F1B8C-104E-2F45-8EE5-8EE3CF97C84A}" type="datetime1">
+            <a:fld id="{040CB277-6127-4046-B847-D537E9C99ADC}" type="datetime1">
               <a:rPr lang="en-US" smtClean="0"/>
-              <a:t>12/1/20</a:t>
+              <a:t>12/4/20</a:t>
             </a:fld>
             <a:endParaRPr lang="en-US" dirty="0"/>
           </a:p>
@@ -32510,7 +32510,7 @@
           <a:p>
             <a:r>
               <a:rPr lang="en-US"/>
-              <a:t>https://kmr0018.github.io/ConnectForward-PubSubOnGCP/  @quiltndogs karen_m_reeves@homedepot.com</a:t>
+              <a:t>https://kmr0018.github.io/ConnectForward-PubSubOnGCP/  @dogsnquilts karen_m_reeves@homedepot.com</a:t>
             </a:r>
             <a:endParaRPr lang="en-US" dirty="0"/>
           </a:p>
@@ -32584,9 +32584,9 @@
           <a:bodyPr/>
           <a:lstStyle/>
           <a:p>
-            <a:fld id="{AD27424A-9175-E04A-B5AE-1D136F9B981D}" type="datetime1">
+            <a:fld id="{07A49430-0B4C-1E43-9252-524ED6977662}" type="datetime1">
               <a:rPr lang="en-US" smtClean="0"/>
-              <a:t>12/1/20</a:t>
+              <a:t>12/4/20</a:t>
             </a:fld>
             <a:endParaRPr lang="en-US" dirty="0"/>
           </a:p>
@@ -32609,7 +32609,7 @@
           <a:p>
             <a:r>
               <a:rPr lang="en-US"/>
-              <a:t>https://kmr0018.github.io/ConnectForward-PubSubOnGCP/  @quiltndogs karen_m_reeves@homedepot.com</a:t>
+              <a:t>https://kmr0018.github.io/ConnectForward-PubSubOnGCP/  @dogsnquilts karen_m_reeves@homedepot.com</a:t>
             </a:r>
             <a:endParaRPr lang="en-US" dirty="0"/>
           </a:p>
@@ -32934,9 +32934,9 @@
             </a:lvl1pPr>
           </a:lstStyle>
           <a:p>
-            <a:fld id="{20E7EA72-0893-4A43-B8EA-D0B49CB6E95A}" type="datetime1">
+            <a:fld id="{D662F282-B729-3346-ABFE-F048BEC5B16F}" type="datetime1">
               <a:rPr lang="en-US" smtClean="0"/>
-              <a:t>12/1/20</a:t>
+              <a:t>12/4/20</a:t>
             </a:fld>
             <a:endParaRPr lang="en-US" dirty="0"/>
           </a:p>
@@ -32972,7 +32972,7 @@
           <a:p>
             <a:r>
               <a:rPr lang="en-US"/>
-              <a:t>https://kmr0018.github.io/ConnectForward-PubSubOnGCP/  @quiltndogs karen_m_reeves@homedepot.com</a:t>
+              <a:t>https://kmr0018.github.io/ConnectForward-PubSubOnGCP/  @dogsnquilts karen_m_reeves@homedepot.com</a:t>
             </a:r>
             <a:endParaRPr lang="en-US" dirty="0"/>
           </a:p>
@@ -33326,9 +33326,9 @@
             </a:lvl1pPr>
           </a:lstStyle>
           <a:p>
-            <a:fld id="{1F9C1A6B-81A2-AD41-BC13-957C5641E2DA}" type="datetime1">
+            <a:fld id="{41D3BE31-C10F-C240-9D70-95B1DDBEC5F8}" type="datetime1">
               <a:rPr lang="en-US" smtClean="0"/>
-              <a:t>12/1/20</a:t>
+              <a:t>12/4/20</a:t>
             </a:fld>
             <a:endParaRPr lang="en-US" dirty="0"/>
           </a:p>
@@ -33364,7 +33364,7 @@
           <a:p>
             <a:r>
               <a:rPr lang="en-US"/>
-              <a:t>https://kmr0018.github.io/ConnectForward-PubSubOnGCP/  @quiltndogs karen_m_reeves@homedepot.com</a:t>
+              <a:t>https://kmr0018.github.io/ConnectForward-PubSubOnGCP/  @dogsnquilts karen_m_reeves@homedepot.com</a:t>
             </a:r>
             <a:endParaRPr lang="en-US" dirty="0"/>
           </a:p>
@@ -33609,9 +33609,9 @@
             </a:lvl1pPr>
           </a:lstStyle>
           <a:p>
-            <a:fld id="{BFCD0B0C-029D-034B-9AD3-27BFB42C65FE}" type="datetime1">
+            <a:fld id="{94B048E1-1924-E94A-9BB0-6F6B686C5008}" type="datetime1">
               <a:rPr lang="en-US" smtClean="0"/>
-              <a:t>12/1/20</a:t>
+              <a:t>12/4/20</a:t>
             </a:fld>
             <a:endParaRPr lang="en-US" dirty="0"/>
           </a:p>
@@ -33650,7 +33650,7 @@
           <a:p>
             <a:r>
               <a:rPr lang="en-US"/>
-              <a:t>https://kmr0018.github.io/ConnectForward-PubSubOnGCP/  @quiltndogs karen_m_reeves@homedepot.com</a:t>
+              <a:t>https://kmr0018.github.io/ConnectForward-PubSubOnGCP/  @dogsnquilts karen_m_reeves@homedepot.com</a:t>
             </a:r>
             <a:endParaRPr lang="en-US" dirty="0"/>
           </a:p>
@@ -34642,28 +34642,8 @@
               </a:spcAft>
             </a:pPr>
             <a:r>
-              <a:rPr lang="en-US" sz="1100" dirty="0"/>
-              <a:t>https://kmr0018.github.io/</a:t>
-            </a:r>
-            <a:r>
-              <a:rPr lang="en-US" sz="1100" dirty="0" err="1"/>
-              <a:t>ConnectForward-PubSubOnGCP</a:t>
-            </a:r>
-            <a:r>
-              <a:rPr lang="en-US" sz="1100" dirty="0"/>
-              <a:t>/  @</a:t>
-            </a:r>
-            <a:r>
-              <a:rPr lang="en-US" sz="1100" dirty="0" err="1"/>
-              <a:t>quiltndogs</a:t>
-            </a:r>
-            <a:r>
-              <a:rPr lang="en-US" sz="1100" dirty="0"/>
-              <a:t> </a:t>
-            </a:r>
-            <a:r>
-              <a:rPr lang="en-US" sz="1100" dirty="0" err="1"/>
-              <a:t>karen_m_reeves@homedepot.com</a:t>
+              <a:rPr lang="en-US" sz="1100"/>
+              <a:t>https://kmr0018.github.io/ConnectForward-PubSubOnGCP/  @dogsnquilts karen_m_reeves@homedepot.com</a:t>
             </a:r>
             <a:endParaRPr lang="en-US" sz="1100" dirty="0"/>
           </a:p>
@@ -34865,28 +34845,8 @@
               </a:spcAft>
             </a:pPr>
             <a:r>
-              <a:rPr lang="en-US" dirty="0"/>
-              <a:t>https://kmr0018.github.io/</a:t>
-            </a:r>
-            <a:r>
-              <a:rPr lang="en-US" dirty="0" err="1"/>
-              <a:t>ConnectForward-PubSubOnGCP</a:t>
-            </a:r>
-            <a:r>
-              <a:rPr lang="en-US" dirty="0"/>
-              <a:t>/  @</a:t>
-            </a:r>
-            <a:r>
-              <a:rPr lang="en-US" dirty="0" err="1"/>
-              <a:t>quiltndogs</a:t>
-            </a:r>
-            <a:r>
-              <a:rPr lang="en-US" dirty="0"/>
-              <a:t> </a:t>
-            </a:r>
-            <a:r>
-              <a:rPr lang="en-US" dirty="0" err="1"/>
-              <a:t>karen_m_reeves@homedepot.com</a:t>
+              <a:rPr lang="en-US"/>
+              <a:t>https://kmr0018.github.io/ConnectForward-PubSubOnGCP/  @dogsnquilts karen_m_reeves@homedepot.com</a:t>
             </a:r>
             <a:endParaRPr lang="en-US" dirty="0"/>
           </a:p>
@@ -35295,28 +35255,8 @@
               </a:spcAft>
             </a:pPr>
             <a:r>
-              <a:rPr lang="en-US" dirty="0"/>
-              <a:t>https://kmr0018.github.io/</a:t>
-            </a:r>
-            <a:r>
-              <a:rPr lang="en-US" dirty="0" err="1"/>
-              <a:t>ConnectForward-PubSubOnGCP</a:t>
-            </a:r>
-            <a:r>
-              <a:rPr lang="en-US" dirty="0"/>
-              <a:t>/  @</a:t>
-            </a:r>
-            <a:r>
-              <a:rPr lang="en-US" dirty="0" err="1"/>
-              <a:t>quiltndogs</a:t>
-            </a:r>
-            <a:r>
-              <a:rPr lang="en-US" dirty="0"/>
-              <a:t> </a:t>
-            </a:r>
-            <a:r>
-              <a:rPr lang="en-US" dirty="0" err="1"/>
-              <a:t>karen_m_reeves@homedepot.com</a:t>
+              <a:rPr lang="en-US"/>
+              <a:t>https://kmr0018.github.io/ConnectForward-PubSubOnGCP/  @dogsnquilts karen_m_reeves@homedepot.com</a:t>
             </a:r>
             <a:endParaRPr lang="en-US" dirty="0"/>
           </a:p>
@@ -35678,7 +35618,7 @@
               </a:spcAft>
             </a:pPr>
             <a:r>
-              <a:rPr lang="en-US" kern="1200" baseline="0" dirty="0">
+              <a:rPr lang="en-US" kern="1200" baseline="0">
                 <a:solidFill>
                   <a:schemeClr val="tx2"/>
                 </a:solidFill>
@@ -35686,62 +35626,7 @@
                 <a:ea typeface="+mn-ea"/>
                 <a:cs typeface="+mn-cs"/>
               </a:rPr>
-              <a:t>https://kmr0018.github.io/</a:t>
-            </a:r>
-            <a:r>
-              <a:rPr lang="en-US" kern="1200" baseline="0" dirty="0" err="1">
-                <a:solidFill>
-                  <a:schemeClr val="tx2"/>
-                </a:solidFill>
-                <a:latin typeface="+mn-lt"/>
-                <a:ea typeface="+mn-ea"/>
-                <a:cs typeface="+mn-cs"/>
-              </a:rPr>
-              <a:t>ConnectForward-PubSubOnGCP</a:t>
-            </a:r>
-            <a:r>
-              <a:rPr lang="en-US" kern="1200" baseline="0" dirty="0">
-                <a:solidFill>
-                  <a:schemeClr val="tx2"/>
-                </a:solidFill>
-                <a:latin typeface="+mn-lt"/>
-                <a:ea typeface="+mn-ea"/>
-                <a:cs typeface="+mn-cs"/>
-              </a:rPr>
-              <a:t>/  @</a:t>
-            </a:r>
-            <a:r>
-              <a:rPr lang="en-US" kern="1200" baseline="0" dirty="0" err="1">
-                <a:solidFill>
-                  <a:schemeClr val="tx2"/>
-                </a:solidFill>
-                <a:latin typeface="+mn-lt"/>
-                <a:ea typeface="+mn-ea"/>
-                <a:cs typeface="+mn-cs"/>
-              </a:rPr>
-              <a:t>quiltndogs</a:t>
-            </a:r>
-            <a:r>
-              <a:rPr lang="en-US" kern="1200" baseline="0" dirty="0">
-                <a:solidFill>
-                  <a:schemeClr val="tx2"/>
-                </a:solidFill>
-                <a:latin typeface="+mn-lt"/>
-                <a:ea typeface="+mn-ea"/>
-                <a:cs typeface="+mn-cs"/>
-              </a:rPr>
-              <a:t> </a:t>
-            </a:r>
-            <a:r>
-              <a:rPr lang="en-US" kern="1200" baseline="0" dirty="0" err="1">
-                <a:solidFill>
-                  <a:schemeClr val="tx2"/>
-                </a:solidFill>
-                <a:latin typeface="+mn-lt"/>
-                <a:ea typeface="+mn-ea"/>
-                <a:cs typeface="+mn-cs"/>
-              </a:rPr>
-              <a:t>karen_m_reeves@homedepot.com</a:t>
+              <a:t>https://kmr0018.github.io/ConnectForward-PubSubOnGCP/  @dogsnquilts karen_m_reeves@homedepot.com</a:t>
             </a:r>
             <a:endParaRPr lang="en-US" kern="1200" baseline="0" dirty="0">
               <a:solidFill>
@@ -36092,7 +35977,7 @@
               <a:rPr lang="en-US" sz="2000" dirty="0">
                 <a:hlinkClick r:id="rId4"/>
               </a:rPr>
-              <a:t>LinkedIn: karenmreeves</a:t>
+              <a:t>LinkeIn: https://linkedin.com/in/karenmreeves</a:t>
             </a:r>
             <a:endParaRPr lang="en-US" sz="2000" dirty="0"/>
           </a:p>
@@ -36113,7 +35998,7 @@
             </a:r>
             <a:r>
               <a:rPr lang="en-US" sz="2000" dirty="0" err="1"/>
-              <a:t>quiltndogs</a:t>
+              <a:t>dogsnquilts</a:t>
             </a:r>
             <a:endParaRPr lang="en-US" sz="2000" dirty="0"/>
           </a:p>
@@ -36160,17 +36045,6 @@
                 <a:spcPts val="200"/>
               </a:spcAft>
             </a:pPr>
-            <a:endParaRPr lang="en-US" sz="2000" dirty="0"/>
-          </a:p>
-          <a:p>
-            <a:pPr marL="384048" indent="-384048">
-              <a:lnSpc>
-                <a:spcPct val="94000"/>
-              </a:lnSpc>
-              <a:spcAft>
-                <a:spcPts val="200"/>
-              </a:spcAft>
-            </a:pPr>
             <a:endParaRPr lang="en-US" dirty="0"/>
           </a:p>
           <a:p>
@@ -36184,15 +36058,7 @@
             </a:pPr>
             <a:r>
               <a:rPr lang="en-US" dirty="0"/>
-              <a:t>Karen is a senior software engineer at Home Depot working on GCP, Java Microservices and React.  She has 22 years experience in Java and Web Development and an MS in </a:t>
-            </a:r>
-            <a:r>
-              <a:rPr lang="en-US"/>
-              <a:t>Computer Science.  </a:t>
-            </a:r>
-            <a:r>
-              <a:rPr lang="en-US" dirty="0"/>
-              <a:t>In her spare time she plays dog sports with her dogs and quilts, which explains her twitter and IG handle.</a:t>
+              <a:t>Karen is a senior software engineer at Home Depot working on GCP, Java Microservices and React.  She has 22 years experience in Java and Web Development and an MS in Computer Science.  In her spare time, she plays dog sports with her dogs and quilts, which explains her twitter and IG handle.</a:t>
             </a:r>
           </a:p>
           <a:p>
@@ -36248,7 +36114,7 @@
             </a:r>
             <a:r>
               <a:rPr lang="en-US" dirty="0" err="1"/>
-              <a:t>quiltndogs</a:t>
+              <a:t>dogsnquilts</a:t>
             </a:r>
             <a:r>
               <a:rPr lang="en-US" dirty="0"/>
@@ -36351,7 +36217,7 @@
         </p:blipFill>
         <p:spPr>
           <a:xfrm>
-            <a:off x="132329" y="2897413"/>
+            <a:off x="1172927" y="3471492"/>
             <a:ext cx="2137312" cy="3071587"/>
           </a:xfrm>
           <a:prstGeom prst="rect">
@@ -36383,36 +36249,6 @@
           <a:xfrm>
             <a:off x="2615407" y="491046"/>
             <a:ext cx="2353262" cy="3070139"/>
-          </a:xfrm>
-          <a:prstGeom prst="rect">
-            <a:avLst/>
-          </a:prstGeom>
-        </p:spPr>
-      </p:pic>
-      <p:pic>
-        <p:nvPicPr>
-          <p:cNvPr id="24" name="Picture 23" descr="A picture containing person, indoor, standing, dog&#10;&#10;Description automatically generated">
-            <a:extLst>
-              <a:ext uri="{FF2B5EF4-FFF2-40B4-BE49-F238E27FC236}">
-                <a16:creationId xmlns:a16="http://schemas.microsoft.com/office/drawing/2014/main" id="{6769A945-EC7A-D642-A263-A6CF1DEA0385}"/>
-              </a:ext>
-            </a:extLst>
-          </p:cNvPr>
-          <p:cNvPicPr>
-            <a:picLocks noChangeAspect="1"/>
-          </p:cNvPicPr>
-          <p:nvPr/>
-        </p:nvPicPr>
-        <p:blipFill>
-          <a:blip r:embed="rId11"/>
-          <a:stretch>
-            <a:fillRect/>
-          </a:stretch>
-        </p:blipFill>
-        <p:spPr>
-          <a:xfrm>
-            <a:off x="2269641" y="3729213"/>
-            <a:ext cx="2745144" cy="2724173"/>
           </a:xfrm>
           <a:prstGeom prst="rect">
             <a:avLst/>
@@ -36826,28 +36662,8 @@
               </a:spcAft>
             </a:pPr>
             <a:r>
-              <a:rPr lang="en-US" dirty="0"/>
-              <a:t>https://kmr0018.github.io/</a:t>
-            </a:r>
-            <a:r>
-              <a:rPr lang="en-US" dirty="0" err="1"/>
-              <a:t>ConnectForward-PubSubOnGCP</a:t>
-            </a:r>
-            <a:r>
-              <a:rPr lang="en-US" dirty="0"/>
-              <a:t>/  @</a:t>
-            </a:r>
-            <a:r>
-              <a:rPr lang="en-US" dirty="0" err="1"/>
-              <a:t>quiltndogs</a:t>
-            </a:r>
-            <a:r>
-              <a:rPr lang="en-US" dirty="0"/>
-              <a:t> </a:t>
-            </a:r>
-            <a:r>
-              <a:rPr lang="en-US" dirty="0" err="1"/>
-              <a:t>karen_m_reeves@homedepot.com</a:t>
+              <a:rPr lang="en-US"/>
+              <a:t>https://kmr0018.github.io/ConnectForward-PubSubOnGCP/  @dogsnquilts karen_m_reeves@homedepot.com</a:t>
             </a:r>
             <a:endParaRPr lang="en-US" dirty="0"/>
           </a:p>
@@ -36970,7 +36786,7 @@
           <a:p>
             <a:r>
               <a:rPr lang="en-US"/>
-              <a:t>https://kmr0018.github.io/ConnectForward-PubSubOnGCP/  @quiltndogs karen_m_reeves@homedepot.com</a:t>
+              <a:t>https://kmr0018.github.io/ConnectForward-PubSubOnGCP/  @dogsnquilts karen_m_reeves@homedepot.com</a:t>
             </a:r>
             <a:endParaRPr lang="en-US" dirty="0"/>
           </a:p>
@@ -37176,28 +36992,8 @@
           <a:lstStyle/>
           <a:p>
             <a:r>
-              <a:rPr lang="en-US" dirty="0"/>
-              <a:t>https://kmr0018.github.io/</a:t>
-            </a:r>
-            <a:r>
-              <a:rPr lang="en-US" dirty="0" err="1"/>
-              <a:t>ConnectForward-PubSubOnGCP</a:t>
-            </a:r>
-            <a:r>
-              <a:rPr lang="en-US" dirty="0"/>
-              <a:t>/  @</a:t>
-            </a:r>
-            <a:r>
-              <a:rPr lang="en-US" dirty="0" err="1"/>
-              <a:t>quiltndogs</a:t>
-            </a:r>
-            <a:r>
-              <a:rPr lang="en-US" dirty="0"/>
-              <a:t> </a:t>
-            </a:r>
-            <a:r>
-              <a:rPr lang="en-US" dirty="0" err="1"/>
-              <a:t>karen_m_reeves@homedepot.com</a:t>
+              <a:rPr lang="en-US"/>
+              <a:t>https://kmr0018.github.io/ConnectForward-PubSubOnGCP/  @dogsnquilts karen_m_reeves@homedepot.com</a:t>
             </a:r>
             <a:endParaRPr lang="en-US" dirty="0"/>
           </a:p>
@@ -37348,28 +37144,8 @@
               </a:spcAft>
             </a:pPr>
             <a:r>
-              <a:rPr lang="en-US" dirty="0"/>
-              <a:t>https://kmr0018.github.io/</a:t>
-            </a:r>
-            <a:r>
-              <a:rPr lang="en-US" dirty="0" err="1"/>
-              <a:t>ConnectForward-PubSubOnGCP</a:t>
-            </a:r>
-            <a:r>
-              <a:rPr lang="en-US" dirty="0"/>
-              <a:t>/  @</a:t>
-            </a:r>
-            <a:r>
-              <a:rPr lang="en-US" dirty="0" err="1"/>
-              <a:t>quiltndogs</a:t>
-            </a:r>
-            <a:r>
-              <a:rPr lang="en-US" dirty="0"/>
-              <a:t> </a:t>
-            </a:r>
-            <a:r>
-              <a:rPr lang="en-US" dirty="0" err="1"/>
-              <a:t>karen_m_reeves@homedepot.com</a:t>
+              <a:rPr lang="en-US"/>
+              <a:t>https://kmr0018.github.io/ConnectForward-PubSubOnGCP/  @dogsnquilts karen_m_reeves@homedepot.com</a:t>
             </a:r>
             <a:endParaRPr lang="en-US" dirty="0"/>
           </a:p>
@@ -37534,28 +37310,8 @@
           <a:lstStyle/>
           <a:p>
             <a:r>
-              <a:rPr lang="en-US" dirty="0"/>
-              <a:t>https://kmr0018.github.io/</a:t>
-            </a:r>
-            <a:r>
-              <a:rPr lang="en-US" dirty="0" err="1"/>
-              <a:t>ConnectForward-PubSubOnGCP</a:t>
-            </a:r>
-            <a:r>
-              <a:rPr lang="en-US" dirty="0"/>
-              <a:t>/  @</a:t>
-            </a:r>
-            <a:r>
-              <a:rPr lang="en-US" dirty="0" err="1"/>
-              <a:t>quiltndogs</a:t>
-            </a:r>
-            <a:r>
-              <a:rPr lang="en-US" dirty="0"/>
-              <a:t> </a:t>
-            </a:r>
-            <a:r>
-              <a:rPr lang="en-US" dirty="0" err="1"/>
-              <a:t>karen_m_reeves@homedepot.com</a:t>
+              <a:rPr lang="en-US"/>
+              <a:t>https://kmr0018.github.io/ConnectForward-PubSubOnGCP/  @dogsnquilts karen_m_reeves@homedepot.com</a:t>
             </a:r>
             <a:endParaRPr lang="en-US" dirty="0"/>
           </a:p>
@@ -37794,28 +37550,8 @@
               </a:spcAft>
             </a:pPr>
             <a:r>
-              <a:rPr lang="en-US" dirty="0"/>
-              <a:t>https://kmr0018.github.io/</a:t>
-            </a:r>
-            <a:r>
-              <a:rPr lang="en-US" dirty="0" err="1"/>
-              <a:t>ConnectForward-PubSubOnGCP</a:t>
-            </a:r>
-            <a:r>
-              <a:rPr lang="en-US" dirty="0"/>
-              <a:t>/  @</a:t>
-            </a:r>
-            <a:r>
-              <a:rPr lang="en-US" dirty="0" err="1"/>
-              <a:t>quiltndogs</a:t>
-            </a:r>
-            <a:r>
-              <a:rPr lang="en-US" dirty="0"/>
-              <a:t> </a:t>
-            </a:r>
-            <a:r>
-              <a:rPr lang="en-US" dirty="0" err="1"/>
-              <a:t>karen_m_reeves@homedepot.com</a:t>
+              <a:rPr lang="en-US"/>
+              <a:t>https://kmr0018.github.io/ConnectForward-PubSubOnGCP/  @dogsnquilts karen_m_reeves@homedepot.com</a:t>
             </a:r>
             <a:endParaRPr lang="en-US" dirty="0"/>
           </a:p>
@@ -38026,28 +37762,8 @@
           <a:lstStyle/>
           <a:p>
             <a:r>
-              <a:rPr lang="en-US" dirty="0"/>
-              <a:t>https://kmr0018.github.io/</a:t>
-            </a:r>
-            <a:r>
-              <a:rPr lang="en-US" dirty="0" err="1"/>
-              <a:t>ConnectForward-PubSubOnGCP</a:t>
-            </a:r>
-            <a:r>
-              <a:rPr lang="en-US" dirty="0"/>
-              <a:t>/  @</a:t>
-            </a:r>
-            <a:r>
-              <a:rPr lang="en-US" dirty="0" err="1"/>
-              <a:t>quiltndogs</a:t>
-            </a:r>
-            <a:r>
-              <a:rPr lang="en-US" dirty="0"/>
-              <a:t> </a:t>
-            </a:r>
-            <a:r>
-              <a:rPr lang="en-US" dirty="0" err="1"/>
-              <a:t>karen_m_reeves@homedepot.com</a:t>
+              <a:rPr lang="en-US"/>
+              <a:t>https://kmr0018.github.io/ConnectForward-PubSubOnGCP/  @dogsnquilts karen_m_reeves@homedepot.com</a:t>
             </a:r>
             <a:endParaRPr lang="en-US" dirty="0"/>
           </a:p>
@@ -38256,28 +37972,8 @@
               </a:spcAft>
             </a:pPr>
             <a:r>
-              <a:rPr lang="en-US" dirty="0"/>
-              <a:t>https://kmr0018.github.io/</a:t>
-            </a:r>
-            <a:r>
-              <a:rPr lang="en-US" dirty="0" err="1"/>
-              <a:t>ConnectForward-PubSubOnGCP</a:t>
-            </a:r>
-            <a:r>
-              <a:rPr lang="en-US" dirty="0"/>
-              <a:t>/  @</a:t>
-            </a:r>
-            <a:r>
-              <a:rPr lang="en-US" dirty="0" err="1"/>
-              <a:t>quiltndogs</a:t>
-            </a:r>
-            <a:r>
-              <a:rPr lang="en-US" dirty="0"/>
-              <a:t> </a:t>
-            </a:r>
-            <a:r>
-              <a:rPr lang="en-US" dirty="0" err="1"/>
-              <a:t>karen_m_reeves@homedepot.com</a:t>
+              <a:rPr lang="en-US"/>
+              <a:t>https://kmr0018.github.io/ConnectForward-PubSubOnGCP/  @dogsnquilts karen_m_reeves@homedepot.com</a:t>
             </a:r>
             <a:endParaRPr lang="en-US" dirty="0"/>
           </a:p>
@@ -38639,7 +38335,7 @@
             </a:pPr>
             <a:r>
               <a:rPr lang="en-US"/>
-              <a:t>https://kmr0018.github.io/ConnectForward-PubSubOnGCP/  @quiltndogs karen_m_reeves@homedepot.com</a:t>
+              <a:t>https://kmr0018.github.io/ConnectForward-PubSubOnGCP/  @dogsnquilts karen_m_reeves@homedepot.com</a:t>
             </a:r>
           </a:p>
         </p:txBody>
